--- a/THE_A_Ideas/Innocent Gems/Innocent Gems - Flows.pptx
+++ b/THE_A_Ideas/Innocent Gems/Innocent Gems - Flows.pptx
@@ -4,15 +4,19 @@
   <p:sldMasterIdLst>
     <p:sldMasterId id="2147483672" r:id="rId1"/>
   </p:sldMasterIdLst>
+  <p:notesMasterIdLst>
+    <p:notesMasterId r:id="rId11"/>
+  </p:notesMasterIdLst>
   <p:sldIdLst>
     <p:sldId id="257" r:id="rId2"/>
     <p:sldId id="256" r:id="rId3"/>
     <p:sldId id="265" r:id="rId4"/>
-    <p:sldId id="261" r:id="rId5"/>
-    <p:sldId id="263" r:id="rId6"/>
-    <p:sldId id="266" r:id="rId7"/>
-    <p:sldId id="259" r:id="rId8"/>
-    <p:sldId id="260" r:id="rId9"/>
+    <p:sldId id="267" r:id="rId5"/>
+    <p:sldId id="261" r:id="rId6"/>
+    <p:sldId id="263" r:id="rId7"/>
+    <p:sldId id="266" r:id="rId8"/>
+    <p:sldId id="259" r:id="rId9"/>
+    <p:sldId id="260" r:id="rId10"/>
   </p:sldIdLst>
   <p:sldSz cx="12192000" cy="6858000"/>
   <p:notesSz cx="6858000" cy="9144000"/>
@@ -117,6 +121,439 @@
     </p:ext>
   </p:extLst>
 </p:presentation>
+</file>
+
+<file path=ppt/notesMasters/notesMaster1.xml><?xml version="1.0" encoding="utf-8"?>
+<p:notesMaster xmlns:a="http://schemas.openxmlformats.org/drawingml/2006/main" xmlns:r="http://schemas.openxmlformats.org/officeDocument/2006/relationships" xmlns:p="http://schemas.openxmlformats.org/presentationml/2006/main">
+  <p:cSld>
+    <p:bg>
+      <p:bgRef idx="1001">
+        <a:schemeClr val="bg1"/>
+      </p:bgRef>
+    </p:bg>
+    <p:spTree>
+      <p:nvGrpSpPr>
+        <p:cNvPr id="1" name=""/>
+        <p:cNvGrpSpPr/>
+        <p:nvPr/>
+      </p:nvGrpSpPr>
+      <p:grpSpPr>
+        <a:xfrm>
+          <a:off x="0" y="0"/>
+          <a:ext cx="0" cy="0"/>
+          <a:chOff x="0" y="0"/>
+          <a:chExt cx="0" cy="0"/>
+        </a:xfrm>
+      </p:grpSpPr>
+      <p:sp>
+        <p:nvSpPr>
+          <p:cNvPr id="2" name="Header Placeholder 1"/>
+          <p:cNvSpPr>
+            <a:spLocks noGrp="1"/>
+          </p:cNvSpPr>
+          <p:nvPr>
+            <p:ph type="hdr" sz="quarter"/>
+          </p:nvPr>
+        </p:nvSpPr>
+        <p:spPr>
+          <a:xfrm>
+            <a:off x="0" y="0"/>
+            <a:ext cx="2971800" cy="458788"/>
+          </a:xfrm>
+          <a:prstGeom prst="rect">
+            <a:avLst/>
+          </a:prstGeom>
+        </p:spPr>
+        <p:txBody>
+          <a:bodyPr vert="horz" lIns="91440" tIns="45720" rIns="91440" bIns="45720" rtlCol="0"/>
+          <a:lstStyle>
+            <a:lvl1pPr algn="l">
+              <a:defRPr sz="1200"/>
+            </a:lvl1pPr>
+          </a:lstStyle>
+          <a:p>
+            <a:endParaRPr lang="en-US"/>
+          </a:p>
+        </p:txBody>
+      </p:sp>
+      <p:sp>
+        <p:nvSpPr>
+          <p:cNvPr id="3" name="Date Placeholder 2"/>
+          <p:cNvSpPr>
+            <a:spLocks noGrp="1"/>
+          </p:cNvSpPr>
+          <p:nvPr>
+            <p:ph type="dt" idx="1"/>
+          </p:nvPr>
+        </p:nvSpPr>
+        <p:spPr>
+          <a:xfrm>
+            <a:off x="3884613" y="0"/>
+            <a:ext cx="2971800" cy="458788"/>
+          </a:xfrm>
+          <a:prstGeom prst="rect">
+            <a:avLst/>
+          </a:prstGeom>
+        </p:spPr>
+        <p:txBody>
+          <a:bodyPr vert="horz" lIns="91440" tIns="45720" rIns="91440" bIns="45720" rtlCol="0"/>
+          <a:lstStyle>
+            <a:lvl1pPr algn="r">
+              <a:defRPr sz="1200"/>
+            </a:lvl1pPr>
+          </a:lstStyle>
+          <a:p>
+            <a:fld id="{E46DFF9B-7890-4956-96F0-AFF859094789}" type="datetimeFigureOut">
+              <a:rPr lang="en-US" smtClean="0"/>
+              <a:t>11/1/2024</a:t>
+            </a:fld>
+            <a:endParaRPr lang="en-US"/>
+          </a:p>
+        </p:txBody>
+      </p:sp>
+      <p:sp>
+        <p:nvSpPr>
+          <p:cNvPr id="4" name="Slide Image Placeholder 3"/>
+          <p:cNvSpPr>
+            <a:spLocks noGrp="1" noRot="1" noChangeAspect="1"/>
+          </p:cNvSpPr>
+          <p:nvPr>
+            <p:ph type="sldImg" idx="2"/>
+          </p:nvPr>
+        </p:nvSpPr>
+        <p:spPr>
+          <a:xfrm>
+            <a:off x="685800" y="1143000"/>
+            <a:ext cx="5486400" cy="3086100"/>
+          </a:xfrm>
+          <a:prstGeom prst="rect">
+            <a:avLst/>
+          </a:prstGeom>
+          <a:noFill/>
+          <a:ln w="12700">
+            <a:solidFill>
+              <a:prstClr val="black"/>
+            </a:solidFill>
+          </a:ln>
+        </p:spPr>
+        <p:txBody>
+          <a:bodyPr vert="horz" lIns="91440" tIns="45720" rIns="91440" bIns="45720" rtlCol="0" anchor="ctr"/>
+          <a:lstStyle/>
+          <a:p>
+            <a:endParaRPr lang="en-US"/>
+          </a:p>
+        </p:txBody>
+      </p:sp>
+      <p:sp>
+        <p:nvSpPr>
+          <p:cNvPr id="5" name="Notes Placeholder 4"/>
+          <p:cNvSpPr>
+            <a:spLocks noGrp="1"/>
+          </p:cNvSpPr>
+          <p:nvPr>
+            <p:ph type="body" sz="quarter" idx="3"/>
+          </p:nvPr>
+        </p:nvSpPr>
+        <p:spPr>
+          <a:xfrm>
+            <a:off x="685800" y="4400550"/>
+            <a:ext cx="5486400" cy="3600450"/>
+          </a:xfrm>
+          <a:prstGeom prst="rect">
+            <a:avLst/>
+          </a:prstGeom>
+        </p:spPr>
+        <p:txBody>
+          <a:bodyPr vert="horz" lIns="91440" tIns="45720" rIns="91440" bIns="45720" rtlCol="0"/>
+          <a:lstStyle/>
+          <a:p>
+            <a:pPr lvl="0"/>
+            <a:r>
+              <a:rPr lang="en-US"/>
+              <a:t>Click to edit Master text styles</a:t>
+            </a:r>
+          </a:p>
+          <a:p>
+            <a:pPr lvl="1"/>
+            <a:r>
+              <a:rPr lang="en-US"/>
+              <a:t>Second level</a:t>
+            </a:r>
+          </a:p>
+          <a:p>
+            <a:pPr lvl="2"/>
+            <a:r>
+              <a:rPr lang="en-US"/>
+              <a:t>Third level</a:t>
+            </a:r>
+          </a:p>
+          <a:p>
+            <a:pPr lvl="3"/>
+            <a:r>
+              <a:rPr lang="en-US"/>
+              <a:t>Fourth level</a:t>
+            </a:r>
+          </a:p>
+          <a:p>
+            <a:pPr lvl="4"/>
+            <a:r>
+              <a:rPr lang="en-US"/>
+              <a:t>Fifth level</a:t>
+            </a:r>
+          </a:p>
+        </p:txBody>
+      </p:sp>
+      <p:sp>
+        <p:nvSpPr>
+          <p:cNvPr id="6" name="Footer Placeholder 5"/>
+          <p:cNvSpPr>
+            <a:spLocks noGrp="1"/>
+          </p:cNvSpPr>
+          <p:nvPr>
+            <p:ph type="ftr" sz="quarter" idx="4"/>
+          </p:nvPr>
+        </p:nvSpPr>
+        <p:spPr>
+          <a:xfrm>
+            <a:off x="0" y="8685213"/>
+            <a:ext cx="2971800" cy="458787"/>
+          </a:xfrm>
+          <a:prstGeom prst="rect">
+            <a:avLst/>
+          </a:prstGeom>
+        </p:spPr>
+        <p:txBody>
+          <a:bodyPr vert="horz" lIns="91440" tIns="45720" rIns="91440" bIns="45720" rtlCol="0" anchor="b"/>
+          <a:lstStyle>
+            <a:lvl1pPr algn="l">
+              <a:defRPr sz="1200"/>
+            </a:lvl1pPr>
+          </a:lstStyle>
+          <a:p>
+            <a:endParaRPr lang="en-US"/>
+          </a:p>
+        </p:txBody>
+      </p:sp>
+      <p:sp>
+        <p:nvSpPr>
+          <p:cNvPr id="7" name="Slide Number Placeholder 6"/>
+          <p:cNvSpPr>
+            <a:spLocks noGrp="1"/>
+          </p:cNvSpPr>
+          <p:nvPr>
+            <p:ph type="sldNum" sz="quarter" idx="5"/>
+          </p:nvPr>
+        </p:nvSpPr>
+        <p:spPr>
+          <a:xfrm>
+            <a:off x="3884613" y="8685213"/>
+            <a:ext cx="2971800" cy="458787"/>
+          </a:xfrm>
+          <a:prstGeom prst="rect">
+            <a:avLst/>
+          </a:prstGeom>
+        </p:spPr>
+        <p:txBody>
+          <a:bodyPr vert="horz" lIns="91440" tIns="45720" rIns="91440" bIns="45720" rtlCol="0" anchor="b"/>
+          <a:lstStyle>
+            <a:lvl1pPr algn="r">
+              <a:defRPr sz="1200"/>
+            </a:lvl1pPr>
+          </a:lstStyle>
+          <a:p>
+            <a:fld id="{14086541-2B8E-4293-9530-28B3B0F32C9F}" type="slidenum">
+              <a:rPr lang="en-US" smtClean="0"/>
+              <a:t>‹#›</a:t>
+            </a:fld>
+            <a:endParaRPr lang="en-US"/>
+          </a:p>
+        </p:txBody>
+      </p:sp>
+    </p:spTree>
+    <p:extLst>
+      <p:ext uri="{BB962C8B-B14F-4D97-AF65-F5344CB8AC3E}">
+        <p14:creationId xmlns:p14="http://schemas.microsoft.com/office/powerpoint/2010/main" val="1706929104"/>
+      </p:ext>
+    </p:extLst>
+  </p:cSld>
+  <p:clrMap bg1="lt1" tx1="dk1" bg2="lt2" tx2="dk2" accent1="accent1" accent2="accent2" accent3="accent3" accent4="accent4" accent5="accent5" accent6="accent6" hlink="hlink" folHlink="folHlink"/>
+  <p:notesStyle>
+    <a:lvl1pPr marL="0" algn="l" defTabSz="914400" rtl="0" eaLnBrk="1" latinLnBrk="0" hangingPunct="1">
+      <a:defRPr sz="1200" kern="1200">
+        <a:solidFill>
+          <a:schemeClr val="tx1"/>
+        </a:solidFill>
+        <a:latin typeface="+mn-lt"/>
+        <a:ea typeface="+mn-ea"/>
+        <a:cs typeface="+mn-cs"/>
+      </a:defRPr>
+    </a:lvl1pPr>
+    <a:lvl2pPr marL="457200" algn="l" defTabSz="914400" rtl="0" eaLnBrk="1" latinLnBrk="0" hangingPunct="1">
+      <a:defRPr sz="1200" kern="1200">
+        <a:solidFill>
+          <a:schemeClr val="tx1"/>
+        </a:solidFill>
+        <a:latin typeface="+mn-lt"/>
+        <a:ea typeface="+mn-ea"/>
+        <a:cs typeface="+mn-cs"/>
+      </a:defRPr>
+    </a:lvl2pPr>
+    <a:lvl3pPr marL="914400" algn="l" defTabSz="914400" rtl="0" eaLnBrk="1" latinLnBrk="0" hangingPunct="1">
+      <a:defRPr sz="1200" kern="1200">
+        <a:solidFill>
+          <a:schemeClr val="tx1"/>
+        </a:solidFill>
+        <a:latin typeface="+mn-lt"/>
+        <a:ea typeface="+mn-ea"/>
+        <a:cs typeface="+mn-cs"/>
+      </a:defRPr>
+    </a:lvl3pPr>
+    <a:lvl4pPr marL="1371600" algn="l" defTabSz="914400" rtl="0" eaLnBrk="1" latinLnBrk="0" hangingPunct="1">
+      <a:defRPr sz="1200" kern="1200">
+        <a:solidFill>
+          <a:schemeClr val="tx1"/>
+        </a:solidFill>
+        <a:latin typeface="+mn-lt"/>
+        <a:ea typeface="+mn-ea"/>
+        <a:cs typeface="+mn-cs"/>
+      </a:defRPr>
+    </a:lvl4pPr>
+    <a:lvl5pPr marL="1828800" algn="l" defTabSz="914400" rtl="0" eaLnBrk="1" latinLnBrk="0" hangingPunct="1">
+      <a:defRPr sz="1200" kern="1200">
+        <a:solidFill>
+          <a:schemeClr val="tx1"/>
+        </a:solidFill>
+        <a:latin typeface="+mn-lt"/>
+        <a:ea typeface="+mn-ea"/>
+        <a:cs typeface="+mn-cs"/>
+      </a:defRPr>
+    </a:lvl5pPr>
+    <a:lvl6pPr marL="2286000" algn="l" defTabSz="914400" rtl="0" eaLnBrk="1" latinLnBrk="0" hangingPunct="1">
+      <a:defRPr sz="1200" kern="1200">
+        <a:solidFill>
+          <a:schemeClr val="tx1"/>
+        </a:solidFill>
+        <a:latin typeface="+mn-lt"/>
+        <a:ea typeface="+mn-ea"/>
+        <a:cs typeface="+mn-cs"/>
+      </a:defRPr>
+    </a:lvl6pPr>
+    <a:lvl7pPr marL="2743200" algn="l" defTabSz="914400" rtl="0" eaLnBrk="1" latinLnBrk="0" hangingPunct="1">
+      <a:defRPr sz="1200" kern="1200">
+        <a:solidFill>
+          <a:schemeClr val="tx1"/>
+        </a:solidFill>
+        <a:latin typeface="+mn-lt"/>
+        <a:ea typeface="+mn-ea"/>
+        <a:cs typeface="+mn-cs"/>
+      </a:defRPr>
+    </a:lvl7pPr>
+    <a:lvl8pPr marL="3200400" algn="l" defTabSz="914400" rtl="0" eaLnBrk="1" latinLnBrk="0" hangingPunct="1">
+      <a:defRPr sz="1200" kern="1200">
+        <a:solidFill>
+          <a:schemeClr val="tx1"/>
+        </a:solidFill>
+        <a:latin typeface="+mn-lt"/>
+        <a:ea typeface="+mn-ea"/>
+        <a:cs typeface="+mn-cs"/>
+      </a:defRPr>
+    </a:lvl8pPr>
+    <a:lvl9pPr marL="3657600" algn="l" defTabSz="914400" rtl="0" eaLnBrk="1" latinLnBrk="0" hangingPunct="1">
+      <a:defRPr sz="1200" kern="1200">
+        <a:solidFill>
+          <a:schemeClr val="tx1"/>
+        </a:solidFill>
+        <a:latin typeface="+mn-lt"/>
+        <a:ea typeface="+mn-ea"/>
+        <a:cs typeface="+mn-cs"/>
+      </a:defRPr>
+    </a:lvl9pPr>
+  </p:notesStyle>
+</p:notesMaster>
+</file>
+
+<file path=ppt/notesSlides/notesSlide1.xml><?xml version="1.0" encoding="utf-8"?>
+<p:notes xmlns:a="http://schemas.openxmlformats.org/drawingml/2006/main" xmlns:r="http://schemas.openxmlformats.org/officeDocument/2006/relationships" xmlns:p="http://schemas.openxmlformats.org/presentationml/2006/main">
+  <p:cSld>
+    <p:spTree>
+      <p:nvGrpSpPr>
+        <p:cNvPr id="1" name=""/>
+        <p:cNvGrpSpPr/>
+        <p:nvPr/>
+      </p:nvGrpSpPr>
+      <p:grpSpPr>
+        <a:xfrm>
+          <a:off x="0" y="0"/>
+          <a:ext cx="0" cy="0"/>
+          <a:chOff x="0" y="0"/>
+          <a:chExt cx="0" cy="0"/>
+        </a:xfrm>
+      </p:grpSpPr>
+      <p:sp>
+        <p:nvSpPr>
+          <p:cNvPr id="2" name="Slide Image Placeholder 1"/>
+          <p:cNvSpPr>
+            <a:spLocks noGrp="1" noRot="1" noChangeAspect="1"/>
+          </p:cNvSpPr>
+          <p:nvPr>
+            <p:ph type="sldImg"/>
+          </p:nvPr>
+        </p:nvSpPr>
+        <p:spPr/>
+      </p:sp>
+      <p:sp>
+        <p:nvSpPr>
+          <p:cNvPr id="3" name="Notes Placeholder 2"/>
+          <p:cNvSpPr>
+            <a:spLocks noGrp="1"/>
+          </p:cNvSpPr>
+          <p:nvPr>
+            <p:ph type="body" idx="1"/>
+          </p:nvPr>
+        </p:nvSpPr>
+        <p:spPr/>
+        <p:txBody>
+          <a:bodyPr/>
+          <a:lstStyle/>
+          <a:p>
+            <a:endParaRPr lang="en-US" dirty="0"/>
+          </a:p>
+        </p:txBody>
+      </p:sp>
+      <p:sp>
+        <p:nvSpPr>
+          <p:cNvPr id="4" name="Slide Number Placeholder 3"/>
+          <p:cNvSpPr>
+            <a:spLocks noGrp="1"/>
+          </p:cNvSpPr>
+          <p:nvPr>
+            <p:ph type="sldNum" sz="quarter" idx="5"/>
+          </p:nvPr>
+        </p:nvSpPr>
+        <p:spPr/>
+        <p:txBody>
+          <a:bodyPr/>
+          <a:lstStyle/>
+          <a:p>
+            <a:fld id="{14086541-2B8E-4293-9530-28B3B0F32C9F}" type="slidenum">
+              <a:rPr lang="en-US" smtClean="0"/>
+              <a:t>3</a:t>
+            </a:fld>
+            <a:endParaRPr lang="en-US"/>
+          </a:p>
+        </p:txBody>
+      </p:sp>
+    </p:spTree>
+    <p:extLst>
+      <p:ext uri="{BB962C8B-B14F-4D97-AF65-F5344CB8AC3E}">
+        <p14:creationId xmlns:p14="http://schemas.microsoft.com/office/powerpoint/2010/main" val="3424308333"/>
+      </p:ext>
+    </p:extLst>
+  </p:cSld>
+  <p:clrMapOvr>
+    <a:masterClrMapping/>
+  </p:clrMapOvr>
+</p:notes>
 </file>
 
 <file path=ppt/slideLayouts/slideLayout1.xml><?xml version="1.0" encoding="utf-8"?>
@@ -250,7 +687,7 @@
           <a:p>
             <a:fld id="{AA3BECB3-B129-4032-B16C-54274E3F2ECB}" type="datetimeFigureOut">
               <a:rPr lang="en-US" smtClean="0"/>
-              <a:t>10/29/2024</a:t>
+              <a:t>10/30/2024</a:t>
             </a:fld>
             <a:endParaRPr lang="en-US"/>
           </a:p>
@@ -420,7 +857,7 @@
           <a:p>
             <a:fld id="{AA3BECB3-B129-4032-B16C-54274E3F2ECB}" type="datetimeFigureOut">
               <a:rPr lang="en-US" smtClean="0"/>
-              <a:t>10/29/2024</a:t>
+              <a:t>10/30/2024</a:t>
             </a:fld>
             <a:endParaRPr lang="en-US"/>
           </a:p>
@@ -600,7 +1037,7 @@
           <a:p>
             <a:fld id="{AA3BECB3-B129-4032-B16C-54274E3F2ECB}" type="datetimeFigureOut">
               <a:rPr lang="en-US" smtClean="0"/>
-              <a:t>10/29/2024</a:t>
+              <a:t>10/30/2024</a:t>
             </a:fld>
             <a:endParaRPr lang="en-US"/>
           </a:p>
@@ -770,7 +1207,7 @@
           <a:p>
             <a:fld id="{AA3BECB3-B129-4032-B16C-54274E3F2ECB}" type="datetimeFigureOut">
               <a:rPr lang="en-US" smtClean="0"/>
-              <a:t>10/29/2024</a:t>
+              <a:t>10/30/2024</a:t>
             </a:fld>
             <a:endParaRPr lang="en-US"/>
           </a:p>
@@ -1016,7 +1453,7 @@
           <a:p>
             <a:fld id="{AA3BECB3-B129-4032-B16C-54274E3F2ECB}" type="datetimeFigureOut">
               <a:rPr lang="en-US" smtClean="0"/>
-              <a:t>10/29/2024</a:t>
+              <a:t>10/30/2024</a:t>
             </a:fld>
             <a:endParaRPr lang="en-US"/>
           </a:p>
@@ -1248,7 +1685,7 @@
           <a:p>
             <a:fld id="{AA3BECB3-B129-4032-B16C-54274E3F2ECB}" type="datetimeFigureOut">
               <a:rPr lang="en-US" smtClean="0"/>
-              <a:t>10/29/2024</a:t>
+              <a:t>10/30/2024</a:t>
             </a:fld>
             <a:endParaRPr lang="en-US"/>
           </a:p>
@@ -1615,7 +2052,7 @@
           <a:p>
             <a:fld id="{AA3BECB3-B129-4032-B16C-54274E3F2ECB}" type="datetimeFigureOut">
               <a:rPr lang="en-US" smtClean="0"/>
-              <a:t>10/29/2024</a:t>
+              <a:t>10/30/2024</a:t>
             </a:fld>
             <a:endParaRPr lang="en-US"/>
           </a:p>
@@ -1733,7 +2170,7 @@
           <a:p>
             <a:fld id="{AA3BECB3-B129-4032-B16C-54274E3F2ECB}" type="datetimeFigureOut">
               <a:rPr lang="en-US" smtClean="0"/>
-              <a:t>10/29/2024</a:t>
+              <a:t>10/30/2024</a:t>
             </a:fld>
             <a:endParaRPr lang="en-US"/>
           </a:p>
@@ -1828,7 +2265,7 @@
           <a:p>
             <a:fld id="{AA3BECB3-B129-4032-B16C-54274E3F2ECB}" type="datetimeFigureOut">
               <a:rPr lang="en-US" smtClean="0"/>
-              <a:t>10/29/2024</a:t>
+              <a:t>10/30/2024</a:t>
             </a:fld>
             <a:endParaRPr lang="en-US"/>
           </a:p>
@@ -2105,7 +2542,7 @@
           <a:p>
             <a:fld id="{AA3BECB3-B129-4032-B16C-54274E3F2ECB}" type="datetimeFigureOut">
               <a:rPr lang="en-US" smtClean="0"/>
-              <a:t>10/29/2024</a:t>
+              <a:t>10/30/2024</a:t>
             </a:fld>
             <a:endParaRPr lang="en-US"/>
           </a:p>
@@ -2362,7 +2799,7 @@
           <a:p>
             <a:fld id="{AA3BECB3-B129-4032-B16C-54274E3F2ECB}" type="datetimeFigureOut">
               <a:rPr lang="en-US" smtClean="0"/>
-              <a:t>10/29/2024</a:t>
+              <a:t>10/30/2024</a:t>
             </a:fld>
             <a:endParaRPr lang="en-US"/>
           </a:p>
@@ -2575,7 +3012,7 @@
           <a:p>
             <a:fld id="{AA3BECB3-B129-4032-B16C-54274E3F2ECB}" type="datetimeFigureOut">
               <a:rPr lang="en-US" smtClean="0"/>
-              <a:t>10/29/2024</a:t>
+              <a:t>10/30/2024</a:t>
             </a:fld>
             <a:endParaRPr lang="en-US"/>
           </a:p>
@@ -3132,7 +3569,7 @@
                   <a:schemeClr val="tx1"/>
                 </a:solidFill>
               </a:rPr>
-              <a:t>Sunil</a:t>
+              <a:t>Vikram</a:t>
             </a:r>
             <a:br>
               <a:rPr lang="en-US" sz="1300" dirty="0">
@@ -3304,7 +3741,7 @@
                   <a:schemeClr val="tx1"/>
                 </a:solidFill>
               </a:rPr>
-              <a:t>Aisha</a:t>
+              <a:t>Aisha Pinto</a:t>
             </a:r>
             <a:br>
               <a:rPr lang="en-US" sz="1300" dirty="0">
@@ -3476,7 +3913,7 @@
                   <a:schemeClr val="tx1"/>
                 </a:solidFill>
               </a:rPr>
-              <a:t>Ravi</a:t>
+              <a:t>Arjun</a:t>
             </a:r>
             <a:br>
               <a:rPr lang="en-US" sz="1300" dirty="0">
@@ -3510,7 +3947,7 @@
         </p:nvSpPr>
         <p:spPr>
           <a:xfrm>
-            <a:off x="6077712" y="1426464"/>
+            <a:off x="2218944" y="1426464"/>
             <a:ext cx="1773936" cy="1060704"/>
           </a:xfrm>
           <a:custGeom>
@@ -3610,178 +4047,6 @@
             <a:extLst>
               <a:ext uri="{C807C97D-BFC1-408E-A445-0C87EB9F89A2}">
                 <ask:lineSketchStyleProps xmlns:ask="http://schemas.microsoft.com/office/drawing/2018/sketchyshapes" sd="1363333642">
-                  <a:prstGeom prst="ellipse">
-                    <a:avLst/>
-                  </a:prstGeom>
-                  <ask:type>
-                    <ask:lineSketchFreehand/>
-                  </ask:type>
-                </ask:lineSketchStyleProps>
-              </a:ext>
-            </a:extLst>
-          </a:ln>
-        </p:spPr>
-        <p:style>
-          <a:lnRef idx="2">
-            <a:schemeClr val="accent1">
-              <a:shade val="15000"/>
-            </a:schemeClr>
-          </a:lnRef>
-          <a:fillRef idx="1">
-            <a:schemeClr val="accent1"/>
-          </a:fillRef>
-          <a:effectRef idx="0">
-            <a:schemeClr val="accent1"/>
-          </a:effectRef>
-          <a:fontRef idx="minor">
-            <a:schemeClr val="lt1"/>
-          </a:fontRef>
-        </p:style>
-        <p:txBody>
-          <a:bodyPr rtlCol="0" anchor="ctr"/>
-          <a:lstStyle/>
-          <a:p>
-            <a:pPr algn="ctr"/>
-            <a:r>
-              <a:rPr lang="en-US" sz="1300" dirty="0">
-                <a:solidFill>
-                  <a:schemeClr val="tx1"/>
-                </a:solidFill>
-              </a:rPr>
-              <a:t>Raj</a:t>
-            </a:r>
-            <a:br>
-              <a:rPr lang="en-US" sz="1300" dirty="0">
-                <a:solidFill>
-                  <a:schemeClr val="tx1"/>
-                </a:solidFill>
-              </a:rPr>
-            </a:br>
-            <a:r>
-              <a:rPr lang="en-US" sz="1300" dirty="0">
-                <a:solidFill>
-                  <a:schemeClr val="tx1"/>
-                </a:solidFill>
-              </a:rPr>
-              <a:t>(aisha’s step bro)</a:t>
-            </a:r>
-          </a:p>
-        </p:txBody>
-      </p:sp>
-      <p:sp>
-        <p:nvSpPr>
-          <p:cNvPr id="16" name="Oval 15">
-            <a:extLst>
-              <a:ext uri="{FF2B5EF4-FFF2-40B4-BE49-F238E27FC236}">
-                <a16:creationId xmlns:a16="http://schemas.microsoft.com/office/drawing/2014/main" id="{F1812688-113B-3515-4921-7A75EF77CCB0}"/>
-              </a:ext>
-            </a:extLst>
-          </p:cNvPr>
-          <p:cNvSpPr/>
-          <p:nvPr/>
-        </p:nvSpPr>
-        <p:spPr>
-          <a:xfrm>
-            <a:off x="8007096" y="1399032"/>
-            <a:ext cx="1773936" cy="1060704"/>
-          </a:xfrm>
-          <a:custGeom>
-            <a:avLst/>
-            <a:gdLst>
-              <a:gd name="connsiteX0" fmla="*/ 0 w 1773936"/>
-              <a:gd name="connsiteY0" fmla="*/ 530352 h 1060704"/>
-              <a:gd name="connsiteX1" fmla="*/ 886968 w 1773936"/>
-              <a:gd name="connsiteY1" fmla="*/ 0 h 1060704"/>
-              <a:gd name="connsiteX2" fmla="*/ 1773936 w 1773936"/>
-              <a:gd name="connsiteY2" fmla="*/ 530352 h 1060704"/>
-              <a:gd name="connsiteX3" fmla="*/ 886968 w 1773936"/>
-              <a:gd name="connsiteY3" fmla="*/ 1060704 h 1060704"/>
-              <a:gd name="connsiteX4" fmla="*/ 0 w 1773936"/>
-              <a:gd name="connsiteY4" fmla="*/ 530352 h 1060704"/>
-            </a:gdLst>
-            <a:ahLst/>
-            <a:cxnLst>
-              <a:cxn ang="0">
-                <a:pos x="connsiteX0" y="connsiteY0"/>
-              </a:cxn>
-              <a:cxn ang="0">
-                <a:pos x="connsiteX1" y="connsiteY1"/>
-              </a:cxn>
-              <a:cxn ang="0">
-                <a:pos x="connsiteX2" y="connsiteY2"/>
-              </a:cxn>
-              <a:cxn ang="0">
-                <a:pos x="connsiteX3" y="connsiteY3"/>
-              </a:cxn>
-              <a:cxn ang="0">
-                <a:pos x="connsiteX4" y="connsiteY4"/>
-              </a:cxn>
-            </a:cxnLst>
-            <a:rect l="l" t="t" r="r" b="b"/>
-            <a:pathLst>
-              <a:path w="1773936" h="1060704" fill="none" extrusionOk="0">
-                <a:moveTo>
-                  <a:pt x="0" y="530352"/>
-                </a:moveTo>
-                <a:cubicBezTo>
-                  <a:pt x="84159" y="228931"/>
-                  <a:pt x="313378" y="-6925"/>
-                  <a:pt x="886968" y="0"/>
-                </a:cubicBezTo>
-                <a:cubicBezTo>
-                  <a:pt x="1395916" y="61361"/>
-                  <a:pt x="1755403" y="269652"/>
-                  <a:pt x="1773936" y="530352"/>
-                </a:cubicBezTo>
-                <a:cubicBezTo>
-                  <a:pt x="1803514" y="873439"/>
-                  <a:pt x="1365236" y="1096941"/>
-                  <a:pt x="886968" y="1060704"/>
-                </a:cubicBezTo>
-                <a:cubicBezTo>
-                  <a:pt x="351701" y="1053546"/>
-                  <a:pt x="-60794" y="858421"/>
-                  <a:pt x="0" y="530352"/>
-                </a:cubicBezTo>
-                <a:close/>
-              </a:path>
-              <a:path w="1773936" h="1060704" stroke="0" extrusionOk="0">
-                <a:moveTo>
-                  <a:pt x="0" y="530352"/>
-                </a:moveTo>
-                <a:cubicBezTo>
-                  <a:pt x="-16171" y="230626"/>
-                  <a:pt x="405156" y="32147"/>
-                  <a:pt x="886968" y="0"/>
-                </a:cubicBezTo>
-                <a:cubicBezTo>
-                  <a:pt x="1378089" y="33879"/>
-                  <a:pt x="1732363" y="240787"/>
-                  <a:pt x="1773936" y="530352"/>
-                </a:cubicBezTo>
-                <a:cubicBezTo>
-                  <a:pt x="1857405" y="800881"/>
-                  <a:pt x="1383361" y="1088790"/>
-                  <a:pt x="886968" y="1060704"/>
-                </a:cubicBezTo>
-                <a:cubicBezTo>
-                  <a:pt x="350889" y="1074131"/>
-                  <a:pt x="8804" y="842896"/>
-                  <a:pt x="0" y="530352"/>
-                </a:cubicBezTo>
-                <a:close/>
-              </a:path>
-            </a:pathLst>
-          </a:custGeom>
-          <a:solidFill>
-            <a:schemeClr val="bg1">
-              <a:lumMod val="85000"/>
-            </a:schemeClr>
-          </a:solidFill>
-          <a:ln>
-            <a:extLst>
-              <a:ext uri="{C807C97D-BFC1-408E-A445-0C87EB9F89A2}">
-                <ask:lineSketchStyleProps xmlns:ask="http://schemas.microsoft.com/office/drawing/2018/sketchyshapes" sd="2780653697">
                   <a:prstGeom prst="ellipse">
                     <a:avLst/>
                   </a:prstGeom>
@@ -3835,7 +4100,23 @@
                   <a:schemeClr val="tx1"/>
                 </a:solidFill>
               </a:rPr>
-              <a:t>(aisha’ s </a:t>
+              <a:t>(</a:t>
+            </a:r>
+            <a:r>
+              <a:rPr lang="en-US" sz="1300" dirty="0" err="1">
+                <a:solidFill>
+                  <a:schemeClr val="tx1"/>
+                </a:solidFill>
+              </a:rPr>
+              <a:t>aisha</a:t>
+            </a:r>
+            <a:r>
+              <a:rPr lang="en-US" sz="1300" dirty="0">
+                <a:solidFill>
+                  <a:schemeClr val="tx1"/>
+                </a:solidFill>
+              </a:rPr>
+              <a:t>’ s </a:t>
             </a:r>
             <a:r>
               <a:rPr lang="en-US" sz="1300" dirty="0" err="1">
@@ -3853,6 +4134,160 @@
               </a:rPr>
               <a:t>)</a:t>
             </a:r>
+          </a:p>
+        </p:txBody>
+      </p:sp>
+      <p:sp>
+        <p:nvSpPr>
+          <p:cNvPr id="16" name="Oval 15">
+            <a:extLst>
+              <a:ext uri="{FF2B5EF4-FFF2-40B4-BE49-F238E27FC236}">
+                <a16:creationId xmlns:a16="http://schemas.microsoft.com/office/drawing/2014/main" id="{F1812688-113B-3515-4921-7A75EF77CCB0}"/>
+              </a:ext>
+            </a:extLst>
+          </p:cNvPr>
+          <p:cNvSpPr/>
+          <p:nvPr/>
+        </p:nvSpPr>
+        <p:spPr>
+          <a:xfrm>
+            <a:off x="9973056" y="1426464"/>
+            <a:ext cx="1773936" cy="1060704"/>
+          </a:xfrm>
+          <a:custGeom>
+            <a:avLst/>
+            <a:gdLst>
+              <a:gd name="connsiteX0" fmla="*/ 0 w 1773936"/>
+              <a:gd name="connsiteY0" fmla="*/ 530352 h 1060704"/>
+              <a:gd name="connsiteX1" fmla="*/ 886968 w 1773936"/>
+              <a:gd name="connsiteY1" fmla="*/ 0 h 1060704"/>
+              <a:gd name="connsiteX2" fmla="*/ 1773936 w 1773936"/>
+              <a:gd name="connsiteY2" fmla="*/ 530352 h 1060704"/>
+              <a:gd name="connsiteX3" fmla="*/ 886968 w 1773936"/>
+              <a:gd name="connsiteY3" fmla="*/ 1060704 h 1060704"/>
+              <a:gd name="connsiteX4" fmla="*/ 0 w 1773936"/>
+              <a:gd name="connsiteY4" fmla="*/ 530352 h 1060704"/>
+            </a:gdLst>
+            <a:ahLst/>
+            <a:cxnLst>
+              <a:cxn ang="0">
+                <a:pos x="connsiteX0" y="connsiteY0"/>
+              </a:cxn>
+              <a:cxn ang="0">
+                <a:pos x="connsiteX1" y="connsiteY1"/>
+              </a:cxn>
+              <a:cxn ang="0">
+                <a:pos x="connsiteX2" y="connsiteY2"/>
+              </a:cxn>
+              <a:cxn ang="0">
+                <a:pos x="connsiteX3" y="connsiteY3"/>
+              </a:cxn>
+              <a:cxn ang="0">
+                <a:pos x="connsiteX4" y="connsiteY4"/>
+              </a:cxn>
+            </a:cxnLst>
+            <a:rect l="l" t="t" r="r" b="b"/>
+            <a:pathLst>
+              <a:path w="1773936" h="1060704" fill="none" extrusionOk="0">
+                <a:moveTo>
+                  <a:pt x="0" y="530352"/>
+                </a:moveTo>
+                <a:cubicBezTo>
+                  <a:pt x="84159" y="228931"/>
+                  <a:pt x="313378" y="-6925"/>
+                  <a:pt x="886968" y="0"/>
+                </a:cubicBezTo>
+                <a:cubicBezTo>
+                  <a:pt x="1395916" y="61361"/>
+                  <a:pt x="1755403" y="269652"/>
+                  <a:pt x="1773936" y="530352"/>
+                </a:cubicBezTo>
+                <a:cubicBezTo>
+                  <a:pt x="1803514" y="873439"/>
+                  <a:pt x="1365236" y="1096941"/>
+                  <a:pt x="886968" y="1060704"/>
+                </a:cubicBezTo>
+                <a:cubicBezTo>
+                  <a:pt x="351701" y="1053546"/>
+                  <a:pt x="-60794" y="858421"/>
+                  <a:pt x="0" y="530352"/>
+                </a:cubicBezTo>
+                <a:close/>
+              </a:path>
+              <a:path w="1773936" h="1060704" stroke="0" extrusionOk="0">
+                <a:moveTo>
+                  <a:pt x="0" y="530352"/>
+                </a:moveTo>
+                <a:cubicBezTo>
+                  <a:pt x="-16171" y="230626"/>
+                  <a:pt x="405156" y="32147"/>
+                  <a:pt x="886968" y="0"/>
+                </a:cubicBezTo>
+                <a:cubicBezTo>
+                  <a:pt x="1378089" y="33879"/>
+                  <a:pt x="1732363" y="240787"/>
+                  <a:pt x="1773936" y="530352"/>
+                </a:cubicBezTo>
+                <a:cubicBezTo>
+                  <a:pt x="1857405" y="800881"/>
+                  <a:pt x="1383361" y="1088790"/>
+                  <a:pt x="886968" y="1060704"/>
+                </a:cubicBezTo>
+                <a:cubicBezTo>
+                  <a:pt x="350889" y="1074131"/>
+                  <a:pt x="8804" y="842896"/>
+                  <a:pt x="0" y="530352"/>
+                </a:cubicBezTo>
+                <a:close/>
+              </a:path>
+            </a:pathLst>
+          </a:custGeom>
+          <a:solidFill>
+            <a:schemeClr val="bg1">
+              <a:lumMod val="85000"/>
+            </a:schemeClr>
+          </a:solidFill>
+          <a:ln>
+            <a:extLst>
+              <a:ext uri="{C807C97D-BFC1-408E-A445-0C87EB9F89A2}">
+                <ask:lineSketchStyleProps xmlns:ask="http://schemas.microsoft.com/office/drawing/2018/sketchyshapes" sd="2780653697">
+                  <a:prstGeom prst="ellipse">
+                    <a:avLst/>
+                  </a:prstGeom>
+                  <ask:type>
+                    <ask:lineSketchFreehand/>
+                  </ask:type>
+                </ask:lineSketchStyleProps>
+              </a:ext>
+            </a:extLst>
+          </a:ln>
+        </p:spPr>
+        <p:style>
+          <a:lnRef idx="2">
+            <a:schemeClr val="accent1">
+              <a:shade val="15000"/>
+            </a:schemeClr>
+          </a:lnRef>
+          <a:fillRef idx="1">
+            <a:schemeClr val="accent1"/>
+          </a:fillRef>
+          <a:effectRef idx="0">
+            <a:schemeClr val="accent1"/>
+          </a:effectRef>
+          <a:fontRef idx="minor">
+            <a:schemeClr val="lt1"/>
+          </a:fontRef>
+        </p:style>
+        <p:txBody>
+          <a:bodyPr rtlCol="0" anchor="ctr"/>
+          <a:lstStyle/>
+          <a:p>
+            <a:pPr algn="ctr"/>
+            <a:endParaRPr lang="en-US" sz="1300" dirty="0">
+              <a:solidFill>
+                <a:schemeClr val="tx1"/>
+              </a:solidFill>
+            </a:endParaRPr>
           </a:p>
         </p:txBody>
       </p:sp>
@@ -4002,29 +4437,11 @@
           <a:lstStyle/>
           <a:p>
             <a:pPr algn="ctr"/>
-            <a:r>
-              <a:rPr lang="en-US" sz="1300" dirty="0" err="1">
-                <a:solidFill>
-                  <a:schemeClr val="tx1"/>
-                </a:solidFill>
-              </a:rPr>
-              <a:t>Matke</a:t>
-            </a:r>
-            <a:br>
-              <a:rPr lang="en-US" sz="1300" dirty="0">
-                <a:solidFill>
-                  <a:schemeClr val="tx1"/>
-                </a:solidFill>
-              </a:rPr>
-            </a:br>
-            <a:r>
-              <a:rPr lang="en-US" sz="1300" dirty="0">
-                <a:solidFill>
-                  <a:schemeClr val="tx1"/>
-                </a:solidFill>
-              </a:rPr>
-              <a:t>(villain in JC)</a:t>
-            </a:r>
+            <a:endParaRPr lang="en-US" sz="1300" dirty="0">
+              <a:solidFill>
+                <a:schemeClr val="tx1"/>
+              </a:solidFill>
+            </a:endParaRPr>
           </a:p>
         </p:txBody>
       </p:sp>
@@ -4042,7 +4459,7 @@
         </p:nvSpPr>
         <p:spPr>
           <a:xfrm>
-            <a:off x="2218944" y="1426464"/>
+            <a:off x="288378" y="2609211"/>
             <a:ext cx="1773936" cy="1060704"/>
           </a:xfrm>
           <a:custGeom>
@@ -4214,7 +4631,7 @@
         </p:nvSpPr>
         <p:spPr>
           <a:xfrm>
-            <a:off x="4148328" y="1426464"/>
+            <a:off x="2217762" y="2680685"/>
             <a:ext cx="1773936" cy="1060704"/>
           </a:xfrm>
           <a:custGeom>
@@ -4403,20 +4820,20 @@
         <p:spPr>
           <a:xfrm>
             <a:off x="8007096" y="246888"/>
-            <a:ext cx="1773936" cy="1060704"/>
+            <a:ext cx="1929384" cy="1060704"/>
           </a:xfrm>
           <a:custGeom>
             <a:avLst/>
             <a:gdLst>
-              <a:gd name="connsiteX0" fmla="*/ 0 w 1773936"/>
+              <a:gd name="connsiteX0" fmla="*/ 0 w 1929384"/>
               <a:gd name="connsiteY0" fmla="*/ 530352 h 1060704"/>
-              <a:gd name="connsiteX1" fmla="*/ 886968 w 1773936"/>
+              <a:gd name="connsiteX1" fmla="*/ 964692 w 1929384"/>
               <a:gd name="connsiteY1" fmla="*/ 0 h 1060704"/>
-              <a:gd name="connsiteX2" fmla="*/ 1773936 w 1773936"/>
+              <a:gd name="connsiteX2" fmla="*/ 1929384 w 1929384"/>
               <a:gd name="connsiteY2" fmla="*/ 530352 h 1060704"/>
-              <a:gd name="connsiteX3" fmla="*/ 886968 w 1773936"/>
+              <a:gd name="connsiteX3" fmla="*/ 964692 w 1929384"/>
               <a:gd name="connsiteY3" fmla="*/ 1060704 h 1060704"/>
-              <a:gd name="connsiteX4" fmla="*/ 0 w 1773936"/>
+              <a:gd name="connsiteX4" fmla="*/ 0 w 1929384"/>
               <a:gd name="connsiteY4" fmla="*/ 530352 h 1060704"/>
             </a:gdLst>
             <a:ahLst/>
@@ -4439,53 +4856,53 @@
             </a:cxnLst>
             <a:rect l="l" t="t" r="r" b="b"/>
             <a:pathLst>
-              <a:path w="1773936" h="1060704" fill="none" extrusionOk="0">
+              <a:path w="1929384" h="1060704" fill="none" extrusionOk="0">
                 <a:moveTo>
                   <a:pt x="0" y="530352"/>
                 </a:moveTo>
                 <a:cubicBezTo>
-                  <a:pt x="60227" y="246667"/>
-                  <a:pt x="339999" y="86406"/>
-                  <a:pt x="886968" y="0"/>
-                </a:cubicBezTo>
-                <a:cubicBezTo>
-                  <a:pt x="1356207" y="-4574"/>
-                  <a:pt x="1795756" y="286152"/>
-                  <a:pt x="1773936" y="530352"/>
-                </a:cubicBezTo>
-                <a:cubicBezTo>
-                  <a:pt x="1851596" y="863829"/>
-                  <a:pt x="1360207" y="949084"/>
-                  <a:pt x="886968" y="1060704"/>
-                </a:cubicBezTo>
-                <a:cubicBezTo>
-                  <a:pt x="409297" y="1121496"/>
+                  <a:pt x="19268" y="240397"/>
+                  <a:pt x="371313" y="91678"/>
+                  <a:pt x="964692" y="0"/>
+                </a:cubicBezTo>
+                <a:cubicBezTo>
+                  <a:pt x="1476857" y="-4574"/>
+                  <a:pt x="1951204" y="286152"/>
+                  <a:pt x="1929384" y="530352"/>
+                </a:cubicBezTo>
+                <a:cubicBezTo>
+                  <a:pt x="1953322" y="835763"/>
+                  <a:pt x="1489570" y="1007597"/>
+                  <a:pt x="964692" y="1060704"/>
+                </a:cubicBezTo>
+                <a:cubicBezTo>
+                  <a:pt x="444095" y="1121496"/>
                   <a:pt x="-62114" y="847834"/>
                   <a:pt x="0" y="530352"/>
                 </a:cubicBezTo>
                 <a:close/>
               </a:path>
-              <a:path w="1773936" h="1060704" stroke="0" extrusionOk="0">
+              <a:path w="1929384" h="1060704" stroke="0" extrusionOk="0">
                 <a:moveTo>
                   <a:pt x="0" y="530352"/>
                 </a:moveTo>
                 <a:cubicBezTo>
-                  <a:pt x="21788" y="173869"/>
-                  <a:pt x="418179" y="44077"/>
-                  <a:pt x="886968" y="0"/>
-                </a:cubicBezTo>
-                <a:cubicBezTo>
-                  <a:pt x="1357577" y="-55567"/>
-                  <a:pt x="1728153" y="270354"/>
-                  <a:pt x="1773936" y="530352"/>
-                </a:cubicBezTo>
-                <a:cubicBezTo>
-                  <a:pt x="1770093" y="851124"/>
-                  <a:pt x="1408872" y="1098652"/>
-                  <a:pt x="886968" y="1060704"/>
-                </a:cubicBezTo>
-                <a:cubicBezTo>
-                  <a:pt x="407927" y="1063772"/>
+                  <a:pt x="24755" y="165212"/>
+                  <a:pt x="473908" y="87866"/>
+                  <a:pt x="964692" y="0"/>
+                </a:cubicBezTo>
+                <a:cubicBezTo>
+                  <a:pt x="1478227" y="-55567"/>
+                  <a:pt x="1883601" y="270354"/>
+                  <a:pt x="1929384" y="530352"/>
+                </a:cubicBezTo>
+                <a:cubicBezTo>
+                  <a:pt x="1915050" y="927183"/>
+                  <a:pt x="1560026" y="1134774"/>
+                  <a:pt x="964692" y="1060704"/>
+                </a:cubicBezTo>
+                <a:cubicBezTo>
+                  <a:pt x="442725" y="1063772"/>
                   <a:pt x="10057" y="774170"/>
                   <a:pt x="0" y="530352"/>
                 </a:cubicBezTo>
@@ -4540,7 +4957,7 @@
                   <a:schemeClr val="tx1"/>
                 </a:solidFill>
               </a:rPr>
-              <a:t>Ramana</a:t>
+              <a:t>Ramana Kumara</a:t>
             </a:r>
             <a:br>
               <a:rPr lang="en-US" sz="1300" dirty="0">
@@ -4574,7 +4991,7 @@
         </p:nvSpPr>
         <p:spPr>
           <a:xfrm>
-            <a:off x="9936480" y="246888"/>
+            <a:off x="10032492" y="246888"/>
             <a:ext cx="1773936" cy="1060704"/>
           </a:xfrm>
           <a:custGeom>
@@ -5198,7 +5615,7 @@
                   <a:schemeClr val="tx1"/>
                 </a:solidFill>
               </a:rPr>
-              <a:t>Raghu (CBI officer)</a:t>
+              <a:t>Vasanth (CBI officer)</a:t>
             </a:r>
           </a:p>
         </p:txBody>
@@ -5217,7 +5634,7 @@
         </p:nvSpPr>
         <p:spPr>
           <a:xfrm>
-            <a:off x="6066905" y="4663440"/>
+            <a:off x="6077712" y="4663440"/>
             <a:ext cx="1773936" cy="1060704"/>
           </a:xfrm>
           <a:custGeom>
@@ -5355,7 +5772,7 @@
                   <a:schemeClr val="tx1"/>
                 </a:solidFill>
               </a:rPr>
-              <a:t>Vasanth (NCB officer)</a:t>
+              <a:t> Raghu (NCB officer)</a:t>
             </a:r>
           </a:p>
         </p:txBody>
@@ -5546,7 +5963,7 @@
         </p:nvSpPr>
         <p:spPr>
           <a:xfrm>
-            <a:off x="9936480" y="1399032"/>
+            <a:off x="4148328" y="1427490"/>
             <a:ext cx="1773936" cy="1060704"/>
           </a:xfrm>
           <a:custGeom>
@@ -5684,7 +6101,7 @@
                   <a:schemeClr val="tx1"/>
                 </a:solidFill>
               </a:rPr>
-              <a:t>Kavitha</a:t>
+              <a:t>David Pinto</a:t>
             </a:r>
             <a:br>
               <a:rPr lang="en-US" sz="1300" dirty="0">
@@ -5699,7 +6116,23 @@
                   <a:schemeClr val="tx1"/>
                 </a:solidFill>
               </a:rPr>
-              <a:t>(aisha’ s mom)</a:t>
+              <a:t>(</a:t>
+            </a:r>
+            <a:r>
+              <a:rPr lang="en-US" sz="1300" dirty="0" err="1">
+                <a:solidFill>
+                  <a:schemeClr val="tx1"/>
+                </a:solidFill>
+              </a:rPr>
+              <a:t>aisha’s</a:t>
+            </a:r>
+            <a:r>
+              <a:rPr lang="en-US" sz="1300" dirty="0">
+                <a:solidFill>
+                  <a:schemeClr val="tx1"/>
+                </a:solidFill>
+              </a:rPr>
+              <a:t> step bro)</a:t>
             </a:r>
           </a:p>
         </p:txBody>
@@ -5718,7 +6151,7 @@
         </p:nvSpPr>
         <p:spPr>
           <a:xfrm>
-            <a:off x="289560" y="2606040"/>
+            <a:off x="6077712" y="1426464"/>
             <a:ext cx="1773936" cy="1060704"/>
           </a:xfrm>
           <a:custGeom>
@@ -5856,7 +6289,7 @@
                   <a:schemeClr val="tx1"/>
                 </a:solidFill>
               </a:rPr>
-              <a:t>Kavitha</a:t>
+              <a:t>Kavitha Pinto</a:t>
             </a:r>
             <a:br>
               <a:rPr lang="en-US" sz="1300" dirty="0">
@@ -5890,7 +6323,7 @@
         </p:nvSpPr>
         <p:spPr>
           <a:xfrm>
-            <a:off x="2218944" y="2606040"/>
+            <a:off x="6096000" y="2680685"/>
             <a:ext cx="1773936" cy="1060704"/>
           </a:xfrm>
           <a:custGeom>
@@ -6028,7 +6461,7 @@
                   <a:schemeClr val="tx1"/>
                 </a:solidFill>
               </a:rPr>
-              <a:t>Kavitha</a:t>
+              <a:t>Ravi Pinto</a:t>
             </a:r>
             <a:br>
               <a:rPr lang="en-US" sz="1300" dirty="0">
@@ -6043,7 +6476,23 @@
                   <a:schemeClr val="tx1"/>
                 </a:solidFill>
               </a:rPr>
-              <a:t>(aisha’ s mom)</a:t>
+              <a:t>(</a:t>
+            </a:r>
+            <a:r>
+              <a:rPr lang="en-US" sz="1300" dirty="0" err="1">
+                <a:solidFill>
+                  <a:schemeClr val="tx1"/>
+                </a:solidFill>
+              </a:rPr>
+              <a:t>aisha’s</a:t>
+            </a:r>
+            <a:r>
+              <a:rPr lang="en-US" sz="1300" dirty="0">
+                <a:solidFill>
+                  <a:schemeClr val="tx1"/>
+                </a:solidFill>
+              </a:rPr>
+              <a:t> dead dad)</a:t>
             </a:r>
           </a:p>
         </p:txBody>
@@ -6062,7 +6511,7 @@
         </p:nvSpPr>
         <p:spPr>
           <a:xfrm>
-            <a:off x="4148328" y="2606040"/>
+            <a:off x="8007096" y="1426464"/>
             <a:ext cx="1773936" cy="1060704"/>
           </a:xfrm>
           <a:custGeom>
@@ -6200,7 +6649,7 @@
                   <a:schemeClr val="tx1"/>
                 </a:solidFill>
               </a:rPr>
-              <a:t>Arvind</a:t>
+              <a:t>Arvind Mendez</a:t>
             </a:r>
             <a:br>
               <a:rPr lang="en-US" sz="1300" dirty="0">
@@ -6250,7 +6699,7 @@
         </p:nvSpPr>
         <p:spPr>
           <a:xfrm>
-            <a:off x="6066905" y="2606040"/>
+            <a:off x="8007096" y="2680685"/>
             <a:ext cx="1773936" cy="1060704"/>
           </a:xfrm>
           <a:custGeom>
@@ -6388,7 +6837,7 @@
                   <a:schemeClr val="tx1"/>
                 </a:solidFill>
               </a:rPr>
-              <a:t>Murali</a:t>
+              <a:t>Anthony Desai</a:t>
             </a:r>
             <a:br>
               <a:rPr lang="en-US" sz="1300" dirty="0">
@@ -6403,7 +6852,7 @@
                   <a:schemeClr val="tx1"/>
                 </a:solidFill>
               </a:rPr>
-              <a:t>(aisha’s dead dad)</a:t>
+              <a:t>(Broker in JC)</a:t>
             </a:r>
           </a:p>
         </p:txBody>
@@ -6561,6 +7010,350 @@
                 </a:solidFill>
               </a:rPr>
               <a:t>D’Costa (NIA officer)</a:t>
+            </a:r>
+          </a:p>
+        </p:txBody>
+      </p:sp>
+      <p:sp>
+        <p:nvSpPr>
+          <p:cNvPr id="21" name="Oval 20">
+            <a:extLst>
+              <a:ext uri="{FF2B5EF4-FFF2-40B4-BE49-F238E27FC236}">
+                <a16:creationId xmlns:a16="http://schemas.microsoft.com/office/drawing/2014/main" id="{BFAF68CE-3A10-313B-67A2-7EE672D96FEF}"/>
+              </a:ext>
+            </a:extLst>
+          </p:cNvPr>
+          <p:cNvSpPr/>
+          <p:nvPr/>
+        </p:nvSpPr>
+        <p:spPr>
+          <a:xfrm>
+            <a:off x="9936480" y="4663440"/>
+            <a:ext cx="1965960" cy="1060704"/>
+          </a:xfrm>
+          <a:custGeom>
+            <a:avLst/>
+            <a:gdLst>
+              <a:gd name="connsiteX0" fmla="*/ 0 w 1965960"/>
+              <a:gd name="connsiteY0" fmla="*/ 530352 h 1060704"/>
+              <a:gd name="connsiteX1" fmla="*/ 982980 w 1965960"/>
+              <a:gd name="connsiteY1" fmla="*/ 0 h 1060704"/>
+              <a:gd name="connsiteX2" fmla="*/ 1965960 w 1965960"/>
+              <a:gd name="connsiteY2" fmla="*/ 530352 h 1060704"/>
+              <a:gd name="connsiteX3" fmla="*/ 982980 w 1965960"/>
+              <a:gd name="connsiteY3" fmla="*/ 1060704 h 1060704"/>
+              <a:gd name="connsiteX4" fmla="*/ 0 w 1965960"/>
+              <a:gd name="connsiteY4" fmla="*/ 530352 h 1060704"/>
+            </a:gdLst>
+            <a:ahLst/>
+            <a:cxnLst>
+              <a:cxn ang="0">
+                <a:pos x="connsiteX0" y="connsiteY0"/>
+              </a:cxn>
+              <a:cxn ang="0">
+                <a:pos x="connsiteX1" y="connsiteY1"/>
+              </a:cxn>
+              <a:cxn ang="0">
+                <a:pos x="connsiteX2" y="connsiteY2"/>
+              </a:cxn>
+              <a:cxn ang="0">
+                <a:pos x="connsiteX3" y="connsiteY3"/>
+              </a:cxn>
+              <a:cxn ang="0">
+                <a:pos x="connsiteX4" y="connsiteY4"/>
+              </a:cxn>
+            </a:cxnLst>
+            <a:rect l="l" t="t" r="r" b="b"/>
+            <a:pathLst>
+              <a:path w="1965960" h="1060704" fill="none" extrusionOk="0">
+                <a:moveTo>
+                  <a:pt x="0" y="530352"/>
+                </a:moveTo>
+                <a:cubicBezTo>
+                  <a:pt x="-20430" y="242776"/>
+                  <a:pt x="425193" y="-121034"/>
+                  <a:pt x="982980" y="0"/>
+                </a:cubicBezTo>
+                <a:cubicBezTo>
+                  <a:pt x="1506794" y="-4468"/>
+                  <a:pt x="1985628" y="302696"/>
+                  <a:pt x="1965960" y="530352"/>
+                </a:cubicBezTo>
+                <a:cubicBezTo>
+                  <a:pt x="2024148" y="829736"/>
+                  <a:pt x="1558174" y="1125500"/>
+                  <a:pt x="982980" y="1060704"/>
+                </a:cubicBezTo>
+                <a:cubicBezTo>
+                  <a:pt x="443110" y="1121505"/>
+                  <a:pt x="-30690" y="831907"/>
+                  <a:pt x="0" y="530352"/>
+                </a:cubicBezTo>
+                <a:close/>
+              </a:path>
+              <a:path w="1965960" h="1060704" stroke="0" extrusionOk="0">
+                <a:moveTo>
+                  <a:pt x="0" y="530352"/>
+                </a:moveTo>
+                <a:cubicBezTo>
+                  <a:pt x="-120875" y="238713"/>
+                  <a:pt x="460544" y="13305"/>
+                  <a:pt x="982980" y="0"/>
+                </a:cubicBezTo>
+                <a:cubicBezTo>
+                  <a:pt x="1477366" y="28624"/>
+                  <a:pt x="1972389" y="294257"/>
+                  <a:pt x="1965960" y="530352"/>
+                </a:cubicBezTo>
+                <a:cubicBezTo>
+                  <a:pt x="1971988" y="919362"/>
+                  <a:pt x="1555223" y="1011484"/>
+                  <a:pt x="982980" y="1060704"/>
+                </a:cubicBezTo>
+                <a:cubicBezTo>
+                  <a:pt x="440224" y="1006732"/>
+                  <a:pt x="-40247" y="877960"/>
+                  <a:pt x="0" y="530352"/>
+                </a:cubicBezTo>
+                <a:close/>
+              </a:path>
+            </a:pathLst>
+          </a:custGeom>
+          <a:solidFill>
+            <a:schemeClr val="bg1">
+              <a:lumMod val="85000"/>
+            </a:schemeClr>
+          </a:solidFill>
+          <a:ln>
+            <a:extLst>
+              <a:ext uri="{C807C97D-BFC1-408E-A445-0C87EB9F89A2}">
+                <ask:lineSketchStyleProps xmlns:ask="http://schemas.microsoft.com/office/drawing/2018/sketchyshapes" sd="1784592955">
+                  <a:prstGeom prst="ellipse">
+                    <a:avLst/>
+                  </a:prstGeom>
+                  <ask:type>
+                    <ask:lineSketchFreehand/>
+                  </ask:type>
+                </ask:lineSketchStyleProps>
+              </a:ext>
+            </a:extLst>
+          </a:ln>
+        </p:spPr>
+        <p:style>
+          <a:lnRef idx="2">
+            <a:schemeClr val="accent1">
+              <a:shade val="15000"/>
+            </a:schemeClr>
+          </a:lnRef>
+          <a:fillRef idx="1">
+            <a:schemeClr val="accent1"/>
+          </a:fillRef>
+          <a:effectRef idx="0">
+            <a:schemeClr val="accent1"/>
+          </a:effectRef>
+          <a:fontRef idx="minor">
+            <a:schemeClr val="lt1"/>
+          </a:fontRef>
+        </p:style>
+        <p:txBody>
+          <a:bodyPr rtlCol="0" anchor="ctr"/>
+          <a:lstStyle/>
+          <a:p>
+            <a:pPr algn="ctr"/>
+            <a:r>
+              <a:rPr lang="en-US" sz="1300" dirty="0">
+                <a:solidFill>
+                  <a:schemeClr val="tx1"/>
+                </a:solidFill>
+              </a:rPr>
+              <a:t> Sonia </a:t>
+            </a:r>
+            <a:br>
+              <a:rPr lang="en-US" sz="1300" dirty="0">
+                <a:solidFill>
+                  <a:schemeClr val="tx1"/>
+                </a:solidFill>
+              </a:rPr>
+            </a:br>
+            <a:r>
+              <a:rPr lang="en-US" sz="1300" dirty="0">
+                <a:solidFill>
+                  <a:schemeClr val="tx1"/>
+                </a:solidFill>
+              </a:rPr>
+              <a:t>(NCB officer &amp; jasper’s mother)</a:t>
+            </a:r>
+          </a:p>
+        </p:txBody>
+      </p:sp>
+      <p:sp>
+        <p:nvSpPr>
+          <p:cNvPr id="24" name="Oval 23">
+            <a:extLst>
+              <a:ext uri="{FF2B5EF4-FFF2-40B4-BE49-F238E27FC236}">
+                <a16:creationId xmlns:a16="http://schemas.microsoft.com/office/drawing/2014/main" id="{85B2FF6D-41E3-CD19-7A7B-B32CF1D09176}"/>
+              </a:ext>
+            </a:extLst>
+          </p:cNvPr>
+          <p:cNvSpPr/>
+          <p:nvPr/>
+        </p:nvSpPr>
+        <p:spPr>
+          <a:xfrm>
+            <a:off x="4147146" y="2680685"/>
+            <a:ext cx="1773936" cy="1060704"/>
+          </a:xfrm>
+          <a:custGeom>
+            <a:avLst/>
+            <a:gdLst>
+              <a:gd name="connsiteX0" fmla="*/ 0 w 1773936"/>
+              <a:gd name="connsiteY0" fmla="*/ 530352 h 1060704"/>
+              <a:gd name="connsiteX1" fmla="*/ 886968 w 1773936"/>
+              <a:gd name="connsiteY1" fmla="*/ 0 h 1060704"/>
+              <a:gd name="connsiteX2" fmla="*/ 1773936 w 1773936"/>
+              <a:gd name="connsiteY2" fmla="*/ 530352 h 1060704"/>
+              <a:gd name="connsiteX3" fmla="*/ 886968 w 1773936"/>
+              <a:gd name="connsiteY3" fmla="*/ 1060704 h 1060704"/>
+              <a:gd name="connsiteX4" fmla="*/ 0 w 1773936"/>
+              <a:gd name="connsiteY4" fmla="*/ 530352 h 1060704"/>
+            </a:gdLst>
+            <a:ahLst/>
+            <a:cxnLst>
+              <a:cxn ang="0">
+                <a:pos x="connsiteX0" y="connsiteY0"/>
+              </a:cxn>
+              <a:cxn ang="0">
+                <a:pos x="connsiteX1" y="connsiteY1"/>
+              </a:cxn>
+              <a:cxn ang="0">
+                <a:pos x="connsiteX2" y="connsiteY2"/>
+              </a:cxn>
+              <a:cxn ang="0">
+                <a:pos x="connsiteX3" y="connsiteY3"/>
+              </a:cxn>
+              <a:cxn ang="0">
+                <a:pos x="connsiteX4" y="connsiteY4"/>
+              </a:cxn>
+            </a:cxnLst>
+            <a:rect l="l" t="t" r="r" b="b"/>
+            <a:pathLst>
+              <a:path w="1773936" h="1060704" fill="none" extrusionOk="0">
+                <a:moveTo>
+                  <a:pt x="0" y="530352"/>
+                </a:moveTo>
+                <a:cubicBezTo>
+                  <a:pt x="9054" y="219018"/>
+                  <a:pt x="327072" y="-43646"/>
+                  <a:pt x="886968" y="0"/>
+                </a:cubicBezTo>
+                <a:cubicBezTo>
+                  <a:pt x="1360135" y="-7665"/>
+                  <a:pt x="1771707" y="264770"/>
+                  <a:pt x="1773936" y="530352"/>
+                </a:cubicBezTo>
+                <a:cubicBezTo>
+                  <a:pt x="1807824" y="774135"/>
+                  <a:pt x="1397610" y="1031117"/>
+                  <a:pt x="886968" y="1060704"/>
+                </a:cubicBezTo>
+                <a:cubicBezTo>
+                  <a:pt x="367513" y="1042609"/>
+                  <a:pt x="27832" y="823793"/>
+                  <a:pt x="0" y="530352"/>
+                </a:cubicBezTo>
+                <a:close/>
+              </a:path>
+              <a:path w="1773936" h="1060704" stroke="0" extrusionOk="0">
+                <a:moveTo>
+                  <a:pt x="0" y="530352"/>
+                </a:moveTo>
+                <a:cubicBezTo>
+                  <a:pt x="87344" y="173022"/>
+                  <a:pt x="344402" y="100714"/>
+                  <a:pt x="886968" y="0"/>
+                </a:cubicBezTo>
+                <a:cubicBezTo>
+                  <a:pt x="1373926" y="-34183"/>
+                  <a:pt x="1791577" y="274840"/>
+                  <a:pt x="1773936" y="530352"/>
+                </a:cubicBezTo>
+                <a:cubicBezTo>
+                  <a:pt x="1781019" y="807475"/>
+                  <a:pt x="1335574" y="1077250"/>
+                  <a:pt x="886968" y="1060704"/>
+                </a:cubicBezTo>
+                <a:cubicBezTo>
+                  <a:pt x="405420" y="1067385"/>
+                  <a:pt x="-49248" y="844264"/>
+                  <a:pt x="0" y="530352"/>
+                </a:cubicBezTo>
+                <a:close/>
+              </a:path>
+            </a:pathLst>
+          </a:custGeom>
+          <a:solidFill>
+            <a:schemeClr val="bg1">
+              <a:lumMod val="85000"/>
+            </a:schemeClr>
+          </a:solidFill>
+          <a:ln>
+            <a:extLst>
+              <a:ext uri="{C807C97D-BFC1-408E-A445-0C87EB9F89A2}">
+                <ask:lineSketchStyleProps xmlns:ask="http://schemas.microsoft.com/office/drawing/2018/sketchyshapes" sd="483477284">
+                  <a:prstGeom prst="ellipse">
+                    <a:avLst/>
+                  </a:prstGeom>
+                  <ask:type>
+                    <ask:lineSketchFreehand/>
+                  </ask:type>
+                </ask:lineSketchStyleProps>
+              </a:ext>
+            </a:extLst>
+          </a:ln>
+        </p:spPr>
+        <p:style>
+          <a:lnRef idx="2">
+            <a:schemeClr val="accent1">
+              <a:shade val="15000"/>
+            </a:schemeClr>
+          </a:lnRef>
+          <a:fillRef idx="1">
+            <a:schemeClr val="accent1"/>
+          </a:fillRef>
+          <a:effectRef idx="0">
+            <a:schemeClr val="accent1"/>
+          </a:effectRef>
+          <a:fontRef idx="minor">
+            <a:schemeClr val="lt1"/>
+          </a:fontRef>
+        </p:style>
+        <p:txBody>
+          <a:bodyPr rtlCol="0" anchor="ctr"/>
+          <a:lstStyle/>
+          <a:p>
+            <a:pPr algn="ctr"/>
+            <a:r>
+              <a:rPr lang="en-US" sz="1300" dirty="0">
+                <a:solidFill>
+                  <a:schemeClr val="tx1"/>
+                </a:solidFill>
+              </a:rPr>
+              <a:t>Victor D’Souza</a:t>
+            </a:r>
+            <a:br>
+              <a:rPr lang="en-US" sz="1300" dirty="0">
+                <a:solidFill>
+                  <a:schemeClr val="tx1"/>
+                </a:solidFill>
+              </a:rPr>
+            </a:br>
+            <a:r>
+              <a:rPr lang="en-US" sz="1300" dirty="0">
+                <a:solidFill>
+                  <a:schemeClr val="tx1"/>
+                </a:solidFill>
+              </a:rPr>
+              <a:t>(cult leader)</a:t>
             </a:r>
           </a:p>
         </p:txBody>
@@ -7598,7 +8391,7 @@
           <a:p>
             <a:r>
               <a:rPr lang="en-US" b="1" dirty="0"/>
-              <a:t>RAGHU</a:t>
+              <a:t>VASANTH</a:t>
             </a:r>
             <a:br>
               <a:rPr lang="en-US" dirty="0"/>
@@ -7619,7 +8412,7 @@
             </a:br>
             <a:r>
               <a:rPr lang="en-US" dirty="0"/>
-              <a:t>Gavi			Harsha</a:t>
+              <a:t>Uday		Harsha</a:t>
             </a:r>
             <a:br>
               <a:rPr lang="en-US" dirty="0"/>
@@ -7672,7 +8465,7 @@
           <a:p>
             <a:r>
               <a:rPr lang="en-US" b="1" dirty="0"/>
-              <a:t>VASANTH</a:t>
+              <a:t>RAGHU</a:t>
             </a:r>
             <a:br>
               <a:rPr lang="en-US" dirty="0"/>
@@ -7693,7 +8486,7 @@
             </a:br>
             <a:r>
               <a:rPr lang="en-US" dirty="0" err="1"/>
-              <a:t>Keerthan</a:t>
+              <a:t>Tejas</a:t>
             </a:r>
             <a:endParaRPr lang="en-US" dirty="0"/>
           </a:p>
@@ -7761,7 +8554,7 @@
             </a:br>
             <a:r>
               <a:rPr lang="en-US" dirty="0"/>
-              <a:t>Chandan</a:t>
+              <a:t>Varun</a:t>
             </a:r>
           </a:p>
         </p:txBody>
@@ -11799,6 +12592,3484 @@
             </a:pathLst>
           </a:custGeom>
           <a:solidFill>
+            <a:schemeClr val="bg1">
+              <a:lumMod val="65000"/>
+            </a:schemeClr>
+          </a:solidFill>
+          <a:ln w="38100">
+            <a:solidFill>
+              <a:schemeClr val="tx1"/>
+            </a:solidFill>
+            <a:extLst>
+              <a:ext uri="{C807C97D-BFC1-408E-A445-0C87EB9F89A2}">
+                <ask:lineSketchStyleProps xmlns:ask="http://schemas.microsoft.com/office/drawing/2018/sketchyshapes" sd="233045394">
+                  <a:prstGeom prst="roundRect">
+                    <a:avLst/>
+                  </a:prstGeom>
+                  <ask:type>
+                    <ask:lineSketchScribble/>
+                  </ask:type>
+                </ask:lineSketchStyleProps>
+              </a:ext>
+            </a:extLst>
+          </a:ln>
+        </p:spPr>
+        <p:style>
+          <a:lnRef idx="2">
+            <a:schemeClr val="accent1">
+              <a:shade val="15000"/>
+            </a:schemeClr>
+          </a:lnRef>
+          <a:fillRef idx="1">
+            <a:schemeClr val="accent1"/>
+          </a:fillRef>
+          <a:effectRef idx="0">
+            <a:schemeClr val="accent1"/>
+          </a:effectRef>
+          <a:fontRef idx="minor">
+            <a:schemeClr val="lt1"/>
+          </a:fontRef>
+        </p:style>
+        <p:txBody>
+          <a:bodyPr rtlCol="0" anchor="ctr"/>
+          <a:lstStyle/>
+          <a:p>
+            <a:pPr algn="ctr"/>
+            <a:r>
+              <a:rPr lang="en-US" dirty="0">
+                <a:solidFill>
+                  <a:schemeClr val="tx1"/>
+                </a:solidFill>
+              </a:rPr>
+              <a:t>Drugs are imported from Cartel</a:t>
+            </a:r>
+          </a:p>
+        </p:txBody>
+      </p:sp>
+      <p:sp>
+        <p:nvSpPr>
+          <p:cNvPr id="18" name="Rectangle: Rounded Corners 17">
+            <a:extLst>
+              <a:ext uri="{FF2B5EF4-FFF2-40B4-BE49-F238E27FC236}">
+                <a16:creationId xmlns:a16="http://schemas.microsoft.com/office/drawing/2014/main" id="{170AE264-18DC-FC83-F747-F8768116FF85}"/>
+              </a:ext>
+            </a:extLst>
+          </p:cNvPr>
+          <p:cNvSpPr/>
+          <p:nvPr/>
+        </p:nvSpPr>
+        <p:spPr>
+          <a:xfrm>
+            <a:off x="4797552" y="467868"/>
+            <a:ext cx="2596896" cy="1453896"/>
+          </a:xfrm>
+          <a:custGeom>
+            <a:avLst/>
+            <a:gdLst>
+              <a:gd name="connsiteX0" fmla="*/ 0 w 2596896"/>
+              <a:gd name="connsiteY0" fmla="*/ 242321 h 1453896"/>
+              <a:gd name="connsiteX1" fmla="*/ 242321 w 2596896"/>
+              <a:gd name="connsiteY1" fmla="*/ 0 h 1453896"/>
+              <a:gd name="connsiteX2" fmla="*/ 749262 w 2596896"/>
+              <a:gd name="connsiteY2" fmla="*/ 0 h 1453896"/>
+              <a:gd name="connsiteX3" fmla="*/ 1235080 w 2596896"/>
+              <a:gd name="connsiteY3" fmla="*/ 0 h 1453896"/>
+              <a:gd name="connsiteX4" fmla="*/ 1699776 w 2596896"/>
+              <a:gd name="connsiteY4" fmla="*/ 0 h 1453896"/>
+              <a:gd name="connsiteX5" fmla="*/ 2354575 w 2596896"/>
+              <a:gd name="connsiteY5" fmla="*/ 0 h 1453896"/>
+              <a:gd name="connsiteX6" fmla="*/ 2596896 w 2596896"/>
+              <a:gd name="connsiteY6" fmla="*/ 242321 h 1453896"/>
+              <a:gd name="connsiteX7" fmla="*/ 2596896 w 2596896"/>
+              <a:gd name="connsiteY7" fmla="*/ 746333 h 1453896"/>
+              <a:gd name="connsiteX8" fmla="*/ 2596896 w 2596896"/>
+              <a:gd name="connsiteY8" fmla="*/ 1211575 h 1453896"/>
+              <a:gd name="connsiteX9" fmla="*/ 2354575 w 2596896"/>
+              <a:gd name="connsiteY9" fmla="*/ 1453896 h 1453896"/>
+              <a:gd name="connsiteX10" fmla="*/ 1868757 w 2596896"/>
+              <a:gd name="connsiteY10" fmla="*/ 1453896 h 1453896"/>
+              <a:gd name="connsiteX11" fmla="*/ 1404061 w 2596896"/>
+              <a:gd name="connsiteY11" fmla="*/ 1453896 h 1453896"/>
+              <a:gd name="connsiteX12" fmla="*/ 939365 w 2596896"/>
+              <a:gd name="connsiteY12" fmla="*/ 1453896 h 1453896"/>
+              <a:gd name="connsiteX13" fmla="*/ 242321 w 2596896"/>
+              <a:gd name="connsiteY13" fmla="*/ 1453896 h 1453896"/>
+              <a:gd name="connsiteX14" fmla="*/ 0 w 2596896"/>
+              <a:gd name="connsiteY14" fmla="*/ 1211575 h 1453896"/>
+              <a:gd name="connsiteX15" fmla="*/ 0 w 2596896"/>
+              <a:gd name="connsiteY15" fmla="*/ 756026 h 1453896"/>
+              <a:gd name="connsiteX16" fmla="*/ 0 w 2596896"/>
+              <a:gd name="connsiteY16" fmla="*/ 242321 h 1453896"/>
+            </a:gdLst>
+            <a:ahLst/>
+            <a:cxnLst>
+              <a:cxn ang="0">
+                <a:pos x="connsiteX0" y="connsiteY0"/>
+              </a:cxn>
+              <a:cxn ang="0">
+                <a:pos x="connsiteX1" y="connsiteY1"/>
+              </a:cxn>
+              <a:cxn ang="0">
+                <a:pos x="connsiteX2" y="connsiteY2"/>
+              </a:cxn>
+              <a:cxn ang="0">
+                <a:pos x="connsiteX3" y="connsiteY3"/>
+              </a:cxn>
+              <a:cxn ang="0">
+                <a:pos x="connsiteX4" y="connsiteY4"/>
+              </a:cxn>
+              <a:cxn ang="0">
+                <a:pos x="connsiteX5" y="connsiteY5"/>
+              </a:cxn>
+              <a:cxn ang="0">
+                <a:pos x="connsiteX6" y="connsiteY6"/>
+              </a:cxn>
+              <a:cxn ang="0">
+                <a:pos x="connsiteX7" y="connsiteY7"/>
+              </a:cxn>
+              <a:cxn ang="0">
+                <a:pos x="connsiteX8" y="connsiteY8"/>
+              </a:cxn>
+              <a:cxn ang="0">
+                <a:pos x="connsiteX9" y="connsiteY9"/>
+              </a:cxn>
+              <a:cxn ang="0">
+                <a:pos x="connsiteX10" y="connsiteY10"/>
+              </a:cxn>
+              <a:cxn ang="0">
+                <a:pos x="connsiteX11" y="connsiteY11"/>
+              </a:cxn>
+              <a:cxn ang="0">
+                <a:pos x="connsiteX12" y="connsiteY12"/>
+              </a:cxn>
+              <a:cxn ang="0">
+                <a:pos x="connsiteX13" y="connsiteY13"/>
+              </a:cxn>
+              <a:cxn ang="0">
+                <a:pos x="connsiteX14" y="connsiteY14"/>
+              </a:cxn>
+              <a:cxn ang="0">
+                <a:pos x="connsiteX15" y="connsiteY15"/>
+              </a:cxn>
+              <a:cxn ang="0">
+                <a:pos x="connsiteX16" y="connsiteY16"/>
+              </a:cxn>
+            </a:cxnLst>
+            <a:rect l="l" t="t" r="r" b="b"/>
+            <a:pathLst>
+              <a:path w="2596896" h="1453896" fill="none" extrusionOk="0">
+                <a:moveTo>
+                  <a:pt x="0" y="242321"/>
+                </a:moveTo>
+                <a:cubicBezTo>
+                  <a:pt x="-14974" y="139688"/>
+                  <a:pt x="96894" y="7182"/>
+                  <a:pt x="242321" y="0"/>
+                </a:cubicBezTo>
+                <a:cubicBezTo>
+                  <a:pt x="441074" y="-59769"/>
+                  <a:pt x="592544" y="63"/>
+                  <a:pt x="749262" y="0"/>
+                </a:cubicBezTo>
+                <a:cubicBezTo>
+                  <a:pt x="905980" y="-63"/>
+                  <a:pt x="1129042" y="19266"/>
+                  <a:pt x="1235080" y="0"/>
+                </a:cubicBezTo>
+                <a:cubicBezTo>
+                  <a:pt x="1341118" y="-19266"/>
+                  <a:pt x="1528785" y="32919"/>
+                  <a:pt x="1699776" y="0"/>
+                </a:cubicBezTo>
+                <a:cubicBezTo>
+                  <a:pt x="1870767" y="-32919"/>
+                  <a:pt x="2070469" y="55387"/>
+                  <a:pt x="2354575" y="0"/>
+                </a:cubicBezTo>
+                <a:cubicBezTo>
+                  <a:pt x="2490866" y="-10472"/>
+                  <a:pt x="2595220" y="82574"/>
+                  <a:pt x="2596896" y="242321"/>
+                </a:cubicBezTo>
+                <a:cubicBezTo>
+                  <a:pt x="2623362" y="401480"/>
+                  <a:pt x="2536836" y="555193"/>
+                  <a:pt x="2596896" y="746333"/>
+                </a:cubicBezTo>
+                <a:cubicBezTo>
+                  <a:pt x="2656956" y="937473"/>
+                  <a:pt x="2553412" y="1088130"/>
+                  <a:pt x="2596896" y="1211575"/>
+                </a:cubicBezTo>
+                <a:cubicBezTo>
+                  <a:pt x="2595382" y="1311635"/>
+                  <a:pt x="2487624" y="1446457"/>
+                  <a:pt x="2354575" y="1453896"/>
+                </a:cubicBezTo>
+                <a:cubicBezTo>
+                  <a:pt x="2245032" y="1467618"/>
+                  <a:pt x="2061141" y="1451111"/>
+                  <a:pt x="1868757" y="1453896"/>
+                </a:cubicBezTo>
+                <a:cubicBezTo>
+                  <a:pt x="1676373" y="1456681"/>
+                  <a:pt x="1516270" y="1452787"/>
+                  <a:pt x="1404061" y="1453896"/>
+                </a:cubicBezTo>
+                <a:cubicBezTo>
+                  <a:pt x="1291852" y="1455005"/>
+                  <a:pt x="1168317" y="1434139"/>
+                  <a:pt x="939365" y="1453896"/>
+                </a:cubicBezTo>
+                <a:cubicBezTo>
+                  <a:pt x="710413" y="1473653"/>
+                  <a:pt x="387396" y="1404238"/>
+                  <a:pt x="242321" y="1453896"/>
+                </a:cubicBezTo>
+                <a:cubicBezTo>
+                  <a:pt x="102110" y="1455209"/>
+                  <a:pt x="22752" y="1363353"/>
+                  <a:pt x="0" y="1211575"/>
+                </a:cubicBezTo>
+                <a:cubicBezTo>
+                  <a:pt x="-14863" y="1006928"/>
+                  <a:pt x="11766" y="913595"/>
+                  <a:pt x="0" y="756026"/>
+                </a:cubicBezTo>
+                <a:cubicBezTo>
+                  <a:pt x="-11766" y="598457"/>
+                  <a:pt x="13491" y="411923"/>
+                  <a:pt x="0" y="242321"/>
+                </a:cubicBezTo>
+                <a:close/>
+              </a:path>
+              <a:path w="2596896" h="1453896" stroke="0" extrusionOk="0">
+                <a:moveTo>
+                  <a:pt x="0" y="242321"/>
+                </a:moveTo>
+                <a:cubicBezTo>
+                  <a:pt x="-11492" y="94643"/>
+                  <a:pt x="81441" y="2832"/>
+                  <a:pt x="242321" y="0"/>
+                </a:cubicBezTo>
+                <a:cubicBezTo>
+                  <a:pt x="447617" y="-55495"/>
+                  <a:pt x="622845" y="46391"/>
+                  <a:pt x="812630" y="0"/>
+                </a:cubicBezTo>
+                <a:cubicBezTo>
+                  <a:pt x="1002415" y="-46391"/>
+                  <a:pt x="1086960" y="1483"/>
+                  <a:pt x="1340693" y="0"/>
+                </a:cubicBezTo>
+                <a:cubicBezTo>
+                  <a:pt x="1594426" y="-1483"/>
+                  <a:pt x="1605642" y="26280"/>
+                  <a:pt x="1847634" y="0"/>
+                </a:cubicBezTo>
+                <a:cubicBezTo>
+                  <a:pt x="2089626" y="-26280"/>
+                  <a:pt x="2124652" y="60360"/>
+                  <a:pt x="2354575" y="0"/>
+                </a:cubicBezTo>
+                <a:cubicBezTo>
+                  <a:pt x="2470723" y="-27765"/>
+                  <a:pt x="2590717" y="77150"/>
+                  <a:pt x="2596896" y="242321"/>
+                </a:cubicBezTo>
+                <a:cubicBezTo>
+                  <a:pt x="2614323" y="435434"/>
+                  <a:pt x="2544323" y="572184"/>
+                  <a:pt x="2596896" y="707563"/>
+                </a:cubicBezTo>
+                <a:cubicBezTo>
+                  <a:pt x="2649469" y="842942"/>
+                  <a:pt x="2594159" y="1085129"/>
+                  <a:pt x="2596896" y="1211575"/>
+                </a:cubicBezTo>
+                <a:cubicBezTo>
+                  <a:pt x="2575670" y="1334182"/>
+                  <a:pt x="2496506" y="1444526"/>
+                  <a:pt x="2354575" y="1453896"/>
+                </a:cubicBezTo>
+                <a:cubicBezTo>
+                  <a:pt x="2206293" y="1515704"/>
+                  <a:pt x="2064095" y="1426065"/>
+                  <a:pt x="1805389" y="1453896"/>
+                </a:cubicBezTo>
+                <a:cubicBezTo>
+                  <a:pt x="1546683" y="1481727"/>
+                  <a:pt x="1455326" y="1425331"/>
+                  <a:pt x="1277325" y="1453896"/>
+                </a:cubicBezTo>
+                <a:cubicBezTo>
+                  <a:pt x="1099324" y="1482461"/>
+                  <a:pt x="1015727" y="1398884"/>
+                  <a:pt x="791507" y="1453896"/>
+                </a:cubicBezTo>
+                <a:cubicBezTo>
+                  <a:pt x="567287" y="1508908"/>
+                  <a:pt x="412541" y="1405192"/>
+                  <a:pt x="242321" y="1453896"/>
+                </a:cubicBezTo>
+                <a:cubicBezTo>
+                  <a:pt x="105469" y="1490951"/>
+                  <a:pt x="-23755" y="1338132"/>
+                  <a:pt x="0" y="1211575"/>
+                </a:cubicBezTo>
+                <a:cubicBezTo>
+                  <a:pt x="-47694" y="1060497"/>
+                  <a:pt x="6781" y="942125"/>
+                  <a:pt x="0" y="756026"/>
+                </a:cubicBezTo>
+                <a:cubicBezTo>
+                  <a:pt x="-6781" y="569927"/>
+                  <a:pt x="61527" y="384655"/>
+                  <a:pt x="0" y="242321"/>
+                </a:cubicBezTo>
+                <a:close/>
+              </a:path>
+            </a:pathLst>
+          </a:custGeom>
+          <a:solidFill>
+            <a:schemeClr val="bg1">
+              <a:lumMod val="65000"/>
+            </a:schemeClr>
+          </a:solidFill>
+          <a:ln w="38100">
+            <a:solidFill>
+              <a:schemeClr val="tx1"/>
+            </a:solidFill>
+            <a:extLst>
+              <a:ext uri="{C807C97D-BFC1-408E-A445-0C87EB9F89A2}">
+                <ask:lineSketchStyleProps xmlns:ask="http://schemas.microsoft.com/office/drawing/2018/sketchyshapes" sd="942603327">
+                  <a:prstGeom prst="roundRect">
+                    <a:avLst/>
+                  </a:prstGeom>
+                  <ask:type>
+                    <ask:lineSketchScribble/>
+                  </ask:type>
+                </ask:lineSketchStyleProps>
+              </a:ext>
+            </a:extLst>
+          </a:ln>
+        </p:spPr>
+        <p:style>
+          <a:lnRef idx="2">
+            <a:schemeClr val="accent1">
+              <a:shade val="15000"/>
+            </a:schemeClr>
+          </a:lnRef>
+          <a:fillRef idx="1">
+            <a:schemeClr val="accent1"/>
+          </a:fillRef>
+          <a:effectRef idx="0">
+            <a:schemeClr val="accent1"/>
+          </a:effectRef>
+          <a:fontRef idx="minor">
+            <a:schemeClr val="lt1"/>
+          </a:fontRef>
+        </p:style>
+        <p:txBody>
+          <a:bodyPr rtlCol="0" anchor="ctr"/>
+          <a:lstStyle/>
+          <a:p>
+            <a:pPr algn="ctr"/>
+            <a:r>
+              <a:rPr lang="en-US" dirty="0">
+                <a:solidFill>
+                  <a:schemeClr val="tx1"/>
+                </a:solidFill>
+              </a:rPr>
+              <a:t>Shipped using the Pharma’s shipping</a:t>
+            </a:r>
+          </a:p>
+        </p:txBody>
+      </p:sp>
+      <p:sp>
+        <p:nvSpPr>
+          <p:cNvPr id="19" name="Rectangle: Rounded Corners 18">
+            <a:extLst>
+              <a:ext uri="{FF2B5EF4-FFF2-40B4-BE49-F238E27FC236}">
+                <a16:creationId xmlns:a16="http://schemas.microsoft.com/office/drawing/2014/main" id="{B3D4675B-A99E-0C53-95C2-550CB8DAB089}"/>
+              </a:ext>
+            </a:extLst>
+          </p:cNvPr>
+          <p:cNvSpPr/>
+          <p:nvPr/>
+        </p:nvSpPr>
+        <p:spPr>
+          <a:xfrm>
+            <a:off x="8903210" y="467868"/>
+            <a:ext cx="2596896" cy="1453896"/>
+          </a:xfrm>
+          <a:custGeom>
+            <a:avLst/>
+            <a:gdLst>
+              <a:gd name="connsiteX0" fmla="*/ 0 w 2596896"/>
+              <a:gd name="connsiteY0" fmla="*/ 242321 h 1453896"/>
+              <a:gd name="connsiteX1" fmla="*/ 242321 w 2596896"/>
+              <a:gd name="connsiteY1" fmla="*/ 0 h 1453896"/>
+              <a:gd name="connsiteX2" fmla="*/ 707017 w 2596896"/>
+              <a:gd name="connsiteY2" fmla="*/ 0 h 1453896"/>
+              <a:gd name="connsiteX3" fmla="*/ 1171713 w 2596896"/>
+              <a:gd name="connsiteY3" fmla="*/ 0 h 1453896"/>
+              <a:gd name="connsiteX4" fmla="*/ 1636409 w 2596896"/>
+              <a:gd name="connsiteY4" fmla="*/ 0 h 1453896"/>
+              <a:gd name="connsiteX5" fmla="*/ 2354575 w 2596896"/>
+              <a:gd name="connsiteY5" fmla="*/ 0 h 1453896"/>
+              <a:gd name="connsiteX6" fmla="*/ 2596896 w 2596896"/>
+              <a:gd name="connsiteY6" fmla="*/ 242321 h 1453896"/>
+              <a:gd name="connsiteX7" fmla="*/ 2596896 w 2596896"/>
+              <a:gd name="connsiteY7" fmla="*/ 697870 h 1453896"/>
+              <a:gd name="connsiteX8" fmla="*/ 2596896 w 2596896"/>
+              <a:gd name="connsiteY8" fmla="*/ 1211575 h 1453896"/>
+              <a:gd name="connsiteX9" fmla="*/ 2354575 w 2596896"/>
+              <a:gd name="connsiteY9" fmla="*/ 1453896 h 1453896"/>
+              <a:gd name="connsiteX10" fmla="*/ 1784266 w 2596896"/>
+              <a:gd name="connsiteY10" fmla="*/ 1453896 h 1453896"/>
+              <a:gd name="connsiteX11" fmla="*/ 1298448 w 2596896"/>
+              <a:gd name="connsiteY11" fmla="*/ 1453896 h 1453896"/>
+              <a:gd name="connsiteX12" fmla="*/ 791507 w 2596896"/>
+              <a:gd name="connsiteY12" fmla="*/ 1453896 h 1453896"/>
+              <a:gd name="connsiteX13" fmla="*/ 242321 w 2596896"/>
+              <a:gd name="connsiteY13" fmla="*/ 1453896 h 1453896"/>
+              <a:gd name="connsiteX14" fmla="*/ 0 w 2596896"/>
+              <a:gd name="connsiteY14" fmla="*/ 1211575 h 1453896"/>
+              <a:gd name="connsiteX15" fmla="*/ 0 w 2596896"/>
+              <a:gd name="connsiteY15" fmla="*/ 736641 h 1453896"/>
+              <a:gd name="connsiteX16" fmla="*/ 0 w 2596896"/>
+              <a:gd name="connsiteY16" fmla="*/ 242321 h 1453896"/>
+            </a:gdLst>
+            <a:ahLst/>
+            <a:cxnLst>
+              <a:cxn ang="0">
+                <a:pos x="connsiteX0" y="connsiteY0"/>
+              </a:cxn>
+              <a:cxn ang="0">
+                <a:pos x="connsiteX1" y="connsiteY1"/>
+              </a:cxn>
+              <a:cxn ang="0">
+                <a:pos x="connsiteX2" y="connsiteY2"/>
+              </a:cxn>
+              <a:cxn ang="0">
+                <a:pos x="connsiteX3" y="connsiteY3"/>
+              </a:cxn>
+              <a:cxn ang="0">
+                <a:pos x="connsiteX4" y="connsiteY4"/>
+              </a:cxn>
+              <a:cxn ang="0">
+                <a:pos x="connsiteX5" y="connsiteY5"/>
+              </a:cxn>
+              <a:cxn ang="0">
+                <a:pos x="connsiteX6" y="connsiteY6"/>
+              </a:cxn>
+              <a:cxn ang="0">
+                <a:pos x="connsiteX7" y="connsiteY7"/>
+              </a:cxn>
+              <a:cxn ang="0">
+                <a:pos x="connsiteX8" y="connsiteY8"/>
+              </a:cxn>
+              <a:cxn ang="0">
+                <a:pos x="connsiteX9" y="connsiteY9"/>
+              </a:cxn>
+              <a:cxn ang="0">
+                <a:pos x="connsiteX10" y="connsiteY10"/>
+              </a:cxn>
+              <a:cxn ang="0">
+                <a:pos x="connsiteX11" y="connsiteY11"/>
+              </a:cxn>
+              <a:cxn ang="0">
+                <a:pos x="connsiteX12" y="connsiteY12"/>
+              </a:cxn>
+              <a:cxn ang="0">
+                <a:pos x="connsiteX13" y="connsiteY13"/>
+              </a:cxn>
+              <a:cxn ang="0">
+                <a:pos x="connsiteX14" y="connsiteY14"/>
+              </a:cxn>
+              <a:cxn ang="0">
+                <a:pos x="connsiteX15" y="connsiteY15"/>
+              </a:cxn>
+              <a:cxn ang="0">
+                <a:pos x="connsiteX16" y="connsiteY16"/>
+              </a:cxn>
+            </a:cxnLst>
+            <a:rect l="l" t="t" r="r" b="b"/>
+            <a:pathLst>
+              <a:path w="2596896" h="1453896" fill="none" extrusionOk="0">
+                <a:moveTo>
+                  <a:pt x="0" y="242321"/>
+                </a:moveTo>
+                <a:cubicBezTo>
+                  <a:pt x="-17383" y="113246"/>
+                  <a:pt x="78676" y="20888"/>
+                  <a:pt x="242321" y="0"/>
+                </a:cubicBezTo>
+                <a:cubicBezTo>
+                  <a:pt x="470380" y="-14400"/>
+                  <a:pt x="537276" y="5121"/>
+                  <a:pt x="707017" y="0"/>
+                </a:cubicBezTo>
+                <a:cubicBezTo>
+                  <a:pt x="876758" y="-5121"/>
+                  <a:pt x="1009201" y="43729"/>
+                  <a:pt x="1171713" y="0"/>
+                </a:cubicBezTo>
+                <a:cubicBezTo>
+                  <a:pt x="1334225" y="-43729"/>
+                  <a:pt x="1409524" y="50618"/>
+                  <a:pt x="1636409" y="0"/>
+                </a:cubicBezTo>
+                <a:cubicBezTo>
+                  <a:pt x="1863294" y="-50618"/>
+                  <a:pt x="2100722" y="48092"/>
+                  <a:pt x="2354575" y="0"/>
+                </a:cubicBezTo>
+                <a:cubicBezTo>
+                  <a:pt x="2493544" y="35330"/>
+                  <a:pt x="2605517" y="119556"/>
+                  <a:pt x="2596896" y="242321"/>
+                </a:cubicBezTo>
+                <a:cubicBezTo>
+                  <a:pt x="2603534" y="456893"/>
+                  <a:pt x="2552468" y="546236"/>
+                  <a:pt x="2596896" y="697870"/>
+                </a:cubicBezTo>
+                <a:cubicBezTo>
+                  <a:pt x="2641324" y="849504"/>
+                  <a:pt x="2556104" y="955461"/>
+                  <a:pt x="2596896" y="1211575"/>
+                </a:cubicBezTo>
+                <a:cubicBezTo>
+                  <a:pt x="2611749" y="1356877"/>
+                  <a:pt x="2497963" y="1447336"/>
+                  <a:pt x="2354575" y="1453896"/>
+                </a:cubicBezTo>
+                <a:cubicBezTo>
+                  <a:pt x="2184445" y="1459318"/>
+                  <a:pt x="2018143" y="1448784"/>
+                  <a:pt x="1784266" y="1453896"/>
+                </a:cubicBezTo>
+                <a:cubicBezTo>
+                  <a:pt x="1550389" y="1459008"/>
+                  <a:pt x="1504300" y="1410599"/>
+                  <a:pt x="1298448" y="1453896"/>
+                </a:cubicBezTo>
+                <a:cubicBezTo>
+                  <a:pt x="1092596" y="1497193"/>
+                  <a:pt x="908525" y="1405745"/>
+                  <a:pt x="791507" y="1453896"/>
+                </a:cubicBezTo>
+                <a:cubicBezTo>
+                  <a:pt x="674489" y="1502047"/>
+                  <a:pt x="461934" y="1441825"/>
+                  <a:pt x="242321" y="1453896"/>
+                </a:cubicBezTo>
+                <a:cubicBezTo>
+                  <a:pt x="129374" y="1442226"/>
+                  <a:pt x="13005" y="1359995"/>
+                  <a:pt x="0" y="1211575"/>
+                </a:cubicBezTo>
+                <a:cubicBezTo>
+                  <a:pt x="-45744" y="1054352"/>
+                  <a:pt x="39957" y="849809"/>
+                  <a:pt x="0" y="736641"/>
+                </a:cubicBezTo>
+                <a:cubicBezTo>
+                  <a:pt x="-39957" y="623473"/>
+                  <a:pt x="28376" y="424041"/>
+                  <a:pt x="0" y="242321"/>
+                </a:cubicBezTo>
+                <a:close/>
+              </a:path>
+              <a:path w="2596896" h="1453896" stroke="0" extrusionOk="0">
+                <a:moveTo>
+                  <a:pt x="0" y="242321"/>
+                </a:moveTo>
+                <a:cubicBezTo>
+                  <a:pt x="-27100" y="108145"/>
+                  <a:pt x="105541" y="-26532"/>
+                  <a:pt x="242321" y="0"/>
+                </a:cubicBezTo>
+                <a:cubicBezTo>
+                  <a:pt x="462208" y="-32731"/>
+                  <a:pt x="619333" y="17891"/>
+                  <a:pt x="791507" y="0"/>
+                </a:cubicBezTo>
+                <a:cubicBezTo>
+                  <a:pt x="963681" y="-17891"/>
+                  <a:pt x="1079339" y="64695"/>
+                  <a:pt x="1361816" y="0"/>
+                </a:cubicBezTo>
+                <a:cubicBezTo>
+                  <a:pt x="1644293" y="-64695"/>
+                  <a:pt x="1657080" y="44726"/>
+                  <a:pt x="1847634" y="0"/>
+                </a:cubicBezTo>
+                <a:cubicBezTo>
+                  <a:pt x="2038188" y="-44726"/>
+                  <a:pt x="2140818" y="43805"/>
+                  <a:pt x="2354575" y="0"/>
+                </a:cubicBezTo>
+                <a:cubicBezTo>
+                  <a:pt x="2472559" y="-6618"/>
+                  <a:pt x="2591089" y="103191"/>
+                  <a:pt x="2596896" y="242321"/>
+                </a:cubicBezTo>
+                <a:cubicBezTo>
+                  <a:pt x="2613965" y="359561"/>
+                  <a:pt x="2561297" y="518085"/>
+                  <a:pt x="2596896" y="707563"/>
+                </a:cubicBezTo>
+                <a:cubicBezTo>
+                  <a:pt x="2632495" y="897041"/>
+                  <a:pt x="2539486" y="1093349"/>
+                  <a:pt x="2596896" y="1211575"/>
+                </a:cubicBezTo>
+                <a:cubicBezTo>
+                  <a:pt x="2617666" y="1351731"/>
+                  <a:pt x="2472017" y="1456583"/>
+                  <a:pt x="2354575" y="1453896"/>
+                </a:cubicBezTo>
+                <a:cubicBezTo>
+                  <a:pt x="2138974" y="1503765"/>
+                  <a:pt x="2047319" y="1407207"/>
+                  <a:pt x="1826512" y="1453896"/>
+                </a:cubicBezTo>
+                <a:cubicBezTo>
+                  <a:pt x="1605705" y="1500585"/>
+                  <a:pt x="1551013" y="1409921"/>
+                  <a:pt x="1361816" y="1453896"/>
+                </a:cubicBezTo>
+                <a:cubicBezTo>
+                  <a:pt x="1172619" y="1497871"/>
+                  <a:pt x="990258" y="1439321"/>
+                  <a:pt x="812630" y="1453896"/>
+                </a:cubicBezTo>
+                <a:cubicBezTo>
+                  <a:pt x="635002" y="1468471"/>
+                  <a:pt x="392716" y="1444674"/>
+                  <a:pt x="242321" y="1453896"/>
+                </a:cubicBezTo>
+                <a:cubicBezTo>
+                  <a:pt x="106010" y="1455337"/>
+                  <a:pt x="-10396" y="1337707"/>
+                  <a:pt x="0" y="1211575"/>
+                </a:cubicBezTo>
+                <a:cubicBezTo>
+                  <a:pt x="-4701" y="1066036"/>
+                  <a:pt x="28022" y="976419"/>
+                  <a:pt x="0" y="746333"/>
+                </a:cubicBezTo>
+                <a:cubicBezTo>
+                  <a:pt x="-28022" y="516247"/>
+                  <a:pt x="43626" y="433053"/>
+                  <a:pt x="0" y="242321"/>
+                </a:cubicBezTo>
+                <a:close/>
+              </a:path>
+            </a:pathLst>
+          </a:custGeom>
+          <a:solidFill>
+            <a:schemeClr val="bg1">
+              <a:lumMod val="65000"/>
+            </a:schemeClr>
+          </a:solidFill>
+          <a:ln w="38100">
+            <a:solidFill>
+              <a:schemeClr val="tx1"/>
+            </a:solidFill>
+            <a:extLst>
+              <a:ext uri="{C807C97D-BFC1-408E-A445-0C87EB9F89A2}">
+                <ask:lineSketchStyleProps xmlns:ask="http://schemas.microsoft.com/office/drawing/2018/sketchyshapes" sd="534268407">
+                  <a:prstGeom prst="roundRect">
+                    <a:avLst/>
+                  </a:prstGeom>
+                  <ask:type>
+                    <ask:lineSketchScribble/>
+                  </ask:type>
+                </ask:lineSketchStyleProps>
+              </a:ext>
+            </a:extLst>
+          </a:ln>
+        </p:spPr>
+        <p:style>
+          <a:lnRef idx="2">
+            <a:schemeClr val="accent1">
+              <a:shade val="15000"/>
+            </a:schemeClr>
+          </a:lnRef>
+          <a:fillRef idx="1">
+            <a:schemeClr val="accent1"/>
+          </a:fillRef>
+          <a:effectRef idx="0">
+            <a:schemeClr val="accent1"/>
+          </a:effectRef>
+          <a:fontRef idx="minor">
+            <a:schemeClr val="lt1"/>
+          </a:fontRef>
+        </p:style>
+        <p:txBody>
+          <a:bodyPr rtlCol="0" anchor="ctr"/>
+          <a:lstStyle/>
+          <a:p>
+            <a:pPr algn="ctr"/>
+            <a:r>
+              <a:rPr lang="en-US" dirty="0">
+                <a:solidFill>
+                  <a:schemeClr val="tx1"/>
+                </a:solidFill>
+              </a:rPr>
+              <a:t>Stored in the cult</a:t>
+            </a:r>
+          </a:p>
+        </p:txBody>
+      </p:sp>
+      <p:sp>
+        <p:nvSpPr>
+          <p:cNvPr id="20" name="Rectangle: Rounded Corners 19">
+            <a:extLst>
+              <a:ext uri="{FF2B5EF4-FFF2-40B4-BE49-F238E27FC236}">
+                <a16:creationId xmlns:a16="http://schemas.microsoft.com/office/drawing/2014/main" id="{FAE44779-1E57-1C2A-EB81-0542190E9D03}"/>
+              </a:ext>
+            </a:extLst>
+          </p:cNvPr>
+          <p:cNvSpPr/>
+          <p:nvPr/>
+        </p:nvSpPr>
+        <p:spPr>
+          <a:xfrm>
+            <a:off x="691894" y="2763012"/>
+            <a:ext cx="2596896" cy="1453896"/>
+          </a:xfrm>
+          <a:custGeom>
+            <a:avLst/>
+            <a:gdLst>
+              <a:gd name="connsiteX0" fmla="*/ 0 w 2596896"/>
+              <a:gd name="connsiteY0" fmla="*/ 242321 h 1453896"/>
+              <a:gd name="connsiteX1" fmla="*/ 242321 w 2596896"/>
+              <a:gd name="connsiteY1" fmla="*/ 0 h 1453896"/>
+              <a:gd name="connsiteX2" fmla="*/ 728139 w 2596896"/>
+              <a:gd name="connsiteY2" fmla="*/ 0 h 1453896"/>
+              <a:gd name="connsiteX3" fmla="*/ 1192835 w 2596896"/>
+              <a:gd name="connsiteY3" fmla="*/ 0 h 1453896"/>
+              <a:gd name="connsiteX4" fmla="*/ 1720899 w 2596896"/>
+              <a:gd name="connsiteY4" fmla="*/ 0 h 1453896"/>
+              <a:gd name="connsiteX5" fmla="*/ 2354575 w 2596896"/>
+              <a:gd name="connsiteY5" fmla="*/ 0 h 1453896"/>
+              <a:gd name="connsiteX6" fmla="*/ 2596896 w 2596896"/>
+              <a:gd name="connsiteY6" fmla="*/ 242321 h 1453896"/>
+              <a:gd name="connsiteX7" fmla="*/ 2596896 w 2596896"/>
+              <a:gd name="connsiteY7" fmla="*/ 726948 h 1453896"/>
+              <a:gd name="connsiteX8" fmla="*/ 2596896 w 2596896"/>
+              <a:gd name="connsiteY8" fmla="*/ 1211575 h 1453896"/>
+              <a:gd name="connsiteX9" fmla="*/ 2354575 w 2596896"/>
+              <a:gd name="connsiteY9" fmla="*/ 1453896 h 1453896"/>
+              <a:gd name="connsiteX10" fmla="*/ 1847634 w 2596896"/>
+              <a:gd name="connsiteY10" fmla="*/ 1453896 h 1453896"/>
+              <a:gd name="connsiteX11" fmla="*/ 1340693 w 2596896"/>
+              <a:gd name="connsiteY11" fmla="*/ 1453896 h 1453896"/>
+              <a:gd name="connsiteX12" fmla="*/ 791507 w 2596896"/>
+              <a:gd name="connsiteY12" fmla="*/ 1453896 h 1453896"/>
+              <a:gd name="connsiteX13" fmla="*/ 242321 w 2596896"/>
+              <a:gd name="connsiteY13" fmla="*/ 1453896 h 1453896"/>
+              <a:gd name="connsiteX14" fmla="*/ 0 w 2596896"/>
+              <a:gd name="connsiteY14" fmla="*/ 1211575 h 1453896"/>
+              <a:gd name="connsiteX15" fmla="*/ 0 w 2596896"/>
+              <a:gd name="connsiteY15" fmla="*/ 746333 h 1453896"/>
+              <a:gd name="connsiteX16" fmla="*/ 0 w 2596896"/>
+              <a:gd name="connsiteY16" fmla="*/ 242321 h 1453896"/>
+            </a:gdLst>
+            <a:ahLst/>
+            <a:cxnLst>
+              <a:cxn ang="0">
+                <a:pos x="connsiteX0" y="connsiteY0"/>
+              </a:cxn>
+              <a:cxn ang="0">
+                <a:pos x="connsiteX1" y="connsiteY1"/>
+              </a:cxn>
+              <a:cxn ang="0">
+                <a:pos x="connsiteX2" y="connsiteY2"/>
+              </a:cxn>
+              <a:cxn ang="0">
+                <a:pos x="connsiteX3" y="connsiteY3"/>
+              </a:cxn>
+              <a:cxn ang="0">
+                <a:pos x="connsiteX4" y="connsiteY4"/>
+              </a:cxn>
+              <a:cxn ang="0">
+                <a:pos x="connsiteX5" y="connsiteY5"/>
+              </a:cxn>
+              <a:cxn ang="0">
+                <a:pos x="connsiteX6" y="connsiteY6"/>
+              </a:cxn>
+              <a:cxn ang="0">
+                <a:pos x="connsiteX7" y="connsiteY7"/>
+              </a:cxn>
+              <a:cxn ang="0">
+                <a:pos x="connsiteX8" y="connsiteY8"/>
+              </a:cxn>
+              <a:cxn ang="0">
+                <a:pos x="connsiteX9" y="connsiteY9"/>
+              </a:cxn>
+              <a:cxn ang="0">
+                <a:pos x="connsiteX10" y="connsiteY10"/>
+              </a:cxn>
+              <a:cxn ang="0">
+                <a:pos x="connsiteX11" y="connsiteY11"/>
+              </a:cxn>
+              <a:cxn ang="0">
+                <a:pos x="connsiteX12" y="connsiteY12"/>
+              </a:cxn>
+              <a:cxn ang="0">
+                <a:pos x="connsiteX13" y="connsiteY13"/>
+              </a:cxn>
+              <a:cxn ang="0">
+                <a:pos x="connsiteX14" y="connsiteY14"/>
+              </a:cxn>
+              <a:cxn ang="0">
+                <a:pos x="connsiteX15" y="connsiteY15"/>
+              </a:cxn>
+              <a:cxn ang="0">
+                <a:pos x="connsiteX16" y="connsiteY16"/>
+              </a:cxn>
+            </a:cxnLst>
+            <a:rect l="l" t="t" r="r" b="b"/>
+            <a:pathLst>
+              <a:path w="2596896" h="1453896" fill="none" extrusionOk="0">
+                <a:moveTo>
+                  <a:pt x="0" y="242321"/>
+                </a:moveTo>
+                <a:cubicBezTo>
+                  <a:pt x="19692" y="95098"/>
+                  <a:pt x="95851" y="996"/>
+                  <a:pt x="242321" y="0"/>
+                </a:cubicBezTo>
+                <a:cubicBezTo>
+                  <a:pt x="453169" y="-12207"/>
+                  <a:pt x="582879" y="3248"/>
+                  <a:pt x="728139" y="0"/>
+                </a:cubicBezTo>
+                <a:cubicBezTo>
+                  <a:pt x="873399" y="-3248"/>
+                  <a:pt x="972585" y="28891"/>
+                  <a:pt x="1192835" y="0"/>
+                </a:cubicBezTo>
+                <a:cubicBezTo>
+                  <a:pt x="1413085" y="-28891"/>
+                  <a:pt x="1484675" y="41547"/>
+                  <a:pt x="1720899" y="0"/>
+                </a:cubicBezTo>
+                <a:cubicBezTo>
+                  <a:pt x="1957123" y="-41547"/>
+                  <a:pt x="2090824" y="49860"/>
+                  <a:pt x="2354575" y="0"/>
+                </a:cubicBezTo>
+                <a:cubicBezTo>
+                  <a:pt x="2455363" y="-7712"/>
+                  <a:pt x="2562952" y="104806"/>
+                  <a:pt x="2596896" y="242321"/>
+                </a:cubicBezTo>
+                <a:cubicBezTo>
+                  <a:pt x="2626555" y="368173"/>
+                  <a:pt x="2562896" y="538404"/>
+                  <a:pt x="2596896" y="726948"/>
+                </a:cubicBezTo>
+                <a:cubicBezTo>
+                  <a:pt x="2630896" y="915492"/>
+                  <a:pt x="2566994" y="1065680"/>
+                  <a:pt x="2596896" y="1211575"/>
+                </a:cubicBezTo>
+                <a:cubicBezTo>
+                  <a:pt x="2583981" y="1362512"/>
+                  <a:pt x="2511135" y="1459554"/>
+                  <a:pt x="2354575" y="1453896"/>
+                </a:cubicBezTo>
+                <a:cubicBezTo>
+                  <a:pt x="2207829" y="1489536"/>
+                  <a:pt x="2060339" y="1408753"/>
+                  <a:pt x="1847634" y="1453896"/>
+                </a:cubicBezTo>
+                <a:cubicBezTo>
+                  <a:pt x="1634929" y="1499039"/>
+                  <a:pt x="1549767" y="1408867"/>
+                  <a:pt x="1340693" y="1453896"/>
+                </a:cubicBezTo>
+                <a:cubicBezTo>
+                  <a:pt x="1131619" y="1498925"/>
+                  <a:pt x="1027344" y="1422813"/>
+                  <a:pt x="791507" y="1453896"/>
+                </a:cubicBezTo>
+                <a:cubicBezTo>
+                  <a:pt x="555670" y="1484979"/>
+                  <a:pt x="358116" y="1427033"/>
+                  <a:pt x="242321" y="1453896"/>
+                </a:cubicBezTo>
+                <a:cubicBezTo>
+                  <a:pt x="120482" y="1420522"/>
+                  <a:pt x="9462" y="1344683"/>
+                  <a:pt x="0" y="1211575"/>
+                </a:cubicBezTo>
+                <a:cubicBezTo>
+                  <a:pt x="-48235" y="985504"/>
+                  <a:pt x="12400" y="948857"/>
+                  <a:pt x="0" y="746333"/>
+                </a:cubicBezTo>
+                <a:cubicBezTo>
+                  <a:pt x="-12400" y="543809"/>
+                  <a:pt x="27136" y="469052"/>
+                  <a:pt x="0" y="242321"/>
+                </a:cubicBezTo>
+                <a:close/>
+              </a:path>
+              <a:path w="2596896" h="1453896" stroke="0" extrusionOk="0">
+                <a:moveTo>
+                  <a:pt x="0" y="242321"/>
+                </a:moveTo>
+                <a:cubicBezTo>
+                  <a:pt x="18763" y="111693"/>
+                  <a:pt x="102271" y="-15636"/>
+                  <a:pt x="242321" y="0"/>
+                </a:cubicBezTo>
+                <a:cubicBezTo>
+                  <a:pt x="502404" y="-28179"/>
+                  <a:pt x="572677" y="8390"/>
+                  <a:pt x="791507" y="0"/>
+                </a:cubicBezTo>
+                <a:cubicBezTo>
+                  <a:pt x="1010337" y="-8390"/>
+                  <a:pt x="1044443" y="1063"/>
+                  <a:pt x="1256203" y="0"/>
+                </a:cubicBezTo>
+                <a:cubicBezTo>
+                  <a:pt x="1467963" y="-1063"/>
+                  <a:pt x="1686735" y="603"/>
+                  <a:pt x="1805389" y="0"/>
+                </a:cubicBezTo>
+                <a:cubicBezTo>
+                  <a:pt x="1924043" y="-603"/>
+                  <a:pt x="2210844" y="4236"/>
+                  <a:pt x="2354575" y="0"/>
+                </a:cubicBezTo>
+                <a:cubicBezTo>
+                  <a:pt x="2481781" y="-8730"/>
+                  <a:pt x="2596110" y="112054"/>
+                  <a:pt x="2596896" y="242321"/>
+                </a:cubicBezTo>
+                <a:cubicBezTo>
+                  <a:pt x="2607846" y="353280"/>
+                  <a:pt x="2584959" y="600703"/>
+                  <a:pt x="2596896" y="736641"/>
+                </a:cubicBezTo>
+                <a:cubicBezTo>
+                  <a:pt x="2608833" y="872579"/>
+                  <a:pt x="2579736" y="986575"/>
+                  <a:pt x="2596896" y="1211575"/>
+                </a:cubicBezTo>
+                <a:cubicBezTo>
+                  <a:pt x="2585653" y="1327503"/>
+                  <a:pt x="2483246" y="1451180"/>
+                  <a:pt x="2354575" y="1453896"/>
+                </a:cubicBezTo>
+                <a:cubicBezTo>
+                  <a:pt x="2210653" y="1479301"/>
+                  <a:pt x="2112210" y="1430085"/>
+                  <a:pt x="1889879" y="1453896"/>
+                </a:cubicBezTo>
+                <a:cubicBezTo>
+                  <a:pt x="1667548" y="1477707"/>
+                  <a:pt x="1465892" y="1444437"/>
+                  <a:pt x="1340693" y="1453896"/>
+                </a:cubicBezTo>
+                <a:cubicBezTo>
+                  <a:pt x="1215494" y="1463355"/>
+                  <a:pt x="918456" y="1401170"/>
+                  <a:pt x="770385" y="1453896"/>
+                </a:cubicBezTo>
+                <a:cubicBezTo>
+                  <a:pt x="622314" y="1506622"/>
+                  <a:pt x="417336" y="1444256"/>
+                  <a:pt x="242321" y="1453896"/>
+                </a:cubicBezTo>
+                <a:cubicBezTo>
+                  <a:pt x="105099" y="1454951"/>
+                  <a:pt x="1933" y="1343236"/>
+                  <a:pt x="0" y="1211575"/>
+                </a:cubicBezTo>
+                <a:cubicBezTo>
+                  <a:pt x="-9400" y="1027115"/>
+                  <a:pt x="18855" y="944452"/>
+                  <a:pt x="0" y="736641"/>
+                </a:cubicBezTo>
+                <a:cubicBezTo>
+                  <a:pt x="-18855" y="528830"/>
+                  <a:pt x="45649" y="460941"/>
+                  <a:pt x="0" y="242321"/>
+                </a:cubicBezTo>
+                <a:close/>
+              </a:path>
+            </a:pathLst>
+          </a:custGeom>
+          <a:solidFill>
+            <a:schemeClr val="bg1">
+              <a:lumMod val="65000"/>
+            </a:schemeClr>
+          </a:solidFill>
+          <a:ln w="38100">
+            <a:solidFill>
+              <a:schemeClr val="tx1"/>
+            </a:solidFill>
+            <a:extLst>
+              <a:ext uri="{C807C97D-BFC1-408E-A445-0C87EB9F89A2}">
+                <ask:lineSketchStyleProps xmlns:ask="http://schemas.microsoft.com/office/drawing/2018/sketchyshapes" sd="1591185787">
+                  <a:prstGeom prst="roundRect">
+                    <a:avLst/>
+                  </a:prstGeom>
+                  <ask:type>
+                    <ask:lineSketchScribble/>
+                  </ask:type>
+                </ask:lineSketchStyleProps>
+              </a:ext>
+            </a:extLst>
+          </a:ln>
+        </p:spPr>
+        <p:style>
+          <a:lnRef idx="2">
+            <a:schemeClr val="accent1">
+              <a:shade val="15000"/>
+            </a:schemeClr>
+          </a:lnRef>
+          <a:fillRef idx="1">
+            <a:schemeClr val="accent1"/>
+          </a:fillRef>
+          <a:effectRef idx="0">
+            <a:schemeClr val="accent1"/>
+          </a:effectRef>
+          <a:fontRef idx="minor">
+            <a:schemeClr val="lt1"/>
+          </a:fontRef>
+        </p:style>
+        <p:txBody>
+          <a:bodyPr rtlCol="0" anchor="ctr"/>
+          <a:lstStyle/>
+          <a:p>
+            <a:pPr algn="ctr"/>
+            <a:r>
+              <a:rPr lang="en-US" dirty="0">
+                <a:solidFill>
+                  <a:schemeClr val="tx1"/>
+                </a:solidFill>
+              </a:rPr>
+              <a:t>She is caught and killed by the dealer</a:t>
+            </a:r>
+          </a:p>
+        </p:txBody>
+      </p:sp>
+      <p:sp>
+        <p:nvSpPr>
+          <p:cNvPr id="21" name="Rectangle: Rounded Corners 20">
+            <a:extLst>
+              <a:ext uri="{FF2B5EF4-FFF2-40B4-BE49-F238E27FC236}">
+                <a16:creationId xmlns:a16="http://schemas.microsoft.com/office/drawing/2014/main" id="{8248EB97-9409-712A-BE9E-754AB8751905}"/>
+              </a:ext>
+            </a:extLst>
+          </p:cNvPr>
+          <p:cNvSpPr/>
+          <p:nvPr/>
+        </p:nvSpPr>
+        <p:spPr>
+          <a:xfrm>
+            <a:off x="4797552" y="2763012"/>
+            <a:ext cx="2596896" cy="1453896"/>
+          </a:xfrm>
+          <a:custGeom>
+            <a:avLst/>
+            <a:gdLst>
+              <a:gd name="connsiteX0" fmla="*/ 0 w 2596896"/>
+              <a:gd name="connsiteY0" fmla="*/ 242321 h 1453896"/>
+              <a:gd name="connsiteX1" fmla="*/ 242321 w 2596896"/>
+              <a:gd name="connsiteY1" fmla="*/ 0 h 1453896"/>
+              <a:gd name="connsiteX2" fmla="*/ 791507 w 2596896"/>
+              <a:gd name="connsiteY2" fmla="*/ 0 h 1453896"/>
+              <a:gd name="connsiteX3" fmla="*/ 1340693 w 2596896"/>
+              <a:gd name="connsiteY3" fmla="*/ 0 h 1453896"/>
+              <a:gd name="connsiteX4" fmla="*/ 1889879 w 2596896"/>
+              <a:gd name="connsiteY4" fmla="*/ 0 h 1453896"/>
+              <a:gd name="connsiteX5" fmla="*/ 2354575 w 2596896"/>
+              <a:gd name="connsiteY5" fmla="*/ 0 h 1453896"/>
+              <a:gd name="connsiteX6" fmla="*/ 2596896 w 2596896"/>
+              <a:gd name="connsiteY6" fmla="*/ 242321 h 1453896"/>
+              <a:gd name="connsiteX7" fmla="*/ 2596896 w 2596896"/>
+              <a:gd name="connsiteY7" fmla="*/ 736641 h 1453896"/>
+              <a:gd name="connsiteX8" fmla="*/ 2596896 w 2596896"/>
+              <a:gd name="connsiteY8" fmla="*/ 1211575 h 1453896"/>
+              <a:gd name="connsiteX9" fmla="*/ 2354575 w 2596896"/>
+              <a:gd name="connsiteY9" fmla="*/ 1453896 h 1453896"/>
+              <a:gd name="connsiteX10" fmla="*/ 1889879 w 2596896"/>
+              <a:gd name="connsiteY10" fmla="*/ 1453896 h 1453896"/>
+              <a:gd name="connsiteX11" fmla="*/ 1425183 w 2596896"/>
+              <a:gd name="connsiteY11" fmla="*/ 1453896 h 1453896"/>
+              <a:gd name="connsiteX12" fmla="*/ 918242 w 2596896"/>
+              <a:gd name="connsiteY12" fmla="*/ 1453896 h 1453896"/>
+              <a:gd name="connsiteX13" fmla="*/ 242321 w 2596896"/>
+              <a:gd name="connsiteY13" fmla="*/ 1453896 h 1453896"/>
+              <a:gd name="connsiteX14" fmla="*/ 0 w 2596896"/>
+              <a:gd name="connsiteY14" fmla="*/ 1211575 h 1453896"/>
+              <a:gd name="connsiteX15" fmla="*/ 0 w 2596896"/>
+              <a:gd name="connsiteY15" fmla="*/ 736641 h 1453896"/>
+              <a:gd name="connsiteX16" fmla="*/ 0 w 2596896"/>
+              <a:gd name="connsiteY16" fmla="*/ 242321 h 1453896"/>
+            </a:gdLst>
+            <a:ahLst/>
+            <a:cxnLst>
+              <a:cxn ang="0">
+                <a:pos x="connsiteX0" y="connsiteY0"/>
+              </a:cxn>
+              <a:cxn ang="0">
+                <a:pos x="connsiteX1" y="connsiteY1"/>
+              </a:cxn>
+              <a:cxn ang="0">
+                <a:pos x="connsiteX2" y="connsiteY2"/>
+              </a:cxn>
+              <a:cxn ang="0">
+                <a:pos x="connsiteX3" y="connsiteY3"/>
+              </a:cxn>
+              <a:cxn ang="0">
+                <a:pos x="connsiteX4" y="connsiteY4"/>
+              </a:cxn>
+              <a:cxn ang="0">
+                <a:pos x="connsiteX5" y="connsiteY5"/>
+              </a:cxn>
+              <a:cxn ang="0">
+                <a:pos x="connsiteX6" y="connsiteY6"/>
+              </a:cxn>
+              <a:cxn ang="0">
+                <a:pos x="connsiteX7" y="connsiteY7"/>
+              </a:cxn>
+              <a:cxn ang="0">
+                <a:pos x="connsiteX8" y="connsiteY8"/>
+              </a:cxn>
+              <a:cxn ang="0">
+                <a:pos x="connsiteX9" y="connsiteY9"/>
+              </a:cxn>
+              <a:cxn ang="0">
+                <a:pos x="connsiteX10" y="connsiteY10"/>
+              </a:cxn>
+              <a:cxn ang="0">
+                <a:pos x="connsiteX11" y="connsiteY11"/>
+              </a:cxn>
+              <a:cxn ang="0">
+                <a:pos x="connsiteX12" y="connsiteY12"/>
+              </a:cxn>
+              <a:cxn ang="0">
+                <a:pos x="connsiteX13" y="connsiteY13"/>
+              </a:cxn>
+              <a:cxn ang="0">
+                <a:pos x="connsiteX14" y="connsiteY14"/>
+              </a:cxn>
+              <a:cxn ang="0">
+                <a:pos x="connsiteX15" y="connsiteY15"/>
+              </a:cxn>
+              <a:cxn ang="0">
+                <a:pos x="connsiteX16" y="connsiteY16"/>
+              </a:cxn>
+            </a:cxnLst>
+            <a:rect l="l" t="t" r="r" b="b"/>
+            <a:pathLst>
+              <a:path w="2596896" h="1453896" fill="none" extrusionOk="0">
+                <a:moveTo>
+                  <a:pt x="0" y="242321"/>
+                </a:moveTo>
+                <a:cubicBezTo>
+                  <a:pt x="-2954" y="95342"/>
+                  <a:pt x="105718" y="-746"/>
+                  <a:pt x="242321" y="0"/>
+                </a:cubicBezTo>
+                <a:cubicBezTo>
+                  <a:pt x="454402" y="-32372"/>
+                  <a:pt x="592935" y="38952"/>
+                  <a:pt x="791507" y="0"/>
+                </a:cubicBezTo>
+                <a:cubicBezTo>
+                  <a:pt x="990079" y="-38952"/>
+                  <a:pt x="1122299" y="61551"/>
+                  <a:pt x="1340693" y="0"/>
+                </a:cubicBezTo>
+                <a:cubicBezTo>
+                  <a:pt x="1559087" y="-61551"/>
+                  <a:pt x="1664032" y="18432"/>
+                  <a:pt x="1889879" y="0"/>
+                </a:cubicBezTo>
+                <a:cubicBezTo>
+                  <a:pt x="2115726" y="-18432"/>
+                  <a:pt x="2226272" y="20445"/>
+                  <a:pt x="2354575" y="0"/>
+                </a:cubicBezTo>
+                <a:cubicBezTo>
+                  <a:pt x="2476325" y="2051"/>
+                  <a:pt x="2577413" y="121408"/>
+                  <a:pt x="2596896" y="242321"/>
+                </a:cubicBezTo>
+                <a:cubicBezTo>
+                  <a:pt x="2652067" y="377161"/>
+                  <a:pt x="2578466" y="531921"/>
+                  <a:pt x="2596896" y="736641"/>
+                </a:cubicBezTo>
+                <a:cubicBezTo>
+                  <a:pt x="2615326" y="941361"/>
+                  <a:pt x="2550573" y="1067088"/>
+                  <a:pt x="2596896" y="1211575"/>
+                </a:cubicBezTo>
+                <a:cubicBezTo>
+                  <a:pt x="2591972" y="1335162"/>
+                  <a:pt x="2492990" y="1454230"/>
+                  <a:pt x="2354575" y="1453896"/>
+                </a:cubicBezTo>
+                <a:cubicBezTo>
+                  <a:pt x="2159421" y="1462184"/>
+                  <a:pt x="2115857" y="1426066"/>
+                  <a:pt x="1889879" y="1453896"/>
+                </a:cubicBezTo>
+                <a:cubicBezTo>
+                  <a:pt x="1663901" y="1481726"/>
+                  <a:pt x="1653835" y="1435993"/>
+                  <a:pt x="1425183" y="1453896"/>
+                </a:cubicBezTo>
+                <a:cubicBezTo>
+                  <a:pt x="1196531" y="1471799"/>
+                  <a:pt x="1066091" y="1420393"/>
+                  <a:pt x="918242" y="1453896"/>
+                </a:cubicBezTo>
+                <a:cubicBezTo>
+                  <a:pt x="770393" y="1487399"/>
+                  <a:pt x="579462" y="1447572"/>
+                  <a:pt x="242321" y="1453896"/>
+                </a:cubicBezTo>
+                <a:cubicBezTo>
+                  <a:pt x="142502" y="1441829"/>
+                  <a:pt x="3557" y="1336485"/>
+                  <a:pt x="0" y="1211575"/>
+                </a:cubicBezTo>
+                <a:cubicBezTo>
+                  <a:pt x="-48870" y="1057955"/>
+                  <a:pt x="14445" y="941189"/>
+                  <a:pt x="0" y="736641"/>
+                </a:cubicBezTo>
+                <a:cubicBezTo>
+                  <a:pt x="-14445" y="532093"/>
+                  <a:pt x="37892" y="419320"/>
+                  <a:pt x="0" y="242321"/>
+                </a:cubicBezTo>
+                <a:close/>
+              </a:path>
+              <a:path w="2596896" h="1453896" stroke="0" extrusionOk="0">
+                <a:moveTo>
+                  <a:pt x="0" y="242321"/>
+                </a:moveTo>
+                <a:cubicBezTo>
+                  <a:pt x="-23802" y="101735"/>
+                  <a:pt x="129214" y="15071"/>
+                  <a:pt x="242321" y="0"/>
+                </a:cubicBezTo>
+                <a:cubicBezTo>
+                  <a:pt x="428608" y="-66074"/>
+                  <a:pt x="564022" y="21849"/>
+                  <a:pt x="812630" y="0"/>
+                </a:cubicBezTo>
+                <a:cubicBezTo>
+                  <a:pt x="1061238" y="-21849"/>
+                  <a:pt x="1262235" y="52583"/>
+                  <a:pt x="1382938" y="0"/>
+                </a:cubicBezTo>
+                <a:cubicBezTo>
+                  <a:pt x="1503641" y="-52583"/>
+                  <a:pt x="1986178" y="68334"/>
+                  <a:pt x="2354575" y="0"/>
+                </a:cubicBezTo>
+                <a:cubicBezTo>
+                  <a:pt x="2504592" y="34615"/>
+                  <a:pt x="2581878" y="79748"/>
+                  <a:pt x="2596896" y="242321"/>
+                </a:cubicBezTo>
+                <a:cubicBezTo>
+                  <a:pt x="2652579" y="452129"/>
+                  <a:pt x="2585430" y="595030"/>
+                  <a:pt x="2596896" y="746333"/>
+                </a:cubicBezTo>
+                <a:cubicBezTo>
+                  <a:pt x="2608362" y="897636"/>
+                  <a:pt x="2573255" y="1069481"/>
+                  <a:pt x="2596896" y="1211575"/>
+                </a:cubicBezTo>
+                <a:cubicBezTo>
+                  <a:pt x="2613104" y="1373819"/>
+                  <a:pt x="2507387" y="1439739"/>
+                  <a:pt x="2354575" y="1453896"/>
+                </a:cubicBezTo>
+                <a:cubicBezTo>
+                  <a:pt x="2215499" y="1463770"/>
+                  <a:pt x="2084722" y="1435816"/>
+                  <a:pt x="1889879" y="1453896"/>
+                </a:cubicBezTo>
+                <a:cubicBezTo>
+                  <a:pt x="1695036" y="1471976"/>
+                  <a:pt x="1614249" y="1420760"/>
+                  <a:pt x="1340693" y="1453896"/>
+                </a:cubicBezTo>
+                <a:cubicBezTo>
+                  <a:pt x="1067137" y="1487032"/>
+                  <a:pt x="1015942" y="1402784"/>
+                  <a:pt x="875997" y="1453896"/>
+                </a:cubicBezTo>
+                <a:cubicBezTo>
+                  <a:pt x="736052" y="1505008"/>
+                  <a:pt x="418719" y="1395784"/>
+                  <a:pt x="242321" y="1453896"/>
+                </a:cubicBezTo>
+                <a:cubicBezTo>
+                  <a:pt x="104496" y="1435548"/>
+                  <a:pt x="-7807" y="1337433"/>
+                  <a:pt x="0" y="1211575"/>
+                </a:cubicBezTo>
+                <a:cubicBezTo>
+                  <a:pt x="-56975" y="980765"/>
+                  <a:pt x="47826" y="933490"/>
+                  <a:pt x="0" y="726948"/>
+                </a:cubicBezTo>
+                <a:cubicBezTo>
+                  <a:pt x="-47826" y="520406"/>
+                  <a:pt x="2677" y="376524"/>
+                  <a:pt x="0" y="242321"/>
+                </a:cubicBezTo>
+                <a:close/>
+              </a:path>
+            </a:pathLst>
+          </a:custGeom>
+          <a:solidFill>
+            <a:schemeClr val="bg1">
+              <a:lumMod val="65000"/>
+            </a:schemeClr>
+          </a:solidFill>
+          <a:ln w="38100">
+            <a:solidFill>
+              <a:schemeClr val="tx1"/>
+            </a:solidFill>
+            <a:extLst>
+              <a:ext uri="{C807C97D-BFC1-408E-A445-0C87EB9F89A2}">
+                <ask:lineSketchStyleProps xmlns:ask="http://schemas.microsoft.com/office/drawing/2018/sketchyshapes" sd="1858988932">
+                  <a:prstGeom prst="roundRect">
+                    <a:avLst/>
+                  </a:prstGeom>
+                  <ask:type>
+                    <ask:lineSketchScribble/>
+                  </ask:type>
+                </ask:lineSketchStyleProps>
+              </a:ext>
+            </a:extLst>
+          </a:ln>
+        </p:spPr>
+        <p:style>
+          <a:lnRef idx="2">
+            <a:schemeClr val="accent1">
+              <a:shade val="15000"/>
+            </a:schemeClr>
+          </a:lnRef>
+          <a:fillRef idx="1">
+            <a:schemeClr val="accent1"/>
+          </a:fillRef>
+          <a:effectRef idx="0">
+            <a:schemeClr val="accent1"/>
+          </a:effectRef>
+          <a:fontRef idx="minor">
+            <a:schemeClr val="lt1"/>
+          </a:fontRef>
+        </p:style>
+        <p:txBody>
+          <a:bodyPr rtlCol="0" anchor="ctr"/>
+          <a:lstStyle/>
+          <a:p>
+            <a:pPr algn="ctr"/>
+            <a:r>
+              <a:rPr lang="en-US" dirty="0">
+                <a:solidFill>
+                  <a:schemeClr val="tx1"/>
+                </a:solidFill>
+              </a:rPr>
+              <a:t>Jasper’s mother (NCB) investigates this</a:t>
+            </a:r>
+          </a:p>
+        </p:txBody>
+      </p:sp>
+      <p:sp>
+        <p:nvSpPr>
+          <p:cNvPr id="22" name="Rectangle: Rounded Corners 21">
+            <a:extLst>
+              <a:ext uri="{FF2B5EF4-FFF2-40B4-BE49-F238E27FC236}">
+                <a16:creationId xmlns:a16="http://schemas.microsoft.com/office/drawing/2014/main" id="{1DE3E9A0-33E7-CD18-CD8F-A2FAB9D62046}"/>
+              </a:ext>
+            </a:extLst>
+          </p:cNvPr>
+          <p:cNvSpPr/>
+          <p:nvPr/>
+        </p:nvSpPr>
+        <p:spPr>
+          <a:xfrm>
+            <a:off x="8903210" y="2763012"/>
+            <a:ext cx="2596896" cy="1453896"/>
+          </a:xfrm>
+          <a:custGeom>
+            <a:avLst/>
+            <a:gdLst>
+              <a:gd name="connsiteX0" fmla="*/ 0 w 2596896"/>
+              <a:gd name="connsiteY0" fmla="*/ 242321 h 1453896"/>
+              <a:gd name="connsiteX1" fmla="*/ 242321 w 2596896"/>
+              <a:gd name="connsiteY1" fmla="*/ 0 h 1453896"/>
+              <a:gd name="connsiteX2" fmla="*/ 728139 w 2596896"/>
+              <a:gd name="connsiteY2" fmla="*/ 0 h 1453896"/>
+              <a:gd name="connsiteX3" fmla="*/ 1192835 w 2596896"/>
+              <a:gd name="connsiteY3" fmla="*/ 0 h 1453896"/>
+              <a:gd name="connsiteX4" fmla="*/ 1699776 w 2596896"/>
+              <a:gd name="connsiteY4" fmla="*/ 0 h 1453896"/>
+              <a:gd name="connsiteX5" fmla="*/ 2354575 w 2596896"/>
+              <a:gd name="connsiteY5" fmla="*/ 0 h 1453896"/>
+              <a:gd name="connsiteX6" fmla="*/ 2596896 w 2596896"/>
+              <a:gd name="connsiteY6" fmla="*/ 242321 h 1453896"/>
+              <a:gd name="connsiteX7" fmla="*/ 2596896 w 2596896"/>
+              <a:gd name="connsiteY7" fmla="*/ 707563 h 1453896"/>
+              <a:gd name="connsiteX8" fmla="*/ 2596896 w 2596896"/>
+              <a:gd name="connsiteY8" fmla="*/ 1211575 h 1453896"/>
+              <a:gd name="connsiteX9" fmla="*/ 2354575 w 2596896"/>
+              <a:gd name="connsiteY9" fmla="*/ 1453896 h 1453896"/>
+              <a:gd name="connsiteX10" fmla="*/ 1868757 w 2596896"/>
+              <a:gd name="connsiteY10" fmla="*/ 1453896 h 1453896"/>
+              <a:gd name="connsiteX11" fmla="*/ 1361816 w 2596896"/>
+              <a:gd name="connsiteY11" fmla="*/ 1453896 h 1453896"/>
+              <a:gd name="connsiteX12" fmla="*/ 812630 w 2596896"/>
+              <a:gd name="connsiteY12" fmla="*/ 1453896 h 1453896"/>
+              <a:gd name="connsiteX13" fmla="*/ 242321 w 2596896"/>
+              <a:gd name="connsiteY13" fmla="*/ 1453896 h 1453896"/>
+              <a:gd name="connsiteX14" fmla="*/ 0 w 2596896"/>
+              <a:gd name="connsiteY14" fmla="*/ 1211575 h 1453896"/>
+              <a:gd name="connsiteX15" fmla="*/ 0 w 2596896"/>
+              <a:gd name="connsiteY15" fmla="*/ 717255 h 1453896"/>
+              <a:gd name="connsiteX16" fmla="*/ 0 w 2596896"/>
+              <a:gd name="connsiteY16" fmla="*/ 242321 h 1453896"/>
+            </a:gdLst>
+            <a:ahLst/>
+            <a:cxnLst>
+              <a:cxn ang="0">
+                <a:pos x="connsiteX0" y="connsiteY0"/>
+              </a:cxn>
+              <a:cxn ang="0">
+                <a:pos x="connsiteX1" y="connsiteY1"/>
+              </a:cxn>
+              <a:cxn ang="0">
+                <a:pos x="connsiteX2" y="connsiteY2"/>
+              </a:cxn>
+              <a:cxn ang="0">
+                <a:pos x="connsiteX3" y="connsiteY3"/>
+              </a:cxn>
+              <a:cxn ang="0">
+                <a:pos x="connsiteX4" y="connsiteY4"/>
+              </a:cxn>
+              <a:cxn ang="0">
+                <a:pos x="connsiteX5" y="connsiteY5"/>
+              </a:cxn>
+              <a:cxn ang="0">
+                <a:pos x="connsiteX6" y="connsiteY6"/>
+              </a:cxn>
+              <a:cxn ang="0">
+                <a:pos x="connsiteX7" y="connsiteY7"/>
+              </a:cxn>
+              <a:cxn ang="0">
+                <a:pos x="connsiteX8" y="connsiteY8"/>
+              </a:cxn>
+              <a:cxn ang="0">
+                <a:pos x="connsiteX9" y="connsiteY9"/>
+              </a:cxn>
+              <a:cxn ang="0">
+                <a:pos x="connsiteX10" y="connsiteY10"/>
+              </a:cxn>
+              <a:cxn ang="0">
+                <a:pos x="connsiteX11" y="connsiteY11"/>
+              </a:cxn>
+              <a:cxn ang="0">
+                <a:pos x="connsiteX12" y="connsiteY12"/>
+              </a:cxn>
+              <a:cxn ang="0">
+                <a:pos x="connsiteX13" y="connsiteY13"/>
+              </a:cxn>
+              <a:cxn ang="0">
+                <a:pos x="connsiteX14" y="connsiteY14"/>
+              </a:cxn>
+              <a:cxn ang="0">
+                <a:pos x="connsiteX15" y="connsiteY15"/>
+              </a:cxn>
+              <a:cxn ang="0">
+                <a:pos x="connsiteX16" y="connsiteY16"/>
+              </a:cxn>
+            </a:cxnLst>
+            <a:rect l="l" t="t" r="r" b="b"/>
+            <a:pathLst>
+              <a:path w="2596896" h="1453896" fill="none" extrusionOk="0">
+                <a:moveTo>
+                  <a:pt x="0" y="242321"/>
+                </a:moveTo>
+                <a:cubicBezTo>
+                  <a:pt x="-15704" y="102004"/>
+                  <a:pt x="94557" y="-33975"/>
+                  <a:pt x="242321" y="0"/>
+                </a:cubicBezTo>
+                <a:cubicBezTo>
+                  <a:pt x="422238" y="-4866"/>
+                  <a:pt x="570834" y="37594"/>
+                  <a:pt x="728139" y="0"/>
+                </a:cubicBezTo>
+                <a:cubicBezTo>
+                  <a:pt x="885444" y="-37594"/>
+                  <a:pt x="1071000" y="40646"/>
+                  <a:pt x="1192835" y="0"/>
+                </a:cubicBezTo>
+                <a:cubicBezTo>
+                  <a:pt x="1314670" y="-40646"/>
+                  <a:pt x="1457632" y="23082"/>
+                  <a:pt x="1699776" y="0"/>
+                </a:cubicBezTo>
+                <a:cubicBezTo>
+                  <a:pt x="1941920" y="-23082"/>
+                  <a:pt x="2127302" y="58662"/>
+                  <a:pt x="2354575" y="0"/>
+                </a:cubicBezTo>
+                <a:cubicBezTo>
+                  <a:pt x="2467209" y="27851"/>
+                  <a:pt x="2593027" y="131286"/>
+                  <a:pt x="2596896" y="242321"/>
+                </a:cubicBezTo>
+                <a:cubicBezTo>
+                  <a:pt x="2637584" y="372887"/>
+                  <a:pt x="2566557" y="600960"/>
+                  <a:pt x="2596896" y="707563"/>
+                </a:cubicBezTo>
+                <a:cubicBezTo>
+                  <a:pt x="2627235" y="814166"/>
+                  <a:pt x="2560294" y="1024059"/>
+                  <a:pt x="2596896" y="1211575"/>
+                </a:cubicBezTo>
+                <a:cubicBezTo>
+                  <a:pt x="2623208" y="1346784"/>
+                  <a:pt x="2502482" y="1452235"/>
+                  <a:pt x="2354575" y="1453896"/>
+                </a:cubicBezTo>
+                <a:cubicBezTo>
+                  <a:pt x="2191774" y="1489486"/>
+                  <a:pt x="2094523" y="1396340"/>
+                  <a:pt x="1868757" y="1453896"/>
+                </a:cubicBezTo>
+                <a:cubicBezTo>
+                  <a:pt x="1642991" y="1511452"/>
+                  <a:pt x="1570452" y="1400830"/>
+                  <a:pt x="1361816" y="1453896"/>
+                </a:cubicBezTo>
+                <a:cubicBezTo>
+                  <a:pt x="1153180" y="1506962"/>
+                  <a:pt x="937234" y="1405670"/>
+                  <a:pt x="812630" y="1453896"/>
+                </a:cubicBezTo>
+                <a:cubicBezTo>
+                  <a:pt x="688026" y="1502122"/>
+                  <a:pt x="430497" y="1395708"/>
+                  <a:pt x="242321" y="1453896"/>
+                </a:cubicBezTo>
+                <a:cubicBezTo>
+                  <a:pt x="91916" y="1444132"/>
+                  <a:pt x="-601" y="1332280"/>
+                  <a:pt x="0" y="1211575"/>
+                </a:cubicBezTo>
+                <a:cubicBezTo>
+                  <a:pt x="-21727" y="1044319"/>
+                  <a:pt x="21528" y="923365"/>
+                  <a:pt x="0" y="717255"/>
+                </a:cubicBezTo>
+                <a:cubicBezTo>
+                  <a:pt x="-21528" y="511145"/>
+                  <a:pt x="22808" y="451948"/>
+                  <a:pt x="0" y="242321"/>
+                </a:cubicBezTo>
+                <a:close/>
+              </a:path>
+              <a:path w="2596896" h="1453896" stroke="0" extrusionOk="0">
+                <a:moveTo>
+                  <a:pt x="0" y="242321"/>
+                </a:moveTo>
+                <a:cubicBezTo>
+                  <a:pt x="13883" y="130403"/>
+                  <a:pt x="106895" y="-23295"/>
+                  <a:pt x="242321" y="0"/>
+                </a:cubicBezTo>
+                <a:cubicBezTo>
+                  <a:pt x="393113" y="-9458"/>
+                  <a:pt x="576619" y="55257"/>
+                  <a:pt x="770385" y="0"/>
+                </a:cubicBezTo>
+                <a:cubicBezTo>
+                  <a:pt x="964151" y="-55257"/>
+                  <a:pt x="1062130" y="46318"/>
+                  <a:pt x="1298448" y="0"/>
+                </a:cubicBezTo>
+                <a:cubicBezTo>
+                  <a:pt x="1534766" y="-46318"/>
+                  <a:pt x="1590784" y="40232"/>
+                  <a:pt x="1826512" y="0"/>
+                </a:cubicBezTo>
+                <a:cubicBezTo>
+                  <a:pt x="2062240" y="-40232"/>
+                  <a:pt x="2114250" y="56550"/>
+                  <a:pt x="2354575" y="0"/>
+                </a:cubicBezTo>
+                <a:cubicBezTo>
+                  <a:pt x="2503041" y="-11581"/>
+                  <a:pt x="2576606" y="102862"/>
+                  <a:pt x="2596896" y="242321"/>
+                </a:cubicBezTo>
+                <a:cubicBezTo>
+                  <a:pt x="2620482" y="475912"/>
+                  <a:pt x="2579144" y="488149"/>
+                  <a:pt x="2596896" y="726948"/>
+                </a:cubicBezTo>
+                <a:cubicBezTo>
+                  <a:pt x="2614648" y="965747"/>
+                  <a:pt x="2591071" y="1006117"/>
+                  <a:pt x="2596896" y="1211575"/>
+                </a:cubicBezTo>
+                <a:cubicBezTo>
+                  <a:pt x="2600272" y="1359621"/>
+                  <a:pt x="2493797" y="1451527"/>
+                  <a:pt x="2354575" y="1453896"/>
+                </a:cubicBezTo>
+                <a:cubicBezTo>
+                  <a:pt x="2206078" y="1478154"/>
+                  <a:pt x="1974339" y="1400293"/>
+                  <a:pt x="1784266" y="1453896"/>
+                </a:cubicBezTo>
+                <a:cubicBezTo>
+                  <a:pt x="1594193" y="1507499"/>
+                  <a:pt x="1416220" y="1437355"/>
+                  <a:pt x="1319571" y="1453896"/>
+                </a:cubicBezTo>
+                <a:cubicBezTo>
+                  <a:pt x="1222922" y="1470437"/>
+                  <a:pt x="1054088" y="1428543"/>
+                  <a:pt x="833752" y="1453896"/>
+                </a:cubicBezTo>
+                <a:cubicBezTo>
+                  <a:pt x="613416" y="1479249"/>
+                  <a:pt x="442298" y="1394524"/>
+                  <a:pt x="242321" y="1453896"/>
+                </a:cubicBezTo>
+                <a:cubicBezTo>
+                  <a:pt x="118805" y="1446805"/>
+                  <a:pt x="1524" y="1357154"/>
+                  <a:pt x="0" y="1211575"/>
+                </a:cubicBezTo>
+                <a:cubicBezTo>
+                  <a:pt x="-12097" y="1078028"/>
+                  <a:pt x="11311" y="913256"/>
+                  <a:pt x="0" y="717255"/>
+                </a:cubicBezTo>
+                <a:cubicBezTo>
+                  <a:pt x="-11311" y="521254"/>
+                  <a:pt x="1701" y="393031"/>
+                  <a:pt x="0" y="242321"/>
+                </a:cubicBezTo>
+                <a:close/>
+              </a:path>
+            </a:pathLst>
+          </a:custGeom>
+          <a:solidFill>
+            <a:schemeClr val="bg1">
+              <a:lumMod val="65000"/>
+            </a:schemeClr>
+          </a:solidFill>
+          <a:ln w="38100">
+            <a:solidFill>
+              <a:schemeClr val="tx1"/>
+            </a:solidFill>
+            <a:extLst>
+              <a:ext uri="{C807C97D-BFC1-408E-A445-0C87EB9F89A2}">
+                <ask:lineSketchStyleProps xmlns:ask="http://schemas.microsoft.com/office/drawing/2018/sketchyshapes" sd="1950431299">
+                  <a:prstGeom prst="roundRect">
+                    <a:avLst/>
+                  </a:prstGeom>
+                  <ask:type>
+                    <ask:lineSketchScribble/>
+                  </ask:type>
+                </ask:lineSketchStyleProps>
+              </a:ext>
+            </a:extLst>
+          </a:ln>
+        </p:spPr>
+        <p:style>
+          <a:lnRef idx="2">
+            <a:schemeClr val="accent1">
+              <a:shade val="15000"/>
+            </a:schemeClr>
+          </a:lnRef>
+          <a:fillRef idx="1">
+            <a:schemeClr val="accent1"/>
+          </a:fillRef>
+          <a:effectRef idx="0">
+            <a:schemeClr val="accent1"/>
+          </a:effectRef>
+          <a:fontRef idx="minor">
+            <a:schemeClr val="lt1"/>
+          </a:fontRef>
+        </p:style>
+        <p:txBody>
+          <a:bodyPr rtlCol="0" anchor="ctr"/>
+          <a:lstStyle/>
+          <a:p>
+            <a:pPr algn="ctr"/>
+            <a:r>
+              <a:rPr lang="en-US" dirty="0">
+                <a:solidFill>
+                  <a:schemeClr val="tx1"/>
+                </a:solidFill>
+              </a:rPr>
+              <a:t>Drugs are supplied to colleges</a:t>
+            </a:r>
+          </a:p>
+        </p:txBody>
+      </p:sp>
+      <p:sp>
+        <p:nvSpPr>
+          <p:cNvPr id="23" name="Rectangle: Rounded Corners 22">
+            <a:extLst>
+              <a:ext uri="{FF2B5EF4-FFF2-40B4-BE49-F238E27FC236}">
+                <a16:creationId xmlns:a16="http://schemas.microsoft.com/office/drawing/2014/main" id="{CFD1E627-3D67-51C3-6A82-80AAA72F25C0}"/>
+              </a:ext>
+            </a:extLst>
+          </p:cNvPr>
+          <p:cNvSpPr/>
+          <p:nvPr/>
+        </p:nvSpPr>
+        <p:spPr>
+          <a:xfrm>
+            <a:off x="691894" y="5058156"/>
+            <a:ext cx="2596896" cy="1453896"/>
+          </a:xfrm>
+          <a:custGeom>
+            <a:avLst/>
+            <a:gdLst>
+              <a:gd name="connsiteX0" fmla="*/ 0 w 2596896"/>
+              <a:gd name="connsiteY0" fmla="*/ 242321 h 1453896"/>
+              <a:gd name="connsiteX1" fmla="*/ 242321 w 2596896"/>
+              <a:gd name="connsiteY1" fmla="*/ 0 h 1453896"/>
+              <a:gd name="connsiteX2" fmla="*/ 812630 w 2596896"/>
+              <a:gd name="connsiteY2" fmla="*/ 0 h 1453896"/>
+              <a:gd name="connsiteX3" fmla="*/ 1319571 w 2596896"/>
+              <a:gd name="connsiteY3" fmla="*/ 0 h 1453896"/>
+              <a:gd name="connsiteX4" fmla="*/ 1868757 w 2596896"/>
+              <a:gd name="connsiteY4" fmla="*/ 0 h 1453896"/>
+              <a:gd name="connsiteX5" fmla="*/ 2354575 w 2596896"/>
+              <a:gd name="connsiteY5" fmla="*/ 0 h 1453896"/>
+              <a:gd name="connsiteX6" fmla="*/ 2596896 w 2596896"/>
+              <a:gd name="connsiteY6" fmla="*/ 242321 h 1453896"/>
+              <a:gd name="connsiteX7" fmla="*/ 2596896 w 2596896"/>
+              <a:gd name="connsiteY7" fmla="*/ 697870 h 1453896"/>
+              <a:gd name="connsiteX8" fmla="*/ 2596896 w 2596896"/>
+              <a:gd name="connsiteY8" fmla="*/ 1211575 h 1453896"/>
+              <a:gd name="connsiteX9" fmla="*/ 2354575 w 2596896"/>
+              <a:gd name="connsiteY9" fmla="*/ 1453896 h 1453896"/>
+              <a:gd name="connsiteX10" fmla="*/ 1805389 w 2596896"/>
+              <a:gd name="connsiteY10" fmla="*/ 1453896 h 1453896"/>
+              <a:gd name="connsiteX11" fmla="*/ 1256203 w 2596896"/>
+              <a:gd name="connsiteY11" fmla="*/ 1453896 h 1453896"/>
+              <a:gd name="connsiteX12" fmla="*/ 749262 w 2596896"/>
+              <a:gd name="connsiteY12" fmla="*/ 1453896 h 1453896"/>
+              <a:gd name="connsiteX13" fmla="*/ 242321 w 2596896"/>
+              <a:gd name="connsiteY13" fmla="*/ 1453896 h 1453896"/>
+              <a:gd name="connsiteX14" fmla="*/ 0 w 2596896"/>
+              <a:gd name="connsiteY14" fmla="*/ 1211575 h 1453896"/>
+              <a:gd name="connsiteX15" fmla="*/ 0 w 2596896"/>
+              <a:gd name="connsiteY15" fmla="*/ 756026 h 1453896"/>
+              <a:gd name="connsiteX16" fmla="*/ 0 w 2596896"/>
+              <a:gd name="connsiteY16" fmla="*/ 242321 h 1453896"/>
+            </a:gdLst>
+            <a:ahLst/>
+            <a:cxnLst>
+              <a:cxn ang="0">
+                <a:pos x="connsiteX0" y="connsiteY0"/>
+              </a:cxn>
+              <a:cxn ang="0">
+                <a:pos x="connsiteX1" y="connsiteY1"/>
+              </a:cxn>
+              <a:cxn ang="0">
+                <a:pos x="connsiteX2" y="connsiteY2"/>
+              </a:cxn>
+              <a:cxn ang="0">
+                <a:pos x="connsiteX3" y="connsiteY3"/>
+              </a:cxn>
+              <a:cxn ang="0">
+                <a:pos x="connsiteX4" y="connsiteY4"/>
+              </a:cxn>
+              <a:cxn ang="0">
+                <a:pos x="connsiteX5" y="connsiteY5"/>
+              </a:cxn>
+              <a:cxn ang="0">
+                <a:pos x="connsiteX6" y="connsiteY6"/>
+              </a:cxn>
+              <a:cxn ang="0">
+                <a:pos x="connsiteX7" y="connsiteY7"/>
+              </a:cxn>
+              <a:cxn ang="0">
+                <a:pos x="connsiteX8" y="connsiteY8"/>
+              </a:cxn>
+              <a:cxn ang="0">
+                <a:pos x="connsiteX9" y="connsiteY9"/>
+              </a:cxn>
+              <a:cxn ang="0">
+                <a:pos x="connsiteX10" y="connsiteY10"/>
+              </a:cxn>
+              <a:cxn ang="0">
+                <a:pos x="connsiteX11" y="connsiteY11"/>
+              </a:cxn>
+              <a:cxn ang="0">
+                <a:pos x="connsiteX12" y="connsiteY12"/>
+              </a:cxn>
+              <a:cxn ang="0">
+                <a:pos x="connsiteX13" y="connsiteY13"/>
+              </a:cxn>
+              <a:cxn ang="0">
+                <a:pos x="connsiteX14" y="connsiteY14"/>
+              </a:cxn>
+              <a:cxn ang="0">
+                <a:pos x="connsiteX15" y="connsiteY15"/>
+              </a:cxn>
+              <a:cxn ang="0">
+                <a:pos x="connsiteX16" y="connsiteY16"/>
+              </a:cxn>
+            </a:cxnLst>
+            <a:rect l="l" t="t" r="r" b="b"/>
+            <a:pathLst>
+              <a:path w="2596896" h="1453896" fill="none" extrusionOk="0">
+                <a:moveTo>
+                  <a:pt x="0" y="242321"/>
+                </a:moveTo>
+                <a:cubicBezTo>
+                  <a:pt x="6791" y="138280"/>
+                  <a:pt x="119879" y="-967"/>
+                  <a:pt x="242321" y="0"/>
+                </a:cubicBezTo>
+                <a:cubicBezTo>
+                  <a:pt x="446039" y="-18170"/>
+                  <a:pt x="632337" y="16398"/>
+                  <a:pt x="812630" y="0"/>
+                </a:cubicBezTo>
+                <a:cubicBezTo>
+                  <a:pt x="992923" y="-16398"/>
+                  <a:pt x="1150288" y="13954"/>
+                  <a:pt x="1319571" y="0"/>
+                </a:cubicBezTo>
+                <a:cubicBezTo>
+                  <a:pt x="1488854" y="-13954"/>
+                  <a:pt x="1665670" y="38952"/>
+                  <a:pt x="1868757" y="0"/>
+                </a:cubicBezTo>
+                <a:cubicBezTo>
+                  <a:pt x="2071844" y="-38952"/>
+                  <a:pt x="2207909" y="54342"/>
+                  <a:pt x="2354575" y="0"/>
+                </a:cubicBezTo>
+                <a:cubicBezTo>
+                  <a:pt x="2471947" y="-8991"/>
+                  <a:pt x="2572752" y="81751"/>
+                  <a:pt x="2596896" y="242321"/>
+                </a:cubicBezTo>
+                <a:cubicBezTo>
+                  <a:pt x="2615404" y="333918"/>
+                  <a:pt x="2568891" y="575219"/>
+                  <a:pt x="2596896" y="697870"/>
+                </a:cubicBezTo>
+                <a:cubicBezTo>
+                  <a:pt x="2624901" y="820521"/>
+                  <a:pt x="2545781" y="1026100"/>
+                  <a:pt x="2596896" y="1211575"/>
+                </a:cubicBezTo>
+                <a:cubicBezTo>
+                  <a:pt x="2622663" y="1358701"/>
+                  <a:pt x="2496330" y="1439758"/>
+                  <a:pt x="2354575" y="1453896"/>
+                </a:cubicBezTo>
+                <a:cubicBezTo>
+                  <a:pt x="2102475" y="1518202"/>
+                  <a:pt x="2052994" y="1398426"/>
+                  <a:pt x="1805389" y="1453896"/>
+                </a:cubicBezTo>
+                <a:cubicBezTo>
+                  <a:pt x="1557784" y="1509366"/>
+                  <a:pt x="1511268" y="1420687"/>
+                  <a:pt x="1256203" y="1453896"/>
+                </a:cubicBezTo>
+                <a:cubicBezTo>
+                  <a:pt x="1001138" y="1487105"/>
+                  <a:pt x="866543" y="1408680"/>
+                  <a:pt x="749262" y="1453896"/>
+                </a:cubicBezTo>
+                <a:cubicBezTo>
+                  <a:pt x="631981" y="1499112"/>
+                  <a:pt x="479665" y="1412839"/>
+                  <a:pt x="242321" y="1453896"/>
+                </a:cubicBezTo>
+                <a:cubicBezTo>
+                  <a:pt x="107518" y="1446235"/>
+                  <a:pt x="20305" y="1361230"/>
+                  <a:pt x="0" y="1211575"/>
+                </a:cubicBezTo>
+                <a:cubicBezTo>
+                  <a:pt x="-27700" y="1117524"/>
+                  <a:pt x="45592" y="981631"/>
+                  <a:pt x="0" y="756026"/>
+                </a:cubicBezTo>
+                <a:cubicBezTo>
+                  <a:pt x="-45592" y="530421"/>
+                  <a:pt x="51663" y="370658"/>
+                  <a:pt x="0" y="242321"/>
+                </a:cubicBezTo>
+                <a:close/>
+              </a:path>
+              <a:path w="2596896" h="1453896" stroke="0" extrusionOk="0">
+                <a:moveTo>
+                  <a:pt x="0" y="242321"/>
+                </a:moveTo>
+                <a:cubicBezTo>
+                  <a:pt x="-6080" y="124305"/>
+                  <a:pt x="80327" y="14996"/>
+                  <a:pt x="242321" y="0"/>
+                </a:cubicBezTo>
+                <a:cubicBezTo>
+                  <a:pt x="464312" y="-14590"/>
+                  <a:pt x="553304" y="1327"/>
+                  <a:pt x="791507" y="0"/>
+                </a:cubicBezTo>
+                <a:cubicBezTo>
+                  <a:pt x="1029710" y="-1327"/>
+                  <a:pt x="1127566" y="9205"/>
+                  <a:pt x="1340693" y="0"/>
+                </a:cubicBezTo>
+                <a:cubicBezTo>
+                  <a:pt x="1553820" y="-9205"/>
+                  <a:pt x="1678243" y="27472"/>
+                  <a:pt x="1805389" y="0"/>
+                </a:cubicBezTo>
+                <a:cubicBezTo>
+                  <a:pt x="1932535" y="-27472"/>
+                  <a:pt x="2229001" y="48652"/>
+                  <a:pt x="2354575" y="0"/>
+                </a:cubicBezTo>
+                <a:cubicBezTo>
+                  <a:pt x="2505274" y="34266"/>
+                  <a:pt x="2583214" y="71469"/>
+                  <a:pt x="2596896" y="242321"/>
+                </a:cubicBezTo>
+                <a:cubicBezTo>
+                  <a:pt x="2648394" y="433330"/>
+                  <a:pt x="2559452" y="500080"/>
+                  <a:pt x="2596896" y="746333"/>
+                </a:cubicBezTo>
+                <a:cubicBezTo>
+                  <a:pt x="2634340" y="992586"/>
+                  <a:pt x="2556254" y="1087451"/>
+                  <a:pt x="2596896" y="1211575"/>
+                </a:cubicBezTo>
+                <a:cubicBezTo>
+                  <a:pt x="2606824" y="1359904"/>
+                  <a:pt x="2492469" y="1445899"/>
+                  <a:pt x="2354575" y="1453896"/>
+                </a:cubicBezTo>
+                <a:cubicBezTo>
+                  <a:pt x="2079267" y="1470199"/>
+                  <a:pt x="1912006" y="1417676"/>
+                  <a:pt x="1784266" y="1453896"/>
+                </a:cubicBezTo>
+                <a:cubicBezTo>
+                  <a:pt x="1656526" y="1490116"/>
+                  <a:pt x="1502369" y="1436776"/>
+                  <a:pt x="1277325" y="1453896"/>
+                </a:cubicBezTo>
+                <a:cubicBezTo>
+                  <a:pt x="1052281" y="1471016"/>
+                  <a:pt x="1002042" y="1417518"/>
+                  <a:pt x="749262" y="1453896"/>
+                </a:cubicBezTo>
+                <a:cubicBezTo>
+                  <a:pt x="496482" y="1490274"/>
+                  <a:pt x="402932" y="1449466"/>
+                  <a:pt x="242321" y="1453896"/>
+                </a:cubicBezTo>
+                <a:cubicBezTo>
+                  <a:pt x="120424" y="1466843"/>
+                  <a:pt x="-5169" y="1340262"/>
+                  <a:pt x="0" y="1211575"/>
+                </a:cubicBezTo>
+                <a:cubicBezTo>
+                  <a:pt x="-6194" y="1053874"/>
+                  <a:pt x="5512" y="950226"/>
+                  <a:pt x="0" y="726948"/>
+                </a:cubicBezTo>
+                <a:cubicBezTo>
+                  <a:pt x="-5512" y="503670"/>
+                  <a:pt x="45233" y="438512"/>
+                  <a:pt x="0" y="242321"/>
+                </a:cubicBezTo>
+                <a:close/>
+              </a:path>
+            </a:pathLst>
+          </a:custGeom>
+          <a:solidFill>
+            <a:schemeClr val="bg1">
+              <a:lumMod val="65000"/>
+            </a:schemeClr>
+          </a:solidFill>
+          <a:ln w="38100">
+            <a:solidFill>
+              <a:schemeClr val="tx1"/>
+            </a:solidFill>
+            <a:extLst>
+              <a:ext uri="{C807C97D-BFC1-408E-A445-0C87EB9F89A2}">
+                <ask:lineSketchStyleProps xmlns:ask="http://schemas.microsoft.com/office/drawing/2018/sketchyshapes" sd="607969595">
+                  <a:prstGeom prst="roundRect">
+                    <a:avLst/>
+                  </a:prstGeom>
+                  <ask:type>
+                    <ask:lineSketchScribble/>
+                  </ask:type>
+                </ask:lineSketchStyleProps>
+              </a:ext>
+            </a:extLst>
+          </a:ln>
+        </p:spPr>
+        <p:style>
+          <a:lnRef idx="2">
+            <a:schemeClr val="accent1">
+              <a:shade val="15000"/>
+            </a:schemeClr>
+          </a:lnRef>
+          <a:fillRef idx="1">
+            <a:schemeClr val="accent1"/>
+          </a:fillRef>
+          <a:effectRef idx="0">
+            <a:schemeClr val="accent1"/>
+          </a:effectRef>
+          <a:fontRef idx="minor">
+            <a:schemeClr val="lt1"/>
+          </a:fontRef>
+        </p:style>
+        <p:txBody>
+          <a:bodyPr rtlCol="0" anchor="ctr"/>
+          <a:lstStyle/>
+          <a:p>
+            <a:pPr algn="ctr"/>
+            <a:r>
+              <a:rPr lang="en-US" dirty="0">
+                <a:solidFill>
+                  <a:schemeClr val="tx1"/>
+                </a:solidFill>
+              </a:rPr>
+              <a:t>Jasper becomes a PI and takes revenge</a:t>
+            </a:r>
+          </a:p>
+        </p:txBody>
+      </p:sp>
+      <p:sp>
+        <p:nvSpPr>
+          <p:cNvPr id="25" name="Rectangle: Rounded Corners 24">
+            <a:extLst>
+              <a:ext uri="{FF2B5EF4-FFF2-40B4-BE49-F238E27FC236}">
+                <a16:creationId xmlns:a16="http://schemas.microsoft.com/office/drawing/2014/main" id="{208F103C-A7A9-6DFA-6F38-7ACD4D068A76}"/>
+              </a:ext>
+            </a:extLst>
+          </p:cNvPr>
+          <p:cNvSpPr/>
+          <p:nvPr/>
+        </p:nvSpPr>
+        <p:spPr>
+          <a:xfrm>
+            <a:off x="4797552" y="5058156"/>
+            <a:ext cx="2596896" cy="1453896"/>
+          </a:xfrm>
+          <a:custGeom>
+            <a:avLst/>
+            <a:gdLst>
+              <a:gd name="connsiteX0" fmla="*/ 0 w 2596896"/>
+              <a:gd name="connsiteY0" fmla="*/ 242321 h 1453896"/>
+              <a:gd name="connsiteX1" fmla="*/ 242321 w 2596896"/>
+              <a:gd name="connsiteY1" fmla="*/ 0 h 1453896"/>
+              <a:gd name="connsiteX2" fmla="*/ 728139 w 2596896"/>
+              <a:gd name="connsiteY2" fmla="*/ 0 h 1453896"/>
+              <a:gd name="connsiteX3" fmla="*/ 1277325 w 2596896"/>
+              <a:gd name="connsiteY3" fmla="*/ 0 h 1453896"/>
+              <a:gd name="connsiteX4" fmla="*/ 1742021 w 2596896"/>
+              <a:gd name="connsiteY4" fmla="*/ 0 h 1453896"/>
+              <a:gd name="connsiteX5" fmla="*/ 2354575 w 2596896"/>
+              <a:gd name="connsiteY5" fmla="*/ 0 h 1453896"/>
+              <a:gd name="connsiteX6" fmla="*/ 2596896 w 2596896"/>
+              <a:gd name="connsiteY6" fmla="*/ 242321 h 1453896"/>
+              <a:gd name="connsiteX7" fmla="*/ 2596896 w 2596896"/>
+              <a:gd name="connsiteY7" fmla="*/ 707563 h 1453896"/>
+              <a:gd name="connsiteX8" fmla="*/ 2596896 w 2596896"/>
+              <a:gd name="connsiteY8" fmla="*/ 1211575 h 1453896"/>
+              <a:gd name="connsiteX9" fmla="*/ 2354575 w 2596896"/>
+              <a:gd name="connsiteY9" fmla="*/ 1453896 h 1453896"/>
+              <a:gd name="connsiteX10" fmla="*/ 1847634 w 2596896"/>
+              <a:gd name="connsiteY10" fmla="*/ 1453896 h 1453896"/>
+              <a:gd name="connsiteX11" fmla="*/ 1277325 w 2596896"/>
+              <a:gd name="connsiteY11" fmla="*/ 1453896 h 1453896"/>
+              <a:gd name="connsiteX12" fmla="*/ 791507 w 2596896"/>
+              <a:gd name="connsiteY12" fmla="*/ 1453896 h 1453896"/>
+              <a:gd name="connsiteX13" fmla="*/ 242321 w 2596896"/>
+              <a:gd name="connsiteY13" fmla="*/ 1453896 h 1453896"/>
+              <a:gd name="connsiteX14" fmla="*/ 0 w 2596896"/>
+              <a:gd name="connsiteY14" fmla="*/ 1211575 h 1453896"/>
+              <a:gd name="connsiteX15" fmla="*/ 0 w 2596896"/>
+              <a:gd name="connsiteY15" fmla="*/ 746333 h 1453896"/>
+              <a:gd name="connsiteX16" fmla="*/ 0 w 2596896"/>
+              <a:gd name="connsiteY16" fmla="*/ 242321 h 1453896"/>
+            </a:gdLst>
+            <a:ahLst/>
+            <a:cxnLst>
+              <a:cxn ang="0">
+                <a:pos x="connsiteX0" y="connsiteY0"/>
+              </a:cxn>
+              <a:cxn ang="0">
+                <a:pos x="connsiteX1" y="connsiteY1"/>
+              </a:cxn>
+              <a:cxn ang="0">
+                <a:pos x="connsiteX2" y="connsiteY2"/>
+              </a:cxn>
+              <a:cxn ang="0">
+                <a:pos x="connsiteX3" y="connsiteY3"/>
+              </a:cxn>
+              <a:cxn ang="0">
+                <a:pos x="connsiteX4" y="connsiteY4"/>
+              </a:cxn>
+              <a:cxn ang="0">
+                <a:pos x="connsiteX5" y="connsiteY5"/>
+              </a:cxn>
+              <a:cxn ang="0">
+                <a:pos x="connsiteX6" y="connsiteY6"/>
+              </a:cxn>
+              <a:cxn ang="0">
+                <a:pos x="connsiteX7" y="connsiteY7"/>
+              </a:cxn>
+              <a:cxn ang="0">
+                <a:pos x="connsiteX8" y="connsiteY8"/>
+              </a:cxn>
+              <a:cxn ang="0">
+                <a:pos x="connsiteX9" y="connsiteY9"/>
+              </a:cxn>
+              <a:cxn ang="0">
+                <a:pos x="connsiteX10" y="connsiteY10"/>
+              </a:cxn>
+              <a:cxn ang="0">
+                <a:pos x="connsiteX11" y="connsiteY11"/>
+              </a:cxn>
+              <a:cxn ang="0">
+                <a:pos x="connsiteX12" y="connsiteY12"/>
+              </a:cxn>
+              <a:cxn ang="0">
+                <a:pos x="connsiteX13" y="connsiteY13"/>
+              </a:cxn>
+              <a:cxn ang="0">
+                <a:pos x="connsiteX14" y="connsiteY14"/>
+              </a:cxn>
+              <a:cxn ang="0">
+                <a:pos x="connsiteX15" y="connsiteY15"/>
+              </a:cxn>
+              <a:cxn ang="0">
+                <a:pos x="connsiteX16" y="connsiteY16"/>
+              </a:cxn>
+            </a:cxnLst>
+            <a:rect l="l" t="t" r="r" b="b"/>
+            <a:pathLst>
+              <a:path w="2596896" h="1453896" fill="none" extrusionOk="0">
+                <a:moveTo>
+                  <a:pt x="0" y="242321"/>
+                </a:moveTo>
+                <a:cubicBezTo>
+                  <a:pt x="-17982" y="121040"/>
+                  <a:pt x="124036" y="-25467"/>
+                  <a:pt x="242321" y="0"/>
+                </a:cubicBezTo>
+                <a:cubicBezTo>
+                  <a:pt x="431961" y="-18842"/>
+                  <a:pt x="563242" y="41165"/>
+                  <a:pt x="728139" y="0"/>
+                </a:cubicBezTo>
+                <a:cubicBezTo>
+                  <a:pt x="893036" y="-41165"/>
+                  <a:pt x="1078517" y="37998"/>
+                  <a:pt x="1277325" y="0"/>
+                </a:cubicBezTo>
+                <a:cubicBezTo>
+                  <a:pt x="1476133" y="-37998"/>
+                  <a:pt x="1510285" y="47841"/>
+                  <a:pt x="1742021" y="0"/>
+                </a:cubicBezTo>
+                <a:cubicBezTo>
+                  <a:pt x="1973757" y="-47841"/>
+                  <a:pt x="2227610" y="10655"/>
+                  <a:pt x="2354575" y="0"/>
+                </a:cubicBezTo>
+                <a:cubicBezTo>
+                  <a:pt x="2464772" y="-20394"/>
+                  <a:pt x="2590751" y="90332"/>
+                  <a:pt x="2596896" y="242321"/>
+                </a:cubicBezTo>
+                <a:cubicBezTo>
+                  <a:pt x="2618156" y="404458"/>
+                  <a:pt x="2547531" y="569305"/>
+                  <a:pt x="2596896" y="707563"/>
+                </a:cubicBezTo>
+                <a:cubicBezTo>
+                  <a:pt x="2646261" y="845821"/>
+                  <a:pt x="2581693" y="1079697"/>
+                  <a:pt x="2596896" y="1211575"/>
+                </a:cubicBezTo>
+                <a:cubicBezTo>
+                  <a:pt x="2560606" y="1329324"/>
+                  <a:pt x="2480256" y="1465252"/>
+                  <a:pt x="2354575" y="1453896"/>
+                </a:cubicBezTo>
+                <a:cubicBezTo>
+                  <a:pt x="2148659" y="1480773"/>
+                  <a:pt x="1971523" y="1415704"/>
+                  <a:pt x="1847634" y="1453896"/>
+                </a:cubicBezTo>
+                <a:cubicBezTo>
+                  <a:pt x="1723745" y="1492088"/>
+                  <a:pt x="1497281" y="1452958"/>
+                  <a:pt x="1277325" y="1453896"/>
+                </a:cubicBezTo>
+                <a:cubicBezTo>
+                  <a:pt x="1057369" y="1454834"/>
+                  <a:pt x="984622" y="1401784"/>
+                  <a:pt x="791507" y="1453896"/>
+                </a:cubicBezTo>
+                <a:cubicBezTo>
+                  <a:pt x="598392" y="1506008"/>
+                  <a:pt x="357558" y="1450366"/>
+                  <a:pt x="242321" y="1453896"/>
+                </a:cubicBezTo>
+                <a:cubicBezTo>
+                  <a:pt x="95531" y="1423570"/>
+                  <a:pt x="2004" y="1306880"/>
+                  <a:pt x="0" y="1211575"/>
+                </a:cubicBezTo>
+                <a:cubicBezTo>
+                  <a:pt x="-3609" y="1104604"/>
+                  <a:pt x="853" y="896363"/>
+                  <a:pt x="0" y="746333"/>
+                </a:cubicBezTo>
+                <a:cubicBezTo>
+                  <a:pt x="-853" y="596303"/>
+                  <a:pt x="21754" y="421053"/>
+                  <a:pt x="0" y="242321"/>
+                </a:cubicBezTo>
+                <a:close/>
+              </a:path>
+              <a:path w="2596896" h="1453896" stroke="0" extrusionOk="0">
+                <a:moveTo>
+                  <a:pt x="0" y="242321"/>
+                </a:moveTo>
+                <a:cubicBezTo>
+                  <a:pt x="-10009" y="102254"/>
+                  <a:pt x="109275" y="-17373"/>
+                  <a:pt x="242321" y="0"/>
+                </a:cubicBezTo>
+                <a:cubicBezTo>
+                  <a:pt x="459361" y="-30209"/>
+                  <a:pt x="581013" y="3698"/>
+                  <a:pt x="728139" y="0"/>
+                </a:cubicBezTo>
+                <a:cubicBezTo>
+                  <a:pt x="875265" y="-3698"/>
+                  <a:pt x="1015662" y="51347"/>
+                  <a:pt x="1235080" y="0"/>
+                </a:cubicBezTo>
+                <a:cubicBezTo>
+                  <a:pt x="1454498" y="-51347"/>
+                  <a:pt x="1540867" y="4927"/>
+                  <a:pt x="1784266" y="0"/>
+                </a:cubicBezTo>
+                <a:cubicBezTo>
+                  <a:pt x="2027665" y="-4927"/>
+                  <a:pt x="2173607" y="56481"/>
+                  <a:pt x="2354575" y="0"/>
+                </a:cubicBezTo>
+                <a:cubicBezTo>
+                  <a:pt x="2464638" y="280"/>
+                  <a:pt x="2599727" y="108921"/>
+                  <a:pt x="2596896" y="242321"/>
+                </a:cubicBezTo>
+                <a:cubicBezTo>
+                  <a:pt x="2620448" y="461640"/>
+                  <a:pt x="2563676" y="599628"/>
+                  <a:pt x="2596896" y="717255"/>
+                </a:cubicBezTo>
+                <a:cubicBezTo>
+                  <a:pt x="2630116" y="834882"/>
+                  <a:pt x="2547297" y="969363"/>
+                  <a:pt x="2596896" y="1211575"/>
+                </a:cubicBezTo>
+                <a:cubicBezTo>
+                  <a:pt x="2611823" y="1366624"/>
+                  <a:pt x="2508968" y="1482256"/>
+                  <a:pt x="2354575" y="1453896"/>
+                </a:cubicBezTo>
+                <a:cubicBezTo>
+                  <a:pt x="2147747" y="1478263"/>
+                  <a:pt x="1956993" y="1448574"/>
+                  <a:pt x="1847634" y="1453896"/>
+                </a:cubicBezTo>
+                <a:cubicBezTo>
+                  <a:pt x="1738275" y="1459218"/>
+                  <a:pt x="1414193" y="1416484"/>
+                  <a:pt x="1298448" y="1453896"/>
+                </a:cubicBezTo>
+                <a:cubicBezTo>
+                  <a:pt x="1182703" y="1491308"/>
+                  <a:pt x="948608" y="1450196"/>
+                  <a:pt x="749262" y="1453896"/>
+                </a:cubicBezTo>
+                <a:cubicBezTo>
+                  <a:pt x="549916" y="1457596"/>
+                  <a:pt x="495610" y="1431616"/>
+                  <a:pt x="242321" y="1453896"/>
+                </a:cubicBezTo>
+                <a:cubicBezTo>
+                  <a:pt x="110588" y="1457334"/>
+                  <a:pt x="-3514" y="1367003"/>
+                  <a:pt x="0" y="1211575"/>
+                </a:cubicBezTo>
+                <a:cubicBezTo>
+                  <a:pt x="-34964" y="1027662"/>
+                  <a:pt x="17167" y="839704"/>
+                  <a:pt x="0" y="746333"/>
+                </a:cubicBezTo>
+                <a:cubicBezTo>
+                  <a:pt x="-17167" y="652962"/>
+                  <a:pt x="19408" y="350124"/>
+                  <a:pt x="0" y="242321"/>
+                </a:cubicBezTo>
+                <a:close/>
+              </a:path>
+            </a:pathLst>
+          </a:custGeom>
+          <a:solidFill>
+            <a:schemeClr val="bg1">
+              <a:lumMod val="65000"/>
+            </a:schemeClr>
+          </a:solidFill>
+          <a:ln w="38100">
+            <a:solidFill>
+              <a:schemeClr val="tx1"/>
+            </a:solidFill>
+            <a:extLst>
+              <a:ext uri="{C807C97D-BFC1-408E-A445-0C87EB9F89A2}">
+                <ask:lineSketchStyleProps xmlns:ask="http://schemas.microsoft.com/office/drawing/2018/sketchyshapes" sd="2548294652">
+                  <a:prstGeom prst="roundRect">
+                    <a:avLst/>
+                  </a:prstGeom>
+                  <ask:type>
+                    <ask:lineSketchScribble/>
+                  </ask:type>
+                </ask:lineSketchStyleProps>
+              </a:ext>
+            </a:extLst>
+          </a:ln>
+        </p:spPr>
+        <p:style>
+          <a:lnRef idx="2">
+            <a:schemeClr val="accent1">
+              <a:shade val="15000"/>
+            </a:schemeClr>
+          </a:lnRef>
+          <a:fillRef idx="1">
+            <a:schemeClr val="accent1"/>
+          </a:fillRef>
+          <a:effectRef idx="0">
+            <a:schemeClr val="accent1"/>
+          </a:effectRef>
+          <a:fontRef idx="minor">
+            <a:schemeClr val="lt1"/>
+          </a:fontRef>
+        </p:style>
+        <p:txBody>
+          <a:bodyPr rtlCol="0" anchor="ctr"/>
+          <a:lstStyle/>
+          <a:p>
+            <a:pPr algn="ctr"/>
+            <a:r>
+              <a:rPr lang="en-US" dirty="0">
+                <a:solidFill>
+                  <a:schemeClr val="tx1"/>
+                </a:solidFill>
+              </a:rPr>
+              <a:t>She meets Arjun</a:t>
+            </a:r>
+          </a:p>
+        </p:txBody>
+      </p:sp>
+      <p:sp>
+        <p:nvSpPr>
+          <p:cNvPr id="26" name="Rectangle: Rounded Corners 25">
+            <a:extLst>
+              <a:ext uri="{FF2B5EF4-FFF2-40B4-BE49-F238E27FC236}">
+                <a16:creationId xmlns:a16="http://schemas.microsoft.com/office/drawing/2014/main" id="{108B1659-7E20-58C3-320C-1D03F9767F0D}"/>
+              </a:ext>
+            </a:extLst>
+          </p:cNvPr>
+          <p:cNvSpPr/>
+          <p:nvPr/>
+        </p:nvSpPr>
+        <p:spPr>
+          <a:xfrm>
+            <a:off x="8903210" y="5058156"/>
+            <a:ext cx="2596896" cy="1453896"/>
+          </a:xfrm>
+          <a:custGeom>
+            <a:avLst/>
+            <a:gdLst>
+              <a:gd name="connsiteX0" fmla="*/ 0 w 2596896"/>
+              <a:gd name="connsiteY0" fmla="*/ 242321 h 1453896"/>
+              <a:gd name="connsiteX1" fmla="*/ 242321 w 2596896"/>
+              <a:gd name="connsiteY1" fmla="*/ 0 h 1453896"/>
+              <a:gd name="connsiteX2" fmla="*/ 770385 w 2596896"/>
+              <a:gd name="connsiteY2" fmla="*/ 0 h 1453896"/>
+              <a:gd name="connsiteX3" fmla="*/ 1277325 w 2596896"/>
+              <a:gd name="connsiteY3" fmla="*/ 0 h 1453896"/>
+              <a:gd name="connsiteX4" fmla="*/ 1742021 w 2596896"/>
+              <a:gd name="connsiteY4" fmla="*/ 0 h 1453896"/>
+              <a:gd name="connsiteX5" fmla="*/ 2354575 w 2596896"/>
+              <a:gd name="connsiteY5" fmla="*/ 0 h 1453896"/>
+              <a:gd name="connsiteX6" fmla="*/ 2596896 w 2596896"/>
+              <a:gd name="connsiteY6" fmla="*/ 242321 h 1453896"/>
+              <a:gd name="connsiteX7" fmla="*/ 2596896 w 2596896"/>
+              <a:gd name="connsiteY7" fmla="*/ 717255 h 1453896"/>
+              <a:gd name="connsiteX8" fmla="*/ 2596896 w 2596896"/>
+              <a:gd name="connsiteY8" fmla="*/ 1211575 h 1453896"/>
+              <a:gd name="connsiteX9" fmla="*/ 2354575 w 2596896"/>
+              <a:gd name="connsiteY9" fmla="*/ 1453896 h 1453896"/>
+              <a:gd name="connsiteX10" fmla="*/ 1847634 w 2596896"/>
+              <a:gd name="connsiteY10" fmla="*/ 1453896 h 1453896"/>
+              <a:gd name="connsiteX11" fmla="*/ 1382938 w 2596896"/>
+              <a:gd name="connsiteY11" fmla="*/ 1453896 h 1453896"/>
+              <a:gd name="connsiteX12" fmla="*/ 918242 w 2596896"/>
+              <a:gd name="connsiteY12" fmla="*/ 1453896 h 1453896"/>
+              <a:gd name="connsiteX13" fmla="*/ 242321 w 2596896"/>
+              <a:gd name="connsiteY13" fmla="*/ 1453896 h 1453896"/>
+              <a:gd name="connsiteX14" fmla="*/ 0 w 2596896"/>
+              <a:gd name="connsiteY14" fmla="*/ 1211575 h 1453896"/>
+              <a:gd name="connsiteX15" fmla="*/ 0 w 2596896"/>
+              <a:gd name="connsiteY15" fmla="*/ 756026 h 1453896"/>
+              <a:gd name="connsiteX16" fmla="*/ 0 w 2596896"/>
+              <a:gd name="connsiteY16" fmla="*/ 242321 h 1453896"/>
+            </a:gdLst>
+            <a:ahLst/>
+            <a:cxnLst>
+              <a:cxn ang="0">
+                <a:pos x="connsiteX0" y="connsiteY0"/>
+              </a:cxn>
+              <a:cxn ang="0">
+                <a:pos x="connsiteX1" y="connsiteY1"/>
+              </a:cxn>
+              <a:cxn ang="0">
+                <a:pos x="connsiteX2" y="connsiteY2"/>
+              </a:cxn>
+              <a:cxn ang="0">
+                <a:pos x="connsiteX3" y="connsiteY3"/>
+              </a:cxn>
+              <a:cxn ang="0">
+                <a:pos x="connsiteX4" y="connsiteY4"/>
+              </a:cxn>
+              <a:cxn ang="0">
+                <a:pos x="connsiteX5" y="connsiteY5"/>
+              </a:cxn>
+              <a:cxn ang="0">
+                <a:pos x="connsiteX6" y="connsiteY6"/>
+              </a:cxn>
+              <a:cxn ang="0">
+                <a:pos x="connsiteX7" y="connsiteY7"/>
+              </a:cxn>
+              <a:cxn ang="0">
+                <a:pos x="connsiteX8" y="connsiteY8"/>
+              </a:cxn>
+              <a:cxn ang="0">
+                <a:pos x="connsiteX9" y="connsiteY9"/>
+              </a:cxn>
+              <a:cxn ang="0">
+                <a:pos x="connsiteX10" y="connsiteY10"/>
+              </a:cxn>
+              <a:cxn ang="0">
+                <a:pos x="connsiteX11" y="connsiteY11"/>
+              </a:cxn>
+              <a:cxn ang="0">
+                <a:pos x="connsiteX12" y="connsiteY12"/>
+              </a:cxn>
+              <a:cxn ang="0">
+                <a:pos x="connsiteX13" y="connsiteY13"/>
+              </a:cxn>
+              <a:cxn ang="0">
+                <a:pos x="connsiteX14" y="connsiteY14"/>
+              </a:cxn>
+              <a:cxn ang="0">
+                <a:pos x="connsiteX15" y="connsiteY15"/>
+              </a:cxn>
+              <a:cxn ang="0">
+                <a:pos x="connsiteX16" y="connsiteY16"/>
+              </a:cxn>
+            </a:cxnLst>
+            <a:rect l="l" t="t" r="r" b="b"/>
+            <a:pathLst>
+              <a:path w="2596896" h="1453896" fill="none" extrusionOk="0">
+                <a:moveTo>
+                  <a:pt x="0" y="242321"/>
+                </a:moveTo>
+                <a:cubicBezTo>
+                  <a:pt x="5148" y="127579"/>
+                  <a:pt x="108001" y="-7158"/>
+                  <a:pt x="242321" y="0"/>
+                </a:cubicBezTo>
+                <a:cubicBezTo>
+                  <a:pt x="489383" y="-47648"/>
+                  <a:pt x="635653" y="61747"/>
+                  <a:pt x="770385" y="0"/>
+                </a:cubicBezTo>
+                <a:cubicBezTo>
+                  <a:pt x="905117" y="-61747"/>
+                  <a:pt x="1163803" y="47242"/>
+                  <a:pt x="1277325" y="0"/>
+                </a:cubicBezTo>
+                <a:cubicBezTo>
+                  <a:pt x="1390847" y="-47242"/>
+                  <a:pt x="1598642" y="50124"/>
+                  <a:pt x="1742021" y="0"/>
+                </a:cubicBezTo>
+                <a:cubicBezTo>
+                  <a:pt x="1885400" y="-50124"/>
+                  <a:pt x="2115524" y="13918"/>
+                  <a:pt x="2354575" y="0"/>
+                </a:cubicBezTo>
+                <a:cubicBezTo>
+                  <a:pt x="2503339" y="3261"/>
+                  <a:pt x="2586501" y="102728"/>
+                  <a:pt x="2596896" y="242321"/>
+                </a:cubicBezTo>
+                <a:cubicBezTo>
+                  <a:pt x="2646307" y="372464"/>
+                  <a:pt x="2551401" y="606753"/>
+                  <a:pt x="2596896" y="717255"/>
+                </a:cubicBezTo>
+                <a:cubicBezTo>
+                  <a:pt x="2642391" y="827757"/>
+                  <a:pt x="2590319" y="1019231"/>
+                  <a:pt x="2596896" y="1211575"/>
+                </a:cubicBezTo>
+                <a:cubicBezTo>
+                  <a:pt x="2603642" y="1362736"/>
+                  <a:pt x="2476227" y="1441447"/>
+                  <a:pt x="2354575" y="1453896"/>
+                </a:cubicBezTo>
+                <a:cubicBezTo>
+                  <a:pt x="2139305" y="1482936"/>
+                  <a:pt x="2071873" y="1424697"/>
+                  <a:pt x="1847634" y="1453896"/>
+                </a:cubicBezTo>
+                <a:cubicBezTo>
+                  <a:pt x="1623395" y="1483095"/>
+                  <a:pt x="1542925" y="1448960"/>
+                  <a:pt x="1382938" y="1453896"/>
+                </a:cubicBezTo>
+                <a:cubicBezTo>
+                  <a:pt x="1222951" y="1458832"/>
+                  <a:pt x="1060003" y="1447769"/>
+                  <a:pt x="918242" y="1453896"/>
+                </a:cubicBezTo>
+                <a:cubicBezTo>
+                  <a:pt x="776481" y="1460023"/>
+                  <a:pt x="513626" y="1419151"/>
+                  <a:pt x="242321" y="1453896"/>
+                </a:cubicBezTo>
+                <a:cubicBezTo>
+                  <a:pt x="107745" y="1463693"/>
+                  <a:pt x="-14673" y="1357897"/>
+                  <a:pt x="0" y="1211575"/>
+                </a:cubicBezTo>
+                <a:cubicBezTo>
+                  <a:pt x="-11028" y="995432"/>
+                  <a:pt x="38403" y="956548"/>
+                  <a:pt x="0" y="756026"/>
+                </a:cubicBezTo>
+                <a:cubicBezTo>
+                  <a:pt x="-38403" y="555504"/>
+                  <a:pt x="17075" y="395195"/>
+                  <a:pt x="0" y="242321"/>
+                </a:cubicBezTo>
+                <a:close/>
+              </a:path>
+              <a:path w="2596896" h="1453896" stroke="0" extrusionOk="0">
+                <a:moveTo>
+                  <a:pt x="0" y="242321"/>
+                </a:moveTo>
+                <a:cubicBezTo>
+                  <a:pt x="-6841" y="120922"/>
+                  <a:pt x="71423" y="-12740"/>
+                  <a:pt x="242321" y="0"/>
+                </a:cubicBezTo>
+                <a:cubicBezTo>
+                  <a:pt x="400956" y="-41965"/>
+                  <a:pt x="634292" y="40699"/>
+                  <a:pt x="770385" y="0"/>
+                </a:cubicBezTo>
+                <a:cubicBezTo>
+                  <a:pt x="906478" y="-40699"/>
+                  <a:pt x="1109841" y="4528"/>
+                  <a:pt x="1319571" y="0"/>
+                </a:cubicBezTo>
+                <a:cubicBezTo>
+                  <a:pt x="1529301" y="-4528"/>
+                  <a:pt x="1738808" y="15852"/>
+                  <a:pt x="1889879" y="0"/>
+                </a:cubicBezTo>
+                <a:cubicBezTo>
+                  <a:pt x="2040950" y="-15852"/>
+                  <a:pt x="2246868" y="50460"/>
+                  <a:pt x="2354575" y="0"/>
+                </a:cubicBezTo>
+                <a:cubicBezTo>
+                  <a:pt x="2477178" y="11093"/>
+                  <a:pt x="2619963" y="131368"/>
+                  <a:pt x="2596896" y="242321"/>
+                </a:cubicBezTo>
+                <a:cubicBezTo>
+                  <a:pt x="2650702" y="476749"/>
+                  <a:pt x="2552081" y="539493"/>
+                  <a:pt x="2596896" y="726948"/>
+                </a:cubicBezTo>
+                <a:cubicBezTo>
+                  <a:pt x="2641711" y="914403"/>
+                  <a:pt x="2569782" y="1082608"/>
+                  <a:pt x="2596896" y="1211575"/>
+                </a:cubicBezTo>
+                <a:cubicBezTo>
+                  <a:pt x="2578314" y="1338258"/>
+                  <a:pt x="2482463" y="1448245"/>
+                  <a:pt x="2354575" y="1453896"/>
+                </a:cubicBezTo>
+                <a:cubicBezTo>
+                  <a:pt x="2092822" y="1480111"/>
+                  <a:pt x="1988299" y="1449600"/>
+                  <a:pt x="1805389" y="1453896"/>
+                </a:cubicBezTo>
+                <a:cubicBezTo>
+                  <a:pt x="1622479" y="1458192"/>
+                  <a:pt x="1523873" y="1406552"/>
+                  <a:pt x="1298448" y="1453896"/>
+                </a:cubicBezTo>
+                <a:cubicBezTo>
+                  <a:pt x="1073023" y="1501240"/>
+                  <a:pt x="1053518" y="1427998"/>
+                  <a:pt x="833752" y="1453896"/>
+                </a:cubicBezTo>
+                <a:cubicBezTo>
+                  <a:pt x="613986" y="1479794"/>
+                  <a:pt x="428810" y="1427858"/>
+                  <a:pt x="242321" y="1453896"/>
+                </a:cubicBezTo>
+                <a:cubicBezTo>
+                  <a:pt x="103916" y="1443399"/>
+                  <a:pt x="24158" y="1337814"/>
+                  <a:pt x="0" y="1211575"/>
+                </a:cubicBezTo>
+                <a:cubicBezTo>
+                  <a:pt x="-10945" y="1069228"/>
+                  <a:pt x="42426" y="831613"/>
+                  <a:pt x="0" y="717255"/>
+                </a:cubicBezTo>
+                <a:cubicBezTo>
+                  <a:pt x="-42426" y="602897"/>
+                  <a:pt x="36205" y="397409"/>
+                  <a:pt x="0" y="242321"/>
+                </a:cubicBezTo>
+                <a:close/>
+              </a:path>
+            </a:pathLst>
+          </a:custGeom>
+          <a:solidFill>
+            <a:schemeClr val="bg1">
+              <a:lumMod val="65000"/>
+            </a:schemeClr>
+          </a:solidFill>
+          <a:ln w="38100">
+            <a:solidFill>
+              <a:schemeClr val="tx1"/>
+            </a:solidFill>
+            <a:extLst>
+              <a:ext uri="{C807C97D-BFC1-408E-A445-0C87EB9F89A2}">
+                <ask:lineSketchStyleProps xmlns:ask="http://schemas.microsoft.com/office/drawing/2018/sketchyshapes" sd="1546568271">
+                  <a:prstGeom prst="roundRect">
+                    <a:avLst/>
+                  </a:prstGeom>
+                  <ask:type>
+                    <ask:lineSketchScribble/>
+                  </ask:type>
+                </ask:lineSketchStyleProps>
+              </a:ext>
+            </a:extLst>
+          </a:ln>
+        </p:spPr>
+        <p:style>
+          <a:lnRef idx="2">
+            <a:schemeClr val="accent1">
+              <a:shade val="15000"/>
+            </a:schemeClr>
+          </a:lnRef>
+          <a:fillRef idx="1">
+            <a:schemeClr val="accent1"/>
+          </a:fillRef>
+          <a:effectRef idx="0">
+            <a:schemeClr val="accent1"/>
+          </a:effectRef>
+          <a:fontRef idx="minor">
+            <a:schemeClr val="lt1"/>
+          </a:fontRef>
+        </p:style>
+        <p:txBody>
+          <a:bodyPr rtlCol="0" anchor="ctr"/>
+          <a:lstStyle/>
+          <a:p>
+            <a:pPr marL="0" algn="ctr" rtl="0" eaLnBrk="1" latinLnBrk="0" hangingPunct="1">
+              <a:spcBef>
+                <a:spcPts val="0"/>
+              </a:spcBef>
+              <a:spcAft>
+                <a:spcPts val="0"/>
+              </a:spcAft>
+            </a:pPr>
+            <a:r>
+              <a:rPr lang="en-US" sz="1800" kern="1200" dirty="0">
+                <a:solidFill>
+                  <a:schemeClr val="tx1"/>
+                </a:solidFill>
+                <a:effectLst/>
+                <a:latin typeface="Aptos" panose="020B0004020202020204" pitchFamily="34" charset="0"/>
+                <a:ea typeface="+mn-ea"/>
+                <a:cs typeface="+mn-cs"/>
+              </a:rPr>
+              <a:t>They plan the Diamond heist</a:t>
+            </a:r>
+            <a:endParaRPr lang="en-US" dirty="0">
+              <a:solidFill>
+                <a:schemeClr val="tx1"/>
+              </a:solidFill>
+              <a:effectLst/>
+            </a:endParaRPr>
+          </a:p>
+        </p:txBody>
+      </p:sp>
+      <p:cxnSp>
+        <p:nvCxnSpPr>
+          <p:cNvPr id="30" name="Straight Arrow Connector 29">
+            <a:extLst>
+              <a:ext uri="{FF2B5EF4-FFF2-40B4-BE49-F238E27FC236}">
+                <a16:creationId xmlns:a16="http://schemas.microsoft.com/office/drawing/2014/main" id="{CEA0A8E0-E625-74CD-579A-DFCF21B27659}"/>
+              </a:ext>
+            </a:extLst>
+          </p:cNvPr>
+          <p:cNvCxnSpPr>
+            <a:cxnSpLocks/>
+            <a:stCxn id="2" idx="3"/>
+            <a:endCxn id="18" idx="1"/>
+          </p:cNvCxnSpPr>
+          <p:nvPr/>
+        </p:nvCxnSpPr>
+        <p:spPr>
+          <a:xfrm>
+            <a:off x="3288790" y="1194816"/>
+            <a:ext cx="1508762" cy="0"/>
+          </a:xfrm>
+          <a:prstGeom prst="straightConnector1">
+            <a:avLst/>
+          </a:prstGeom>
+          <a:ln w="38100">
+            <a:solidFill>
+              <a:schemeClr val="tx1"/>
+            </a:solidFill>
+            <a:headEnd type="oval" w="med" len="med"/>
+            <a:tailEnd type="triangle" w="med" len="med"/>
+          </a:ln>
+        </p:spPr>
+        <p:style>
+          <a:lnRef idx="2">
+            <a:schemeClr val="accent1"/>
+          </a:lnRef>
+          <a:fillRef idx="0">
+            <a:schemeClr val="accent1"/>
+          </a:fillRef>
+          <a:effectRef idx="1">
+            <a:schemeClr val="accent1"/>
+          </a:effectRef>
+          <a:fontRef idx="minor">
+            <a:schemeClr val="tx1"/>
+          </a:fontRef>
+        </p:style>
+      </p:cxnSp>
+      <p:cxnSp>
+        <p:nvCxnSpPr>
+          <p:cNvPr id="32" name="Straight Arrow Connector 31">
+            <a:extLst>
+              <a:ext uri="{FF2B5EF4-FFF2-40B4-BE49-F238E27FC236}">
+                <a16:creationId xmlns:a16="http://schemas.microsoft.com/office/drawing/2014/main" id="{B9982D62-EAAD-315B-3868-2244B083D4AE}"/>
+              </a:ext>
+            </a:extLst>
+          </p:cNvPr>
+          <p:cNvCxnSpPr>
+            <a:cxnSpLocks/>
+            <a:stCxn id="18" idx="3"/>
+            <a:endCxn id="19" idx="1"/>
+          </p:cNvCxnSpPr>
+          <p:nvPr/>
+        </p:nvCxnSpPr>
+        <p:spPr>
+          <a:xfrm>
+            <a:off x="7394448" y="1194816"/>
+            <a:ext cx="1508762" cy="0"/>
+          </a:xfrm>
+          <a:prstGeom prst="straightConnector1">
+            <a:avLst/>
+          </a:prstGeom>
+          <a:ln w="38100">
+            <a:solidFill>
+              <a:schemeClr val="tx1"/>
+            </a:solidFill>
+            <a:headEnd type="oval" w="med" len="med"/>
+            <a:tailEnd type="triangle" w="med" len="med"/>
+          </a:ln>
+        </p:spPr>
+        <p:style>
+          <a:lnRef idx="2">
+            <a:schemeClr val="accent1"/>
+          </a:lnRef>
+          <a:fillRef idx="0">
+            <a:schemeClr val="accent1"/>
+          </a:fillRef>
+          <a:effectRef idx="1">
+            <a:schemeClr val="accent1"/>
+          </a:effectRef>
+          <a:fontRef idx="minor">
+            <a:schemeClr val="tx1"/>
+          </a:fontRef>
+        </p:style>
+      </p:cxnSp>
+      <p:cxnSp>
+        <p:nvCxnSpPr>
+          <p:cNvPr id="35" name="Straight Arrow Connector 34">
+            <a:extLst>
+              <a:ext uri="{FF2B5EF4-FFF2-40B4-BE49-F238E27FC236}">
+                <a16:creationId xmlns:a16="http://schemas.microsoft.com/office/drawing/2014/main" id="{E6A6BC42-B4CF-B33E-62DB-1AE61014CCE8}"/>
+              </a:ext>
+            </a:extLst>
+          </p:cNvPr>
+          <p:cNvCxnSpPr>
+            <a:cxnSpLocks/>
+            <a:stCxn id="19" idx="2"/>
+            <a:endCxn id="22" idx="0"/>
+          </p:cNvCxnSpPr>
+          <p:nvPr/>
+        </p:nvCxnSpPr>
+        <p:spPr>
+          <a:xfrm>
+            <a:off x="10201658" y="1921764"/>
+            <a:ext cx="0" cy="841248"/>
+          </a:xfrm>
+          <a:prstGeom prst="straightConnector1">
+            <a:avLst/>
+          </a:prstGeom>
+          <a:ln w="38100">
+            <a:solidFill>
+              <a:schemeClr val="tx1"/>
+            </a:solidFill>
+            <a:headEnd type="oval" w="med" len="med"/>
+            <a:tailEnd type="triangle" w="med" len="med"/>
+          </a:ln>
+        </p:spPr>
+        <p:style>
+          <a:lnRef idx="2">
+            <a:schemeClr val="accent1"/>
+          </a:lnRef>
+          <a:fillRef idx="0">
+            <a:schemeClr val="accent1"/>
+          </a:fillRef>
+          <a:effectRef idx="1">
+            <a:schemeClr val="accent1"/>
+          </a:effectRef>
+          <a:fontRef idx="minor">
+            <a:schemeClr val="tx1"/>
+          </a:fontRef>
+        </p:style>
+      </p:cxnSp>
+      <p:cxnSp>
+        <p:nvCxnSpPr>
+          <p:cNvPr id="39" name="Straight Arrow Connector 38">
+            <a:extLst>
+              <a:ext uri="{FF2B5EF4-FFF2-40B4-BE49-F238E27FC236}">
+                <a16:creationId xmlns:a16="http://schemas.microsoft.com/office/drawing/2014/main" id="{8293432C-6769-B164-9B09-40CD96C862B6}"/>
+              </a:ext>
+            </a:extLst>
+          </p:cNvPr>
+          <p:cNvCxnSpPr>
+            <a:cxnSpLocks/>
+            <a:stCxn id="22" idx="1"/>
+            <a:endCxn id="21" idx="3"/>
+          </p:cNvCxnSpPr>
+          <p:nvPr/>
+        </p:nvCxnSpPr>
+        <p:spPr>
+          <a:xfrm flipH="1">
+            <a:off x="7394448" y="3489960"/>
+            <a:ext cx="1508762" cy="0"/>
+          </a:xfrm>
+          <a:prstGeom prst="straightConnector1">
+            <a:avLst/>
+          </a:prstGeom>
+          <a:ln w="38100">
+            <a:solidFill>
+              <a:schemeClr val="tx1"/>
+            </a:solidFill>
+            <a:headEnd type="oval" w="med" len="med"/>
+            <a:tailEnd type="triangle" w="med" len="med"/>
+          </a:ln>
+        </p:spPr>
+        <p:style>
+          <a:lnRef idx="2">
+            <a:schemeClr val="accent1"/>
+          </a:lnRef>
+          <a:fillRef idx="0">
+            <a:schemeClr val="accent1"/>
+          </a:fillRef>
+          <a:effectRef idx="1">
+            <a:schemeClr val="accent1"/>
+          </a:effectRef>
+          <a:fontRef idx="minor">
+            <a:schemeClr val="tx1"/>
+          </a:fontRef>
+        </p:style>
+      </p:cxnSp>
+      <p:cxnSp>
+        <p:nvCxnSpPr>
+          <p:cNvPr id="42" name="Straight Arrow Connector 41">
+            <a:extLst>
+              <a:ext uri="{FF2B5EF4-FFF2-40B4-BE49-F238E27FC236}">
+                <a16:creationId xmlns:a16="http://schemas.microsoft.com/office/drawing/2014/main" id="{C6C46B4B-E9B1-B353-8FBE-8AAE93CBC458}"/>
+              </a:ext>
+            </a:extLst>
+          </p:cNvPr>
+          <p:cNvCxnSpPr>
+            <a:cxnSpLocks/>
+            <a:stCxn id="21" idx="1"/>
+            <a:endCxn id="20" idx="3"/>
+          </p:cNvCxnSpPr>
+          <p:nvPr/>
+        </p:nvCxnSpPr>
+        <p:spPr>
+          <a:xfrm flipH="1">
+            <a:off x="3288790" y="3489960"/>
+            <a:ext cx="1508762" cy="0"/>
+          </a:xfrm>
+          <a:prstGeom prst="straightConnector1">
+            <a:avLst/>
+          </a:prstGeom>
+          <a:ln w="38100">
+            <a:solidFill>
+              <a:schemeClr val="tx1"/>
+            </a:solidFill>
+            <a:headEnd type="oval" w="med" len="med"/>
+            <a:tailEnd type="triangle" w="med" len="med"/>
+          </a:ln>
+        </p:spPr>
+        <p:style>
+          <a:lnRef idx="2">
+            <a:schemeClr val="accent1"/>
+          </a:lnRef>
+          <a:fillRef idx="0">
+            <a:schemeClr val="accent1"/>
+          </a:fillRef>
+          <a:effectRef idx="1">
+            <a:schemeClr val="accent1"/>
+          </a:effectRef>
+          <a:fontRef idx="minor">
+            <a:schemeClr val="tx1"/>
+          </a:fontRef>
+        </p:style>
+      </p:cxnSp>
+      <p:cxnSp>
+        <p:nvCxnSpPr>
+          <p:cNvPr id="45" name="Straight Arrow Connector 44">
+            <a:extLst>
+              <a:ext uri="{FF2B5EF4-FFF2-40B4-BE49-F238E27FC236}">
+                <a16:creationId xmlns:a16="http://schemas.microsoft.com/office/drawing/2014/main" id="{C256016B-22B0-2E81-FC59-06978F78D3D9}"/>
+              </a:ext>
+            </a:extLst>
+          </p:cNvPr>
+          <p:cNvCxnSpPr>
+            <a:cxnSpLocks/>
+            <a:stCxn id="20" idx="2"/>
+            <a:endCxn id="23" idx="0"/>
+          </p:cNvCxnSpPr>
+          <p:nvPr/>
+        </p:nvCxnSpPr>
+        <p:spPr>
+          <a:xfrm>
+            <a:off x="1990342" y="4216908"/>
+            <a:ext cx="0" cy="841248"/>
+          </a:xfrm>
+          <a:prstGeom prst="straightConnector1">
+            <a:avLst/>
+          </a:prstGeom>
+          <a:ln w="38100">
+            <a:solidFill>
+              <a:schemeClr val="tx1"/>
+            </a:solidFill>
+            <a:headEnd type="oval" w="med" len="med"/>
+            <a:tailEnd type="triangle" w="med" len="med"/>
+          </a:ln>
+        </p:spPr>
+        <p:style>
+          <a:lnRef idx="2">
+            <a:schemeClr val="accent1"/>
+          </a:lnRef>
+          <a:fillRef idx="0">
+            <a:schemeClr val="accent1"/>
+          </a:fillRef>
+          <a:effectRef idx="1">
+            <a:schemeClr val="accent1"/>
+          </a:effectRef>
+          <a:fontRef idx="minor">
+            <a:schemeClr val="tx1"/>
+          </a:fontRef>
+        </p:style>
+      </p:cxnSp>
+      <p:cxnSp>
+        <p:nvCxnSpPr>
+          <p:cNvPr id="48" name="Straight Arrow Connector 47">
+            <a:extLst>
+              <a:ext uri="{FF2B5EF4-FFF2-40B4-BE49-F238E27FC236}">
+                <a16:creationId xmlns:a16="http://schemas.microsoft.com/office/drawing/2014/main" id="{ED3A4A74-E9E7-5589-6AF2-7AEDD4C034CD}"/>
+              </a:ext>
+            </a:extLst>
+          </p:cNvPr>
+          <p:cNvCxnSpPr>
+            <a:cxnSpLocks/>
+            <a:stCxn id="23" idx="3"/>
+            <a:endCxn id="25" idx="1"/>
+          </p:cNvCxnSpPr>
+          <p:nvPr/>
+        </p:nvCxnSpPr>
+        <p:spPr>
+          <a:xfrm>
+            <a:off x="3288790" y="5785104"/>
+            <a:ext cx="1508762" cy="0"/>
+          </a:xfrm>
+          <a:prstGeom prst="straightConnector1">
+            <a:avLst/>
+          </a:prstGeom>
+          <a:ln w="38100">
+            <a:solidFill>
+              <a:schemeClr val="tx1"/>
+            </a:solidFill>
+            <a:headEnd type="oval" w="med" len="med"/>
+            <a:tailEnd type="triangle" w="med" len="med"/>
+          </a:ln>
+        </p:spPr>
+        <p:style>
+          <a:lnRef idx="2">
+            <a:schemeClr val="accent1"/>
+          </a:lnRef>
+          <a:fillRef idx="0">
+            <a:schemeClr val="accent1"/>
+          </a:fillRef>
+          <a:effectRef idx="1">
+            <a:schemeClr val="accent1"/>
+          </a:effectRef>
+          <a:fontRef idx="minor">
+            <a:schemeClr val="tx1"/>
+          </a:fontRef>
+        </p:style>
+      </p:cxnSp>
+      <p:cxnSp>
+        <p:nvCxnSpPr>
+          <p:cNvPr id="51" name="Straight Arrow Connector 50">
+            <a:extLst>
+              <a:ext uri="{FF2B5EF4-FFF2-40B4-BE49-F238E27FC236}">
+                <a16:creationId xmlns:a16="http://schemas.microsoft.com/office/drawing/2014/main" id="{B62790B7-59FA-194E-83DD-0E2F75BBEC86}"/>
+              </a:ext>
+            </a:extLst>
+          </p:cNvPr>
+          <p:cNvCxnSpPr>
+            <a:cxnSpLocks/>
+            <a:stCxn id="25" idx="3"/>
+            <a:endCxn id="26" idx="1"/>
+          </p:cNvCxnSpPr>
+          <p:nvPr/>
+        </p:nvCxnSpPr>
+        <p:spPr>
+          <a:xfrm>
+            <a:off x="7394448" y="5785104"/>
+            <a:ext cx="1508762" cy="0"/>
+          </a:xfrm>
+          <a:prstGeom prst="straightConnector1">
+            <a:avLst/>
+          </a:prstGeom>
+          <a:ln w="38100">
+            <a:solidFill>
+              <a:schemeClr val="tx1"/>
+            </a:solidFill>
+            <a:headEnd type="oval" w="med" len="med"/>
+            <a:tailEnd type="triangle" w="med" len="med"/>
+          </a:ln>
+        </p:spPr>
+        <p:style>
+          <a:lnRef idx="2">
+            <a:schemeClr val="accent1"/>
+          </a:lnRef>
+          <a:fillRef idx="0">
+            <a:schemeClr val="accent1"/>
+          </a:fillRef>
+          <a:effectRef idx="1">
+            <a:schemeClr val="accent1"/>
+          </a:effectRef>
+          <a:fontRef idx="minor">
+            <a:schemeClr val="tx1"/>
+          </a:fontRef>
+        </p:style>
+      </p:cxnSp>
+    </p:spTree>
+    <p:extLst>
+      <p:ext uri="{BB962C8B-B14F-4D97-AF65-F5344CB8AC3E}">
+        <p14:creationId xmlns:p14="http://schemas.microsoft.com/office/powerpoint/2010/main" val="4215274135"/>
+      </p:ext>
+    </p:extLst>
+  </p:cSld>
+  <p:clrMapOvr>
+    <a:masterClrMapping/>
+  </p:clrMapOvr>
+</p:sld>
+</file>
+
+<file path=ppt/slides/slide5.xml><?xml version="1.0" encoding="utf-8"?>
+<p:sld xmlns:a="http://schemas.openxmlformats.org/drawingml/2006/main" xmlns:r="http://schemas.openxmlformats.org/officeDocument/2006/relationships" xmlns:p="http://schemas.openxmlformats.org/presentationml/2006/main">
+  <p:cSld>
+    <p:spTree>
+      <p:nvGrpSpPr>
+        <p:cNvPr id="1" name=""/>
+        <p:cNvGrpSpPr/>
+        <p:nvPr/>
+      </p:nvGrpSpPr>
+      <p:grpSpPr>
+        <a:xfrm>
+          <a:off x="0" y="0"/>
+          <a:ext cx="0" cy="0"/>
+          <a:chOff x="0" y="0"/>
+          <a:chExt cx="0" cy="0"/>
+        </a:xfrm>
+      </p:grpSpPr>
+      <p:sp>
+        <p:nvSpPr>
+          <p:cNvPr id="2" name="Rectangle: Rounded Corners 1">
+            <a:extLst>
+              <a:ext uri="{FF2B5EF4-FFF2-40B4-BE49-F238E27FC236}">
+                <a16:creationId xmlns:a16="http://schemas.microsoft.com/office/drawing/2014/main" id="{49993BDD-F8FB-51B2-26DF-60AD65E5ACC6}"/>
+              </a:ext>
+            </a:extLst>
+          </p:cNvPr>
+          <p:cNvSpPr/>
+          <p:nvPr/>
+        </p:nvSpPr>
+        <p:spPr>
+          <a:xfrm>
+            <a:off x="691894" y="467868"/>
+            <a:ext cx="2596896" cy="1453896"/>
+          </a:xfrm>
+          <a:custGeom>
+            <a:avLst/>
+            <a:gdLst>
+              <a:gd name="connsiteX0" fmla="*/ 0 w 2596896"/>
+              <a:gd name="connsiteY0" fmla="*/ 242321 h 1453896"/>
+              <a:gd name="connsiteX1" fmla="*/ 242321 w 2596896"/>
+              <a:gd name="connsiteY1" fmla="*/ 0 h 1453896"/>
+              <a:gd name="connsiteX2" fmla="*/ 707017 w 2596896"/>
+              <a:gd name="connsiteY2" fmla="*/ 0 h 1453896"/>
+              <a:gd name="connsiteX3" fmla="*/ 1256203 w 2596896"/>
+              <a:gd name="connsiteY3" fmla="*/ 0 h 1453896"/>
+              <a:gd name="connsiteX4" fmla="*/ 1763144 w 2596896"/>
+              <a:gd name="connsiteY4" fmla="*/ 0 h 1453896"/>
+              <a:gd name="connsiteX5" fmla="*/ 2354575 w 2596896"/>
+              <a:gd name="connsiteY5" fmla="*/ 0 h 1453896"/>
+              <a:gd name="connsiteX6" fmla="*/ 2596896 w 2596896"/>
+              <a:gd name="connsiteY6" fmla="*/ 242321 h 1453896"/>
+              <a:gd name="connsiteX7" fmla="*/ 2596896 w 2596896"/>
+              <a:gd name="connsiteY7" fmla="*/ 736641 h 1453896"/>
+              <a:gd name="connsiteX8" fmla="*/ 2596896 w 2596896"/>
+              <a:gd name="connsiteY8" fmla="*/ 1211575 h 1453896"/>
+              <a:gd name="connsiteX9" fmla="*/ 2354575 w 2596896"/>
+              <a:gd name="connsiteY9" fmla="*/ 1453896 h 1453896"/>
+              <a:gd name="connsiteX10" fmla="*/ 1847634 w 2596896"/>
+              <a:gd name="connsiteY10" fmla="*/ 1453896 h 1453896"/>
+              <a:gd name="connsiteX11" fmla="*/ 1361816 w 2596896"/>
+              <a:gd name="connsiteY11" fmla="*/ 1453896 h 1453896"/>
+              <a:gd name="connsiteX12" fmla="*/ 854875 w 2596896"/>
+              <a:gd name="connsiteY12" fmla="*/ 1453896 h 1453896"/>
+              <a:gd name="connsiteX13" fmla="*/ 242321 w 2596896"/>
+              <a:gd name="connsiteY13" fmla="*/ 1453896 h 1453896"/>
+              <a:gd name="connsiteX14" fmla="*/ 0 w 2596896"/>
+              <a:gd name="connsiteY14" fmla="*/ 1211575 h 1453896"/>
+              <a:gd name="connsiteX15" fmla="*/ 0 w 2596896"/>
+              <a:gd name="connsiteY15" fmla="*/ 756026 h 1453896"/>
+              <a:gd name="connsiteX16" fmla="*/ 0 w 2596896"/>
+              <a:gd name="connsiteY16" fmla="*/ 242321 h 1453896"/>
+            </a:gdLst>
+            <a:ahLst/>
+            <a:cxnLst>
+              <a:cxn ang="0">
+                <a:pos x="connsiteX0" y="connsiteY0"/>
+              </a:cxn>
+              <a:cxn ang="0">
+                <a:pos x="connsiteX1" y="connsiteY1"/>
+              </a:cxn>
+              <a:cxn ang="0">
+                <a:pos x="connsiteX2" y="connsiteY2"/>
+              </a:cxn>
+              <a:cxn ang="0">
+                <a:pos x="connsiteX3" y="connsiteY3"/>
+              </a:cxn>
+              <a:cxn ang="0">
+                <a:pos x="connsiteX4" y="connsiteY4"/>
+              </a:cxn>
+              <a:cxn ang="0">
+                <a:pos x="connsiteX5" y="connsiteY5"/>
+              </a:cxn>
+              <a:cxn ang="0">
+                <a:pos x="connsiteX6" y="connsiteY6"/>
+              </a:cxn>
+              <a:cxn ang="0">
+                <a:pos x="connsiteX7" y="connsiteY7"/>
+              </a:cxn>
+              <a:cxn ang="0">
+                <a:pos x="connsiteX8" y="connsiteY8"/>
+              </a:cxn>
+              <a:cxn ang="0">
+                <a:pos x="connsiteX9" y="connsiteY9"/>
+              </a:cxn>
+              <a:cxn ang="0">
+                <a:pos x="connsiteX10" y="connsiteY10"/>
+              </a:cxn>
+              <a:cxn ang="0">
+                <a:pos x="connsiteX11" y="connsiteY11"/>
+              </a:cxn>
+              <a:cxn ang="0">
+                <a:pos x="connsiteX12" y="connsiteY12"/>
+              </a:cxn>
+              <a:cxn ang="0">
+                <a:pos x="connsiteX13" y="connsiteY13"/>
+              </a:cxn>
+              <a:cxn ang="0">
+                <a:pos x="connsiteX14" y="connsiteY14"/>
+              </a:cxn>
+              <a:cxn ang="0">
+                <a:pos x="connsiteX15" y="connsiteY15"/>
+              </a:cxn>
+              <a:cxn ang="0">
+                <a:pos x="connsiteX16" y="connsiteY16"/>
+              </a:cxn>
+            </a:cxnLst>
+            <a:rect l="l" t="t" r="r" b="b"/>
+            <a:pathLst>
+              <a:path w="2596896" h="1453896" fill="none" extrusionOk="0">
+                <a:moveTo>
+                  <a:pt x="0" y="242321"/>
+                </a:moveTo>
+                <a:cubicBezTo>
+                  <a:pt x="33618" y="105778"/>
+                  <a:pt x="73540" y="-15289"/>
+                  <a:pt x="242321" y="0"/>
+                </a:cubicBezTo>
+                <a:cubicBezTo>
+                  <a:pt x="340749" y="-30767"/>
+                  <a:pt x="606013" y="37177"/>
+                  <a:pt x="707017" y="0"/>
+                </a:cubicBezTo>
+                <a:cubicBezTo>
+                  <a:pt x="808021" y="-37177"/>
+                  <a:pt x="1141836" y="3401"/>
+                  <a:pt x="1256203" y="0"/>
+                </a:cubicBezTo>
+                <a:cubicBezTo>
+                  <a:pt x="1370570" y="-3401"/>
+                  <a:pt x="1639743" y="3163"/>
+                  <a:pt x="1763144" y="0"/>
+                </a:cubicBezTo>
+                <a:cubicBezTo>
+                  <a:pt x="1886545" y="-3163"/>
+                  <a:pt x="2089249" y="65880"/>
+                  <a:pt x="2354575" y="0"/>
+                </a:cubicBezTo>
+                <a:cubicBezTo>
+                  <a:pt x="2500485" y="-12711"/>
+                  <a:pt x="2607636" y="83611"/>
+                  <a:pt x="2596896" y="242321"/>
+                </a:cubicBezTo>
+                <a:cubicBezTo>
+                  <a:pt x="2609411" y="352408"/>
+                  <a:pt x="2558416" y="556590"/>
+                  <a:pt x="2596896" y="736641"/>
+                </a:cubicBezTo>
+                <a:cubicBezTo>
+                  <a:pt x="2635376" y="916692"/>
+                  <a:pt x="2595079" y="1078103"/>
+                  <a:pt x="2596896" y="1211575"/>
+                </a:cubicBezTo>
+                <a:cubicBezTo>
+                  <a:pt x="2583041" y="1335072"/>
+                  <a:pt x="2482102" y="1462630"/>
+                  <a:pt x="2354575" y="1453896"/>
+                </a:cubicBezTo>
+                <a:cubicBezTo>
+                  <a:pt x="2151915" y="1457433"/>
+                  <a:pt x="2021359" y="1400866"/>
+                  <a:pt x="1847634" y="1453896"/>
+                </a:cubicBezTo>
+                <a:cubicBezTo>
+                  <a:pt x="1673909" y="1506926"/>
+                  <a:pt x="1501882" y="1439670"/>
+                  <a:pt x="1361816" y="1453896"/>
+                </a:cubicBezTo>
+                <a:cubicBezTo>
+                  <a:pt x="1221750" y="1468122"/>
+                  <a:pt x="1084355" y="1436266"/>
+                  <a:pt x="854875" y="1453896"/>
+                </a:cubicBezTo>
+                <a:cubicBezTo>
+                  <a:pt x="625395" y="1471526"/>
+                  <a:pt x="443013" y="1433802"/>
+                  <a:pt x="242321" y="1453896"/>
+                </a:cubicBezTo>
+                <a:cubicBezTo>
+                  <a:pt x="75428" y="1458576"/>
+                  <a:pt x="22634" y="1353127"/>
+                  <a:pt x="0" y="1211575"/>
+                </a:cubicBezTo>
+                <a:cubicBezTo>
+                  <a:pt x="-34153" y="1062528"/>
+                  <a:pt x="12169" y="853523"/>
+                  <a:pt x="0" y="756026"/>
+                </a:cubicBezTo>
+                <a:cubicBezTo>
+                  <a:pt x="-12169" y="658529"/>
+                  <a:pt x="60151" y="356209"/>
+                  <a:pt x="0" y="242321"/>
+                </a:cubicBezTo>
+                <a:close/>
+              </a:path>
+              <a:path w="2596896" h="1453896" stroke="0" extrusionOk="0">
+                <a:moveTo>
+                  <a:pt x="0" y="242321"/>
+                </a:moveTo>
+                <a:cubicBezTo>
+                  <a:pt x="-10508" y="92723"/>
+                  <a:pt x="112412" y="8523"/>
+                  <a:pt x="242321" y="0"/>
+                </a:cubicBezTo>
+                <a:cubicBezTo>
+                  <a:pt x="407197" y="-46321"/>
+                  <a:pt x="546494" y="31362"/>
+                  <a:pt x="749262" y="0"/>
+                </a:cubicBezTo>
+                <a:cubicBezTo>
+                  <a:pt x="952030" y="-31362"/>
+                  <a:pt x="1126114" y="34325"/>
+                  <a:pt x="1256203" y="0"/>
+                </a:cubicBezTo>
+                <a:cubicBezTo>
+                  <a:pt x="1386292" y="-34325"/>
+                  <a:pt x="1535755" y="9414"/>
+                  <a:pt x="1720899" y="0"/>
+                </a:cubicBezTo>
+                <a:cubicBezTo>
+                  <a:pt x="1906043" y="-9414"/>
+                  <a:pt x="2218218" y="50500"/>
+                  <a:pt x="2354575" y="0"/>
+                </a:cubicBezTo>
+                <a:cubicBezTo>
+                  <a:pt x="2478801" y="11933"/>
+                  <a:pt x="2607273" y="100284"/>
+                  <a:pt x="2596896" y="242321"/>
+                </a:cubicBezTo>
+                <a:cubicBezTo>
+                  <a:pt x="2600401" y="481447"/>
+                  <a:pt x="2557347" y="546098"/>
+                  <a:pt x="2596896" y="746333"/>
+                </a:cubicBezTo>
+                <a:cubicBezTo>
+                  <a:pt x="2636445" y="946568"/>
+                  <a:pt x="2593195" y="1110950"/>
+                  <a:pt x="2596896" y="1211575"/>
+                </a:cubicBezTo>
+                <a:cubicBezTo>
+                  <a:pt x="2594158" y="1348767"/>
+                  <a:pt x="2490355" y="1436009"/>
+                  <a:pt x="2354575" y="1453896"/>
+                </a:cubicBezTo>
+                <a:cubicBezTo>
+                  <a:pt x="2170270" y="1457552"/>
+                  <a:pt x="1960564" y="1428504"/>
+                  <a:pt x="1826512" y="1453896"/>
+                </a:cubicBezTo>
+                <a:cubicBezTo>
+                  <a:pt x="1692460" y="1479288"/>
+                  <a:pt x="1504312" y="1438544"/>
+                  <a:pt x="1319571" y="1453896"/>
+                </a:cubicBezTo>
+                <a:cubicBezTo>
+                  <a:pt x="1134830" y="1469248"/>
+                  <a:pt x="1064517" y="1430881"/>
+                  <a:pt x="812630" y="1453896"/>
+                </a:cubicBezTo>
+                <a:cubicBezTo>
+                  <a:pt x="560743" y="1476911"/>
+                  <a:pt x="368645" y="1396037"/>
+                  <a:pt x="242321" y="1453896"/>
+                </a:cubicBezTo>
+                <a:cubicBezTo>
+                  <a:pt x="104476" y="1449702"/>
+                  <a:pt x="4833" y="1352897"/>
+                  <a:pt x="0" y="1211575"/>
+                </a:cubicBezTo>
+                <a:cubicBezTo>
+                  <a:pt x="-20625" y="1089372"/>
+                  <a:pt x="1246" y="849942"/>
+                  <a:pt x="0" y="756026"/>
+                </a:cubicBezTo>
+                <a:cubicBezTo>
+                  <a:pt x="-1246" y="662110"/>
+                  <a:pt x="15140" y="438415"/>
+                  <a:pt x="0" y="242321"/>
+                </a:cubicBezTo>
+                <a:close/>
+              </a:path>
+            </a:pathLst>
+          </a:custGeom>
+          <a:solidFill>
             <a:schemeClr val="accent5">
               <a:lumMod val="75000"/>
             </a:schemeClr>
@@ -14939,7 +19210,7 @@
 </p:sld>
 </file>
 
-<file path=ppt/slides/slide5.xml><?xml version="1.0" encoding="utf-8"?>
+<file path=ppt/slides/slide6.xml><?xml version="1.0" encoding="utf-8"?>
 <p:sld xmlns:a="http://schemas.openxmlformats.org/drawingml/2006/main" xmlns:r="http://schemas.openxmlformats.org/officeDocument/2006/relationships" xmlns:p="http://schemas.openxmlformats.org/presentationml/2006/main">
   <p:cSld>
     <p:spTree>
@@ -15863,7 +20134,7 @@
             <a:pPr algn="ctr"/>
             <a:r>
               <a:rPr lang="en-US" sz="1500" dirty="0"/>
-              <a:t>Has cult in over 5 countries</a:t>
+              <a:t>Has cult in over 3 countries</a:t>
             </a:r>
           </a:p>
         </p:txBody>
@@ -21978,7 +26249,7 @@
 </p:sld>
 </file>
 
-<file path=ppt/slides/slide6.xml><?xml version="1.0" encoding="utf-8"?>
+<file path=ppt/slides/slide7.xml><?xml version="1.0" encoding="utf-8"?>
 <p:sld xmlns:a="http://schemas.openxmlformats.org/drawingml/2006/main" xmlns:r="http://schemas.openxmlformats.org/officeDocument/2006/relationships" xmlns:p="http://schemas.openxmlformats.org/presentationml/2006/main">
   <p:cSld>
     <p:spTree>
@@ -24483,7 +28754,7 @@
 </p:sld>
 </file>
 
-<file path=ppt/slides/slide7.xml><?xml version="1.0" encoding="utf-8"?>
+<file path=ppt/slides/slide8.xml><?xml version="1.0" encoding="utf-8"?>
 <p:sld xmlns:a="http://schemas.openxmlformats.org/drawingml/2006/main" xmlns:r="http://schemas.openxmlformats.org/officeDocument/2006/relationships" xmlns:p="http://schemas.openxmlformats.org/presentationml/2006/main">
   <p:cSld>
     <p:bg>
@@ -24599,7 +28870,7 @@
 </p:sld>
 </file>
 
-<file path=ppt/slides/slide8.xml><?xml version="1.0" encoding="utf-8"?>
+<file path=ppt/slides/slide9.xml><?xml version="1.0" encoding="utf-8"?>
 <p:sld xmlns:a="http://schemas.openxmlformats.org/drawingml/2006/main" xmlns:r="http://schemas.openxmlformats.org/officeDocument/2006/relationships" xmlns:p="http://schemas.openxmlformats.org/presentationml/2006/main">
   <p:cSld>
     <p:spTree>
@@ -25317,4 +29588,319 @@
     </a:ext>
   </a:extLst>
 </a:theme>
+</file>
+
+<file path=ppt/theme/theme2.xml><?xml version="1.0" encoding="utf-8"?>
+<a:theme xmlns:a="http://schemas.openxmlformats.org/drawingml/2006/main" name="Office Theme">
+  <a:themeElements>
+    <a:clrScheme name="Office">
+      <a:dk1>
+        <a:sysClr val="windowText" lastClr="000000"/>
+      </a:dk1>
+      <a:lt1>
+        <a:sysClr val="window" lastClr="FFFFFF"/>
+      </a:lt1>
+      <a:dk2>
+        <a:srgbClr val="0E2841"/>
+      </a:dk2>
+      <a:lt2>
+        <a:srgbClr val="E8E8E8"/>
+      </a:lt2>
+      <a:accent1>
+        <a:srgbClr val="156082"/>
+      </a:accent1>
+      <a:accent2>
+        <a:srgbClr val="E97132"/>
+      </a:accent2>
+      <a:accent3>
+        <a:srgbClr val="196B24"/>
+      </a:accent3>
+      <a:accent4>
+        <a:srgbClr val="0F9ED5"/>
+      </a:accent4>
+      <a:accent5>
+        <a:srgbClr val="A02B93"/>
+      </a:accent5>
+      <a:accent6>
+        <a:srgbClr val="4EA72E"/>
+      </a:accent6>
+      <a:hlink>
+        <a:srgbClr val="467886"/>
+      </a:hlink>
+      <a:folHlink>
+        <a:srgbClr val="96607D"/>
+      </a:folHlink>
+    </a:clrScheme>
+    <a:fontScheme name="Office">
+      <a:majorFont>
+        <a:latin typeface="Aptos Display" panose="02110004020202020204"/>
+        <a:ea typeface=""/>
+        <a:cs typeface=""/>
+        <a:font script="Jpan" typeface="游ゴシック Light"/>
+        <a:font script="Hang" typeface="맑은 고딕"/>
+        <a:font script="Hans" typeface="等线 Light"/>
+        <a:font script="Hant" typeface="新細明體"/>
+        <a:font script="Arab" typeface="Times New Roman"/>
+        <a:font script="Hebr" typeface="Times New Roman"/>
+        <a:font script="Thai" typeface="Angsana New"/>
+        <a:font script="Ethi" typeface="Nyala"/>
+        <a:font script="Beng" typeface="Vrinda"/>
+        <a:font script="Gujr" typeface="Shruti"/>
+        <a:font script="Khmr" typeface="MoolBoran"/>
+        <a:font script="Knda" typeface="Tunga"/>
+        <a:font script="Guru" typeface="Raavi"/>
+        <a:font script="Cans" typeface="Euphemia"/>
+        <a:font script="Cher" typeface="Plantagenet Cherokee"/>
+        <a:font script="Yiii" typeface="Microsoft Yi Baiti"/>
+        <a:font script="Tibt" typeface="Microsoft Himalaya"/>
+        <a:font script="Thaa" typeface="MV Boli"/>
+        <a:font script="Deva" typeface="Mangal"/>
+        <a:font script="Telu" typeface="Gautami"/>
+        <a:font script="Taml" typeface="Latha"/>
+        <a:font script="Syrc" typeface="Estrangelo Edessa"/>
+        <a:font script="Orya" typeface="Kalinga"/>
+        <a:font script="Mlym" typeface="Kartika"/>
+        <a:font script="Laoo" typeface="DokChampa"/>
+        <a:font script="Sinh" typeface="Iskoola Pota"/>
+        <a:font script="Mong" typeface="Mongolian Baiti"/>
+        <a:font script="Viet" typeface="Times New Roman"/>
+        <a:font script="Uigh" typeface="Microsoft Uighur"/>
+        <a:font script="Geor" typeface="Sylfaen"/>
+        <a:font script="Armn" typeface="Arial"/>
+        <a:font script="Bugi" typeface="Leelawadee UI"/>
+        <a:font script="Bopo" typeface="Microsoft JhengHei"/>
+        <a:font script="Java" typeface="Javanese Text"/>
+        <a:font script="Lisu" typeface="Segoe UI"/>
+        <a:font script="Mymr" typeface="Myanmar Text"/>
+        <a:font script="Nkoo" typeface="Ebrima"/>
+        <a:font script="Olck" typeface="Nirmala UI"/>
+        <a:font script="Osma" typeface="Ebrima"/>
+        <a:font script="Phag" typeface="Phagspa"/>
+        <a:font script="Syrn" typeface="Estrangelo Edessa"/>
+        <a:font script="Syrj" typeface="Estrangelo Edessa"/>
+        <a:font script="Syre" typeface="Estrangelo Edessa"/>
+        <a:font script="Sora" typeface="Nirmala UI"/>
+        <a:font script="Tale" typeface="Microsoft Tai Le"/>
+        <a:font script="Talu" typeface="Microsoft New Tai Lue"/>
+        <a:font script="Tfng" typeface="Ebrima"/>
+      </a:majorFont>
+      <a:minorFont>
+        <a:latin typeface="Aptos" panose="02110004020202020204"/>
+        <a:ea typeface=""/>
+        <a:cs typeface=""/>
+        <a:font script="Jpan" typeface="游ゴシック"/>
+        <a:font script="Hang" typeface="맑은 고딕"/>
+        <a:font script="Hans" typeface="等线"/>
+        <a:font script="Hant" typeface="新細明體"/>
+        <a:font script="Arab" typeface="Arial"/>
+        <a:font script="Hebr" typeface="Arial"/>
+        <a:font script="Thai" typeface="Cordia New"/>
+        <a:font script="Ethi" typeface="Nyala"/>
+        <a:font script="Beng" typeface="Vrinda"/>
+        <a:font script="Gujr" typeface="Shruti"/>
+        <a:font script="Khmr" typeface="DaunPenh"/>
+        <a:font script="Knda" typeface="Tunga"/>
+        <a:font script="Guru" typeface="Raavi"/>
+        <a:font script="Cans" typeface="Euphemia"/>
+        <a:font script="Cher" typeface="Plantagenet Cherokee"/>
+        <a:font script="Yiii" typeface="Microsoft Yi Baiti"/>
+        <a:font script="Tibt" typeface="Microsoft Himalaya"/>
+        <a:font script="Thaa" typeface="MV Boli"/>
+        <a:font script="Deva" typeface="Mangal"/>
+        <a:font script="Telu" typeface="Gautami"/>
+        <a:font script="Taml" typeface="Latha"/>
+        <a:font script="Syrc" typeface="Estrangelo Edessa"/>
+        <a:font script="Orya" typeface="Kalinga"/>
+        <a:font script="Mlym" typeface="Kartika"/>
+        <a:font script="Laoo" typeface="DokChampa"/>
+        <a:font script="Sinh" typeface="Iskoola Pota"/>
+        <a:font script="Mong" typeface="Mongolian Baiti"/>
+        <a:font script="Viet" typeface="Arial"/>
+        <a:font script="Uigh" typeface="Microsoft Uighur"/>
+        <a:font script="Geor" typeface="Sylfaen"/>
+        <a:font script="Armn" typeface="Arial"/>
+        <a:font script="Bugi" typeface="Leelawadee UI"/>
+        <a:font script="Bopo" typeface="Microsoft JhengHei"/>
+        <a:font script="Java" typeface="Javanese Text"/>
+        <a:font script="Lisu" typeface="Segoe UI"/>
+        <a:font script="Mymr" typeface="Myanmar Text"/>
+        <a:font script="Nkoo" typeface="Ebrima"/>
+        <a:font script="Olck" typeface="Nirmala UI"/>
+        <a:font script="Osma" typeface="Ebrima"/>
+        <a:font script="Phag" typeface="Phagspa"/>
+        <a:font script="Syrn" typeface="Estrangelo Edessa"/>
+        <a:font script="Syrj" typeface="Estrangelo Edessa"/>
+        <a:font script="Syre" typeface="Estrangelo Edessa"/>
+        <a:font script="Sora" typeface="Nirmala UI"/>
+        <a:font script="Tale" typeface="Microsoft Tai Le"/>
+        <a:font script="Talu" typeface="Microsoft New Tai Lue"/>
+        <a:font script="Tfng" typeface="Ebrima"/>
+      </a:minorFont>
+    </a:fontScheme>
+    <a:fmtScheme name="Office">
+      <a:fillStyleLst>
+        <a:solidFill>
+          <a:schemeClr val="phClr"/>
+        </a:solidFill>
+        <a:gradFill rotWithShape="1">
+          <a:gsLst>
+            <a:gs pos="0">
+              <a:schemeClr val="phClr">
+                <a:lumMod val="110000"/>
+                <a:satMod val="105000"/>
+                <a:tint val="67000"/>
+              </a:schemeClr>
+            </a:gs>
+            <a:gs pos="50000">
+              <a:schemeClr val="phClr">
+                <a:lumMod val="105000"/>
+                <a:satMod val="103000"/>
+                <a:tint val="73000"/>
+              </a:schemeClr>
+            </a:gs>
+            <a:gs pos="100000">
+              <a:schemeClr val="phClr">
+                <a:lumMod val="105000"/>
+                <a:satMod val="109000"/>
+                <a:tint val="81000"/>
+              </a:schemeClr>
+            </a:gs>
+          </a:gsLst>
+          <a:lin ang="5400000" scaled="0"/>
+        </a:gradFill>
+        <a:gradFill rotWithShape="1">
+          <a:gsLst>
+            <a:gs pos="0">
+              <a:schemeClr val="phClr">
+                <a:satMod val="103000"/>
+                <a:lumMod val="102000"/>
+                <a:tint val="94000"/>
+              </a:schemeClr>
+            </a:gs>
+            <a:gs pos="50000">
+              <a:schemeClr val="phClr">
+                <a:satMod val="110000"/>
+                <a:lumMod val="100000"/>
+                <a:shade val="100000"/>
+              </a:schemeClr>
+            </a:gs>
+            <a:gs pos="100000">
+              <a:schemeClr val="phClr">
+                <a:lumMod val="99000"/>
+                <a:satMod val="120000"/>
+                <a:shade val="78000"/>
+              </a:schemeClr>
+            </a:gs>
+          </a:gsLst>
+          <a:lin ang="5400000" scaled="0"/>
+        </a:gradFill>
+      </a:fillStyleLst>
+      <a:lnStyleLst>
+        <a:ln w="12700" cap="flat" cmpd="sng" algn="ctr">
+          <a:solidFill>
+            <a:schemeClr val="phClr"/>
+          </a:solidFill>
+          <a:prstDash val="solid"/>
+          <a:miter lim="800000"/>
+        </a:ln>
+        <a:ln w="19050" cap="flat" cmpd="sng" algn="ctr">
+          <a:solidFill>
+            <a:schemeClr val="phClr"/>
+          </a:solidFill>
+          <a:prstDash val="solid"/>
+          <a:miter lim="800000"/>
+        </a:ln>
+        <a:ln w="25400" cap="flat" cmpd="sng" algn="ctr">
+          <a:solidFill>
+            <a:schemeClr val="phClr"/>
+          </a:solidFill>
+          <a:prstDash val="solid"/>
+          <a:miter lim="800000"/>
+        </a:ln>
+      </a:lnStyleLst>
+      <a:effectStyleLst>
+        <a:effectStyle>
+          <a:effectLst/>
+        </a:effectStyle>
+        <a:effectStyle>
+          <a:effectLst/>
+        </a:effectStyle>
+        <a:effectStyle>
+          <a:effectLst>
+            <a:outerShdw blurRad="57150" dist="19050" dir="5400000" algn="ctr" rotWithShape="0">
+              <a:srgbClr val="000000">
+                <a:alpha val="63000"/>
+              </a:srgbClr>
+            </a:outerShdw>
+          </a:effectLst>
+        </a:effectStyle>
+      </a:effectStyleLst>
+      <a:bgFillStyleLst>
+        <a:solidFill>
+          <a:schemeClr val="phClr"/>
+        </a:solidFill>
+        <a:solidFill>
+          <a:schemeClr val="phClr">
+            <a:tint val="95000"/>
+            <a:satMod val="170000"/>
+          </a:schemeClr>
+        </a:solidFill>
+        <a:gradFill rotWithShape="1">
+          <a:gsLst>
+            <a:gs pos="0">
+              <a:schemeClr val="phClr">
+                <a:tint val="93000"/>
+                <a:satMod val="150000"/>
+                <a:shade val="98000"/>
+                <a:lumMod val="102000"/>
+              </a:schemeClr>
+            </a:gs>
+            <a:gs pos="50000">
+              <a:schemeClr val="phClr">
+                <a:tint val="98000"/>
+                <a:satMod val="130000"/>
+                <a:shade val="90000"/>
+                <a:lumMod val="103000"/>
+              </a:schemeClr>
+            </a:gs>
+            <a:gs pos="100000">
+              <a:schemeClr val="phClr">
+                <a:shade val="63000"/>
+                <a:satMod val="120000"/>
+              </a:schemeClr>
+            </a:gs>
+          </a:gsLst>
+          <a:lin ang="5400000" scaled="0"/>
+        </a:gradFill>
+      </a:bgFillStyleLst>
+    </a:fmtScheme>
+  </a:themeElements>
+  <a:objectDefaults>
+    <a:lnDef>
+      <a:spPr/>
+      <a:bodyPr/>
+      <a:lstStyle/>
+      <a:style>
+        <a:lnRef idx="2">
+          <a:schemeClr val="accent1"/>
+        </a:lnRef>
+        <a:fillRef idx="0">
+          <a:schemeClr val="accent1"/>
+        </a:fillRef>
+        <a:effectRef idx="1">
+          <a:schemeClr val="accent1"/>
+        </a:effectRef>
+        <a:fontRef idx="minor">
+          <a:schemeClr val="tx1"/>
+        </a:fontRef>
+      </a:style>
+    </a:lnDef>
+  </a:objectDefaults>
+  <a:extraClrSchemeLst/>
+  <a:extLst>
+    <a:ext uri="{05A4C25C-085E-4340-85A3-A5531E510DB2}">
+      <thm15:themeFamily xmlns:thm15="http://schemas.microsoft.com/office/thememl/2012/main" name="Office Theme" id="{2E142A2C-CD16-42D6-873A-C26D2A0506FA}" vid="{1BDDFF52-6CD6-40A5-AB3C-68EB2F1E4D0A}"/>
+    </a:ext>
+  </a:extLst>
+</a:theme>
 </file>
--- a/THE_A_Ideas/Innocent Gems/Innocent Gems - Flows.pptx
+++ b/THE_A_Ideas/Innocent Gems/Innocent Gems - Flows.pptx
@@ -206,7 +206,7 @@
           <a:p>
             <a:fld id="{E46DFF9B-7890-4956-96F0-AFF859094789}" type="datetimeFigureOut">
               <a:rPr lang="en-US" smtClean="0"/>
-              <a:t>11/4/2024</a:t>
+              <a:t>11/7/2024</a:t>
             </a:fld>
             <a:endParaRPr lang="en-US"/>
           </a:p>
@@ -688,7 +688,7 @@
           <a:p>
             <a:fld id="{AA3BECB3-B129-4032-B16C-54274E3F2ECB}" type="datetimeFigureOut">
               <a:rPr lang="en-US" smtClean="0"/>
-              <a:t>11/4/2024</a:t>
+              <a:t>11/7/2024</a:t>
             </a:fld>
             <a:endParaRPr lang="en-US"/>
           </a:p>
@@ -858,7 +858,7 @@
           <a:p>
             <a:fld id="{AA3BECB3-B129-4032-B16C-54274E3F2ECB}" type="datetimeFigureOut">
               <a:rPr lang="en-US" smtClean="0"/>
-              <a:t>11/4/2024</a:t>
+              <a:t>11/7/2024</a:t>
             </a:fld>
             <a:endParaRPr lang="en-US"/>
           </a:p>
@@ -1038,7 +1038,7 @@
           <a:p>
             <a:fld id="{AA3BECB3-B129-4032-B16C-54274E3F2ECB}" type="datetimeFigureOut">
               <a:rPr lang="en-US" smtClean="0"/>
-              <a:t>11/4/2024</a:t>
+              <a:t>11/7/2024</a:t>
             </a:fld>
             <a:endParaRPr lang="en-US"/>
           </a:p>
@@ -1208,7 +1208,7 @@
           <a:p>
             <a:fld id="{AA3BECB3-B129-4032-B16C-54274E3F2ECB}" type="datetimeFigureOut">
               <a:rPr lang="en-US" smtClean="0"/>
-              <a:t>11/4/2024</a:t>
+              <a:t>11/7/2024</a:t>
             </a:fld>
             <a:endParaRPr lang="en-US"/>
           </a:p>
@@ -1454,7 +1454,7 @@
           <a:p>
             <a:fld id="{AA3BECB3-B129-4032-B16C-54274E3F2ECB}" type="datetimeFigureOut">
               <a:rPr lang="en-US" smtClean="0"/>
-              <a:t>11/4/2024</a:t>
+              <a:t>11/7/2024</a:t>
             </a:fld>
             <a:endParaRPr lang="en-US"/>
           </a:p>
@@ -1686,7 +1686,7 @@
           <a:p>
             <a:fld id="{AA3BECB3-B129-4032-B16C-54274E3F2ECB}" type="datetimeFigureOut">
               <a:rPr lang="en-US" smtClean="0"/>
-              <a:t>11/4/2024</a:t>
+              <a:t>11/7/2024</a:t>
             </a:fld>
             <a:endParaRPr lang="en-US"/>
           </a:p>
@@ -2053,7 +2053,7 @@
           <a:p>
             <a:fld id="{AA3BECB3-B129-4032-B16C-54274E3F2ECB}" type="datetimeFigureOut">
               <a:rPr lang="en-US" smtClean="0"/>
-              <a:t>11/4/2024</a:t>
+              <a:t>11/7/2024</a:t>
             </a:fld>
             <a:endParaRPr lang="en-US"/>
           </a:p>
@@ -2171,7 +2171,7 @@
           <a:p>
             <a:fld id="{AA3BECB3-B129-4032-B16C-54274E3F2ECB}" type="datetimeFigureOut">
               <a:rPr lang="en-US" smtClean="0"/>
-              <a:t>11/4/2024</a:t>
+              <a:t>11/7/2024</a:t>
             </a:fld>
             <a:endParaRPr lang="en-US"/>
           </a:p>
@@ -2266,7 +2266,7 @@
           <a:p>
             <a:fld id="{AA3BECB3-B129-4032-B16C-54274E3F2ECB}" type="datetimeFigureOut">
               <a:rPr lang="en-US" smtClean="0"/>
-              <a:t>11/4/2024</a:t>
+              <a:t>11/7/2024</a:t>
             </a:fld>
             <a:endParaRPr lang="en-US"/>
           </a:p>
@@ -2543,7 +2543,7 @@
           <a:p>
             <a:fld id="{AA3BECB3-B129-4032-B16C-54274E3F2ECB}" type="datetimeFigureOut">
               <a:rPr lang="en-US" smtClean="0"/>
-              <a:t>11/4/2024</a:t>
+              <a:t>11/7/2024</a:t>
             </a:fld>
             <a:endParaRPr lang="en-US"/>
           </a:p>
@@ -2800,7 +2800,7 @@
           <a:p>
             <a:fld id="{AA3BECB3-B129-4032-B16C-54274E3F2ECB}" type="datetimeFigureOut">
               <a:rPr lang="en-US" smtClean="0"/>
-              <a:t>11/4/2024</a:t>
+              <a:t>11/7/2024</a:t>
             </a:fld>
             <a:endParaRPr lang="en-US"/>
           </a:p>
@@ -3013,7 +3013,7 @@
           <a:p>
             <a:fld id="{AA3BECB3-B129-4032-B16C-54274E3F2ECB}" type="datetimeFigureOut">
               <a:rPr lang="en-US" smtClean="0"/>
-              <a:t>11/4/2024</a:t>
+              <a:t>11/7/2024</a:t>
             </a:fld>
             <a:endParaRPr lang="en-US"/>
           </a:p>
@@ -6462,7 +6462,7 @@
                   <a:schemeClr val="tx1"/>
                 </a:solidFill>
               </a:rPr>
-              <a:t>Ravi Pinto</a:t>
+              <a:t>Joseph Pinto</a:t>
             </a:r>
             <a:br>
               <a:rPr lang="en-US" sz="1300" dirty="0">
@@ -16301,7 +16301,7 @@
           <a:p>
             <a:pPr algn="ctr"/>
             <a:r>
-              <a:rPr lang="en-US" sz="1400" dirty="0"/>
+              <a:rPr lang="en-US" sz="1300" dirty="0"/>
               <a:t>A Cannibal Cult leader wants to become the most loved in the world</a:t>
             </a:r>
           </a:p>
@@ -16605,10 +16605,10 @@
           <a:p>
             <a:pPr algn="ctr"/>
             <a:r>
-              <a:rPr lang="en-US" sz="1400"/>
+              <a:rPr lang="en-US" sz="1300"/>
               <a:t>Has cult in over 3 countries</a:t>
             </a:r>
-            <a:endParaRPr lang="en-US" sz="1400" dirty="0"/>
+            <a:endParaRPr lang="en-US" sz="1300" dirty="0"/>
           </a:p>
         </p:txBody>
       </p:sp>
@@ -16910,17 +16910,17 @@
           <a:p>
             <a:pPr algn="ctr"/>
             <a:r>
-              <a:rPr lang="en-US" sz="1400"/>
+              <a:rPr lang="en-US" sz="1300"/>
               <a:t>Good looking for Meat</a:t>
             </a:r>
             <a:br>
-              <a:rPr lang="en-US" sz="1400"/>
+              <a:rPr lang="en-US" sz="1300"/>
             </a:br>
             <a:r>
-              <a:rPr lang="en-US" sz="1400"/>
+              <a:rPr lang="en-US" sz="1300"/>
               <a:t>Bad looking for Trafficking</a:t>
             </a:r>
-            <a:endParaRPr lang="en-US" sz="1400" dirty="0"/>
+            <a:endParaRPr lang="en-US" sz="1300" dirty="0"/>
           </a:p>
         </p:txBody>
       </p:sp>
@@ -17222,14 +17222,14 @@
           <a:p>
             <a:pPr algn="ctr"/>
             <a:r>
-              <a:rPr lang="en-US" sz="1400" dirty="0"/>
+              <a:rPr lang="en-US" sz="1300" dirty="0"/>
               <a:t>One follower is an Artifacts broker</a:t>
             </a:r>
             <a:br>
-              <a:rPr lang="en-US" sz="1400" dirty="0"/>
+              <a:rPr lang="en-US" sz="1300" dirty="0"/>
             </a:br>
             <a:r>
-              <a:rPr lang="en-US" sz="1400" dirty="0"/>
+              <a:rPr lang="en-US" sz="1300" dirty="0"/>
               <a:t>One follower is a Pharma storage owner</a:t>
             </a:r>
           </a:p>
@@ -17533,7 +17533,7 @@
           <a:p>
             <a:pPr algn="ctr"/>
             <a:r>
-              <a:rPr lang="en-US" sz="1400" dirty="0"/>
+              <a:rPr lang="en-US" sz="1300" dirty="0"/>
               <a:t>They meet and together they traffic Arms and Drugs</a:t>
             </a:r>
           </a:p>
@@ -17837,10 +17837,10 @@
           <a:p>
             <a:pPr algn="ctr"/>
             <a:r>
-              <a:rPr lang="en-US" sz="1400"/>
+              <a:rPr lang="en-US" sz="1300"/>
               <a:t>The mafia’s money is in Cult leaders swizz account and is inaccessible</a:t>
             </a:r>
-            <a:endParaRPr lang="en-US" sz="1400" dirty="0"/>
+            <a:endParaRPr lang="en-US" sz="1300" dirty="0"/>
           </a:p>
         </p:txBody>
       </p:sp>
@@ -18142,10 +18142,10 @@
           <a:p>
             <a:pPr algn="ctr"/>
             <a:r>
-              <a:rPr lang="en-US" sz="1400"/>
+              <a:rPr lang="en-US" sz="1300"/>
               <a:t>Arms are seized but they have taken money in advance from a mafia buyer</a:t>
             </a:r>
-            <a:endParaRPr lang="en-US" sz="1400" dirty="0"/>
+            <a:endParaRPr lang="en-US" sz="1300" dirty="0"/>
           </a:p>
         </p:txBody>
       </p:sp>
@@ -18447,17 +18447,17 @@
           <a:p>
             <a:pPr algn="ctr"/>
             <a:r>
-              <a:rPr lang="en-US" sz="1400"/>
+              <a:rPr lang="en-US" sz="1300"/>
               <a:t>Leader is arrested and the </a:t>
             </a:r>
             <a:br>
-              <a:rPr lang="en-US" sz="1400"/>
+              <a:rPr lang="en-US" sz="1300"/>
             </a:br>
             <a:r>
-              <a:rPr lang="en-US" sz="1400"/>
+              <a:rPr lang="en-US" sz="1300"/>
               <a:t>Cult is closed by the authorities</a:t>
             </a:r>
-            <a:endParaRPr lang="en-US" sz="1400" dirty="0"/>
+            <a:endParaRPr lang="en-US" sz="1300" dirty="0"/>
           </a:p>
         </p:txBody>
       </p:sp>
@@ -18759,10 +18759,10 @@
           <a:p>
             <a:pPr algn="ctr"/>
             <a:r>
-              <a:rPr lang="en-US" sz="1400"/>
+              <a:rPr lang="en-US" sz="1300"/>
               <a:t>One day the Cult leader is caught for illegal smuggling of meat</a:t>
             </a:r>
-            <a:endParaRPr lang="en-US" sz="1400" dirty="0"/>
+            <a:endParaRPr lang="en-US" sz="1300" dirty="0"/>
           </a:p>
         </p:txBody>
       </p:sp>
@@ -19064,31 +19064,31 @@
           <a:p>
             <a:pPr algn="ctr"/>
             <a:r>
-              <a:rPr lang="en-US" sz="1400"/>
+              <a:rPr lang="en-US" sz="1300"/>
               <a:t>Using</a:t>
             </a:r>
             <a:br>
-              <a:rPr lang="en-US" sz="1400"/>
+              <a:rPr lang="en-US" sz="1300"/>
             </a:br>
             <a:r>
-              <a:rPr lang="en-US" sz="1400"/>
+              <a:rPr lang="en-US" sz="1300"/>
               <a:t>Broker’s Connections</a:t>
             </a:r>
             <a:br>
-              <a:rPr lang="en-US" sz="1400"/>
+              <a:rPr lang="en-US" sz="1300"/>
             </a:br>
             <a:r>
-              <a:rPr lang="en-US" sz="1400"/>
+              <a:rPr lang="en-US" sz="1300"/>
               <a:t>Pharma’s Shipping</a:t>
             </a:r>
             <a:br>
-              <a:rPr lang="en-US" sz="1400"/>
+              <a:rPr lang="en-US" sz="1300"/>
             </a:br>
             <a:r>
-              <a:rPr lang="en-US" sz="1400"/>
+              <a:rPr lang="en-US" sz="1300"/>
               <a:t>Cult’s Secret Storage</a:t>
             </a:r>
-            <a:endParaRPr lang="en-US" sz="1400" dirty="0"/>
+            <a:endParaRPr lang="en-US" sz="1300" dirty="0"/>
           </a:p>
         </p:txBody>
       </p:sp>
@@ -19390,10 +19390,10 @@
           <a:p>
             <a:pPr algn="ctr"/>
             <a:r>
-              <a:rPr lang="en-US" sz="1400"/>
+              <a:rPr lang="en-US" sz="1300"/>
               <a:t>Broker is locked and threatened by the arms buyer Mafia</a:t>
             </a:r>
-            <a:endParaRPr lang="en-US" sz="1400" dirty="0"/>
+            <a:endParaRPr lang="en-US" sz="1300" dirty="0"/>
           </a:p>
         </p:txBody>
       </p:sp>
@@ -19695,10 +19695,10 @@
           <a:p>
             <a:pPr algn="ctr"/>
             <a:r>
-              <a:rPr lang="en-US" sz="1400"/>
+              <a:rPr lang="en-US" sz="1300"/>
               <a:t>Broker plans to pay the mafia by getting drugs from supplier for loan</a:t>
             </a:r>
-            <a:endParaRPr lang="en-US" sz="1400" dirty="0"/>
+            <a:endParaRPr lang="en-US" sz="1300" dirty="0"/>
           </a:p>
         </p:txBody>
       </p:sp>
@@ -20007,12 +20007,12 @@
               </a:spcAft>
             </a:pPr>
             <a:r>
-              <a:rPr lang="en-US" sz="1400">
+              <a:rPr lang="en-US" sz="1300">
                 <a:effectLst/>
               </a:rPr>
               <a:t>The pharma’s ship that is carrying the drugs drowns in the ocean</a:t>
             </a:r>
-            <a:endParaRPr lang="en-US" sz="1400" dirty="0">
+            <a:endParaRPr lang="en-US" sz="1300" dirty="0">
               <a:effectLst/>
             </a:endParaRPr>
           </a:p>
@@ -20316,10 +20316,10 @@
           <a:p>
             <a:pPr algn="ctr"/>
             <a:r>
-              <a:rPr lang="en-US" sz="1400"/>
+              <a:rPr lang="en-US" sz="1300"/>
               <a:t>They now need Money or Drugs and Arms to stay alive</a:t>
             </a:r>
-            <a:endParaRPr lang="en-US" sz="1400" dirty="0"/>
+            <a:endParaRPr lang="en-US" sz="1300" dirty="0"/>
           </a:p>
         </p:txBody>
       </p:sp>
@@ -20628,7 +20628,7 @@
               </a:spcAft>
             </a:pPr>
             <a:r>
-              <a:rPr lang="en-US" sz="1400" kern="1200">
+              <a:rPr lang="en-US" sz="1300" kern="1200">
                 <a:solidFill>
                   <a:srgbClr val="FFFFFF"/>
                 </a:solidFill>
@@ -20639,7 +20639,7 @@
               </a:rPr>
               <a:t>Broker threatens the Pharma owner to pay for the drugs that his ship destroyed</a:t>
             </a:r>
-            <a:endParaRPr lang="en-US" sz="1400" dirty="0">
+            <a:endParaRPr lang="en-US" sz="1300" dirty="0">
               <a:effectLst/>
             </a:endParaRPr>
           </a:p>
@@ -20943,7 +20943,7 @@
           <a:p>
             <a:pPr algn="ctr"/>
             <a:r>
-              <a:rPr lang="en-US" sz="1400" dirty="0"/>
+              <a:rPr lang="en-US" sz="1300" dirty="0"/>
               <a:t>Broker uses his most trusted ally Arjun to smuggle diamonds with no documents</a:t>
             </a:r>
           </a:p>
@@ -21247,7 +21247,7 @@
           <a:p>
             <a:pPr algn="ctr"/>
             <a:r>
-              <a:rPr lang="en-US" sz="1400" dirty="0"/>
+              <a:rPr lang="en-US" sz="1300" dirty="0"/>
               <a:t>Broker plans to steal the money from the cult leader's Swiss account</a:t>
             </a:r>
           </a:p>
@@ -21551,7 +21551,7 @@
           <a:p>
             <a:pPr algn="ctr"/>
             <a:r>
-              <a:rPr lang="en-US" sz="1400" dirty="0"/>
+              <a:rPr lang="en-US" sz="1300" dirty="0"/>
               <a:t>Broker makes himself get caught by the CBI so that he is safe in JC</a:t>
             </a:r>
           </a:p>
@@ -21855,10 +21855,10 @@
           <a:p>
             <a:pPr algn="ctr"/>
             <a:r>
-              <a:rPr lang="en-US" sz="1400"/>
+              <a:rPr lang="en-US" sz="1300"/>
               <a:t>The pharma owner kills himself in fear rather than getting tortured by the mafia</a:t>
             </a:r>
-            <a:endParaRPr lang="en-US" sz="1400" dirty="0"/>
+            <a:endParaRPr lang="en-US" sz="1300" dirty="0"/>
           </a:p>
         </p:txBody>
       </p:sp>
@@ -22160,10 +22160,9 @@
           <a:p>
             <a:pPr algn="ctr"/>
             <a:r>
-              <a:rPr lang="en-US" sz="1400"/>
-              <a:t>The pharma owner burns down his warehouse to get insurance money but is caught for fraud</a:t>
+              <a:rPr lang="en-US" sz="1300" dirty="0"/>
+              <a:t>The pharma owner burns down his warehouse to get insurance money but is caught for Arson fraud</a:t>
             </a:r>
-            <a:endParaRPr lang="en-US" sz="1400" dirty="0"/>
           </a:p>
         </p:txBody>
       </p:sp>
@@ -23394,7 +23393,15 @@
             <a:pPr algn="ctr"/>
             <a:r>
               <a:rPr lang="en-US" dirty="0"/>
-              <a:t>Diamonds belonging to Anthony are in  Ethiopia</a:t>
+              <a:t>Botswana </a:t>
+            </a:r>
+            <a:r>
+              <a:rPr lang="en-US"/>
+              <a:t>uncut red Diamonds </a:t>
+            </a:r>
+            <a:r>
+              <a:rPr lang="en-US" dirty="0"/>
+              <a:t>belonging to Anthony are in  Ethiopia</a:t>
             </a:r>
           </a:p>
         </p:txBody>
@@ -30920,12 +30927,294 @@
         </p:nvSpPr>
         <p:spPr>
           <a:xfrm>
-            <a:off x="1097280" y="1012698"/>
-            <a:ext cx="2157984" cy="1536192"/>
+            <a:off x="1975818" y="356558"/>
+            <a:ext cx="2721206" cy="1536192"/>
           </a:xfrm>
-          <a:prstGeom prst="roundRect">
+          <a:custGeom>
             <a:avLst/>
-          </a:prstGeom>
+            <a:gdLst>
+              <a:gd name="connsiteX0" fmla="*/ 0 w 2721206"/>
+              <a:gd name="connsiteY0" fmla="*/ 256037 h 1536192"/>
+              <a:gd name="connsiteX1" fmla="*/ 256037 w 2721206"/>
+              <a:gd name="connsiteY1" fmla="*/ 0 h 1536192"/>
+              <a:gd name="connsiteX2" fmla="*/ 786229 w 2721206"/>
+              <a:gd name="connsiteY2" fmla="*/ 0 h 1536192"/>
+              <a:gd name="connsiteX3" fmla="*/ 1338512 w 2721206"/>
+              <a:gd name="connsiteY3" fmla="*/ 0 h 1536192"/>
+              <a:gd name="connsiteX4" fmla="*/ 1912886 w 2721206"/>
+              <a:gd name="connsiteY4" fmla="*/ 0 h 1536192"/>
+              <a:gd name="connsiteX5" fmla="*/ 2465169 w 2721206"/>
+              <a:gd name="connsiteY5" fmla="*/ 0 h 1536192"/>
+              <a:gd name="connsiteX6" fmla="*/ 2721206 w 2721206"/>
+              <a:gd name="connsiteY6" fmla="*/ 256037 h 1536192"/>
+              <a:gd name="connsiteX7" fmla="*/ 2721206 w 2721206"/>
+              <a:gd name="connsiteY7" fmla="*/ 757855 h 1536192"/>
+              <a:gd name="connsiteX8" fmla="*/ 2721206 w 2721206"/>
+              <a:gd name="connsiteY8" fmla="*/ 1280155 h 1536192"/>
+              <a:gd name="connsiteX9" fmla="*/ 2465169 w 2721206"/>
+              <a:gd name="connsiteY9" fmla="*/ 1536192 h 1536192"/>
+              <a:gd name="connsiteX10" fmla="*/ 1957069 w 2721206"/>
+              <a:gd name="connsiteY10" fmla="*/ 1536192 h 1536192"/>
+              <a:gd name="connsiteX11" fmla="*/ 1471060 w 2721206"/>
+              <a:gd name="connsiteY11" fmla="*/ 1536192 h 1536192"/>
+              <a:gd name="connsiteX12" fmla="*/ 962959 w 2721206"/>
+              <a:gd name="connsiteY12" fmla="*/ 1536192 h 1536192"/>
+              <a:gd name="connsiteX13" fmla="*/ 256037 w 2721206"/>
+              <a:gd name="connsiteY13" fmla="*/ 1536192 h 1536192"/>
+              <a:gd name="connsiteX14" fmla="*/ 0 w 2721206"/>
+              <a:gd name="connsiteY14" fmla="*/ 1280155 h 1536192"/>
+              <a:gd name="connsiteX15" fmla="*/ 0 w 2721206"/>
+              <a:gd name="connsiteY15" fmla="*/ 747614 h 1536192"/>
+              <a:gd name="connsiteX16" fmla="*/ 0 w 2721206"/>
+              <a:gd name="connsiteY16" fmla="*/ 256037 h 1536192"/>
+            </a:gdLst>
+            <a:ahLst/>
+            <a:cxnLst>
+              <a:cxn ang="0">
+                <a:pos x="connsiteX0" y="connsiteY0"/>
+              </a:cxn>
+              <a:cxn ang="0">
+                <a:pos x="connsiteX1" y="connsiteY1"/>
+              </a:cxn>
+              <a:cxn ang="0">
+                <a:pos x="connsiteX2" y="connsiteY2"/>
+              </a:cxn>
+              <a:cxn ang="0">
+                <a:pos x="connsiteX3" y="connsiteY3"/>
+              </a:cxn>
+              <a:cxn ang="0">
+                <a:pos x="connsiteX4" y="connsiteY4"/>
+              </a:cxn>
+              <a:cxn ang="0">
+                <a:pos x="connsiteX5" y="connsiteY5"/>
+              </a:cxn>
+              <a:cxn ang="0">
+                <a:pos x="connsiteX6" y="connsiteY6"/>
+              </a:cxn>
+              <a:cxn ang="0">
+                <a:pos x="connsiteX7" y="connsiteY7"/>
+              </a:cxn>
+              <a:cxn ang="0">
+                <a:pos x="connsiteX8" y="connsiteY8"/>
+              </a:cxn>
+              <a:cxn ang="0">
+                <a:pos x="connsiteX9" y="connsiteY9"/>
+              </a:cxn>
+              <a:cxn ang="0">
+                <a:pos x="connsiteX10" y="connsiteY10"/>
+              </a:cxn>
+              <a:cxn ang="0">
+                <a:pos x="connsiteX11" y="connsiteY11"/>
+              </a:cxn>
+              <a:cxn ang="0">
+                <a:pos x="connsiteX12" y="connsiteY12"/>
+              </a:cxn>
+              <a:cxn ang="0">
+                <a:pos x="connsiteX13" y="connsiteY13"/>
+              </a:cxn>
+              <a:cxn ang="0">
+                <a:pos x="connsiteX14" y="connsiteY14"/>
+              </a:cxn>
+              <a:cxn ang="0">
+                <a:pos x="connsiteX15" y="connsiteY15"/>
+              </a:cxn>
+              <a:cxn ang="0">
+                <a:pos x="connsiteX16" y="connsiteY16"/>
+              </a:cxn>
+            </a:cxnLst>
+            <a:rect l="l" t="t" r="r" b="b"/>
+            <a:pathLst>
+              <a:path w="2721206" h="1536192" fill="none" extrusionOk="0">
+                <a:moveTo>
+                  <a:pt x="0" y="256037"/>
+                </a:moveTo>
+                <a:cubicBezTo>
+                  <a:pt x="5667" y="105198"/>
+                  <a:pt x="108609" y="-12081"/>
+                  <a:pt x="256037" y="0"/>
+                </a:cubicBezTo>
+                <a:cubicBezTo>
+                  <a:pt x="376903" y="-11863"/>
+                  <a:pt x="627362" y="15834"/>
+                  <a:pt x="786229" y="0"/>
+                </a:cubicBezTo>
+                <a:cubicBezTo>
+                  <a:pt x="945096" y="-15834"/>
+                  <a:pt x="1184567" y="-13389"/>
+                  <a:pt x="1338512" y="0"/>
+                </a:cubicBezTo>
+                <a:cubicBezTo>
+                  <a:pt x="1492457" y="13389"/>
+                  <a:pt x="1632702" y="2795"/>
+                  <a:pt x="1912886" y="0"/>
+                </a:cubicBezTo>
+                <a:cubicBezTo>
+                  <a:pt x="2193070" y="-2795"/>
+                  <a:pt x="2210184" y="20070"/>
+                  <a:pt x="2465169" y="0"/>
+                </a:cubicBezTo>
+                <a:cubicBezTo>
+                  <a:pt x="2615226" y="-22124"/>
+                  <a:pt x="2735800" y="119738"/>
+                  <a:pt x="2721206" y="256037"/>
+                </a:cubicBezTo>
+                <a:cubicBezTo>
+                  <a:pt x="2714858" y="474942"/>
+                  <a:pt x="2714333" y="521301"/>
+                  <a:pt x="2721206" y="757855"/>
+                </a:cubicBezTo>
+                <a:cubicBezTo>
+                  <a:pt x="2728079" y="994409"/>
+                  <a:pt x="2701792" y="1034994"/>
+                  <a:pt x="2721206" y="1280155"/>
+                </a:cubicBezTo>
+                <a:cubicBezTo>
+                  <a:pt x="2751482" y="1418306"/>
+                  <a:pt x="2607540" y="1520215"/>
+                  <a:pt x="2465169" y="1536192"/>
+                </a:cubicBezTo>
+                <a:cubicBezTo>
+                  <a:pt x="2317652" y="1552737"/>
+                  <a:pt x="2073889" y="1557637"/>
+                  <a:pt x="1957069" y="1536192"/>
+                </a:cubicBezTo>
+                <a:cubicBezTo>
+                  <a:pt x="1840249" y="1514747"/>
+                  <a:pt x="1701333" y="1541530"/>
+                  <a:pt x="1471060" y="1536192"/>
+                </a:cubicBezTo>
+                <a:cubicBezTo>
+                  <a:pt x="1240787" y="1530854"/>
+                  <a:pt x="1097402" y="1554483"/>
+                  <a:pt x="962959" y="1536192"/>
+                </a:cubicBezTo>
+                <a:cubicBezTo>
+                  <a:pt x="828516" y="1517901"/>
+                  <a:pt x="443174" y="1500967"/>
+                  <a:pt x="256037" y="1536192"/>
+                </a:cubicBezTo>
+                <a:cubicBezTo>
+                  <a:pt x="108689" y="1509496"/>
+                  <a:pt x="-6487" y="1417111"/>
+                  <a:pt x="0" y="1280155"/>
+                </a:cubicBezTo>
+                <a:cubicBezTo>
+                  <a:pt x="-22401" y="1093415"/>
+                  <a:pt x="-12692" y="989855"/>
+                  <a:pt x="0" y="747614"/>
+                </a:cubicBezTo>
+                <a:cubicBezTo>
+                  <a:pt x="12692" y="505373"/>
+                  <a:pt x="16512" y="423535"/>
+                  <a:pt x="0" y="256037"/>
+                </a:cubicBezTo>
+                <a:close/>
+              </a:path>
+              <a:path w="2721206" h="1536192" stroke="0" extrusionOk="0">
+                <a:moveTo>
+                  <a:pt x="0" y="256037"/>
+                </a:moveTo>
+                <a:cubicBezTo>
+                  <a:pt x="5034" y="113251"/>
+                  <a:pt x="145737" y="1023"/>
+                  <a:pt x="256037" y="0"/>
+                </a:cubicBezTo>
+                <a:cubicBezTo>
+                  <a:pt x="486891" y="1043"/>
+                  <a:pt x="547275" y="16101"/>
+                  <a:pt x="764137" y="0"/>
+                </a:cubicBezTo>
+                <a:cubicBezTo>
+                  <a:pt x="980999" y="-16101"/>
+                  <a:pt x="1167010" y="-1501"/>
+                  <a:pt x="1360603" y="0"/>
+                </a:cubicBezTo>
+                <a:cubicBezTo>
+                  <a:pt x="1554196" y="1501"/>
+                  <a:pt x="1633033" y="755"/>
+                  <a:pt x="1868703" y="0"/>
+                </a:cubicBezTo>
+                <a:cubicBezTo>
+                  <a:pt x="2104373" y="-755"/>
+                  <a:pt x="2177728" y="-1932"/>
+                  <a:pt x="2465169" y="0"/>
+                </a:cubicBezTo>
+                <a:cubicBezTo>
+                  <a:pt x="2613245" y="21672"/>
+                  <a:pt x="2708441" y="104418"/>
+                  <a:pt x="2721206" y="256037"/>
+                </a:cubicBezTo>
+                <a:cubicBezTo>
+                  <a:pt x="2709423" y="441504"/>
+                  <a:pt x="2718538" y="560474"/>
+                  <a:pt x="2721206" y="747614"/>
+                </a:cubicBezTo>
+                <a:cubicBezTo>
+                  <a:pt x="2723874" y="934754"/>
+                  <a:pt x="2710961" y="1074489"/>
+                  <a:pt x="2721206" y="1280155"/>
+                </a:cubicBezTo>
+                <a:cubicBezTo>
+                  <a:pt x="2740525" y="1401180"/>
+                  <a:pt x="2597329" y="1519494"/>
+                  <a:pt x="2465169" y="1536192"/>
+                </a:cubicBezTo>
+                <a:cubicBezTo>
+                  <a:pt x="2310452" y="1552246"/>
+                  <a:pt x="2129483" y="1537689"/>
+                  <a:pt x="1868703" y="1536192"/>
+                </a:cubicBezTo>
+                <a:cubicBezTo>
+                  <a:pt x="1607923" y="1534695"/>
+                  <a:pt x="1441316" y="1557702"/>
+                  <a:pt x="1316420" y="1536192"/>
+                </a:cubicBezTo>
+                <a:cubicBezTo>
+                  <a:pt x="1191524" y="1514682"/>
+                  <a:pt x="944412" y="1540871"/>
+                  <a:pt x="764137" y="1536192"/>
+                </a:cubicBezTo>
+                <a:cubicBezTo>
+                  <a:pt x="583862" y="1531513"/>
+                  <a:pt x="435986" y="1515396"/>
+                  <a:pt x="256037" y="1536192"/>
+                </a:cubicBezTo>
+                <a:cubicBezTo>
+                  <a:pt x="95835" y="1532605"/>
+                  <a:pt x="1314" y="1412368"/>
+                  <a:pt x="0" y="1280155"/>
+                </a:cubicBezTo>
+                <a:cubicBezTo>
+                  <a:pt x="-14983" y="1084926"/>
+                  <a:pt x="-12588" y="928603"/>
+                  <a:pt x="0" y="798820"/>
+                </a:cubicBezTo>
+                <a:cubicBezTo>
+                  <a:pt x="12588" y="669038"/>
+                  <a:pt x="-9654" y="365494"/>
+                  <a:pt x="0" y="256037"/>
+                </a:cubicBezTo>
+                <a:close/>
+              </a:path>
+            </a:pathLst>
+          </a:custGeom>
+          <a:ln w="38100">
+            <a:solidFill>
+              <a:schemeClr val="tx1"/>
+            </a:solidFill>
+            <a:extLst>
+              <a:ext uri="{C807C97D-BFC1-408E-A445-0C87EB9F89A2}">
+                <ask:lineSketchStyleProps xmlns:ask="http://schemas.microsoft.com/office/drawing/2018/sketchyshapes" sd="3700712357">
+                  <a:prstGeom prst="roundRect">
+                    <a:avLst/>
+                  </a:prstGeom>
+                  <ask:type>
+                    <ask:lineSketchFreehand/>
+                  </ask:type>
+                </ask:lineSketchStyleProps>
+              </a:ext>
+            </a:extLst>
+          </a:ln>
         </p:spPr>
         <p:style>
           <a:lnRef idx="2">
@@ -30947,10 +31236,36 @@
           <a:bodyPr rtlCol="0" anchor="ctr"/>
           <a:lstStyle/>
           <a:p>
-            <a:pPr algn="ctr"/>
             <a:r>
-              <a:rPr lang="en-US" dirty="0"/>
-              <a:t>Murder of Aisha</a:t>
+              <a:rPr lang="en-US" sz="1300" dirty="0"/>
+              <a:t>Buy Coke from Cartel </a:t>
+            </a:r>
+          </a:p>
+          <a:p>
+            <a:r>
+              <a:rPr lang="en-US" sz="1300" dirty="0"/>
+              <a:t>Ship it using Pharma</a:t>
+            </a:r>
+            <a:br>
+              <a:rPr lang="en-US" sz="1300" dirty="0"/>
+            </a:br>
+            <a:r>
+              <a:rPr lang="en-US" sz="1300" dirty="0"/>
+              <a:t>Store it in Cult</a:t>
+            </a:r>
+            <a:br>
+              <a:rPr lang="en-US" sz="1300" dirty="0"/>
+            </a:br>
+            <a:r>
+              <a:rPr lang="en-US" sz="1300" dirty="0"/>
+              <a:t>Sell it to Dealers</a:t>
+            </a:r>
+            <a:br>
+              <a:rPr lang="en-US" sz="1300" dirty="0"/>
+            </a:br>
+            <a:r>
+              <a:rPr lang="en-US" sz="1300" dirty="0"/>
+              <a:t>Pay back the Cartel</a:t>
             </a:r>
           </a:p>
         </p:txBody>
@@ -30969,12 +31284,294 @@
         </p:nvSpPr>
         <p:spPr>
           <a:xfrm>
-            <a:off x="4895469" y="5065777"/>
-            <a:ext cx="2157984" cy="1536192"/>
+            <a:off x="1975818" y="4965250"/>
+            <a:ext cx="2721205" cy="1536192"/>
           </a:xfrm>
-          <a:prstGeom prst="roundRect">
+          <a:custGeom>
             <a:avLst/>
-          </a:prstGeom>
+            <a:gdLst>
+              <a:gd name="connsiteX0" fmla="*/ 0 w 2721205"/>
+              <a:gd name="connsiteY0" fmla="*/ 256037 h 1536192"/>
+              <a:gd name="connsiteX1" fmla="*/ 256037 w 2721205"/>
+              <a:gd name="connsiteY1" fmla="*/ 0 h 1536192"/>
+              <a:gd name="connsiteX2" fmla="*/ 764137 w 2721205"/>
+              <a:gd name="connsiteY2" fmla="*/ 0 h 1536192"/>
+              <a:gd name="connsiteX3" fmla="*/ 1250146 w 2721205"/>
+              <a:gd name="connsiteY3" fmla="*/ 0 h 1536192"/>
+              <a:gd name="connsiteX4" fmla="*/ 1802429 w 2721205"/>
+              <a:gd name="connsiteY4" fmla="*/ 0 h 1536192"/>
+              <a:gd name="connsiteX5" fmla="*/ 2465168 w 2721205"/>
+              <a:gd name="connsiteY5" fmla="*/ 0 h 1536192"/>
+              <a:gd name="connsiteX6" fmla="*/ 2721205 w 2721205"/>
+              <a:gd name="connsiteY6" fmla="*/ 256037 h 1536192"/>
+              <a:gd name="connsiteX7" fmla="*/ 2721205 w 2721205"/>
+              <a:gd name="connsiteY7" fmla="*/ 788578 h 1536192"/>
+              <a:gd name="connsiteX8" fmla="*/ 2721205 w 2721205"/>
+              <a:gd name="connsiteY8" fmla="*/ 1280155 h 1536192"/>
+              <a:gd name="connsiteX9" fmla="*/ 2465168 w 2721205"/>
+              <a:gd name="connsiteY9" fmla="*/ 1536192 h 1536192"/>
+              <a:gd name="connsiteX10" fmla="*/ 1912885 w 2721205"/>
+              <a:gd name="connsiteY10" fmla="*/ 1536192 h 1536192"/>
+              <a:gd name="connsiteX11" fmla="*/ 1360603 w 2721205"/>
+              <a:gd name="connsiteY11" fmla="*/ 1536192 h 1536192"/>
+              <a:gd name="connsiteX12" fmla="*/ 808320 w 2721205"/>
+              <a:gd name="connsiteY12" fmla="*/ 1536192 h 1536192"/>
+              <a:gd name="connsiteX13" fmla="*/ 256037 w 2721205"/>
+              <a:gd name="connsiteY13" fmla="*/ 1536192 h 1536192"/>
+              <a:gd name="connsiteX14" fmla="*/ 0 w 2721205"/>
+              <a:gd name="connsiteY14" fmla="*/ 1280155 h 1536192"/>
+              <a:gd name="connsiteX15" fmla="*/ 0 w 2721205"/>
+              <a:gd name="connsiteY15" fmla="*/ 778337 h 1536192"/>
+              <a:gd name="connsiteX16" fmla="*/ 0 w 2721205"/>
+              <a:gd name="connsiteY16" fmla="*/ 256037 h 1536192"/>
+            </a:gdLst>
+            <a:ahLst/>
+            <a:cxnLst>
+              <a:cxn ang="0">
+                <a:pos x="connsiteX0" y="connsiteY0"/>
+              </a:cxn>
+              <a:cxn ang="0">
+                <a:pos x="connsiteX1" y="connsiteY1"/>
+              </a:cxn>
+              <a:cxn ang="0">
+                <a:pos x="connsiteX2" y="connsiteY2"/>
+              </a:cxn>
+              <a:cxn ang="0">
+                <a:pos x="connsiteX3" y="connsiteY3"/>
+              </a:cxn>
+              <a:cxn ang="0">
+                <a:pos x="connsiteX4" y="connsiteY4"/>
+              </a:cxn>
+              <a:cxn ang="0">
+                <a:pos x="connsiteX5" y="connsiteY5"/>
+              </a:cxn>
+              <a:cxn ang="0">
+                <a:pos x="connsiteX6" y="connsiteY6"/>
+              </a:cxn>
+              <a:cxn ang="0">
+                <a:pos x="connsiteX7" y="connsiteY7"/>
+              </a:cxn>
+              <a:cxn ang="0">
+                <a:pos x="connsiteX8" y="connsiteY8"/>
+              </a:cxn>
+              <a:cxn ang="0">
+                <a:pos x="connsiteX9" y="connsiteY9"/>
+              </a:cxn>
+              <a:cxn ang="0">
+                <a:pos x="connsiteX10" y="connsiteY10"/>
+              </a:cxn>
+              <a:cxn ang="0">
+                <a:pos x="connsiteX11" y="connsiteY11"/>
+              </a:cxn>
+              <a:cxn ang="0">
+                <a:pos x="connsiteX12" y="connsiteY12"/>
+              </a:cxn>
+              <a:cxn ang="0">
+                <a:pos x="connsiteX13" y="connsiteY13"/>
+              </a:cxn>
+              <a:cxn ang="0">
+                <a:pos x="connsiteX14" y="connsiteY14"/>
+              </a:cxn>
+              <a:cxn ang="0">
+                <a:pos x="connsiteX15" y="connsiteY15"/>
+              </a:cxn>
+              <a:cxn ang="0">
+                <a:pos x="connsiteX16" y="connsiteY16"/>
+              </a:cxn>
+            </a:cxnLst>
+            <a:rect l="l" t="t" r="r" b="b"/>
+            <a:pathLst>
+              <a:path w="2721205" h="1536192" fill="none" extrusionOk="0">
+                <a:moveTo>
+                  <a:pt x="0" y="256037"/>
+                </a:moveTo>
+                <a:cubicBezTo>
+                  <a:pt x="2196" y="126779"/>
+                  <a:pt x="133092" y="-12596"/>
+                  <a:pt x="256037" y="0"/>
+                </a:cubicBezTo>
+                <a:cubicBezTo>
+                  <a:pt x="464123" y="15724"/>
+                  <a:pt x="657832" y="7293"/>
+                  <a:pt x="764137" y="0"/>
+                </a:cubicBezTo>
+                <a:cubicBezTo>
+                  <a:pt x="870442" y="-7293"/>
+                  <a:pt x="1149638" y="-21413"/>
+                  <a:pt x="1250146" y="0"/>
+                </a:cubicBezTo>
+                <a:cubicBezTo>
+                  <a:pt x="1350654" y="21413"/>
+                  <a:pt x="1553281" y="9680"/>
+                  <a:pt x="1802429" y="0"/>
+                </a:cubicBezTo>
+                <a:cubicBezTo>
+                  <a:pt x="2051577" y="-9680"/>
+                  <a:pt x="2242074" y="-5379"/>
+                  <a:pt x="2465168" y="0"/>
+                </a:cubicBezTo>
+                <a:cubicBezTo>
+                  <a:pt x="2638272" y="9396"/>
+                  <a:pt x="2720480" y="124857"/>
+                  <a:pt x="2721205" y="256037"/>
+                </a:cubicBezTo>
+                <a:cubicBezTo>
+                  <a:pt x="2731234" y="433536"/>
+                  <a:pt x="2725383" y="543963"/>
+                  <a:pt x="2721205" y="788578"/>
+                </a:cubicBezTo>
+                <a:cubicBezTo>
+                  <a:pt x="2717027" y="1033193"/>
+                  <a:pt x="2735334" y="1103807"/>
+                  <a:pt x="2721205" y="1280155"/>
+                </a:cubicBezTo>
+                <a:cubicBezTo>
+                  <a:pt x="2713814" y="1443996"/>
+                  <a:pt x="2574629" y="1528691"/>
+                  <a:pt x="2465168" y="1536192"/>
+                </a:cubicBezTo>
+                <a:cubicBezTo>
+                  <a:pt x="2284297" y="1539489"/>
+                  <a:pt x="2132399" y="1563721"/>
+                  <a:pt x="1912885" y="1536192"/>
+                </a:cubicBezTo>
+                <a:cubicBezTo>
+                  <a:pt x="1693371" y="1508663"/>
+                  <a:pt x="1486296" y="1512517"/>
+                  <a:pt x="1360603" y="1536192"/>
+                </a:cubicBezTo>
+                <a:cubicBezTo>
+                  <a:pt x="1234910" y="1559867"/>
+                  <a:pt x="1062751" y="1560485"/>
+                  <a:pt x="808320" y="1536192"/>
+                </a:cubicBezTo>
+                <a:cubicBezTo>
+                  <a:pt x="553889" y="1511899"/>
+                  <a:pt x="531282" y="1510440"/>
+                  <a:pt x="256037" y="1536192"/>
+                </a:cubicBezTo>
+                <a:cubicBezTo>
+                  <a:pt x="90246" y="1540927"/>
+                  <a:pt x="-8618" y="1406346"/>
+                  <a:pt x="0" y="1280155"/>
+                </a:cubicBezTo>
+                <a:cubicBezTo>
+                  <a:pt x="-16679" y="1147822"/>
+                  <a:pt x="-2861" y="971445"/>
+                  <a:pt x="0" y="778337"/>
+                </a:cubicBezTo>
+                <a:cubicBezTo>
+                  <a:pt x="2861" y="585229"/>
+                  <a:pt x="22161" y="450077"/>
+                  <a:pt x="0" y="256037"/>
+                </a:cubicBezTo>
+                <a:close/>
+              </a:path>
+              <a:path w="2721205" h="1536192" stroke="0" extrusionOk="0">
+                <a:moveTo>
+                  <a:pt x="0" y="256037"/>
+                </a:moveTo>
+                <a:cubicBezTo>
+                  <a:pt x="11186" y="120102"/>
+                  <a:pt x="113718" y="-11713"/>
+                  <a:pt x="256037" y="0"/>
+                </a:cubicBezTo>
+                <a:cubicBezTo>
+                  <a:pt x="405242" y="-1527"/>
+                  <a:pt x="522712" y="663"/>
+                  <a:pt x="764137" y="0"/>
+                </a:cubicBezTo>
+                <a:cubicBezTo>
+                  <a:pt x="1005562" y="-663"/>
+                  <a:pt x="1095289" y="-14922"/>
+                  <a:pt x="1316420" y="0"/>
+                </a:cubicBezTo>
+                <a:cubicBezTo>
+                  <a:pt x="1537551" y="14922"/>
+                  <a:pt x="1691166" y="-23313"/>
+                  <a:pt x="1912885" y="0"/>
+                </a:cubicBezTo>
+                <a:cubicBezTo>
+                  <a:pt x="2134604" y="23313"/>
+                  <a:pt x="2224966" y="21"/>
+                  <a:pt x="2465168" y="0"/>
+                </a:cubicBezTo>
+                <a:cubicBezTo>
+                  <a:pt x="2600859" y="-4892"/>
+                  <a:pt x="2709855" y="129776"/>
+                  <a:pt x="2721205" y="256037"/>
+                </a:cubicBezTo>
+                <a:cubicBezTo>
+                  <a:pt x="2714887" y="498777"/>
+                  <a:pt x="2719877" y="550994"/>
+                  <a:pt x="2721205" y="757855"/>
+                </a:cubicBezTo>
+                <a:cubicBezTo>
+                  <a:pt x="2722533" y="964716"/>
+                  <a:pt x="2734039" y="1117931"/>
+                  <a:pt x="2721205" y="1280155"/>
+                </a:cubicBezTo>
+                <a:cubicBezTo>
+                  <a:pt x="2718892" y="1392529"/>
+                  <a:pt x="2604113" y="1539379"/>
+                  <a:pt x="2465168" y="1536192"/>
+                </a:cubicBezTo>
+                <a:cubicBezTo>
+                  <a:pt x="2252136" y="1527430"/>
+                  <a:pt x="2109950" y="1513708"/>
+                  <a:pt x="1979159" y="1536192"/>
+                </a:cubicBezTo>
+                <a:cubicBezTo>
+                  <a:pt x="1848368" y="1558676"/>
+                  <a:pt x="1619283" y="1538692"/>
+                  <a:pt x="1382694" y="1536192"/>
+                </a:cubicBezTo>
+                <a:cubicBezTo>
+                  <a:pt x="1146106" y="1533692"/>
+                  <a:pt x="1080096" y="1537840"/>
+                  <a:pt x="852502" y="1536192"/>
+                </a:cubicBezTo>
+                <a:cubicBezTo>
+                  <a:pt x="624908" y="1534544"/>
+                  <a:pt x="384775" y="1542488"/>
+                  <a:pt x="256037" y="1536192"/>
+                </a:cubicBezTo>
+                <a:cubicBezTo>
+                  <a:pt x="116554" y="1548238"/>
+                  <a:pt x="-22346" y="1409671"/>
+                  <a:pt x="0" y="1280155"/>
+                </a:cubicBezTo>
+                <a:cubicBezTo>
+                  <a:pt x="21745" y="1158709"/>
+                  <a:pt x="4777" y="933328"/>
+                  <a:pt x="0" y="747614"/>
+                </a:cubicBezTo>
+                <a:cubicBezTo>
+                  <a:pt x="-4777" y="561900"/>
+                  <a:pt x="-24385" y="394867"/>
+                  <a:pt x="0" y="256037"/>
+                </a:cubicBezTo>
+                <a:close/>
+              </a:path>
+            </a:pathLst>
+          </a:custGeom>
+          <a:ln w="38100">
+            <a:solidFill>
+              <a:schemeClr val="tx1"/>
+            </a:solidFill>
+            <a:extLst>
+              <a:ext uri="{C807C97D-BFC1-408E-A445-0C87EB9F89A2}">
+                <ask:lineSketchStyleProps xmlns:ask="http://schemas.microsoft.com/office/drawing/2018/sketchyshapes" sd="594653713">
+                  <a:prstGeom prst="roundRect">
+                    <a:avLst/>
+                  </a:prstGeom>
+                  <ask:type>
+                    <ask:lineSketchFreehand/>
+                  </ask:type>
+                </ask:lineSketchStyleProps>
+              </a:ext>
+            </a:extLst>
+          </a:ln>
         </p:spPr>
         <p:style>
           <a:lnRef idx="2">
@@ -30996,15 +31593,31 @@
           <a:bodyPr rtlCol="0" anchor="ctr"/>
           <a:lstStyle/>
           <a:p>
-            <a:pPr algn="ctr"/>
             <a:r>
-              <a:rPr lang="en-US" dirty="0"/>
-              <a:t>Diamond Smuggling</a:t>
+              <a:rPr lang="en-US" sz="1300" dirty="0"/>
+              <a:t>Uncut Diamonds from Botswana Smuggled into Bengaluru</a:t>
             </a:r>
-          </a:p>
-          <a:p>
-            <a:pPr algn="ctr"/>
-            <a:endParaRPr lang="en-US" dirty="0"/>
+            <a:br>
+              <a:rPr lang="en-US" sz="1300" dirty="0"/>
+            </a:br>
+            <a:r>
+              <a:rPr lang="en-US" sz="1300" dirty="0"/>
+              <a:t>Stored in a pharma</a:t>
+            </a:r>
+            <a:br>
+              <a:rPr lang="en-US" sz="1300" dirty="0"/>
+            </a:br>
+            <a:r>
+              <a:rPr lang="en-US" sz="1300" dirty="0"/>
+              <a:t>Sent to Surat to Cut</a:t>
+            </a:r>
+            <a:br>
+              <a:rPr lang="en-US" sz="1300" dirty="0"/>
+            </a:br>
+            <a:r>
+              <a:rPr lang="en-US" sz="1300" dirty="0"/>
+              <a:t>Sold it to buyers</a:t>
+            </a:r>
           </a:p>
         </p:txBody>
       </p:sp>
@@ -31022,12 +31635,294 @@
         </p:nvSpPr>
         <p:spPr>
           <a:xfrm>
-            <a:off x="8693658" y="928878"/>
-            <a:ext cx="2157984" cy="1536192"/>
+            <a:off x="7494978" y="356558"/>
+            <a:ext cx="2721205" cy="1536192"/>
           </a:xfrm>
-          <a:prstGeom prst="roundRect">
+          <a:custGeom>
             <a:avLst/>
-          </a:prstGeom>
+            <a:gdLst>
+              <a:gd name="connsiteX0" fmla="*/ 0 w 2721205"/>
+              <a:gd name="connsiteY0" fmla="*/ 256037 h 1536192"/>
+              <a:gd name="connsiteX1" fmla="*/ 256037 w 2721205"/>
+              <a:gd name="connsiteY1" fmla="*/ 0 h 1536192"/>
+              <a:gd name="connsiteX2" fmla="*/ 852502 w 2721205"/>
+              <a:gd name="connsiteY2" fmla="*/ 0 h 1536192"/>
+              <a:gd name="connsiteX3" fmla="*/ 1360603 w 2721205"/>
+              <a:gd name="connsiteY3" fmla="*/ 0 h 1536192"/>
+              <a:gd name="connsiteX4" fmla="*/ 1934977 w 2721205"/>
+              <a:gd name="connsiteY4" fmla="*/ 0 h 1536192"/>
+              <a:gd name="connsiteX5" fmla="*/ 2465168 w 2721205"/>
+              <a:gd name="connsiteY5" fmla="*/ 0 h 1536192"/>
+              <a:gd name="connsiteX6" fmla="*/ 2721205 w 2721205"/>
+              <a:gd name="connsiteY6" fmla="*/ 256037 h 1536192"/>
+              <a:gd name="connsiteX7" fmla="*/ 2721205 w 2721205"/>
+              <a:gd name="connsiteY7" fmla="*/ 747614 h 1536192"/>
+              <a:gd name="connsiteX8" fmla="*/ 2721205 w 2721205"/>
+              <a:gd name="connsiteY8" fmla="*/ 1280155 h 1536192"/>
+              <a:gd name="connsiteX9" fmla="*/ 2465168 w 2721205"/>
+              <a:gd name="connsiteY9" fmla="*/ 1536192 h 1536192"/>
+              <a:gd name="connsiteX10" fmla="*/ 1890794 w 2721205"/>
+              <a:gd name="connsiteY10" fmla="*/ 1536192 h 1536192"/>
+              <a:gd name="connsiteX11" fmla="*/ 1338511 w 2721205"/>
+              <a:gd name="connsiteY11" fmla="*/ 1536192 h 1536192"/>
+              <a:gd name="connsiteX12" fmla="*/ 764137 w 2721205"/>
+              <a:gd name="connsiteY12" fmla="*/ 1536192 h 1536192"/>
+              <a:gd name="connsiteX13" fmla="*/ 256037 w 2721205"/>
+              <a:gd name="connsiteY13" fmla="*/ 1536192 h 1536192"/>
+              <a:gd name="connsiteX14" fmla="*/ 0 w 2721205"/>
+              <a:gd name="connsiteY14" fmla="*/ 1280155 h 1536192"/>
+              <a:gd name="connsiteX15" fmla="*/ 0 w 2721205"/>
+              <a:gd name="connsiteY15" fmla="*/ 757855 h 1536192"/>
+              <a:gd name="connsiteX16" fmla="*/ 0 w 2721205"/>
+              <a:gd name="connsiteY16" fmla="*/ 256037 h 1536192"/>
+            </a:gdLst>
+            <a:ahLst/>
+            <a:cxnLst>
+              <a:cxn ang="0">
+                <a:pos x="connsiteX0" y="connsiteY0"/>
+              </a:cxn>
+              <a:cxn ang="0">
+                <a:pos x="connsiteX1" y="connsiteY1"/>
+              </a:cxn>
+              <a:cxn ang="0">
+                <a:pos x="connsiteX2" y="connsiteY2"/>
+              </a:cxn>
+              <a:cxn ang="0">
+                <a:pos x="connsiteX3" y="connsiteY3"/>
+              </a:cxn>
+              <a:cxn ang="0">
+                <a:pos x="connsiteX4" y="connsiteY4"/>
+              </a:cxn>
+              <a:cxn ang="0">
+                <a:pos x="connsiteX5" y="connsiteY5"/>
+              </a:cxn>
+              <a:cxn ang="0">
+                <a:pos x="connsiteX6" y="connsiteY6"/>
+              </a:cxn>
+              <a:cxn ang="0">
+                <a:pos x="connsiteX7" y="connsiteY7"/>
+              </a:cxn>
+              <a:cxn ang="0">
+                <a:pos x="connsiteX8" y="connsiteY8"/>
+              </a:cxn>
+              <a:cxn ang="0">
+                <a:pos x="connsiteX9" y="connsiteY9"/>
+              </a:cxn>
+              <a:cxn ang="0">
+                <a:pos x="connsiteX10" y="connsiteY10"/>
+              </a:cxn>
+              <a:cxn ang="0">
+                <a:pos x="connsiteX11" y="connsiteY11"/>
+              </a:cxn>
+              <a:cxn ang="0">
+                <a:pos x="connsiteX12" y="connsiteY12"/>
+              </a:cxn>
+              <a:cxn ang="0">
+                <a:pos x="connsiteX13" y="connsiteY13"/>
+              </a:cxn>
+              <a:cxn ang="0">
+                <a:pos x="connsiteX14" y="connsiteY14"/>
+              </a:cxn>
+              <a:cxn ang="0">
+                <a:pos x="connsiteX15" y="connsiteY15"/>
+              </a:cxn>
+              <a:cxn ang="0">
+                <a:pos x="connsiteX16" y="connsiteY16"/>
+              </a:cxn>
+            </a:cxnLst>
+            <a:rect l="l" t="t" r="r" b="b"/>
+            <a:pathLst>
+              <a:path w="2721205" h="1536192" fill="none" extrusionOk="0">
+                <a:moveTo>
+                  <a:pt x="0" y="256037"/>
+                </a:moveTo>
+                <a:cubicBezTo>
+                  <a:pt x="24235" y="95993"/>
+                  <a:pt x="101711" y="1679"/>
+                  <a:pt x="256037" y="0"/>
+                </a:cubicBezTo>
+                <a:cubicBezTo>
+                  <a:pt x="424511" y="-14404"/>
+                  <a:pt x="613843" y="13735"/>
+                  <a:pt x="852502" y="0"/>
+                </a:cubicBezTo>
+                <a:cubicBezTo>
+                  <a:pt x="1091161" y="-13735"/>
+                  <a:pt x="1145353" y="-2097"/>
+                  <a:pt x="1360603" y="0"/>
+                </a:cubicBezTo>
+                <a:cubicBezTo>
+                  <a:pt x="1575853" y="2097"/>
+                  <a:pt x="1667444" y="18628"/>
+                  <a:pt x="1934977" y="0"/>
+                </a:cubicBezTo>
+                <a:cubicBezTo>
+                  <a:pt x="2202510" y="-18628"/>
+                  <a:pt x="2296563" y="10897"/>
+                  <a:pt x="2465168" y="0"/>
+                </a:cubicBezTo>
+                <a:cubicBezTo>
+                  <a:pt x="2602544" y="8"/>
+                  <a:pt x="2715244" y="119931"/>
+                  <a:pt x="2721205" y="256037"/>
+                </a:cubicBezTo>
+                <a:cubicBezTo>
+                  <a:pt x="2701878" y="382444"/>
+                  <a:pt x="2726089" y="614549"/>
+                  <a:pt x="2721205" y="747614"/>
+                </a:cubicBezTo>
+                <a:cubicBezTo>
+                  <a:pt x="2716321" y="880679"/>
+                  <a:pt x="2745293" y="1034415"/>
+                  <a:pt x="2721205" y="1280155"/>
+                </a:cubicBezTo>
+                <a:cubicBezTo>
+                  <a:pt x="2742292" y="1402706"/>
+                  <a:pt x="2617666" y="1535728"/>
+                  <a:pt x="2465168" y="1536192"/>
+                </a:cubicBezTo>
+                <a:cubicBezTo>
+                  <a:pt x="2261675" y="1546063"/>
+                  <a:pt x="2135601" y="1563079"/>
+                  <a:pt x="1890794" y="1536192"/>
+                </a:cubicBezTo>
+                <a:cubicBezTo>
+                  <a:pt x="1645987" y="1509305"/>
+                  <a:pt x="1523814" y="1518493"/>
+                  <a:pt x="1338511" y="1536192"/>
+                </a:cubicBezTo>
+                <a:cubicBezTo>
+                  <a:pt x="1153208" y="1553891"/>
+                  <a:pt x="987825" y="1536938"/>
+                  <a:pt x="764137" y="1536192"/>
+                </a:cubicBezTo>
+                <a:cubicBezTo>
+                  <a:pt x="540449" y="1535446"/>
+                  <a:pt x="456713" y="1557169"/>
+                  <a:pt x="256037" y="1536192"/>
+                </a:cubicBezTo>
+                <a:cubicBezTo>
+                  <a:pt x="108199" y="1540932"/>
+                  <a:pt x="-17452" y="1448514"/>
+                  <a:pt x="0" y="1280155"/>
+                </a:cubicBezTo>
+                <a:cubicBezTo>
+                  <a:pt x="-11276" y="1160551"/>
+                  <a:pt x="-11017" y="963890"/>
+                  <a:pt x="0" y="757855"/>
+                </a:cubicBezTo>
+                <a:cubicBezTo>
+                  <a:pt x="11017" y="551820"/>
+                  <a:pt x="15070" y="385298"/>
+                  <a:pt x="0" y="256037"/>
+                </a:cubicBezTo>
+                <a:close/>
+              </a:path>
+              <a:path w="2721205" h="1536192" stroke="0" extrusionOk="0">
+                <a:moveTo>
+                  <a:pt x="0" y="256037"/>
+                </a:moveTo>
+                <a:cubicBezTo>
+                  <a:pt x="8243" y="81680"/>
+                  <a:pt x="115135" y="-4856"/>
+                  <a:pt x="256037" y="0"/>
+                </a:cubicBezTo>
+                <a:cubicBezTo>
+                  <a:pt x="378401" y="12694"/>
+                  <a:pt x="640326" y="-16417"/>
+                  <a:pt x="786228" y="0"/>
+                </a:cubicBezTo>
+                <a:cubicBezTo>
+                  <a:pt x="932130" y="16417"/>
+                  <a:pt x="1179314" y="3504"/>
+                  <a:pt x="1360603" y="0"/>
+                </a:cubicBezTo>
+                <a:cubicBezTo>
+                  <a:pt x="1541893" y="-3504"/>
+                  <a:pt x="1708766" y="-10334"/>
+                  <a:pt x="1912885" y="0"/>
+                </a:cubicBezTo>
+                <a:cubicBezTo>
+                  <a:pt x="2117004" y="10334"/>
+                  <a:pt x="2253749" y="-2115"/>
+                  <a:pt x="2465168" y="0"/>
+                </a:cubicBezTo>
+                <a:cubicBezTo>
+                  <a:pt x="2593641" y="-26956"/>
+                  <a:pt x="2715181" y="125010"/>
+                  <a:pt x="2721205" y="256037"/>
+                </a:cubicBezTo>
+                <a:cubicBezTo>
+                  <a:pt x="2739118" y="480156"/>
+                  <a:pt x="2730087" y="584394"/>
+                  <a:pt x="2721205" y="737372"/>
+                </a:cubicBezTo>
+                <a:cubicBezTo>
+                  <a:pt x="2712323" y="890351"/>
+                  <a:pt x="2736977" y="1102514"/>
+                  <a:pt x="2721205" y="1280155"/>
+                </a:cubicBezTo>
+                <a:cubicBezTo>
+                  <a:pt x="2702553" y="1415229"/>
+                  <a:pt x="2612097" y="1559329"/>
+                  <a:pt x="2465168" y="1536192"/>
+                </a:cubicBezTo>
+                <a:cubicBezTo>
+                  <a:pt x="2303721" y="1514945"/>
+                  <a:pt x="2204042" y="1541107"/>
+                  <a:pt x="1979159" y="1536192"/>
+                </a:cubicBezTo>
+                <a:cubicBezTo>
+                  <a:pt x="1754276" y="1531277"/>
+                  <a:pt x="1613444" y="1540563"/>
+                  <a:pt x="1426876" y="1536192"/>
+                </a:cubicBezTo>
+                <a:cubicBezTo>
+                  <a:pt x="1240308" y="1531821"/>
+                  <a:pt x="1136019" y="1556618"/>
+                  <a:pt x="874594" y="1536192"/>
+                </a:cubicBezTo>
+                <a:cubicBezTo>
+                  <a:pt x="613169" y="1515766"/>
+                  <a:pt x="460125" y="1519270"/>
+                  <a:pt x="256037" y="1536192"/>
+                </a:cubicBezTo>
+                <a:cubicBezTo>
+                  <a:pt x="98535" y="1529039"/>
+                  <a:pt x="4431" y="1436874"/>
+                  <a:pt x="0" y="1280155"/>
+                </a:cubicBezTo>
+                <a:cubicBezTo>
+                  <a:pt x="-14004" y="1050824"/>
+                  <a:pt x="10201" y="917176"/>
+                  <a:pt x="0" y="757855"/>
+                </a:cubicBezTo>
+                <a:cubicBezTo>
+                  <a:pt x="-10201" y="598534"/>
+                  <a:pt x="3076" y="408291"/>
+                  <a:pt x="0" y="256037"/>
+                </a:cubicBezTo>
+                <a:close/>
+              </a:path>
+            </a:pathLst>
+          </a:custGeom>
+          <a:ln w="38100">
+            <a:solidFill>
+              <a:schemeClr val="tx1"/>
+            </a:solidFill>
+            <a:extLst>
+              <a:ext uri="{C807C97D-BFC1-408E-A445-0C87EB9F89A2}">
+                <ask:lineSketchStyleProps xmlns:ask="http://schemas.microsoft.com/office/drawing/2018/sketchyshapes" sd="2545784740">
+                  <a:prstGeom prst="roundRect">
+                    <a:avLst/>
+                  </a:prstGeom>
+                  <ask:type>
+                    <ask:lineSketchFreehand/>
+                  </ask:type>
+                </ask:lineSketchStyleProps>
+              </a:ext>
+            </a:extLst>
+          </a:ln>
         </p:spPr>
         <p:style>
           <a:lnRef idx="2">
@@ -31049,17 +31944,37 @@
           <a:bodyPr rtlCol="0" anchor="ctr"/>
           <a:lstStyle/>
           <a:p>
-            <a:pPr algn="ctr"/>
             <a:r>
-              <a:rPr lang="en-US" dirty="0"/>
-              <a:t>Gun Smuggling</a:t>
+              <a:rPr lang="en-US" sz="1300" dirty="0"/>
+              <a:t>Buy Arms from Mafia</a:t>
             </a:r>
-          </a:p>
-          <a:p>
-            <a:pPr algn="ctr"/>
+            <a:br>
+              <a:rPr lang="en-US" sz="1300" dirty="0"/>
+            </a:br>
             <a:r>
-              <a:rPr lang="en-US" dirty="0"/>
-              <a:t>Drug Smuggling</a:t>
+              <a:rPr lang="en-US" sz="1300" dirty="0"/>
+              <a:t>Ship it using Pharma</a:t>
+            </a:r>
+            <a:br>
+              <a:rPr lang="en-US" sz="1300" dirty="0"/>
+            </a:br>
+            <a:r>
+              <a:rPr lang="en-US" sz="1300" dirty="0"/>
+              <a:t>Store in Cult</a:t>
+            </a:r>
+            <a:br>
+              <a:rPr lang="en-US" sz="1300" dirty="0"/>
+            </a:br>
+            <a:r>
+              <a:rPr lang="en-US" sz="1300" dirty="0"/>
+              <a:t>Take advance from Buyers</a:t>
+            </a:r>
+            <a:br>
+              <a:rPr lang="en-US" sz="1300" dirty="0"/>
+            </a:br>
+            <a:r>
+              <a:rPr lang="en-US" sz="1300" dirty="0"/>
+              <a:t>Sell it to Buyers</a:t>
             </a:r>
           </a:p>
         </p:txBody>
@@ -31078,12 +31993,294 @@
         </p:nvSpPr>
         <p:spPr>
           <a:xfrm>
-            <a:off x="1097280" y="4297681"/>
-            <a:ext cx="2157984" cy="1536192"/>
+            <a:off x="692417" y="2660904"/>
+            <a:ext cx="2721204" cy="1536192"/>
           </a:xfrm>
-          <a:prstGeom prst="roundRect">
+          <a:custGeom>
             <a:avLst/>
-          </a:prstGeom>
+            <a:gdLst>
+              <a:gd name="connsiteX0" fmla="*/ 0 w 2721204"/>
+              <a:gd name="connsiteY0" fmla="*/ 256037 h 1536192"/>
+              <a:gd name="connsiteX1" fmla="*/ 256037 w 2721204"/>
+              <a:gd name="connsiteY1" fmla="*/ 0 h 1536192"/>
+              <a:gd name="connsiteX2" fmla="*/ 830411 w 2721204"/>
+              <a:gd name="connsiteY2" fmla="*/ 0 h 1536192"/>
+              <a:gd name="connsiteX3" fmla="*/ 1360602 w 2721204"/>
+              <a:gd name="connsiteY3" fmla="*/ 0 h 1536192"/>
+              <a:gd name="connsiteX4" fmla="*/ 1890793 w 2721204"/>
+              <a:gd name="connsiteY4" fmla="*/ 0 h 1536192"/>
+              <a:gd name="connsiteX5" fmla="*/ 2465167 w 2721204"/>
+              <a:gd name="connsiteY5" fmla="*/ 0 h 1536192"/>
+              <a:gd name="connsiteX6" fmla="*/ 2721204 w 2721204"/>
+              <a:gd name="connsiteY6" fmla="*/ 256037 h 1536192"/>
+              <a:gd name="connsiteX7" fmla="*/ 2721204 w 2721204"/>
+              <a:gd name="connsiteY7" fmla="*/ 757855 h 1536192"/>
+              <a:gd name="connsiteX8" fmla="*/ 2721204 w 2721204"/>
+              <a:gd name="connsiteY8" fmla="*/ 1280155 h 1536192"/>
+              <a:gd name="connsiteX9" fmla="*/ 2465167 w 2721204"/>
+              <a:gd name="connsiteY9" fmla="*/ 1536192 h 1536192"/>
+              <a:gd name="connsiteX10" fmla="*/ 1934976 w 2721204"/>
+              <a:gd name="connsiteY10" fmla="*/ 1536192 h 1536192"/>
+              <a:gd name="connsiteX11" fmla="*/ 1448967 w 2721204"/>
+              <a:gd name="connsiteY11" fmla="*/ 1536192 h 1536192"/>
+              <a:gd name="connsiteX12" fmla="*/ 852502 w 2721204"/>
+              <a:gd name="connsiteY12" fmla="*/ 1536192 h 1536192"/>
+              <a:gd name="connsiteX13" fmla="*/ 256037 w 2721204"/>
+              <a:gd name="connsiteY13" fmla="*/ 1536192 h 1536192"/>
+              <a:gd name="connsiteX14" fmla="*/ 0 w 2721204"/>
+              <a:gd name="connsiteY14" fmla="*/ 1280155 h 1536192"/>
+              <a:gd name="connsiteX15" fmla="*/ 0 w 2721204"/>
+              <a:gd name="connsiteY15" fmla="*/ 757855 h 1536192"/>
+              <a:gd name="connsiteX16" fmla="*/ 0 w 2721204"/>
+              <a:gd name="connsiteY16" fmla="*/ 256037 h 1536192"/>
+            </a:gdLst>
+            <a:ahLst/>
+            <a:cxnLst>
+              <a:cxn ang="0">
+                <a:pos x="connsiteX0" y="connsiteY0"/>
+              </a:cxn>
+              <a:cxn ang="0">
+                <a:pos x="connsiteX1" y="connsiteY1"/>
+              </a:cxn>
+              <a:cxn ang="0">
+                <a:pos x="connsiteX2" y="connsiteY2"/>
+              </a:cxn>
+              <a:cxn ang="0">
+                <a:pos x="connsiteX3" y="connsiteY3"/>
+              </a:cxn>
+              <a:cxn ang="0">
+                <a:pos x="connsiteX4" y="connsiteY4"/>
+              </a:cxn>
+              <a:cxn ang="0">
+                <a:pos x="connsiteX5" y="connsiteY5"/>
+              </a:cxn>
+              <a:cxn ang="0">
+                <a:pos x="connsiteX6" y="connsiteY6"/>
+              </a:cxn>
+              <a:cxn ang="0">
+                <a:pos x="connsiteX7" y="connsiteY7"/>
+              </a:cxn>
+              <a:cxn ang="0">
+                <a:pos x="connsiteX8" y="connsiteY8"/>
+              </a:cxn>
+              <a:cxn ang="0">
+                <a:pos x="connsiteX9" y="connsiteY9"/>
+              </a:cxn>
+              <a:cxn ang="0">
+                <a:pos x="connsiteX10" y="connsiteY10"/>
+              </a:cxn>
+              <a:cxn ang="0">
+                <a:pos x="connsiteX11" y="connsiteY11"/>
+              </a:cxn>
+              <a:cxn ang="0">
+                <a:pos x="connsiteX12" y="connsiteY12"/>
+              </a:cxn>
+              <a:cxn ang="0">
+                <a:pos x="connsiteX13" y="connsiteY13"/>
+              </a:cxn>
+              <a:cxn ang="0">
+                <a:pos x="connsiteX14" y="connsiteY14"/>
+              </a:cxn>
+              <a:cxn ang="0">
+                <a:pos x="connsiteX15" y="connsiteY15"/>
+              </a:cxn>
+              <a:cxn ang="0">
+                <a:pos x="connsiteX16" y="connsiteY16"/>
+              </a:cxn>
+            </a:cxnLst>
+            <a:rect l="l" t="t" r="r" b="b"/>
+            <a:pathLst>
+              <a:path w="2721204" h="1536192" fill="none" extrusionOk="0">
+                <a:moveTo>
+                  <a:pt x="0" y="256037"/>
+                </a:moveTo>
+                <a:cubicBezTo>
+                  <a:pt x="50" y="121506"/>
+                  <a:pt x="84116" y="17268"/>
+                  <a:pt x="256037" y="0"/>
+                </a:cubicBezTo>
+                <a:cubicBezTo>
+                  <a:pt x="424260" y="17431"/>
+                  <a:pt x="660125" y="10828"/>
+                  <a:pt x="830411" y="0"/>
+                </a:cubicBezTo>
+                <a:cubicBezTo>
+                  <a:pt x="1000697" y="-10828"/>
+                  <a:pt x="1245802" y="-17001"/>
+                  <a:pt x="1360602" y="0"/>
+                </a:cubicBezTo>
+                <a:cubicBezTo>
+                  <a:pt x="1475402" y="17001"/>
+                  <a:pt x="1692287" y="24017"/>
+                  <a:pt x="1890793" y="0"/>
+                </a:cubicBezTo>
+                <a:cubicBezTo>
+                  <a:pt x="2089299" y="-24017"/>
+                  <a:pt x="2230517" y="-20856"/>
+                  <a:pt x="2465167" y="0"/>
+                </a:cubicBezTo>
+                <a:cubicBezTo>
+                  <a:pt x="2610967" y="-13169"/>
+                  <a:pt x="2742058" y="109425"/>
+                  <a:pt x="2721204" y="256037"/>
+                </a:cubicBezTo>
+                <a:cubicBezTo>
+                  <a:pt x="2723994" y="421262"/>
+                  <a:pt x="2742997" y="653570"/>
+                  <a:pt x="2721204" y="757855"/>
+                </a:cubicBezTo>
+                <a:cubicBezTo>
+                  <a:pt x="2699411" y="862140"/>
+                  <a:pt x="2726388" y="1061808"/>
+                  <a:pt x="2721204" y="1280155"/>
+                </a:cubicBezTo>
+                <a:cubicBezTo>
+                  <a:pt x="2708617" y="1405062"/>
+                  <a:pt x="2582699" y="1523317"/>
+                  <a:pt x="2465167" y="1536192"/>
+                </a:cubicBezTo>
+                <a:cubicBezTo>
+                  <a:pt x="2267990" y="1542172"/>
+                  <a:pt x="2081069" y="1551388"/>
+                  <a:pt x="1934976" y="1536192"/>
+                </a:cubicBezTo>
+                <a:cubicBezTo>
+                  <a:pt x="1788883" y="1520996"/>
+                  <a:pt x="1610870" y="1515750"/>
+                  <a:pt x="1448967" y="1536192"/>
+                </a:cubicBezTo>
+                <a:cubicBezTo>
+                  <a:pt x="1287064" y="1556634"/>
+                  <a:pt x="1103738" y="1509595"/>
+                  <a:pt x="852502" y="1536192"/>
+                </a:cubicBezTo>
+                <a:cubicBezTo>
+                  <a:pt x="601266" y="1562789"/>
+                  <a:pt x="497297" y="1524119"/>
+                  <a:pt x="256037" y="1536192"/>
+                </a:cubicBezTo>
+                <a:cubicBezTo>
+                  <a:pt x="107403" y="1509087"/>
+                  <a:pt x="-14616" y="1403864"/>
+                  <a:pt x="0" y="1280155"/>
+                </a:cubicBezTo>
+                <a:cubicBezTo>
+                  <a:pt x="24782" y="1109026"/>
+                  <a:pt x="12643" y="978290"/>
+                  <a:pt x="0" y="757855"/>
+                </a:cubicBezTo>
+                <a:cubicBezTo>
+                  <a:pt x="-12643" y="537420"/>
+                  <a:pt x="-18283" y="424502"/>
+                  <a:pt x="0" y="256037"/>
+                </a:cubicBezTo>
+                <a:close/>
+              </a:path>
+              <a:path w="2721204" h="1536192" stroke="0" extrusionOk="0">
+                <a:moveTo>
+                  <a:pt x="0" y="256037"/>
+                </a:moveTo>
+                <a:cubicBezTo>
+                  <a:pt x="23789" y="122843"/>
+                  <a:pt x="134223" y="325"/>
+                  <a:pt x="256037" y="0"/>
+                </a:cubicBezTo>
+                <a:cubicBezTo>
+                  <a:pt x="405021" y="6546"/>
+                  <a:pt x="530285" y="-5138"/>
+                  <a:pt x="786228" y="0"/>
+                </a:cubicBezTo>
+                <a:cubicBezTo>
+                  <a:pt x="1042171" y="5138"/>
+                  <a:pt x="1160842" y="-1008"/>
+                  <a:pt x="1360602" y="0"/>
+                </a:cubicBezTo>
+                <a:cubicBezTo>
+                  <a:pt x="1560362" y="1008"/>
+                  <a:pt x="1739553" y="6573"/>
+                  <a:pt x="1912885" y="0"/>
+                </a:cubicBezTo>
+                <a:cubicBezTo>
+                  <a:pt x="2086217" y="-6573"/>
+                  <a:pt x="2231177" y="-8107"/>
+                  <a:pt x="2465167" y="0"/>
+                </a:cubicBezTo>
+                <a:cubicBezTo>
+                  <a:pt x="2576454" y="1064"/>
+                  <a:pt x="2747019" y="131239"/>
+                  <a:pt x="2721204" y="256037"/>
+                </a:cubicBezTo>
+                <a:cubicBezTo>
+                  <a:pt x="2743789" y="370246"/>
+                  <a:pt x="2725626" y="657627"/>
+                  <a:pt x="2721204" y="768096"/>
+                </a:cubicBezTo>
+                <a:cubicBezTo>
+                  <a:pt x="2716782" y="878565"/>
+                  <a:pt x="2703783" y="1103562"/>
+                  <a:pt x="2721204" y="1280155"/>
+                </a:cubicBezTo>
+                <a:cubicBezTo>
+                  <a:pt x="2708128" y="1423913"/>
+                  <a:pt x="2597160" y="1518022"/>
+                  <a:pt x="2465167" y="1536192"/>
+                </a:cubicBezTo>
+                <a:cubicBezTo>
+                  <a:pt x="2336967" y="1557029"/>
+                  <a:pt x="2148800" y="1561312"/>
+                  <a:pt x="1890793" y="1536192"/>
+                </a:cubicBezTo>
+                <a:cubicBezTo>
+                  <a:pt x="1632786" y="1511072"/>
+                  <a:pt x="1586321" y="1529145"/>
+                  <a:pt x="1404785" y="1536192"/>
+                </a:cubicBezTo>
+                <a:cubicBezTo>
+                  <a:pt x="1223249" y="1543239"/>
+                  <a:pt x="1037366" y="1524570"/>
+                  <a:pt x="808320" y="1536192"/>
+                </a:cubicBezTo>
+                <a:cubicBezTo>
+                  <a:pt x="579274" y="1547814"/>
+                  <a:pt x="415105" y="1557316"/>
+                  <a:pt x="256037" y="1536192"/>
+                </a:cubicBezTo>
+                <a:cubicBezTo>
+                  <a:pt x="117283" y="1534199"/>
+                  <a:pt x="-17849" y="1396912"/>
+                  <a:pt x="0" y="1280155"/>
+                </a:cubicBezTo>
+                <a:cubicBezTo>
+                  <a:pt x="8613" y="1118071"/>
+                  <a:pt x="5790" y="960110"/>
+                  <a:pt x="0" y="788578"/>
+                </a:cubicBezTo>
+                <a:cubicBezTo>
+                  <a:pt x="-5790" y="617046"/>
+                  <a:pt x="-14320" y="383232"/>
+                  <a:pt x="0" y="256037"/>
+                </a:cubicBezTo>
+                <a:close/>
+              </a:path>
+            </a:pathLst>
+          </a:custGeom>
+          <a:ln w="38100">
+            <a:solidFill>
+              <a:schemeClr val="tx1"/>
+            </a:solidFill>
+            <a:extLst>
+              <a:ext uri="{C807C97D-BFC1-408E-A445-0C87EB9F89A2}">
+                <ask:lineSketchStyleProps xmlns:ask="http://schemas.microsoft.com/office/drawing/2018/sketchyshapes" sd="2259606259">
+                  <a:prstGeom prst="roundRect">
+                    <a:avLst/>
+                  </a:prstGeom>
+                  <ask:type>
+                    <ask:lineSketchFreehand/>
+                  </ask:type>
+                </ask:lineSketchStyleProps>
+              </a:ext>
+            </a:extLst>
+          </a:ln>
         </p:spPr>
         <p:style>
           <a:lnRef idx="2">
@@ -31105,20 +32302,40 @@
           <a:bodyPr rtlCol="0" anchor="ctr"/>
           <a:lstStyle/>
           <a:p>
-            <a:pPr algn="ctr"/>
             <a:r>
-              <a:rPr lang="en-US" dirty="0"/>
-              <a:t>Aisha’s Purse</a:t>
+              <a:rPr lang="en-US" sz="1300" dirty="0"/>
+              <a:t>Identify week members</a:t>
+            </a:r>
+            <a:br>
+              <a:rPr lang="en-US" sz="1300" dirty="0"/>
+            </a:br>
+            <a:r>
+              <a:rPr lang="en-US" sz="1300" dirty="0"/>
+              <a:t>Kill them and take out meat</a:t>
+            </a:r>
+            <a:br>
+              <a:rPr lang="en-US" sz="1300" dirty="0"/>
+            </a:br>
+            <a:r>
+              <a:rPr lang="en-US" sz="1300" dirty="0"/>
+              <a:t>Store it in Cult</a:t>
+            </a:r>
+            <a:br>
+              <a:rPr lang="en-US" sz="1300" dirty="0"/>
+            </a:br>
+            <a:r>
+              <a:rPr lang="en-US" sz="1300" dirty="0"/>
+              <a:t>Buyers pay and take it away</a:t>
             </a:r>
           </a:p>
         </p:txBody>
       </p:sp>
       <p:sp>
         <p:nvSpPr>
-          <p:cNvPr id="8" name="Rectangle: Rounded Corners 7">
+          <p:cNvPr id="9" name="Rectangle: Rounded Corners 8">
             <a:extLst>
               <a:ext uri="{FF2B5EF4-FFF2-40B4-BE49-F238E27FC236}">
-                <a16:creationId xmlns:a16="http://schemas.microsoft.com/office/drawing/2014/main" id="{ED58EBBF-5900-AEA6-58EE-447A1A7D7EA1}"/>
+                <a16:creationId xmlns:a16="http://schemas.microsoft.com/office/drawing/2014/main" id="{2BB9CA93-956E-948F-DC3A-0EE8C99E7055}"/>
               </a:ext>
             </a:extLst>
           </p:cNvPr>
@@ -31127,12 +32344,294 @@
         </p:nvSpPr>
         <p:spPr>
           <a:xfrm>
-            <a:off x="4895469" y="256032"/>
-            <a:ext cx="2157984" cy="1536192"/>
+            <a:off x="8655667" y="2660904"/>
+            <a:ext cx="2721204" cy="1536192"/>
           </a:xfrm>
-          <a:prstGeom prst="roundRect">
+          <a:custGeom>
             <a:avLst/>
-          </a:prstGeom>
+            <a:gdLst>
+              <a:gd name="connsiteX0" fmla="*/ 0 w 2721204"/>
+              <a:gd name="connsiteY0" fmla="*/ 256037 h 1536192"/>
+              <a:gd name="connsiteX1" fmla="*/ 256037 w 2721204"/>
+              <a:gd name="connsiteY1" fmla="*/ 0 h 1536192"/>
+              <a:gd name="connsiteX2" fmla="*/ 830411 w 2721204"/>
+              <a:gd name="connsiteY2" fmla="*/ 0 h 1536192"/>
+              <a:gd name="connsiteX3" fmla="*/ 1404785 w 2721204"/>
+              <a:gd name="connsiteY3" fmla="*/ 0 h 1536192"/>
+              <a:gd name="connsiteX4" fmla="*/ 1890793 w 2721204"/>
+              <a:gd name="connsiteY4" fmla="*/ 0 h 1536192"/>
+              <a:gd name="connsiteX5" fmla="*/ 2465167 w 2721204"/>
+              <a:gd name="connsiteY5" fmla="*/ 0 h 1536192"/>
+              <a:gd name="connsiteX6" fmla="*/ 2721204 w 2721204"/>
+              <a:gd name="connsiteY6" fmla="*/ 256037 h 1536192"/>
+              <a:gd name="connsiteX7" fmla="*/ 2721204 w 2721204"/>
+              <a:gd name="connsiteY7" fmla="*/ 737372 h 1536192"/>
+              <a:gd name="connsiteX8" fmla="*/ 2721204 w 2721204"/>
+              <a:gd name="connsiteY8" fmla="*/ 1280155 h 1536192"/>
+              <a:gd name="connsiteX9" fmla="*/ 2465167 w 2721204"/>
+              <a:gd name="connsiteY9" fmla="*/ 1536192 h 1536192"/>
+              <a:gd name="connsiteX10" fmla="*/ 1957067 w 2721204"/>
+              <a:gd name="connsiteY10" fmla="*/ 1536192 h 1536192"/>
+              <a:gd name="connsiteX11" fmla="*/ 1471059 w 2721204"/>
+              <a:gd name="connsiteY11" fmla="*/ 1536192 h 1536192"/>
+              <a:gd name="connsiteX12" fmla="*/ 940867 w 2721204"/>
+              <a:gd name="connsiteY12" fmla="*/ 1536192 h 1536192"/>
+              <a:gd name="connsiteX13" fmla="*/ 256037 w 2721204"/>
+              <a:gd name="connsiteY13" fmla="*/ 1536192 h 1536192"/>
+              <a:gd name="connsiteX14" fmla="*/ 0 w 2721204"/>
+              <a:gd name="connsiteY14" fmla="*/ 1280155 h 1536192"/>
+              <a:gd name="connsiteX15" fmla="*/ 0 w 2721204"/>
+              <a:gd name="connsiteY15" fmla="*/ 757855 h 1536192"/>
+              <a:gd name="connsiteX16" fmla="*/ 0 w 2721204"/>
+              <a:gd name="connsiteY16" fmla="*/ 256037 h 1536192"/>
+            </a:gdLst>
+            <a:ahLst/>
+            <a:cxnLst>
+              <a:cxn ang="0">
+                <a:pos x="connsiteX0" y="connsiteY0"/>
+              </a:cxn>
+              <a:cxn ang="0">
+                <a:pos x="connsiteX1" y="connsiteY1"/>
+              </a:cxn>
+              <a:cxn ang="0">
+                <a:pos x="connsiteX2" y="connsiteY2"/>
+              </a:cxn>
+              <a:cxn ang="0">
+                <a:pos x="connsiteX3" y="connsiteY3"/>
+              </a:cxn>
+              <a:cxn ang="0">
+                <a:pos x="connsiteX4" y="connsiteY4"/>
+              </a:cxn>
+              <a:cxn ang="0">
+                <a:pos x="connsiteX5" y="connsiteY5"/>
+              </a:cxn>
+              <a:cxn ang="0">
+                <a:pos x="connsiteX6" y="connsiteY6"/>
+              </a:cxn>
+              <a:cxn ang="0">
+                <a:pos x="connsiteX7" y="connsiteY7"/>
+              </a:cxn>
+              <a:cxn ang="0">
+                <a:pos x="connsiteX8" y="connsiteY8"/>
+              </a:cxn>
+              <a:cxn ang="0">
+                <a:pos x="connsiteX9" y="connsiteY9"/>
+              </a:cxn>
+              <a:cxn ang="0">
+                <a:pos x="connsiteX10" y="connsiteY10"/>
+              </a:cxn>
+              <a:cxn ang="0">
+                <a:pos x="connsiteX11" y="connsiteY11"/>
+              </a:cxn>
+              <a:cxn ang="0">
+                <a:pos x="connsiteX12" y="connsiteY12"/>
+              </a:cxn>
+              <a:cxn ang="0">
+                <a:pos x="connsiteX13" y="connsiteY13"/>
+              </a:cxn>
+              <a:cxn ang="0">
+                <a:pos x="connsiteX14" y="connsiteY14"/>
+              </a:cxn>
+              <a:cxn ang="0">
+                <a:pos x="connsiteX15" y="connsiteY15"/>
+              </a:cxn>
+              <a:cxn ang="0">
+                <a:pos x="connsiteX16" y="connsiteY16"/>
+              </a:cxn>
+            </a:cxnLst>
+            <a:rect l="l" t="t" r="r" b="b"/>
+            <a:pathLst>
+              <a:path w="2721204" h="1536192" fill="none" extrusionOk="0">
+                <a:moveTo>
+                  <a:pt x="0" y="256037"/>
+                </a:moveTo>
+                <a:cubicBezTo>
+                  <a:pt x="-26308" y="93432"/>
+                  <a:pt x="116223" y="-5432"/>
+                  <a:pt x="256037" y="0"/>
+                </a:cubicBezTo>
+                <a:cubicBezTo>
+                  <a:pt x="447962" y="23675"/>
+                  <a:pt x="703139" y="-12492"/>
+                  <a:pt x="830411" y="0"/>
+                </a:cubicBezTo>
+                <a:cubicBezTo>
+                  <a:pt x="957683" y="12492"/>
+                  <a:pt x="1227918" y="-9141"/>
+                  <a:pt x="1404785" y="0"/>
+                </a:cubicBezTo>
+                <a:cubicBezTo>
+                  <a:pt x="1581652" y="9141"/>
+                  <a:pt x="1706278" y="13970"/>
+                  <a:pt x="1890793" y="0"/>
+                </a:cubicBezTo>
+                <a:cubicBezTo>
+                  <a:pt x="2075308" y="-13970"/>
+                  <a:pt x="2325334" y="-5589"/>
+                  <a:pt x="2465167" y="0"/>
+                </a:cubicBezTo>
+                <a:cubicBezTo>
+                  <a:pt x="2597803" y="15027"/>
+                  <a:pt x="2719657" y="105686"/>
+                  <a:pt x="2721204" y="256037"/>
+                </a:cubicBezTo>
+                <a:cubicBezTo>
+                  <a:pt x="2744479" y="355875"/>
+                  <a:pt x="2713126" y="509070"/>
+                  <a:pt x="2721204" y="737372"/>
+                </a:cubicBezTo>
+                <a:cubicBezTo>
+                  <a:pt x="2729282" y="965674"/>
+                  <a:pt x="2736648" y="1155844"/>
+                  <a:pt x="2721204" y="1280155"/>
+                </a:cubicBezTo>
+                <a:cubicBezTo>
+                  <a:pt x="2730794" y="1387684"/>
+                  <a:pt x="2613680" y="1547721"/>
+                  <a:pt x="2465167" y="1536192"/>
+                </a:cubicBezTo>
+                <a:cubicBezTo>
+                  <a:pt x="2299477" y="1547480"/>
+                  <a:pt x="2106474" y="1514890"/>
+                  <a:pt x="1957067" y="1536192"/>
+                </a:cubicBezTo>
+                <a:cubicBezTo>
+                  <a:pt x="1807660" y="1557494"/>
+                  <a:pt x="1592061" y="1533703"/>
+                  <a:pt x="1471059" y="1536192"/>
+                </a:cubicBezTo>
+                <a:cubicBezTo>
+                  <a:pt x="1350057" y="1538681"/>
+                  <a:pt x="1193780" y="1529896"/>
+                  <a:pt x="940867" y="1536192"/>
+                </a:cubicBezTo>
+                <a:cubicBezTo>
+                  <a:pt x="687954" y="1542488"/>
+                  <a:pt x="522470" y="1505274"/>
+                  <a:pt x="256037" y="1536192"/>
+                </a:cubicBezTo>
+                <a:cubicBezTo>
+                  <a:pt x="139064" y="1523719"/>
+                  <a:pt x="12523" y="1434637"/>
+                  <a:pt x="0" y="1280155"/>
+                </a:cubicBezTo>
+                <a:cubicBezTo>
+                  <a:pt x="-3900" y="1169449"/>
+                  <a:pt x="-24484" y="947646"/>
+                  <a:pt x="0" y="757855"/>
+                </a:cubicBezTo>
+                <a:cubicBezTo>
+                  <a:pt x="24484" y="568064"/>
+                  <a:pt x="2880" y="428499"/>
+                  <a:pt x="0" y="256037"/>
+                </a:cubicBezTo>
+                <a:close/>
+              </a:path>
+              <a:path w="2721204" h="1536192" stroke="0" extrusionOk="0">
+                <a:moveTo>
+                  <a:pt x="0" y="256037"/>
+                </a:moveTo>
+                <a:cubicBezTo>
+                  <a:pt x="-23996" y="108175"/>
+                  <a:pt x="113282" y="25534"/>
+                  <a:pt x="256037" y="0"/>
+                </a:cubicBezTo>
+                <a:cubicBezTo>
+                  <a:pt x="411047" y="18981"/>
+                  <a:pt x="556499" y="-25596"/>
+                  <a:pt x="786228" y="0"/>
+                </a:cubicBezTo>
+                <a:cubicBezTo>
+                  <a:pt x="1015957" y="25596"/>
+                  <a:pt x="1151337" y="-3257"/>
+                  <a:pt x="1338511" y="0"/>
+                </a:cubicBezTo>
+                <a:cubicBezTo>
+                  <a:pt x="1525685" y="3257"/>
+                  <a:pt x="1747616" y="19989"/>
+                  <a:pt x="1890793" y="0"/>
+                </a:cubicBezTo>
+                <a:cubicBezTo>
+                  <a:pt x="2033970" y="-19989"/>
+                  <a:pt x="2244544" y="6655"/>
+                  <a:pt x="2465167" y="0"/>
+                </a:cubicBezTo>
+                <a:cubicBezTo>
+                  <a:pt x="2585361" y="5641"/>
+                  <a:pt x="2703882" y="113249"/>
+                  <a:pt x="2721204" y="256037"/>
+                </a:cubicBezTo>
+                <a:cubicBezTo>
+                  <a:pt x="2721540" y="515464"/>
+                  <a:pt x="2727005" y="613500"/>
+                  <a:pt x="2721204" y="778337"/>
+                </a:cubicBezTo>
+                <a:cubicBezTo>
+                  <a:pt x="2715403" y="943174"/>
+                  <a:pt x="2740638" y="1088708"/>
+                  <a:pt x="2721204" y="1280155"/>
+                </a:cubicBezTo>
+                <a:cubicBezTo>
+                  <a:pt x="2723936" y="1429986"/>
+                  <a:pt x="2638747" y="1527685"/>
+                  <a:pt x="2465167" y="1536192"/>
+                </a:cubicBezTo>
+                <a:cubicBezTo>
+                  <a:pt x="2324658" y="1543260"/>
+                  <a:pt x="2050210" y="1531140"/>
+                  <a:pt x="1912885" y="1536192"/>
+                </a:cubicBezTo>
+                <a:cubicBezTo>
+                  <a:pt x="1775560" y="1541244"/>
+                  <a:pt x="1605144" y="1523637"/>
+                  <a:pt x="1404785" y="1536192"/>
+                </a:cubicBezTo>
+                <a:cubicBezTo>
+                  <a:pt x="1204426" y="1548747"/>
+                  <a:pt x="1135058" y="1522227"/>
+                  <a:pt x="874593" y="1536192"/>
+                </a:cubicBezTo>
+                <a:cubicBezTo>
+                  <a:pt x="614128" y="1550157"/>
+                  <a:pt x="555648" y="1541267"/>
+                  <a:pt x="256037" y="1536192"/>
+                </a:cubicBezTo>
+                <a:cubicBezTo>
+                  <a:pt x="139574" y="1512064"/>
+                  <a:pt x="-1058" y="1406726"/>
+                  <a:pt x="0" y="1280155"/>
+                </a:cubicBezTo>
+                <a:cubicBezTo>
+                  <a:pt x="-18776" y="1173486"/>
+                  <a:pt x="-3604" y="1008411"/>
+                  <a:pt x="0" y="768096"/>
+                </a:cubicBezTo>
+                <a:cubicBezTo>
+                  <a:pt x="3604" y="527781"/>
+                  <a:pt x="22815" y="447680"/>
+                  <a:pt x="0" y="256037"/>
+                </a:cubicBezTo>
+                <a:close/>
+              </a:path>
+            </a:pathLst>
+          </a:custGeom>
+          <a:ln w="38100">
+            <a:solidFill>
+              <a:schemeClr val="tx1"/>
+            </a:solidFill>
+            <a:extLst>
+              <a:ext uri="{C807C97D-BFC1-408E-A445-0C87EB9F89A2}">
+                <ask:lineSketchStyleProps xmlns:ask="http://schemas.microsoft.com/office/drawing/2018/sketchyshapes" sd="2486745078">
+                  <a:prstGeom prst="roundRect">
+                    <a:avLst/>
+                  </a:prstGeom>
+                  <ask:type>
+                    <ask:lineSketchFreehand/>
+                  </ask:type>
+                </ask:lineSketchStyleProps>
+              </a:ext>
+            </a:extLst>
+          </a:ln>
         </p:spPr>
         <p:style>
           <a:lnRef idx="2">
@@ -31154,21 +32653,218 @@
           <a:bodyPr rtlCol="0" anchor="ctr"/>
           <a:lstStyle/>
           <a:p>
-            <a:pPr algn="ctr"/>
             <a:r>
-              <a:rPr lang="en-US" dirty="0" err="1"/>
-              <a:t>Matke</a:t>
+              <a:rPr lang="en-US" sz="1300" dirty="0"/>
+              <a:t>Print INR in a factory</a:t>
             </a:r>
-            <a:endParaRPr lang="en-US" dirty="0"/>
+            <a:br>
+              <a:rPr lang="en-US" sz="1300" dirty="0"/>
+            </a:br>
+            <a:r>
+              <a:rPr lang="en-US" sz="1300" dirty="0"/>
+              <a:t>Store it in Paintings</a:t>
+            </a:r>
+            <a:br>
+              <a:rPr lang="en-US" sz="1300" dirty="0"/>
+            </a:br>
+            <a:r>
+              <a:rPr lang="en-US" sz="1300" dirty="0"/>
+              <a:t>Ship it to India</a:t>
+            </a:r>
           </a:p>
         </p:txBody>
       </p:sp>
+      <p:cxnSp>
+        <p:nvCxnSpPr>
+          <p:cNvPr id="11" name="Straight Connector 10">
+            <a:extLst>
+              <a:ext uri="{FF2B5EF4-FFF2-40B4-BE49-F238E27FC236}">
+                <a16:creationId xmlns:a16="http://schemas.microsoft.com/office/drawing/2014/main" id="{24964F50-BBE8-FA95-3A4D-2C33F700DA99}"/>
+              </a:ext>
+            </a:extLst>
+          </p:cNvPr>
+          <p:cNvCxnSpPr>
+            <a:cxnSpLocks/>
+            <a:stCxn id="4" idx="3"/>
+            <a:endCxn id="6" idx="1"/>
+          </p:cNvCxnSpPr>
+          <p:nvPr/>
+        </p:nvCxnSpPr>
+        <p:spPr>
+          <a:xfrm>
+            <a:off x="4697024" y="1124654"/>
+            <a:ext cx="2797954" cy="0"/>
+          </a:xfrm>
+          <a:prstGeom prst="line">
+            <a:avLst/>
+          </a:prstGeom>
+          <a:ln w="38100">
+            <a:solidFill>
+              <a:schemeClr val="tx1"/>
+            </a:solidFill>
+            <a:headEnd type="oval" w="med" len="med"/>
+            <a:tailEnd type="oval" w="med" len="med"/>
+          </a:ln>
+        </p:spPr>
+        <p:style>
+          <a:lnRef idx="2">
+            <a:schemeClr val="accent1"/>
+          </a:lnRef>
+          <a:fillRef idx="0">
+            <a:schemeClr val="accent1"/>
+          </a:fillRef>
+          <a:effectRef idx="1">
+            <a:schemeClr val="accent1"/>
+          </a:effectRef>
+          <a:fontRef idx="minor">
+            <a:schemeClr val="tx1"/>
+          </a:fontRef>
+        </p:style>
+      </p:cxnSp>
+      <p:cxnSp>
+        <p:nvCxnSpPr>
+          <p:cNvPr id="13" name="Straight Connector 12">
+            <a:extLst>
+              <a:ext uri="{FF2B5EF4-FFF2-40B4-BE49-F238E27FC236}">
+                <a16:creationId xmlns:a16="http://schemas.microsoft.com/office/drawing/2014/main" id="{61FCF219-9F4F-EAA3-9D02-462B244DB26A}"/>
+              </a:ext>
+            </a:extLst>
+          </p:cNvPr>
+          <p:cNvCxnSpPr>
+            <a:cxnSpLocks/>
+          </p:cNvCxnSpPr>
+          <p:nvPr/>
+        </p:nvCxnSpPr>
+        <p:spPr>
+          <a:xfrm>
+            <a:off x="6029699" y="1112285"/>
+            <a:ext cx="4508" cy="1214979"/>
+          </a:xfrm>
+          <a:prstGeom prst="line">
+            <a:avLst/>
+          </a:prstGeom>
+          <a:ln w="38100">
+            <a:solidFill>
+              <a:schemeClr val="tx1"/>
+            </a:solidFill>
+            <a:headEnd type="oval" w="med" len="med"/>
+            <a:tailEnd type="oval" w="med" len="med"/>
+          </a:ln>
+        </p:spPr>
+        <p:style>
+          <a:lnRef idx="2">
+            <a:schemeClr val="accent1"/>
+          </a:lnRef>
+          <a:fillRef idx="0">
+            <a:schemeClr val="accent1"/>
+          </a:fillRef>
+          <a:effectRef idx="1">
+            <a:schemeClr val="accent1"/>
+          </a:effectRef>
+          <a:fontRef idx="minor">
+            <a:schemeClr val="tx1"/>
+          </a:fontRef>
+        </p:style>
+      </p:cxnSp>
+      <p:cxnSp>
+        <p:nvCxnSpPr>
+          <p:cNvPr id="15" name="Straight Connector 14">
+            <a:extLst>
+              <a:ext uri="{FF2B5EF4-FFF2-40B4-BE49-F238E27FC236}">
+                <a16:creationId xmlns:a16="http://schemas.microsoft.com/office/drawing/2014/main" id="{858B7E47-BC61-2926-B96D-E285E6581B8D}"/>
+              </a:ext>
+            </a:extLst>
+          </p:cNvPr>
+          <p:cNvCxnSpPr>
+            <a:cxnSpLocks/>
+            <a:stCxn id="7" idx="3"/>
+            <a:endCxn id="29" idx="3"/>
+          </p:cNvCxnSpPr>
+          <p:nvPr/>
+        </p:nvCxnSpPr>
+        <p:spPr>
+          <a:xfrm flipV="1">
+            <a:off x="3413621" y="3428999"/>
+            <a:ext cx="1398524" cy="1"/>
+          </a:xfrm>
+          <a:prstGeom prst="line">
+            <a:avLst/>
+          </a:prstGeom>
+          <a:ln w="38100">
+            <a:solidFill>
+              <a:schemeClr val="tx1"/>
+            </a:solidFill>
+            <a:headEnd type="oval" w="med" len="med"/>
+            <a:tailEnd type="oval" w="med" len="med"/>
+          </a:ln>
+        </p:spPr>
+        <p:style>
+          <a:lnRef idx="2">
+            <a:schemeClr val="accent1"/>
+          </a:lnRef>
+          <a:fillRef idx="0">
+            <a:schemeClr val="accent1"/>
+          </a:fillRef>
+          <a:effectRef idx="1">
+            <a:schemeClr val="accent1"/>
+          </a:effectRef>
+          <a:fontRef idx="minor">
+            <a:schemeClr val="tx1"/>
+          </a:fontRef>
+        </p:style>
+      </p:cxnSp>
+      <p:cxnSp>
+        <p:nvCxnSpPr>
+          <p:cNvPr id="17" name="Straight Connector 16">
+            <a:extLst>
+              <a:ext uri="{FF2B5EF4-FFF2-40B4-BE49-F238E27FC236}">
+                <a16:creationId xmlns:a16="http://schemas.microsoft.com/office/drawing/2014/main" id="{BA90CEA9-2DBB-2FA5-51A0-D725296D03DB}"/>
+              </a:ext>
+            </a:extLst>
+          </p:cNvPr>
+          <p:cNvCxnSpPr>
+            <a:cxnSpLocks/>
+            <a:endCxn id="9" idx="1"/>
+          </p:cNvCxnSpPr>
+          <p:nvPr/>
+        </p:nvCxnSpPr>
+        <p:spPr>
+          <a:xfrm>
+            <a:off x="7295065" y="3429000"/>
+            <a:ext cx="1360602" cy="0"/>
+          </a:xfrm>
+          <a:prstGeom prst="line">
+            <a:avLst/>
+          </a:prstGeom>
+          <a:ln w="38100">
+            <a:solidFill>
+              <a:schemeClr val="tx1"/>
+            </a:solidFill>
+            <a:headEnd type="oval" w="med" len="med"/>
+            <a:tailEnd type="oval" w="med" len="med"/>
+          </a:ln>
+        </p:spPr>
+        <p:style>
+          <a:lnRef idx="2">
+            <a:schemeClr val="accent1"/>
+          </a:lnRef>
+          <a:fillRef idx="0">
+            <a:schemeClr val="accent1"/>
+          </a:fillRef>
+          <a:effectRef idx="1">
+            <a:schemeClr val="accent1"/>
+          </a:effectRef>
+          <a:fontRef idx="minor">
+            <a:schemeClr val="tx1"/>
+          </a:fontRef>
+        </p:style>
+      </p:cxnSp>
       <p:sp>
         <p:nvSpPr>
-          <p:cNvPr id="9" name="Rectangle: Rounded Corners 8">
+          <p:cNvPr id="29" name="Hexagon 28">
             <a:extLst>
               <a:ext uri="{FF2B5EF4-FFF2-40B4-BE49-F238E27FC236}">
-                <a16:creationId xmlns:a16="http://schemas.microsoft.com/office/drawing/2014/main" id="{2BB9CA93-956E-948F-DC3A-0EE8C99E7055}"/>
+                <a16:creationId xmlns:a16="http://schemas.microsoft.com/office/drawing/2014/main" id="{5336AEC4-82C5-187C-D1D0-45E2B7CFFCE1}"/>
               </a:ext>
             </a:extLst>
           </p:cNvPr>
@@ -31177,24 +32873,274 @@
         </p:nvSpPr>
         <p:spPr>
           <a:xfrm>
-            <a:off x="8693658" y="4297681"/>
-            <a:ext cx="2157984" cy="1536192"/>
+            <a:off x="4812145" y="2327264"/>
+            <a:ext cx="2567709" cy="2203469"/>
           </a:xfrm>
-          <a:prstGeom prst="roundRect">
+          <a:custGeom>
             <a:avLst/>
-          </a:prstGeom>
+            <a:gdLst>
+              <a:gd name="connsiteX0" fmla="*/ 0 w 2567709"/>
+              <a:gd name="connsiteY0" fmla="*/ 1101735 h 2203469"/>
+              <a:gd name="connsiteX1" fmla="*/ 280942 w 2567709"/>
+              <a:gd name="connsiteY1" fmla="*/ 539851 h 2203469"/>
+              <a:gd name="connsiteX2" fmla="*/ 550867 w 2567709"/>
+              <a:gd name="connsiteY2" fmla="*/ 1 h 2203469"/>
+              <a:gd name="connsiteX3" fmla="*/ 1039525 w 2567709"/>
+              <a:gd name="connsiteY3" fmla="*/ 1 h 2203469"/>
+              <a:gd name="connsiteX4" fmla="*/ 1557503 w 2567709"/>
+              <a:gd name="connsiteY4" fmla="*/ 1 h 2203469"/>
+              <a:gd name="connsiteX5" fmla="*/ 2016842 w 2567709"/>
+              <a:gd name="connsiteY5" fmla="*/ 1 h 2203469"/>
+              <a:gd name="connsiteX6" fmla="*/ 2292276 w 2567709"/>
+              <a:gd name="connsiteY6" fmla="*/ 550868 h 2203469"/>
+              <a:gd name="connsiteX7" fmla="*/ 2567709 w 2567709"/>
+              <a:gd name="connsiteY7" fmla="*/ 1101735 h 2203469"/>
+              <a:gd name="connsiteX8" fmla="*/ 2297784 w 2567709"/>
+              <a:gd name="connsiteY8" fmla="*/ 1641584 h 2203469"/>
+              <a:gd name="connsiteX9" fmla="*/ 2016842 w 2567709"/>
+              <a:gd name="connsiteY9" fmla="*/ 2203468 h 2203469"/>
+              <a:gd name="connsiteX10" fmla="*/ 1542843 w 2567709"/>
+              <a:gd name="connsiteY10" fmla="*/ 2203468 h 2203469"/>
+              <a:gd name="connsiteX11" fmla="*/ 1024866 w 2567709"/>
+              <a:gd name="connsiteY11" fmla="*/ 2203468 h 2203469"/>
+              <a:gd name="connsiteX12" fmla="*/ 550867 w 2567709"/>
+              <a:gd name="connsiteY12" fmla="*/ 2203468 h 2203469"/>
+              <a:gd name="connsiteX13" fmla="*/ 286451 w 2567709"/>
+              <a:gd name="connsiteY13" fmla="*/ 1674636 h 2203469"/>
+              <a:gd name="connsiteX14" fmla="*/ 0 w 2567709"/>
+              <a:gd name="connsiteY14" fmla="*/ 1101735 h 2203469"/>
+            </a:gdLst>
+            <a:ahLst/>
+            <a:cxnLst>
+              <a:cxn ang="0">
+                <a:pos x="connsiteX0" y="connsiteY0"/>
+              </a:cxn>
+              <a:cxn ang="0">
+                <a:pos x="connsiteX1" y="connsiteY1"/>
+              </a:cxn>
+              <a:cxn ang="0">
+                <a:pos x="connsiteX2" y="connsiteY2"/>
+              </a:cxn>
+              <a:cxn ang="0">
+                <a:pos x="connsiteX3" y="connsiteY3"/>
+              </a:cxn>
+              <a:cxn ang="0">
+                <a:pos x="connsiteX4" y="connsiteY4"/>
+              </a:cxn>
+              <a:cxn ang="0">
+                <a:pos x="connsiteX5" y="connsiteY5"/>
+              </a:cxn>
+              <a:cxn ang="0">
+                <a:pos x="connsiteX6" y="connsiteY6"/>
+              </a:cxn>
+              <a:cxn ang="0">
+                <a:pos x="connsiteX7" y="connsiteY7"/>
+              </a:cxn>
+              <a:cxn ang="0">
+                <a:pos x="connsiteX8" y="connsiteY8"/>
+              </a:cxn>
+              <a:cxn ang="0">
+                <a:pos x="connsiteX9" y="connsiteY9"/>
+              </a:cxn>
+              <a:cxn ang="0">
+                <a:pos x="connsiteX10" y="connsiteY10"/>
+              </a:cxn>
+              <a:cxn ang="0">
+                <a:pos x="connsiteX11" y="connsiteY11"/>
+              </a:cxn>
+              <a:cxn ang="0">
+                <a:pos x="connsiteX12" y="connsiteY12"/>
+              </a:cxn>
+              <a:cxn ang="0">
+                <a:pos x="connsiteX13" y="connsiteY13"/>
+              </a:cxn>
+              <a:cxn ang="0">
+                <a:pos x="connsiteX14" y="connsiteY14"/>
+              </a:cxn>
+            </a:cxnLst>
+            <a:rect l="l" t="t" r="r" b="b"/>
+            <a:pathLst>
+              <a:path w="2567709" h="2203469" fill="none" extrusionOk="0">
+                <a:moveTo>
+                  <a:pt x="0" y="1101735"/>
+                </a:moveTo>
+                <a:cubicBezTo>
+                  <a:pt x="68224" y="945929"/>
+                  <a:pt x="196657" y="679989"/>
+                  <a:pt x="280942" y="539851"/>
+                </a:cubicBezTo>
+                <a:cubicBezTo>
+                  <a:pt x="365227" y="399713"/>
+                  <a:pt x="474470" y="191252"/>
+                  <a:pt x="550867" y="1"/>
+                </a:cubicBezTo>
+                <a:cubicBezTo>
+                  <a:pt x="693208" y="-5039"/>
+                  <a:pt x="854385" y="23008"/>
+                  <a:pt x="1039525" y="1"/>
+                </a:cubicBezTo>
+                <a:cubicBezTo>
+                  <a:pt x="1224665" y="-23006"/>
+                  <a:pt x="1338768" y="-901"/>
+                  <a:pt x="1557503" y="1"/>
+                </a:cubicBezTo>
+                <a:cubicBezTo>
+                  <a:pt x="1776238" y="903"/>
+                  <a:pt x="1885788" y="-1540"/>
+                  <a:pt x="2016842" y="1"/>
+                </a:cubicBezTo>
+                <a:cubicBezTo>
+                  <a:pt x="2101158" y="122173"/>
+                  <a:pt x="2212854" y="401946"/>
+                  <a:pt x="2292276" y="550868"/>
+                </a:cubicBezTo>
+                <a:cubicBezTo>
+                  <a:pt x="2371697" y="699790"/>
+                  <a:pt x="2501573" y="986338"/>
+                  <a:pt x="2567709" y="1101735"/>
+                </a:cubicBezTo>
+                <a:cubicBezTo>
+                  <a:pt x="2425985" y="1332145"/>
+                  <a:pt x="2357729" y="1457080"/>
+                  <a:pt x="2297784" y="1641584"/>
+                </a:cubicBezTo>
+                <a:cubicBezTo>
+                  <a:pt x="2237839" y="1826088"/>
+                  <a:pt x="2089865" y="2047480"/>
+                  <a:pt x="2016842" y="2203468"/>
+                </a:cubicBezTo>
+                <a:cubicBezTo>
+                  <a:pt x="1823937" y="2215633"/>
+                  <a:pt x="1650650" y="2187094"/>
+                  <a:pt x="1542843" y="2203468"/>
+                </a:cubicBezTo>
+                <a:cubicBezTo>
+                  <a:pt x="1435036" y="2219842"/>
+                  <a:pt x="1278855" y="2179957"/>
+                  <a:pt x="1024866" y="2203468"/>
+                </a:cubicBezTo>
+                <a:cubicBezTo>
+                  <a:pt x="770877" y="2226979"/>
+                  <a:pt x="679614" y="2226668"/>
+                  <a:pt x="550867" y="2203468"/>
+                </a:cubicBezTo>
+                <a:cubicBezTo>
+                  <a:pt x="484338" y="2088330"/>
+                  <a:pt x="353191" y="1783478"/>
+                  <a:pt x="286451" y="1674636"/>
+                </a:cubicBezTo>
+                <a:cubicBezTo>
+                  <a:pt x="219711" y="1565794"/>
+                  <a:pt x="73141" y="1246708"/>
+                  <a:pt x="0" y="1101735"/>
+                </a:cubicBezTo>
+                <a:close/>
+              </a:path>
+              <a:path w="2567709" h="2203469" stroke="0" extrusionOk="0">
+                <a:moveTo>
+                  <a:pt x="0" y="1101735"/>
+                </a:moveTo>
+                <a:cubicBezTo>
+                  <a:pt x="133376" y="846906"/>
+                  <a:pt x="171806" y="700466"/>
+                  <a:pt x="258907" y="583920"/>
+                </a:cubicBezTo>
+                <a:cubicBezTo>
+                  <a:pt x="346008" y="467374"/>
+                  <a:pt x="486613" y="118977"/>
+                  <a:pt x="550867" y="1"/>
+                </a:cubicBezTo>
+                <a:cubicBezTo>
+                  <a:pt x="658072" y="12147"/>
+                  <a:pt x="788411" y="16185"/>
+                  <a:pt x="1010206" y="1"/>
+                </a:cubicBezTo>
+                <a:cubicBezTo>
+                  <a:pt x="1232001" y="-16183"/>
+                  <a:pt x="1324281" y="-11894"/>
+                  <a:pt x="1469545" y="1"/>
+                </a:cubicBezTo>
+                <a:cubicBezTo>
+                  <a:pt x="1614809" y="11896"/>
+                  <a:pt x="1778811" y="-6612"/>
+                  <a:pt x="2016842" y="1"/>
+                </a:cubicBezTo>
+                <a:cubicBezTo>
+                  <a:pt x="2047445" y="120139"/>
+                  <a:pt x="2167090" y="357920"/>
+                  <a:pt x="2281258" y="528833"/>
+                </a:cubicBezTo>
+                <a:cubicBezTo>
+                  <a:pt x="2395426" y="699746"/>
+                  <a:pt x="2474257" y="953444"/>
+                  <a:pt x="2567709" y="1101735"/>
+                </a:cubicBezTo>
+                <a:cubicBezTo>
+                  <a:pt x="2474668" y="1247418"/>
+                  <a:pt x="2335382" y="1498718"/>
+                  <a:pt x="2286767" y="1663619"/>
+                </a:cubicBezTo>
+                <a:cubicBezTo>
+                  <a:pt x="2238152" y="1828520"/>
+                  <a:pt x="2093879" y="1986977"/>
+                  <a:pt x="2016842" y="2203468"/>
+                </a:cubicBezTo>
+                <a:cubicBezTo>
+                  <a:pt x="1830591" y="2199339"/>
+                  <a:pt x="1662722" y="2181552"/>
+                  <a:pt x="1528184" y="2203468"/>
+                </a:cubicBezTo>
+                <a:cubicBezTo>
+                  <a:pt x="1393646" y="2225384"/>
+                  <a:pt x="1247291" y="2223156"/>
+                  <a:pt x="1039525" y="2203468"/>
+                </a:cubicBezTo>
+                <a:cubicBezTo>
+                  <a:pt x="831759" y="2183780"/>
+                  <a:pt x="790671" y="2227098"/>
+                  <a:pt x="550867" y="2203468"/>
+                </a:cubicBezTo>
+                <a:cubicBezTo>
+                  <a:pt x="487512" y="2069171"/>
+                  <a:pt x="388595" y="1916398"/>
+                  <a:pt x="291960" y="1685653"/>
+                </a:cubicBezTo>
+                <a:cubicBezTo>
+                  <a:pt x="195324" y="1454908"/>
+                  <a:pt x="73519" y="1217501"/>
+                  <a:pt x="0" y="1101735"/>
+                </a:cubicBezTo>
+                <a:close/>
+              </a:path>
+            </a:pathLst>
+          </a:custGeom>
+          <a:ln w="38100">
+            <a:solidFill>
+              <a:schemeClr val="tx1"/>
+            </a:solidFill>
+            <a:extLst>
+              <a:ext uri="{C807C97D-BFC1-408E-A445-0C87EB9F89A2}">
+                <ask:lineSketchStyleProps xmlns:ask="http://schemas.microsoft.com/office/drawing/2018/sketchyshapes" sd="1323906100">
+                  <a:prstGeom prst="hexagon">
+                    <a:avLst/>
+                  </a:prstGeom>
+                  <ask:type>
+                    <ask:lineSketchFreehand/>
+                  </ask:type>
+                </ask:lineSketchStyleProps>
+              </a:ext>
+            </a:extLst>
+          </a:ln>
         </p:spPr>
         <p:style>
-          <a:lnRef idx="2">
-            <a:schemeClr val="accent3">
-              <a:shade val="15000"/>
-            </a:schemeClr>
+          <a:lnRef idx="0">
+            <a:schemeClr val="accent6"/>
           </a:lnRef>
-          <a:fillRef idx="1">
-            <a:schemeClr val="accent3"/>
+          <a:fillRef idx="3">
+            <a:schemeClr val="accent6"/>
           </a:fillRef>
-          <a:effectRef idx="0">
-            <a:schemeClr val="accent3"/>
+          <a:effectRef idx="3">
+            <a:schemeClr val="accent6"/>
           </a:effectRef>
           <a:fontRef idx="minor">
             <a:schemeClr val="lt1"/>
@@ -31206,77 +33152,245 @@
           <a:p>
             <a:pPr algn="ctr"/>
             <a:r>
-              <a:rPr lang="en-US" dirty="0"/>
-              <a:t>Cult</a:t>
+              <a:rPr lang="en-US" sz="1300" b="1" dirty="0">
+                <a:solidFill>
+                  <a:schemeClr val="tx1"/>
+                </a:solidFill>
+              </a:rPr>
+              <a:t>CULT</a:t>
             </a:r>
           </a:p>
         </p:txBody>
       </p:sp>
       <p:sp>
         <p:nvSpPr>
-          <p:cNvPr id="10" name="Rectangle: Rounded Corners 9">
+          <p:cNvPr id="41" name="TextBox 40">
             <a:extLst>
               <a:ext uri="{FF2B5EF4-FFF2-40B4-BE49-F238E27FC236}">
-                <a16:creationId xmlns:a16="http://schemas.microsoft.com/office/drawing/2014/main" id="{83B916D7-26B8-5C9A-7D64-DDBC8A88A5F9}"/>
+                <a16:creationId xmlns:a16="http://schemas.microsoft.com/office/drawing/2014/main" id="{6D4B60D6-5BBD-B73A-57F8-5713767FAA10}"/>
               </a:ext>
             </a:extLst>
           </p:cNvPr>
-          <p:cNvSpPr/>
+          <p:cNvSpPr txBox="1"/>
           <p:nvPr/>
         </p:nvSpPr>
         <p:spPr>
           <a:xfrm>
-            <a:off x="4895469" y="2660904"/>
-            <a:ext cx="2157984" cy="1536192"/>
+            <a:off x="4765420" y="865969"/>
+            <a:ext cx="2343516" cy="492443"/>
           </a:xfrm>
-          <a:prstGeom prst="roundRect">
+          <a:prstGeom prst="rect">
             <a:avLst/>
           </a:prstGeom>
-          <a:solidFill>
-            <a:schemeClr val="accent6">
-              <a:alpha val="50000"/>
-            </a:schemeClr>
-          </a:solidFill>
-          <a:ln w="19050">
-            <a:solidFill>
-              <a:schemeClr val="tx1"/>
-            </a:solidFill>
-          </a:ln>
+          <a:noFill/>
         </p:spPr>
-        <p:style>
-          <a:lnRef idx="0">
-            <a:scrgbClr r="0" g="0" b="0"/>
-          </a:lnRef>
-          <a:fillRef idx="0">
-            <a:scrgbClr r="0" g="0" b="0"/>
-          </a:fillRef>
-          <a:effectRef idx="0">
-            <a:scrgbClr r="0" g="0" b="0"/>
-          </a:effectRef>
-          <a:fontRef idx="minor">
-            <a:schemeClr val="lt1"/>
-          </a:fontRef>
-        </p:style>
         <p:txBody>
-          <a:bodyPr rtlCol="0" anchor="ctr"/>
+          <a:bodyPr wrap="square" rtlCol="0">
+            <a:spAutoFit/>
+          </a:bodyPr>
           <a:lstStyle/>
           <a:p>
             <a:pPr algn="ctr"/>
             <a:r>
-              <a:rPr lang="en-US" dirty="0">
-                <a:ln w="0"/>
-                <a:solidFill>
-                  <a:schemeClr val="tx1"/>
-                </a:solidFill>
-                <a:effectLst>
-                  <a:outerShdw blurRad="38100" dist="19050" dir="2700000" algn="tl" rotWithShape="0">
-                    <a:schemeClr val="dk1">
-                      <a:alpha val="40000"/>
-                    </a:schemeClr>
-                  </a:outerShdw>
-                </a:effectLst>
-              </a:rPr>
-              <a:t>Auto Driver</a:t>
+              <a:rPr lang="en-US" sz="1300" b="1" dirty="0"/>
+              <a:t>Anthony  Desai</a:t>
+            </a:r>
+            <a:br>
+              <a:rPr lang="en-US" sz="1300" b="1" dirty="0"/>
+            </a:br>
+            <a:r>
+              <a:rPr lang="en-US" sz="1300" b="1" dirty="0"/>
+              <a:t>Joseph    Pinto</a:t>
+            </a:r>
+          </a:p>
+        </p:txBody>
+      </p:sp>
+      <p:sp>
+        <p:nvSpPr>
+          <p:cNvPr id="44" name="TextBox 43">
+            <a:extLst>
+              <a:ext uri="{FF2B5EF4-FFF2-40B4-BE49-F238E27FC236}">
+                <a16:creationId xmlns:a16="http://schemas.microsoft.com/office/drawing/2014/main" id="{D5E43FB9-6666-AA4E-828A-C1022797137D}"/>
+              </a:ext>
+            </a:extLst>
+          </p:cNvPr>
+          <p:cNvSpPr txBox="1"/>
+          <p:nvPr/>
+        </p:nvSpPr>
+        <p:spPr>
+          <a:xfrm>
+            <a:off x="5017016" y="5440954"/>
+            <a:ext cx="764711" cy="292388"/>
+          </a:xfrm>
+          <a:prstGeom prst="rect">
+            <a:avLst/>
+          </a:prstGeom>
+          <a:noFill/>
+        </p:spPr>
+        <p:txBody>
+          <a:bodyPr wrap="square" rtlCol="0">
+            <a:spAutoFit/>
+          </a:bodyPr>
+          <a:lstStyle/>
+          <a:p>
+            <a:r>
+              <a:rPr lang="en-US" sz="1300" b="1" dirty="0"/>
+              <a:t>Arjun</a:t>
+            </a:r>
+          </a:p>
+        </p:txBody>
+      </p:sp>
+      <p:sp>
+        <p:nvSpPr>
+          <p:cNvPr id="45" name="TextBox 44">
+            <a:extLst>
+              <a:ext uri="{FF2B5EF4-FFF2-40B4-BE49-F238E27FC236}">
+                <a16:creationId xmlns:a16="http://schemas.microsoft.com/office/drawing/2014/main" id="{1AB5FC3A-8CCA-0B86-F76F-632A37781BC9}"/>
+              </a:ext>
+            </a:extLst>
+          </p:cNvPr>
+          <p:cNvSpPr txBox="1"/>
+          <p:nvPr/>
+        </p:nvSpPr>
+        <p:spPr>
+          <a:xfrm>
+            <a:off x="7450899" y="3149982"/>
+            <a:ext cx="1133266" cy="292388"/>
+          </a:xfrm>
+          <a:prstGeom prst="rect">
+            <a:avLst/>
+          </a:prstGeom>
+          <a:noFill/>
+        </p:spPr>
+        <p:txBody>
+          <a:bodyPr wrap="square" rtlCol="0">
+            <a:spAutoFit/>
+          </a:bodyPr>
+          <a:lstStyle/>
+          <a:p>
+            <a:r>
+              <a:rPr lang="en-US" sz="1300" b="1" dirty="0"/>
+              <a:t>David Pinto</a:t>
+            </a:r>
+          </a:p>
+        </p:txBody>
+      </p:sp>
+      <p:sp>
+        <p:nvSpPr>
+          <p:cNvPr id="51" name="TextBox 50">
+            <a:extLst>
+              <a:ext uri="{FF2B5EF4-FFF2-40B4-BE49-F238E27FC236}">
+                <a16:creationId xmlns:a16="http://schemas.microsoft.com/office/drawing/2014/main" id="{43D55750-8E85-48F2-385C-AA3D7B449085}"/>
+              </a:ext>
+            </a:extLst>
+          </p:cNvPr>
+          <p:cNvSpPr txBox="1"/>
+          <p:nvPr/>
+        </p:nvSpPr>
+        <p:spPr>
+          <a:xfrm>
+            <a:off x="3124560" y="3187115"/>
+            <a:ext cx="1951581" cy="292388"/>
+          </a:xfrm>
+          <a:prstGeom prst="rect">
+            <a:avLst/>
+          </a:prstGeom>
+          <a:noFill/>
+        </p:spPr>
+        <p:txBody>
+          <a:bodyPr wrap="square" rtlCol="0">
+            <a:spAutoFit/>
+          </a:bodyPr>
+          <a:lstStyle/>
+          <a:p>
+            <a:pPr algn="ctr"/>
+            <a:r>
+              <a:rPr lang="en-US" sz="1300" b="1" dirty="0"/>
+              <a:t>Victor D’Souza</a:t>
+            </a:r>
+          </a:p>
+        </p:txBody>
+      </p:sp>
+      <p:cxnSp>
+        <p:nvCxnSpPr>
+          <p:cNvPr id="60" name="Connector: Elbow 59">
+            <a:extLst>
+              <a:ext uri="{FF2B5EF4-FFF2-40B4-BE49-F238E27FC236}">
+                <a16:creationId xmlns:a16="http://schemas.microsoft.com/office/drawing/2014/main" id="{4E0ACC61-1CA2-4C01-97F7-F45D00506C71}"/>
+              </a:ext>
+            </a:extLst>
+          </p:cNvPr>
+          <p:cNvCxnSpPr>
+            <a:cxnSpLocks/>
+            <a:stCxn id="5" idx="3"/>
+            <a:endCxn id="6" idx="3"/>
+          </p:cNvCxnSpPr>
+          <p:nvPr/>
+        </p:nvCxnSpPr>
+        <p:spPr>
+          <a:xfrm flipV="1">
+            <a:off x="4697023" y="1124654"/>
+            <a:ext cx="5519160" cy="4608692"/>
+          </a:xfrm>
+          <a:prstGeom prst="bentConnector3">
+            <a:avLst>
+              <a:gd name="adj1" fmla="val 127095"/>
+            </a:avLst>
+          </a:prstGeom>
+          <a:ln w="38100">
+            <a:solidFill>
+              <a:schemeClr val="tx1"/>
+            </a:solidFill>
+            <a:headEnd type="oval" w="med" len="med"/>
+            <a:tailEnd type="oval" w="med" len="med"/>
+          </a:ln>
+        </p:spPr>
+        <p:style>
+          <a:lnRef idx="2">
+            <a:schemeClr val="accent1"/>
+          </a:lnRef>
+          <a:fillRef idx="0">
+            <a:schemeClr val="accent1"/>
+          </a:fillRef>
+          <a:effectRef idx="1">
+            <a:schemeClr val="accent1"/>
+          </a:effectRef>
+          <a:fontRef idx="minor">
+            <a:schemeClr val="tx1"/>
+          </a:fontRef>
+        </p:style>
+      </p:cxnSp>
+      <p:sp>
+        <p:nvSpPr>
+          <p:cNvPr id="82" name="TextBox 81">
+            <a:extLst>
+              <a:ext uri="{FF2B5EF4-FFF2-40B4-BE49-F238E27FC236}">
+                <a16:creationId xmlns:a16="http://schemas.microsoft.com/office/drawing/2014/main" id="{751609B9-E5E7-68CB-FEBD-5F99E522841F}"/>
+              </a:ext>
+            </a:extLst>
+          </p:cNvPr>
+          <p:cNvSpPr txBox="1"/>
+          <p:nvPr/>
+        </p:nvSpPr>
+        <p:spPr>
+          <a:xfrm>
+            <a:off x="10299823" y="826942"/>
+            <a:ext cx="1442991" cy="292388"/>
+          </a:xfrm>
+          <a:prstGeom prst="rect">
+            <a:avLst/>
+          </a:prstGeom>
+          <a:noFill/>
+        </p:spPr>
+        <p:txBody>
+          <a:bodyPr wrap="square" rtlCol="0">
+            <a:spAutoFit/>
+          </a:bodyPr>
+          <a:lstStyle/>
+          <a:p>
+            <a:r>
+              <a:rPr lang="en-US" sz="1300" b="1" dirty="0"/>
+              <a:t>Anthony from JC</a:t>
             </a:r>
           </a:p>
         </p:txBody>

--- a/THE_A_Ideas/Innocent Gems/Innocent Gems - Flows.pptx
+++ b/THE_A_Ideas/Innocent Gems/Innocent Gems - Flows.pptx
@@ -5,7 +5,7 @@
     <p:sldMasterId id="2147483672" r:id="rId1"/>
   </p:sldMasterIdLst>
   <p:notesMasterIdLst>
-    <p:notesMasterId r:id="rId12"/>
+    <p:notesMasterId r:id="rId13"/>
   </p:notesMasterIdLst>
   <p:sldIdLst>
     <p:sldId id="257" r:id="rId2"/>
@@ -18,6 +18,7 @@
     <p:sldId id="259" r:id="rId9"/>
     <p:sldId id="260" r:id="rId10"/>
     <p:sldId id="268" r:id="rId11"/>
+    <p:sldId id="270" r:id="rId12"/>
   </p:sldIdLst>
   <p:sldSz cx="12192000" cy="6858000"/>
   <p:notesSz cx="6858000" cy="9144000"/>
@@ -206,7 +207,7 @@
           <a:p>
             <a:fld id="{E46DFF9B-7890-4956-96F0-AFF859094789}" type="datetimeFigureOut">
               <a:rPr lang="en-US" smtClean="0"/>
-              <a:t>11/7/2024</a:t>
+              <a:t>11/8/2024</a:t>
             </a:fld>
             <a:endParaRPr lang="en-US"/>
           </a:p>
@@ -688,7 +689,7 @@
           <a:p>
             <a:fld id="{AA3BECB3-B129-4032-B16C-54274E3F2ECB}" type="datetimeFigureOut">
               <a:rPr lang="en-US" smtClean="0"/>
-              <a:t>11/7/2024</a:t>
+              <a:t>11/8/2024</a:t>
             </a:fld>
             <a:endParaRPr lang="en-US"/>
           </a:p>
@@ -858,7 +859,7 @@
           <a:p>
             <a:fld id="{AA3BECB3-B129-4032-B16C-54274E3F2ECB}" type="datetimeFigureOut">
               <a:rPr lang="en-US" smtClean="0"/>
-              <a:t>11/7/2024</a:t>
+              <a:t>11/8/2024</a:t>
             </a:fld>
             <a:endParaRPr lang="en-US"/>
           </a:p>
@@ -1038,7 +1039,7 @@
           <a:p>
             <a:fld id="{AA3BECB3-B129-4032-B16C-54274E3F2ECB}" type="datetimeFigureOut">
               <a:rPr lang="en-US" smtClean="0"/>
-              <a:t>11/7/2024</a:t>
+              <a:t>11/8/2024</a:t>
             </a:fld>
             <a:endParaRPr lang="en-US"/>
           </a:p>
@@ -1208,7 +1209,7 @@
           <a:p>
             <a:fld id="{AA3BECB3-B129-4032-B16C-54274E3F2ECB}" type="datetimeFigureOut">
               <a:rPr lang="en-US" smtClean="0"/>
-              <a:t>11/7/2024</a:t>
+              <a:t>11/8/2024</a:t>
             </a:fld>
             <a:endParaRPr lang="en-US"/>
           </a:p>
@@ -1454,7 +1455,7 @@
           <a:p>
             <a:fld id="{AA3BECB3-B129-4032-B16C-54274E3F2ECB}" type="datetimeFigureOut">
               <a:rPr lang="en-US" smtClean="0"/>
-              <a:t>11/7/2024</a:t>
+              <a:t>11/8/2024</a:t>
             </a:fld>
             <a:endParaRPr lang="en-US"/>
           </a:p>
@@ -1686,7 +1687,7 @@
           <a:p>
             <a:fld id="{AA3BECB3-B129-4032-B16C-54274E3F2ECB}" type="datetimeFigureOut">
               <a:rPr lang="en-US" smtClean="0"/>
-              <a:t>11/7/2024</a:t>
+              <a:t>11/8/2024</a:t>
             </a:fld>
             <a:endParaRPr lang="en-US"/>
           </a:p>
@@ -2053,7 +2054,7 @@
           <a:p>
             <a:fld id="{AA3BECB3-B129-4032-B16C-54274E3F2ECB}" type="datetimeFigureOut">
               <a:rPr lang="en-US" smtClean="0"/>
-              <a:t>11/7/2024</a:t>
+              <a:t>11/8/2024</a:t>
             </a:fld>
             <a:endParaRPr lang="en-US"/>
           </a:p>
@@ -2171,7 +2172,7 @@
           <a:p>
             <a:fld id="{AA3BECB3-B129-4032-B16C-54274E3F2ECB}" type="datetimeFigureOut">
               <a:rPr lang="en-US" smtClean="0"/>
-              <a:t>11/7/2024</a:t>
+              <a:t>11/8/2024</a:t>
             </a:fld>
             <a:endParaRPr lang="en-US"/>
           </a:p>
@@ -2266,7 +2267,7 @@
           <a:p>
             <a:fld id="{AA3BECB3-B129-4032-B16C-54274E3F2ECB}" type="datetimeFigureOut">
               <a:rPr lang="en-US" smtClean="0"/>
-              <a:t>11/7/2024</a:t>
+              <a:t>11/8/2024</a:t>
             </a:fld>
             <a:endParaRPr lang="en-US"/>
           </a:p>
@@ -2543,7 +2544,7 @@
           <a:p>
             <a:fld id="{AA3BECB3-B129-4032-B16C-54274E3F2ECB}" type="datetimeFigureOut">
               <a:rPr lang="en-US" smtClean="0"/>
-              <a:t>11/7/2024</a:t>
+              <a:t>11/8/2024</a:t>
             </a:fld>
             <a:endParaRPr lang="en-US"/>
           </a:p>
@@ -2800,7 +2801,7 @@
           <a:p>
             <a:fld id="{AA3BECB3-B129-4032-B16C-54274E3F2ECB}" type="datetimeFigureOut">
               <a:rPr lang="en-US" smtClean="0"/>
-              <a:t>11/7/2024</a:t>
+              <a:t>11/8/2024</a:t>
             </a:fld>
             <a:endParaRPr lang="en-US"/>
           </a:p>
@@ -3013,7 +3014,7 @@
           <a:p>
             <a:fld id="{AA3BECB3-B129-4032-B16C-54274E3F2ECB}" type="datetimeFigureOut">
               <a:rPr lang="en-US" smtClean="0"/>
-              <a:t>11/7/2024</a:t>
+              <a:t>11/8/2024</a:t>
             </a:fld>
             <a:endParaRPr lang="en-US"/>
           </a:p>
@@ -5164,7 +5165,7 @@
         </p:nvSpPr>
         <p:spPr>
           <a:xfrm>
-            <a:off x="289560" y="4663440"/>
+            <a:off x="289560" y="4192385"/>
             <a:ext cx="1773936" cy="1060704"/>
           </a:xfrm>
           <a:custGeom>
@@ -5302,7 +5303,7 @@
                   <a:schemeClr val="tx1"/>
                 </a:solidFill>
               </a:rPr>
-              <a:t>Nayak (police officer)</a:t>
+              <a:t>Patel Nayak (police officer)</a:t>
             </a:r>
           </a:p>
         </p:txBody>
@@ -5321,7 +5322,7 @@
         </p:nvSpPr>
         <p:spPr>
           <a:xfrm>
-            <a:off x="2218944" y="4663440"/>
+            <a:off x="2218944" y="4192385"/>
             <a:ext cx="1773936" cy="1060704"/>
           </a:xfrm>
           <a:custGeom>
@@ -5459,7 +5460,7 @@
                   <a:schemeClr val="tx1"/>
                 </a:solidFill>
               </a:rPr>
-              <a:t>Sindhu (CID officer)</a:t>
+              <a:t>Sindhu Iyer (CID officer)</a:t>
             </a:r>
           </a:p>
         </p:txBody>
@@ -5478,21 +5479,21 @@
         </p:nvSpPr>
         <p:spPr>
           <a:xfrm>
-            <a:off x="4148328" y="4663440"/>
-            <a:ext cx="1773936" cy="1060704"/>
+            <a:off x="4147146" y="4192385"/>
+            <a:ext cx="1856490" cy="1060704"/>
           </a:xfrm>
           <a:custGeom>
             <a:avLst/>
             <a:gdLst>
-              <a:gd name="connsiteX0" fmla="*/ 0 w 1773936"/>
+              <a:gd name="connsiteX0" fmla="*/ 0 w 1856490"/>
               <a:gd name="connsiteY0" fmla="*/ 530352 h 1060704"/>
-              <a:gd name="connsiteX1" fmla="*/ 886968 w 1773936"/>
+              <a:gd name="connsiteX1" fmla="*/ 928245 w 1856490"/>
               <a:gd name="connsiteY1" fmla="*/ 0 h 1060704"/>
-              <a:gd name="connsiteX2" fmla="*/ 1773936 w 1773936"/>
+              <a:gd name="connsiteX2" fmla="*/ 1856490 w 1856490"/>
               <a:gd name="connsiteY2" fmla="*/ 530352 h 1060704"/>
-              <a:gd name="connsiteX3" fmla="*/ 886968 w 1773936"/>
+              <a:gd name="connsiteX3" fmla="*/ 928245 w 1856490"/>
               <a:gd name="connsiteY3" fmla="*/ 1060704 h 1060704"/>
-              <a:gd name="connsiteX4" fmla="*/ 0 w 1773936"/>
+              <a:gd name="connsiteX4" fmla="*/ 0 w 1856490"/>
               <a:gd name="connsiteY4" fmla="*/ 530352 h 1060704"/>
             </a:gdLst>
             <a:ahLst/>
@@ -5515,53 +5516,53 @@
             </a:cxnLst>
             <a:rect l="l" t="t" r="r" b="b"/>
             <a:pathLst>
-              <a:path w="1773936" h="1060704" fill="none" extrusionOk="0">
+              <a:path w="1856490" h="1060704" fill="none" extrusionOk="0">
                 <a:moveTo>
                   <a:pt x="0" y="530352"/>
                 </a:moveTo>
                 <a:cubicBezTo>
-                  <a:pt x="40300" y="231296"/>
-                  <a:pt x="380067" y="34883"/>
-                  <a:pt x="886968" y="0"/>
-                </a:cubicBezTo>
-                <a:cubicBezTo>
-                  <a:pt x="1362585" y="-59213"/>
-                  <a:pt x="1768539" y="251769"/>
-                  <a:pt x="1773936" y="530352"/>
-                </a:cubicBezTo>
-                <a:cubicBezTo>
-                  <a:pt x="1712464" y="766882"/>
-                  <a:pt x="1362710" y="1055576"/>
-                  <a:pt x="886968" y="1060704"/>
-                </a:cubicBezTo>
-                <a:cubicBezTo>
-                  <a:pt x="339806" y="1074844"/>
+                  <a:pt x="101028" y="222028"/>
+                  <a:pt x="401781" y="28264"/>
+                  <a:pt x="928245" y="0"/>
+                </a:cubicBezTo>
+                <a:cubicBezTo>
+                  <a:pt x="1426659" y="-59213"/>
+                  <a:pt x="1851093" y="251769"/>
+                  <a:pt x="1856490" y="530352"/>
+                </a:cubicBezTo>
+                <a:cubicBezTo>
+                  <a:pt x="1845604" y="813274"/>
+                  <a:pt x="1372447" y="1035836"/>
+                  <a:pt x="928245" y="1060704"/>
+                </a:cubicBezTo>
+                <a:cubicBezTo>
+                  <a:pt x="358286" y="1074844"/>
                   <a:pt x="69441" y="829357"/>
                   <a:pt x="0" y="530352"/>
                 </a:cubicBezTo>
                 <a:close/>
               </a:path>
-              <a:path w="1773936" h="1060704" stroke="0" extrusionOk="0">
+              <a:path w="1856490" h="1060704" stroke="0" extrusionOk="0">
                 <a:moveTo>
                   <a:pt x="0" y="530352"/>
                 </a:moveTo>
                 <a:cubicBezTo>
-                  <a:pt x="77404" y="288806"/>
-                  <a:pt x="395012" y="36839"/>
-                  <a:pt x="886968" y="0"/>
-                </a:cubicBezTo>
-                <a:cubicBezTo>
-                  <a:pt x="1309558" y="12938"/>
-                  <a:pt x="1763149" y="296693"/>
-                  <a:pt x="1773936" y="530352"/>
-                </a:cubicBezTo>
-                <a:cubicBezTo>
-                  <a:pt x="1779143" y="926319"/>
-                  <a:pt x="1418427" y="1052134"/>
-                  <a:pt x="886968" y="1060704"/>
-                </a:cubicBezTo>
-                <a:cubicBezTo>
-                  <a:pt x="379805" y="1028381"/>
+                  <a:pt x="89789" y="297023"/>
+                  <a:pt x="413683" y="33473"/>
+                  <a:pt x="928245" y="0"/>
+                </a:cubicBezTo>
+                <a:cubicBezTo>
+                  <a:pt x="1373632" y="12938"/>
+                  <a:pt x="1845703" y="296693"/>
+                  <a:pt x="1856490" y="530352"/>
+                </a:cubicBezTo>
+                <a:cubicBezTo>
+                  <a:pt x="1862065" y="933602"/>
+                  <a:pt x="1493033" y="1049964"/>
+                  <a:pt x="928245" y="1060704"/>
+                </a:cubicBezTo>
+                <a:cubicBezTo>
+                  <a:pt x="398285" y="1028381"/>
                   <a:pt x="10999" y="785217"/>
                   <a:pt x="0" y="530352"/>
                 </a:cubicBezTo>
@@ -5616,7 +5617,22 @@
                   <a:schemeClr val="tx1"/>
                 </a:solidFill>
               </a:rPr>
-              <a:t>Vasanth (CBI officer)</a:t>
+              <a:t>Vasanth Gowda </a:t>
+            </a:r>
+            <a:br>
+              <a:rPr lang="en-US" sz="1300" dirty="0">
+                <a:solidFill>
+                  <a:schemeClr val="tx1"/>
+                </a:solidFill>
+              </a:rPr>
+            </a:br>
+            <a:r>
+              <a:rPr lang="en-US" sz="1300" dirty="0">
+                <a:solidFill>
+                  <a:schemeClr val="tx1"/>
+                </a:solidFill>
+              </a:rPr>
+              <a:t>(CBI Agent)</a:t>
             </a:r>
           </a:p>
         </p:txBody>
@@ -5635,21 +5651,21 @@
         </p:nvSpPr>
         <p:spPr>
           <a:xfrm>
-            <a:off x="6077712" y="4663440"/>
-            <a:ext cx="1773936" cy="1060704"/>
+            <a:off x="6188366" y="4192385"/>
+            <a:ext cx="1663282" cy="1060704"/>
           </a:xfrm>
           <a:custGeom>
             <a:avLst/>
             <a:gdLst>
-              <a:gd name="connsiteX0" fmla="*/ 0 w 1773936"/>
+              <a:gd name="connsiteX0" fmla="*/ 0 w 1663282"/>
               <a:gd name="connsiteY0" fmla="*/ 530352 h 1060704"/>
-              <a:gd name="connsiteX1" fmla="*/ 886968 w 1773936"/>
+              <a:gd name="connsiteX1" fmla="*/ 831641 w 1663282"/>
               <a:gd name="connsiteY1" fmla="*/ 0 h 1060704"/>
-              <a:gd name="connsiteX2" fmla="*/ 1773936 w 1773936"/>
+              <a:gd name="connsiteX2" fmla="*/ 1663282 w 1663282"/>
               <a:gd name="connsiteY2" fmla="*/ 530352 h 1060704"/>
-              <a:gd name="connsiteX3" fmla="*/ 886968 w 1773936"/>
+              <a:gd name="connsiteX3" fmla="*/ 831641 w 1663282"/>
               <a:gd name="connsiteY3" fmla="*/ 1060704 h 1060704"/>
-              <a:gd name="connsiteX4" fmla="*/ 0 w 1773936"/>
+              <a:gd name="connsiteX4" fmla="*/ 0 w 1663282"/>
               <a:gd name="connsiteY4" fmla="*/ 530352 h 1060704"/>
             </a:gdLst>
             <a:ahLst/>
@@ -5672,53 +5688,53 @@
             </a:cxnLst>
             <a:rect l="l" t="t" r="r" b="b"/>
             <a:pathLst>
-              <a:path w="1773936" h="1060704" fill="none" extrusionOk="0">
+              <a:path w="1663282" h="1060704" fill="none" extrusionOk="0">
                 <a:moveTo>
                   <a:pt x="0" y="530352"/>
                 </a:moveTo>
                 <a:cubicBezTo>
-                  <a:pt x="-35265" y="174069"/>
-                  <a:pt x="380359" y="-75790"/>
-                  <a:pt x="886968" y="0"/>
-                </a:cubicBezTo>
-                <a:cubicBezTo>
-                  <a:pt x="1360982" y="28487"/>
-                  <a:pt x="1779905" y="234276"/>
-                  <a:pt x="1773936" y="530352"/>
-                </a:cubicBezTo>
-                <a:cubicBezTo>
-                  <a:pt x="1767951" y="839549"/>
-                  <a:pt x="1460771" y="1083078"/>
-                  <a:pt x="886968" y="1060704"/>
-                </a:cubicBezTo>
-                <a:cubicBezTo>
-                  <a:pt x="359917" y="1084930"/>
+                  <a:pt x="-52270" y="143508"/>
+                  <a:pt x="353300" y="-86140"/>
+                  <a:pt x="831641" y="0"/>
+                </a:cubicBezTo>
+                <a:cubicBezTo>
+                  <a:pt x="1275099" y="28487"/>
+                  <a:pt x="1669251" y="234276"/>
+                  <a:pt x="1663282" y="530352"/>
+                </a:cubicBezTo>
+                <a:cubicBezTo>
+                  <a:pt x="1630505" y="912477"/>
+                  <a:pt x="1323174" y="1069295"/>
+                  <a:pt x="831641" y="1060704"/>
+                </a:cubicBezTo>
+                <a:cubicBezTo>
+                  <a:pt x="335146" y="1084930"/>
                   <a:pt x="-10505" y="816712"/>
                   <a:pt x="0" y="530352"/>
                 </a:cubicBezTo>
                 <a:close/>
               </a:path>
-              <a:path w="1773936" h="1060704" stroke="0" extrusionOk="0">
+              <a:path w="1663282" h="1060704" stroke="0" extrusionOk="0">
                 <a:moveTo>
                   <a:pt x="0" y="530352"/>
                 </a:moveTo>
                 <a:cubicBezTo>
-                  <a:pt x="-51794" y="221163"/>
-                  <a:pt x="482478" y="70515"/>
-                  <a:pt x="886968" y="0"/>
-                </a:cubicBezTo>
-                <a:cubicBezTo>
-                  <a:pt x="1380558" y="-10805"/>
-                  <a:pt x="1765504" y="206252"/>
-                  <a:pt x="1773936" y="530352"/>
-                </a:cubicBezTo>
-                <a:cubicBezTo>
-                  <a:pt x="1762992" y="829212"/>
-                  <a:pt x="1325738" y="1041295"/>
-                  <a:pt x="886968" y="1060704"/>
-                </a:cubicBezTo>
-                <a:cubicBezTo>
-                  <a:pt x="396177" y="1043875"/>
+                  <a:pt x="-25130" y="229546"/>
+                  <a:pt x="418416" y="38060"/>
+                  <a:pt x="831641" y="0"/>
+                </a:cubicBezTo>
+                <a:cubicBezTo>
+                  <a:pt x="1294675" y="-10805"/>
+                  <a:pt x="1654850" y="206252"/>
+                  <a:pt x="1663282" y="530352"/>
+                </a:cubicBezTo>
+                <a:cubicBezTo>
+                  <a:pt x="1581288" y="867874"/>
+                  <a:pt x="1235683" y="1039710"/>
+                  <a:pt x="831641" y="1060704"/>
+                </a:cubicBezTo>
+                <a:cubicBezTo>
+                  <a:pt x="371406" y="1043875"/>
                   <a:pt x="-7295" y="826794"/>
                   <a:pt x="0" y="530352"/>
                 </a:cubicBezTo>
@@ -5773,7 +5789,7 @@
                   <a:schemeClr val="tx1"/>
                 </a:solidFill>
               </a:rPr>
-              <a:t> Raghu (NCB officer)</a:t>
+              <a:t> Raghu Joshi (NCB officer)</a:t>
             </a:r>
           </a:p>
         </p:txBody>
@@ -6872,7 +6888,7 @@
         </p:nvSpPr>
         <p:spPr>
           <a:xfrm>
-            <a:off x="8007096" y="4663440"/>
+            <a:off x="8020950" y="4192385"/>
             <a:ext cx="1773936" cy="1060704"/>
           </a:xfrm>
           <a:custGeom>
@@ -7029,7 +7045,7 @@
         </p:nvSpPr>
         <p:spPr>
           <a:xfrm>
-            <a:off x="9936480" y="4663440"/>
+            <a:off x="9936480" y="4192385"/>
             <a:ext cx="1965960" cy="1060704"/>
           </a:xfrm>
           <a:custGeom>
@@ -7355,6 +7371,163 @@
                 </a:solidFill>
               </a:rPr>
               <a:t>(cult leader)</a:t>
+            </a:r>
+          </a:p>
+        </p:txBody>
+      </p:sp>
+      <p:sp>
+        <p:nvSpPr>
+          <p:cNvPr id="25" name="Oval 24">
+            <a:extLst>
+              <a:ext uri="{FF2B5EF4-FFF2-40B4-BE49-F238E27FC236}">
+                <a16:creationId xmlns:a16="http://schemas.microsoft.com/office/drawing/2014/main" id="{60657502-C892-158F-E318-8C2564015FF4}"/>
+              </a:ext>
+            </a:extLst>
+          </p:cNvPr>
+          <p:cNvSpPr/>
+          <p:nvPr/>
+        </p:nvSpPr>
+        <p:spPr>
+          <a:xfrm>
+            <a:off x="4147146" y="5445580"/>
+            <a:ext cx="1773936" cy="1060704"/>
+          </a:xfrm>
+          <a:custGeom>
+            <a:avLst/>
+            <a:gdLst>
+              <a:gd name="connsiteX0" fmla="*/ 0 w 1773936"/>
+              <a:gd name="connsiteY0" fmla="*/ 530352 h 1060704"/>
+              <a:gd name="connsiteX1" fmla="*/ 886968 w 1773936"/>
+              <a:gd name="connsiteY1" fmla="*/ 0 h 1060704"/>
+              <a:gd name="connsiteX2" fmla="*/ 1773936 w 1773936"/>
+              <a:gd name="connsiteY2" fmla="*/ 530352 h 1060704"/>
+              <a:gd name="connsiteX3" fmla="*/ 886968 w 1773936"/>
+              <a:gd name="connsiteY3" fmla="*/ 1060704 h 1060704"/>
+              <a:gd name="connsiteX4" fmla="*/ 0 w 1773936"/>
+              <a:gd name="connsiteY4" fmla="*/ 530352 h 1060704"/>
+            </a:gdLst>
+            <a:ahLst/>
+            <a:cxnLst>
+              <a:cxn ang="0">
+                <a:pos x="connsiteX0" y="connsiteY0"/>
+              </a:cxn>
+              <a:cxn ang="0">
+                <a:pos x="connsiteX1" y="connsiteY1"/>
+              </a:cxn>
+              <a:cxn ang="0">
+                <a:pos x="connsiteX2" y="connsiteY2"/>
+              </a:cxn>
+              <a:cxn ang="0">
+                <a:pos x="connsiteX3" y="connsiteY3"/>
+              </a:cxn>
+              <a:cxn ang="0">
+                <a:pos x="connsiteX4" y="connsiteY4"/>
+              </a:cxn>
+            </a:cxnLst>
+            <a:rect l="l" t="t" r="r" b="b"/>
+            <a:pathLst>
+              <a:path w="1773936" h="1060704" fill="none" extrusionOk="0">
+                <a:moveTo>
+                  <a:pt x="0" y="530352"/>
+                </a:moveTo>
+                <a:cubicBezTo>
+                  <a:pt x="40300" y="231296"/>
+                  <a:pt x="380067" y="34883"/>
+                  <a:pt x="886968" y="0"/>
+                </a:cubicBezTo>
+                <a:cubicBezTo>
+                  <a:pt x="1362585" y="-59213"/>
+                  <a:pt x="1768539" y="251769"/>
+                  <a:pt x="1773936" y="530352"/>
+                </a:cubicBezTo>
+                <a:cubicBezTo>
+                  <a:pt x="1712464" y="766882"/>
+                  <a:pt x="1362710" y="1055576"/>
+                  <a:pt x="886968" y="1060704"/>
+                </a:cubicBezTo>
+                <a:cubicBezTo>
+                  <a:pt x="339806" y="1074844"/>
+                  <a:pt x="69441" y="829357"/>
+                  <a:pt x="0" y="530352"/>
+                </a:cubicBezTo>
+                <a:close/>
+              </a:path>
+              <a:path w="1773936" h="1060704" stroke="0" extrusionOk="0">
+                <a:moveTo>
+                  <a:pt x="0" y="530352"/>
+                </a:moveTo>
+                <a:cubicBezTo>
+                  <a:pt x="77404" y="288806"/>
+                  <a:pt x="395012" y="36839"/>
+                  <a:pt x="886968" y="0"/>
+                </a:cubicBezTo>
+                <a:cubicBezTo>
+                  <a:pt x="1309558" y="12938"/>
+                  <a:pt x="1763149" y="296693"/>
+                  <a:pt x="1773936" y="530352"/>
+                </a:cubicBezTo>
+                <a:cubicBezTo>
+                  <a:pt x="1779143" y="926319"/>
+                  <a:pt x="1418427" y="1052134"/>
+                  <a:pt x="886968" y="1060704"/>
+                </a:cubicBezTo>
+                <a:cubicBezTo>
+                  <a:pt x="379805" y="1028381"/>
+                  <a:pt x="10999" y="785217"/>
+                  <a:pt x="0" y="530352"/>
+                </a:cubicBezTo>
+                <a:close/>
+              </a:path>
+            </a:pathLst>
+          </a:custGeom>
+          <a:solidFill>
+            <a:schemeClr val="bg1">
+              <a:lumMod val="85000"/>
+            </a:schemeClr>
+          </a:solidFill>
+          <a:ln>
+            <a:extLst>
+              <a:ext uri="{C807C97D-BFC1-408E-A445-0C87EB9F89A2}">
+                <ask:lineSketchStyleProps xmlns:ask="http://schemas.microsoft.com/office/drawing/2018/sketchyshapes" sd="3224611140">
+                  <a:prstGeom prst="ellipse">
+                    <a:avLst/>
+                  </a:prstGeom>
+                  <ask:type>
+                    <ask:lineSketchFreehand/>
+                  </ask:type>
+                </ask:lineSketchStyleProps>
+              </a:ext>
+            </a:extLst>
+          </a:ln>
+        </p:spPr>
+        <p:style>
+          <a:lnRef idx="2">
+            <a:schemeClr val="accent1">
+              <a:shade val="15000"/>
+            </a:schemeClr>
+          </a:lnRef>
+          <a:fillRef idx="1">
+            <a:schemeClr val="accent1"/>
+          </a:fillRef>
+          <a:effectRef idx="0">
+            <a:schemeClr val="accent1"/>
+          </a:effectRef>
+          <a:fontRef idx="minor">
+            <a:schemeClr val="lt1"/>
+          </a:fontRef>
+        </p:style>
+        <p:txBody>
+          <a:bodyPr rtlCol="0" anchor="ctr"/>
+          <a:lstStyle/>
+          <a:p>
+            <a:pPr algn="ctr"/>
+            <a:r>
+              <a:rPr lang="en-US" sz="1300" dirty="0">
+                <a:solidFill>
+                  <a:schemeClr val="tx1"/>
+                </a:solidFill>
+              </a:rPr>
+              <a:t>Ananya Gowda (NIA Agent)</a:t>
             </a:r>
           </a:p>
         </p:txBody>
@@ -7581,6 +7754,193 @@
     <p:extLst>
       <p:ext uri="{BB962C8B-B14F-4D97-AF65-F5344CB8AC3E}">
         <p14:creationId xmlns:p14="http://schemas.microsoft.com/office/powerpoint/2010/main" val="1431821631"/>
+      </p:ext>
+    </p:extLst>
+  </p:cSld>
+  <p:clrMapOvr>
+    <a:masterClrMapping/>
+  </p:clrMapOvr>
+</p:sld>
+</file>
+
+<file path=ppt/slides/slide11.xml><?xml version="1.0" encoding="utf-8"?>
+<p:sld xmlns:a="http://schemas.openxmlformats.org/drawingml/2006/main" xmlns:r="http://schemas.openxmlformats.org/officeDocument/2006/relationships" xmlns:p="http://schemas.openxmlformats.org/presentationml/2006/main">
+  <p:cSld>
+    <p:spTree>
+      <p:nvGrpSpPr>
+        <p:cNvPr id="1" name=""/>
+        <p:cNvGrpSpPr/>
+        <p:nvPr/>
+      </p:nvGrpSpPr>
+      <p:grpSpPr>
+        <a:xfrm>
+          <a:off x="0" y="0"/>
+          <a:ext cx="0" cy="0"/>
+          <a:chOff x="0" y="0"/>
+          <a:chExt cx="0" cy="0"/>
+        </a:xfrm>
+      </p:grpSpPr>
+      <p:sp>
+        <p:nvSpPr>
+          <p:cNvPr id="3" name="Content Placeholder 2">
+            <a:extLst>
+              <a:ext uri="{FF2B5EF4-FFF2-40B4-BE49-F238E27FC236}">
+                <a16:creationId xmlns:a16="http://schemas.microsoft.com/office/drawing/2014/main" id="{96CFB2DE-4ADA-EEB1-7AD1-7CFA5D5C469F}"/>
+              </a:ext>
+            </a:extLst>
+          </p:cNvPr>
+          <p:cNvSpPr>
+            <a:spLocks noGrp="1"/>
+          </p:cNvSpPr>
+          <p:nvPr>
+            <p:ph idx="1"/>
+          </p:nvPr>
+        </p:nvSpPr>
+        <p:spPr>
+          <a:xfrm>
+            <a:off x="108857" y="87086"/>
+            <a:ext cx="11941629" cy="6574971"/>
+          </a:xfrm>
+        </p:spPr>
+        <p:txBody>
+          <a:bodyPr>
+            <a:normAutofit/>
+          </a:bodyPr>
+          <a:lstStyle/>
+          <a:p>
+            <a:pPr marL="0" indent="0">
+              <a:buNone/>
+            </a:pPr>
+            <a:r>
+              <a:rPr lang="en-US" sz="1800" b="1" dirty="0"/>
+              <a:t>Currency Counterfeit:</a:t>
+            </a:r>
+          </a:p>
+          <a:p>
+            <a:r>
+              <a:rPr lang="en-US" sz="1800" dirty="0"/>
+              <a:t>Who hires Jasper</a:t>
+            </a:r>
+          </a:p>
+          <a:p>
+            <a:r>
+              <a:rPr lang="en-US" sz="1800" dirty="0"/>
+              <a:t>How do Jasper find the factory</a:t>
+            </a:r>
+          </a:p>
+          <a:p>
+            <a:r>
+              <a:rPr lang="en-US" sz="1800" dirty="0"/>
+              <a:t>Jasper is kidnapped</a:t>
+            </a:r>
+          </a:p>
+          <a:p>
+            <a:r>
+              <a:rPr lang="en-US" sz="1800" dirty="0"/>
+              <a:t>Vasanth save Jasper</a:t>
+            </a:r>
+          </a:p>
+          <a:p>
+            <a:r>
+              <a:rPr lang="en-US" sz="1800" dirty="0"/>
+              <a:t>Vasanth and Jasper talk about diamonds</a:t>
+            </a:r>
+          </a:p>
+          <a:p>
+            <a:r>
+              <a:rPr lang="en-US" sz="1800" dirty="0"/>
+              <a:t>How do Vasanth find the factory</a:t>
+            </a:r>
+          </a:p>
+          <a:p>
+            <a:pPr lvl="1"/>
+            <a:r>
+              <a:rPr lang="en-US" sz="1400" dirty="0"/>
+              <a:t>A counterfeit cash is found by a bar owner</a:t>
+            </a:r>
+          </a:p>
+          <a:p>
+            <a:pPr lvl="1"/>
+            <a:r>
+              <a:rPr lang="en-US" sz="1400" dirty="0"/>
+              <a:t>Investigation reveals that it was always a cab driver who gave the 500 bill</a:t>
+            </a:r>
+          </a:p>
+          <a:p>
+            <a:pPr lvl="1"/>
+            <a:r>
+              <a:rPr lang="en-US" sz="1400" dirty="0"/>
+              <a:t>Cab driver says he was paid in cash by the owner</a:t>
+            </a:r>
+          </a:p>
+          <a:p>
+            <a:pPr lvl="1"/>
+            <a:r>
+              <a:rPr lang="en-US" sz="1400" dirty="0"/>
+              <a:t>The owner is tracked, and he reveals that he won the money in a casino in Goa</a:t>
+            </a:r>
+          </a:p>
+          <a:p>
+            <a:pPr lvl="1"/>
+            <a:r>
+              <a:rPr lang="en-US" sz="1400" dirty="0"/>
+              <a:t>Vasanth is sent to investigate it</a:t>
+            </a:r>
+          </a:p>
+          <a:p>
+            <a:pPr lvl="1"/>
+            <a:r>
+              <a:rPr lang="en-US" sz="1400" dirty="0"/>
+              <a:t>There he meets Jasper who is investigating to find proof of fake notes in the Casino</a:t>
+            </a:r>
+          </a:p>
+          <a:p>
+            <a:r>
+              <a:rPr lang="en-US" sz="1800" dirty="0"/>
+              <a:t>Why is Vasanth decommissioned from CBI</a:t>
+            </a:r>
+          </a:p>
+          <a:p>
+            <a:pPr lvl="1"/>
+            <a:r>
+              <a:rPr lang="en-US" sz="1400" dirty="0"/>
+              <a:t>Anonymous tip that he is also involved</a:t>
+            </a:r>
+          </a:p>
+          <a:p>
+            <a:pPr lvl="1"/>
+            <a:r>
+              <a:rPr lang="en-US" sz="1400" dirty="0"/>
+              <a:t>Deposit into his account for 2L</a:t>
+            </a:r>
+            <a:endParaRPr lang="en-US" sz="1800" dirty="0"/>
+          </a:p>
+          <a:p>
+            <a:pPr lvl="1"/>
+            <a:r>
+              <a:rPr lang="en-US" sz="1400" dirty="0"/>
+              <a:t>Some fake notes found in his house</a:t>
+            </a:r>
+          </a:p>
+          <a:p>
+            <a:pPr lvl="1"/>
+            <a:r>
+              <a:rPr lang="en-US" sz="1400" dirty="0"/>
+              <a:t>Ricky using his name to cover his tracks</a:t>
+            </a:r>
+          </a:p>
+          <a:p>
+            <a:r>
+              <a:rPr lang="en-US" sz="1800" dirty="0"/>
+              <a:t>How does Vasanth get reinstated by CBI</a:t>
+            </a:r>
+          </a:p>
+        </p:txBody>
+      </p:sp>
+    </p:spTree>
+    <p:extLst>
+      <p:ext uri="{BB962C8B-B14F-4D97-AF65-F5344CB8AC3E}">
+        <p14:creationId xmlns:p14="http://schemas.microsoft.com/office/powerpoint/2010/main" val="3210242173"/>
       </p:ext>
     </p:extLst>
   </p:cSld>

--- a/THE_A_Ideas/Innocent Gems/Innocent Gems - Flows.pptx
+++ b/THE_A_Ideas/Innocent Gems/Innocent Gems - Flows.pptx
@@ -5,7 +5,7 @@
     <p:sldMasterId id="2147483672" r:id="rId1"/>
   </p:sldMasterIdLst>
   <p:notesMasterIdLst>
-    <p:notesMasterId r:id="rId13"/>
+    <p:notesMasterId r:id="rId14"/>
   </p:notesMasterIdLst>
   <p:sldIdLst>
     <p:sldId id="257" r:id="rId2"/>
@@ -19,6 +19,7 @@
     <p:sldId id="260" r:id="rId10"/>
     <p:sldId id="268" r:id="rId11"/>
     <p:sldId id="270" r:id="rId12"/>
+    <p:sldId id="271" r:id="rId13"/>
   </p:sldIdLst>
   <p:sldSz cx="12192000" cy="6858000"/>
   <p:notesSz cx="6858000" cy="9144000"/>
@@ -207,7 +208,7 @@
           <a:p>
             <a:fld id="{E46DFF9B-7890-4956-96F0-AFF859094789}" type="datetimeFigureOut">
               <a:rPr lang="en-US" smtClean="0"/>
-              <a:t>11/8/2024</a:t>
+              <a:t>12/20/2024</a:t>
             </a:fld>
             <a:endParaRPr lang="en-US"/>
           </a:p>
@@ -689,7 +690,7 @@
           <a:p>
             <a:fld id="{AA3BECB3-B129-4032-B16C-54274E3F2ECB}" type="datetimeFigureOut">
               <a:rPr lang="en-US" smtClean="0"/>
-              <a:t>11/8/2024</a:t>
+              <a:t>12/20/2024</a:t>
             </a:fld>
             <a:endParaRPr lang="en-US"/>
           </a:p>
@@ -859,7 +860,7 @@
           <a:p>
             <a:fld id="{AA3BECB3-B129-4032-B16C-54274E3F2ECB}" type="datetimeFigureOut">
               <a:rPr lang="en-US" smtClean="0"/>
-              <a:t>11/8/2024</a:t>
+              <a:t>12/20/2024</a:t>
             </a:fld>
             <a:endParaRPr lang="en-US"/>
           </a:p>
@@ -1039,7 +1040,7 @@
           <a:p>
             <a:fld id="{AA3BECB3-B129-4032-B16C-54274E3F2ECB}" type="datetimeFigureOut">
               <a:rPr lang="en-US" smtClean="0"/>
-              <a:t>11/8/2024</a:t>
+              <a:t>12/20/2024</a:t>
             </a:fld>
             <a:endParaRPr lang="en-US"/>
           </a:p>
@@ -1209,7 +1210,7 @@
           <a:p>
             <a:fld id="{AA3BECB3-B129-4032-B16C-54274E3F2ECB}" type="datetimeFigureOut">
               <a:rPr lang="en-US" smtClean="0"/>
-              <a:t>11/8/2024</a:t>
+              <a:t>12/20/2024</a:t>
             </a:fld>
             <a:endParaRPr lang="en-US"/>
           </a:p>
@@ -1455,7 +1456,7 @@
           <a:p>
             <a:fld id="{AA3BECB3-B129-4032-B16C-54274E3F2ECB}" type="datetimeFigureOut">
               <a:rPr lang="en-US" smtClean="0"/>
-              <a:t>11/8/2024</a:t>
+              <a:t>12/20/2024</a:t>
             </a:fld>
             <a:endParaRPr lang="en-US"/>
           </a:p>
@@ -1687,7 +1688,7 @@
           <a:p>
             <a:fld id="{AA3BECB3-B129-4032-B16C-54274E3F2ECB}" type="datetimeFigureOut">
               <a:rPr lang="en-US" smtClean="0"/>
-              <a:t>11/8/2024</a:t>
+              <a:t>12/20/2024</a:t>
             </a:fld>
             <a:endParaRPr lang="en-US"/>
           </a:p>
@@ -2054,7 +2055,7 @@
           <a:p>
             <a:fld id="{AA3BECB3-B129-4032-B16C-54274E3F2ECB}" type="datetimeFigureOut">
               <a:rPr lang="en-US" smtClean="0"/>
-              <a:t>11/8/2024</a:t>
+              <a:t>12/20/2024</a:t>
             </a:fld>
             <a:endParaRPr lang="en-US"/>
           </a:p>
@@ -2172,7 +2173,7 @@
           <a:p>
             <a:fld id="{AA3BECB3-B129-4032-B16C-54274E3F2ECB}" type="datetimeFigureOut">
               <a:rPr lang="en-US" smtClean="0"/>
-              <a:t>11/8/2024</a:t>
+              <a:t>12/20/2024</a:t>
             </a:fld>
             <a:endParaRPr lang="en-US"/>
           </a:p>
@@ -2267,7 +2268,7 @@
           <a:p>
             <a:fld id="{AA3BECB3-B129-4032-B16C-54274E3F2ECB}" type="datetimeFigureOut">
               <a:rPr lang="en-US" smtClean="0"/>
-              <a:t>11/8/2024</a:t>
+              <a:t>12/20/2024</a:t>
             </a:fld>
             <a:endParaRPr lang="en-US"/>
           </a:p>
@@ -2544,7 +2545,7 @@
           <a:p>
             <a:fld id="{AA3BECB3-B129-4032-B16C-54274E3F2ECB}" type="datetimeFigureOut">
               <a:rPr lang="en-US" smtClean="0"/>
-              <a:t>11/8/2024</a:t>
+              <a:t>12/20/2024</a:t>
             </a:fld>
             <a:endParaRPr lang="en-US"/>
           </a:p>
@@ -2801,7 +2802,7 @@
           <a:p>
             <a:fld id="{AA3BECB3-B129-4032-B16C-54274E3F2ECB}" type="datetimeFigureOut">
               <a:rPr lang="en-US" smtClean="0"/>
-              <a:t>11/8/2024</a:t>
+              <a:t>12/20/2024</a:t>
             </a:fld>
             <a:endParaRPr lang="en-US"/>
           </a:p>
@@ -3014,7 +3015,7 @@
           <a:p>
             <a:fld id="{AA3BECB3-B129-4032-B16C-54274E3F2ECB}" type="datetimeFigureOut">
               <a:rPr lang="en-US" smtClean="0"/>
-              <a:t>11/8/2024</a:t>
+              <a:t>12/20/2024</a:t>
             </a:fld>
             <a:endParaRPr lang="en-US"/>
           </a:p>
@@ -7941,6 +7942,592 @@
     <p:extLst>
       <p:ext uri="{BB962C8B-B14F-4D97-AF65-F5344CB8AC3E}">
         <p14:creationId xmlns:p14="http://schemas.microsoft.com/office/powerpoint/2010/main" val="3210242173"/>
+      </p:ext>
+    </p:extLst>
+  </p:cSld>
+  <p:clrMapOvr>
+    <a:masterClrMapping/>
+  </p:clrMapOvr>
+</p:sld>
+</file>
+
+<file path=ppt/slides/slide12.xml><?xml version="1.0" encoding="utf-8"?>
+<p:sld xmlns:a="http://schemas.openxmlformats.org/drawingml/2006/main" xmlns:r="http://schemas.openxmlformats.org/officeDocument/2006/relationships" xmlns:p="http://schemas.openxmlformats.org/presentationml/2006/main">
+  <p:cSld>
+    <p:spTree>
+      <p:nvGrpSpPr>
+        <p:cNvPr id="1" name=""/>
+        <p:cNvGrpSpPr/>
+        <p:nvPr/>
+      </p:nvGrpSpPr>
+      <p:grpSpPr>
+        <a:xfrm>
+          <a:off x="0" y="0"/>
+          <a:ext cx="0" cy="0"/>
+          <a:chOff x="0" y="0"/>
+          <a:chExt cx="0" cy="0"/>
+        </a:xfrm>
+      </p:grpSpPr>
+      <p:sp>
+        <p:nvSpPr>
+          <p:cNvPr id="9" name="Rectangle 8">
+            <a:extLst>
+              <a:ext uri="{FF2B5EF4-FFF2-40B4-BE49-F238E27FC236}">
+                <a16:creationId xmlns:a16="http://schemas.microsoft.com/office/drawing/2014/main" id="{F310E521-B4E8-0293-674B-A6878143081A}"/>
+              </a:ext>
+            </a:extLst>
+          </p:cNvPr>
+          <p:cNvSpPr/>
+          <p:nvPr/>
+        </p:nvSpPr>
+        <p:spPr>
+          <a:xfrm>
+            <a:off x="1047343" y="505838"/>
+            <a:ext cx="3378738" cy="1245141"/>
+          </a:xfrm>
+          <a:prstGeom prst="rect">
+            <a:avLst/>
+          </a:prstGeom>
+          <a:solidFill>
+            <a:schemeClr val="accent4">
+              <a:lumMod val="60000"/>
+              <a:lumOff val="40000"/>
+            </a:schemeClr>
+          </a:solidFill>
+        </p:spPr>
+        <p:style>
+          <a:lnRef idx="2">
+            <a:schemeClr val="accent1">
+              <a:shade val="15000"/>
+            </a:schemeClr>
+          </a:lnRef>
+          <a:fillRef idx="1">
+            <a:schemeClr val="accent1"/>
+          </a:fillRef>
+          <a:effectRef idx="0">
+            <a:schemeClr val="accent1"/>
+          </a:effectRef>
+          <a:fontRef idx="minor">
+            <a:schemeClr val="lt1"/>
+          </a:fontRef>
+        </p:style>
+        <p:txBody>
+          <a:bodyPr rtlCol="0" anchor="ctr"/>
+          <a:lstStyle/>
+          <a:p>
+            <a:r>
+              <a:rPr lang="en-US" sz="1500" b="1" dirty="0">
+                <a:solidFill>
+                  <a:schemeClr val="tx1"/>
+                </a:solidFill>
+              </a:rPr>
+              <a:t>Barter</a:t>
+            </a:r>
+          </a:p>
+          <a:p>
+            <a:pPr marL="285750" indent="-285750">
+              <a:buFont typeface="Arial" panose="020B0604020202020204" pitchFamily="34" charset="0"/>
+              <a:buChar char="•"/>
+            </a:pPr>
+            <a:r>
+              <a:rPr lang="en-US" sz="1300" dirty="0">
+                <a:solidFill>
+                  <a:schemeClr val="tx1"/>
+                </a:solidFill>
+              </a:rPr>
+              <a:t>Goods in exchange of Goods</a:t>
+            </a:r>
+          </a:p>
+          <a:p>
+            <a:pPr marL="285750" indent="-285750">
+              <a:buFont typeface="Arial" panose="020B0604020202020204" pitchFamily="34" charset="0"/>
+              <a:buChar char="•"/>
+            </a:pPr>
+            <a:r>
+              <a:rPr lang="en-US" sz="1300" dirty="0">
+                <a:solidFill>
+                  <a:schemeClr val="tx1"/>
+                </a:solidFill>
+              </a:rPr>
+              <a:t>Auth of Owner</a:t>
+            </a:r>
+          </a:p>
+          <a:p>
+            <a:pPr marL="285750" indent="-285750">
+              <a:buFont typeface="Arial" panose="020B0604020202020204" pitchFamily="34" charset="0"/>
+              <a:buChar char="•"/>
+            </a:pPr>
+            <a:r>
+              <a:rPr lang="en-US" sz="1300" dirty="0">
+                <a:solidFill>
+                  <a:srgbClr val="FF0000"/>
+                </a:solidFill>
+              </a:rPr>
+              <a:t>Not everything has equal value</a:t>
+            </a:r>
+          </a:p>
+        </p:txBody>
+      </p:sp>
+      <p:sp>
+        <p:nvSpPr>
+          <p:cNvPr id="11" name="Rectangle 10">
+            <a:extLst>
+              <a:ext uri="{FF2B5EF4-FFF2-40B4-BE49-F238E27FC236}">
+                <a16:creationId xmlns:a16="http://schemas.microsoft.com/office/drawing/2014/main" id="{369C52FF-2EF7-F399-7469-2F022D4E6BE7}"/>
+              </a:ext>
+            </a:extLst>
+          </p:cNvPr>
+          <p:cNvSpPr/>
+          <p:nvPr/>
+        </p:nvSpPr>
+        <p:spPr>
+          <a:xfrm>
+            <a:off x="1047340" y="2213042"/>
+            <a:ext cx="3378741" cy="1245141"/>
+          </a:xfrm>
+          <a:prstGeom prst="rect">
+            <a:avLst/>
+          </a:prstGeom>
+          <a:solidFill>
+            <a:schemeClr val="accent4">
+              <a:lumMod val="60000"/>
+              <a:lumOff val="40000"/>
+            </a:schemeClr>
+          </a:solidFill>
+        </p:spPr>
+        <p:style>
+          <a:lnRef idx="2">
+            <a:schemeClr val="accent1">
+              <a:shade val="15000"/>
+            </a:schemeClr>
+          </a:lnRef>
+          <a:fillRef idx="1">
+            <a:schemeClr val="accent1"/>
+          </a:fillRef>
+          <a:effectRef idx="0">
+            <a:schemeClr val="accent1"/>
+          </a:effectRef>
+          <a:fontRef idx="minor">
+            <a:schemeClr val="lt1"/>
+          </a:fontRef>
+        </p:style>
+        <p:txBody>
+          <a:bodyPr rtlCol="0" anchor="ctr"/>
+          <a:lstStyle/>
+          <a:p>
+            <a:r>
+              <a:rPr lang="en-US" sz="1500" b="1" dirty="0">
+                <a:solidFill>
+                  <a:schemeClr val="tx1"/>
+                </a:solidFill>
+              </a:rPr>
+              <a:t>Gold</a:t>
+            </a:r>
+          </a:p>
+          <a:p>
+            <a:pPr marL="285750" indent="-285750">
+              <a:buFont typeface="Arial" panose="020B0604020202020204" pitchFamily="34" charset="0"/>
+              <a:buChar char="•"/>
+            </a:pPr>
+            <a:r>
+              <a:rPr lang="en-US" sz="1300" dirty="0">
+                <a:solidFill>
+                  <a:schemeClr val="tx1"/>
+                </a:solidFill>
+              </a:rPr>
+              <a:t>Gold in exchange of Goods</a:t>
+            </a:r>
+          </a:p>
+          <a:p>
+            <a:pPr marL="285750" indent="-285750">
+              <a:buFont typeface="Arial" panose="020B0604020202020204" pitchFamily="34" charset="0"/>
+              <a:buChar char="•"/>
+            </a:pPr>
+            <a:r>
+              <a:rPr lang="en-US" sz="1300" dirty="0">
+                <a:solidFill>
+                  <a:schemeClr val="tx1"/>
+                </a:solidFill>
+              </a:rPr>
+              <a:t>Auth of Owner</a:t>
+            </a:r>
+          </a:p>
+          <a:p>
+            <a:pPr marL="285750" indent="-285750">
+              <a:buFont typeface="Arial" panose="020B0604020202020204" pitchFamily="34" charset="0"/>
+              <a:buChar char="•"/>
+            </a:pPr>
+            <a:r>
+              <a:rPr lang="en-US" sz="1300" dirty="0">
+                <a:solidFill>
+                  <a:srgbClr val="FF0000"/>
+                </a:solidFill>
+              </a:rPr>
+              <a:t>Heavy to carry</a:t>
+            </a:r>
+          </a:p>
+        </p:txBody>
+      </p:sp>
+      <p:sp>
+        <p:nvSpPr>
+          <p:cNvPr id="12" name="Rectangle 11">
+            <a:extLst>
+              <a:ext uri="{FF2B5EF4-FFF2-40B4-BE49-F238E27FC236}">
+                <a16:creationId xmlns:a16="http://schemas.microsoft.com/office/drawing/2014/main" id="{1F02739B-3C19-3E51-BC9D-89577C75E72C}"/>
+              </a:ext>
+            </a:extLst>
+          </p:cNvPr>
+          <p:cNvSpPr/>
+          <p:nvPr/>
+        </p:nvSpPr>
+        <p:spPr>
+          <a:xfrm>
+            <a:off x="6930958" y="1288914"/>
+            <a:ext cx="3835940" cy="1848256"/>
+          </a:xfrm>
+          <a:prstGeom prst="rect">
+            <a:avLst/>
+          </a:prstGeom>
+          <a:solidFill>
+            <a:schemeClr val="accent4">
+              <a:lumMod val="60000"/>
+              <a:lumOff val="40000"/>
+            </a:schemeClr>
+          </a:solidFill>
+        </p:spPr>
+        <p:style>
+          <a:lnRef idx="2">
+            <a:schemeClr val="accent1">
+              <a:shade val="15000"/>
+            </a:schemeClr>
+          </a:lnRef>
+          <a:fillRef idx="1">
+            <a:schemeClr val="accent1"/>
+          </a:fillRef>
+          <a:effectRef idx="0">
+            <a:schemeClr val="accent1"/>
+          </a:effectRef>
+          <a:fontRef idx="minor">
+            <a:schemeClr val="lt1"/>
+          </a:fontRef>
+        </p:style>
+        <p:txBody>
+          <a:bodyPr rtlCol="0" anchor="ctr"/>
+          <a:lstStyle/>
+          <a:p>
+            <a:r>
+              <a:rPr lang="en-US" sz="1500" b="1" dirty="0">
+                <a:solidFill>
+                  <a:schemeClr val="tx1"/>
+                </a:solidFill>
+              </a:rPr>
+              <a:t>Crypto</a:t>
+            </a:r>
+          </a:p>
+          <a:p>
+            <a:pPr marL="285750" indent="-285750">
+              <a:buFont typeface="Arial" panose="020B0604020202020204" pitchFamily="34" charset="0"/>
+              <a:buChar char="•"/>
+            </a:pPr>
+            <a:r>
+              <a:rPr lang="en-US" sz="1300" dirty="0">
+                <a:solidFill>
+                  <a:schemeClr val="tx1"/>
+                </a:solidFill>
+              </a:rPr>
+              <a:t>Data stored in blockchain</a:t>
+            </a:r>
+          </a:p>
+          <a:p>
+            <a:pPr marL="285750" indent="-285750">
+              <a:buFont typeface="Arial" panose="020B0604020202020204" pitchFamily="34" charset="0"/>
+              <a:buChar char="•"/>
+            </a:pPr>
+            <a:r>
+              <a:rPr lang="en-US" sz="1300" dirty="0">
+                <a:solidFill>
+                  <a:schemeClr val="tx1"/>
+                </a:solidFill>
+              </a:rPr>
+              <a:t>De-centralized and Safe</a:t>
+            </a:r>
+          </a:p>
+          <a:p>
+            <a:pPr marL="285750" indent="-285750">
+              <a:buFont typeface="Arial" panose="020B0604020202020204" pitchFamily="34" charset="0"/>
+              <a:buChar char="•"/>
+            </a:pPr>
+            <a:r>
+              <a:rPr lang="en-US" sz="1300" dirty="0">
+                <a:solidFill>
+                  <a:schemeClr val="tx1"/>
+                </a:solidFill>
+              </a:rPr>
+              <a:t>Transactions can be easily back-tracked</a:t>
+            </a:r>
+          </a:p>
+          <a:p>
+            <a:pPr marL="285750" indent="-285750">
+              <a:buFont typeface="Arial" panose="020B0604020202020204" pitchFamily="34" charset="0"/>
+              <a:buChar char="•"/>
+            </a:pPr>
+            <a:r>
+              <a:rPr lang="en-US" sz="1300" dirty="0">
+                <a:solidFill>
+                  <a:schemeClr val="tx1"/>
+                </a:solidFill>
+              </a:rPr>
+              <a:t>Mine with mathematical problem solution</a:t>
+            </a:r>
+          </a:p>
+        </p:txBody>
+      </p:sp>
+      <p:sp>
+        <p:nvSpPr>
+          <p:cNvPr id="13" name="Rectangle 12">
+            <a:extLst>
+              <a:ext uri="{FF2B5EF4-FFF2-40B4-BE49-F238E27FC236}">
+                <a16:creationId xmlns:a16="http://schemas.microsoft.com/office/drawing/2014/main" id="{3E2A916F-5F1C-91E8-87FC-8921544C5345}"/>
+              </a:ext>
+            </a:extLst>
+          </p:cNvPr>
+          <p:cNvSpPr/>
+          <p:nvPr/>
+        </p:nvSpPr>
+        <p:spPr>
+          <a:xfrm>
+            <a:off x="4977317" y="5136204"/>
+            <a:ext cx="3378741" cy="1215958"/>
+          </a:xfrm>
+          <a:prstGeom prst="rect">
+            <a:avLst/>
+          </a:prstGeom>
+          <a:solidFill>
+            <a:schemeClr val="accent4">
+              <a:lumMod val="60000"/>
+              <a:lumOff val="40000"/>
+            </a:schemeClr>
+          </a:solidFill>
+        </p:spPr>
+        <p:style>
+          <a:lnRef idx="2">
+            <a:schemeClr val="accent1">
+              <a:shade val="15000"/>
+            </a:schemeClr>
+          </a:lnRef>
+          <a:fillRef idx="1">
+            <a:schemeClr val="accent1"/>
+          </a:fillRef>
+          <a:effectRef idx="0">
+            <a:schemeClr val="accent1"/>
+          </a:effectRef>
+          <a:fontRef idx="minor">
+            <a:schemeClr val="lt1"/>
+          </a:fontRef>
+        </p:style>
+        <p:txBody>
+          <a:bodyPr rtlCol="0" anchor="ctr"/>
+          <a:lstStyle/>
+          <a:p>
+            <a:r>
+              <a:rPr lang="en-US" sz="1500" b="1" dirty="0">
+                <a:solidFill>
+                  <a:schemeClr val="tx1"/>
+                </a:solidFill>
+              </a:rPr>
+              <a:t>Digital Cash</a:t>
+            </a:r>
+          </a:p>
+          <a:p>
+            <a:pPr marL="285750" indent="-285750">
+              <a:buFont typeface="Arial" panose="020B0604020202020204" pitchFamily="34" charset="0"/>
+              <a:buChar char="•"/>
+            </a:pPr>
+            <a:r>
+              <a:rPr lang="en-US" sz="1300" dirty="0">
+                <a:solidFill>
+                  <a:schemeClr val="tx1"/>
+                </a:solidFill>
+              </a:rPr>
+              <a:t>Paperless with transfer handled by banks</a:t>
+            </a:r>
+          </a:p>
+          <a:p>
+            <a:pPr marL="285750" indent="-285750">
+              <a:buFont typeface="Arial" panose="020B0604020202020204" pitchFamily="34" charset="0"/>
+              <a:buChar char="•"/>
+            </a:pPr>
+            <a:r>
+              <a:rPr lang="en-US" sz="1300" dirty="0">
+                <a:solidFill>
+                  <a:srgbClr val="C00000"/>
+                </a:solidFill>
+              </a:rPr>
+              <a:t>Auth of Banks along with Government</a:t>
+            </a:r>
+          </a:p>
+          <a:p>
+            <a:pPr marL="285750" indent="-285750">
+              <a:buFont typeface="Arial" panose="020B0604020202020204" pitchFamily="34" charset="0"/>
+              <a:buChar char="•"/>
+            </a:pPr>
+            <a:r>
+              <a:rPr lang="en-US" sz="1300" dirty="0">
+                <a:solidFill>
+                  <a:srgbClr val="FF0000"/>
+                </a:solidFill>
+              </a:rPr>
+              <a:t>Must trust the Banks</a:t>
+            </a:r>
+          </a:p>
+        </p:txBody>
+      </p:sp>
+      <p:sp>
+        <p:nvSpPr>
+          <p:cNvPr id="14" name="Rectangle 13">
+            <a:extLst>
+              <a:ext uri="{FF2B5EF4-FFF2-40B4-BE49-F238E27FC236}">
+                <a16:creationId xmlns:a16="http://schemas.microsoft.com/office/drawing/2014/main" id="{E455A438-1A5C-1B6E-95D1-07A2D4C514D9}"/>
+              </a:ext>
+            </a:extLst>
+          </p:cNvPr>
+          <p:cNvSpPr/>
+          <p:nvPr/>
+        </p:nvSpPr>
+        <p:spPr>
+          <a:xfrm>
+            <a:off x="1047340" y="3920247"/>
+            <a:ext cx="3378741" cy="2431915"/>
+          </a:xfrm>
+          <a:prstGeom prst="rect">
+            <a:avLst/>
+          </a:prstGeom>
+          <a:solidFill>
+            <a:schemeClr val="accent4">
+              <a:lumMod val="60000"/>
+              <a:lumOff val="40000"/>
+            </a:schemeClr>
+          </a:solidFill>
+        </p:spPr>
+        <p:style>
+          <a:lnRef idx="2">
+            <a:schemeClr val="accent1">
+              <a:shade val="15000"/>
+            </a:schemeClr>
+          </a:lnRef>
+          <a:fillRef idx="1">
+            <a:schemeClr val="accent1"/>
+          </a:fillRef>
+          <a:effectRef idx="0">
+            <a:schemeClr val="accent1"/>
+          </a:effectRef>
+          <a:fontRef idx="minor">
+            <a:schemeClr val="lt1"/>
+          </a:fontRef>
+        </p:style>
+        <p:txBody>
+          <a:bodyPr rtlCol="0" anchor="ctr"/>
+          <a:lstStyle/>
+          <a:p>
+            <a:r>
+              <a:rPr lang="en-US" sz="1500" b="1" dirty="0">
+                <a:solidFill>
+                  <a:schemeClr val="tx1"/>
+                </a:solidFill>
+              </a:rPr>
+              <a:t>Cash</a:t>
+            </a:r>
+          </a:p>
+          <a:p>
+            <a:pPr marL="285750" indent="-285750">
+              <a:buFont typeface="Arial" panose="020B0604020202020204" pitchFamily="34" charset="0"/>
+              <a:buChar char="•"/>
+            </a:pPr>
+            <a:r>
+              <a:rPr lang="en-US" sz="1300" dirty="0">
+                <a:solidFill>
+                  <a:schemeClr val="tx1"/>
+                </a:solidFill>
+              </a:rPr>
+              <a:t>Paper with promise of value</a:t>
+            </a:r>
+          </a:p>
+          <a:p>
+            <a:pPr marL="285750" indent="-285750">
+              <a:buFont typeface="Arial" panose="020B0604020202020204" pitchFamily="34" charset="0"/>
+              <a:buChar char="•"/>
+            </a:pPr>
+            <a:r>
+              <a:rPr lang="en-US" sz="1300" dirty="0">
+                <a:solidFill>
+                  <a:schemeClr val="tx1"/>
+                </a:solidFill>
+              </a:rPr>
+              <a:t>Auth of Government</a:t>
+            </a:r>
+          </a:p>
+          <a:p>
+            <a:pPr marL="285750" indent="-285750">
+              <a:buFont typeface="Arial" panose="020B0604020202020204" pitchFamily="34" charset="0"/>
+              <a:buChar char="•"/>
+            </a:pPr>
+            <a:r>
+              <a:rPr lang="en-US" sz="1300" dirty="0">
+                <a:solidFill>
+                  <a:srgbClr val="FF0000"/>
+                </a:solidFill>
+              </a:rPr>
+              <a:t>Must trust the Government</a:t>
+            </a:r>
+          </a:p>
+          <a:p>
+            <a:pPr marL="285750" indent="-285750">
+              <a:buFont typeface="Arial" panose="020B0604020202020204" pitchFamily="34" charset="0"/>
+              <a:buChar char="•"/>
+            </a:pPr>
+            <a:r>
+              <a:rPr lang="en-US" sz="1300" dirty="0">
+                <a:solidFill>
+                  <a:srgbClr val="FF0000"/>
+                </a:solidFill>
+              </a:rPr>
+              <a:t>Cannot be backtracked</a:t>
+            </a:r>
+          </a:p>
+          <a:p>
+            <a:pPr marL="285750" indent="-285750">
+              <a:buFont typeface="Arial" panose="020B0604020202020204" pitchFamily="34" charset="0"/>
+              <a:buChar char="•"/>
+            </a:pPr>
+            <a:r>
+              <a:rPr lang="en-US" sz="1300" dirty="0">
+                <a:solidFill>
+                  <a:srgbClr val="FF0000"/>
+                </a:solidFill>
+              </a:rPr>
+              <a:t>Government/ Bank can cheat</a:t>
+            </a:r>
+          </a:p>
+          <a:p>
+            <a:pPr marL="285750" indent="-285750">
+              <a:buFont typeface="Arial" panose="020B0604020202020204" pitchFamily="34" charset="0"/>
+              <a:buChar char="•"/>
+            </a:pPr>
+            <a:r>
+              <a:rPr lang="en-US" sz="1300" dirty="0">
+                <a:solidFill>
+                  <a:srgbClr val="FF0000"/>
+                </a:solidFill>
+              </a:rPr>
+              <a:t>Fake notes with no value</a:t>
+            </a:r>
+          </a:p>
+        </p:txBody>
+      </p:sp>
+    </p:spTree>
+    <p:extLst>
+      <p:ext uri="{BB962C8B-B14F-4D97-AF65-F5344CB8AC3E}">
+        <p14:creationId xmlns:p14="http://schemas.microsoft.com/office/powerpoint/2010/main" val="320176464"/>
       </p:ext>
     </p:extLst>
   </p:cSld>

--- a/THE_A_Ideas/Innocent Gems/Innocent Gems - Flows.pptx
+++ b/THE_A_Ideas/Innocent Gems/Innocent Gems - Flows.pptx
@@ -5,21 +5,22 @@
     <p:sldMasterId id="2147483672" r:id="rId1"/>
   </p:sldMasterIdLst>
   <p:notesMasterIdLst>
-    <p:notesMasterId r:id="rId14"/>
+    <p:notesMasterId r:id="rId15"/>
   </p:notesMasterIdLst>
   <p:sldIdLst>
     <p:sldId id="257" r:id="rId2"/>
-    <p:sldId id="256" r:id="rId3"/>
-    <p:sldId id="265" r:id="rId4"/>
-    <p:sldId id="267" r:id="rId5"/>
-    <p:sldId id="263" r:id="rId6"/>
-    <p:sldId id="261" r:id="rId7"/>
-    <p:sldId id="266" r:id="rId8"/>
-    <p:sldId id="259" r:id="rId9"/>
-    <p:sldId id="260" r:id="rId10"/>
-    <p:sldId id="268" r:id="rId11"/>
-    <p:sldId id="270" r:id="rId12"/>
-    <p:sldId id="271" r:id="rId13"/>
+    <p:sldId id="272" r:id="rId3"/>
+    <p:sldId id="256" r:id="rId4"/>
+    <p:sldId id="265" r:id="rId5"/>
+    <p:sldId id="267" r:id="rId6"/>
+    <p:sldId id="263" r:id="rId7"/>
+    <p:sldId id="261" r:id="rId8"/>
+    <p:sldId id="266" r:id="rId9"/>
+    <p:sldId id="259" r:id="rId10"/>
+    <p:sldId id="260" r:id="rId11"/>
+    <p:sldId id="268" r:id="rId12"/>
+    <p:sldId id="270" r:id="rId13"/>
+    <p:sldId id="271" r:id="rId14"/>
   </p:sldIdLst>
   <p:sldSz cx="12192000" cy="6858000"/>
   <p:notesSz cx="6858000" cy="9144000"/>
@@ -208,7 +209,7 @@
           <a:p>
             <a:fld id="{E46DFF9B-7890-4956-96F0-AFF859094789}" type="datetimeFigureOut">
               <a:rPr lang="en-US" smtClean="0"/>
-              <a:t>12/20/2024</a:t>
+              <a:t>1/19/2025</a:t>
             </a:fld>
             <a:endParaRPr lang="en-US"/>
           </a:p>
@@ -540,7 +541,7 @@
           <a:p>
             <a:fld id="{14086541-2B8E-4293-9530-28B3B0F32C9F}" type="slidenum">
               <a:rPr lang="en-US" smtClean="0"/>
-              <a:t>3</a:t>
+              <a:t>4</a:t>
             </a:fld>
             <a:endParaRPr lang="en-US"/>
           </a:p>
@@ -690,7 +691,7 @@
           <a:p>
             <a:fld id="{AA3BECB3-B129-4032-B16C-54274E3F2ECB}" type="datetimeFigureOut">
               <a:rPr lang="en-US" smtClean="0"/>
-              <a:t>12/20/2024</a:t>
+              <a:t>1/19/2025</a:t>
             </a:fld>
             <a:endParaRPr lang="en-US"/>
           </a:p>
@@ -860,7 +861,7 @@
           <a:p>
             <a:fld id="{AA3BECB3-B129-4032-B16C-54274E3F2ECB}" type="datetimeFigureOut">
               <a:rPr lang="en-US" smtClean="0"/>
-              <a:t>12/20/2024</a:t>
+              <a:t>1/19/2025</a:t>
             </a:fld>
             <a:endParaRPr lang="en-US"/>
           </a:p>
@@ -1040,7 +1041,7 @@
           <a:p>
             <a:fld id="{AA3BECB3-B129-4032-B16C-54274E3F2ECB}" type="datetimeFigureOut">
               <a:rPr lang="en-US" smtClean="0"/>
-              <a:t>12/20/2024</a:t>
+              <a:t>1/19/2025</a:t>
             </a:fld>
             <a:endParaRPr lang="en-US"/>
           </a:p>
@@ -1210,7 +1211,7 @@
           <a:p>
             <a:fld id="{AA3BECB3-B129-4032-B16C-54274E3F2ECB}" type="datetimeFigureOut">
               <a:rPr lang="en-US" smtClean="0"/>
-              <a:t>12/20/2024</a:t>
+              <a:t>1/19/2025</a:t>
             </a:fld>
             <a:endParaRPr lang="en-US"/>
           </a:p>
@@ -1456,7 +1457,7 @@
           <a:p>
             <a:fld id="{AA3BECB3-B129-4032-B16C-54274E3F2ECB}" type="datetimeFigureOut">
               <a:rPr lang="en-US" smtClean="0"/>
-              <a:t>12/20/2024</a:t>
+              <a:t>1/19/2025</a:t>
             </a:fld>
             <a:endParaRPr lang="en-US"/>
           </a:p>
@@ -1688,7 +1689,7 @@
           <a:p>
             <a:fld id="{AA3BECB3-B129-4032-B16C-54274E3F2ECB}" type="datetimeFigureOut">
               <a:rPr lang="en-US" smtClean="0"/>
-              <a:t>12/20/2024</a:t>
+              <a:t>1/19/2025</a:t>
             </a:fld>
             <a:endParaRPr lang="en-US"/>
           </a:p>
@@ -2055,7 +2056,7 @@
           <a:p>
             <a:fld id="{AA3BECB3-B129-4032-B16C-54274E3F2ECB}" type="datetimeFigureOut">
               <a:rPr lang="en-US" smtClean="0"/>
-              <a:t>12/20/2024</a:t>
+              <a:t>1/19/2025</a:t>
             </a:fld>
             <a:endParaRPr lang="en-US"/>
           </a:p>
@@ -2173,7 +2174,7 @@
           <a:p>
             <a:fld id="{AA3BECB3-B129-4032-B16C-54274E3F2ECB}" type="datetimeFigureOut">
               <a:rPr lang="en-US" smtClean="0"/>
-              <a:t>12/20/2024</a:t>
+              <a:t>1/19/2025</a:t>
             </a:fld>
             <a:endParaRPr lang="en-US"/>
           </a:p>
@@ -2268,7 +2269,7 @@
           <a:p>
             <a:fld id="{AA3BECB3-B129-4032-B16C-54274E3F2ECB}" type="datetimeFigureOut">
               <a:rPr lang="en-US" smtClean="0"/>
-              <a:t>12/20/2024</a:t>
+              <a:t>1/19/2025</a:t>
             </a:fld>
             <a:endParaRPr lang="en-US"/>
           </a:p>
@@ -2545,7 +2546,7 @@
           <a:p>
             <a:fld id="{AA3BECB3-B129-4032-B16C-54274E3F2ECB}" type="datetimeFigureOut">
               <a:rPr lang="en-US" smtClean="0"/>
-              <a:t>12/20/2024</a:t>
+              <a:t>1/19/2025</a:t>
             </a:fld>
             <a:endParaRPr lang="en-US"/>
           </a:p>
@@ -2802,7 +2803,7 @@
           <a:p>
             <a:fld id="{AA3BECB3-B129-4032-B16C-54274E3F2ECB}" type="datetimeFigureOut">
               <a:rPr lang="en-US" smtClean="0"/>
-              <a:t>12/20/2024</a:t>
+              <a:t>1/19/2025</a:t>
             </a:fld>
             <a:endParaRPr lang="en-US"/>
           </a:p>
@@ -3015,7 +3016,7 @@
           <a:p>
             <a:fld id="{AA3BECB3-B129-4032-B16C-54274E3F2ECB}" type="datetimeFigureOut">
               <a:rPr lang="en-US" smtClean="0"/>
-              <a:t>12/20/2024</a:t>
+              <a:t>1/19/2025</a:t>
             </a:fld>
             <a:endParaRPr lang="en-US"/>
           </a:p>
@@ -7565,6 +7566,2518 @@
       </p:grpSpPr>
       <p:sp>
         <p:nvSpPr>
+          <p:cNvPr id="4" name="Rectangle: Rounded Corners 3">
+            <a:extLst>
+              <a:ext uri="{FF2B5EF4-FFF2-40B4-BE49-F238E27FC236}">
+                <a16:creationId xmlns:a16="http://schemas.microsoft.com/office/drawing/2014/main" id="{B4E22C9F-E85F-6FCA-D09F-903796334361}"/>
+              </a:ext>
+            </a:extLst>
+          </p:cNvPr>
+          <p:cNvSpPr/>
+          <p:nvPr/>
+        </p:nvSpPr>
+        <p:spPr>
+          <a:xfrm>
+            <a:off x="1975818" y="356558"/>
+            <a:ext cx="2721206" cy="1536192"/>
+          </a:xfrm>
+          <a:custGeom>
+            <a:avLst/>
+            <a:gdLst>
+              <a:gd name="connsiteX0" fmla="*/ 0 w 2721206"/>
+              <a:gd name="connsiteY0" fmla="*/ 256037 h 1536192"/>
+              <a:gd name="connsiteX1" fmla="*/ 256037 w 2721206"/>
+              <a:gd name="connsiteY1" fmla="*/ 0 h 1536192"/>
+              <a:gd name="connsiteX2" fmla="*/ 786229 w 2721206"/>
+              <a:gd name="connsiteY2" fmla="*/ 0 h 1536192"/>
+              <a:gd name="connsiteX3" fmla="*/ 1338512 w 2721206"/>
+              <a:gd name="connsiteY3" fmla="*/ 0 h 1536192"/>
+              <a:gd name="connsiteX4" fmla="*/ 1912886 w 2721206"/>
+              <a:gd name="connsiteY4" fmla="*/ 0 h 1536192"/>
+              <a:gd name="connsiteX5" fmla="*/ 2465169 w 2721206"/>
+              <a:gd name="connsiteY5" fmla="*/ 0 h 1536192"/>
+              <a:gd name="connsiteX6" fmla="*/ 2721206 w 2721206"/>
+              <a:gd name="connsiteY6" fmla="*/ 256037 h 1536192"/>
+              <a:gd name="connsiteX7" fmla="*/ 2721206 w 2721206"/>
+              <a:gd name="connsiteY7" fmla="*/ 757855 h 1536192"/>
+              <a:gd name="connsiteX8" fmla="*/ 2721206 w 2721206"/>
+              <a:gd name="connsiteY8" fmla="*/ 1280155 h 1536192"/>
+              <a:gd name="connsiteX9" fmla="*/ 2465169 w 2721206"/>
+              <a:gd name="connsiteY9" fmla="*/ 1536192 h 1536192"/>
+              <a:gd name="connsiteX10" fmla="*/ 1957069 w 2721206"/>
+              <a:gd name="connsiteY10" fmla="*/ 1536192 h 1536192"/>
+              <a:gd name="connsiteX11" fmla="*/ 1471060 w 2721206"/>
+              <a:gd name="connsiteY11" fmla="*/ 1536192 h 1536192"/>
+              <a:gd name="connsiteX12" fmla="*/ 962959 w 2721206"/>
+              <a:gd name="connsiteY12" fmla="*/ 1536192 h 1536192"/>
+              <a:gd name="connsiteX13" fmla="*/ 256037 w 2721206"/>
+              <a:gd name="connsiteY13" fmla="*/ 1536192 h 1536192"/>
+              <a:gd name="connsiteX14" fmla="*/ 0 w 2721206"/>
+              <a:gd name="connsiteY14" fmla="*/ 1280155 h 1536192"/>
+              <a:gd name="connsiteX15" fmla="*/ 0 w 2721206"/>
+              <a:gd name="connsiteY15" fmla="*/ 747614 h 1536192"/>
+              <a:gd name="connsiteX16" fmla="*/ 0 w 2721206"/>
+              <a:gd name="connsiteY16" fmla="*/ 256037 h 1536192"/>
+            </a:gdLst>
+            <a:ahLst/>
+            <a:cxnLst>
+              <a:cxn ang="0">
+                <a:pos x="connsiteX0" y="connsiteY0"/>
+              </a:cxn>
+              <a:cxn ang="0">
+                <a:pos x="connsiteX1" y="connsiteY1"/>
+              </a:cxn>
+              <a:cxn ang="0">
+                <a:pos x="connsiteX2" y="connsiteY2"/>
+              </a:cxn>
+              <a:cxn ang="0">
+                <a:pos x="connsiteX3" y="connsiteY3"/>
+              </a:cxn>
+              <a:cxn ang="0">
+                <a:pos x="connsiteX4" y="connsiteY4"/>
+              </a:cxn>
+              <a:cxn ang="0">
+                <a:pos x="connsiteX5" y="connsiteY5"/>
+              </a:cxn>
+              <a:cxn ang="0">
+                <a:pos x="connsiteX6" y="connsiteY6"/>
+              </a:cxn>
+              <a:cxn ang="0">
+                <a:pos x="connsiteX7" y="connsiteY7"/>
+              </a:cxn>
+              <a:cxn ang="0">
+                <a:pos x="connsiteX8" y="connsiteY8"/>
+              </a:cxn>
+              <a:cxn ang="0">
+                <a:pos x="connsiteX9" y="connsiteY9"/>
+              </a:cxn>
+              <a:cxn ang="0">
+                <a:pos x="connsiteX10" y="connsiteY10"/>
+              </a:cxn>
+              <a:cxn ang="0">
+                <a:pos x="connsiteX11" y="connsiteY11"/>
+              </a:cxn>
+              <a:cxn ang="0">
+                <a:pos x="connsiteX12" y="connsiteY12"/>
+              </a:cxn>
+              <a:cxn ang="0">
+                <a:pos x="connsiteX13" y="connsiteY13"/>
+              </a:cxn>
+              <a:cxn ang="0">
+                <a:pos x="connsiteX14" y="connsiteY14"/>
+              </a:cxn>
+              <a:cxn ang="0">
+                <a:pos x="connsiteX15" y="connsiteY15"/>
+              </a:cxn>
+              <a:cxn ang="0">
+                <a:pos x="connsiteX16" y="connsiteY16"/>
+              </a:cxn>
+            </a:cxnLst>
+            <a:rect l="l" t="t" r="r" b="b"/>
+            <a:pathLst>
+              <a:path w="2721206" h="1536192" fill="none" extrusionOk="0">
+                <a:moveTo>
+                  <a:pt x="0" y="256037"/>
+                </a:moveTo>
+                <a:cubicBezTo>
+                  <a:pt x="5667" y="105198"/>
+                  <a:pt x="108609" y="-12081"/>
+                  <a:pt x="256037" y="0"/>
+                </a:cubicBezTo>
+                <a:cubicBezTo>
+                  <a:pt x="376903" y="-11863"/>
+                  <a:pt x="627362" y="15834"/>
+                  <a:pt x="786229" y="0"/>
+                </a:cubicBezTo>
+                <a:cubicBezTo>
+                  <a:pt x="945096" y="-15834"/>
+                  <a:pt x="1184567" y="-13389"/>
+                  <a:pt x="1338512" y="0"/>
+                </a:cubicBezTo>
+                <a:cubicBezTo>
+                  <a:pt x="1492457" y="13389"/>
+                  <a:pt x="1632702" y="2795"/>
+                  <a:pt x="1912886" y="0"/>
+                </a:cubicBezTo>
+                <a:cubicBezTo>
+                  <a:pt x="2193070" y="-2795"/>
+                  <a:pt x="2210184" y="20070"/>
+                  <a:pt x="2465169" y="0"/>
+                </a:cubicBezTo>
+                <a:cubicBezTo>
+                  <a:pt x="2615226" y="-22124"/>
+                  <a:pt x="2735800" y="119738"/>
+                  <a:pt x="2721206" y="256037"/>
+                </a:cubicBezTo>
+                <a:cubicBezTo>
+                  <a:pt x="2714858" y="474942"/>
+                  <a:pt x="2714333" y="521301"/>
+                  <a:pt x="2721206" y="757855"/>
+                </a:cubicBezTo>
+                <a:cubicBezTo>
+                  <a:pt x="2728079" y="994409"/>
+                  <a:pt x="2701792" y="1034994"/>
+                  <a:pt x="2721206" y="1280155"/>
+                </a:cubicBezTo>
+                <a:cubicBezTo>
+                  <a:pt x="2751482" y="1418306"/>
+                  <a:pt x="2607540" y="1520215"/>
+                  <a:pt x="2465169" y="1536192"/>
+                </a:cubicBezTo>
+                <a:cubicBezTo>
+                  <a:pt x="2317652" y="1552737"/>
+                  <a:pt x="2073889" y="1557637"/>
+                  <a:pt x="1957069" y="1536192"/>
+                </a:cubicBezTo>
+                <a:cubicBezTo>
+                  <a:pt x="1840249" y="1514747"/>
+                  <a:pt x="1701333" y="1541530"/>
+                  <a:pt x="1471060" y="1536192"/>
+                </a:cubicBezTo>
+                <a:cubicBezTo>
+                  <a:pt x="1240787" y="1530854"/>
+                  <a:pt x="1097402" y="1554483"/>
+                  <a:pt x="962959" y="1536192"/>
+                </a:cubicBezTo>
+                <a:cubicBezTo>
+                  <a:pt x="828516" y="1517901"/>
+                  <a:pt x="443174" y="1500967"/>
+                  <a:pt x="256037" y="1536192"/>
+                </a:cubicBezTo>
+                <a:cubicBezTo>
+                  <a:pt x="108689" y="1509496"/>
+                  <a:pt x="-6487" y="1417111"/>
+                  <a:pt x="0" y="1280155"/>
+                </a:cubicBezTo>
+                <a:cubicBezTo>
+                  <a:pt x="-22401" y="1093415"/>
+                  <a:pt x="-12692" y="989855"/>
+                  <a:pt x="0" y="747614"/>
+                </a:cubicBezTo>
+                <a:cubicBezTo>
+                  <a:pt x="12692" y="505373"/>
+                  <a:pt x="16512" y="423535"/>
+                  <a:pt x="0" y="256037"/>
+                </a:cubicBezTo>
+                <a:close/>
+              </a:path>
+              <a:path w="2721206" h="1536192" stroke="0" extrusionOk="0">
+                <a:moveTo>
+                  <a:pt x="0" y="256037"/>
+                </a:moveTo>
+                <a:cubicBezTo>
+                  <a:pt x="5034" y="113251"/>
+                  <a:pt x="145737" y="1023"/>
+                  <a:pt x="256037" y="0"/>
+                </a:cubicBezTo>
+                <a:cubicBezTo>
+                  <a:pt x="486891" y="1043"/>
+                  <a:pt x="547275" y="16101"/>
+                  <a:pt x="764137" y="0"/>
+                </a:cubicBezTo>
+                <a:cubicBezTo>
+                  <a:pt x="980999" y="-16101"/>
+                  <a:pt x="1167010" y="-1501"/>
+                  <a:pt x="1360603" y="0"/>
+                </a:cubicBezTo>
+                <a:cubicBezTo>
+                  <a:pt x="1554196" y="1501"/>
+                  <a:pt x="1633033" y="755"/>
+                  <a:pt x="1868703" y="0"/>
+                </a:cubicBezTo>
+                <a:cubicBezTo>
+                  <a:pt x="2104373" y="-755"/>
+                  <a:pt x="2177728" y="-1932"/>
+                  <a:pt x="2465169" y="0"/>
+                </a:cubicBezTo>
+                <a:cubicBezTo>
+                  <a:pt x="2613245" y="21672"/>
+                  <a:pt x="2708441" y="104418"/>
+                  <a:pt x="2721206" y="256037"/>
+                </a:cubicBezTo>
+                <a:cubicBezTo>
+                  <a:pt x="2709423" y="441504"/>
+                  <a:pt x="2718538" y="560474"/>
+                  <a:pt x="2721206" y="747614"/>
+                </a:cubicBezTo>
+                <a:cubicBezTo>
+                  <a:pt x="2723874" y="934754"/>
+                  <a:pt x="2710961" y="1074489"/>
+                  <a:pt x="2721206" y="1280155"/>
+                </a:cubicBezTo>
+                <a:cubicBezTo>
+                  <a:pt x="2740525" y="1401180"/>
+                  <a:pt x="2597329" y="1519494"/>
+                  <a:pt x="2465169" y="1536192"/>
+                </a:cubicBezTo>
+                <a:cubicBezTo>
+                  <a:pt x="2310452" y="1552246"/>
+                  <a:pt x="2129483" y="1537689"/>
+                  <a:pt x="1868703" y="1536192"/>
+                </a:cubicBezTo>
+                <a:cubicBezTo>
+                  <a:pt x="1607923" y="1534695"/>
+                  <a:pt x="1441316" y="1557702"/>
+                  <a:pt x="1316420" y="1536192"/>
+                </a:cubicBezTo>
+                <a:cubicBezTo>
+                  <a:pt x="1191524" y="1514682"/>
+                  <a:pt x="944412" y="1540871"/>
+                  <a:pt x="764137" y="1536192"/>
+                </a:cubicBezTo>
+                <a:cubicBezTo>
+                  <a:pt x="583862" y="1531513"/>
+                  <a:pt x="435986" y="1515396"/>
+                  <a:pt x="256037" y="1536192"/>
+                </a:cubicBezTo>
+                <a:cubicBezTo>
+                  <a:pt x="95835" y="1532605"/>
+                  <a:pt x="1314" y="1412368"/>
+                  <a:pt x="0" y="1280155"/>
+                </a:cubicBezTo>
+                <a:cubicBezTo>
+                  <a:pt x="-14983" y="1084926"/>
+                  <a:pt x="-12588" y="928603"/>
+                  <a:pt x="0" y="798820"/>
+                </a:cubicBezTo>
+                <a:cubicBezTo>
+                  <a:pt x="12588" y="669038"/>
+                  <a:pt x="-9654" y="365494"/>
+                  <a:pt x="0" y="256037"/>
+                </a:cubicBezTo>
+                <a:close/>
+              </a:path>
+            </a:pathLst>
+          </a:custGeom>
+          <a:ln w="38100">
+            <a:solidFill>
+              <a:schemeClr val="tx1"/>
+            </a:solidFill>
+            <a:extLst>
+              <a:ext uri="{C807C97D-BFC1-408E-A445-0C87EB9F89A2}">
+                <ask:lineSketchStyleProps xmlns:ask="http://schemas.microsoft.com/office/drawing/2018/sketchyshapes" sd="3700712357">
+                  <a:prstGeom prst="roundRect">
+                    <a:avLst/>
+                  </a:prstGeom>
+                  <ask:type>
+                    <ask:lineSketchFreehand/>
+                  </ask:type>
+                </ask:lineSketchStyleProps>
+              </a:ext>
+            </a:extLst>
+          </a:ln>
+        </p:spPr>
+        <p:style>
+          <a:lnRef idx="2">
+            <a:schemeClr val="accent3">
+              <a:shade val="15000"/>
+            </a:schemeClr>
+          </a:lnRef>
+          <a:fillRef idx="1">
+            <a:schemeClr val="accent3"/>
+          </a:fillRef>
+          <a:effectRef idx="0">
+            <a:schemeClr val="accent3"/>
+          </a:effectRef>
+          <a:fontRef idx="minor">
+            <a:schemeClr val="lt1"/>
+          </a:fontRef>
+        </p:style>
+        <p:txBody>
+          <a:bodyPr rtlCol="0" anchor="ctr"/>
+          <a:lstStyle/>
+          <a:p>
+            <a:r>
+              <a:rPr lang="en-US" sz="1300" dirty="0"/>
+              <a:t>Buy Coke from Cartel </a:t>
+            </a:r>
+          </a:p>
+          <a:p>
+            <a:r>
+              <a:rPr lang="en-US" sz="1300" dirty="0"/>
+              <a:t>Ship it using Pharma</a:t>
+            </a:r>
+            <a:br>
+              <a:rPr lang="en-US" sz="1300" dirty="0"/>
+            </a:br>
+            <a:r>
+              <a:rPr lang="en-US" sz="1300" dirty="0"/>
+              <a:t>Store it in Cult</a:t>
+            </a:r>
+            <a:br>
+              <a:rPr lang="en-US" sz="1300" dirty="0"/>
+            </a:br>
+            <a:r>
+              <a:rPr lang="en-US" sz="1300" dirty="0"/>
+              <a:t>Sell it to Dealers</a:t>
+            </a:r>
+            <a:br>
+              <a:rPr lang="en-US" sz="1300" dirty="0"/>
+            </a:br>
+            <a:r>
+              <a:rPr lang="en-US" sz="1300" dirty="0"/>
+              <a:t>Pay back the Cartel</a:t>
+            </a:r>
+          </a:p>
+        </p:txBody>
+      </p:sp>
+      <p:sp>
+        <p:nvSpPr>
+          <p:cNvPr id="5" name="Rectangle: Rounded Corners 4">
+            <a:extLst>
+              <a:ext uri="{FF2B5EF4-FFF2-40B4-BE49-F238E27FC236}">
+                <a16:creationId xmlns:a16="http://schemas.microsoft.com/office/drawing/2014/main" id="{F3A7E829-BFFC-53CA-2EC2-08C90274701D}"/>
+              </a:ext>
+            </a:extLst>
+          </p:cNvPr>
+          <p:cNvSpPr/>
+          <p:nvPr/>
+        </p:nvSpPr>
+        <p:spPr>
+          <a:xfrm>
+            <a:off x="1975818" y="4965250"/>
+            <a:ext cx="2721205" cy="1536192"/>
+          </a:xfrm>
+          <a:custGeom>
+            <a:avLst/>
+            <a:gdLst>
+              <a:gd name="connsiteX0" fmla="*/ 0 w 2721205"/>
+              <a:gd name="connsiteY0" fmla="*/ 256037 h 1536192"/>
+              <a:gd name="connsiteX1" fmla="*/ 256037 w 2721205"/>
+              <a:gd name="connsiteY1" fmla="*/ 0 h 1536192"/>
+              <a:gd name="connsiteX2" fmla="*/ 764137 w 2721205"/>
+              <a:gd name="connsiteY2" fmla="*/ 0 h 1536192"/>
+              <a:gd name="connsiteX3" fmla="*/ 1250146 w 2721205"/>
+              <a:gd name="connsiteY3" fmla="*/ 0 h 1536192"/>
+              <a:gd name="connsiteX4" fmla="*/ 1802429 w 2721205"/>
+              <a:gd name="connsiteY4" fmla="*/ 0 h 1536192"/>
+              <a:gd name="connsiteX5" fmla="*/ 2465168 w 2721205"/>
+              <a:gd name="connsiteY5" fmla="*/ 0 h 1536192"/>
+              <a:gd name="connsiteX6" fmla="*/ 2721205 w 2721205"/>
+              <a:gd name="connsiteY6" fmla="*/ 256037 h 1536192"/>
+              <a:gd name="connsiteX7" fmla="*/ 2721205 w 2721205"/>
+              <a:gd name="connsiteY7" fmla="*/ 788578 h 1536192"/>
+              <a:gd name="connsiteX8" fmla="*/ 2721205 w 2721205"/>
+              <a:gd name="connsiteY8" fmla="*/ 1280155 h 1536192"/>
+              <a:gd name="connsiteX9" fmla="*/ 2465168 w 2721205"/>
+              <a:gd name="connsiteY9" fmla="*/ 1536192 h 1536192"/>
+              <a:gd name="connsiteX10" fmla="*/ 1912885 w 2721205"/>
+              <a:gd name="connsiteY10" fmla="*/ 1536192 h 1536192"/>
+              <a:gd name="connsiteX11" fmla="*/ 1360603 w 2721205"/>
+              <a:gd name="connsiteY11" fmla="*/ 1536192 h 1536192"/>
+              <a:gd name="connsiteX12" fmla="*/ 808320 w 2721205"/>
+              <a:gd name="connsiteY12" fmla="*/ 1536192 h 1536192"/>
+              <a:gd name="connsiteX13" fmla="*/ 256037 w 2721205"/>
+              <a:gd name="connsiteY13" fmla="*/ 1536192 h 1536192"/>
+              <a:gd name="connsiteX14" fmla="*/ 0 w 2721205"/>
+              <a:gd name="connsiteY14" fmla="*/ 1280155 h 1536192"/>
+              <a:gd name="connsiteX15" fmla="*/ 0 w 2721205"/>
+              <a:gd name="connsiteY15" fmla="*/ 778337 h 1536192"/>
+              <a:gd name="connsiteX16" fmla="*/ 0 w 2721205"/>
+              <a:gd name="connsiteY16" fmla="*/ 256037 h 1536192"/>
+            </a:gdLst>
+            <a:ahLst/>
+            <a:cxnLst>
+              <a:cxn ang="0">
+                <a:pos x="connsiteX0" y="connsiteY0"/>
+              </a:cxn>
+              <a:cxn ang="0">
+                <a:pos x="connsiteX1" y="connsiteY1"/>
+              </a:cxn>
+              <a:cxn ang="0">
+                <a:pos x="connsiteX2" y="connsiteY2"/>
+              </a:cxn>
+              <a:cxn ang="0">
+                <a:pos x="connsiteX3" y="connsiteY3"/>
+              </a:cxn>
+              <a:cxn ang="0">
+                <a:pos x="connsiteX4" y="connsiteY4"/>
+              </a:cxn>
+              <a:cxn ang="0">
+                <a:pos x="connsiteX5" y="connsiteY5"/>
+              </a:cxn>
+              <a:cxn ang="0">
+                <a:pos x="connsiteX6" y="connsiteY6"/>
+              </a:cxn>
+              <a:cxn ang="0">
+                <a:pos x="connsiteX7" y="connsiteY7"/>
+              </a:cxn>
+              <a:cxn ang="0">
+                <a:pos x="connsiteX8" y="connsiteY8"/>
+              </a:cxn>
+              <a:cxn ang="0">
+                <a:pos x="connsiteX9" y="connsiteY9"/>
+              </a:cxn>
+              <a:cxn ang="0">
+                <a:pos x="connsiteX10" y="connsiteY10"/>
+              </a:cxn>
+              <a:cxn ang="0">
+                <a:pos x="connsiteX11" y="connsiteY11"/>
+              </a:cxn>
+              <a:cxn ang="0">
+                <a:pos x="connsiteX12" y="connsiteY12"/>
+              </a:cxn>
+              <a:cxn ang="0">
+                <a:pos x="connsiteX13" y="connsiteY13"/>
+              </a:cxn>
+              <a:cxn ang="0">
+                <a:pos x="connsiteX14" y="connsiteY14"/>
+              </a:cxn>
+              <a:cxn ang="0">
+                <a:pos x="connsiteX15" y="connsiteY15"/>
+              </a:cxn>
+              <a:cxn ang="0">
+                <a:pos x="connsiteX16" y="connsiteY16"/>
+              </a:cxn>
+            </a:cxnLst>
+            <a:rect l="l" t="t" r="r" b="b"/>
+            <a:pathLst>
+              <a:path w="2721205" h="1536192" fill="none" extrusionOk="0">
+                <a:moveTo>
+                  <a:pt x="0" y="256037"/>
+                </a:moveTo>
+                <a:cubicBezTo>
+                  <a:pt x="2196" y="126779"/>
+                  <a:pt x="133092" y="-12596"/>
+                  <a:pt x="256037" y="0"/>
+                </a:cubicBezTo>
+                <a:cubicBezTo>
+                  <a:pt x="464123" y="15724"/>
+                  <a:pt x="657832" y="7293"/>
+                  <a:pt x="764137" y="0"/>
+                </a:cubicBezTo>
+                <a:cubicBezTo>
+                  <a:pt x="870442" y="-7293"/>
+                  <a:pt x="1149638" y="-21413"/>
+                  <a:pt x="1250146" y="0"/>
+                </a:cubicBezTo>
+                <a:cubicBezTo>
+                  <a:pt x="1350654" y="21413"/>
+                  <a:pt x="1553281" y="9680"/>
+                  <a:pt x="1802429" y="0"/>
+                </a:cubicBezTo>
+                <a:cubicBezTo>
+                  <a:pt x="2051577" y="-9680"/>
+                  <a:pt x="2242074" y="-5379"/>
+                  <a:pt x="2465168" y="0"/>
+                </a:cubicBezTo>
+                <a:cubicBezTo>
+                  <a:pt x="2638272" y="9396"/>
+                  <a:pt x="2720480" y="124857"/>
+                  <a:pt x="2721205" y="256037"/>
+                </a:cubicBezTo>
+                <a:cubicBezTo>
+                  <a:pt x="2731234" y="433536"/>
+                  <a:pt x="2725383" y="543963"/>
+                  <a:pt x="2721205" y="788578"/>
+                </a:cubicBezTo>
+                <a:cubicBezTo>
+                  <a:pt x="2717027" y="1033193"/>
+                  <a:pt x="2735334" y="1103807"/>
+                  <a:pt x="2721205" y="1280155"/>
+                </a:cubicBezTo>
+                <a:cubicBezTo>
+                  <a:pt x="2713814" y="1443996"/>
+                  <a:pt x="2574629" y="1528691"/>
+                  <a:pt x="2465168" y="1536192"/>
+                </a:cubicBezTo>
+                <a:cubicBezTo>
+                  <a:pt x="2284297" y="1539489"/>
+                  <a:pt x="2132399" y="1563721"/>
+                  <a:pt x="1912885" y="1536192"/>
+                </a:cubicBezTo>
+                <a:cubicBezTo>
+                  <a:pt x="1693371" y="1508663"/>
+                  <a:pt x="1486296" y="1512517"/>
+                  <a:pt x="1360603" y="1536192"/>
+                </a:cubicBezTo>
+                <a:cubicBezTo>
+                  <a:pt x="1234910" y="1559867"/>
+                  <a:pt x="1062751" y="1560485"/>
+                  <a:pt x="808320" y="1536192"/>
+                </a:cubicBezTo>
+                <a:cubicBezTo>
+                  <a:pt x="553889" y="1511899"/>
+                  <a:pt x="531282" y="1510440"/>
+                  <a:pt x="256037" y="1536192"/>
+                </a:cubicBezTo>
+                <a:cubicBezTo>
+                  <a:pt x="90246" y="1540927"/>
+                  <a:pt x="-8618" y="1406346"/>
+                  <a:pt x="0" y="1280155"/>
+                </a:cubicBezTo>
+                <a:cubicBezTo>
+                  <a:pt x="-16679" y="1147822"/>
+                  <a:pt x="-2861" y="971445"/>
+                  <a:pt x="0" y="778337"/>
+                </a:cubicBezTo>
+                <a:cubicBezTo>
+                  <a:pt x="2861" y="585229"/>
+                  <a:pt x="22161" y="450077"/>
+                  <a:pt x="0" y="256037"/>
+                </a:cubicBezTo>
+                <a:close/>
+              </a:path>
+              <a:path w="2721205" h="1536192" stroke="0" extrusionOk="0">
+                <a:moveTo>
+                  <a:pt x="0" y="256037"/>
+                </a:moveTo>
+                <a:cubicBezTo>
+                  <a:pt x="11186" y="120102"/>
+                  <a:pt x="113718" y="-11713"/>
+                  <a:pt x="256037" y="0"/>
+                </a:cubicBezTo>
+                <a:cubicBezTo>
+                  <a:pt x="405242" y="-1527"/>
+                  <a:pt x="522712" y="663"/>
+                  <a:pt x="764137" y="0"/>
+                </a:cubicBezTo>
+                <a:cubicBezTo>
+                  <a:pt x="1005562" y="-663"/>
+                  <a:pt x="1095289" y="-14922"/>
+                  <a:pt x="1316420" y="0"/>
+                </a:cubicBezTo>
+                <a:cubicBezTo>
+                  <a:pt x="1537551" y="14922"/>
+                  <a:pt x="1691166" y="-23313"/>
+                  <a:pt x="1912885" y="0"/>
+                </a:cubicBezTo>
+                <a:cubicBezTo>
+                  <a:pt x="2134604" y="23313"/>
+                  <a:pt x="2224966" y="21"/>
+                  <a:pt x="2465168" y="0"/>
+                </a:cubicBezTo>
+                <a:cubicBezTo>
+                  <a:pt x="2600859" y="-4892"/>
+                  <a:pt x="2709855" y="129776"/>
+                  <a:pt x="2721205" y="256037"/>
+                </a:cubicBezTo>
+                <a:cubicBezTo>
+                  <a:pt x="2714887" y="498777"/>
+                  <a:pt x="2719877" y="550994"/>
+                  <a:pt x="2721205" y="757855"/>
+                </a:cubicBezTo>
+                <a:cubicBezTo>
+                  <a:pt x="2722533" y="964716"/>
+                  <a:pt x="2734039" y="1117931"/>
+                  <a:pt x="2721205" y="1280155"/>
+                </a:cubicBezTo>
+                <a:cubicBezTo>
+                  <a:pt x="2718892" y="1392529"/>
+                  <a:pt x="2604113" y="1539379"/>
+                  <a:pt x="2465168" y="1536192"/>
+                </a:cubicBezTo>
+                <a:cubicBezTo>
+                  <a:pt x="2252136" y="1527430"/>
+                  <a:pt x="2109950" y="1513708"/>
+                  <a:pt x="1979159" y="1536192"/>
+                </a:cubicBezTo>
+                <a:cubicBezTo>
+                  <a:pt x="1848368" y="1558676"/>
+                  <a:pt x="1619283" y="1538692"/>
+                  <a:pt x="1382694" y="1536192"/>
+                </a:cubicBezTo>
+                <a:cubicBezTo>
+                  <a:pt x="1146106" y="1533692"/>
+                  <a:pt x="1080096" y="1537840"/>
+                  <a:pt x="852502" y="1536192"/>
+                </a:cubicBezTo>
+                <a:cubicBezTo>
+                  <a:pt x="624908" y="1534544"/>
+                  <a:pt x="384775" y="1542488"/>
+                  <a:pt x="256037" y="1536192"/>
+                </a:cubicBezTo>
+                <a:cubicBezTo>
+                  <a:pt x="116554" y="1548238"/>
+                  <a:pt x="-22346" y="1409671"/>
+                  <a:pt x="0" y="1280155"/>
+                </a:cubicBezTo>
+                <a:cubicBezTo>
+                  <a:pt x="21745" y="1158709"/>
+                  <a:pt x="4777" y="933328"/>
+                  <a:pt x="0" y="747614"/>
+                </a:cubicBezTo>
+                <a:cubicBezTo>
+                  <a:pt x="-4777" y="561900"/>
+                  <a:pt x="-24385" y="394867"/>
+                  <a:pt x="0" y="256037"/>
+                </a:cubicBezTo>
+                <a:close/>
+              </a:path>
+            </a:pathLst>
+          </a:custGeom>
+          <a:ln w="38100">
+            <a:solidFill>
+              <a:schemeClr val="tx1"/>
+            </a:solidFill>
+            <a:extLst>
+              <a:ext uri="{C807C97D-BFC1-408E-A445-0C87EB9F89A2}">
+                <ask:lineSketchStyleProps xmlns:ask="http://schemas.microsoft.com/office/drawing/2018/sketchyshapes" sd="594653713">
+                  <a:prstGeom prst="roundRect">
+                    <a:avLst/>
+                  </a:prstGeom>
+                  <ask:type>
+                    <ask:lineSketchFreehand/>
+                  </ask:type>
+                </ask:lineSketchStyleProps>
+              </a:ext>
+            </a:extLst>
+          </a:ln>
+        </p:spPr>
+        <p:style>
+          <a:lnRef idx="2">
+            <a:schemeClr val="accent3">
+              <a:shade val="15000"/>
+            </a:schemeClr>
+          </a:lnRef>
+          <a:fillRef idx="1">
+            <a:schemeClr val="accent3"/>
+          </a:fillRef>
+          <a:effectRef idx="0">
+            <a:schemeClr val="accent3"/>
+          </a:effectRef>
+          <a:fontRef idx="minor">
+            <a:schemeClr val="lt1"/>
+          </a:fontRef>
+        </p:style>
+        <p:txBody>
+          <a:bodyPr rtlCol="0" anchor="ctr"/>
+          <a:lstStyle/>
+          <a:p>
+            <a:r>
+              <a:rPr lang="en-US" sz="1300" dirty="0"/>
+              <a:t>Uncut Diamonds from Botswana Smuggled into Bengaluru</a:t>
+            </a:r>
+            <a:br>
+              <a:rPr lang="en-US" sz="1300" dirty="0"/>
+            </a:br>
+            <a:r>
+              <a:rPr lang="en-US" sz="1300" dirty="0"/>
+              <a:t>Stored in a pharma</a:t>
+            </a:r>
+            <a:br>
+              <a:rPr lang="en-US" sz="1300" dirty="0"/>
+            </a:br>
+            <a:r>
+              <a:rPr lang="en-US" sz="1300" dirty="0"/>
+              <a:t>Sent to Surat to Cut</a:t>
+            </a:r>
+            <a:br>
+              <a:rPr lang="en-US" sz="1300" dirty="0"/>
+            </a:br>
+            <a:r>
+              <a:rPr lang="en-US" sz="1300" dirty="0"/>
+              <a:t>Sold it to buyers</a:t>
+            </a:r>
+          </a:p>
+        </p:txBody>
+      </p:sp>
+      <p:sp>
+        <p:nvSpPr>
+          <p:cNvPr id="6" name="Rectangle: Rounded Corners 5">
+            <a:extLst>
+              <a:ext uri="{FF2B5EF4-FFF2-40B4-BE49-F238E27FC236}">
+                <a16:creationId xmlns:a16="http://schemas.microsoft.com/office/drawing/2014/main" id="{F648FCE7-72FD-EBEC-E279-96EB609F8CAF}"/>
+              </a:ext>
+            </a:extLst>
+          </p:cNvPr>
+          <p:cNvSpPr/>
+          <p:nvPr/>
+        </p:nvSpPr>
+        <p:spPr>
+          <a:xfrm>
+            <a:off x="7494978" y="356558"/>
+            <a:ext cx="2721205" cy="1536192"/>
+          </a:xfrm>
+          <a:custGeom>
+            <a:avLst/>
+            <a:gdLst>
+              <a:gd name="connsiteX0" fmla="*/ 0 w 2721205"/>
+              <a:gd name="connsiteY0" fmla="*/ 256037 h 1536192"/>
+              <a:gd name="connsiteX1" fmla="*/ 256037 w 2721205"/>
+              <a:gd name="connsiteY1" fmla="*/ 0 h 1536192"/>
+              <a:gd name="connsiteX2" fmla="*/ 852502 w 2721205"/>
+              <a:gd name="connsiteY2" fmla="*/ 0 h 1536192"/>
+              <a:gd name="connsiteX3" fmla="*/ 1360603 w 2721205"/>
+              <a:gd name="connsiteY3" fmla="*/ 0 h 1536192"/>
+              <a:gd name="connsiteX4" fmla="*/ 1934977 w 2721205"/>
+              <a:gd name="connsiteY4" fmla="*/ 0 h 1536192"/>
+              <a:gd name="connsiteX5" fmla="*/ 2465168 w 2721205"/>
+              <a:gd name="connsiteY5" fmla="*/ 0 h 1536192"/>
+              <a:gd name="connsiteX6" fmla="*/ 2721205 w 2721205"/>
+              <a:gd name="connsiteY6" fmla="*/ 256037 h 1536192"/>
+              <a:gd name="connsiteX7" fmla="*/ 2721205 w 2721205"/>
+              <a:gd name="connsiteY7" fmla="*/ 747614 h 1536192"/>
+              <a:gd name="connsiteX8" fmla="*/ 2721205 w 2721205"/>
+              <a:gd name="connsiteY8" fmla="*/ 1280155 h 1536192"/>
+              <a:gd name="connsiteX9" fmla="*/ 2465168 w 2721205"/>
+              <a:gd name="connsiteY9" fmla="*/ 1536192 h 1536192"/>
+              <a:gd name="connsiteX10" fmla="*/ 1890794 w 2721205"/>
+              <a:gd name="connsiteY10" fmla="*/ 1536192 h 1536192"/>
+              <a:gd name="connsiteX11" fmla="*/ 1338511 w 2721205"/>
+              <a:gd name="connsiteY11" fmla="*/ 1536192 h 1536192"/>
+              <a:gd name="connsiteX12" fmla="*/ 764137 w 2721205"/>
+              <a:gd name="connsiteY12" fmla="*/ 1536192 h 1536192"/>
+              <a:gd name="connsiteX13" fmla="*/ 256037 w 2721205"/>
+              <a:gd name="connsiteY13" fmla="*/ 1536192 h 1536192"/>
+              <a:gd name="connsiteX14" fmla="*/ 0 w 2721205"/>
+              <a:gd name="connsiteY14" fmla="*/ 1280155 h 1536192"/>
+              <a:gd name="connsiteX15" fmla="*/ 0 w 2721205"/>
+              <a:gd name="connsiteY15" fmla="*/ 757855 h 1536192"/>
+              <a:gd name="connsiteX16" fmla="*/ 0 w 2721205"/>
+              <a:gd name="connsiteY16" fmla="*/ 256037 h 1536192"/>
+            </a:gdLst>
+            <a:ahLst/>
+            <a:cxnLst>
+              <a:cxn ang="0">
+                <a:pos x="connsiteX0" y="connsiteY0"/>
+              </a:cxn>
+              <a:cxn ang="0">
+                <a:pos x="connsiteX1" y="connsiteY1"/>
+              </a:cxn>
+              <a:cxn ang="0">
+                <a:pos x="connsiteX2" y="connsiteY2"/>
+              </a:cxn>
+              <a:cxn ang="0">
+                <a:pos x="connsiteX3" y="connsiteY3"/>
+              </a:cxn>
+              <a:cxn ang="0">
+                <a:pos x="connsiteX4" y="connsiteY4"/>
+              </a:cxn>
+              <a:cxn ang="0">
+                <a:pos x="connsiteX5" y="connsiteY5"/>
+              </a:cxn>
+              <a:cxn ang="0">
+                <a:pos x="connsiteX6" y="connsiteY6"/>
+              </a:cxn>
+              <a:cxn ang="0">
+                <a:pos x="connsiteX7" y="connsiteY7"/>
+              </a:cxn>
+              <a:cxn ang="0">
+                <a:pos x="connsiteX8" y="connsiteY8"/>
+              </a:cxn>
+              <a:cxn ang="0">
+                <a:pos x="connsiteX9" y="connsiteY9"/>
+              </a:cxn>
+              <a:cxn ang="0">
+                <a:pos x="connsiteX10" y="connsiteY10"/>
+              </a:cxn>
+              <a:cxn ang="0">
+                <a:pos x="connsiteX11" y="connsiteY11"/>
+              </a:cxn>
+              <a:cxn ang="0">
+                <a:pos x="connsiteX12" y="connsiteY12"/>
+              </a:cxn>
+              <a:cxn ang="0">
+                <a:pos x="connsiteX13" y="connsiteY13"/>
+              </a:cxn>
+              <a:cxn ang="0">
+                <a:pos x="connsiteX14" y="connsiteY14"/>
+              </a:cxn>
+              <a:cxn ang="0">
+                <a:pos x="connsiteX15" y="connsiteY15"/>
+              </a:cxn>
+              <a:cxn ang="0">
+                <a:pos x="connsiteX16" y="connsiteY16"/>
+              </a:cxn>
+            </a:cxnLst>
+            <a:rect l="l" t="t" r="r" b="b"/>
+            <a:pathLst>
+              <a:path w="2721205" h="1536192" fill="none" extrusionOk="0">
+                <a:moveTo>
+                  <a:pt x="0" y="256037"/>
+                </a:moveTo>
+                <a:cubicBezTo>
+                  <a:pt x="24235" y="95993"/>
+                  <a:pt x="101711" y="1679"/>
+                  <a:pt x="256037" y="0"/>
+                </a:cubicBezTo>
+                <a:cubicBezTo>
+                  <a:pt x="424511" y="-14404"/>
+                  <a:pt x="613843" y="13735"/>
+                  <a:pt x="852502" y="0"/>
+                </a:cubicBezTo>
+                <a:cubicBezTo>
+                  <a:pt x="1091161" y="-13735"/>
+                  <a:pt x="1145353" y="-2097"/>
+                  <a:pt x="1360603" y="0"/>
+                </a:cubicBezTo>
+                <a:cubicBezTo>
+                  <a:pt x="1575853" y="2097"/>
+                  <a:pt x="1667444" y="18628"/>
+                  <a:pt x="1934977" y="0"/>
+                </a:cubicBezTo>
+                <a:cubicBezTo>
+                  <a:pt x="2202510" y="-18628"/>
+                  <a:pt x="2296563" y="10897"/>
+                  <a:pt x="2465168" y="0"/>
+                </a:cubicBezTo>
+                <a:cubicBezTo>
+                  <a:pt x="2602544" y="8"/>
+                  <a:pt x="2715244" y="119931"/>
+                  <a:pt x="2721205" y="256037"/>
+                </a:cubicBezTo>
+                <a:cubicBezTo>
+                  <a:pt x="2701878" y="382444"/>
+                  <a:pt x="2726089" y="614549"/>
+                  <a:pt x="2721205" y="747614"/>
+                </a:cubicBezTo>
+                <a:cubicBezTo>
+                  <a:pt x="2716321" y="880679"/>
+                  <a:pt x="2745293" y="1034415"/>
+                  <a:pt x="2721205" y="1280155"/>
+                </a:cubicBezTo>
+                <a:cubicBezTo>
+                  <a:pt x="2742292" y="1402706"/>
+                  <a:pt x="2617666" y="1535728"/>
+                  <a:pt x="2465168" y="1536192"/>
+                </a:cubicBezTo>
+                <a:cubicBezTo>
+                  <a:pt x="2261675" y="1546063"/>
+                  <a:pt x="2135601" y="1563079"/>
+                  <a:pt x="1890794" y="1536192"/>
+                </a:cubicBezTo>
+                <a:cubicBezTo>
+                  <a:pt x="1645987" y="1509305"/>
+                  <a:pt x="1523814" y="1518493"/>
+                  <a:pt x="1338511" y="1536192"/>
+                </a:cubicBezTo>
+                <a:cubicBezTo>
+                  <a:pt x="1153208" y="1553891"/>
+                  <a:pt x="987825" y="1536938"/>
+                  <a:pt x="764137" y="1536192"/>
+                </a:cubicBezTo>
+                <a:cubicBezTo>
+                  <a:pt x="540449" y="1535446"/>
+                  <a:pt x="456713" y="1557169"/>
+                  <a:pt x="256037" y="1536192"/>
+                </a:cubicBezTo>
+                <a:cubicBezTo>
+                  <a:pt x="108199" y="1540932"/>
+                  <a:pt x="-17452" y="1448514"/>
+                  <a:pt x="0" y="1280155"/>
+                </a:cubicBezTo>
+                <a:cubicBezTo>
+                  <a:pt x="-11276" y="1160551"/>
+                  <a:pt x="-11017" y="963890"/>
+                  <a:pt x="0" y="757855"/>
+                </a:cubicBezTo>
+                <a:cubicBezTo>
+                  <a:pt x="11017" y="551820"/>
+                  <a:pt x="15070" y="385298"/>
+                  <a:pt x="0" y="256037"/>
+                </a:cubicBezTo>
+                <a:close/>
+              </a:path>
+              <a:path w="2721205" h="1536192" stroke="0" extrusionOk="0">
+                <a:moveTo>
+                  <a:pt x="0" y="256037"/>
+                </a:moveTo>
+                <a:cubicBezTo>
+                  <a:pt x="8243" y="81680"/>
+                  <a:pt x="115135" y="-4856"/>
+                  <a:pt x="256037" y="0"/>
+                </a:cubicBezTo>
+                <a:cubicBezTo>
+                  <a:pt x="378401" y="12694"/>
+                  <a:pt x="640326" y="-16417"/>
+                  <a:pt x="786228" y="0"/>
+                </a:cubicBezTo>
+                <a:cubicBezTo>
+                  <a:pt x="932130" y="16417"/>
+                  <a:pt x="1179314" y="3504"/>
+                  <a:pt x="1360603" y="0"/>
+                </a:cubicBezTo>
+                <a:cubicBezTo>
+                  <a:pt x="1541893" y="-3504"/>
+                  <a:pt x="1708766" y="-10334"/>
+                  <a:pt x="1912885" y="0"/>
+                </a:cubicBezTo>
+                <a:cubicBezTo>
+                  <a:pt x="2117004" y="10334"/>
+                  <a:pt x="2253749" y="-2115"/>
+                  <a:pt x="2465168" y="0"/>
+                </a:cubicBezTo>
+                <a:cubicBezTo>
+                  <a:pt x="2593641" y="-26956"/>
+                  <a:pt x="2715181" y="125010"/>
+                  <a:pt x="2721205" y="256037"/>
+                </a:cubicBezTo>
+                <a:cubicBezTo>
+                  <a:pt x="2739118" y="480156"/>
+                  <a:pt x="2730087" y="584394"/>
+                  <a:pt x="2721205" y="737372"/>
+                </a:cubicBezTo>
+                <a:cubicBezTo>
+                  <a:pt x="2712323" y="890351"/>
+                  <a:pt x="2736977" y="1102514"/>
+                  <a:pt x="2721205" y="1280155"/>
+                </a:cubicBezTo>
+                <a:cubicBezTo>
+                  <a:pt x="2702553" y="1415229"/>
+                  <a:pt x="2612097" y="1559329"/>
+                  <a:pt x="2465168" y="1536192"/>
+                </a:cubicBezTo>
+                <a:cubicBezTo>
+                  <a:pt x="2303721" y="1514945"/>
+                  <a:pt x="2204042" y="1541107"/>
+                  <a:pt x="1979159" y="1536192"/>
+                </a:cubicBezTo>
+                <a:cubicBezTo>
+                  <a:pt x="1754276" y="1531277"/>
+                  <a:pt x="1613444" y="1540563"/>
+                  <a:pt x="1426876" y="1536192"/>
+                </a:cubicBezTo>
+                <a:cubicBezTo>
+                  <a:pt x="1240308" y="1531821"/>
+                  <a:pt x="1136019" y="1556618"/>
+                  <a:pt x="874594" y="1536192"/>
+                </a:cubicBezTo>
+                <a:cubicBezTo>
+                  <a:pt x="613169" y="1515766"/>
+                  <a:pt x="460125" y="1519270"/>
+                  <a:pt x="256037" y="1536192"/>
+                </a:cubicBezTo>
+                <a:cubicBezTo>
+                  <a:pt x="98535" y="1529039"/>
+                  <a:pt x="4431" y="1436874"/>
+                  <a:pt x="0" y="1280155"/>
+                </a:cubicBezTo>
+                <a:cubicBezTo>
+                  <a:pt x="-14004" y="1050824"/>
+                  <a:pt x="10201" y="917176"/>
+                  <a:pt x="0" y="757855"/>
+                </a:cubicBezTo>
+                <a:cubicBezTo>
+                  <a:pt x="-10201" y="598534"/>
+                  <a:pt x="3076" y="408291"/>
+                  <a:pt x="0" y="256037"/>
+                </a:cubicBezTo>
+                <a:close/>
+              </a:path>
+            </a:pathLst>
+          </a:custGeom>
+          <a:ln w="38100">
+            <a:solidFill>
+              <a:schemeClr val="tx1"/>
+            </a:solidFill>
+            <a:extLst>
+              <a:ext uri="{C807C97D-BFC1-408E-A445-0C87EB9F89A2}">
+                <ask:lineSketchStyleProps xmlns:ask="http://schemas.microsoft.com/office/drawing/2018/sketchyshapes" sd="2545784740">
+                  <a:prstGeom prst="roundRect">
+                    <a:avLst/>
+                  </a:prstGeom>
+                  <ask:type>
+                    <ask:lineSketchFreehand/>
+                  </ask:type>
+                </ask:lineSketchStyleProps>
+              </a:ext>
+            </a:extLst>
+          </a:ln>
+        </p:spPr>
+        <p:style>
+          <a:lnRef idx="2">
+            <a:schemeClr val="accent3">
+              <a:shade val="15000"/>
+            </a:schemeClr>
+          </a:lnRef>
+          <a:fillRef idx="1">
+            <a:schemeClr val="accent3"/>
+          </a:fillRef>
+          <a:effectRef idx="0">
+            <a:schemeClr val="accent3"/>
+          </a:effectRef>
+          <a:fontRef idx="minor">
+            <a:schemeClr val="lt1"/>
+          </a:fontRef>
+        </p:style>
+        <p:txBody>
+          <a:bodyPr rtlCol="0" anchor="ctr"/>
+          <a:lstStyle/>
+          <a:p>
+            <a:r>
+              <a:rPr lang="en-US" sz="1300" dirty="0"/>
+              <a:t>Buy Arms from Mafia</a:t>
+            </a:r>
+            <a:br>
+              <a:rPr lang="en-US" sz="1300" dirty="0"/>
+            </a:br>
+            <a:r>
+              <a:rPr lang="en-US" sz="1300" dirty="0"/>
+              <a:t>Ship it using Pharma</a:t>
+            </a:r>
+            <a:br>
+              <a:rPr lang="en-US" sz="1300" dirty="0"/>
+            </a:br>
+            <a:r>
+              <a:rPr lang="en-US" sz="1300" dirty="0"/>
+              <a:t>Store in Cult</a:t>
+            </a:r>
+            <a:br>
+              <a:rPr lang="en-US" sz="1300" dirty="0"/>
+            </a:br>
+            <a:r>
+              <a:rPr lang="en-US" sz="1300" dirty="0"/>
+              <a:t>Take advance from Buyers</a:t>
+            </a:r>
+            <a:br>
+              <a:rPr lang="en-US" sz="1300" dirty="0"/>
+            </a:br>
+            <a:r>
+              <a:rPr lang="en-US" sz="1300" dirty="0"/>
+              <a:t>Sell it to Buyers</a:t>
+            </a:r>
+          </a:p>
+        </p:txBody>
+      </p:sp>
+      <p:sp>
+        <p:nvSpPr>
+          <p:cNvPr id="7" name="Rectangle: Rounded Corners 6">
+            <a:extLst>
+              <a:ext uri="{FF2B5EF4-FFF2-40B4-BE49-F238E27FC236}">
+                <a16:creationId xmlns:a16="http://schemas.microsoft.com/office/drawing/2014/main" id="{19DCF5F4-4039-6BA7-AB3A-66450BEA8AFA}"/>
+              </a:ext>
+            </a:extLst>
+          </p:cNvPr>
+          <p:cNvSpPr/>
+          <p:nvPr/>
+        </p:nvSpPr>
+        <p:spPr>
+          <a:xfrm>
+            <a:off x="692417" y="2660904"/>
+            <a:ext cx="2721204" cy="1536192"/>
+          </a:xfrm>
+          <a:custGeom>
+            <a:avLst/>
+            <a:gdLst>
+              <a:gd name="connsiteX0" fmla="*/ 0 w 2721204"/>
+              <a:gd name="connsiteY0" fmla="*/ 256037 h 1536192"/>
+              <a:gd name="connsiteX1" fmla="*/ 256037 w 2721204"/>
+              <a:gd name="connsiteY1" fmla="*/ 0 h 1536192"/>
+              <a:gd name="connsiteX2" fmla="*/ 830411 w 2721204"/>
+              <a:gd name="connsiteY2" fmla="*/ 0 h 1536192"/>
+              <a:gd name="connsiteX3" fmla="*/ 1360602 w 2721204"/>
+              <a:gd name="connsiteY3" fmla="*/ 0 h 1536192"/>
+              <a:gd name="connsiteX4" fmla="*/ 1890793 w 2721204"/>
+              <a:gd name="connsiteY4" fmla="*/ 0 h 1536192"/>
+              <a:gd name="connsiteX5" fmla="*/ 2465167 w 2721204"/>
+              <a:gd name="connsiteY5" fmla="*/ 0 h 1536192"/>
+              <a:gd name="connsiteX6" fmla="*/ 2721204 w 2721204"/>
+              <a:gd name="connsiteY6" fmla="*/ 256037 h 1536192"/>
+              <a:gd name="connsiteX7" fmla="*/ 2721204 w 2721204"/>
+              <a:gd name="connsiteY7" fmla="*/ 757855 h 1536192"/>
+              <a:gd name="connsiteX8" fmla="*/ 2721204 w 2721204"/>
+              <a:gd name="connsiteY8" fmla="*/ 1280155 h 1536192"/>
+              <a:gd name="connsiteX9" fmla="*/ 2465167 w 2721204"/>
+              <a:gd name="connsiteY9" fmla="*/ 1536192 h 1536192"/>
+              <a:gd name="connsiteX10" fmla="*/ 1934976 w 2721204"/>
+              <a:gd name="connsiteY10" fmla="*/ 1536192 h 1536192"/>
+              <a:gd name="connsiteX11" fmla="*/ 1448967 w 2721204"/>
+              <a:gd name="connsiteY11" fmla="*/ 1536192 h 1536192"/>
+              <a:gd name="connsiteX12" fmla="*/ 852502 w 2721204"/>
+              <a:gd name="connsiteY12" fmla="*/ 1536192 h 1536192"/>
+              <a:gd name="connsiteX13" fmla="*/ 256037 w 2721204"/>
+              <a:gd name="connsiteY13" fmla="*/ 1536192 h 1536192"/>
+              <a:gd name="connsiteX14" fmla="*/ 0 w 2721204"/>
+              <a:gd name="connsiteY14" fmla="*/ 1280155 h 1536192"/>
+              <a:gd name="connsiteX15" fmla="*/ 0 w 2721204"/>
+              <a:gd name="connsiteY15" fmla="*/ 757855 h 1536192"/>
+              <a:gd name="connsiteX16" fmla="*/ 0 w 2721204"/>
+              <a:gd name="connsiteY16" fmla="*/ 256037 h 1536192"/>
+            </a:gdLst>
+            <a:ahLst/>
+            <a:cxnLst>
+              <a:cxn ang="0">
+                <a:pos x="connsiteX0" y="connsiteY0"/>
+              </a:cxn>
+              <a:cxn ang="0">
+                <a:pos x="connsiteX1" y="connsiteY1"/>
+              </a:cxn>
+              <a:cxn ang="0">
+                <a:pos x="connsiteX2" y="connsiteY2"/>
+              </a:cxn>
+              <a:cxn ang="0">
+                <a:pos x="connsiteX3" y="connsiteY3"/>
+              </a:cxn>
+              <a:cxn ang="0">
+                <a:pos x="connsiteX4" y="connsiteY4"/>
+              </a:cxn>
+              <a:cxn ang="0">
+                <a:pos x="connsiteX5" y="connsiteY5"/>
+              </a:cxn>
+              <a:cxn ang="0">
+                <a:pos x="connsiteX6" y="connsiteY6"/>
+              </a:cxn>
+              <a:cxn ang="0">
+                <a:pos x="connsiteX7" y="connsiteY7"/>
+              </a:cxn>
+              <a:cxn ang="0">
+                <a:pos x="connsiteX8" y="connsiteY8"/>
+              </a:cxn>
+              <a:cxn ang="0">
+                <a:pos x="connsiteX9" y="connsiteY9"/>
+              </a:cxn>
+              <a:cxn ang="0">
+                <a:pos x="connsiteX10" y="connsiteY10"/>
+              </a:cxn>
+              <a:cxn ang="0">
+                <a:pos x="connsiteX11" y="connsiteY11"/>
+              </a:cxn>
+              <a:cxn ang="0">
+                <a:pos x="connsiteX12" y="connsiteY12"/>
+              </a:cxn>
+              <a:cxn ang="0">
+                <a:pos x="connsiteX13" y="connsiteY13"/>
+              </a:cxn>
+              <a:cxn ang="0">
+                <a:pos x="connsiteX14" y="connsiteY14"/>
+              </a:cxn>
+              <a:cxn ang="0">
+                <a:pos x="connsiteX15" y="connsiteY15"/>
+              </a:cxn>
+              <a:cxn ang="0">
+                <a:pos x="connsiteX16" y="connsiteY16"/>
+              </a:cxn>
+            </a:cxnLst>
+            <a:rect l="l" t="t" r="r" b="b"/>
+            <a:pathLst>
+              <a:path w="2721204" h="1536192" fill="none" extrusionOk="0">
+                <a:moveTo>
+                  <a:pt x="0" y="256037"/>
+                </a:moveTo>
+                <a:cubicBezTo>
+                  <a:pt x="50" y="121506"/>
+                  <a:pt x="84116" y="17268"/>
+                  <a:pt x="256037" y="0"/>
+                </a:cubicBezTo>
+                <a:cubicBezTo>
+                  <a:pt x="424260" y="17431"/>
+                  <a:pt x="660125" y="10828"/>
+                  <a:pt x="830411" y="0"/>
+                </a:cubicBezTo>
+                <a:cubicBezTo>
+                  <a:pt x="1000697" y="-10828"/>
+                  <a:pt x="1245802" y="-17001"/>
+                  <a:pt x="1360602" y="0"/>
+                </a:cubicBezTo>
+                <a:cubicBezTo>
+                  <a:pt x="1475402" y="17001"/>
+                  <a:pt x="1692287" y="24017"/>
+                  <a:pt x="1890793" y="0"/>
+                </a:cubicBezTo>
+                <a:cubicBezTo>
+                  <a:pt x="2089299" y="-24017"/>
+                  <a:pt x="2230517" y="-20856"/>
+                  <a:pt x="2465167" y="0"/>
+                </a:cubicBezTo>
+                <a:cubicBezTo>
+                  <a:pt x="2610967" y="-13169"/>
+                  <a:pt x="2742058" y="109425"/>
+                  <a:pt x="2721204" y="256037"/>
+                </a:cubicBezTo>
+                <a:cubicBezTo>
+                  <a:pt x="2723994" y="421262"/>
+                  <a:pt x="2742997" y="653570"/>
+                  <a:pt x="2721204" y="757855"/>
+                </a:cubicBezTo>
+                <a:cubicBezTo>
+                  <a:pt x="2699411" y="862140"/>
+                  <a:pt x="2726388" y="1061808"/>
+                  <a:pt x="2721204" y="1280155"/>
+                </a:cubicBezTo>
+                <a:cubicBezTo>
+                  <a:pt x="2708617" y="1405062"/>
+                  <a:pt x="2582699" y="1523317"/>
+                  <a:pt x="2465167" y="1536192"/>
+                </a:cubicBezTo>
+                <a:cubicBezTo>
+                  <a:pt x="2267990" y="1542172"/>
+                  <a:pt x="2081069" y="1551388"/>
+                  <a:pt x="1934976" y="1536192"/>
+                </a:cubicBezTo>
+                <a:cubicBezTo>
+                  <a:pt x="1788883" y="1520996"/>
+                  <a:pt x="1610870" y="1515750"/>
+                  <a:pt x="1448967" y="1536192"/>
+                </a:cubicBezTo>
+                <a:cubicBezTo>
+                  <a:pt x="1287064" y="1556634"/>
+                  <a:pt x="1103738" y="1509595"/>
+                  <a:pt x="852502" y="1536192"/>
+                </a:cubicBezTo>
+                <a:cubicBezTo>
+                  <a:pt x="601266" y="1562789"/>
+                  <a:pt x="497297" y="1524119"/>
+                  <a:pt x="256037" y="1536192"/>
+                </a:cubicBezTo>
+                <a:cubicBezTo>
+                  <a:pt x="107403" y="1509087"/>
+                  <a:pt x="-14616" y="1403864"/>
+                  <a:pt x="0" y="1280155"/>
+                </a:cubicBezTo>
+                <a:cubicBezTo>
+                  <a:pt x="24782" y="1109026"/>
+                  <a:pt x="12643" y="978290"/>
+                  <a:pt x="0" y="757855"/>
+                </a:cubicBezTo>
+                <a:cubicBezTo>
+                  <a:pt x="-12643" y="537420"/>
+                  <a:pt x="-18283" y="424502"/>
+                  <a:pt x="0" y="256037"/>
+                </a:cubicBezTo>
+                <a:close/>
+              </a:path>
+              <a:path w="2721204" h="1536192" stroke="0" extrusionOk="0">
+                <a:moveTo>
+                  <a:pt x="0" y="256037"/>
+                </a:moveTo>
+                <a:cubicBezTo>
+                  <a:pt x="23789" y="122843"/>
+                  <a:pt x="134223" y="325"/>
+                  <a:pt x="256037" y="0"/>
+                </a:cubicBezTo>
+                <a:cubicBezTo>
+                  <a:pt x="405021" y="6546"/>
+                  <a:pt x="530285" y="-5138"/>
+                  <a:pt x="786228" y="0"/>
+                </a:cubicBezTo>
+                <a:cubicBezTo>
+                  <a:pt x="1042171" y="5138"/>
+                  <a:pt x="1160842" y="-1008"/>
+                  <a:pt x="1360602" y="0"/>
+                </a:cubicBezTo>
+                <a:cubicBezTo>
+                  <a:pt x="1560362" y="1008"/>
+                  <a:pt x="1739553" y="6573"/>
+                  <a:pt x="1912885" y="0"/>
+                </a:cubicBezTo>
+                <a:cubicBezTo>
+                  <a:pt x="2086217" y="-6573"/>
+                  <a:pt x="2231177" y="-8107"/>
+                  <a:pt x="2465167" y="0"/>
+                </a:cubicBezTo>
+                <a:cubicBezTo>
+                  <a:pt x="2576454" y="1064"/>
+                  <a:pt x="2747019" y="131239"/>
+                  <a:pt x="2721204" y="256037"/>
+                </a:cubicBezTo>
+                <a:cubicBezTo>
+                  <a:pt x="2743789" y="370246"/>
+                  <a:pt x="2725626" y="657627"/>
+                  <a:pt x="2721204" y="768096"/>
+                </a:cubicBezTo>
+                <a:cubicBezTo>
+                  <a:pt x="2716782" y="878565"/>
+                  <a:pt x="2703783" y="1103562"/>
+                  <a:pt x="2721204" y="1280155"/>
+                </a:cubicBezTo>
+                <a:cubicBezTo>
+                  <a:pt x="2708128" y="1423913"/>
+                  <a:pt x="2597160" y="1518022"/>
+                  <a:pt x="2465167" y="1536192"/>
+                </a:cubicBezTo>
+                <a:cubicBezTo>
+                  <a:pt x="2336967" y="1557029"/>
+                  <a:pt x="2148800" y="1561312"/>
+                  <a:pt x="1890793" y="1536192"/>
+                </a:cubicBezTo>
+                <a:cubicBezTo>
+                  <a:pt x="1632786" y="1511072"/>
+                  <a:pt x="1586321" y="1529145"/>
+                  <a:pt x="1404785" y="1536192"/>
+                </a:cubicBezTo>
+                <a:cubicBezTo>
+                  <a:pt x="1223249" y="1543239"/>
+                  <a:pt x="1037366" y="1524570"/>
+                  <a:pt x="808320" y="1536192"/>
+                </a:cubicBezTo>
+                <a:cubicBezTo>
+                  <a:pt x="579274" y="1547814"/>
+                  <a:pt x="415105" y="1557316"/>
+                  <a:pt x="256037" y="1536192"/>
+                </a:cubicBezTo>
+                <a:cubicBezTo>
+                  <a:pt x="117283" y="1534199"/>
+                  <a:pt x="-17849" y="1396912"/>
+                  <a:pt x="0" y="1280155"/>
+                </a:cubicBezTo>
+                <a:cubicBezTo>
+                  <a:pt x="8613" y="1118071"/>
+                  <a:pt x="5790" y="960110"/>
+                  <a:pt x="0" y="788578"/>
+                </a:cubicBezTo>
+                <a:cubicBezTo>
+                  <a:pt x="-5790" y="617046"/>
+                  <a:pt x="-14320" y="383232"/>
+                  <a:pt x="0" y="256037"/>
+                </a:cubicBezTo>
+                <a:close/>
+              </a:path>
+            </a:pathLst>
+          </a:custGeom>
+          <a:ln w="38100">
+            <a:solidFill>
+              <a:schemeClr val="tx1"/>
+            </a:solidFill>
+            <a:extLst>
+              <a:ext uri="{C807C97D-BFC1-408E-A445-0C87EB9F89A2}">
+                <ask:lineSketchStyleProps xmlns:ask="http://schemas.microsoft.com/office/drawing/2018/sketchyshapes" sd="2259606259">
+                  <a:prstGeom prst="roundRect">
+                    <a:avLst/>
+                  </a:prstGeom>
+                  <ask:type>
+                    <ask:lineSketchFreehand/>
+                  </ask:type>
+                </ask:lineSketchStyleProps>
+              </a:ext>
+            </a:extLst>
+          </a:ln>
+        </p:spPr>
+        <p:style>
+          <a:lnRef idx="2">
+            <a:schemeClr val="accent3">
+              <a:shade val="15000"/>
+            </a:schemeClr>
+          </a:lnRef>
+          <a:fillRef idx="1">
+            <a:schemeClr val="accent3"/>
+          </a:fillRef>
+          <a:effectRef idx="0">
+            <a:schemeClr val="accent3"/>
+          </a:effectRef>
+          <a:fontRef idx="minor">
+            <a:schemeClr val="lt1"/>
+          </a:fontRef>
+        </p:style>
+        <p:txBody>
+          <a:bodyPr rtlCol="0" anchor="ctr"/>
+          <a:lstStyle/>
+          <a:p>
+            <a:r>
+              <a:rPr lang="en-US" sz="1300" dirty="0"/>
+              <a:t>Identify week members</a:t>
+            </a:r>
+            <a:br>
+              <a:rPr lang="en-US" sz="1300" dirty="0"/>
+            </a:br>
+            <a:r>
+              <a:rPr lang="en-US" sz="1300" dirty="0"/>
+              <a:t>Kill them and take out meat</a:t>
+            </a:r>
+            <a:br>
+              <a:rPr lang="en-US" sz="1300" dirty="0"/>
+            </a:br>
+            <a:r>
+              <a:rPr lang="en-US" sz="1300" dirty="0"/>
+              <a:t>Store it in Cult</a:t>
+            </a:r>
+            <a:br>
+              <a:rPr lang="en-US" sz="1300" dirty="0"/>
+            </a:br>
+            <a:r>
+              <a:rPr lang="en-US" sz="1300" dirty="0"/>
+              <a:t>Buyers pay and take it away</a:t>
+            </a:r>
+          </a:p>
+        </p:txBody>
+      </p:sp>
+      <p:sp>
+        <p:nvSpPr>
+          <p:cNvPr id="9" name="Rectangle: Rounded Corners 8">
+            <a:extLst>
+              <a:ext uri="{FF2B5EF4-FFF2-40B4-BE49-F238E27FC236}">
+                <a16:creationId xmlns:a16="http://schemas.microsoft.com/office/drawing/2014/main" id="{2BB9CA93-956E-948F-DC3A-0EE8C99E7055}"/>
+              </a:ext>
+            </a:extLst>
+          </p:cNvPr>
+          <p:cNvSpPr/>
+          <p:nvPr/>
+        </p:nvSpPr>
+        <p:spPr>
+          <a:xfrm>
+            <a:off x="8655667" y="2660904"/>
+            <a:ext cx="2721204" cy="1536192"/>
+          </a:xfrm>
+          <a:custGeom>
+            <a:avLst/>
+            <a:gdLst>
+              <a:gd name="connsiteX0" fmla="*/ 0 w 2721204"/>
+              <a:gd name="connsiteY0" fmla="*/ 256037 h 1536192"/>
+              <a:gd name="connsiteX1" fmla="*/ 256037 w 2721204"/>
+              <a:gd name="connsiteY1" fmla="*/ 0 h 1536192"/>
+              <a:gd name="connsiteX2" fmla="*/ 830411 w 2721204"/>
+              <a:gd name="connsiteY2" fmla="*/ 0 h 1536192"/>
+              <a:gd name="connsiteX3" fmla="*/ 1404785 w 2721204"/>
+              <a:gd name="connsiteY3" fmla="*/ 0 h 1536192"/>
+              <a:gd name="connsiteX4" fmla="*/ 1890793 w 2721204"/>
+              <a:gd name="connsiteY4" fmla="*/ 0 h 1536192"/>
+              <a:gd name="connsiteX5" fmla="*/ 2465167 w 2721204"/>
+              <a:gd name="connsiteY5" fmla="*/ 0 h 1536192"/>
+              <a:gd name="connsiteX6" fmla="*/ 2721204 w 2721204"/>
+              <a:gd name="connsiteY6" fmla="*/ 256037 h 1536192"/>
+              <a:gd name="connsiteX7" fmla="*/ 2721204 w 2721204"/>
+              <a:gd name="connsiteY7" fmla="*/ 737372 h 1536192"/>
+              <a:gd name="connsiteX8" fmla="*/ 2721204 w 2721204"/>
+              <a:gd name="connsiteY8" fmla="*/ 1280155 h 1536192"/>
+              <a:gd name="connsiteX9" fmla="*/ 2465167 w 2721204"/>
+              <a:gd name="connsiteY9" fmla="*/ 1536192 h 1536192"/>
+              <a:gd name="connsiteX10" fmla="*/ 1957067 w 2721204"/>
+              <a:gd name="connsiteY10" fmla="*/ 1536192 h 1536192"/>
+              <a:gd name="connsiteX11" fmla="*/ 1471059 w 2721204"/>
+              <a:gd name="connsiteY11" fmla="*/ 1536192 h 1536192"/>
+              <a:gd name="connsiteX12" fmla="*/ 940867 w 2721204"/>
+              <a:gd name="connsiteY12" fmla="*/ 1536192 h 1536192"/>
+              <a:gd name="connsiteX13" fmla="*/ 256037 w 2721204"/>
+              <a:gd name="connsiteY13" fmla="*/ 1536192 h 1536192"/>
+              <a:gd name="connsiteX14" fmla="*/ 0 w 2721204"/>
+              <a:gd name="connsiteY14" fmla="*/ 1280155 h 1536192"/>
+              <a:gd name="connsiteX15" fmla="*/ 0 w 2721204"/>
+              <a:gd name="connsiteY15" fmla="*/ 757855 h 1536192"/>
+              <a:gd name="connsiteX16" fmla="*/ 0 w 2721204"/>
+              <a:gd name="connsiteY16" fmla="*/ 256037 h 1536192"/>
+            </a:gdLst>
+            <a:ahLst/>
+            <a:cxnLst>
+              <a:cxn ang="0">
+                <a:pos x="connsiteX0" y="connsiteY0"/>
+              </a:cxn>
+              <a:cxn ang="0">
+                <a:pos x="connsiteX1" y="connsiteY1"/>
+              </a:cxn>
+              <a:cxn ang="0">
+                <a:pos x="connsiteX2" y="connsiteY2"/>
+              </a:cxn>
+              <a:cxn ang="0">
+                <a:pos x="connsiteX3" y="connsiteY3"/>
+              </a:cxn>
+              <a:cxn ang="0">
+                <a:pos x="connsiteX4" y="connsiteY4"/>
+              </a:cxn>
+              <a:cxn ang="0">
+                <a:pos x="connsiteX5" y="connsiteY5"/>
+              </a:cxn>
+              <a:cxn ang="0">
+                <a:pos x="connsiteX6" y="connsiteY6"/>
+              </a:cxn>
+              <a:cxn ang="0">
+                <a:pos x="connsiteX7" y="connsiteY7"/>
+              </a:cxn>
+              <a:cxn ang="0">
+                <a:pos x="connsiteX8" y="connsiteY8"/>
+              </a:cxn>
+              <a:cxn ang="0">
+                <a:pos x="connsiteX9" y="connsiteY9"/>
+              </a:cxn>
+              <a:cxn ang="0">
+                <a:pos x="connsiteX10" y="connsiteY10"/>
+              </a:cxn>
+              <a:cxn ang="0">
+                <a:pos x="connsiteX11" y="connsiteY11"/>
+              </a:cxn>
+              <a:cxn ang="0">
+                <a:pos x="connsiteX12" y="connsiteY12"/>
+              </a:cxn>
+              <a:cxn ang="0">
+                <a:pos x="connsiteX13" y="connsiteY13"/>
+              </a:cxn>
+              <a:cxn ang="0">
+                <a:pos x="connsiteX14" y="connsiteY14"/>
+              </a:cxn>
+              <a:cxn ang="0">
+                <a:pos x="connsiteX15" y="connsiteY15"/>
+              </a:cxn>
+              <a:cxn ang="0">
+                <a:pos x="connsiteX16" y="connsiteY16"/>
+              </a:cxn>
+            </a:cxnLst>
+            <a:rect l="l" t="t" r="r" b="b"/>
+            <a:pathLst>
+              <a:path w="2721204" h="1536192" fill="none" extrusionOk="0">
+                <a:moveTo>
+                  <a:pt x="0" y="256037"/>
+                </a:moveTo>
+                <a:cubicBezTo>
+                  <a:pt x="-26308" y="93432"/>
+                  <a:pt x="116223" y="-5432"/>
+                  <a:pt x="256037" y="0"/>
+                </a:cubicBezTo>
+                <a:cubicBezTo>
+                  <a:pt x="447962" y="23675"/>
+                  <a:pt x="703139" y="-12492"/>
+                  <a:pt x="830411" y="0"/>
+                </a:cubicBezTo>
+                <a:cubicBezTo>
+                  <a:pt x="957683" y="12492"/>
+                  <a:pt x="1227918" y="-9141"/>
+                  <a:pt x="1404785" y="0"/>
+                </a:cubicBezTo>
+                <a:cubicBezTo>
+                  <a:pt x="1581652" y="9141"/>
+                  <a:pt x="1706278" y="13970"/>
+                  <a:pt x="1890793" y="0"/>
+                </a:cubicBezTo>
+                <a:cubicBezTo>
+                  <a:pt x="2075308" y="-13970"/>
+                  <a:pt x="2325334" y="-5589"/>
+                  <a:pt x="2465167" y="0"/>
+                </a:cubicBezTo>
+                <a:cubicBezTo>
+                  <a:pt x="2597803" y="15027"/>
+                  <a:pt x="2719657" y="105686"/>
+                  <a:pt x="2721204" y="256037"/>
+                </a:cubicBezTo>
+                <a:cubicBezTo>
+                  <a:pt x="2744479" y="355875"/>
+                  <a:pt x="2713126" y="509070"/>
+                  <a:pt x="2721204" y="737372"/>
+                </a:cubicBezTo>
+                <a:cubicBezTo>
+                  <a:pt x="2729282" y="965674"/>
+                  <a:pt x="2736648" y="1155844"/>
+                  <a:pt x="2721204" y="1280155"/>
+                </a:cubicBezTo>
+                <a:cubicBezTo>
+                  <a:pt x="2730794" y="1387684"/>
+                  <a:pt x="2613680" y="1547721"/>
+                  <a:pt x="2465167" y="1536192"/>
+                </a:cubicBezTo>
+                <a:cubicBezTo>
+                  <a:pt x="2299477" y="1547480"/>
+                  <a:pt x="2106474" y="1514890"/>
+                  <a:pt x="1957067" y="1536192"/>
+                </a:cubicBezTo>
+                <a:cubicBezTo>
+                  <a:pt x="1807660" y="1557494"/>
+                  <a:pt x="1592061" y="1533703"/>
+                  <a:pt x="1471059" y="1536192"/>
+                </a:cubicBezTo>
+                <a:cubicBezTo>
+                  <a:pt x="1350057" y="1538681"/>
+                  <a:pt x="1193780" y="1529896"/>
+                  <a:pt x="940867" y="1536192"/>
+                </a:cubicBezTo>
+                <a:cubicBezTo>
+                  <a:pt x="687954" y="1542488"/>
+                  <a:pt x="522470" y="1505274"/>
+                  <a:pt x="256037" y="1536192"/>
+                </a:cubicBezTo>
+                <a:cubicBezTo>
+                  <a:pt x="139064" y="1523719"/>
+                  <a:pt x="12523" y="1434637"/>
+                  <a:pt x="0" y="1280155"/>
+                </a:cubicBezTo>
+                <a:cubicBezTo>
+                  <a:pt x="-3900" y="1169449"/>
+                  <a:pt x="-24484" y="947646"/>
+                  <a:pt x="0" y="757855"/>
+                </a:cubicBezTo>
+                <a:cubicBezTo>
+                  <a:pt x="24484" y="568064"/>
+                  <a:pt x="2880" y="428499"/>
+                  <a:pt x="0" y="256037"/>
+                </a:cubicBezTo>
+                <a:close/>
+              </a:path>
+              <a:path w="2721204" h="1536192" stroke="0" extrusionOk="0">
+                <a:moveTo>
+                  <a:pt x="0" y="256037"/>
+                </a:moveTo>
+                <a:cubicBezTo>
+                  <a:pt x="-23996" y="108175"/>
+                  <a:pt x="113282" y="25534"/>
+                  <a:pt x="256037" y="0"/>
+                </a:cubicBezTo>
+                <a:cubicBezTo>
+                  <a:pt x="411047" y="18981"/>
+                  <a:pt x="556499" y="-25596"/>
+                  <a:pt x="786228" y="0"/>
+                </a:cubicBezTo>
+                <a:cubicBezTo>
+                  <a:pt x="1015957" y="25596"/>
+                  <a:pt x="1151337" y="-3257"/>
+                  <a:pt x="1338511" y="0"/>
+                </a:cubicBezTo>
+                <a:cubicBezTo>
+                  <a:pt x="1525685" y="3257"/>
+                  <a:pt x="1747616" y="19989"/>
+                  <a:pt x="1890793" y="0"/>
+                </a:cubicBezTo>
+                <a:cubicBezTo>
+                  <a:pt x="2033970" y="-19989"/>
+                  <a:pt x="2244544" y="6655"/>
+                  <a:pt x="2465167" y="0"/>
+                </a:cubicBezTo>
+                <a:cubicBezTo>
+                  <a:pt x="2585361" y="5641"/>
+                  <a:pt x="2703882" y="113249"/>
+                  <a:pt x="2721204" y="256037"/>
+                </a:cubicBezTo>
+                <a:cubicBezTo>
+                  <a:pt x="2721540" y="515464"/>
+                  <a:pt x="2727005" y="613500"/>
+                  <a:pt x="2721204" y="778337"/>
+                </a:cubicBezTo>
+                <a:cubicBezTo>
+                  <a:pt x="2715403" y="943174"/>
+                  <a:pt x="2740638" y="1088708"/>
+                  <a:pt x="2721204" y="1280155"/>
+                </a:cubicBezTo>
+                <a:cubicBezTo>
+                  <a:pt x="2723936" y="1429986"/>
+                  <a:pt x="2638747" y="1527685"/>
+                  <a:pt x="2465167" y="1536192"/>
+                </a:cubicBezTo>
+                <a:cubicBezTo>
+                  <a:pt x="2324658" y="1543260"/>
+                  <a:pt x="2050210" y="1531140"/>
+                  <a:pt x="1912885" y="1536192"/>
+                </a:cubicBezTo>
+                <a:cubicBezTo>
+                  <a:pt x="1775560" y="1541244"/>
+                  <a:pt x="1605144" y="1523637"/>
+                  <a:pt x="1404785" y="1536192"/>
+                </a:cubicBezTo>
+                <a:cubicBezTo>
+                  <a:pt x="1204426" y="1548747"/>
+                  <a:pt x="1135058" y="1522227"/>
+                  <a:pt x="874593" y="1536192"/>
+                </a:cubicBezTo>
+                <a:cubicBezTo>
+                  <a:pt x="614128" y="1550157"/>
+                  <a:pt x="555648" y="1541267"/>
+                  <a:pt x="256037" y="1536192"/>
+                </a:cubicBezTo>
+                <a:cubicBezTo>
+                  <a:pt x="139574" y="1512064"/>
+                  <a:pt x="-1058" y="1406726"/>
+                  <a:pt x="0" y="1280155"/>
+                </a:cubicBezTo>
+                <a:cubicBezTo>
+                  <a:pt x="-18776" y="1173486"/>
+                  <a:pt x="-3604" y="1008411"/>
+                  <a:pt x="0" y="768096"/>
+                </a:cubicBezTo>
+                <a:cubicBezTo>
+                  <a:pt x="3604" y="527781"/>
+                  <a:pt x="22815" y="447680"/>
+                  <a:pt x="0" y="256037"/>
+                </a:cubicBezTo>
+                <a:close/>
+              </a:path>
+            </a:pathLst>
+          </a:custGeom>
+          <a:ln w="38100">
+            <a:solidFill>
+              <a:schemeClr val="tx1"/>
+            </a:solidFill>
+            <a:extLst>
+              <a:ext uri="{C807C97D-BFC1-408E-A445-0C87EB9F89A2}">
+                <ask:lineSketchStyleProps xmlns:ask="http://schemas.microsoft.com/office/drawing/2018/sketchyshapes" sd="2486745078">
+                  <a:prstGeom prst="roundRect">
+                    <a:avLst/>
+                  </a:prstGeom>
+                  <ask:type>
+                    <ask:lineSketchFreehand/>
+                  </ask:type>
+                </ask:lineSketchStyleProps>
+              </a:ext>
+            </a:extLst>
+          </a:ln>
+        </p:spPr>
+        <p:style>
+          <a:lnRef idx="2">
+            <a:schemeClr val="accent3">
+              <a:shade val="15000"/>
+            </a:schemeClr>
+          </a:lnRef>
+          <a:fillRef idx="1">
+            <a:schemeClr val="accent3"/>
+          </a:fillRef>
+          <a:effectRef idx="0">
+            <a:schemeClr val="accent3"/>
+          </a:effectRef>
+          <a:fontRef idx="minor">
+            <a:schemeClr val="lt1"/>
+          </a:fontRef>
+        </p:style>
+        <p:txBody>
+          <a:bodyPr rtlCol="0" anchor="ctr"/>
+          <a:lstStyle/>
+          <a:p>
+            <a:r>
+              <a:rPr lang="en-US" sz="1300" dirty="0"/>
+              <a:t>Print INR in a factory</a:t>
+            </a:r>
+            <a:br>
+              <a:rPr lang="en-US" sz="1300" dirty="0"/>
+            </a:br>
+            <a:r>
+              <a:rPr lang="en-US" sz="1300" dirty="0"/>
+              <a:t>Store it in Paintings</a:t>
+            </a:r>
+            <a:br>
+              <a:rPr lang="en-US" sz="1300" dirty="0"/>
+            </a:br>
+            <a:r>
+              <a:rPr lang="en-US" sz="1300" dirty="0"/>
+              <a:t>Ship it to India</a:t>
+            </a:r>
+          </a:p>
+        </p:txBody>
+      </p:sp>
+      <p:cxnSp>
+        <p:nvCxnSpPr>
+          <p:cNvPr id="11" name="Straight Connector 10">
+            <a:extLst>
+              <a:ext uri="{FF2B5EF4-FFF2-40B4-BE49-F238E27FC236}">
+                <a16:creationId xmlns:a16="http://schemas.microsoft.com/office/drawing/2014/main" id="{24964F50-BBE8-FA95-3A4D-2C33F700DA99}"/>
+              </a:ext>
+            </a:extLst>
+          </p:cNvPr>
+          <p:cNvCxnSpPr>
+            <a:cxnSpLocks/>
+            <a:stCxn id="4" idx="3"/>
+            <a:endCxn id="6" idx="1"/>
+          </p:cNvCxnSpPr>
+          <p:nvPr/>
+        </p:nvCxnSpPr>
+        <p:spPr>
+          <a:xfrm>
+            <a:off x="4697024" y="1124654"/>
+            <a:ext cx="2797954" cy="0"/>
+          </a:xfrm>
+          <a:prstGeom prst="line">
+            <a:avLst/>
+          </a:prstGeom>
+          <a:ln w="38100">
+            <a:solidFill>
+              <a:schemeClr val="tx1"/>
+            </a:solidFill>
+            <a:headEnd type="oval" w="med" len="med"/>
+            <a:tailEnd type="oval" w="med" len="med"/>
+          </a:ln>
+        </p:spPr>
+        <p:style>
+          <a:lnRef idx="2">
+            <a:schemeClr val="accent1"/>
+          </a:lnRef>
+          <a:fillRef idx="0">
+            <a:schemeClr val="accent1"/>
+          </a:fillRef>
+          <a:effectRef idx="1">
+            <a:schemeClr val="accent1"/>
+          </a:effectRef>
+          <a:fontRef idx="minor">
+            <a:schemeClr val="tx1"/>
+          </a:fontRef>
+        </p:style>
+      </p:cxnSp>
+      <p:cxnSp>
+        <p:nvCxnSpPr>
+          <p:cNvPr id="13" name="Straight Connector 12">
+            <a:extLst>
+              <a:ext uri="{FF2B5EF4-FFF2-40B4-BE49-F238E27FC236}">
+                <a16:creationId xmlns:a16="http://schemas.microsoft.com/office/drawing/2014/main" id="{61FCF219-9F4F-EAA3-9D02-462B244DB26A}"/>
+              </a:ext>
+            </a:extLst>
+          </p:cNvPr>
+          <p:cNvCxnSpPr>
+            <a:cxnSpLocks/>
+          </p:cNvCxnSpPr>
+          <p:nvPr/>
+        </p:nvCxnSpPr>
+        <p:spPr>
+          <a:xfrm>
+            <a:off x="6029699" y="1112285"/>
+            <a:ext cx="4508" cy="1214979"/>
+          </a:xfrm>
+          <a:prstGeom prst="line">
+            <a:avLst/>
+          </a:prstGeom>
+          <a:ln w="38100">
+            <a:solidFill>
+              <a:schemeClr val="tx1"/>
+            </a:solidFill>
+            <a:headEnd type="oval" w="med" len="med"/>
+            <a:tailEnd type="oval" w="med" len="med"/>
+          </a:ln>
+        </p:spPr>
+        <p:style>
+          <a:lnRef idx="2">
+            <a:schemeClr val="accent1"/>
+          </a:lnRef>
+          <a:fillRef idx="0">
+            <a:schemeClr val="accent1"/>
+          </a:fillRef>
+          <a:effectRef idx="1">
+            <a:schemeClr val="accent1"/>
+          </a:effectRef>
+          <a:fontRef idx="minor">
+            <a:schemeClr val="tx1"/>
+          </a:fontRef>
+        </p:style>
+      </p:cxnSp>
+      <p:cxnSp>
+        <p:nvCxnSpPr>
+          <p:cNvPr id="15" name="Straight Connector 14">
+            <a:extLst>
+              <a:ext uri="{FF2B5EF4-FFF2-40B4-BE49-F238E27FC236}">
+                <a16:creationId xmlns:a16="http://schemas.microsoft.com/office/drawing/2014/main" id="{858B7E47-BC61-2926-B96D-E285E6581B8D}"/>
+              </a:ext>
+            </a:extLst>
+          </p:cNvPr>
+          <p:cNvCxnSpPr>
+            <a:cxnSpLocks/>
+            <a:stCxn id="7" idx="3"/>
+            <a:endCxn id="29" idx="3"/>
+          </p:cNvCxnSpPr>
+          <p:nvPr/>
+        </p:nvCxnSpPr>
+        <p:spPr>
+          <a:xfrm flipV="1">
+            <a:off x="3413621" y="3428999"/>
+            <a:ext cx="1398524" cy="1"/>
+          </a:xfrm>
+          <a:prstGeom prst="line">
+            <a:avLst/>
+          </a:prstGeom>
+          <a:ln w="38100">
+            <a:solidFill>
+              <a:schemeClr val="tx1"/>
+            </a:solidFill>
+            <a:headEnd type="oval" w="med" len="med"/>
+            <a:tailEnd type="oval" w="med" len="med"/>
+          </a:ln>
+        </p:spPr>
+        <p:style>
+          <a:lnRef idx="2">
+            <a:schemeClr val="accent1"/>
+          </a:lnRef>
+          <a:fillRef idx="0">
+            <a:schemeClr val="accent1"/>
+          </a:fillRef>
+          <a:effectRef idx="1">
+            <a:schemeClr val="accent1"/>
+          </a:effectRef>
+          <a:fontRef idx="minor">
+            <a:schemeClr val="tx1"/>
+          </a:fontRef>
+        </p:style>
+      </p:cxnSp>
+      <p:cxnSp>
+        <p:nvCxnSpPr>
+          <p:cNvPr id="17" name="Straight Connector 16">
+            <a:extLst>
+              <a:ext uri="{FF2B5EF4-FFF2-40B4-BE49-F238E27FC236}">
+                <a16:creationId xmlns:a16="http://schemas.microsoft.com/office/drawing/2014/main" id="{BA90CEA9-2DBB-2FA5-51A0-D725296D03DB}"/>
+              </a:ext>
+            </a:extLst>
+          </p:cNvPr>
+          <p:cNvCxnSpPr>
+            <a:cxnSpLocks/>
+            <a:endCxn id="9" idx="1"/>
+          </p:cNvCxnSpPr>
+          <p:nvPr/>
+        </p:nvCxnSpPr>
+        <p:spPr>
+          <a:xfrm>
+            <a:off x="7295065" y="3429000"/>
+            <a:ext cx="1360602" cy="0"/>
+          </a:xfrm>
+          <a:prstGeom prst="line">
+            <a:avLst/>
+          </a:prstGeom>
+          <a:ln w="38100">
+            <a:solidFill>
+              <a:schemeClr val="tx1"/>
+            </a:solidFill>
+            <a:headEnd type="oval" w="med" len="med"/>
+            <a:tailEnd type="oval" w="med" len="med"/>
+          </a:ln>
+        </p:spPr>
+        <p:style>
+          <a:lnRef idx="2">
+            <a:schemeClr val="accent1"/>
+          </a:lnRef>
+          <a:fillRef idx="0">
+            <a:schemeClr val="accent1"/>
+          </a:fillRef>
+          <a:effectRef idx="1">
+            <a:schemeClr val="accent1"/>
+          </a:effectRef>
+          <a:fontRef idx="minor">
+            <a:schemeClr val="tx1"/>
+          </a:fontRef>
+        </p:style>
+      </p:cxnSp>
+      <p:sp>
+        <p:nvSpPr>
+          <p:cNvPr id="29" name="Hexagon 28">
+            <a:extLst>
+              <a:ext uri="{FF2B5EF4-FFF2-40B4-BE49-F238E27FC236}">
+                <a16:creationId xmlns:a16="http://schemas.microsoft.com/office/drawing/2014/main" id="{5336AEC4-82C5-187C-D1D0-45E2B7CFFCE1}"/>
+              </a:ext>
+            </a:extLst>
+          </p:cNvPr>
+          <p:cNvSpPr/>
+          <p:nvPr/>
+        </p:nvSpPr>
+        <p:spPr>
+          <a:xfrm>
+            <a:off x="4812145" y="2327264"/>
+            <a:ext cx="2567709" cy="2203469"/>
+          </a:xfrm>
+          <a:custGeom>
+            <a:avLst/>
+            <a:gdLst>
+              <a:gd name="connsiteX0" fmla="*/ 0 w 2567709"/>
+              <a:gd name="connsiteY0" fmla="*/ 1101735 h 2203469"/>
+              <a:gd name="connsiteX1" fmla="*/ 280942 w 2567709"/>
+              <a:gd name="connsiteY1" fmla="*/ 539851 h 2203469"/>
+              <a:gd name="connsiteX2" fmla="*/ 550867 w 2567709"/>
+              <a:gd name="connsiteY2" fmla="*/ 1 h 2203469"/>
+              <a:gd name="connsiteX3" fmla="*/ 1039525 w 2567709"/>
+              <a:gd name="connsiteY3" fmla="*/ 1 h 2203469"/>
+              <a:gd name="connsiteX4" fmla="*/ 1557503 w 2567709"/>
+              <a:gd name="connsiteY4" fmla="*/ 1 h 2203469"/>
+              <a:gd name="connsiteX5" fmla="*/ 2016842 w 2567709"/>
+              <a:gd name="connsiteY5" fmla="*/ 1 h 2203469"/>
+              <a:gd name="connsiteX6" fmla="*/ 2292276 w 2567709"/>
+              <a:gd name="connsiteY6" fmla="*/ 550868 h 2203469"/>
+              <a:gd name="connsiteX7" fmla="*/ 2567709 w 2567709"/>
+              <a:gd name="connsiteY7" fmla="*/ 1101735 h 2203469"/>
+              <a:gd name="connsiteX8" fmla="*/ 2297784 w 2567709"/>
+              <a:gd name="connsiteY8" fmla="*/ 1641584 h 2203469"/>
+              <a:gd name="connsiteX9" fmla="*/ 2016842 w 2567709"/>
+              <a:gd name="connsiteY9" fmla="*/ 2203468 h 2203469"/>
+              <a:gd name="connsiteX10" fmla="*/ 1542843 w 2567709"/>
+              <a:gd name="connsiteY10" fmla="*/ 2203468 h 2203469"/>
+              <a:gd name="connsiteX11" fmla="*/ 1024866 w 2567709"/>
+              <a:gd name="connsiteY11" fmla="*/ 2203468 h 2203469"/>
+              <a:gd name="connsiteX12" fmla="*/ 550867 w 2567709"/>
+              <a:gd name="connsiteY12" fmla="*/ 2203468 h 2203469"/>
+              <a:gd name="connsiteX13" fmla="*/ 286451 w 2567709"/>
+              <a:gd name="connsiteY13" fmla="*/ 1674636 h 2203469"/>
+              <a:gd name="connsiteX14" fmla="*/ 0 w 2567709"/>
+              <a:gd name="connsiteY14" fmla="*/ 1101735 h 2203469"/>
+            </a:gdLst>
+            <a:ahLst/>
+            <a:cxnLst>
+              <a:cxn ang="0">
+                <a:pos x="connsiteX0" y="connsiteY0"/>
+              </a:cxn>
+              <a:cxn ang="0">
+                <a:pos x="connsiteX1" y="connsiteY1"/>
+              </a:cxn>
+              <a:cxn ang="0">
+                <a:pos x="connsiteX2" y="connsiteY2"/>
+              </a:cxn>
+              <a:cxn ang="0">
+                <a:pos x="connsiteX3" y="connsiteY3"/>
+              </a:cxn>
+              <a:cxn ang="0">
+                <a:pos x="connsiteX4" y="connsiteY4"/>
+              </a:cxn>
+              <a:cxn ang="0">
+                <a:pos x="connsiteX5" y="connsiteY5"/>
+              </a:cxn>
+              <a:cxn ang="0">
+                <a:pos x="connsiteX6" y="connsiteY6"/>
+              </a:cxn>
+              <a:cxn ang="0">
+                <a:pos x="connsiteX7" y="connsiteY7"/>
+              </a:cxn>
+              <a:cxn ang="0">
+                <a:pos x="connsiteX8" y="connsiteY8"/>
+              </a:cxn>
+              <a:cxn ang="0">
+                <a:pos x="connsiteX9" y="connsiteY9"/>
+              </a:cxn>
+              <a:cxn ang="0">
+                <a:pos x="connsiteX10" y="connsiteY10"/>
+              </a:cxn>
+              <a:cxn ang="0">
+                <a:pos x="connsiteX11" y="connsiteY11"/>
+              </a:cxn>
+              <a:cxn ang="0">
+                <a:pos x="connsiteX12" y="connsiteY12"/>
+              </a:cxn>
+              <a:cxn ang="0">
+                <a:pos x="connsiteX13" y="connsiteY13"/>
+              </a:cxn>
+              <a:cxn ang="0">
+                <a:pos x="connsiteX14" y="connsiteY14"/>
+              </a:cxn>
+            </a:cxnLst>
+            <a:rect l="l" t="t" r="r" b="b"/>
+            <a:pathLst>
+              <a:path w="2567709" h="2203469" fill="none" extrusionOk="0">
+                <a:moveTo>
+                  <a:pt x="0" y="1101735"/>
+                </a:moveTo>
+                <a:cubicBezTo>
+                  <a:pt x="68224" y="945929"/>
+                  <a:pt x="196657" y="679989"/>
+                  <a:pt x="280942" y="539851"/>
+                </a:cubicBezTo>
+                <a:cubicBezTo>
+                  <a:pt x="365227" y="399713"/>
+                  <a:pt x="474470" y="191252"/>
+                  <a:pt x="550867" y="1"/>
+                </a:cubicBezTo>
+                <a:cubicBezTo>
+                  <a:pt x="693208" y="-5039"/>
+                  <a:pt x="854385" y="23008"/>
+                  <a:pt x="1039525" y="1"/>
+                </a:cubicBezTo>
+                <a:cubicBezTo>
+                  <a:pt x="1224665" y="-23006"/>
+                  <a:pt x="1338768" y="-901"/>
+                  <a:pt x="1557503" y="1"/>
+                </a:cubicBezTo>
+                <a:cubicBezTo>
+                  <a:pt x="1776238" y="903"/>
+                  <a:pt x="1885788" y="-1540"/>
+                  <a:pt x="2016842" y="1"/>
+                </a:cubicBezTo>
+                <a:cubicBezTo>
+                  <a:pt x="2101158" y="122173"/>
+                  <a:pt x="2212854" y="401946"/>
+                  <a:pt x="2292276" y="550868"/>
+                </a:cubicBezTo>
+                <a:cubicBezTo>
+                  <a:pt x="2371697" y="699790"/>
+                  <a:pt x="2501573" y="986338"/>
+                  <a:pt x="2567709" y="1101735"/>
+                </a:cubicBezTo>
+                <a:cubicBezTo>
+                  <a:pt x="2425985" y="1332145"/>
+                  <a:pt x="2357729" y="1457080"/>
+                  <a:pt x="2297784" y="1641584"/>
+                </a:cubicBezTo>
+                <a:cubicBezTo>
+                  <a:pt x="2237839" y="1826088"/>
+                  <a:pt x="2089865" y="2047480"/>
+                  <a:pt x="2016842" y="2203468"/>
+                </a:cubicBezTo>
+                <a:cubicBezTo>
+                  <a:pt x="1823937" y="2215633"/>
+                  <a:pt x="1650650" y="2187094"/>
+                  <a:pt x="1542843" y="2203468"/>
+                </a:cubicBezTo>
+                <a:cubicBezTo>
+                  <a:pt x="1435036" y="2219842"/>
+                  <a:pt x="1278855" y="2179957"/>
+                  <a:pt x="1024866" y="2203468"/>
+                </a:cubicBezTo>
+                <a:cubicBezTo>
+                  <a:pt x="770877" y="2226979"/>
+                  <a:pt x="679614" y="2226668"/>
+                  <a:pt x="550867" y="2203468"/>
+                </a:cubicBezTo>
+                <a:cubicBezTo>
+                  <a:pt x="484338" y="2088330"/>
+                  <a:pt x="353191" y="1783478"/>
+                  <a:pt x="286451" y="1674636"/>
+                </a:cubicBezTo>
+                <a:cubicBezTo>
+                  <a:pt x="219711" y="1565794"/>
+                  <a:pt x="73141" y="1246708"/>
+                  <a:pt x="0" y="1101735"/>
+                </a:cubicBezTo>
+                <a:close/>
+              </a:path>
+              <a:path w="2567709" h="2203469" stroke="0" extrusionOk="0">
+                <a:moveTo>
+                  <a:pt x="0" y="1101735"/>
+                </a:moveTo>
+                <a:cubicBezTo>
+                  <a:pt x="133376" y="846906"/>
+                  <a:pt x="171806" y="700466"/>
+                  <a:pt x="258907" y="583920"/>
+                </a:cubicBezTo>
+                <a:cubicBezTo>
+                  <a:pt x="346008" y="467374"/>
+                  <a:pt x="486613" y="118977"/>
+                  <a:pt x="550867" y="1"/>
+                </a:cubicBezTo>
+                <a:cubicBezTo>
+                  <a:pt x="658072" y="12147"/>
+                  <a:pt x="788411" y="16185"/>
+                  <a:pt x="1010206" y="1"/>
+                </a:cubicBezTo>
+                <a:cubicBezTo>
+                  <a:pt x="1232001" y="-16183"/>
+                  <a:pt x="1324281" y="-11894"/>
+                  <a:pt x="1469545" y="1"/>
+                </a:cubicBezTo>
+                <a:cubicBezTo>
+                  <a:pt x="1614809" y="11896"/>
+                  <a:pt x="1778811" y="-6612"/>
+                  <a:pt x="2016842" y="1"/>
+                </a:cubicBezTo>
+                <a:cubicBezTo>
+                  <a:pt x="2047445" y="120139"/>
+                  <a:pt x="2167090" y="357920"/>
+                  <a:pt x="2281258" y="528833"/>
+                </a:cubicBezTo>
+                <a:cubicBezTo>
+                  <a:pt x="2395426" y="699746"/>
+                  <a:pt x="2474257" y="953444"/>
+                  <a:pt x="2567709" y="1101735"/>
+                </a:cubicBezTo>
+                <a:cubicBezTo>
+                  <a:pt x="2474668" y="1247418"/>
+                  <a:pt x="2335382" y="1498718"/>
+                  <a:pt x="2286767" y="1663619"/>
+                </a:cubicBezTo>
+                <a:cubicBezTo>
+                  <a:pt x="2238152" y="1828520"/>
+                  <a:pt x="2093879" y="1986977"/>
+                  <a:pt x="2016842" y="2203468"/>
+                </a:cubicBezTo>
+                <a:cubicBezTo>
+                  <a:pt x="1830591" y="2199339"/>
+                  <a:pt x="1662722" y="2181552"/>
+                  <a:pt x="1528184" y="2203468"/>
+                </a:cubicBezTo>
+                <a:cubicBezTo>
+                  <a:pt x="1393646" y="2225384"/>
+                  <a:pt x="1247291" y="2223156"/>
+                  <a:pt x="1039525" y="2203468"/>
+                </a:cubicBezTo>
+                <a:cubicBezTo>
+                  <a:pt x="831759" y="2183780"/>
+                  <a:pt x="790671" y="2227098"/>
+                  <a:pt x="550867" y="2203468"/>
+                </a:cubicBezTo>
+                <a:cubicBezTo>
+                  <a:pt x="487512" y="2069171"/>
+                  <a:pt x="388595" y="1916398"/>
+                  <a:pt x="291960" y="1685653"/>
+                </a:cubicBezTo>
+                <a:cubicBezTo>
+                  <a:pt x="195324" y="1454908"/>
+                  <a:pt x="73519" y="1217501"/>
+                  <a:pt x="0" y="1101735"/>
+                </a:cubicBezTo>
+                <a:close/>
+              </a:path>
+            </a:pathLst>
+          </a:custGeom>
+          <a:ln w="38100">
+            <a:solidFill>
+              <a:schemeClr val="tx1"/>
+            </a:solidFill>
+            <a:extLst>
+              <a:ext uri="{C807C97D-BFC1-408E-A445-0C87EB9F89A2}">
+                <ask:lineSketchStyleProps xmlns:ask="http://schemas.microsoft.com/office/drawing/2018/sketchyshapes" sd="1323906100">
+                  <a:prstGeom prst="hexagon">
+                    <a:avLst/>
+                  </a:prstGeom>
+                  <ask:type>
+                    <ask:lineSketchFreehand/>
+                  </ask:type>
+                </ask:lineSketchStyleProps>
+              </a:ext>
+            </a:extLst>
+          </a:ln>
+        </p:spPr>
+        <p:style>
+          <a:lnRef idx="0">
+            <a:schemeClr val="accent6"/>
+          </a:lnRef>
+          <a:fillRef idx="3">
+            <a:schemeClr val="accent6"/>
+          </a:fillRef>
+          <a:effectRef idx="3">
+            <a:schemeClr val="accent6"/>
+          </a:effectRef>
+          <a:fontRef idx="minor">
+            <a:schemeClr val="lt1"/>
+          </a:fontRef>
+        </p:style>
+        <p:txBody>
+          <a:bodyPr rtlCol="0" anchor="ctr"/>
+          <a:lstStyle/>
+          <a:p>
+            <a:pPr algn="ctr"/>
+            <a:r>
+              <a:rPr lang="en-US" sz="1300" b="1" dirty="0">
+                <a:solidFill>
+                  <a:schemeClr val="tx1"/>
+                </a:solidFill>
+              </a:rPr>
+              <a:t>CULT</a:t>
+            </a:r>
+          </a:p>
+        </p:txBody>
+      </p:sp>
+      <p:sp>
+        <p:nvSpPr>
+          <p:cNvPr id="41" name="TextBox 40">
+            <a:extLst>
+              <a:ext uri="{FF2B5EF4-FFF2-40B4-BE49-F238E27FC236}">
+                <a16:creationId xmlns:a16="http://schemas.microsoft.com/office/drawing/2014/main" id="{6D4B60D6-5BBD-B73A-57F8-5713767FAA10}"/>
+              </a:ext>
+            </a:extLst>
+          </p:cNvPr>
+          <p:cNvSpPr txBox="1"/>
+          <p:nvPr/>
+        </p:nvSpPr>
+        <p:spPr>
+          <a:xfrm>
+            <a:off x="4765420" y="865969"/>
+            <a:ext cx="2343516" cy="492443"/>
+          </a:xfrm>
+          <a:prstGeom prst="rect">
+            <a:avLst/>
+          </a:prstGeom>
+          <a:noFill/>
+        </p:spPr>
+        <p:txBody>
+          <a:bodyPr wrap="square" rtlCol="0">
+            <a:spAutoFit/>
+          </a:bodyPr>
+          <a:lstStyle/>
+          <a:p>
+            <a:pPr algn="ctr"/>
+            <a:r>
+              <a:rPr lang="en-US" sz="1300" b="1" dirty="0"/>
+              <a:t>Anthony  Desai</a:t>
+            </a:r>
+            <a:br>
+              <a:rPr lang="en-US" sz="1300" b="1" dirty="0"/>
+            </a:br>
+            <a:r>
+              <a:rPr lang="en-US" sz="1300" b="1" dirty="0"/>
+              <a:t>Joseph    Pinto</a:t>
+            </a:r>
+          </a:p>
+        </p:txBody>
+      </p:sp>
+      <p:sp>
+        <p:nvSpPr>
+          <p:cNvPr id="44" name="TextBox 43">
+            <a:extLst>
+              <a:ext uri="{FF2B5EF4-FFF2-40B4-BE49-F238E27FC236}">
+                <a16:creationId xmlns:a16="http://schemas.microsoft.com/office/drawing/2014/main" id="{D5E43FB9-6666-AA4E-828A-C1022797137D}"/>
+              </a:ext>
+            </a:extLst>
+          </p:cNvPr>
+          <p:cNvSpPr txBox="1"/>
+          <p:nvPr/>
+        </p:nvSpPr>
+        <p:spPr>
+          <a:xfrm>
+            <a:off x="5017016" y="5440954"/>
+            <a:ext cx="764711" cy="292388"/>
+          </a:xfrm>
+          <a:prstGeom prst="rect">
+            <a:avLst/>
+          </a:prstGeom>
+          <a:noFill/>
+        </p:spPr>
+        <p:txBody>
+          <a:bodyPr wrap="square" rtlCol="0">
+            <a:spAutoFit/>
+          </a:bodyPr>
+          <a:lstStyle/>
+          <a:p>
+            <a:r>
+              <a:rPr lang="en-US" sz="1300" b="1" dirty="0"/>
+              <a:t>Arjun</a:t>
+            </a:r>
+          </a:p>
+        </p:txBody>
+      </p:sp>
+      <p:sp>
+        <p:nvSpPr>
+          <p:cNvPr id="45" name="TextBox 44">
+            <a:extLst>
+              <a:ext uri="{FF2B5EF4-FFF2-40B4-BE49-F238E27FC236}">
+                <a16:creationId xmlns:a16="http://schemas.microsoft.com/office/drawing/2014/main" id="{1AB5FC3A-8CCA-0B86-F76F-632A37781BC9}"/>
+              </a:ext>
+            </a:extLst>
+          </p:cNvPr>
+          <p:cNvSpPr txBox="1"/>
+          <p:nvPr/>
+        </p:nvSpPr>
+        <p:spPr>
+          <a:xfrm>
+            <a:off x="7450899" y="3149982"/>
+            <a:ext cx="1133266" cy="292388"/>
+          </a:xfrm>
+          <a:prstGeom prst="rect">
+            <a:avLst/>
+          </a:prstGeom>
+          <a:noFill/>
+        </p:spPr>
+        <p:txBody>
+          <a:bodyPr wrap="square" rtlCol="0">
+            <a:spAutoFit/>
+          </a:bodyPr>
+          <a:lstStyle/>
+          <a:p>
+            <a:r>
+              <a:rPr lang="en-US" sz="1300" b="1" dirty="0"/>
+              <a:t>David Pinto</a:t>
+            </a:r>
+          </a:p>
+        </p:txBody>
+      </p:sp>
+      <p:sp>
+        <p:nvSpPr>
+          <p:cNvPr id="51" name="TextBox 50">
+            <a:extLst>
+              <a:ext uri="{FF2B5EF4-FFF2-40B4-BE49-F238E27FC236}">
+                <a16:creationId xmlns:a16="http://schemas.microsoft.com/office/drawing/2014/main" id="{43D55750-8E85-48F2-385C-AA3D7B449085}"/>
+              </a:ext>
+            </a:extLst>
+          </p:cNvPr>
+          <p:cNvSpPr txBox="1"/>
+          <p:nvPr/>
+        </p:nvSpPr>
+        <p:spPr>
+          <a:xfrm>
+            <a:off x="3124560" y="3187115"/>
+            <a:ext cx="1951581" cy="292388"/>
+          </a:xfrm>
+          <a:prstGeom prst="rect">
+            <a:avLst/>
+          </a:prstGeom>
+          <a:noFill/>
+        </p:spPr>
+        <p:txBody>
+          <a:bodyPr wrap="square" rtlCol="0">
+            <a:spAutoFit/>
+          </a:bodyPr>
+          <a:lstStyle/>
+          <a:p>
+            <a:pPr algn="ctr"/>
+            <a:r>
+              <a:rPr lang="en-US" sz="1300" b="1" dirty="0"/>
+              <a:t>Victor D’Souza</a:t>
+            </a:r>
+          </a:p>
+        </p:txBody>
+      </p:sp>
+      <p:cxnSp>
+        <p:nvCxnSpPr>
+          <p:cNvPr id="60" name="Connector: Elbow 59">
+            <a:extLst>
+              <a:ext uri="{FF2B5EF4-FFF2-40B4-BE49-F238E27FC236}">
+                <a16:creationId xmlns:a16="http://schemas.microsoft.com/office/drawing/2014/main" id="{4E0ACC61-1CA2-4C01-97F7-F45D00506C71}"/>
+              </a:ext>
+            </a:extLst>
+          </p:cNvPr>
+          <p:cNvCxnSpPr>
+            <a:cxnSpLocks/>
+            <a:stCxn id="5" idx="3"/>
+            <a:endCxn id="6" idx="3"/>
+          </p:cNvCxnSpPr>
+          <p:nvPr/>
+        </p:nvCxnSpPr>
+        <p:spPr>
+          <a:xfrm flipV="1">
+            <a:off x="4697023" y="1124654"/>
+            <a:ext cx="5519160" cy="4608692"/>
+          </a:xfrm>
+          <a:prstGeom prst="bentConnector3">
+            <a:avLst>
+              <a:gd name="adj1" fmla="val 127095"/>
+            </a:avLst>
+          </a:prstGeom>
+          <a:ln w="38100">
+            <a:solidFill>
+              <a:schemeClr val="tx1"/>
+            </a:solidFill>
+            <a:headEnd type="oval" w="med" len="med"/>
+            <a:tailEnd type="oval" w="med" len="med"/>
+          </a:ln>
+        </p:spPr>
+        <p:style>
+          <a:lnRef idx="2">
+            <a:schemeClr val="accent1"/>
+          </a:lnRef>
+          <a:fillRef idx="0">
+            <a:schemeClr val="accent1"/>
+          </a:fillRef>
+          <a:effectRef idx="1">
+            <a:schemeClr val="accent1"/>
+          </a:effectRef>
+          <a:fontRef idx="minor">
+            <a:schemeClr val="tx1"/>
+          </a:fontRef>
+        </p:style>
+      </p:cxnSp>
+      <p:sp>
+        <p:nvSpPr>
+          <p:cNvPr id="82" name="TextBox 81">
+            <a:extLst>
+              <a:ext uri="{FF2B5EF4-FFF2-40B4-BE49-F238E27FC236}">
+                <a16:creationId xmlns:a16="http://schemas.microsoft.com/office/drawing/2014/main" id="{751609B9-E5E7-68CB-FEBD-5F99E522841F}"/>
+              </a:ext>
+            </a:extLst>
+          </p:cNvPr>
+          <p:cNvSpPr txBox="1"/>
+          <p:nvPr/>
+        </p:nvSpPr>
+        <p:spPr>
+          <a:xfrm>
+            <a:off x="10299823" y="826942"/>
+            <a:ext cx="1442991" cy="292388"/>
+          </a:xfrm>
+          <a:prstGeom prst="rect">
+            <a:avLst/>
+          </a:prstGeom>
+          <a:noFill/>
+        </p:spPr>
+        <p:txBody>
+          <a:bodyPr wrap="square" rtlCol="0">
+            <a:spAutoFit/>
+          </a:bodyPr>
+          <a:lstStyle/>
+          <a:p>
+            <a:r>
+              <a:rPr lang="en-US" sz="1300" b="1" dirty="0"/>
+              <a:t>Anthony from JC</a:t>
+            </a:r>
+          </a:p>
+        </p:txBody>
+      </p:sp>
+    </p:spTree>
+    <p:extLst>
+      <p:ext uri="{BB962C8B-B14F-4D97-AF65-F5344CB8AC3E}">
+        <p14:creationId xmlns:p14="http://schemas.microsoft.com/office/powerpoint/2010/main" val="3562238708"/>
+      </p:ext>
+    </p:extLst>
+  </p:cSld>
+  <p:clrMapOvr>
+    <a:masterClrMapping/>
+  </p:clrMapOvr>
+</p:sld>
+</file>
+
+<file path=ppt/slides/slide11.xml><?xml version="1.0" encoding="utf-8"?>
+<p:sld xmlns:a="http://schemas.openxmlformats.org/drawingml/2006/main" xmlns:r="http://schemas.openxmlformats.org/officeDocument/2006/relationships" xmlns:p="http://schemas.openxmlformats.org/presentationml/2006/main">
+  <p:cSld>
+    <p:spTree>
+      <p:nvGrpSpPr>
+        <p:cNvPr id="1" name=""/>
+        <p:cNvGrpSpPr/>
+        <p:nvPr/>
+      </p:nvGrpSpPr>
+      <p:grpSpPr>
+        <a:xfrm>
+          <a:off x="0" y="0"/>
+          <a:ext cx="0" cy="0"/>
+          <a:chOff x="0" y="0"/>
+          <a:chExt cx="0" cy="0"/>
+        </a:xfrm>
+      </p:grpSpPr>
+      <p:sp>
+        <p:nvSpPr>
           <p:cNvPr id="3" name="Content Placeholder 2">
             <a:extLst>
               <a:ext uri="{FF2B5EF4-FFF2-40B4-BE49-F238E27FC236}">
@@ -7764,7 +10277,7 @@
 </p:sld>
 </file>
 
-<file path=ppt/slides/slide11.xml><?xml version="1.0" encoding="utf-8"?>
+<file path=ppt/slides/slide12.xml><?xml version="1.0" encoding="utf-8"?>
 <p:sld xmlns:a="http://schemas.openxmlformats.org/drawingml/2006/main" xmlns:r="http://schemas.openxmlformats.org/officeDocument/2006/relationships" xmlns:p="http://schemas.openxmlformats.org/presentationml/2006/main">
   <p:cSld>
     <p:spTree>
@@ -7951,7 +10464,7 @@
 </p:sld>
 </file>
 
-<file path=ppt/slides/slide12.xml><?xml version="1.0" encoding="utf-8"?>
+<file path=ppt/slides/slide13.xml><?xml version="1.0" encoding="utf-8"?>
 <p:sld xmlns:a="http://schemas.openxmlformats.org/drawingml/2006/main" xmlns:r="http://schemas.openxmlformats.org/officeDocument/2006/relationships" xmlns:p="http://schemas.openxmlformats.org/presentationml/2006/main">
   <p:cSld>
     <p:spTree>
@@ -8538,6 +11051,151 @@
 </file>
 
 <file path=ppt/slides/slide2.xml><?xml version="1.0" encoding="utf-8"?>
+<p:sld xmlns:a="http://schemas.openxmlformats.org/drawingml/2006/main" xmlns:r="http://schemas.openxmlformats.org/officeDocument/2006/relationships" xmlns:p="http://schemas.openxmlformats.org/presentationml/2006/main">
+  <p:cSld>
+    <p:spTree>
+      <p:nvGrpSpPr>
+        <p:cNvPr id="1" name=""/>
+        <p:cNvGrpSpPr/>
+        <p:nvPr/>
+      </p:nvGrpSpPr>
+      <p:grpSpPr>
+        <a:xfrm>
+          <a:off x="0" y="0"/>
+          <a:ext cx="0" cy="0"/>
+          <a:chOff x="0" y="0"/>
+          <a:chExt cx="0" cy="0"/>
+        </a:xfrm>
+      </p:grpSpPr>
+      <p:sp>
+        <p:nvSpPr>
+          <p:cNvPr id="3" name="Content Placeholder 2">
+            <a:extLst>
+              <a:ext uri="{FF2B5EF4-FFF2-40B4-BE49-F238E27FC236}">
+                <a16:creationId xmlns:a16="http://schemas.microsoft.com/office/drawing/2014/main" id="{CBF51205-0737-641F-50A6-ABB6E9CFEBCE}"/>
+              </a:ext>
+            </a:extLst>
+          </p:cNvPr>
+          <p:cNvSpPr>
+            <a:spLocks noGrp="1"/>
+          </p:cNvSpPr>
+          <p:nvPr>
+            <p:ph idx="1"/>
+          </p:nvPr>
+        </p:nvSpPr>
+        <p:spPr>
+          <a:xfrm>
+            <a:off x="281354" y="311499"/>
+            <a:ext cx="11072446" cy="5865464"/>
+          </a:xfrm>
+        </p:spPr>
+        <p:txBody>
+          <a:bodyPr>
+            <a:normAutofit fontScale="92500" lnSpcReduction="10000"/>
+          </a:bodyPr>
+          <a:lstStyle/>
+          <a:p>
+            <a:pPr marL="0" indent="0">
+              <a:buNone/>
+            </a:pPr>
+            <a:r>
+              <a:rPr lang="en-US" sz="1700" dirty="0"/>
+              <a:t>Arjun – A poor man who was separated from his sister at the age of 12 and witnessed the murder of his father and mother due to his father being a drug peddler. Few kids attack and steel the drugs they are caught by the police and seize the drugs worth 5 Lakhs because of which the boss attacks and kills his father and mother. </a:t>
+            </a:r>
+          </a:p>
+          <a:p>
+            <a:pPr lvl="1"/>
+            <a:r>
+              <a:rPr lang="en-US" sz="1600" dirty="0"/>
+              <a:t>He escapes the attack and starts working as a waiter in a small dingy hotel. The police arrests him for child labor. A fellow prisoner asks if it is his first time.</a:t>
+            </a:r>
+          </a:p>
+          <a:p>
+            <a:pPr lvl="1"/>
+            <a:r>
+              <a:rPr lang="en-US" sz="1600" dirty="0"/>
+              <a:t>As he grew up, he watches some people fighting over a 50 Rs note. A guy gets injured, and he picks up the knife. The police arrests him.</a:t>
+            </a:r>
+          </a:p>
+          <a:p>
+            <a:pPr lvl="1"/>
+            <a:r>
+              <a:rPr lang="en-US" sz="1600" dirty="0"/>
+              <a:t>He watches people playing cards and he puts 20 Rs. The police come there and arrests him.</a:t>
+            </a:r>
+          </a:p>
+          <a:p>
+            <a:pPr lvl="1"/>
+            <a:r>
+              <a:rPr lang="en-US" sz="1600" dirty="0"/>
+              <a:t>He decides to try cigarette for the first time. He takes a cup of tea and turns. The tea falls on an officer. The police arrests him for public smoking.</a:t>
+            </a:r>
+          </a:p>
+          <a:p>
+            <a:pPr lvl="1"/>
+            <a:r>
+              <a:rPr lang="en-US" sz="1600" dirty="0"/>
+              <a:t>He is sitting in a park and a beggar child comes there to ask for money. He says I do not have any money and tells the kid that it is not right to beg. The police sees this and finds out that it is a missing kid. Police arrests him thinking he is a kidnapper.</a:t>
+            </a:r>
+          </a:p>
+          <a:p>
+            <a:pPr lvl="1"/>
+            <a:r>
+              <a:rPr lang="en-US" sz="1600" dirty="0"/>
+              <a:t>He goes to a bakery and orders an egg puffs. A guy next to him takes out his purse and a crumpled paper falls. Arjun picks it up and opens it to find that it is weed. Police is standing next to him eating a cream bun. Police arrests him.</a:t>
+            </a:r>
+          </a:p>
+          <a:p>
+            <a:pPr lvl="1"/>
+            <a:r>
+              <a:rPr lang="en-US" sz="1600" dirty="0"/>
+              <a:t>He decides to try alcohol for the first time. He orders a quarter and water. Someone else takes it and runs away. The bar owner accuses him of stealing and the police arrests him.</a:t>
+            </a:r>
+          </a:p>
+          <a:p>
+            <a:pPr lvl="1"/>
+            <a:r>
+              <a:rPr lang="en-US" sz="1600" dirty="0"/>
+              <a:t>A pick-pocket steals something, and he is chased by the people. He takes a turn where Arjun is walking licking a cone. They mistake him for pick-pocket and thrash him. The police arrests him. A fellow prisoner asks if it is his first time.</a:t>
+            </a:r>
+          </a:p>
+          <a:p>
+            <a:pPr marL="0" indent="0">
+              <a:buNone/>
+            </a:pPr>
+            <a:r>
+              <a:rPr lang="en-US" sz="1700" dirty="0"/>
+              <a:t>Arjun decides that he will become a police officer. He goes gets police training with a fake SSLC certificate. This is the first time he really committed  a crime. He meets someone there, and he goes to his house for a drink, the guy starts talking about depression and how his girlfriend left him. Arjun says you have no idea what actual depression is and laughs. The guy jumps off the terrace. The police arrests him.</a:t>
+            </a:r>
+          </a:p>
+          <a:p>
+            <a:r>
+              <a:rPr lang="en-US" sz="1600" dirty="0"/>
+              <a:t>Jasper</a:t>
+            </a:r>
+          </a:p>
+          <a:p>
+            <a:r>
+              <a:rPr lang="en-US" sz="1600" dirty="0"/>
+              <a:t>Vasanth</a:t>
+            </a:r>
+          </a:p>
+        </p:txBody>
+      </p:sp>
+    </p:spTree>
+    <p:extLst>
+      <p:ext uri="{BB962C8B-B14F-4D97-AF65-F5344CB8AC3E}">
+        <p14:creationId xmlns:p14="http://schemas.microsoft.com/office/powerpoint/2010/main" val="3935874153"/>
+      </p:ext>
+    </p:extLst>
+  </p:cSld>
+  <p:clrMapOvr>
+    <a:masterClrMapping/>
+  </p:clrMapOvr>
+</p:sld>
+</file>
+
+<file path=ppt/slides/slide3.xml><?xml version="1.0" encoding="utf-8"?>
 <p:sld xmlns:a="http://schemas.openxmlformats.org/drawingml/2006/main" xmlns:r="http://schemas.openxmlformats.org/officeDocument/2006/relationships" xmlns:p="http://schemas.openxmlformats.org/presentationml/2006/main">
   <p:cSld>
     <p:spTree>
@@ -9571,7 +12229,7 @@
             </a:br>
             <a:r>
               <a:rPr lang="en-US" dirty="0"/>
-              <a:t>Bhavya		Annie</a:t>
+              <a:t>Bhavya		Latha</a:t>
             </a:r>
             <a:br>
               <a:rPr lang="en-US" dirty="0"/>
@@ -9996,7 +12654,7 @@
 </p:sld>
 </file>
 
-<file path=ppt/slides/slide3.xml><?xml version="1.0" encoding="utf-8"?>
+<file path=ppt/slides/slide4.xml><?xml version="1.0" encoding="utf-8"?>
 <p:sld xmlns:a="http://schemas.openxmlformats.org/drawingml/2006/main" xmlns:r="http://schemas.openxmlformats.org/officeDocument/2006/relationships" xmlns:p="http://schemas.openxmlformats.org/presentationml/2006/main">
   <p:cSld>
     <p:spTree>
@@ -13455,7 +16113,7 @@
 </p:sld>
 </file>
 
-<file path=ppt/slides/slide4.xml><?xml version="1.0" encoding="utf-8"?>
+<file path=ppt/slides/slide5.xml><?xml version="1.0" encoding="utf-8"?>
 <p:sld xmlns:a="http://schemas.openxmlformats.org/drawingml/2006/main" xmlns:r="http://schemas.openxmlformats.org/officeDocument/2006/relationships" xmlns:p="http://schemas.openxmlformats.org/presentationml/2006/main">
   <p:cSld>
     <p:spTree>
@@ -16933,7 +19591,7 @@
 </p:sld>
 </file>
 
-<file path=ppt/slides/slide5.xml><?xml version="1.0" encoding="utf-8"?>
+<file path=ppt/slides/slide6.xml><?xml version="1.0" encoding="utf-8"?>
 <p:sld xmlns:a="http://schemas.openxmlformats.org/drawingml/2006/main" xmlns:r="http://schemas.openxmlformats.org/officeDocument/2006/relationships" xmlns:p="http://schemas.openxmlformats.org/presentationml/2006/main">
   <p:cSld>
     <p:spTree>
@@ -23992,7 +26650,7 @@
 </p:sld>
 </file>
 
-<file path=ppt/slides/slide6.xml><?xml version="1.0" encoding="utf-8"?>
+<file path=ppt/slides/slide7.xml><?xml version="1.0" encoding="utf-8"?>
 <p:sld xmlns:a="http://schemas.openxmlformats.org/drawingml/2006/main" xmlns:r="http://schemas.openxmlformats.org/officeDocument/2006/relationships" xmlns:p="http://schemas.openxmlformats.org/presentationml/2006/main">
   <p:cSld>
     <p:spTree>
@@ -27460,7 +30118,7 @@
 </p:sld>
 </file>
 
-<file path=ppt/slides/slide7.xml><?xml version="1.0" encoding="utf-8"?>
+<file path=ppt/slides/slide8.xml><?xml version="1.0" encoding="utf-8"?>
 <p:sld xmlns:a="http://schemas.openxmlformats.org/drawingml/2006/main" xmlns:r="http://schemas.openxmlformats.org/officeDocument/2006/relationships" xmlns:p="http://schemas.openxmlformats.org/presentationml/2006/main">
   <p:cSld>
     <p:spTree>
@@ -31727,7 +34385,7 @@
 </p:sld>
 </file>
 
-<file path=ppt/slides/slide8.xml><?xml version="1.0" encoding="utf-8"?>
+<file path=ppt/slides/slide9.xml><?xml version="1.0" encoding="utf-8"?>
 <p:sld xmlns:a="http://schemas.openxmlformats.org/drawingml/2006/main" xmlns:r="http://schemas.openxmlformats.org/officeDocument/2006/relationships" xmlns:p="http://schemas.openxmlformats.org/presentationml/2006/main">
   <p:cSld>
     <p:bg>
@@ -31834,2518 +34492,6 @@
     <p:extLst>
       <p:ext uri="{BB962C8B-B14F-4D97-AF65-F5344CB8AC3E}">
         <p14:creationId xmlns:p14="http://schemas.microsoft.com/office/powerpoint/2010/main" val="3401479582"/>
-      </p:ext>
-    </p:extLst>
-  </p:cSld>
-  <p:clrMapOvr>
-    <a:masterClrMapping/>
-  </p:clrMapOvr>
-</p:sld>
-</file>
-
-<file path=ppt/slides/slide9.xml><?xml version="1.0" encoding="utf-8"?>
-<p:sld xmlns:a="http://schemas.openxmlformats.org/drawingml/2006/main" xmlns:r="http://schemas.openxmlformats.org/officeDocument/2006/relationships" xmlns:p="http://schemas.openxmlformats.org/presentationml/2006/main">
-  <p:cSld>
-    <p:spTree>
-      <p:nvGrpSpPr>
-        <p:cNvPr id="1" name=""/>
-        <p:cNvGrpSpPr/>
-        <p:nvPr/>
-      </p:nvGrpSpPr>
-      <p:grpSpPr>
-        <a:xfrm>
-          <a:off x="0" y="0"/>
-          <a:ext cx="0" cy="0"/>
-          <a:chOff x="0" y="0"/>
-          <a:chExt cx="0" cy="0"/>
-        </a:xfrm>
-      </p:grpSpPr>
-      <p:sp>
-        <p:nvSpPr>
-          <p:cNvPr id="4" name="Rectangle: Rounded Corners 3">
-            <a:extLst>
-              <a:ext uri="{FF2B5EF4-FFF2-40B4-BE49-F238E27FC236}">
-                <a16:creationId xmlns:a16="http://schemas.microsoft.com/office/drawing/2014/main" id="{B4E22C9F-E85F-6FCA-D09F-903796334361}"/>
-              </a:ext>
-            </a:extLst>
-          </p:cNvPr>
-          <p:cNvSpPr/>
-          <p:nvPr/>
-        </p:nvSpPr>
-        <p:spPr>
-          <a:xfrm>
-            <a:off x="1975818" y="356558"/>
-            <a:ext cx="2721206" cy="1536192"/>
-          </a:xfrm>
-          <a:custGeom>
-            <a:avLst/>
-            <a:gdLst>
-              <a:gd name="connsiteX0" fmla="*/ 0 w 2721206"/>
-              <a:gd name="connsiteY0" fmla="*/ 256037 h 1536192"/>
-              <a:gd name="connsiteX1" fmla="*/ 256037 w 2721206"/>
-              <a:gd name="connsiteY1" fmla="*/ 0 h 1536192"/>
-              <a:gd name="connsiteX2" fmla="*/ 786229 w 2721206"/>
-              <a:gd name="connsiteY2" fmla="*/ 0 h 1536192"/>
-              <a:gd name="connsiteX3" fmla="*/ 1338512 w 2721206"/>
-              <a:gd name="connsiteY3" fmla="*/ 0 h 1536192"/>
-              <a:gd name="connsiteX4" fmla="*/ 1912886 w 2721206"/>
-              <a:gd name="connsiteY4" fmla="*/ 0 h 1536192"/>
-              <a:gd name="connsiteX5" fmla="*/ 2465169 w 2721206"/>
-              <a:gd name="connsiteY5" fmla="*/ 0 h 1536192"/>
-              <a:gd name="connsiteX6" fmla="*/ 2721206 w 2721206"/>
-              <a:gd name="connsiteY6" fmla="*/ 256037 h 1536192"/>
-              <a:gd name="connsiteX7" fmla="*/ 2721206 w 2721206"/>
-              <a:gd name="connsiteY7" fmla="*/ 757855 h 1536192"/>
-              <a:gd name="connsiteX8" fmla="*/ 2721206 w 2721206"/>
-              <a:gd name="connsiteY8" fmla="*/ 1280155 h 1536192"/>
-              <a:gd name="connsiteX9" fmla="*/ 2465169 w 2721206"/>
-              <a:gd name="connsiteY9" fmla="*/ 1536192 h 1536192"/>
-              <a:gd name="connsiteX10" fmla="*/ 1957069 w 2721206"/>
-              <a:gd name="connsiteY10" fmla="*/ 1536192 h 1536192"/>
-              <a:gd name="connsiteX11" fmla="*/ 1471060 w 2721206"/>
-              <a:gd name="connsiteY11" fmla="*/ 1536192 h 1536192"/>
-              <a:gd name="connsiteX12" fmla="*/ 962959 w 2721206"/>
-              <a:gd name="connsiteY12" fmla="*/ 1536192 h 1536192"/>
-              <a:gd name="connsiteX13" fmla="*/ 256037 w 2721206"/>
-              <a:gd name="connsiteY13" fmla="*/ 1536192 h 1536192"/>
-              <a:gd name="connsiteX14" fmla="*/ 0 w 2721206"/>
-              <a:gd name="connsiteY14" fmla="*/ 1280155 h 1536192"/>
-              <a:gd name="connsiteX15" fmla="*/ 0 w 2721206"/>
-              <a:gd name="connsiteY15" fmla="*/ 747614 h 1536192"/>
-              <a:gd name="connsiteX16" fmla="*/ 0 w 2721206"/>
-              <a:gd name="connsiteY16" fmla="*/ 256037 h 1536192"/>
-            </a:gdLst>
-            <a:ahLst/>
-            <a:cxnLst>
-              <a:cxn ang="0">
-                <a:pos x="connsiteX0" y="connsiteY0"/>
-              </a:cxn>
-              <a:cxn ang="0">
-                <a:pos x="connsiteX1" y="connsiteY1"/>
-              </a:cxn>
-              <a:cxn ang="0">
-                <a:pos x="connsiteX2" y="connsiteY2"/>
-              </a:cxn>
-              <a:cxn ang="0">
-                <a:pos x="connsiteX3" y="connsiteY3"/>
-              </a:cxn>
-              <a:cxn ang="0">
-                <a:pos x="connsiteX4" y="connsiteY4"/>
-              </a:cxn>
-              <a:cxn ang="0">
-                <a:pos x="connsiteX5" y="connsiteY5"/>
-              </a:cxn>
-              <a:cxn ang="0">
-                <a:pos x="connsiteX6" y="connsiteY6"/>
-              </a:cxn>
-              <a:cxn ang="0">
-                <a:pos x="connsiteX7" y="connsiteY7"/>
-              </a:cxn>
-              <a:cxn ang="0">
-                <a:pos x="connsiteX8" y="connsiteY8"/>
-              </a:cxn>
-              <a:cxn ang="0">
-                <a:pos x="connsiteX9" y="connsiteY9"/>
-              </a:cxn>
-              <a:cxn ang="0">
-                <a:pos x="connsiteX10" y="connsiteY10"/>
-              </a:cxn>
-              <a:cxn ang="0">
-                <a:pos x="connsiteX11" y="connsiteY11"/>
-              </a:cxn>
-              <a:cxn ang="0">
-                <a:pos x="connsiteX12" y="connsiteY12"/>
-              </a:cxn>
-              <a:cxn ang="0">
-                <a:pos x="connsiteX13" y="connsiteY13"/>
-              </a:cxn>
-              <a:cxn ang="0">
-                <a:pos x="connsiteX14" y="connsiteY14"/>
-              </a:cxn>
-              <a:cxn ang="0">
-                <a:pos x="connsiteX15" y="connsiteY15"/>
-              </a:cxn>
-              <a:cxn ang="0">
-                <a:pos x="connsiteX16" y="connsiteY16"/>
-              </a:cxn>
-            </a:cxnLst>
-            <a:rect l="l" t="t" r="r" b="b"/>
-            <a:pathLst>
-              <a:path w="2721206" h="1536192" fill="none" extrusionOk="0">
-                <a:moveTo>
-                  <a:pt x="0" y="256037"/>
-                </a:moveTo>
-                <a:cubicBezTo>
-                  <a:pt x="5667" y="105198"/>
-                  <a:pt x="108609" y="-12081"/>
-                  <a:pt x="256037" y="0"/>
-                </a:cubicBezTo>
-                <a:cubicBezTo>
-                  <a:pt x="376903" y="-11863"/>
-                  <a:pt x="627362" y="15834"/>
-                  <a:pt x="786229" y="0"/>
-                </a:cubicBezTo>
-                <a:cubicBezTo>
-                  <a:pt x="945096" y="-15834"/>
-                  <a:pt x="1184567" y="-13389"/>
-                  <a:pt x="1338512" y="0"/>
-                </a:cubicBezTo>
-                <a:cubicBezTo>
-                  <a:pt x="1492457" y="13389"/>
-                  <a:pt x="1632702" y="2795"/>
-                  <a:pt x="1912886" y="0"/>
-                </a:cubicBezTo>
-                <a:cubicBezTo>
-                  <a:pt x="2193070" y="-2795"/>
-                  <a:pt x="2210184" y="20070"/>
-                  <a:pt x="2465169" y="0"/>
-                </a:cubicBezTo>
-                <a:cubicBezTo>
-                  <a:pt x="2615226" y="-22124"/>
-                  <a:pt x="2735800" y="119738"/>
-                  <a:pt x="2721206" y="256037"/>
-                </a:cubicBezTo>
-                <a:cubicBezTo>
-                  <a:pt x="2714858" y="474942"/>
-                  <a:pt x="2714333" y="521301"/>
-                  <a:pt x="2721206" y="757855"/>
-                </a:cubicBezTo>
-                <a:cubicBezTo>
-                  <a:pt x="2728079" y="994409"/>
-                  <a:pt x="2701792" y="1034994"/>
-                  <a:pt x="2721206" y="1280155"/>
-                </a:cubicBezTo>
-                <a:cubicBezTo>
-                  <a:pt x="2751482" y="1418306"/>
-                  <a:pt x="2607540" y="1520215"/>
-                  <a:pt x="2465169" y="1536192"/>
-                </a:cubicBezTo>
-                <a:cubicBezTo>
-                  <a:pt x="2317652" y="1552737"/>
-                  <a:pt x="2073889" y="1557637"/>
-                  <a:pt x="1957069" y="1536192"/>
-                </a:cubicBezTo>
-                <a:cubicBezTo>
-                  <a:pt x="1840249" y="1514747"/>
-                  <a:pt x="1701333" y="1541530"/>
-                  <a:pt x="1471060" y="1536192"/>
-                </a:cubicBezTo>
-                <a:cubicBezTo>
-                  <a:pt x="1240787" y="1530854"/>
-                  <a:pt x="1097402" y="1554483"/>
-                  <a:pt x="962959" y="1536192"/>
-                </a:cubicBezTo>
-                <a:cubicBezTo>
-                  <a:pt x="828516" y="1517901"/>
-                  <a:pt x="443174" y="1500967"/>
-                  <a:pt x="256037" y="1536192"/>
-                </a:cubicBezTo>
-                <a:cubicBezTo>
-                  <a:pt x="108689" y="1509496"/>
-                  <a:pt x="-6487" y="1417111"/>
-                  <a:pt x="0" y="1280155"/>
-                </a:cubicBezTo>
-                <a:cubicBezTo>
-                  <a:pt x="-22401" y="1093415"/>
-                  <a:pt x="-12692" y="989855"/>
-                  <a:pt x="0" y="747614"/>
-                </a:cubicBezTo>
-                <a:cubicBezTo>
-                  <a:pt x="12692" y="505373"/>
-                  <a:pt x="16512" y="423535"/>
-                  <a:pt x="0" y="256037"/>
-                </a:cubicBezTo>
-                <a:close/>
-              </a:path>
-              <a:path w="2721206" h="1536192" stroke="0" extrusionOk="0">
-                <a:moveTo>
-                  <a:pt x="0" y="256037"/>
-                </a:moveTo>
-                <a:cubicBezTo>
-                  <a:pt x="5034" y="113251"/>
-                  <a:pt x="145737" y="1023"/>
-                  <a:pt x="256037" y="0"/>
-                </a:cubicBezTo>
-                <a:cubicBezTo>
-                  <a:pt x="486891" y="1043"/>
-                  <a:pt x="547275" y="16101"/>
-                  <a:pt x="764137" y="0"/>
-                </a:cubicBezTo>
-                <a:cubicBezTo>
-                  <a:pt x="980999" y="-16101"/>
-                  <a:pt x="1167010" y="-1501"/>
-                  <a:pt x="1360603" y="0"/>
-                </a:cubicBezTo>
-                <a:cubicBezTo>
-                  <a:pt x="1554196" y="1501"/>
-                  <a:pt x="1633033" y="755"/>
-                  <a:pt x="1868703" y="0"/>
-                </a:cubicBezTo>
-                <a:cubicBezTo>
-                  <a:pt x="2104373" y="-755"/>
-                  <a:pt x="2177728" y="-1932"/>
-                  <a:pt x="2465169" y="0"/>
-                </a:cubicBezTo>
-                <a:cubicBezTo>
-                  <a:pt x="2613245" y="21672"/>
-                  <a:pt x="2708441" y="104418"/>
-                  <a:pt x="2721206" y="256037"/>
-                </a:cubicBezTo>
-                <a:cubicBezTo>
-                  <a:pt x="2709423" y="441504"/>
-                  <a:pt x="2718538" y="560474"/>
-                  <a:pt x="2721206" y="747614"/>
-                </a:cubicBezTo>
-                <a:cubicBezTo>
-                  <a:pt x="2723874" y="934754"/>
-                  <a:pt x="2710961" y="1074489"/>
-                  <a:pt x="2721206" y="1280155"/>
-                </a:cubicBezTo>
-                <a:cubicBezTo>
-                  <a:pt x="2740525" y="1401180"/>
-                  <a:pt x="2597329" y="1519494"/>
-                  <a:pt x="2465169" y="1536192"/>
-                </a:cubicBezTo>
-                <a:cubicBezTo>
-                  <a:pt x="2310452" y="1552246"/>
-                  <a:pt x="2129483" y="1537689"/>
-                  <a:pt x="1868703" y="1536192"/>
-                </a:cubicBezTo>
-                <a:cubicBezTo>
-                  <a:pt x="1607923" y="1534695"/>
-                  <a:pt x="1441316" y="1557702"/>
-                  <a:pt x="1316420" y="1536192"/>
-                </a:cubicBezTo>
-                <a:cubicBezTo>
-                  <a:pt x="1191524" y="1514682"/>
-                  <a:pt x="944412" y="1540871"/>
-                  <a:pt x="764137" y="1536192"/>
-                </a:cubicBezTo>
-                <a:cubicBezTo>
-                  <a:pt x="583862" y="1531513"/>
-                  <a:pt x="435986" y="1515396"/>
-                  <a:pt x="256037" y="1536192"/>
-                </a:cubicBezTo>
-                <a:cubicBezTo>
-                  <a:pt x="95835" y="1532605"/>
-                  <a:pt x="1314" y="1412368"/>
-                  <a:pt x="0" y="1280155"/>
-                </a:cubicBezTo>
-                <a:cubicBezTo>
-                  <a:pt x="-14983" y="1084926"/>
-                  <a:pt x="-12588" y="928603"/>
-                  <a:pt x="0" y="798820"/>
-                </a:cubicBezTo>
-                <a:cubicBezTo>
-                  <a:pt x="12588" y="669038"/>
-                  <a:pt x="-9654" y="365494"/>
-                  <a:pt x="0" y="256037"/>
-                </a:cubicBezTo>
-                <a:close/>
-              </a:path>
-            </a:pathLst>
-          </a:custGeom>
-          <a:ln w="38100">
-            <a:solidFill>
-              <a:schemeClr val="tx1"/>
-            </a:solidFill>
-            <a:extLst>
-              <a:ext uri="{C807C97D-BFC1-408E-A445-0C87EB9F89A2}">
-                <ask:lineSketchStyleProps xmlns:ask="http://schemas.microsoft.com/office/drawing/2018/sketchyshapes" sd="3700712357">
-                  <a:prstGeom prst="roundRect">
-                    <a:avLst/>
-                  </a:prstGeom>
-                  <ask:type>
-                    <ask:lineSketchFreehand/>
-                  </ask:type>
-                </ask:lineSketchStyleProps>
-              </a:ext>
-            </a:extLst>
-          </a:ln>
-        </p:spPr>
-        <p:style>
-          <a:lnRef idx="2">
-            <a:schemeClr val="accent3">
-              <a:shade val="15000"/>
-            </a:schemeClr>
-          </a:lnRef>
-          <a:fillRef idx="1">
-            <a:schemeClr val="accent3"/>
-          </a:fillRef>
-          <a:effectRef idx="0">
-            <a:schemeClr val="accent3"/>
-          </a:effectRef>
-          <a:fontRef idx="minor">
-            <a:schemeClr val="lt1"/>
-          </a:fontRef>
-        </p:style>
-        <p:txBody>
-          <a:bodyPr rtlCol="0" anchor="ctr"/>
-          <a:lstStyle/>
-          <a:p>
-            <a:r>
-              <a:rPr lang="en-US" sz="1300" dirty="0"/>
-              <a:t>Buy Coke from Cartel </a:t>
-            </a:r>
-          </a:p>
-          <a:p>
-            <a:r>
-              <a:rPr lang="en-US" sz="1300" dirty="0"/>
-              <a:t>Ship it using Pharma</a:t>
-            </a:r>
-            <a:br>
-              <a:rPr lang="en-US" sz="1300" dirty="0"/>
-            </a:br>
-            <a:r>
-              <a:rPr lang="en-US" sz="1300" dirty="0"/>
-              <a:t>Store it in Cult</a:t>
-            </a:r>
-            <a:br>
-              <a:rPr lang="en-US" sz="1300" dirty="0"/>
-            </a:br>
-            <a:r>
-              <a:rPr lang="en-US" sz="1300" dirty="0"/>
-              <a:t>Sell it to Dealers</a:t>
-            </a:r>
-            <a:br>
-              <a:rPr lang="en-US" sz="1300" dirty="0"/>
-            </a:br>
-            <a:r>
-              <a:rPr lang="en-US" sz="1300" dirty="0"/>
-              <a:t>Pay back the Cartel</a:t>
-            </a:r>
-          </a:p>
-        </p:txBody>
-      </p:sp>
-      <p:sp>
-        <p:nvSpPr>
-          <p:cNvPr id="5" name="Rectangle: Rounded Corners 4">
-            <a:extLst>
-              <a:ext uri="{FF2B5EF4-FFF2-40B4-BE49-F238E27FC236}">
-                <a16:creationId xmlns:a16="http://schemas.microsoft.com/office/drawing/2014/main" id="{F3A7E829-BFFC-53CA-2EC2-08C90274701D}"/>
-              </a:ext>
-            </a:extLst>
-          </p:cNvPr>
-          <p:cNvSpPr/>
-          <p:nvPr/>
-        </p:nvSpPr>
-        <p:spPr>
-          <a:xfrm>
-            <a:off x="1975818" y="4965250"/>
-            <a:ext cx="2721205" cy="1536192"/>
-          </a:xfrm>
-          <a:custGeom>
-            <a:avLst/>
-            <a:gdLst>
-              <a:gd name="connsiteX0" fmla="*/ 0 w 2721205"/>
-              <a:gd name="connsiteY0" fmla="*/ 256037 h 1536192"/>
-              <a:gd name="connsiteX1" fmla="*/ 256037 w 2721205"/>
-              <a:gd name="connsiteY1" fmla="*/ 0 h 1536192"/>
-              <a:gd name="connsiteX2" fmla="*/ 764137 w 2721205"/>
-              <a:gd name="connsiteY2" fmla="*/ 0 h 1536192"/>
-              <a:gd name="connsiteX3" fmla="*/ 1250146 w 2721205"/>
-              <a:gd name="connsiteY3" fmla="*/ 0 h 1536192"/>
-              <a:gd name="connsiteX4" fmla="*/ 1802429 w 2721205"/>
-              <a:gd name="connsiteY4" fmla="*/ 0 h 1536192"/>
-              <a:gd name="connsiteX5" fmla="*/ 2465168 w 2721205"/>
-              <a:gd name="connsiteY5" fmla="*/ 0 h 1536192"/>
-              <a:gd name="connsiteX6" fmla="*/ 2721205 w 2721205"/>
-              <a:gd name="connsiteY6" fmla="*/ 256037 h 1536192"/>
-              <a:gd name="connsiteX7" fmla="*/ 2721205 w 2721205"/>
-              <a:gd name="connsiteY7" fmla="*/ 788578 h 1536192"/>
-              <a:gd name="connsiteX8" fmla="*/ 2721205 w 2721205"/>
-              <a:gd name="connsiteY8" fmla="*/ 1280155 h 1536192"/>
-              <a:gd name="connsiteX9" fmla="*/ 2465168 w 2721205"/>
-              <a:gd name="connsiteY9" fmla="*/ 1536192 h 1536192"/>
-              <a:gd name="connsiteX10" fmla="*/ 1912885 w 2721205"/>
-              <a:gd name="connsiteY10" fmla="*/ 1536192 h 1536192"/>
-              <a:gd name="connsiteX11" fmla="*/ 1360603 w 2721205"/>
-              <a:gd name="connsiteY11" fmla="*/ 1536192 h 1536192"/>
-              <a:gd name="connsiteX12" fmla="*/ 808320 w 2721205"/>
-              <a:gd name="connsiteY12" fmla="*/ 1536192 h 1536192"/>
-              <a:gd name="connsiteX13" fmla="*/ 256037 w 2721205"/>
-              <a:gd name="connsiteY13" fmla="*/ 1536192 h 1536192"/>
-              <a:gd name="connsiteX14" fmla="*/ 0 w 2721205"/>
-              <a:gd name="connsiteY14" fmla="*/ 1280155 h 1536192"/>
-              <a:gd name="connsiteX15" fmla="*/ 0 w 2721205"/>
-              <a:gd name="connsiteY15" fmla="*/ 778337 h 1536192"/>
-              <a:gd name="connsiteX16" fmla="*/ 0 w 2721205"/>
-              <a:gd name="connsiteY16" fmla="*/ 256037 h 1536192"/>
-            </a:gdLst>
-            <a:ahLst/>
-            <a:cxnLst>
-              <a:cxn ang="0">
-                <a:pos x="connsiteX0" y="connsiteY0"/>
-              </a:cxn>
-              <a:cxn ang="0">
-                <a:pos x="connsiteX1" y="connsiteY1"/>
-              </a:cxn>
-              <a:cxn ang="0">
-                <a:pos x="connsiteX2" y="connsiteY2"/>
-              </a:cxn>
-              <a:cxn ang="0">
-                <a:pos x="connsiteX3" y="connsiteY3"/>
-              </a:cxn>
-              <a:cxn ang="0">
-                <a:pos x="connsiteX4" y="connsiteY4"/>
-              </a:cxn>
-              <a:cxn ang="0">
-                <a:pos x="connsiteX5" y="connsiteY5"/>
-              </a:cxn>
-              <a:cxn ang="0">
-                <a:pos x="connsiteX6" y="connsiteY6"/>
-              </a:cxn>
-              <a:cxn ang="0">
-                <a:pos x="connsiteX7" y="connsiteY7"/>
-              </a:cxn>
-              <a:cxn ang="0">
-                <a:pos x="connsiteX8" y="connsiteY8"/>
-              </a:cxn>
-              <a:cxn ang="0">
-                <a:pos x="connsiteX9" y="connsiteY9"/>
-              </a:cxn>
-              <a:cxn ang="0">
-                <a:pos x="connsiteX10" y="connsiteY10"/>
-              </a:cxn>
-              <a:cxn ang="0">
-                <a:pos x="connsiteX11" y="connsiteY11"/>
-              </a:cxn>
-              <a:cxn ang="0">
-                <a:pos x="connsiteX12" y="connsiteY12"/>
-              </a:cxn>
-              <a:cxn ang="0">
-                <a:pos x="connsiteX13" y="connsiteY13"/>
-              </a:cxn>
-              <a:cxn ang="0">
-                <a:pos x="connsiteX14" y="connsiteY14"/>
-              </a:cxn>
-              <a:cxn ang="0">
-                <a:pos x="connsiteX15" y="connsiteY15"/>
-              </a:cxn>
-              <a:cxn ang="0">
-                <a:pos x="connsiteX16" y="connsiteY16"/>
-              </a:cxn>
-            </a:cxnLst>
-            <a:rect l="l" t="t" r="r" b="b"/>
-            <a:pathLst>
-              <a:path w="2721205" h="1536192" fill="none" extrusionOk="0">
-                <a:moveTo>
-                  <a:pt x="0" y="256037"/>
-                </a:moveTo>
-                <a:cubicBezTo>
-                  <a:pt x="2196" y="126779"/>
-                  <a:pt x="133092" y="-12596"/>
-                  <a:pt x="256037" y="0"/>
-                </a:cubicBezTo>
-                <a:cubicBezTo>
-                  <a:pt x="464123" y="15724"/>
-                  <a:pt x="657832" y="7293"/>
-                  <a:pt x="764137" y="0"/>
-                </a:cubicBezTo>
-                <a:cubicBezTo>
-                  <a:pt x="870442" y="-7293"/>
-                  <a:pt x="1149638" y="-21413"/>
-                  <a:pt x="1250146" y="0"/>
-                </a:cubicBezTo>
-                <a:cubicBezTo>
-                  <a:pt x="1350654" y="21413"/>
-                  <a:pt x="1553281" y="9680"/>
-                  <a:pt x="1802429" y="0"/>
-                </a:cubicBezTo>
-                <a:cubicBezTo>
-                  <a:pt x="2051577" y="-9680"/>
-                  <a:pt x="2242074" y="-5379"/>
-                  <a:pt x="2465168" y="0"/>
-                </a:cubicBezTo>
-                <a:cubicBezTo>
-                  <a:pt x="2638272" y="9396"/>
-                  <a:pt x="2720480" y="124857"/>
-                  <a:pt x="2721205" y="256037"/>
-                </a:cubicBezTo>
-                <a:cubicBezTo>
-                  <a:pt x="2731234" y="433536"/>
-                  <a:pt x="2725383" y="543963"/>
-                  <a:pt x="2721205" y="788578"/>
-                </a:cubicBezTo>
-                <a:cubicBezTo>
-                  <a:pt x="2717027" y="1033193"/>
-                  <a:pt x="2735334" y="1103807"/>
-                  <a:pt x="2721205" y="1280155"/>
-                </a:cubicBezTo>
-                <a:cubicBezTo>
-                  <a:pt x="2713814" y="1443996"/>
-                  <a:pt x="2574629" y="1528691"/>
-                  <a:pt x="2465168" y="1536192"/>
-                </a:cubicBezTo>
-                <a:cubicBezTo>
-                  <a:pt x="2284297" y="1539489"/>
-                  <a:pt x="2132399" y="1563721"/>
-                  <a:pt x="1912885" y="1536192"/>
-                </a:cubicBezTo>
-                <a:cubicBezTo>
-                  <a:pt x="1693371" y="1508663"/>
-                  <a:pt x="1486296" y="1512517"/>
-                  <a:pt x="1360603" y="1536192"/>
-                </a:cubicBezTo>
-                <a:cubicBezTo>
-                  <a:pt x="1234910" y="1559867"/>
-                  <a:pt x="1062751" y="1560485"/>
-                  <a:pt x="808320" y="1536192"/>
-                </a:cubicBezTo>
-                <a:cubicBezTo>
-                  <a:pt x="553889" y="1511899"/>
-                  <a:pt x="531282" y="1510440"/>
-                  <a:pt x="256037" y="1536192"/>
-                </a:cubicBezTo>
-                <a:cubicBezTo>
-                  <a:pt x="90246" y="1540927"/>
-                  <a:pt x="-8618" y="1406346"/>
-                  <a:pt x="0" y="1280155"/>
-                </a:cubicBezTo>
-                <a:cubicBezTo>
-                  <a:pt x="-16679" y="1147822"/>
-                  <a:pt x="-2861" y="971445"/>
-                  <a:pt x="0" y="778337"/>
-                </a:cubicBezTo>
-                <a:cubicBezTo>
-                  <a:pt x="2861" y="585229"/>
-                  <a:pt x="22161" y="450077"/>
-                  <a:pt x="0" y="256037"/>
-                </a:cubicBezTo>
-                <a:close/>
-              </a:path>
-              <a:path w="2721205" h="1536192" stroke="0" extrusionOk="0">
-                <a:moveTo>
-                  <a:pt x="0" y="256037"/>
-                </a:moveTo>
-                <a:cubicBezTo>
-                  <a:pt x="11186" y="120102"/>
-                  <a:pt x="113718" y="-11713"/>
-                  <a:pt x="256037" y="0"/>
-                </a:cubicBezTo>
-                <a:cubicBezTo>
-                  <a:pt x="405242" y="-1527"/>
-                  <a:pt x="522712" y="663"/>
-                  <a:pt x="764137" y="0"/>
-                </a:cubicBezTo>
-                <a:cubicBezTo>
-                  <a:pt x="1005562" y="-663"/>
-                  <a:pt x="1095289" y="-14922"/>
-                  <a:pt x="1316420" y="0"/>
-                </a:cubicBezTo>
-                <a:cubicBezTo>
-                  <a:pt x="1537551" y="14922"/>
-                  <a:pt x="1691166" y="-23313"/>
-                  <a:pt x="1912885" y="0"/>
-                </a:cubicBezTo>
-                <a:cubicBezTo>
-                  <a:pt x="2134604" y="23313"/>
-                  <a:pt x="2224966" y="21"/>
-                  <a:pt x="2465168" y="0"/>
-                </a:cubicBezTo>
-                <a:cubicBezTo>
-                  <a:pt x="2600859" y="-4892"/>
-                  <a:pt x="2709855" y="129776"/>
-                  <a:pt x="2721205" y="256037"/>
-                </a:cubicBezTo>
-                <a:cubicBezTo>
-                  <a:pt x="2714887" y="498777"/>
-                  <a:pt x="2719877" y="550994"/>
-                  <a:pt x="2721205" y="757855"/>
-                </a:cubicBezTo>
-                <a:cubicBezTo>
-                  <a:pt x="2722533" y="964716"/>
-                  <a:pt x="2734039" y="1117931"/>
-                  <a:pt x="2721205" y="1280155"/>
-                </a:cubicBezTo>
-                <a:cubicBezTo>
-                  <a:pt x="2718892" y="1392529"/>
-                  <a:pt x="2604113" y="1539379"/>
-                  <a:pt x="2465168" y="1536192"/>
-                </a:cubicBezTo>
-                <a:cubicBezTo>
-                  <a:pt x="2252136" y="1527430"/>
-                  <a:pt x="2109950" y="1513708"/>
-                  <a:pt x="1979159" y="1536192"/>
-                </a:cubicBezTo>
-                <a:cubicBezTo>
-                  <a:pt x="1848368" y="1558676"/>
-                  <a:pt x="1619283" y="1538692"/>
-                  <a:pt x="1382694" y="1536192"/>
-                </a:cubicBezTo>
-                <a:cubicBezTo>
-                  <a:pt x="1146106" y="1533692"/>
-                  <a:pt x="1080096" y="1537840"/>
-                  <a:pt x="852502" y="1536192"/>
-                </a:cubicBezTo>
-                <a:cubicBezTo>
-                  <a:pt x="624908" y="1534544"/>
-                  <a:pt x="384775" y="1542488"/>
-                  <a:pt x="256037" y="1536192"/>
-                </a:cubicBezTo>
-                <a:cubicBezTo>
-                  <a:pt x="116554" y="1548238"/>
-                  <a:pt x="-22346" y="1409671"/>
-                  <a:pt x="0" y="1280155"/>
-                </a:cubicBezTo>
-                <a:cubicBezTo>
-                  <a:pt x="21745" y="1158709"/>
-                  <a:pt x="4777" y="933328"/>
-                  <a:pt x="0" y="747614"/>
-                </a:cubicBezTo>
-                <a:cubicBezTo>
-                  <a:pt x="-4777" y="561900"/>
-                  <a:pt x="-24385" y="394867"/>
-                  <a:pt x="0" y="256037"/>
-                </a:cubicBezTo>
-                <a:close/>
-              </a:path>
-            </a:pathLst>
-          </a:custGeom>
-          <a:ln w="38100">
-            <a:solidFill>
-              <a:schemeClr val="tx1"/>
-            </a:solidFill>
-            <a:extLst>
-              <a:ext uri="{C807C97D-BFC1-408E-A445-0C87EB9F89A2}">
-                <ask:lineSketchStyleProps xmlns:ask="http://schemas.microsoft.com/office/drawing/2018/sketchyshapes" sd="594653713">
-                  <a:prstGeom prst="roundRect">
-                    <a:avLst/>
-                  </a:prstGeom>
-                  <ask:type>
-                    <ask:lineSketchFreehand/>
-                  </ask:type>
-                </ask:lineSketchStyleProps>
-              </a:ext>
-            </a:extLst>
-          </a:ln>
-        </p:spPr>
-        <p:style>
-          <a:lnRef idx="2">
-            <a:schemeClr val="accent3">
-              <a:shade val="15000"/>
-            </a:schemeClr>
-          </a:lnRef>
-          <a:fillRef idx="1">
-            <a:schemeClr val="accent3"/>
-          </a:fillRef>
-          <a:effectRef idx="0">
-            <a:schemeClr val="accent3"/>
-          </a:effectRef>
-          <a:fontRef idx="minor">
-            <a:schemeClr val="lt1"/>
-          </a:fontRef>
-        </p:style>
-        <p:txBody>
-          <a:bodyPr rtlCol="0" anchor="ctr"/>
-          <a:lstStyle/>
-          <a:p>
-            <a:r>
-              <a:rPr lang="en-US" sz="1300" dirty="0"/>
-              <a:t>Uncut Diamonds from Botswana Smuggled into Bengaluru</a:t>
-            </a:r>
-            <a:br>
-              <a:rPr lang="en-US" sz="1300" dirty="0"/>
-            </a:br>
-            <a:r>
-              <a:rPr lang="en-US" sz="1300" dirty="0"/>
-              <a:t>Stored in a pharma</a:t>
-            </a:r>
-            <a:br>
-              <a:rPr lang="en-US" sz="1300" dirty="0"/>
-            </a:br>
-            <a:r>
-              <a:rPr lang="en-US" sz="1300" dirty="0"/>
-              <a:t>Sent to Surat to Cut</a:t>
-            </a:r>
-            <a:br>
-              <a:rPr lang="en-US" sz="1300" dirty="0"/>
-            </a:br>
-            <a:r>
-              <a:rPr lang="en-US" sz="1300" dirty="0"/>
-              <a:t>Sold it to buyers</a:t>
-            </a:r>
-          </a:p>
-        </p:txBody>
-      </p:sp>
-      <p:sp>
-        <p:nvSpPr>
-          <p:cNvPr id="6" name="Rectangle: Rounded Corners 5">
-            <a:extLst>
-              <a:ext uri="{FF2B5EF4-FFF2-40B4-BE49-F238E27FC236}">
-                <a16:creationId xmlns:a16="http://schemas.microsoft.com/office/drawing/2014/main" id="{F648FCE7-72FD-EBEC-E279-96EB609F8CAF}"/>
-              </a:ext>
-            </a:extLst>
-          </p:cNvPr>
-          <p:cNvSpPr/>
-          <p:nvPr/>
-        </p:nvSpPr>
-        <p:spPr>
-          <a:xfrm>
-            <a:off x="7494978" y="356558"/>
-            <a:ext cx="2721205" cy="1536192"/>
-          </a:xfrm>
-          <a:custGeom>
-            <a:avLst/>
-            <a:gdLst>
-              <a:gd name="connsiteX0" fmla="*/ 0 w 2721205"/>
-              <a:gd name="connsiteY0" fmla="*/ 256037 h 1536192"/>
-              <a:gd name="connsiteX1" fmla="*/ 256037 w 2721205"/>
-              <a:gd name="connsiteY1" fmla="*/ 0 h 1536192"/>
-              <a:gd name="connsiteX2" fmla="*/ 852502 w 2721205"/>
-              <a:gd name="connsiteY2" fmla="*/ 0 h 1536192"/>
-              <a:gd name="connsiteX3" fmla="*/ 1360603 w 2721205"/>
-              <a:gd name="connsiteY3" fmla="*/ 0 h 1536192"/>
-              <a:gd name="connsiteX4" fmla="*/ 1934977 w 2721205"/>
-              <a:gd name="connsiteY4" fmla="*/ 0 h 1536192"/>
-              <a:gd name="connsiteX5" fmla="*/ 2465168 w 2721205"/>
-              <a:gd name="connsiteY5" fmla="*/ 0 h 1536192"/>
-              <a:gd name="connsiteX6" fmla="*/ 2721205 w 2721205"/>
-              <a:gd name="connsiteY6" fmla="*/ 256037 h 1536192"/>
-              <a:gd name="connsiteX7" fmla="*/ 2721205 w 2721205"/>
-              <a:gd name="connsiteY7" fmla="*/ 747614 h 1536192"/>
-              <a:gd name="connsiteX8" fmla="*/ 2721205 w 2721205"/>
-              <a:gd name="connsiteY8" fmla="*/ 1280155 h 1536192"/>
-              <a:gd name="connsiteX9" fmla="*/ 2465168 w 2721205"/>
-              <a:gd name="connsiteY9" fmla="*/ 1536192 h 1536192"/>
-              <a:gd name="connsiteX10" fmla="*/ 1890794 w 2721205"/>
-              <a:gd name="connsiteY10" fmla="*/ 1536192 h 1536192"/>
-              <a:gd name="connsiteX11" fmla="*/ 1338511 w 2721205"/>
-              <a:gd name="connsiteY11" fmla="*/ 1536192 h 1536192"/>
-              <a:gd name="connsiteX12" fmla="*/ 764137 w 2721205"/>
-              <a:gd name="connsiteY12" fmla="*/ 1536192 h 1536192"/>
-              <a:gd name="connsiteX13" fmla="*/ 256037 w 2721205"/>
-              <a:gd name="connsiteY13" fmla="*/ 1536192 h 1536192"/>
-              <a:gd name="connsiteX14" fmla="*/ 0 w 2721205"/>
-              <a:gd name="connsiteY14" fmla="*/ 1280155 h 1536192"/>
-              <a:gd name="connsiteX15" fmla="*/ 0 w 2721205"/>
-              <a:gd name="connsiteY15" fmla="*/ 757855 h 1536192"/>
-              <a:gd name="connsiteX16" fmla="*/ 0 w 2721205"/>
-              <a:gd name="connsiteY16" fmla="*/ 256037 h 1536192"/>
-            </a:gdLst>
-            <a:ahLst/>
-            <a:cxnLst>
-              <a:cxn ang="0">
-                <a:pos x="connsiteX0" y="connsiteY0"/>
-              </a:cxn>
-              <a:cxn ang="0">
-                <a:pos x="connsiteX1" y="connsiteY1"/>
-              </a:cxn>
-              <a:cxn ang="0">
-                <a:pos x="connsiteX2" y="connsiteY2"/>
-              </a:cxn>
-              <a:cxn ang="0">
-                <a:pos x="connsiteX3" y="connsiteY3"/>
-              </a:cxn>
-              <a:cxn ang="0">
-                <a:pos x="connsiteX4" y="connsiteY4"/>
-              </a:cxn>
-              <a:cxn ang="0">
-                <a:pos x="connsiteX5" y="connsiteY5"/>
-              </a:cxn>
-              <a:cxn ang="0">
-                <a:pos x="connsiteX6" y="connsiteY6"/>
-              </a:cxn>
-              <a:cxn ang="0">
-                <a:pos x="connsiteX7" y="connsiteY7"/>
-              </a:cxn>
-              <a:cxn ang="0">
-                <a:pos x="connsiteX8" y="connsiteY8"/>
-              </a:cxn>
-              <a:cxn ang="0">
-                <a:pos x="connsiteX9" y="connsiteY9"/>
-              </a:cxn>
-              <a:cxn ang="0">
-                <a:pos x="connsiteX10" y="connsiteY10"/>
-              </a:cxn>
-              <a:cxn ang="0">
-                <a:pos x="connsiteX11" y="connsiteY11"/>
-              </a:cxn>
-              <a:cxn ang="0">
-                <a:pos x="connsiteX12" y="connsiteY12"/>
-              </a:cxn>
-              <a:cxn ang="0">
-                <a:pos x="connsiteX13" y="connsiteY13"/>
-              </a:cxn>
-              <a:cxn ang="0">
-                <a:pos x="connsiteX14" y="connsiteY14"/>
-              </a:cxn>
-              <a:cxn ang="0">
-                <a:pos x="connsiteX15" y="connsiteY15"/>
-              </a:cxn>
-              <a:cxn ang="0">
-                <a:pos x="connsiteX16" y="connsiteY16"/>
-              </a:cxn>
-            </a:cxnLst>
-            <a:rect l="l" t="t" r="r" b="b"/>
-            <a:pathLst>
-              <a:path w="2721205" h="1536192" fill="none" extrusionOk="0">
-                <a:moveTo>
-                  <a:pt x="0" y="256037"/>
-                </a:moveTo>
-                <a:cubicBezTo>
-                  <a:pt x="24235" y="95993"/>
-                  <a:pt x="101711" y="1679"/>
-                  <a:pt x="256037" y="0"/>
-                </a:cubicBezTo>
-                <a:cubicBezTo>
-                  <a:pt x="424511" y="-14404"/>
-                  <a:pt x="613843" y="13735"/>
-                  <a:pt x="852502" y="0"/>
-                </a:cubicBezTo>
-                <a:cubicBezTo>
-                  <a:pt x="1091161" y="-13735"/>
-                  <a:pt x="1145353" y="-2097"/>
-                  <a:pt x="1360603" y="0"/>
-                </a:cubicBezTo>
-                <a:cubicBezTo>
-                  <a:pt x="1575853" y="2097"/>
-                  <a:pt x="1667444" y="18628"/>
-                  <a:pt x="1934977" y="0"/>
-                </a:cubicBezTo>
-                <a:cubicBezTo>
-                  <a:pt x="2202510" y="-18628"/>
-                  <a:pt x="2296563" y="10897"/>
-                  <a:pt x="2465168" y="0"/>
-                </a:cubicBezTo>
-                <a:cubicBezTo>
-                  <a:pt x="2602544" y="8"/>
-                  <a:pt x="2715244" y="119931"/>
-                  <a:pt x="2721205" y="256037"/>
-                </a:cubicBezTo>
-                <a:cubicBezTo>
-                  <a:pt x="2701878" y="382444"/>
-                  <a:pt x="2726089" y="614549"/>
-                  <a:pt x="2721205" y="747614"/>
-                </a:cubicBezTo>
-                <a:cubicBezTo>
-                  <a:pt x="2716321" y="880679"/>
-                  <a:pt x="2745293" y="1034415"/>
-                  <a:pt x="2721205" y="1280155"/>
-                </a:cubicBezTo>
-                <a:cubicBezTo>
-                  <a:pt x="2742292" y="1402706"/>
-                  <a:pt x="2617666" y="1535728"/>
-                  <a:pt x="2465168" y="1536192"/>
-                </a:cubicBezTo>
-                <a:cubicBezTo>
-                  <a:pt x="2261675" y="1546063"/>
-                  <a:pt x="2135601" y="1563079"/>
-                  <a:pt x="1890794" y="1536192"/>
-                </a:cubicBezTo>
-                <a:cubicBezTo>
-                  <a:pt x="1645987" y="1509305"/>
-                  <a:pt x="1523814" y="1518493"/>
-                  <a:pt x="1338511" y="1536192"/>
-                </a:cubicBezTo>
-                <a:cubicBezTo>
-                  <a:pt x="1153208" y="1553891"/>
-                  <a:pt x="987825" y="1536938"/>
-                  <a:pt x="764137" y="1536192"/>
-                </a:cubicBezTo>
-                <a:cubicBezTo>
-                  <a:pt x="540449" y="1535446"/>
-                  <a:pt x="456713" y="1557169"/>
-                  <a:pt x="256037" y="1536192"/>
-                </a:cubicBezTo>
-                <a:cubicBezTo>
-                  <a:pt x="108199" y="1540932"/>
-                  <a:pt x="-17452" y="1448514"/>
-                  <a:pt x="0" y="1280155"/>
-                </a:cubicBezTo>
-                <a:cubicBezTo>
-                  <a:pt x="-11276" y="1160551"/>
-                  <a:pt x="-11017" y="963890"/>
-                  <a:pt x="0" y="757855"/>
-                </a:cubicBezTo>
-                <a:cubicBezTo>
-                  <a:pt x="11017" y="551820"/>
-                  <a:pt x="15070" y="385298"/>
-                  <a:pt x="0" y="256037"/>
-                </a:cubicBezTo>
-                <a:close/>
-              </a:path>
-              <a:path w="2721205" h="1536192" stroke="0" extrusionOk="0">
-                <a:moveTo>
-                  <a:pt x="0" y="256037"/>
-                </a:moveTo>
-                <a:cubicBezTo>
-                  <a:pt x="8243" y="81680"/>
-                  <a:pt x="115135" y="-4856"/>
-                  <a:pt x="256037" y="0"/>
-                </a:cubicBezTo>
-                <a:cubicBezTo>
-                  <a:pt x="378401" y="12694"/>
-                  <a:pt x="640326" y="-16417"/>
-                  <a:pt x="786228" y="0"/>
-                </a:cubicBezTo>
-                <a:cubicBezTo>
-                  <a:pt x="932130" y="16417"/>
-                  <a:pt x="1179314" y="3504"/>
-                  <a:pt x="1360603" y="0"/>
-                </a:cubicBezTo>
-                <a:cubicBezTo>
-                  <a:pt x="1541893" y="-3504"/>
-                  <a:pt x="1708766" y="-10334"/>
-                  <a:pt x="1912885" y="0"/>
-                </a:cubicBezTo>
-                <a:cubicBezTo>
-                  <a:pt x="2117004" y="10334"/>
-                  <a:pt x="2253749" y="-2115"/>
-                  <a:pt x="2465168" y="0"/>
-                </a:cubicBezTo>
-                <a:cubicBezTo>
-                  <a:pt x="2593641" y="-26956"/>
-                  <a:pt x="2715181" y="125010"/>
-                  <a:pt x="2721205" y="256037"/>
-                </a:cubicBezTo>
-                <a:cubicBezTo>
-                  <a:pt x="2739118" y="480156"/>
-                  <a:pt x="2730087" y="584394"/>
-                  <a:pt x="2721205" y="737372"/>
-                </a:cubicBezTo>
-                <a:cubicBezTo>
-                  <a:pt x="2712323" y="890351"/>
-                  <a:pt x="2736977" y="1102514"/>
-                  <a:pt x="2721205" y="1280155"/>
-                </a:cubicBezTo>
-                <a:cubicBezTo>
-                  <a:pt x="2702553" y="1415229"/>
-                  <a:pt x="2612097" y="1559329"/>
-                  <a:pt x="2465168" y="1536192"/>
-                </a:cubicBezTo>
-                <a:cubicBezTo>
-                  <a:pt x="2303721" y="1514945"/>
-                  <a:pt x="2204042" y="1541107"/>
-                  <a:pt x="1979159" y="1536192"/>
-                </a:cubicBezTo>
-                <a:cubicBezTo>
-                  <a:pt x="1754276" y="1531277"/>
-                  <a:pt x="1613444" y="1540563"/>
-                  <a:pt x="1426876" y="1536192"/>
-                </a:cubicBezTo>
-                <a:cubicBezTo>
-                  <a:pt x="1240308" y="1531821"/>
-                  <a:pt x="1136019" y="1556618"/>
-                  <a:pt x="874594" y="1536192"/>
-                </a:cubicBezTo>
-                <a:cubicBezTo>
-                  <a:pt x="613169" y="1515766"/>
-                  <a:pt x="460125" y="1519270"/>
-                  <a:pt x="256037" y="1536192"/>
-                </a:cubicBezTo>
-                <a:cubicBezTo>
-                  <a:pt x="98535" y="1529039"/>
-                  <a:pt x="4431" y="1436874"/>
-                  <a:pt x="0" y="1280155"/>
-                </a:cubicBezTo>
-                <a:cubicBezTo>
-                  <a:pt x="-14004" y="1050824"/>
-                  <a:pt x="10201" y="917176"/>
-                  <a:pt x="0" y="757855"/>
-                </a:cubicBezTo>
-                <a:cubicBezTo>
-                  <a:pt x="-10201" y="598534"/>
-                  <a:pt x="3076" y="408291"/>
-                  <a:pt x="0" y="256037"/>
-                </a:cubicBezTo>
-                <a:close/>
-              </a:path>
-            </a:pathLst>
-          </a:custGeom>
-          <a:ln w="38100">
-            <a:solidFill>
-              <a:schemeClr val="tx1"/>
-            </a:solidFill>
-            <a:extLst>
-              <a:ext uri="{C807C97D-BFC1-408E-A445-0C87EB9F89A2}">
-                <ask:lineSketchStyleProps xmlns:ask="http://schemas.microsoft.com/office/drawing/2018/sketchyshapes" sd="2545784740">
-                  <a:prstGeom prst="roundRect">
-                    <a:avLst/>
-                  </a:prstGeom>
-                  <ask:type>
-                    <ask:lineSketchFreehand/>
-                  </ask:type>
-                </ask:lineSketchStyleProps>
-              </a:ext>
-            </a:extLst>
-          </a:ln>
-        </p:spPr>
-        <p:style>
-          <a:lnRef idx="2">
-            <a:schemeClr val="accent3">
-              <a:shade val="15000"/>
-            </a:schemeClr>
-          </a:lnRef>
-          <a:fillRef idx="1">
-            <a:schemeClr val="accent3"/>
-          </a:fillRef>
-          <a:effectRef idx="0">
-            <a:schemeClr val="accent3"/>
-          </a:effectRef>
-          <a:fontRef idx="minor">
-            <a:schemeClr val="lt1"/>
-          </a:fontRef>
-        </p:style>
-        <p:txBody>
-          <a:bodyPr rtlCol="0" anchor="ctr"/>
-          <a:lstStyle/>
-          <a:p>
-            <a:r>
-              <a:rPr lang="en-US" sz="1300" dirty="0"/>
-              <a:t>Buy Arms from Mafia</a:t>
-            </a:r>
-            <a:br>
-              <a:rPr lang="en-US" sz="1300" dirty="0"/>
-            </a:br>
-            <a:r>
-              <a:rPr lang="en-US" sz="1300" dirty="0"/>
-              <a:t>Ship it using Pharma</a:t>
-            </a:r>
-            <a:br>
-              <a:rPr lang="en-US" sz="1300" dirty="0"/>
-            </a:br>
-            <a:r>
-              <a:rPr lang="en-US" sz="1300" dirty="0"/>
-              <a:t>Store in Cult</a:t>
-            </a:r>
-            <a:br>
-              <a:rPr lang="en-US" sz="1300" dirty="0"/>
-            </a:br>
-            <a:r>
-              <a:rPr lang="en-US" sz="1300" dirty="0"/>
-              <a:t>Take advance from Buyers</a:t>
-            </a:r>
-            <a:br>
-              <a:rPr lang="en-US" sz="1300" dirty="0"/>
-            </a:br>
-            <a:r>
-              <a:rPr lang="en-US" sz="1300" dirty="0"/>
-              <a:t>Sell it to Buyers</a:t>
-            </a:r>
-          </a:p>
-        </p:txBody>
-      </p:sp>
-      <p:sp>
-        <p:nvSpPr>
-          <p:cNvPr id="7" name="Rectangle: Rounded Corners 6">
-            <a:extLst>
-              <a:ext uri="{FF2B5EF4-FFF2-40B4-BE49-F238E27FC236}">
-                <a16:creationId xmlns:a16="http://schemas.microsoft.com/office/drawing/2014/main" id="{19DCF5F4-4039-6BA7-AB3A-66450BEA8AFA}"/>
-              </a:ext>
-            </a:extLst>
-          </p:cNvPr>
-          <p:cNvSpPr/>
-          <p:nvPr/>
-        </p:nvSpPr>
-        <p:spPr>
-          <a:xfrm>
-            <a:off x="692417" y="2660904"/>
-            <a:ext cx="2721204" cy="1536192"/>
-          </a:xfrm>
-          <a:custGeom>
-            <a:avLst/>
-            <a:gdLst>
-              <a:gd name="connsiteX0" fmla="*/ 0 w 2721204"/>
-              <a:gd name="connsiteY0" fmla="*/ 256037 h 1536192"/>
-              <a:gd name="connsiteX1" fmla="*/ 256037 w 2721204"/>
-              <a:gd name="connsiteY1" fmla="*/ 0 h 1536192"/>
-              <a:gd name="connsiteX2" fmla="*/ 830411 w 2721204"/>
-              <a:gd name="connsiteY2" fmla="*/ 0 h 1536192"/>
-              <a:gd name="connsiteX3" fmla="*/ 1360602 w 2721204"/>
-              <a:gd name="connsiteY3" fmla="*/ 0 h 1536192"/>
-              <a:gd name="connsiteX4" fmla="*/ 1890793 w 2721204"/>
-              <a:gd name="connsiteY4" fmla="*/ 0 h 1536192"/>
-              <a:gd name="connsiteX5" fmla="*/ 2465167 w 2721204"/>
-              <a:gd name="connsiteY5" fmla="*/ 0 h 1536192"/>
-              <a:gd name="connsiteX6" fmla="*/ 2721204 w 2721204"/>
-              <a:gd name="connsiteY6" fmla="*/ 256037 h 1536192"/>
-              <a:gd name="connsiteX7" fmla="*/ 2721204 w 2721204"/>
-              <a:gd name="connsiteY7" fmla="*/ 757855 h 1536192"/>
-              <a:gd name="connsiteX8" fmla="*/ 2721204 w 2721204"/>
-              <a:gd name="connsiteY8" fmla="*/ 1280155 h 1536192"/>
-              <a:gd name="connsiteX9" fmla="*/ 2465167 w 2721204"/>
-              <a:gd name="connsiteY9" fmla="*/ 1536192 h 1536192"/>
-              <a:gd name="connsiteX10" fmla="*/ 1934976 w 2721204"/>
-              <a:gd name="connsiteY10" fmla="*/ 1536192 h 1536192"/>
-              <a:gd name="connsiteX11" fmla="*/ 1448967 w 2721204"/>
-              <a:gd name="connsiteY11" fmla="*/ 1536192 h 1536192"/>
-              <a:gd name="connsiteX12" fmla="*/ 852502 w 2721204"/>
-              <a:gd name="connsiteY12" fmla="*/ 1536192 h 1536192"/>
-              <a:gd name="connsiteX13" fmla="*/ 256037 w 2721204"/>
-              <a:gd name="connsiteY13" fmla="*/ 1536192 h 1536192"/>
-              <a:gd name="connsiteX14" fmla="*/ 0 w 2721204"/>
-              <a:gd name="connsiteY14" fmla="*/ 1280155 h 1536192"/>
-              <a:gd name="connsiteX15" fmla="*/ 0 w 2721204"/>
-              <a:gd name="connsiteY15" fmla="*/ 757855 h 1536192"/>
-              <a:gd name="connsiteX16" fmla="*/ 0 w 2721204"/>
-              <a:gd name="connsiteY16" fmla="*/ 256037 h 1536192"/>
-            </a:gdLst>
-            <a:ahLst/>
-            <a:cxnLst>
-              <a:cxn ang="0">
-                <a:pos x="connsiteX0" y="connsiteY0"/>
-              </a:cxn>
-              <a:cxn ang="0">
-                <a:pos x="connsiteX1" y="connsiteY1"/>
-              </a:cxn>
-              <a:cxn ang="0">
-                <a:pos x="connsiteX2" y="connsiteY2"/>
-              </a:cxn>
-              <a:cxn ang="0">
-                <a:pos x="connsiteX3" y="connsiteY3"/>
-              </a:cxn>
-              <a:cxn ang="0">
-                <a:pos x="connsiteX4" y="connsiteY4"/>
-              </a:cxn>
-              <a:cxn ang="0">
-                <a:pos x="connsiteX5" y="connsiteY5"/>
-              </a:cxn>
-              <a:cxn ang="0">
-                <a:pos x="connsiteX6" y="connsiteY6"/>
-              </a:cxn>
-              <a:cxn ang="0">
-                <a:pos x="connsiteX7" y="connsiteY7"/>
-              </a:cxn>
-              <a:cxn ang="0">
-                <a:pos x="connsiteX8" y="connsiteY8"/>
-              </a:cxn>
-              <a:cxn ang="0">
-                <a:pos x="connsiteX9" y="connsiteY9"/>
-              </a:cxn>
-              <a:cxn ang="0">
-                <a:pos x="connsiteX10" y="connsiteY10"/>
-              </a:cxn>
-              <a:cxn ang="0">
-                <a:pos x="connsiteX11" y="connsiteY11"/>
-              </a:cxn>
-              <a:cxn ang="0">
-                <a:pos x="connsiteX12" y="connsiteY12"/>
-              </a:cxn>
-              <a:cxn ang="0">
-                <a:pos x="connsiteX13" y="connsiteY13"/>
-              </a:cxn>
-              <a:cxn ang="0">
-                <a:pos x="connsiteX14" y="connsiteY14"/>
-              </a:cxn>
-              <a:cxn ang="0">
-                <a:pos x="connsiteX15" y="connsiteY15"/>
-              </a:cxn>
-              <a:cxn ang="0">
-                <a:pos x="connsiteX16" y="connsiteY16"/>
-              </a:cxn>
-            </a:cxnLst>
-            <a:rect l="l" t="t" r="r" b="b"/>
-            <a:pathLst>
-              <a:path w="2721204" h="1536192" fill="none" extrusionOk="0">
-                <a:moveTo>
-                  <a:pt x="0" y="256037"/>
-                </a:moveTo>
-                <a:cubicBezTo>
-                  <a:pt x="50" y="121506"/>
-                  <a:pt x="84116" y="17268"/>
-                  <a:pt x="256037" y="0"/>
-                </a:cubicBezTo>
-                <a:cubicBezTo>
-                  <a:pt x="424260" y="17431"/>
-                  <a:pt x="660125" y="10828"/>
-                  <a:pt x="830411" y="0"/>
-                </a:cubicBezTo>
-                <a:cubicBezTo>
-                  <a:pt x="1000697" y="-10828"/>
-                  <a:pt x="1245802" y="-17001"/>
-                  <a:pt x="1360602" y="0"/>
-                </a:cubicBezTo>
-                <a:cubicBezTo>
-                  <a:pt x="1475402" y="17001"/>
-                  <a:pt x="1692287" y="24017"/>
-                  <a:pt x="1890793" y="0"/>
-                </a:cubicBezTo>
-                <a:cubicBezTo>
-                  <a:pt x="2089299" y="-24017"/>
-                  <a:pt x="2230517" y="-20856"/>
-                  <a:pt x="2465167" y="0"/>
-                </a:cubicBezTo>
-                <a:cubicBezTo>
-                  <a:pt x="2610967" y="-13169"/>
-                  <a:pt x="2742058" y="109425"/>
-                  <a:pt x="2721204" y="256037"/>
-                </a:cubicBezTo>
-                <a:cubicBezTo>
-                  <a:pt x="2723994" y="421262"/>
-                  <a:pt x="2742997" y="653570"/>
-                  <a:pt x="2721204" y="757855"/>
-                </a:cubicBezTo>
-                <a:cubicBezTo>
-                  <a:pt x="2699411" y="862140"/>
-                  <a:pt x="2726388" y="1061808"/>
-                  <a:pt x="2721204" y="1280155"/>
-                </a:cubicBezTo>
-                <a:cubicBezTo>
-                  <a:pt x="2708617" y="1405062"/>
-                  <a:pt x="2582699" y="1523317"/>
-                  <a:pt x="2465167" y="1536192"/>
-                </a:cubicBezTo>
-                <a:cubicBezTo>
-                  <a:pt x="2267990" y="1542172"/>
-                  <a:pt x="2081069" y="1551388"/>
-                  <a:pt x="1934976" y="1536192"/>
-                </a:cubicBezTo>
-                <a:cubicBezTo>
-                  <a:pt x="1788883" y="1520996"/>
-                  <a:pt x="1610870" y="1515750"/>
-                  <a:pt x="1448967" y="1536192"/>
-                </a:cubicBezTo>
-                <a:cubicBezTo>
-                  <a:pt x="1287064" y="1556634"/>
-                  <a:pt x="1103738" y="1509595"/>
-                  <a:pt x="852502" y="1536192"/>
-                </a:cubicBezTo>
-                <a:cubicBezTo>
-                  <a:pt x="601266" y="1562789"/>
-                  <a:pt x="497297" y="1524119"/>
-                  <a:pt x="256037" y="1536192"/>
-                </a:cubicBezTo>
-                <a:cubicBezTo>
-                  <a:pt x="107403" y="1509087"/>
-                  <a:pt x="-14616" y="1403864"/>
-                  <a:pt x="0" y="1280155"/>
-                </a:cubicBezTo>
-                <a:cubicBezTo>
-                  <a:pt x="24782" y="1109026"/>
-                  <a:pt x="12643" y="978290"/>
-                  <a:pt x="0" y="757855"/>
-                </a:cubicBezTo>
-                <a:cubicBezTo>
-                  <a:pt x="-12643" y="537420"/>
-                  <a:pt x="-18283" y="424502"/>
-                  <a:pt x="0" y="256037"/>
-                </a:cubicBezTo>
-                <a:close/>
-              </a:path>
-              <a:path w="2721204" h="1536192" stroke="0" extrusionOk="0">
-                <a:moveTo>
-                  <a:pt x="0" y="256037"/>
-                </a:moveTo>
-                <a:cubicBezTo>
-                  <a:pt x="23789" y="122843"/>
-                  <a:pt x="134223" y="325"/>
-                  <a:pt x="256037" y="0"/>
-                </a:cubicBezTo>
-                <a:cubicBezTo>
-                  <a:pt x="405021" y="6546"/>
-                  <a:pt x="530285" y="-5138"/>
-                  <a:pt x="786228" y="0"/>
-                </a:cubicBezTo>
-                <a:cubicBezTo>
-                  <a:pt x="1042171" y="5138"/>
-                  <a:pt x="1160842" y="-1008"/>
-                  <a:pt x="1360602" y="0"/>
-                </a:cubicBezTo>
-                <a:cubicBezTo>
-                  <a:pt x="1560362" y="1008"/>
-                  <a:pt x="1739553" y="6573"/>
-                  <a:pt x="1912885" y="0"/>
-                </a:cubicBezTo>
-                <a:cubicBezTo>
-                  <a:pt x="2086217" y="-6573"/>
-                  <a:pt x="2231177" y="-8107"/>
-                  <a:pt x="2465167" y="0"/>
-                </a:cubicBezTo>
-                <a:cubicBezTo>
-                  <a:pt x="2576454" y="1064"/>
-                  <a:pt x="2747019" y="131239"/>
-                  <a:pt x="2721204" y="256037"/>
-                </a:cubicBezTo>
-                <a:cubicBezTo>
-                  <a:pt x="2743789" y="370246"/>
-                  <a:pt x="2725626" y="657627"/>
-                  <a:pt x="2721204" y="768096"/>
-                </a:cubicBezTo>
-                <a:cubicBezTo>
-                  <a:pt x="2716782" y="878565"/>
-                  <a:pt x="2703783" y="1103562"/>
-                  <a:pt x="2721204" y="1280155"/>
-                </a:cubicBezTo>
-                <a:cubicBezTo>
-                  <a:pt x="2708128" y="1423913"/>
-                  <a:pt x="2597160" y="1518022"/>
-                  <a:pt x="2465167" y="1536192"/>
-                </a:cubicBezTo>
-                <a:cubicBezTo>
-                  <a:pt x="2336967" y="1557029"/>
-                  <a:pt x="2148800" y="1561312"/>
-                  <a:pt x="1890793" y="1536192"/>
-                </a:cubicBezTo>
-                <a:cubicBezTo>
-                  <a:pt x="1632786" y="1511072"/>
-                  <a:pt x="1586321" y="1529145"/>
-                  <a:pt x="1404785" y="1536192"/>
-                </a:cubicBezTo>
-                <a:cubicBezTo>
-                  <a:pt x="1223249" y="1543239"/>
-                  <a:pt x="1037366" y="1524570"/>
-                  <a:pt x="808320" y="1536192"/>
-                </a:cubicBezTo>
-                <a:cubicBezTo>
-                  <a:pt x="579274" y="1547814"/>
-                  <a:pt x="415105" y="1557316"/>
-                  <a:pt x="256037" y="1536192"/>
-                </a:cubicBezTo>
-                <a:cubicBezTo>
-                  <a:pt x="117283" y="1534199"/>
-                  <a:pt x="-17849" y="1396912"/>
-                  <a:pt x="0" y="1280155"/>
-                </a:cubicBezTo>
-                <a:cubicBezTo>
-                  <a:pt x="8613" y="1118071"/>
-                  <a:pt x="5790" y="960110"/>
-                  <a:pt x="0" y="788578"/>
-                </a:cubicBezTo>
-                <a:cubicBezTo>
-                  <a:pt x="-5790" y="617046"/>
-                  <a:pt x="-14320" y="383232"/>
-                  <a:pt x="0" y="256037"/>
-                </a:cubicBezTo>
-                <a:close/>
-              </a:path>
-            </a:pathLst>
-          </a:custGeom>
-          <a:ln w="38100">
-            <a:solidFill>
-              <a:schemeClr val="tx1"/>
-            </a:solidFill>
-            <a:extLst>
-              <a:ext uri="{C807C97D-BFC1-408E-A445-0C87EB9F89A2}">
-                <ask:lineSketchStyleProps xmlns:ask="http://schemas.microsoft.com/office/drawing/2018/sketchyshapes" sd="2259606259">
-                  <a:prstGeom prst="roundRect">
-                    <a:avLst/>
-                  </a:prstGeom>
-                  <ask:type>
-                    <ask:lineSketchFreehand/>
-                  </ask:type>
-                </ask:lineSketchStyleProps>
-              </a:ext>
-            </a:extLst>
-          </a:ln>
-        </p:spPr>
-        <p:style>
-          <a:lnRef idx="2">
-            <a:schemeClr val="accent3">
-              <a:shade val="15000"/>
-            </a:schemeClr>
-          </a:lnRef>
-          <a:fillRef idx="1">
-            <a:schemeClr val="accent3"/>
-          </a:fillRef>
-          <a:effectRef idx="0">
-            <a:schemeClr val="accent3"/>
-          </a:effectRef>
-          <a:fontRef idx="minor">
-            <a:schemeClr val="lt1"/>
-          </a:fontRef>
-        </p:style>
-        <p:txBody>
-          <a:bodyPr rtlCol="0" anchor="ctr"/>
-          <a:lstStyle/>
-          <a:p>
-            <a:r>
-              <a:rPr lang="en-US" sz="1300" dirty="0"/>
-              <a:t>Identify week members</a:t>
-            </a:r>
-            <a:br>
-              <a:rPr lang="en-US" sz="1300" dirty="0"/>
-            </a:br>
-            <a:r>
-              <a:rPr lang="en-US" sz="1300" dirty="0"/>
-              <a:t>Kill them and take out meat</a:t>
-            </a:r>
-            <a:br>
-              <a:rPr lang="en-US" sz="1300" dirty="0"/>
-            </a:br>
-            <a:r>
-              <a:rPr lang="en-US" sz="1300" dirty="0"/>
-              <a:t>Store it in Cult</a:t>
-            </a:r>
-            <a:br>
-              <a:rPr lang="en-US" sz="1300" dirty="0"/>
-            </a:br>
-            <a:r>
-              <a:rPr lang="en-US" sz="1300" dirty="0"/>
-              <a:t>Buyers pay and take it away</a:t>
-            </a:r>
-          </a:p>
-        </p:txBody>
-      </p:sp>
-      <p:sp>
-        <p:nvSpPr>
-          <p:cNvPr id="9" name="Rectangle: Rounded Corners 8">
-            <a:extLst>
-              <a:ext uri="{FF2B5EF4-FFF2-40B4-BE49-F238E27FC236}">
-                <a16:creationId xmlns:a16="http://schemas.microsoft.com/office/drawing/2014/main" id="{2BB9CA93-956E-948F-DC3A-0EE8C99E7055}"/>
-              </a:ext>
-            </a:extLst>
-          </p:cNvPr>
-          <p:cNvSpPr/>
-          <p:nvPr/>
-        </p:nvSpPr>
-        <p:spPr>
-          <a:xfrm>
-            <a:off x="8655667" y="2660904"/>
-            <a:ext cx="2721204" cy="1536192"/>
-          </a:xfrm>
-          <a:custGeom>
-            <a:avLst/>
-            <a:gdLst>
-              <a:gd name="connsiteX0" fmla="*/ 0 w 2721204"/>
-              <a:gd name="connsiteY0" fmla="*/ 256037 h 1536192"/>
-              <a:gd name="connsiteX1" fmla="*/ 256037 w 2721204"/>
-              <a:gd name="connsiteY1" fmla="*/ 0 h 1536192"/>
-              <a:gd name="connsiteX2" fmla="*/ 830411 w 2721204"/>
-              <a:gd name="connsiteY2" fmla="*/ 0 h 1536192"/>
-              <a:gd name="connsiteX3" fmla="*/ 1404785 w 2721204"/>
-              <a:gd name="connsiteY3" fmla="*/ 0 h 1536192"/>
-              <a:gd name="connsiteX4" fmla="*/ 1890793 w 2721204"/>
-              <a:gd name="connsiteY4" fmla="*/ 0 h 1536192"/>
-              <a:gd name="connsiteX5" fmla="*/ 2465167 w 2721204"/>
-              <a:gd name="connsiteY5" fmla="*/ 0 h 1536192"/>
-              <a:gd name="connsiteX6" fmla="*/ 2721204 w 2721204"/>
-              <a:gd name="connsiteY6" fmla="*/ 256037 h 1536192"/>
-              <a:gd name="connsiteX7" fmla="*/ 2721204 w 2721204"/>
-              <a:gd name="connsiteY7" fmla="*/ 737372 h 1536192"/>
-              <a:gd name="connsiteX8" fmla="*/ 2721204 w 2721204"/>
-              <a:gd name="connsiteY8" fmla="*/ 1280155 h 1536192"/>
-              <a:gd name="connsiteX9" fmla="*/ 2465167 w 2721204"/>
-              <a:gd name="connsiteY9" fmla="*/ 1536192 h 1536192"/>
-              <a:gd name="connsiteX10" fmla="*/ 1957067 w 2721204"/>
-              <a:gd name="connsiteY10" fmla="*/ 1536192 h 1536192"/>
-              <a:gd name="connsiteX11" fmla="*/ 1471059 w 2721204"/>
-              <a:gd name="connsiteY11" fmla="*/ 1536192 h 1536192"/>
-              <a:gd name="connsiteX12" fmla="*/ 940867 w 2721204"/>
-              <a:gd name="connsiteY12" fmla="*/ 1536192 h 1536192"/>
-              <a:gd name="connsiteX13" fmla="*/ 256037 w 2721204"/>
-              <a:gd name="connsiteY13" fmla="*/ 1536192 h 1536192"/>
-              <a:gd name="connsiteX14" fmla="*/ 0 w 2721204"/>
-              <a:gd name="connsiteY14" fmla="*/ 1280155 h 1536192"/>
-              <a:gd name="connsiteX15" fmla="*/ 0 w 2721204"/>
-              <a:gd name="connsiteY15" fmla="*/ 757855 h 1536192"/>
-              <a:gd name="connsiteX16" fmla="*/ 0 w 2721204"/>
-              <a:gd name="connsiteY16" fmla="*/ 256037 h 1536192"/>
-            </a:gdLst>
-            <a:ahLst/>
-            <a:cxnLst>
-              <a:cxn ang="0">
-                <a:pos x="connsiteX0" y="connsiteY0"/>
-              </a:cxn>
-              <a:cxn ang="0">
-                <a:pos x="connsiteX1" y="connsiteY1"/>
-              </a:cxn>
-              <a:cxn ang="0">
-                <a:pos x="connsiteX2" y="connsiteY2"/>
-              </a:cxn>
-              <a:cxn ang="0">
-                <a:pos x="connsiteX3" y="connsiteY3"/>
-              </a:cxn>
-              <a:cxn ang="0">
-                <a:pos x="connsiteX4" y="connsiteY4"/>
-              </a:cxn>
-              <a:cxn ang="0">
-                <a:pos x="connsiteX5" y="connsiteY5"/>
-              </a:cxn>
-              <a:cxn ang="0">
-                <a:pos x="connsiteX6" y="connsiteY6"/>
-              </a:cxn>
-              <a:cxn ang="0">
-                <a:pos x="connsiteX7" y="connsiteY7"/>
-              </a:cxn>
-              <a:cxn ang="0">
-                <a:pos x="connsiteX8" y="connsiteY8"/>
-              </a:cxn>
-              <a:cxn ang="0">
-                <a:pos x="connsiteX9" y="connsiteY9"/>
-              </a:cxn>
-              <a:cxn ang="0">
-                <a:pos x="connsiteX10" y="connsiteY10"/>
-              </a:cxn>
-              <a:cxn ang="0">
-                <a:pos x="connsiteX11" y="connsiteY11"/>
-              </a:cxn>
-              <a:cxn ang="0">
-                <a:pos x="connsiteX12" y="connsiteY12"/>
-              </a:cxn>
-              <a:cxn ang="0">
-                <a:pos x="connsiteX13" y="connsiteY13"/>
-              </a:cxn>
-              <a:cxn ang="0">
-                <a:pos x="connsiteX14" y="connsiteY14"/>
-              </a:cxn>
-              <a:cxn ang="0">
-                <a:pos x="connsiteX15" y="connsiteY15"/>
-              </a:cxn>
-              <a:cxn ang="0">
-                <a:pos x="connsiteX16" y="connsiteY16"/>
-              </a:cxn>
-            </a:cxnLst>
-            <a:rect l="l" t="t" r="r" b="b"/>
-            <a:pathLst>
-              <a:path w="2721204" h="1536192" fill="none" extrusionOk="0">
-                <a:moveTo>
-                  <a:pt x="0" y="256037"/>
-                </a:moveTo>
-                <a:cubicBezTo>
-                  <a:pt x="-26308" y="93432"/>
-                  <a:pt x="116223" y="-5432"/>
-                  <a:pt x="256037" y="0"/>
-                </a:cubicBezTo>
-                <a:cubicBezTo>
-                  <a:pt x="447962" y="23675"/>
-                  <a:pt x="703139" y="-12492"/>
-                  <a:pt x="830411" y="0"/>
-                </a:cubicBezTo>
-                <a:cubicBezTo>
-                  <a:pt x="957683" y="12492"/>
-                  <a:pt x="1227918" y="-9141"/>
-                  <a:pt x="1404785" y="0"/>
-                </a:cubicBezTo>
-                <a:cubicBezTo>
-                  <a:pt x="1581652" y="9141"/>
-                  <a:pt x="1706278" y="13970"/>
-                  <a:pt x="1890793" y="0"/>
-                </a:cubicBezTo>
-                <a:cubicBezTo>
-                  <a:pt x="2075308" y="-13970"/>
-                  <a:pt x="2325334" y="-5589"/>
-                  <a:pt x="2465167" y="0"/>
-                </a:cubicBezTo>
-                <a:cubicBezTo>
-                  <a:pt x="2597803" y="15027"/>
-                  <a:pt x="2719657" y="105686"/>
-                  <a:pt x="2721204" y="256037"/>
-                </a:cubicBezTo>
-                <a:cubicBezTo>
-                  <a:pt x="2744479" y="355875"/>
-                  <a:pt x="2713126" y="509070"/>
-                  <a:pt x="2721204" y="737372"/>
-                </a:cubicBezTo>
-                <a:cubicBezTo>
-                  <a:pt x="2729282" y="965674"/>
-                  <a:pt x="2736648" y="1155844"/>
-                  <a:pt x="2721204" y="1280155"/>
-                </a:cubicBezTo>
-                <a:cubicBezTo>
-                  <a:pt x="2730794" y="1387684"/>
-                  <a:pt x="2613680" y="1547721"/>
-                  <a:pt x="2465167" y="1536192"/>
-                </a:cubicBezTo>
-                <a:cubicBezTo>
-                  <a:pt x="2299477" y="1547480"/>
-                  <a:pt x="2106474" y="1514890"/>
-                  <a:pt x="1957067" y="1536192"/>
-                </a:cubicBezTo>
-                <a:cubicBezTo>
-                  <a:pt x="1807660" y="1557494"/>
-                  <a:pt x="1592061" y="1533703"/>
-                  <a:pt x="1471059" y="1536192"/>
-                </a:cubicBezTo>
-                <a:cubicBezTo>
-                  <a:pt x="1350057" y="1538681"/>
-                  <a:pt x="1193780" y="1529896"/>
-                  <a:pt x="940867" y="1536192"/>
-                </a:cubicBezTo>
-                <a:cubicBezTo>
-                  <a:pt x="687954" y="1542488"/>
-                  <a:pt x="522470" y="1505274"/>
-                  <a:pt x="256037" y="1536192"/>
-                </a:cubicBezTo>
-                <a:cubicBezTo>
-                  <a:pt x="139064" y="1523719"/>
-                  <a:pt x="12523" y="1434637"/>
-                  <a:pt x="0" y="1280155"/>
-                </a:cubicBezTo>
-                <a:cubicBezTo>
-                  <a:pt x="-3900" y="1169449"/>
-                  <a:pt x="-24484" y="947646"/>
-                  <a:pt x="0" y="757855"/>
-                </a:cubicBezTo>
-                <a:cubicBezTo>
-                  <a:pt x="24484" y="568064"/>
-                  <a:pt x="2880" y="428499"/>
-                  <a:pt x="0" y="256037"/>
-                </a:cubicBezTo>
-                <a:close/>
-              </a:path>
-              <a:path w="2721204" h="1536192" stroke="0" extrusionOk="0">
-                <a:moveTo>
-                  <a:pt x="0" y="256037"/>
-                </a:moveTo>
-                <a:cubicBezTo>
-                  <a:pt x="-23996" y="108175"/>
-                  <a:pt x="113282" y="25534"/>
-                  <a:pt x="256037" y="0"/>
-                </a:cubicBezTo>
-                <a:cubicBezTo>
-                  <a:pt x="411047" y="18981"/>
-                  <a:pt x="556499" y="-25596"/>
-                  <a:pt x="786228" y="0"/>
-                </a:cubicBezTo>
-                <a:cubicBezTo>
-                  <a:pt x="1015957" y="25596"/>
-                  <a:pt x="1151337" y="-3257"/>
-                  <a:pt x="1338511" y="0"/>
-                </a:cubicBezTo>
-                <a:cubicBezTo>
-                  <a:pt x="1525685" y="3257"/>
-                  <a:pt x="1747616" y="19989"/>
-                  <a:pt x="1890793" y="0"/>
-                </a:cubicBezTo>
-                <a:cubicBezTo>
-                  <a:pt x="2033970" y="-19989"/>
-                  <a:pt x="2244544" y="6655"/>
-                  <a:pt x="2465167" y="0"/>
-                </a:cubicBezTo>
-                <a:cubicBezTo>
-                  <a:pt x="2585361" y="5641"/>
-                  <a:pt x="2703882" y="113249"/>
-                  <a:pt x="2721204" y="256037"/>
-                </a:cubicBezTo>
-                <a:cubicBezTo>
-                  <a:pt x="2721540" y="515464"/>
-                  <a:pt x="2727005" y="613500"/>
-                  <a:pt x="2721204" y="778337"/>
-                </a:cubicBezTo>
-                <a:cubicBezTo>
-                  <a:pt x="2715403" y="943174"/>
-                  <a:pt x="2740638" y="1088708"/>
-                  <a:pt x="2721204" y="1280155"/>
-                </a:cubicBezTo>
-                <a:cubicBezTo>
-                  <a:pt x="2723936" y="1429986"/>
-                  <a:pt x="2638747" y="1527685"/>
-                  <a:pt x="2465167" y="1536192"/>
-                </a:cubicBezTo>
-                <a:cubicBezTo>
-                  <a:pt x="2324658" y="1543260"/>
-                  <a:pt x="2050210" y="1531140"/>
-                  <a:pt x="1912885" y="1536192"/>
-                </a:cubicBezTo>
-                <a:cubicBezTo>
-                  <a:pt x="1775560" y="1541244"/>
-                  <a:pt x="1605144" y="1523637"/>
-                  <a:pt x="1404785" y="1536192"/>
-                </a:cubicBezTo>
-                <a:cubicBezTo>
-                  <a:pt x="1204426" y="1548747"/>
-                  <a:pt x="1135058" y="1522227"/>
-                  <a:pt x="874593" y="1536192"/>
-                </a:cubicBezTo>
-                <a:cubicBezTo>
-                  <a:pt x="614128" y="1550157"/>
-                  <a:pt x="555648" y="1541267"/>
-                  <a:pt x="256037" y="1536192"/>
-                </a:cubicBezTo>
-                <a:cubicBezTo>
-                  <a:pt x="139574" y="1512064"/>
-                  <a:pt x="-1058" y="1406726"/>
-                  <a:pt x="0" y="1280155"/>
-                </a:cubicBezTo>
-                <a:cubicBezTo>
-                  <a:pt x="-18776" y="1173486"/>
-                  <a:pt x="-3604" y="1008411"/>
-                  <a:pt x="0" y="768096"/>
-                </a:cubicBezTo>
-                <a:cubicBezTo>
-                  <a:pt x="3604" y="527781"/>
-                  <a:pt x="22815" y="447680"/>
-                  <a:pt x="0" y="256037"/>
-                </a:cubicBezTo>
-                <a:close/>
-              </a:path>
-            </a:pathLst>
-          </a:custGeom>
-          <a:ln w="38100">
-            <a:solidFill>
-              <a:schemeClr val="tx1"/>
-            </a:solidFill>
-            <a:extLst>
-              <a:ext uri="{C807C97D-BFC1-408E-A445-0C87EB9F89A2}">
-                <ask:lineSketchStyleProps xmlns:ask="http://schemas.microsoft.com/office/drawing/2018/sketchyshapes" sd="2486745078">
-                  <a:prstGeom prst="roundRect">
-                    <a:avLst/>
-                  </a:prstGeom>
-                  <ask:type>
-                    <ask:lineSketchFreehand/>
-                  </ask:type>
-                </ask:lineSketchStyleProps>
-              </a:ext>
-            </a:extLst>
-          </a:ln>
-        </p:spPr>
-        <p:style>
-          <a:lnRef idx="2">
-            <a:schemeClr val="accent3">
-              <a:shade val="15000"/>
-            </a:schemeClr>
-          </a:lnRef>
-          <a:fillRef idx="1">
-            <a:schemeClr val="accent3"/>
-          </a:fillRef>
-          <a:effectRef idx="0">
-            <a:schemeClr val="accent3"/>
-          </a:effectRef>
-          <a:fontRef idx="minor">
-            <a:schemeClr val="lt1"/>
-          </a:fontRef>
-        </p:style>
-        <p:txBody>
-          <a:bodyPr rtlCol="0" anchor="ctr"/>
-          <a:lstStyle/>
-          <a:p>
-            <a:r>
-              <a:rPr lang="en-US" sz="1300" dirty="0"/>
-              <a:t>Print INR in a factory</a:t>
-            </a:r>
-            <a:br>
-              <a:rPr lang="en-US" sz="1300" dirty="0"/>
-            </a:br>
-            <a:r>
-              <a:rPr lang="en-US" sz="1300" dirty="0"/>
-              <a:t>Store it in Paintings</a:t>
-            </a:r>
-            <a:br>
-              <a:rPr lang="en-US" sz="1300" dirty="0"/>
-            </a:br>
-            <a:r>
-              <a:rPr lang="en-US" sz="1300" dirty="0"/>
-              <a:t>Ship it to India</a:t>
-            </a:r>
-          </a:p>
-        </p:txBody>
-      </p:sp>
-      <p:cxnSp>
-        <p:nvCxnSpPr>
-          <p:cNvPr id="11" name="Straight Connector 10">
-            <a:extLst>
-              <a:ext uri="{FF2B5EF4-FFF2-40B4-BE49-F238E27FC236}">
-                <a16:creationId xmlns:a16="http://schemas.microsoft.com/office/drawing/2014/main" id="{24964F50-BBE8-FA95-3A4D-2C33F700DA99}"/>
-              </a:ext>
-            </a:extLst>
-          </p:cNvPr>
-          <p:cNvCxnSpPr>
-            <a:cxnSpLocks/>
-            <a:stCxn id="4" idx="3"/>
-            <a:endCxn id="6" idx="1"/>
-          </p:cNvCxnSpPr>
-          <p:nvPr/>
-        </p:nvCxnSpPr>
-        <p:spPr>
-          <a:xfrm>
-            <a:off x="4697024" y="1124654"/>
-            <a:ext cx="2797954" cy="0"/>
-          </a:xfrm>
-          <a:prstGeom prst="line">
-            <a:avLst/>
-          </a:prstGeom>
-          <a:ln w="38100">
-            <a:solidFill>
-              <a:schemeClr val="tx1"/>
-            </a:solidFill>
-            <a:headEnd type="oval" w="med" len="med"/>
-            <a:tailEnd type="oval" w="med" len="med"/>
-          </a:ln>
-        </p:spPr>
-        <p:style>
-          <a:lnRef idx="2">
-            <a:schemeClr val="accent1"/>
-          </a:lnRef>
-          <a:fillRef idx="0">
-            <a:schemeClr val="accent1"/>
-          </a:fillRef>
-          <a:effectRef idx="1">
-            <a:schemeClr val="accent1"/>
-          </a:effectRef>
-          <a:fontRef idx="minor">
-            <a:schemeClr val="tx1"/>
-          </a:fontRef>
-        </p:style>
-      </p:cxnSp>
-      <p:cxnSp>
-        <p:nvCxnSpPr>
-          <p:cNvPr id="13" name="Straight Connector 12">
-            <a:extLst>
-              <a:ext uri="{FF2B5EF4-FFF2-40B4-BE49-F238E27FC236}">
-                <a16:creationId xmlns:a16="http://schemas.microsoft.com/office/drawing/2014/main" id="{61FCF219-9F4F-EAA3-9D02-462B244DB26A}"/>
-              </a:ext>
-            </a:extLst>
-          </p:cNvPr>
-          <p:cNvCxnSpPr>
-            <a:cxnSpLocks/>
-          </p:cNvCxnSpPr>
-          <p:nvPr/>
-        </p:nvCxnSpPr>
-        <p:spPr>
-          <a:xfrm>
-            <a:off x="6029699" y="1112285"/>
-            <a:ext cx="4508" cy="1214979"/>
-          </a:xfrm>
-          <a:prstGeom prst="line">
-            <a:avLst/>
-          </a:prstGeom>
-          <a:ln w="38100">
-            <a:solidFill>
-              <a:schemeClr val="tx1"/>
-            </a:solidFill>
-            <a:headEnd type="oval" w="med" len="med"/>
-            <a:tailEnd type="oval" w="med" len="med"/>
-          </a:ln>
-        </p:spPr>
-        <p:style>
-          <a:lnRef idx="2">
-            <a:schemeClr val="accent1"/>
-          </a:lnRef>
-          <a:fillRef idx="0">
-            <a:schemeClr val="accent1"/>
-          </a:fillRef>
-          <a:effectRef idx="1">
-            <a:schemeClr val="accent1"/>
-          </a:effectRef>
-          <a:fontRef idx="minor">
-            <a:schemeClr val="tx1"/>
-          </a:fontRef>
-        </p:style>
-      </p:cxnSp>
-      <p:cxnSp>
-        <p:nvCxnSpPr>
-          <p:cNvPr id="15" name="Straight Connector 14">
-            <a:extLst>
-              <a:ext uri="{FF2B5EF4-FFF2-40B4-BE49-F238E27FC236}">
-                <a16:creationId xmlns:a16="http://schemas.microsoft.com/office/drawing/2014/main" id="{858B7E47-BC61-2926-B96D-E285E6581B8D}"/>
-              </a:ext>
-            </a:extLst>
-          </p:cNvPr>
-          <p:cNvCxnSpPr>
-            <a:cxnSpLocks/>
-            <a:stCxn id="7" idx="3"/>
-            <a:endCxn id="29" idx="3"/>
-          </p:cNvCxnSpPr>
-          <p:nvPr/>
-        </p:nvCxnSpPr>
-        <p:spPr>
-          <a:xfrm flipV="1">
-            <a:off x="3413621" y="3428999"/>
-            <a:ext cx="1398524" cy="1"/>
-          </a:xfrm>
-          <a:prstGeom prst="line">
-            <a:avLst/>
-          </a:prstGeom>
-          <a:ln w="38100">
-            <a:solidFill>
-              <a:schemeClr val="tx1"/>
-            </a:solidFill>
-            <a:headEnd type="oval" w="med" len="med"/>
-            <a:tailEnd type="oval" w="med" len="med"/>
-          </a:ln>
-        </p:spPr>
-        <p:style>
-          <a:lnRef idx="2">
-            <a:schemeClr val="accent1"/>
-          </a:lnRef>
-          <a:fillRef idx="0">
-            <a:schemeClr val="accent1"/>
-          </a:fillRef>
-          <a:effectRef idx="1">
-            <a:schemeClr val="accent1"/>
-          </a:effectRef>
-          <a:fontRef idx="minor">
-            <a:schemeClr val="tx1"/>
-          </a:fontRef>
-        </p:style>
-      </p:cxnSp>
-      <p:cxnSp>
-        <p:nvCxnSpPr>
-          <p:cNvPr id="17" name="Straight Connector 16">
-            <a:extLst>
-              <a:ext uri="{FF2B5EF4-FFF2-40B4-BE49-F238E27FC236}">
-                <a16:creationId xmlns:a16="http://schemas.microsoft.com/office/drawing/2014/main" id="{BA90CEA9-2DBB-2FA5-51A0-D725296D03DB}"/>
-              </a:ext>
-            </a:extLst>
-          </p:cNvPr>
-          <p:cNvCxnSpPr>
-            <a:cxnSpLocks/>
-            <a:endCxn id="9" idx="1"/>
-          </p:cNvCxnSpPr>
-          <p:nvPr/>
-        </p:nvCxnSpPr>
-        <p:spPr>
-          <a:xfrm>
-            <a:off x="7295065" y="3429000"/>
-            <a:ext cx="1360602" cy="0"/>
-          </a:xfrm>
-          <a:prstGeom prst="line">
-            <a:avLst/>
-          </a:prstGeom>
-          <a:ln w="38100">
-            <a:solidFill>
-              <a:schemeClr val="tx1"/>
-            </a:solidFill>
-            <a:headEnd type="oval" w="med" len="med"/>
-            <a:tailEnd type="oval" w="med" len="med"/>
-          </a:ln>
-        </p:spPr>
-        <p:style>
-          <a:lnRef idx="2">
-            <a:schemeClr val="accent1"/>
-          </a:lnRef>
-          <a:fillRef idx="0">
-            <a:schemeClr val="accent1"/>
-          </a:fillRef>
-          <a:effectRef idx="1">
-            <a:schemeClr val="accent1"/>
-          </a:effectRef>
-          <a:fontRef idx="minor">
-            <a:schemeClr val="tx1"/>
-          </a:fontRef>
-        </p:style>
-      </p:cxnSp>
-      <p:sp>
-        <p:nvSpPr>
-          <p:cNvPr id="29" name="Hexagon 28">
-            <a:extLst>
-              <a:ext uri="{FF2B5EF4-FFF2-40B4-BE49-F238E27FC236}">
-                <a16:creationId xmlns:a16="http://schemas.microsoft.com/office/drawing/2014/main" id="{5336AEC4-82C5-187C-D1D0-45E2B7CFFCE1}"/>
-              </a:ext>
-            </a:extLst>
-          </p:cNvPr>
-          <p:cNvSpPr/>
-          <p:nvPr/>
-        </p:nvSpPr>
-        <p:spPr>
-          <a:xfrm>
-            <a:off x="4812145" y="2327264"/>
-            <a:ext cx="2567709" cy="2203469"/>
-          </a:xfrm>
-          <a:custGeom>
-            <a:avLst/>
-            <a:gdLst>
-              <a:gd name="connsiteX0" fmla="*/ 0 w 2567709"/>
-              <a:gd name="connsiteY0" fmla="*/ 1101735 h 2203469"/>
-              <a:gd name="connsiteX1" fmla="*/ 280942 w 2567709"/>
-              <a:gd name="connsiteY1" fmla="*/ 539851 h 2203469"/>
-              <a:gd name="connsiteX2" fmla="*/ 550867 w 2567709"/>
-              <a:gd name="connsiteY2" fmla="*/ 1 h 2203469"/>
-              <a:gd name="connsiteX3" fmla="*/ 1039525 w 2567709"/>
-              <a:gd name="connsiteY3" fmla="*/ 1 h 2203469"/>
-              <a:gd name="connsiteX4" fmla="*/ 1557503 w 2567709"/>
-              <a:gd name="connsiteY4" fmla="*/ 1 h 2203469"/>
-              <a:gd name="connsiteX5" fmla="*/ 2016842 w 2567709"/>
-              <a:gd name="connsiteY5" fmla="*/ 1 h 2203469"/>
-              <a:gd name="connsiteX6" fmla="*/ 2292276 w 2567709"/>
-              <a:gd name="connsiteY6" fmla="*/ 550868 h 2203469"/>
-              <a:gd name="connsiteX7" fmla="*/ 2567709 w 2567709"/>
-              <a:gd name="connsiteY7" fmla="*/ 1101735 h 2203469"/>
-              <a:gd name="connsiteX8" fmla="*/ 2297784 w 2567709"/>
-              <a:gd name="connsiteY8" fmla="*/ 1641584 h 2203469"/>
-              <a:gd name="connsiteX9" fmla="*/ 2016842 w 2567709"/>
-              <a:gd name="connsiteY9" fmla="*/ 2203468 h 2203469"/>
-              <a:gd name="connsiteX10" fmla="*/ 1542843 w 2567709"/>
-              <a:gd name="connsiteY10" fmla="*/ 2203468 h 2203469"/>
-              <a:gd name="connsiteX11" fmla="*/ 1024866 w 2567709"/>
-              <a:gd name="connsiteY11" fmla="*/ 2203468 h 2203469"/>
-              <a:gd name="connsiteX12" fmla="*/ 550867 w 2567709"/>
-              <a:gd name="connsiteY12" fmla="*/ 2203468 h 2203469"/>
-              <a:gd name="connsiteX13" fmla="*/ 286451 w 2567709"/>
-              <a:gd name="connsiteY13" fmla="*/ 1674636 h 2203469"/>
-              <a:gd name="connsiteX14" fmla="*/ 0 w 2567709"/>
-              <a:gd name="connsiteY14" fmla="*/ 1101735 h 2203469"/>
-            </a:gdLst>
-            <a:ahLst/>
-            <a:cxnLst>
-              <a:cxn ang="0">
-                <a:pos x="connsiteX0" y="connsiteY0"/>
-              </a:cxn>
-              <a:cxn ang="0">
-                <a:pos x="connsiteX1" y="connsiteY1"/>
-              </a:cxn>
-              <a:cxn ang="0">
-                <a:pos x="connsiteX2" y="connsiteY2"/>
-              </a:cxn>
-              <a:cxn ang="0">
-                <a:pos x="connsiteX3" y="connsiteY3"/>
-              </a:cxn>
-              <a:cxn ang="0">
-                <a:pos x="connsiteX4" y="connsiteY4"/>
-              </a:cxn>
-              <a:cxn ang="0">
-                <a:pos x="connsiteX5" y="connsiteY5"/>
-              </a:cxn>
-              <a:cxn ang="0">
-                <a:pos x="connsiteX6" y="connsiteY6"/>
-              </a:cxn>
-              <a:cxn ang="0">
-                <a:pos x="connsiteX7" y="connsiteY7"/>
-              </a:cxn>
-              <a:cxn ang="0">
-                <a:pos x="connsiteX8" y="connsiteY8"/>
-              </a:cxn>
-              <a:cxn ang="0">
-                <a:pos x="connsiteX9" y="connsiteY9"/>
-              </a:cxn>
-              <a:cxn ang="0">
-                <a:pos x="connsiteX10" y="connsiteY10"/>
-              </a:cxn>
-              <a:cxn ang="0">
-                <a:pos x="connsiteX11" y="connsiteY11"/>
-              </a:cxn>
-              <a:cxn ang="0">
-                <a:pos x="connsiteX12" y="connsiteY12"/>
-              </a:cxn>
-              <a:cxn ang="0">
-                <a:pos x="connsiteX13" y="connsiteY13"/>
-              </a:cxn>
-              <a:cxn ang="0">
-                <a:pos x="connsiteX14" y="connsiteY14"/>
-              </a:cxn>
-            </a:cxnLst>
-            <a:rect l="l" t="t" r="r" b="b"/>
-            <a:pathLst>
-              <a:path w="2567709" h="2203469" fill="none" extrusionOk="0">
-                <a:moveTo>
-                  <a:pt x="0" y="1101735"/>
-                </a:moveTo>
-                <a:cubicBezTo>
-                  <a:pt x="68224" y="945929"/>
-                  <a:pt x="196657" y="679989"/>
-                  <a:pt x="280942" y="539851"/>
-                </a:cubicBezTo>
-                <a:cubicBezTo>
-                  <a:pt x="365227" y="399713"/>
-                  <a:pt x="474470" y="191252"/>
-                  <a:pt x="550867" y="1"/>
-                </a:cubicBezTo>
-                <a:cubicBezTo>
-                  <a:pt x="693208" y="-5039"/>
-                  <a:pt x="854385" y="23008"/>
-                  <a:pt x="1039525" y="1"/>
-                </a:cubicBezTo>
-                <a:cubicBezTo>
-                  <a:pt x="1224665" y="-23006"/>
-                  <a:pt x="1338768" y="-901"/>
-                  <a:pt x="1557503" y="1"/>
-                </a:cubicBezTo>
-                <a:cubicBezTo>
-                  <a:pt x="1776238" y="903"/>
-                  <a:pt x="1885788" y="-1540"/>
-                  <a:pt x="2016842" y="1"/>
-                </a:cubicBezTo>
-                <a:cubicBezTo>
-                  <a:pt x="2101158" y="122173"/>
-                  <a:pt x="2212854" y="401946"/>
-                  <a:pt x="2292276" y="550868"/>
-                </a:cubicBezTo>
-                <a:cubicBezTo>
-                  <a:pt x="2371697" y="699790"/>
-                  <a:pt x="2501573" y="986338"/>
-                  <a:pt x="2567709" y="1101735"/>
-                </a:cubicBezTo>
-                <a:cubicBezTo>
-                  <a:pt x="2425985" y="1332145"/>
-                  <a:pt x="2357729" y="1457080"/>
-                  <a:pt x="2297784" y="1641584"/>
-                </a:cubicBezTo>
-                <a:cubicBezTo>
-                  <a:pt x="2237839" y="1826088"/>
-                  <a:pt x="2089865" y="2047480"/>
-                  <a:pt x="2016842" y="2203468"/>
-                </a:cubicBezTo>
-                <a:cubicBezTo>
-                  <a:pt x="1823937" y="2215633"/>
-                  <a:pt x="1650650" y="2187094"/>
-                  <a:pt x="1542843" y="2203468"/>
-                </a:cubicBezTo>
-                <a:cubicBezTo>
-                  <a:pt x="1435036" y="2219842"/>
-                  <a:pt x="1278855" y="2179957"/>
-                  <a:pt x="1024866" y="2203468"/>
-                </a:cubicBezTo>
-                <a:cubicBezTo>
-                  <a:pt x="770877" y="2226979"/>
-                  <a:pt x="679614" y="2226668"/>
-                  <a:pt x="550867" y="2203468"/>
-                </a:cubicBezTo>
-                <a:cubicBezTo>
-                  <a:pt x="484338" y="2088330"/>
-                  <a:pt x="353191" y="1783478"/>
-                  <a:pt x="286451" y="1674636"/>
-                </a:cubicBezTo>
-                <a:cubicBezTo>
-                  <a:pt x="219711" y="1565794"/>
-                  <a:pt x="73141" y="1246708"/>
-                  <a:pt x="0" y="1101735"/>
-                </a:cubicBezTo>
-                <a:close/>
-              </a:path>
-              <a:path w="2567709" h="2203469" stroke="0" extrusionOk="0">
-                <a:moveTo>
-                  <a:pt x="0" y="1101735"/>
-                </a:moveTo>
-                <a:cubicBezTo>
-                  <a:pt x="133376" y="846906"/>
-                  <a:pt x="171806" y="700466"/>
-                  <a:pt x="258907" y="583920"/>
-                </a:cubicBezTo>
-                <a:cubicBezTo>
-                  <a:pt x="346008" y="467374"/>
-                  <a:pt x="486613" y="118977"/>
-                  <a:pt x="550867" y="1"/>
-                </a:cubicBezTo>
-                <a:cubicBezTo>
-                  <a:pt x="658072" y="12147"/>
-                  <a:pt x="788411" y="16185"/>
-                  <a:pt x="1010206" y="1"/>
-                </a:cubicBezTo>
-                <a:cubicBezTo>
-                  <a:pt x="1232001" y="-16183"/>
-                  <a:pt x="1324281" y="-11894"/>
-                  <a:pt x="1469545" y="1"/>
-                </a:cubicBezTo>
-                <a:cubicBezTo>
-                  <a:pt x="1614809" y="11896"/>
-                  <a:pt x="1778811" y="-6612"/>
-                  <a:pt x="2016842" y="1"/>
-                </a:cubicBezTo>
-                <a:cubicBezTo>
-                  <a:pt x="2047445" y="120139"/>
-                  <a:pt x="2167090" y="357920"/>
-                  <a:pt x="2281258" y="528833"/>
-                </a:cubicBezTo>
-                <a:cubicBezTo>
-                  <a:pt x="2395426" y="699746"/>
-                  <a:pt x="2474257" y="953444"/>
-                  <a:pt x="2567709" y="1101735"/>
-                </a:cubicBezTo>
-                <a:cubicBezTo>
-                  <a:pt x="2474668" y="1247418"/>
-                  <a:pt x="2335382" y="1498718"/>
-                  <a:pt x="2286767" y="1663619"/>
-                </a:cubicBezTo>
-                <a:cubicBezTo>
-                  <a:pt x="2238152" y="1828520"/>
-                  <a:pt x="2093879" y="1986977"/>
-                  <a:pt x="2016842" y="2203468"/>
-                </a:cubicBezTo>
-                <a:cubicBezTo>
-                  <a:pt x="1830591" y="2199339"/>
-                  <a:pt x="1662722" y="2181552"/>
-                  <a:pt x="1528184" y="2203468"/>
-                </a:cubicBezTo>
-                <a:cubicBezTo>
-                  <a:pt x="1393646" y="2225384"/>
-                  <a:pt x="1247291" y="2223156"/>
-                  <a:pt x="1039525" y="2203468"/>
-                </a:cubicBezTo>
-                <a:cubicBezTo>
-                  <a:pt x="831759" y="2183780"/>
-                  <a:pt x="790671" y="2227098"/>
-                  <a:pt x="550867" y="2203468"/>
-                </a:cubicBezTo>
-                <a:cubicBezTo>
-                  <a:pt x="487512" y="2069171"/>
-                  <a:pt x="388595" y="1916398"/>
-                  <a:pt x="291960" y="1685653"/>
-                </a:cubicBezTo>
-                <a:cubicBezTo>
-                  <a:pt x="195324" y="1454908"/>
-                  <a:pt x="73519" y="1217501"/>
-                  <a:pt x="0" y="1101735"/>
-                </a:cubicBezTo>
-                <a:close/>
-              </a:path>
-            </a:pathLst>
-          </a:custGeom>
-          <a:ln w="38100">
-            <a:solidFill>
-              <a:schemeClr val="tx1"/>
-            </a:solidFill>
-            <a:extLst>
-              <a:ext uri="{C807C97D-BFC1-408E-A445-0C87EB9F89A2}">
-                <ask:lineSketchStyleProps xmlns:ask="http://schemas.microsoft.com/office/drawing/2018/sketchyshapes" sd="1323906100">
-                  <a:prstGeom prst="hexagon">
-                    <a:avLst/>
-                  </a:prstGeom>
-                  <ask:type>
-                    <ask:lineSketchFreehand/>
-                  </ask:type>
-                </ask:lineSketchStyleProps>
-              </a:ext>
-            </a:extLst>
-          </a:ln>
-        </p:spPr>
-        <p:style>
-          <a:lnRef idx="0">
-            <a:schemeClr val="accent6"/>
-          </a:lnRef>
-          <a:fillRef idx="3">
-            <a:schemeClr val="accent6"/>
-          </a:fillRef>
-          <a:effectRef idx="3">
-            <a:schemeClr val="accent6"/>
-          </a:effectRef>
-          <a:fontRef idx="minor">
-            <a:schemeClr val="lt1"/>
-          </a:fontRef>
-        </p:style>
-        <p:txBody>
-          <a:bodyPr rtlCol="0" anchor="ctr"/>
-          <a:lstStyle/>
-          <a:p>
-            <a:pPr algn="ctr"/>
-            <a:r>
-              <a:rPr lang="en-US" sz="1300" b="1" dirty="0">
-                <a:solidFill>
-                  <a:schemeClr val="tx1"/>
-                </a:solidFill>
-              </a:rPr>
-              <a:t>CULT</a:t>
-            </a:r>
-          </a:p>
-        </p:txBody>
-      </p:sp>
-      <p:sp>
-        <p:nvSpPr>
-          <p:cNvPr id="41" name="TextBox 40">
-            <a:extLst>
-              <a:ext uri="{FF2B5EF4-FFF2-40B4-BE49-F238E27FC236}">
-                <a16:creationId xmlns:a16="http://schemas.microsoft.com/office/drawing/2014/main" id="{6D4B60D6-5BBD-B73A-57F8-5713767FAA10}"/>
-              </a:ext>
-            </a:extLst>
-          </p:cNvPr>
-          <p:cNvSpPr txBox="1"/>
-          <p:nvPr/>
-        </p:nvSpPr>
-        <p:spPr>
-          <a:xfrm>
-            <a:off x="4765420" y="865969"/>
-            <a:ext cx="2343516" cy="492443"/>
-          </a:xfrm>
-          <a:prstGeom prst="rect">
-            <a:avLst/>
-          </a:prstGeom>
-          <a:noFill/>
-        </p:spPr>
-        <p:txBody>
-          <a:bodyPr wrap="square" rtlCol="0">
-            <a:spAutoFit/>
-          </a:bodyPr>
-          <a:lstStyle/>
-          <a:p>
-            <a:pPr algn="ctr"/>
-            <a:r>
-              <a:rPr lang="en-US" sz="1300" b="1" dirty="0"/>
-              <a:t>Anthony  Desai</a:t>
-            </a:r>
-            <a:br>
-              <a:rPr lang="en-US" sz="1300" b="1" dirty="0"/>
-            </a:br>
-            <a:r>
-              <a:rPr lang="en-US" sz="1300" b="1" dirty="0"/>
-              <a:t>Joseph    Pinto</a:t>
-            </a:r>
-          </a:p>
-        </p:txBody>
-      </p:sp>
-      <p:sp>
-        <p:nvSpPr>
-          <p:cNvPr id="44" name="TextBox 43">
-            <a:extLst>
-              <a:ext uri="{FF2B5EF4-FFF2-40B4-BE49-F238E27FC236}">
-                <a16:creationId xmlns:a16="http://schemas.microsoft.com/office/drawing/2014/main" id="{D5E43FB9-6666-AA4E-828A-C1022797137D}"/>
-              </a:ext>
-            </a:extLst>
-          </p:cNvPr>
-          <p:cNvSpPr txBox="1"/>
-          <p:nvPr/>
-        </p:nvSpPr>
-        <p:spPr>
-          <a:xfrm>
-            <a:off x="5017016" y="5440954"/>
-            <a:ext cx="764711" cy="292388"/>
-          </a:xfrm>
-          <a:prstGeom prst="rect">
-            <a:avLst/>
-          </a:prstGeom>
-          <a:noFill/>
-        </p:spPr>
-        <p:txBody>
-          <a:bodyPr wrap="square" rtlCol="0">
-            <a:spAutoFit/>
-          </a:bodyPr>
-          <a:lstStyle/>
-          <a:p>
-            <a:r>
-              <a:rPr lang="en-US" sz="1300" b="1" dirty="0"/>
-              <a:t>Arjun</a:t>
-            </a:r>
-          </a:p>
-        </p:txBody>
-      </p:sp>
-      <p:sp>
-        <p:nvSpPr>
-          <p:cNvPr id="45" name="TextBox 44">
-            <a:extLst>
-              <a:ext uri="{FF2B5EF4-FFF2-40B4-BE49-F238E27FC236}">
-                <a16:creationId xmlns:a16="http://schemas.microsoft.com/office/drawing/2014/main" id="{1AB5FC3A-8CCA-0B86-F76F-632A37781BC9}"/>
-              </a:ext>
-            </a:extLst>
-          </p:cNvPr>
-          <p:cNvSpPr txBox="1"/>
-          <p:nvPr/>
-        </p:nvSpPr>
-        <p:spPr>
-          <a:xfrm>
-            <a:off x="7450899" y="3149982"/>
-            <a:ext cx="1133266" cy="292388"/>
-          </a:xfrm>
-          <a:prstGeom prst="rect">
-            <a:avLst/>
-          </a:prstGeom>
-          <a:noFill/>
-        </p:spPr>
-        <p:txBody>
-          <a:bodyPr wrap="square" rtlCol="0">
-            <a:spAutoFit/>
-          </a:bodyPr>
-          <a:lstStyle/>
-          <a:p>
-            <a:r>
-              <a:rPr lang="en-US" sz="1300" b="1" dirty="0"/>
-              <a:t>David Pinto</a:t>
-            </a:r>
-          </a:p>
-        </p:txBody>
-      </p:sp>
-      <p:sp>
-        <p:nvSpPr>
-          <p:cNvPr id="51" name="TextBox 50">
-            <a:extLst>
-              <a:ext uri="{FF2B5EF4-FFF2-40B4-BE49-F238E27FC236}">
-                <a16:creationId xmlns:a16="http://schemas.microsoft.com/office/drawing/2014/main" id="{43D55750-8E85-48F2-385C-AA3D7B449085}"/>
-              </a:ext>
-            </a:extLst>
-          </p:cNvPr>
-          <p:cNvSpPr txBox="1"/>
-          <p:nvPr/>
-        </p:nvSpPr>
-        <p:spPr>
-          <a:xfrm>
-            <a:off x="3124560" y="3187115"/>
-            <a:ext cx="1951581" cy="292388"/>
-          </a:xfrm>
-          <a:prstGeom prst="rect">
-            <a:avLst/>
-          </a:prstGeom>
-          <a:noFill/>
-        </p:spPr>
-        <p:txBody>
-          <a:bodyPr wrap="square" rtlCol="0">
-            <a:spAutoFit/>
-          </a:bodyPr>
-          <a:lstStyle/>
-          <a:p>
-            <a:pPr algn="ctr"/>
-            <a:r>
-              <a:rPr lang="en-US" sz="1300" b="1" dirty="0"/>
-              <a:t>Victor D’Souza</a:t>
-            </a:r>
-          </a:p>
-        </p:txBody>
-      </p:sp>
-      <p:cxnSp>
-        <p:nvCxnSpPr>
-          <p:cNvPr id="60" name="Connector: Elbow 59">
-            <a:extLst>
-              <a:ext uri="{FF2B5EF4-FFF2-40B4-BE49-F238E27FC236}">
-                <a16:creationId xmlns:a16="http://schemas.microsoft.com/office/drawing/2014/main" id="{4E0ACC61-1CA2-4C01-97F7-F45D00506C71}"/>
-              </a:ext>
-            </a:extLst>
-          </p:cNvPr>
-          <p:cNvCxnSpPr>
-            <a:cxnSpLocks/>
-            <a:stCxn id="5" idx="3"/>
-            <a:endCxn id="6" idx="3"/>
-          </p:cNvCxnSpPr>
-          <p:nvPr/>
-        </p:nvCxnSpPr>
-        <p:spPr>
-          <a:xfrm flipV="1">
-            <a:off x="4697023" y="1124654"/>
-            <a:ext cx="5519160" cy="4608692"/>
-          </a:xfrm>
-          <a:prstGeom prst="bentConnector3">
-            <a:avLst>
-              <a:gd name="adj1" fmla="val 127095"/>
-            </a:avLst>
-          </a:prstGeom>
-          <a:ln w="38100">
-            <a:solidFill>
-              <a:schemeClr val="tx1"/>
-            </a:solidFill>
-            <a:headEnd type="oval" w="med" len="med"/>
-            <a:tailEnd type="oval" w="med" len="med"/>
-          </a:ln>
-        </p:spPr>
-        <p:style>
-          <a:lnRef idx="2">
-            <a:schemeClr val="accent1"/>
-          </a:lnRef>
-          <a:fillRef idx="0">
-            <a:schemeClr val="accent1"/>
-          </a:fillRef>
-          <a:effectRef idx="1">
-            <a:schemeClr val="accent1"/>
-          </a:effectRef>
-          <a:fontRef idx="minor">
-            <a:schemeClr val="tx1"/>
-          </a:fontRef>
-        </p:style>
-      </p:cxnSp>
-      <p:sp>
-        <p:nvSpPr>
-          <p:cNvPr id="82" name="TextBox 81">
-            <a:extLst>
-              <a:ext uri="{FF2B5EF4-FFF2-40B4-BE49-F238E27FC236}">
-                <a16:creationId xmlns:a16="http://schemas.microsoft.com/office/drawing/2014/main" id="{751609B9-E5E7-68CB-FEBD-5F99E522841F}"/>
-              </a:ext>
-            </a:extLst>
-          </p:cNvPr>
-          <p:cNvSpPr txBox="1"/>
-          <p:nvPr/>
-        </p:nvSpPr>
-        <p:spPr>
-          <a:xfrm>
-            <a:off x="10299823" y="826942"/>
-            <a:ext cx="1442991" cy="292388"/>
-          </a:xfrm>
-          <a:prstGeom prst="rect">
-            <a:avLst/>
-          </a:prstGeom>
-          <a:noFill/>
-        </p:spPr>
-        <p:txBody>
-          <a:bodyPr wrap="square" rtlCol="0">
-            <a:spAutoFit/>
-          </a:bodyPr>
-          <a:lstStyle/>
-          <a:p>
-            <a:r>
-              <a:rPr lang="en-US" sz="1300" b="1" dirty="0"/>
-              <a:t>Anthony from JC</a:t>
-            </a:r>
-          </a:p>
-        </p:txBody>
-      </p:sp>
-    </p:spTree>
-    <p:extLst>
-      <p:ext uri="{BB962C8B-B14F-4D97-AF65-F5344CB8AC3E}">
-        <p14:creationId xmlns:p14="http://schemas.microsoft.com/office/powerpoint/2010/main" val="3562238708"/>
       </p:ext>
     </p:extLst>
   </p:cSld>

--- a/THE_A_Ideas/Innocent Gems/Innocent Gems - Flows.pptx
+++ b/THE_A_Ideas/Innocent Gems/Innocent Gems - Flows.pptx
@@ -11091,93 +11091,81 @@
         </p:spPr>
         <p:txBody>
           <a:bodyPr>
-            <a:normAutofit fontScale="92500" lnSpcReduction="10000"/>
+            <a:noAutofit/>
           </a:bodyPr>
           <a:lstStyle/>
           <a:p>
-            <a:pPr marL="0" indent="0">
-              <a:buNone/>
-            </a:pPr>
             <a:r>
-              <a:rPr lang="en-US" sz="1700" dirty="0"/>
+              <a:rPr lang="en-US" sz="1500" dirty="0"/>
               <a:t>Arjun – A poor man who was separated from his sister at the age of 12 and witnessed the murder of his father and mother due to his father being a drug peddler. Few kids attack and steel the drugs they are caught by the police and seize the drugs worth 5 Lakhs because of which the boss attacks and kills his father and mother. </a:t>
             </a:r>
           </a:p>
           <a:p>
-            <a:pPr lvl="1"/>
             <a:r>
-              <a:rPr lang="en-US" sz="1600" dirty="0"/>
+              <a:rPr lang="en-US" sz="1500" dirty="0"/>
               <a:t>He escapes the attack and starts working as a waiter in a small dingy hotel. The police arrests him for child labor. A fellow prisoner asks if it is his first time.</a:t>
             </a:r>
           </a:p>
           <a:p>
-            <a:pPr lvl="1"/>
             <a:r>
-              <a:rPr lang="en-US" sz="1600" dirty="0"/>
+              <a:rPr lang="en-US" sz="1500" dirty="0"/>
               <a:t>As he grew up, he watches some people fighting over a 50 Rs note. A guy gets injured, and he picks up the knife. The police arrests him.</a:t>
             </a:r>
           </a:p>
           <a:p>
-            <a:pPr lvl="1"/>
             <a:r>
-              <a:rPr lang="en-US" sz="1600" dirty="0"/>
+              <a:rPr lang="en-US" sz="1500" dirty="0"/>
               <a:t>He watches people playing cards and he puts 20 Rs. The police come there and arrests him.</a:t>
             </a:r>
           </a:p>
           <a:p>
-            <a:pPr lvl="1"/>
             <a:r>
-              <a:rPr lang="en-US" sz="1600" dirty="0"/>
+              <a:rPr lang="en-US" sz="1500" dirty="0"/>
               <a:t>He decides to try cigarette for the first time. He takes a cup of tea and turns. The tea falls on an officer. The police arrests him for public smoking.</a:t>
             </a:r>
           </a:p>
           <a:p>
-            <a:pPr lvl="1"/>
             <a:r>
-              <a:rPr lang="en-US" sz="1600" dirty="0"/>
+              <a:rPr lang="en-US" sz="1500" dirty="0"/>
               <a:t>He is sitting in a park and a beggar child comes there to ask for money. He says I do not have any money and tells the kid that it is not right to beg. The police sees this and finds out that it is a missing kid. Police arrests him thinking he is a kidnapper.</a:t>
             </a:r>
           </a:p>
           <a:p>
-            <a:pPr lvl="1"/>
             <a:r>
-              <a:rPr lang="en-US" sz="1600" dirty="0"/>
+              <a:rPr lang="en-US" sz="1500" dirty="0"/>
               <a:t>He goes to a bakery and orders an egg puffs. A guy next to him takes out his purse and a crumpled paper falls. Arjun picks it up and opens it to find that it is weed. Police is standing next to him eating a cream bun. Police arrests him.</a:t>
             </a:r>
           </a:p>
           <a:p>
-            <a:pPr lvl="1"/>
             <a:r>
-              <a:rPr lang="en-US" sz="1600" dirty="0"/>
+              <a:rPr lang="en-US" sz="1500" dirty="0"/>
               <a:t>He decides to try alcohol for the first time. He orders a quarter and water. Someone else takes it and runs away. The bar owner accuses him of stealing and the police arrests him.</a:t>
             </a:r>
           </a:p>
           <a:p>
-            <a:pPr lvl="1"/>
             <a:r>
-              <a:rPr lang="en-US" sz="1600" dirty="0"/>
+              <a:rPr lang="en-US" sz="1500" dirty="0"/>
               <a:t>A pick-pocket steals something, and he is chased by the people. He takes a turn where Arjun is walking licking a cone. They mistake him for pick-pocket and thrash him. The police arrests him. A fellow prisoner asks if it is his first time.</a:t>
             </a:r>
+          </a:p>
+          <a:p>
+            <a:r>
+              <a:rPr lang="en-US" sz="1500" dirty="0"/>
+              <a:t>He goes to a temple for his bad luck</a:t>
+            </a:r>
+            <a:r>
+              <a:rPr lang="en-US" sz="1500"/>
+              <a:t>. </a:t>
+            </a:r>
+            <a:endParaRPr lang="en-US" sz="1500" dirty="0"/>
           </a:p>
           <a:p>
             <a:pPr marL="0" indent="0">
               <a:buNone/>
             </a:pPr>
             <a:r>
-              <a:rPr lang="en-US" sz="1700" dirty="0"/>
-              <a:t>Arjun decides that he will become a police officer. He goes gets police training with a fake SSLC certificate. This is the first time he really committed  a crime. He meets someone there, and he goes to his house for a drink, the guy starts talking about depression and how his girlfriend left him. Arjun says you have no idea what actual depression is and laughs. The guy jumps off the terrace. The police arrests him.</a:t>
-            </a:r>
-          </a:p>
-          <a:p>
-            <a:r>
-              <a:rPr lang="en-US" sz="1600" dirty="0"/>
-              <a:t>Jasper</a:t>
-            </a:r>
-          </a:p>
-          <a:p>
-            <a:r>
-              <a:rPr lang="en-US" sz="1600" dirty="0"/>
-              <a:t>Vasanth</a:t>
+              <a:rPr lang="en-US" sz="1500" dirty="0"/>
+              <a:t>Arjun decides that he will become a police officer. He goes gets police training with a fake SSLC certificate. This is the first time he really committed  a crime. He meets someone there, and he goes to his house for a drink, the guy starts talking about depression and how his girlfriend left him. Arjun says you have no idea what actual depression is do you know why I joined the police? That is what actual depression is and laughs. The guy jumps off the terrace. The police arrests him.</a:t>
             </a:r>
           </a:p>
         </p:txBody>

--- a/THE_A_Ideas/Innocent Gems/Innocent Gems - Flows.pptx
+++ b/THE_A_Ideas/Innocent Gems/Innocent Gems - Flows.pptx
@@ -5,22 +5,23 @@
     <p:sldMasterId id="2147483672" r:id="rId1"/>
   </p:sldMasterIdLst>
   <p:notesMasterIdLst>
-    <p:notesMasterId r:id="rId15"/>
+    <p:notesMasterId r:id="rId16"/>
   </p:notesMasterIdLst>
   <p:sldIdLst>
     <p:sldId id="257" r:id="rId2"/>
     <p:sldId id="272" r:id="rId3"/>
-    <p:sldId id="256" r:id="rId4"/>
-    <p:sldId id="265" r:id="rId5"/>
-    <p:sldId id="267" r:id="rId6"/>
-    <p:sldId id="263" r:id="rId7"/>
-    <p:sldId id="261" r:id="rId8"/>
-    <p:sldId id="266" r:id="rId9"/>
-    <p:sldId id="259" r:id="rId10"/>
-    <p:sldId id="260" r:id="rId11"/>
-    <p:sldId id="268" r:id="rId12"/>
-    <p:sldId id="270" r:id="rId13"/>
-    <p:sldId id="271" r:id="rId14"/>
+    <p:sldId id="274" r:id="rId4"/>
+    <p:sldId id="256" r:id="rId5"/>
+    <p:sldId id="265" r:id="rId6"/>
+    <p:sldId id="267" r:id="rId7"/>
+    <p:sldId id="263" r:id="rId8"/>
+    <p:sldId id="261" r:id="rId9"/>
+    <p:sldId id="266" r:id="rId10"/>
+    <p:sldId id="259" r:id="rId11"/>
+    <p:sldId id="260" r:id="rId12"/>
+    <p:sldId id="268" r:id="rId13"/>
+    <p:sldId id="270" r:id="rId14"/>
+    <p:sldId id="271" r:id="rId15"/>
   </p:sldIdLst>
   <p:sldSz cx="12192000" cy="6858000"/>
   <p:notesSz cx="6858000" cy="9144000"/>
@@ -209,7 +210,7 @@
           <a:p>
             <a:fld id="{E46DFF9B-7890-4956-96F0-AFF859094789}" type="datetimeFigureOut">
               <a:rPr lang="en-US" smtClean="0"/>
-              <a:t>1/19/2025</a:t>
+              <a:t>1/21/2025</a:t>
             </a:fld>
             <a:endParaRPr lang="en-US"/>
           </a:p>
@@ -541,7 +542,7 @@
           <a:p>
             <a:fld id="{14086541-2B8E-4293-9530-28B3B0F32C9F}" type="slidenum">
               <a:rPr lang="en-US" smtClean="0"/>
-              <a:t>4</a:t>
+              <a:t>5</a:t>
             </a:fld>
             <a:endParaRPr lang="en-US"/>
           </a:p>
@@ -691,7 +692,7 @@
           <a:p>
             <a:fld id="{AA3BECB3-B129-4032-B16C-54274E3F2ECB}" type="datetimeFigureOut">
               <a:rPr lang="en-US" smtClean="0"/>
-              <a:t>1/19/2025</a:t>
+              <a:t>1/21/2025</a:t>
             </a:fld>
             <a:endParaRPr lang="en-US"/>
           </a:p>
@@ -861,7 +862,7 @@
           <a:p>
             <a:fld id="{AA3BECB3-B129-4032-B16C-54274E3F2ECB}" type="datetimeFigureOut">
               <a:rPr lang="en-US" smtClean="0"/>
-              <a:t>1/19/2025</a:t>
+              <a:t>1/21/2025</a:t>
             </a:fld>
             <a:endParaRPr lang="en-US"/>
           </a:p>
@@ -1041,7 +1042,7 @@
           <a:p>
             <a:fld id="{AA3BECB3-B129-4032-B16C-54274E3F2ECB}" type="datetimeFigureOut">
               <a:rPr lang="en-US" smtClean="0"/>
-              <a:t>1/19/2025</a:t>
+              <a:t>1/21/2025</a:t>
             </a:fld>
             <a:endParaRPr lang="en-US"/>
           </a:p>
@@ -1211,7 +1212,7 @@
           <a:p>
             <a:fld id="{AA3BECB3-B129-4032-B16C-54274E3F2ECB}" type="datetimeFigureOut">
               <a:rPr lang="en-US" smtClean="0"/>
-              <a:t>1/19/2025</a:t>
+              <a:t>1/21/2025</a:t>
             </a:fld>
             <a:endParaRPr lang="en-US"/>
           </a:p>
@@ -1457,7 +1458,7 @@
           <a:p>
             <a:fld id="{AA3BECB3-B129-4032-B16C-54274E3F2ECB}" type="datetimeFigureOut">
               <a:rPr lang="en-US" smtClean="0"/>
-              <a:t>1/19/2025</a:t>
+              <a:t>1/21/2025</a:t>
             </a:fld>
             <a:endParaRPr lang="en-US"/>
           </a:p>
@@ -1689,7 +1690,7 @@
           <a:p>
             <a:fld id="{AA3BECB3-B129-4032-B16C-54274E3F2ECB}" type="datetimeFigureOut">
               <a:rPr lang="en-US" smtClean="0"/>
-              <a:t>1/19/2025</a:t>
+              <a:t>1/21/2025</a:t>
             </a:fld>
             <a:endParaRPr lang="en-US"/>
           </a:p>
@@ -2056,7 +2057,7 @@
           <a:p>
             <a:fld id="{AA3BECB3-B129-4032-B16C-54274E3F2ECB}" type="datetimeFigureOut">
               <a:rPr lang="en-US" smtClean="0"/>
-              <a:t>1/19/2025</a:t>
+              <a:t>1/21/2025</a:t>
             </a:fld>
             <a:endParaRPr lang="en-US"/>
           </a:p>
@@ -2174,7 +2175,7 @@
           <a:p>
             <a:fld id="{AA3BECB3-B129-4032-B16C-54274E3F2ECB}" type="datetimeFigureOut">
               <a:rPr lang="en-US" smtClean="0"/>
-              <a:t>1/19/2025</a:t>
+              <a:t>1/21/2025</a:t>
             </a:fld>
             <a:endParaRPr lang="en-US"/>
           </a:p>
@@ -2269,7 +2270,7 @@
           <a:p>
             <a:fld id="{AA3BECB3-B129-4032-B16C-54274E3F2ECB}" type="datetimeFigureOut">
               <a:rPr lang="en-US" smtClean="0"/>
-              <a:t>1/19/2025</a:t>
+              <a:t>1/21/2025</a:t>
             </a:fld>
             <a:endParaRPr lang="en-US"/>
           </a:p>
@@ -2546,7 +2547,7 @@
           <a:p>
             <a:fld id="{AA3BECB3-B129-4032-B16C-54274E3F2ECB}" type="datetimeFigureOut">
               <a:rPr lang="en-US" smtClean="0"/>
-              <a:t>1/19/2025</a:t>
+              <a:t>1/21/2025</a:t>
             </a:fld>
             <a:endParaRPr lang="en-US"/>
           </a:p>
@@ -2803,7 +2804,7 @@
           <a:p>
             <a:fld id="{AA3BECB3-B129-4032-B16C-54274E3F2ECB}" type="datetimeFigureOut">
               <a:rPr lang="en-US" smtClean="0"/>
-              <a:t>1/19/2025</a:t>
+              <a:t>1/21/2025</a:t>
             </a:fld>
             <a:endParaRPr lang="en-US"/>
           </a:p>
@@ -3016,7 +3017,7 @@
           <a:p>
             <a:fld id="{AA3BECB3-B129-4032-B16C-54274E3F2ECB}" type="datetimeFigureOut">
               <a:rPr lang="en-US" smtClean="0"/>
-              <a:t>1/19/2025</a:t>
+              <a:t>1/21/2025</a:t>
             </a:fld>
             <a:endParaRPr lang="en-US"/>
           </a:p>
@@ -7550,6 +7551,122 @@
 <file path=ppt/slides/slide10.xml><?xml version="1.0" encoding="utf-8"?>
 <p:sld xmlns:a="http://schemas.openxmlformats.org/drawingml/2006/main" xmlns:r="http://schemas.openxmlformats.org/officeDocument/2006/relationships" xmlns:p="http://schemas.openxmlformats.org/presentationml/2006/main">
   <p:cSld>
+    <p:bg>
+      <p:bgPr>
+        <a:solidFill>
+          <a:schemeClr val="bg1"/>
+        </a:solidFill>
+        <a:effectLst/>
+      </p:bgPr>
+    </p:bg>
+    <p:spTree>
+      <p:nvGrpSpPr>
+        <p:cNvPr id="1" name=""/>
+        <p:cNvGrpSpPr/>
+        <p:nvPr/>
+      </p:nvGrpSpPr>
+      <p:grpSpPr>
+        <a:xfrm>
+          <a:off x="0" y="0"/>
+          <a:ext cx="0" cy="0"/>
+          <a:chOff x="0" y="0"/>
+          <a:chExt cx="0" cy="0"/>
+        </a:xfrm>
+      </p:grpSpPr>
+      <p:pic>
+        <p:nvPicPr>
+          <p:cNvPr id="8" name="Picture 7" descr="A drawing of a goat skull in a circle&#10;&#10;Description automatically generated">
+            <a:extLst>
+              <a:ext uri="{FF2B5EF4-FFF2-40B4-BE49-F238E27FC236}">
+                <a16:creationId xmlns:a16="http://schemas.microsoft.com/office/drawing/2014/main" id="{63F64433-A218-6AF2-5FBA-6ECFC376E32F}"/>
+              </a:ext>
+            </a:extLst>
+          </p:cNvPr>
+          <p:cNvPicPr>
+            <a:picLocks noChangeAspect="1"/>
+          </p:cNvPicPr>
+          <p:nvPr/>
+        </p:nvPicPr>
+        <p:blipFill>
+          <a:blip r:embed="rId2">
+            <a:extLst>
+              <a:ext uri="{28A0092B-C50C-407E-A947-70E740481C1C}">
+                <a14:useLocalDpi xmlns:a14="http://schemas.microsoft.com/office/drawing/2010/main" val="0"/>
+              </a:ext>
+            </a:extLst>
+          </a:blip>
+          <a:srcRect l="14724" t="4545" r="20826" b="13869"/>
+          <a:stretch/>
+        </p:blipFill>
+        <p:spPr bwMode="auto">
+          <a:xfrm>
+            <a:off x="578493" y="942392"/>
+            <a:ext cx="5031727" cy="4973216"/>
+          </a:xfrm>
+          <a:prstGeom prst="rect">
+            <a:avLst/>
+          </a:prstGeom>
+          <a:noFill/>
+          <a:ln>
+            <a:noFill/>
+          </a:ln>
+        </p:spPr>
+      </p:pic>
+      <p:pic>
+        <p:nvPicPr>
+          <p:cNvPr id="2" name="Picture 1" descr="A drawing of a goat skull in a circle&#10;&#10;Description automatically generated">
+            <a:extLst>
+              <a:ext uri="{FF2B5EF4-FFF2-40B4-BE49-F238E27FC236}">
+                <a16:creationId xmlns:a16="http://schemas.microsoft.com/office/drawing/2014/main" id="{3CA903FF-1B4F-C5F0-028C-36BDC34D0559}"/>
+              </a:ext>
+            </a:extLst>
+          </p:cNvPr>
+          <p:cNvPicPr>
+            <a:picLocks noChangeAspect="1"/>
+          </p:cNvPicPr>
+          <p:nvPr/>
+        </p:nvPicPr>
+        <p:blipFill>
+          <a:blip r:embed="rId2">
+            <a:extLst>
+              <a:ext uri="{28A0092B-C50C-407E-A947-70E740481C1C}">
+                <a14:useLocalDpi xmlns:a14="http://schemas.microsoft.com/office/drawing/2010/main" val="0"/>
+              </a:ext>
+            </a:extLst>
+          </a:blip>
+          <a:srcRect l="14724" t="4545" r="20826" b="13869"/>
+          <a:stretch/>
+        </p:blipFill>
+        <p:spPr bwMode="auto">
+          <a:xfrm rot="10800000">
+            <a:off x="6749138" y="942392"/>
+            <a:ext cx="5031727" cy="4973216"/>
+          </a:xfrm>
+          <a:prstGeom prst="rect">
+            <a:avLst/>
+          </a:prstGeom>
+          <a:noFill/>
+          <a:ln>
+            <a:noFill/>
+          </a:ln>
+        </p:spPr>
+      </p:pic>
+    </p:spTree>
+    <p:extLst>
+      <p:ext uri="{BB962C8B-B14F-4D97-AF65-F5344CB8AC3E}">
+        <p14:creationId xmlns:p14="http://schemas.microsoft.com/office/powerpoint/2010/main" val="3401479582"/>
+      </p:ext>
+    </p:extLst>
+  </p:cSld>
+  <p:clrMapOvr>
+    <a:masterClrMapping/>
+  </p:clrMapOvr>
+</p:sld>
+</file>
+
+<file path=ppt/slides/slide11.xml><?xml version="1.0" encoding="utf-8"?>
+<p:sld xmlns:a="http://schemas.openxmlformats.org/drawingml/2006/main" xmlns:r="http://schemas.openxmlformats.org/officeDocument/2006/relationships" xmlns:p="http://schemas.openxmlformats.org/presentationml/2006/main">
+  <p:cSld>
     <p:spTree>
       <p:nvGrpSpPr>
         <p:cNvPr id="1" name=""/>
@@ -10059,7 +10176,7 @@
 </p:sld>
 </file>
 
-<file path=ppt/slides/slide11.xml><?xml version="1.0" encoding="utf-8"?>
+<file path=ppt/slides/slide12.xml><?xml version="1.0" encoding="utf-8"?>
 <p:sld xmlns:a="http://schemas.openxmlformats.org/drawingml/2006/main" xmlns:r="http://schemas.openxmlformats.org/officeDocument/2006/relationships" xmlns:p="http://schemas.openxmlformats.org/presentationml/2006/main">
   <p:cSld>
     <p:spTree>
@@ -10277,7 +10394,7 @@
 </p:sld>
 </file>
 
-<file path=ppt/slides/slide12.xml><?xml version="1.0" encoding="utf-8"?>
+<file path=ppt/slides/slide13.xml><?xml version="1.0" encoding="utf-8"?>
 <p:sld xmlns:a="http://schemas.openxmlformats.org/drawingml/2006/main" xmlns:r="http://schemas.openxmlformats.org/officeDocument/2006/relationships" xmlns:p="http://schemas.openxmlformats.org/presentationml/2006/main">
   <p:cSld>
     <p:spTree>
@@ -10464,7 +10581,7 @@
 </p:sld>
 </file>
 
-<file path=ppt/slides/slide13.xml><?xml version="1.0" encoding="utf-8"?>
+<file path=ppt/slides/slide14.xml><?xml version="1.0" encoding="utf-8"?>
 <p:sld xmlns:a="http://schemas.openxmlformats.org/drawingml/2006/main" xmlns:r="http://schemas.openxmlformats.org/officeDocument/2006/relationships" xmlns:p="http://schemas.openxmlformats.org/presentationml/2006/main">
   <p:cSld>
     <p:spTree>
@@ -11085,87 +11202,160 @@
         </p:nvSpPr>
         <p:spPr>
           <a:xfrm>
-            <a:off x="281354" y="311499"/>
-            <a:ext cx="11072446" cy="5865464"/>
+            <a:off x="110533" y="70341"/>
+            <a:ext cx="11696282" cy="6717322"/>
           </a:xfrm>
         </p:spPr>
         <p:txBody>
-          <a:bodyPr>
+          <a:bodyPr bIns="0">
             <a:noAutofit/>
           </a:bodyPr>
           <a:lstStyle/>
           <a:p>
+            <a:pPr>
+              <a:spcBef>
+                <a:spcPts val="500"/>
+              </a:spcBef>
+            </a:pPr>
+            <a:r>
+              <a:rPr lang="en-US" sz="1500" b="1" dirty="0"/>
+              <a:t>Arjun</a:t>
+            </a:r>
             <a:r>
               <a:rPr lang="en-US" sz="1500" dirty="0"/>
-              <a:t>Arjun – A poor man who was separated from his sister at the age of 12 and witnessed the murder of his father and mother due to his father being a drug peddler. Few kids attack and steel the drugs they are caught by the police and seize the drugs worth 5 Lakhs because of which the boss attacks and kills his father and mother. </a:t>
+              <a:t> – A poor man who was separated from his sister at the age of 12 and witnessed the murder of his father and mother due to his father being a drug peddler. Few kids attack and steel the drugs they are caught by the police and seize the drugs worth 5 Lakhs because of which the boss attacks and kills his father and mother. </a:t>
             </a:r>
           </a:p>
           <a:p>
+            <a:pPr>
+              <a:spcBef>
+                <a:spcPts val="500"/>
+              </a:spcBef>
+            </a:pPr>
             <a:r>
               <a:rPr lang="en-US" sz="1500" dirty="0"/>
-              <a:t>He escapes the attack and starts working as a waiter in a small dingy hotel. The police arrests him for child labor. A fellow prisoner asks if it is his first time.</a:t>
+              <a:t>He escapes the attack &amp; starts to work as a waiter in a dingy hotel. Police arrests him for child labor.  A fellow prisoner asks if it is his first time.</a:t>
             </a:r>
           </a:p>
           <a:p>
+            <a:pPr>
+              <a:spcBef>
+                <a:spcPts val="500"/>
+              </a:spcBef>
+            </a:pPr>
             <a:r>
               <a:rPr lang="en-US" sz="1500" dirty="0"/>
               <a:t>As he grew up, he watches some people fighting over a 50 Rs note. A guy gets injured, and he picks up the knife. The police arrests him.</a:t>
             </a:r>
           </a:p>
           <a:p>
+            <a:pPr>
+              <a:spcBef>
+                <a:spcPts val="500"/>
+              </a:spcBef>
+            </a:pPr>
             <a:r>
               <a:rPr lang="en-US" sz="1500" dirty="0"/>
-              <a:t>He watches people playing cards and he puts 20 Rs. The police come there and arrests him.</a:t>
+              <a:t>He watches people playing cards and he puts 20 Rs. The police come there, while everyone else runs, he gets arrested.</a:t>
             </a:r>
           </a:p>
           <a:p>
+            <a:pPr>
+              <a:spcBef>
+                <a:spcPts val="500"/>
+              </a:spcBef>
+            </a:pPr>
             <a:r>
               <a:rPr lang="en-US" sz="1500" dirty="0"/>
               <a:t>He decides to try cigarette for the first time. He takes a cup of tea and turns. The tea falls on an officer. The police arrests him for public smoking.</a:t>
             </a:r>
           </a:p>
           <a:p>
+            <a:pPr>
+              <a:spcBef>
+                <a:spcPts val="500"/>
+              </a:spcBef>
+            </a:pPr>
             <a:r>
               <a:rPr lang="en-US" sz="1500" dirty="0"/>
               <a:t>He is sitting in a park and a beggar child comes there to ask for money. He says I do not have any money and tells the kid that it is not right to beg. The police sees this and finds out that it is a missing kid. Police arrests him thinking he is a kidnapper.</a:t>
             </a:r>
           </a:p>
           <a:p>
+            <a:pPr>
+              <a:spcBef>
+                <a:spcPts val="500"/>
+              </a:spcBef>
+            </a:pPr>
             <a:r>
               <a:rPr lang="en-US" sz="1500" dirty="0"/>
               <a:t>He goes to a bakery and orders an egg puffs. A guy next to him takes out his purse and a crumpled paper falls. Arjun picks it up and opens it to find that it is weed. Police is standing next to him eating a cream bun. Police arrests him.</a:t>
             </a:r>
           </a:p>
           <a:p>
+            <a:pPr>
+              <a:spcBef>
+                <a:spcPts val="500"/>
+              </a:spcBef>
+            </a:pPr>
             <a:r>
               <a:rPr lang="en-US" sz="1500" dirty="0"/>
               <a:t>He decides to try alcohol for the first time. He orders a quarter and water. Someone else takes it and runs away. The bar owner accuses him of stealing and the police arrests him.</a:t>
             </a:r>
           </a:p>
           <a:p>
+            <a:pPr>
+              <a:spcBef>
+                <a:spcPts val="500"/>
+              </a:spcBef>
+            </a:pPr>
             <a:r>
               <a:rPr lang="en-US" sz="1500" dirty="0"/>
-              <a:t>A pick-pocket steals something, and he is chased by the people. He takes a turn where Arjun is walking licking a cone. They mistake him for pick-pocket and thrash him. The police arrests him. A fellow prisoner asks if it is his first time.</a:t>
+              <a:t>A pick-pocket steals something, and he is chased by the people. He takes a turn where Arjun is walking licking a cone. They mistake him for pick-pocket and thrash him. The police arrests him. </a:t>
             </a:r>
           </a:p>
           <a:p>
+            <a:pPr>
+              <a:spcBef>
+                <a:spcPts val="500"/>
+              </a:spcBef>
+            </a:pPr>
             <a:r>
               <a:rPr lang="en-US" sz="1500" dirty="0"/>
-              <a:t>He goes to a temple for his bad luck</a:t>
+              <a:t>He goes to a temple for his bad luck. He folds his hand and starts to walk passing in front of girls posing for a reel. They shout at him, and he shouts back at them and moves.  Unfortunately, he walks over a rangoli and the old woman who drew it gets furious. </a:t>
             </a:r>
+          </a:p>
+          <a:p>
+            <a:pPr>
+              <a:spcBef>
+                <a:spcPts val="500"/>
+              </a:spcBef>
+            </a:pPr>
             <a:r>
-              <a:rPr lang="en-US" sz="1500"/>
-              <a:t>. </a:t>
+              <a:rPr lang="en-US" sz="1500" dirty="0"/>
+              <a:t>He complains about his bad luck to god and does a shastanga namaskar. A gold chain of a kid falls in front of him as they pass by. He picks it up and looks around to find the owner. The owner of the chain mistakes him for a thief. The police arrests him again. A fellow prisoner asks if it is his first time.</a:t>
             </a:r>
-            <a:endParaRPr lang="en-US" sz="1500" dirty="0"/>
           </a:p>
           <a:p>
             <a:pPr marL="0" indent="0">
+              <a:spcBef>
+                <a:spcPts val="500"/>
+              </a:spcBef>
               <a:buNone/>
             </a:pPr>
             <a:r>
               <a:rPr lang="en-US" sz="1500" dirty="0"/>
-              <a:t>Arjun decides that he will become a police officer. He goes gets police training with a fake SSLC certificate. This is the first time he really committed  a crime. He meets someone there, and he goes to his house for a drink, the guy starts talking about depression and how his girlfriend left him. Arjun says you have no idea what actual depression is do you know why I joined the police? That is what actual depression is and laughs. The guy jumps off the terrace. The police arrests him.</a:t>
+              <a:t>He finally decides that he will become a police officer. He gets police training with a fake SSLC certificate. This is the first time he really committed  a crime. He meets someone there, and he goes to his house for a drink, the guy starts talking about depression and how his girlfriend left him. Arjun says you have no idea what actual depression is do you know why I joined the police? That is what actual depression is and laughs. The guy jumps off the terrace. The police arrests him.</a:t>
+            </a:r>
+            <a:br>
+              <a:rPr lang="en-US" sz="1500" dirty="0"/>
+            </a:br>
+            <a:br>
+              <a:rPr lang="en-US" sz="1500" dirty="0"/>
+            </a:br>
+            <a:r>
+              <a:rPr lang="en-US" sz="1500" dirty="0"/>
+              <a:t>He claims he did not kill anyone. Say that to the judge says the police. (Transition cuts) He is in the court – Lawyer says hence it is proved it was a suicide – But he used fake certificate, and he is a fraud – 2 Lakh fine or JC for a year says the judge – Arjun enters the prison</a:t>
             </a:r>
           </a:p>
         </p:txBody>
@@ -11184,6 +11374,213 @@
 </file>
 
 <file path=ppt/slides/slide3.xml><?xml version="1.0" encoding="utf-8"?>
+<p:sld xmlns:a="http://schemas.openxmlformats.org/drawingml/2006/main" xmlns:r="http://schemas.openxmlformats.org/officeDocument/2006/relationships" xmlns:p="http://schemas.openxmlformats.org/presentationml/2006/main">
+  <p:cSld>
+    <p:spTree>
+      <p:nvGrpSpPr>
+        <p:cNvPr id="1" name="">
+          <a:extLst>
+            <a:ext uri="{FF2B5EF4-FFF2-40B4-BE49-F238E27FC236}">
+              <a16:creationId xmlns:a16="http://schemas.microsoft.com/office/drawing/2014/main" id="{1E1BB708-1EB1-24B3-91C6-781FBF248522}"/>
+            </a:ext>
+          </a:extLst>
+        </p:cNvPr>
+        <p:cNvGrpSpPr/>
+        <p:nvPr/>
+      </p:nvGrpSpPr>
+      <p:grpSpPr>
+        <a:xfrm>
+          <a:off x="0" y="0"/>
+          <a:ext cx="0" cy="0"/>
+          <a:chOff x="0" y="0"/>
+          <a:chExt cx="0" cy="0"/>
+        </a:xfrm>
+      </p:grpSpPr>
+      <p:sp>
+        <p:nvSpPr>
+          <p:cNvPr id="3" name="Content Placeholder 2">
+            <a:extLst>
+              <a:ext uri="{FF2B5EF4-FFF2-40B4-BE49-F238E27FC236}">
+                <a16:creationId xmlns:a16="http://schemas.microsoft.com/office/drawing/2014/main" id="{A1FD77AA-24E0-617E-F907-1B7D20490247}"/>
+              </a:ext>
+            </a:extLst>
+          </p:cNvPr>
+          <p:cNvSpPr>
+            <a:spLocks noGrp="1"/>
+          </p:cNvSpPr>
+          <p:nvPr>
+            <p:ph idx="1"/>
+          </p:nvPr>
+        </p:nvSpPr>
+        <p:spPr>
+          <a:xfrm>
+            <a:off x="110533" y="70341"/>
+            <a:ext cx="11696282" cy="6717322"/>
+          </a:xfrm>
+        </p:spPr>
+        <p:txBody>
+          <a:bodyPr bIns="0">
+            <a:noAutofit/>
+          </a:bodyPr>
+          <a:lstStyle/>
+          <a:p>
+            <a:pPr marL="0" indent="0">
+              <a:spcBef>
+                <a:spcPts val="500"/>
+              </a:spcBef>
+              <a:buNone/>
+            </a:pPr>
+            <a:r>
+              <a:rPr lang="en-US" sz="1500" dirty="0"/>
+              <a:t>Arjun enters the prison wearing his uniform. He gets surrounded by the prisoners. A guy named </a:t>
+            </a:r>
+            <a:r>
+              <a:rPr lang="en-US" sz="1500" dirty="0" err="1"/>
+              <a:t>Bhairav</a:t>
+            </a:r>
+            <a:r>
+              <a:rPr lang="en-US" sz="1500" dirty="0"/>
+              <a:t> corners him and tells you are a new guy, and you need protection when will you pay and how will you pay.  Arjun asks protection from who. He says protection from me. Arjun says something witty. They attack him and Arjun doges and falls on the prison boss.</a:t>
+            </a:r>
+          </a:p>
+          <a:p>
+            <a:pPr marL="0" indent="0">
+              <a:spcBef>
+                <a:spcPts val="500"/>
+              </a:spcBef>
+              <a:buNone/>
+            </a:pPr>
+            <a:r>
+              <a:rPr lang="en-US" sz="1500" dirty="0"/>
+              <a:t>As usual a prison boss welcomes him.  Arjun gets scared but he is also in survival mode. He tells that he has 3 main points. </a:t>
+            </a:r>
+          </a:p>
+          <a:p>
+            <a:pPr>
+              <a:spcBef>
+                <a:spcPts val="500"/>
+              </a:spcBef>
+            </a:pPr>
+            <a:r>
+              <a:rPr lang="en-US" sz="1500" dirty="0"/>
+              <a:t>I have no money or else I would have not come here. </a:t>
+            </a:r>
+          </a:p>
+          <a:p>
+            <a:pPr>
+              <a:spcBef>
+                <a:spcPts val="500"/>
+              </a:spcBef>
+            </a:pPr>
+            <a:r>
+              <a:rPr lang="en-US" sz="1500" dirty="0"/>
+              <a:t>I will be out in a year. So, I will do whatever you people want me to do on one condition nobody snatches my food.</a:t>
+            </a:r>
+          </a:p>
+          <a:p>
+            <a:pPr>
+              <a:spcBef>
+                <a:spcPts val="500"/>
+              </a:spcBef>
+            </a:pPr>
+            <a:r>
+              <a:rPr lang="en-US" sz="1500" dirty="0"/>
+              <a:t>(looks at gays) I have piles, and I bleed if pressure falls.</a:t>
+            </a:r>
+          </a:p>
+          <a:p>
+            <a:pPr marL="0" indent="0">
+              <a:spcBef>
+                <a:spcPts val="500"/>
+              </a:spcBef>
+              <a:buNone/>
+            </a:pPr>
+            <a:r>
+              <a:rPr lang="en-US" sz="1500" dirty="0"/>
+              <a:t>People laugh.  The boss says that the respect here depends on your crime, there are three levels here Murder, extortion, rape.  Arjun thinks for a while and says Murder, Murder of a police officer he says. Prisoners cheer.</a:t>
+            </a:r>
+          </a:p>
+          <a:p>
+            <a:pPr marL="0" indent="0">
+              <a:spcBef>
+                <a:spcPts val="500"/>
+              </a:spcBef>
+              <a:buNone/>
+            </a:pPr>
+            <a:r>
+              <a:rPr lang="en-US" sz="1500" dirty="0"/>
+              <a:t>The boss gets doubtful and asks if you killed an officer how will you go out in a year. Arjun says he has connections. The boss still doesn’t believe. He says there is a way to get highest respect out here and that is being in the elite club.</a:t>
+            </a:r>
+          </a:p>
+          <a:p>
+            <a:pPr marL="0" indent="0">
+              <a:spcBef>
+                <a:spcPts val="500"/>
+              </a:spcBef>
+              <a:buNone/>
+            </a:pPr>
+            <a:r>
+              <a:rPr lang="en-US" sz="1500" dirty="0"/>
+              <a:t>The boss points at a skinny man and says if you can beat Matke in a fight no one will trouble you and you will be a part of my elite club. People cheer. Arjun looking at the skinny man asks what are the benefits of the club. The boss says cigarettes, drugs, extra food, no cleaning toilets, and no trouble from anyone. Arjun laughs and says okay. </a:t>
+            </a:r>
+          </a:p>
+          <a:p>
+            <a:pPr marL="0" indent="0">
+              <a:spcBef>
+                <a:spcPts val="500"/>
+              </a:spcBef>
+              <a:buNone/>
+            </a:pPr>
+            <a:r>
+              <a:rPr lang="en-US" sz="1500" dirty="0"/>
+              <a:t>The boss calls Matke and a stone-built man comes from behind the skinny guy. Arjun face dolly zooms. Matke’s fists are as big as his face. The boss says the first one to be on the ground for 10 counts looses.</a:t>
+            </a:r>
+          </a:p>
+          <a:p>
+            <a:pPr marL="0" indent="0">
+              <a:spcBef>
+                <a:spcPts val="500"/>
+              </a:spcBef>
+              <a:buNone/>
+            </a:pPr>
+            <a:r>
+              <a:rPr lang="en-US" sz="1500" dirty="0"/>
+              <a:t>Arjun asks what time is the fight. Boss says at 5. Immediately bell rings 5 times. Matke shouts and charges like a bull while people spread out to form a circular arena (shot from CU face of Matke – low angle of Matke – Arc as people spread – Birds eye shot). Arjun dodges and falls on the people. The people catch him and throw him back to the arena.</a:t>
+            </a:r>
+          </a:p>
+          <a:p>
+            <a:pPr marL="0" indent="0">
+              <a:spcBef>
+                <a:spcPts val="500"/>
+              </a:spcBef>
+              <a:buNone/>
+            </a:pPr>
+            <a:r>
+              <a:rPr lang="en-US" sz="1500" dirty="0"/>
+              <a:t>Matke punches Arjun on the face and he flies with blood dripping from his nose. The crowd begins counting. This happens for a while. Arjun gets up t the count of 9. Matke laughs and strikes a kick. Arjun dodges it by a close call, gets up and tickles Matke’s underarms. Matke laughs and slashes a punch. Arjun bends and punches him on the nuts. Matke falls and crowd counts till 5 and Matke gets up on his knees. Arjun sees a guy holding a pot of water. He snatches it, pours the water on Matke’s head and puts the pot on his head. Arjun takes a few steps back as Matke gets up. Arjun runs and slams Matke’s head bursting his face with the pot. Finally, Arjun finds a rope lying there. He takes it and ties the legs and arms of Matke. Arjun starts to count, and the crowd continues to count after 3 to 10. Arjun wins. People start to cheer. Some lift Arjun to cheer him and the boss’s people untie Matke. Furious Matke walks towards Arjun and gives his hands for shaking. The boss officially welcomes him to the </a:t>
+            </a:r>
+            <a:r>
+              <a:rPr lang="en-US" sz="1500"/>
+              <a:t>club.</a:t>
+            </a:r>
+            <a:endParaRPr lang="en-US" sz="1500" dirty="0"/>
+          </a:p>
+        </p:txBody>
+      </p:sp>
+    </p:spTree>
+    <p:extLst>
+      <p:ext uri="{BB962C8B-B14F-4D97-AF65-F5344CB8AC3E}">
+        <p14:creationId xmlns:p14="http://schemas.microsoft.com/office/powerpoint/2010/main" val="1995195139"/>
+      </p:ext>
+    </p:extLst>
+  </p:cSld>
+  <p:clrMapOvr>
+    <a:masterClrMapping/>
+  </p:clrMapOvr>
+</p:sld>
+</file>
+
+<file path=ppt/slides/slide4.xml><?xml version="1.0" encoding="utf-8"?>
 <p:sld xmlns:a="http://schemas.openxmlformats.org/drawingml/2006/main" xmlns:r="http://schemas.openxmlformats.org/officeDocument/2006/relationships" xmlns:p="http://schemas.openxmlformats.org/presentationml/2006/main">
   <p:cSld>
     <p:spTree>
@@ -12642,7 +13039,7 @@
 </p:sld>
 </file>
 
-<file path=ppt/slides/slide4.xml><?xml version="1.0" encoding="utf-8"?>
+<file path=ppt/slides/slide5.xml><?xml version="1.0" encoding="utf-8"?>
 <p:sld xmlns:a="http://schemas.openxmlformats.org/drawingml/2006/main" xmlns:r="http://schemas.openxmlformats.org/officeDocument/2006/relationships" xmlns:p="http://schemas.openxmlformats.org/presentationml/2006/main">
   <p:cSld>
     <p:spTree>
@@ -16101,7 +16498,7 @@
 </p:sld>
 </file>
 
-<file path=ppt/slides/slide5.xml><?xml version="1.0" encoding="utf-8"?>
+<file path=ppt/slides/slide6.xml><?xml version="1.0" encoding="utf-8"?>
 <p:sld xmlns:a="http://schemas.openxmlformats.org/drawingml/2006/main" xmlns:r="http://schemas.openxmlformats.org/officeDocument/2006/relationships" xmlns:p="http://schemas.openxmlformats.org/presentationml/2006/main">
   <p:cSld>
     <p:spTree>
@@ -19579,7 +19976,7 @@
 </p:sld>
 </file>
 
-<file path=ppt/slides/slide6.xml><?xml version="1.0" encoding="utf-8"?>
+<file path=ppt/slides/slide7.xml><?xml version="1.0" encoding="utf-8"?>
 <p:sld xmlns:a="http://schemas.openxmlformats.org/drawingml/2006/main" xmlns:r="http://schemas.openxmlformats.org/officeDocument/2006/relationships" xmlns:p="http://schemas.openxmlformats.org/presentationml/2006/main">
   <p:cSld>
     <p:spTree>
@@ -26638,7 +27035,7 @@
 </p:sld>
 </file>
 
-<file path=ppt/slides/slide7.xml><?xml version="1.0" encoding="utf-8"?>
+<file path=ppt/slides/slide8.xml><?xml version="1.0" encoding="utf-8"?>
 <p:sld xmlns:a="http://schemas.openxmlformats.org/drawingml/2006/main" xmlns:r="http://schemas.openxmlformats.org/officeDocument/2006/relationships" xmlns:p="http://schemas.openxmlformats.org/presentationml/2006/main">
   <p:cSld>
     <p:spTree>
@@ -30106,7 +30503,7 @@
 </p:sld>
 </file>
 
-<file path=ppt/slides/slide8.xml><?xml version="1.0" encoding="utf-8"?>
+<file path=ppt/slides/slide9.xml><?xml version="1.0" encoding="utf-8"?>
 <p:sld xmlns:a="http://schemas.openxmlformats.org/drawingml/2006/main" xmlns:r="http://schemas.openxmlformats.org/officeDocument/2006/relationships" xmlns:p="http://schemas.openxmlformats.org/presentationml/2006/main">
   <p:cSld>
     <p:spTree>
@@ -34364,122 +34761,6 @@
     <p:extLst>
       <p:ext uri="{BB962C8B-B14F-4D97-AF65-F5344CB8AC3E}">
         <p14:creationId xmlns:p14="http://schemas.microsoft.com/office/powerpoint/2010/main" val="1433047894"/>
-      </p:ext>
-    </p:extLst>
-  </p:cSld>
-  <p:clrMapOvr>
-    <a:masterClrMapping/>
-  </p:clrMapOvr>
-</p:sld>
-</file>
-
-<file path=ppt/slides/slide9.xml><?xml version="1.0" encoding="utf-8"?>
-<p:sld xmlns:a="http://schemas.openxmlformats.org/drawingml/2006/main" xmlns:r="http://schemas.openxmlformats.org/officeDocument/2006/relationships" xmlns:p="http://schemas.openxmlformats.org/presentationml/2006/main">
-  <p:cSld>
-    <p:bg>
-      <p:bgPr>
-        <a:solidFill>
-          <a:schemeClr val="bg1"/>
-        </a:solidFill>
-        <a:effectLst/>
-      </p:bgPr>
-    </p:bg>
-    <p:spTree>
-      <p:nvGrpSpPr>
-        <p:cNvPr id="1" name=""/>
-        <p:cNvGrpSpPr/>
-        <p:nvPr/>
-      </p:nvGrpSpPr>
-      <p:grpSpPr>
-        <a:xfrm>
-          <a:off x="0" y="0"/>
-          <a:ext cx="0" cy="0"/>
-          <a:chOff x="0" y="0"/>
-          <a:chExt cx="0" cy="0"/>
-        </a:xfrm>
-      </p:grpSpPr>
-      <p:pic>
-        <p:nvPicPr>
-          <p:cNvPr id="8" name="Picture 7" descr="A drawing of a goat skull in a circle&#10;&#10;Description automatically generated">
-            <a:extLst>
-              <a:ext uri="{FF2B5EF4-FFF2-40B4-BE49-F238E27FC236}">
-                <a16:creationId xmlns:a16="http://schemas.microsoft.com/office/drawing/2014/main" id="{63F64433-A218-6AF2-5FBA-6ECFC376E32F}"/>
-              </a:ext>
-            </a:extLst>
-          </p:cNvPr>
-          <p:cNvPicPr>
-            <a:picLocks noChangeAspect="1"/>
-          </p:cNvPicPr>
-          <p:nvPr/>
-        </p:nvPicPr>
-        <p:blipFill>
-          <a:blip r:embed="rId2">
-            <a:extLst>
-              <a:ext uri="{28A0092B-C50C-407E-A947-70E740481C1C}">
-                <a14:useLocalDpi xmlns:a14="http://schemas.microsoft.com/office/drawing/2010/main" val="0"/>
-              </a:ext>
-            </a:extLst>
-          </a:blip>
-          <a:srcRect l="14724" t="4545" r="20826" b="13869"/>
-          <a:stretch/>
-        </p:blipFill>
-        <p:spPr bwMode="auto">
-          <a:xfrm>
-            <a:off x="578493" y="942392"/>
-            <a:ext cx="5031727" cy="4973216"/>
-          </a:xfrm>
-          <a:prstGeom prst="rect">
-            <a:avLst/>
-          </a:prstGeom>
-          <a:noFill/>
-          <a:ln>
-            <a:noFill/>
-          </a:ln>
-        </p:spPr>
-      </p:pic>
-      <p:pic>
-        <p:nvPicPr>
-          <p:cNvPr id="2" name="Picture 1" descr="A drawing of a goat skull in a circle&#10;&#10;Description automatically generated">
-            <a:extLst>
-              <a:ext uri="{FF2B5EF4-FFF2-40B4-BE49-F238E27FC236}">
-                <a16:creationId xmlns:a16="http://schemas.microsoft.com/office/drawing/2014/main" id="{3CA903FF-1B4F-C5F0-028C-36BDC34D0559}"/>
-              </a:ext>
-            </a:extLst>
-          </p:cNvPr>
-          <p:cNvPicPr>
-            <a:picLocks noChangeAspect="1"/>
-          </p:cNvPicPr>
-          <p:nvPr/>
-        </p:nvPicPr>
-        <p:blipFill>
-          <a:blip r:embed="rId2">
-            <a:extLst>
-              <a:ext uri="{28A0092B-C50C-407E-A947-70E740481C1C}">
-                <a14:useLocalDpi xmlns:a14="http://schemas.microsoft.com/office/drawing/2010/main" val="0"/>
-              </a:ext>
-            </a:extLst>
-          </a:blip>
-          <a:srcRect l="14724" t="4545" r="20826" b="13869"/>
-          <a:stretch/>
-        </p:blipFill>
-        <p:spPr bwMode="auto">
-          <a:xfrm rot="10800000">
-            <a:off x="6749138" y="942392"/>
-            <a:ext cx="5031727" cy="4973216"/>
-          </a:xfrm>
-          <a:prstGeom prst="rect">
-            <a:avLst/>
-          </a:prstGeom>
-          <a:noFill/>
-          <a:ln>
-            <a:noFill/>
-          </a:ln>
-        </p:spPr>
-      </p:pic>
-    </p:spTree>
-    <p:extLst>
-      <p:ext uri="{BB962C8B-B14F-4D97-AF65-F5344CB8AC3E}">
-        <p14:creationId xmlns:p14="http://schemas.microsoft.com/office/powerpoint/2010/main" val="3401479582"/>
       </p:ext>
     </p:extLst>
   </p:cSld>

--- a/THE_A_Ideas/Innocent Gems/Innocent Gems - Flows.pptx
+++ b/THE_A_Ideas/Innocent Gems/Innocent Gems - Flows.pptx
@@ -8587,7 +8587,7 @@
                   <a:schemeClr val="tx1"/>
                 </a:solidFill>
               </a:rPr>
-              <a:t>Two people in the bike and the auto driver get into a feud</a:t>
+              <a:t>Two people in the bike and the auto Ashwa get into a feud</a:t>
             </a:r>
           </a:p>
         </p:txBody>
@@ -9599,7 +9599,7 @@
                   <a:schemeClr val="tx1"/>
                 </a:solidFill>
               </a:rPr>
-              <a:t>Few people come in a car and support the auto driver</a:t>
+              <a:t>Few people come in a car and support the auto Ashwa</a:t>
             </a:r>
           </a:p>
         </p:txBody>
@@ -9938,7 +9938,7 @@
                   <a:schemeClr val="tx1"/>
                 </a:solidFill>
               </a:rPr>
-              <a:t>Auto driver thanks the people who supported him and leaves</a:t>
+              <a:t>Auto Ashwa thanks the people who supported him and leaves</a:t>
             </a:r>
           </a:p>
         </p:txBody>
@@ -32182,14 +32182,14 @@
             <a:pPr lvl="1"/>
             <a:r>
               <a:rPr lang="en-US" sz="1400" dirty="0"/>
-              <a:t>Investigation reveals that it was always a cab driver who gave the 500 bill</a:t>
+              <a:t>Investigation reveals that it was always a cab Ashwa who gave the 500 bill</a:t>
             </a:r>
           </a:p>
           <a:p>
             <a:pPr lvl="1"/>
             <a:r>
               <a:rPr lang="en-US" sz="1400" dirty="0"/>
-              <a:t>Cab driver says he was paid in cash by the owner</a:t>
+              <a:t>Cab Ashwa says he was paid in cash by the owner</a:t>
             </a:r>
           </a:p>
           <a:p>
@@ -32966,7 +32966,7 @@
             </a:pPr>
             <a:r>
               <a:rPr lang="en-US" sz="1500" dirty="0"/>
-              <a:t>He is sitting in a park and a beggar child comes there to ask for money. He says I do not have any money and tells the kid that it is not right to beg. The police sees this and finds out that it is a missing kid. Police arrests him thinking he is a kidnapper.</a:t>
+              <a:t>He is sitting in a park, and a beggar child comes there to ask for money. He says I do not have any money and tells the kid that it is not right to beg. The police sees this and finds out that it is a missing kid. Police arrests him thinking he is a kidnapper.</a:t>
             </a:r>
           </a:p>
           <a:p>
@@ -33455,7 +33455,7 @@
             </a:r>
             <a:r>
               <a:rPr lang="en-US" sz="1500" dirty="0"/>
-              <a:t> signs do not miss it. Arjun says I have add enough of my bad luck. Its time to change it. </a:t>
+              <a:t> signs do not miss it. Arjun says I have had enough of my bad luck. Its time to change it. </a:t>
             </a:r>
           </a:p>
           <a:p>
@@ -33495,7 +33495,7 @@
             </a:r>
             <a:r>
               <a:rPr lang="en-US" sz="1500" dirty="0"/>
-              <a:t> and says you want protection money right? Take it.</a:t>
+              <a:t> and says you want protection money, right? Take it.</a:t>
             </a:r>
           </a:p>
           <a:p>
@@ -33593,8 +33593,8 @@
         </p:nvSpPr>
         <p:spPr>
           <a:xfrm>
-            <a:off x="314527" y="240997"/>
-            <a:ext cx="11696282" cy="6717322"/>
+            <a:off x="255181" y="240997"/>
+            <a:ext cx="12110484" cy="6717322"/>
           </a:xfrm>
         </p:spPr>
         <p:txBody>
@@ -33623,7 +33623,7 @@
             </a:pPr>
             <a:r>
               <a:rPr lang="en-US" sz="1500" dirty="0"/>
-              <a:t>They sit together. Anthony says you said business will be paused till you come out. So, I waited for 3 months, patiently, with both my money and my stash with you and thanks to you I have a case going on right now and they put me here in JC, Why are you doing this? The business was going so well and for the trouble that you created. You are making me, and my partner suffer and the Cartel is not happy. They want their payment. I had given you 200 Cr to manage the police and politics. </a:t>
+              <a:t>They sit together. Anthony says you said business will be paused till you come out. So, I waited for 3 months, patiently, with both my money and my stash with you and thanks to you I have a case going on right now and they put me here in JC, Why are you doing this? The business was going so well and for the trouble that you created. You are making me, and my partner suffer, and the Cartel is not happy. They want their payment. I had given you 200 Cr to manage the police and politics. </a:t>
             </a:r>
           </a:p>
           <a:p>
@@ -33659,7 +33659,7 @@
             </a:pPr>
             <a:r>
               <a:rPr lang="en-US" sz="1500" dirty="0"/>
-              <a:t>Manu looks at Anthony. Anthony walks away. Arjun brings some peanuts and asks Anthony to have some but he says he hates seeds. Arjun says why do you look tensed. Anthony tells him about it using peanuts and explains his business. He says he is an antique dealer but also ships drugs. Chandru handled storage and distribution. My friend Joseph was handling conversion of blacks to white. One day he got caught and the business stopped but now he is setting my ass on fire.</a:t>
+              <a:t>Manu looks at Anthony. Anthony walks away. Arjun brings some peanuts and asks Anthony to have some, but he says he hates seeds. Arjun says why do you look tensed. Anthony tells him about it using peanuts and explains his business. He says he is an antique dealer but also ships drugs. Chandru handled storage and distribution. My friend Joseph was handling conversion of blacks to white. One day he got caught and the business stopped but now he is setting my ass on fire.</a:t>
             </a:r>
           </a:p>
           <a:p>
@@ -33671,7 +33671,7 @@
             </a:pPr>
             <a:r>
               <a:rPr lang="en-US" sz="1500" dirty="0"/>
-              <a:t>Anthony remembers Arjun’s help from the jail. He says can you do something about my situation now? Mr. Consultant. Arjun thinks and realizes that whatever happened was his bad luck but now he can change it. Arjun asks for some time. Anthony says you have  3 more days before Chandru meets the NCB officer. He says this time the consultancy fee will be more. Anthony says you will be my permanent consultant if you take me out of this trouble. May be from today your good luck will start. Anthony walks away saying he still has some money left to buy an elite room.</a:t>
+              <a:t>Anthony remembers Arjun’s help from the jail. He says can you do something about my situation now? Mr. Consultant. Arjun remembers his palm readings. Arjun says why don’t you use his family against him. Anthony says he is a sadist who killed his own father brother and his family to come to political power. So, he does not have any family left. Arjun asks then what about Manu? Anthony asks who and Arjun says never mind!</a:t>
             </a:r>
           </a:p>
           <a:p>
@@ -33683,6 +33683,18 @@
             </a:pPr>
             <a:r>
               <a:rPr lang="en-US" sz="1500" dirty="0"/>
+              <a:t>Arjun asks or some time. Anthony says you have 3 more days before Chandru meets the NCB officer. He says this time the consultancy fee will be more. Anthony says you will be my permanent consultant if you take me out of this trouble. May be from today your good luck will start. Anthony walks away saying he still has some money left to buy an elite room.</a:t>
+            </a:r>
+          </a:p>
+          <a:p>
+            <a:pPr marL="0" indent="0">
+              <a:spcBef>
+                <a:spcPts val="500"/>
+              </a:spcBef>
+              <a:buNone/>
+            </a:pPr>
+            <a:r>
+              <a:rPr lang="en-US" sz="1500" dirty="0"/>
               <a:t>Arjun is sleeping in his cell thinking about the plan. He remembers </a:t>
             </a:r>
             <a:r>
@@ -33699,7 +33711,7 @@
             </a:r>
             <a:r>
               <a:rPr lang="en-US" sz="1500" dirty="0"/>
-              <a:t> says when one day when Chandru was drunk he said that when he was busted, he somehow managed to stash all his money at one secret place. Arjun asks how he gets the money inside from outside thou. </a:t>
+              <a:t> says when one day when Chandru was drunk, he said that when he was busted, he somehow managed to stash all his money at one secret place. Arjun asks how he gets the money inside from outside thou. </a:t>
             </a:r>
             <a:r>
               <a:rPr lang="en-US" sz="1500" dirty="0" err="1"/>
@@ -33778,8 +33790,8 @@
         </p:nvSpPr>
         <p:spPr>
           <a:xfrm>
-            <a:off x="159488" y="116958"/>
-            <a:ext cx="12333767" cy="7082355"/>
+            <a:off x="0" y="0"/>
+            <a:ext cx="12599988" cy="7199313"/>
           </a:xfrm>
         </p:spPr>
         <p:txBody>
@@ -33795,7 +33807,7 @@
               <a:buNone/>
             </a:pPr>
             <a:r>
-              <a:rPr lang="en-US" sz="1500" kern="1200" dirty="0">
+              <a:rPr lang="en-US" sz="1450" kern="1200" dirty="0">
                 <a:solidFill>
                   <a:srgbClr val="000000"/>
                 </a:solidFill>
@@ -33815,16 +33827,16 @@
               <a:buNone/>
             </a:pPr>
             <a:r>
-              <a:rPr lang="en-US" sz="1500" dirty="0">
+              <a:rPr lang="en-US" sz="1450" dirty="0">
                 <a:solidFill>
                   <a:srgbClr val="000000"/>
                 </a:solidFill>
                 <a:latin typeface="Aptos" panose="020B0004020202020204" pitchFamily="34" charset="0"/>
               </a:rPr>
-              <a:t>Everything went as per Arjun’s plan. Anthony asks what’s next? Arjun says I will be out tomorrow. As per his information the money is stored in one place, a secret place that only his lawyer knows. So, to get the money he will call his lawyer. Chandru indeed calls his lawyer, and I will follow him. But I will need a ride. Anthony says I will arrange that for you including a driver. Arjun says to recognize him I need a code word when I say </a:t>
-            </a:r>
-            <a:r>
-              <a:rPr lang="en-US" sz="1500" dirty="0" err="1">
+              <a:t>Everything went as per Arjun’s plan. Anthony asks what’s next? Arjun says I will be out tomorrow. As per his information the money is stored in one place, a secret place that only his lawyer knows. So, to get the money he will call his lawyer. Chandru indeed calls his lawyer, and I will follow him. But I will need a ride. Anthony says I will arrange that for you including a Ashwa. Arjun says to recognize him I need a code word when I say </a:t>
+            </a:r>
+            <a:r>
+              <a:rPr lang="en-US" sz="1450" dirty="0" err="1">
                 <a:solidFill>
                   <a:srgbClr val="000000"/>
                 </a:solidFill>
@@ -33833,7 +33845,7 @@
               <a:t>Aparanjee</a:t>
             </a:r>
             <a:r>
-              <a:rPr lang="en-US" sz="1500" dirty="0">
+              <a:rPr lang="en-US" sz="1450" dirty="0">
                 <a:solidFill>
                   <a:srgbClr val="000000"/>
                 </a:solidFill>
@@ -33842,7 +33854,7 @@
               <a:t> he must not say </a:t>
             </a:r>
             <a:r>
-              <a:rPr lang="en-US" sz="1500" dirty="0" err="1">
+              <a:rPr lang="en-US" sz="1450" dirty="0" err="1">
                 <a:solidFill>
                   <a:srgbClr val="000000"/>
                 </a:solidFill>
@@ -33851,7 +33863,7 @@
               <a:t>Chinnavo</a:t>
             </a:r>
             <a:r>
-              <a:rPr lang="en-US" sz="1500" dirty="0">
+              <a:rPr lang="en-US" sz="1450" dirty="0">
                 <a:solidFill>
                   <a:srgbClr val="000000"/>
                 </a:solidFill>
@@ -33860,7 +33872,7 @@
               <a:t> but say </a:t>
             </a:r>
             <a:r>
-              <a:rPr lang="en-US" sz="1500" dirty="0" err="1">
+              <a:rPr lang="en-US" sz="1450" dirty="0" err="1">
                 <a:solidFill>
                   <a:srgbClr val="000000"/>
                 </a:solidFill>
@@ -33869,7 +33881,7 @@
               <a:t>Belliyo</a:t>
             </a:r>
             <a:r>
-              <a:rPr lang="en-US" sz="1500" dirty="0">
+              <a:rPr lang="en-US" sz="1450" dirty="0">
                 <a:solidFill>
                   <a:srgbClr val="000000"/>
                 </a:solidFill>
@@ -33886,7 +33898,7 @@
               <a:buNone/>
             </a:pPr>
             <a:r>
-              <a:rPr lang="en-US" sz="1500" dirty="0">
+              <a:rPr lang="en-US" sz="1450" dirty="0">
                 <a:solidFill>
                   <a:srgbClr val="000000"/>
                 </a:solidFill>
@@ -33903,7 +33915,7 @@
               <a:buNone/>
             </a:pPr>
             <a:r>
-              <a:rPr lang="en-US" sz="1500" dirty="0">
+              <a:rPr lang="en-US" sz="1450" dirty="0">
                 <a:solidFill>
                   <a:srgbClr val="000000"/>
                 </a:solidFill>
@@ -33912,7 +33924,7 @@
               <a:t>Outside he sees a few vehicles standing. He walks up to one and says </a:t>
             </a:r>
             <a:r>
-              <a:rPr lang="en-US" sz="1500" dirty="0" err="1">
+              <a:rPr lang="en-US" sz="1450" dirty="0" err="1">
                 <a:solidFill>
                   <a:srgbClr val="000000"/>
                 </a:solidFill>
@@ -33921,7 +33933,7 @@
               <a:t>Aparanjee</a:t>
             </a:r>
             <a:r>
-              <a:rPr lang="en-US" sz="1500" dirty="0">
+              <a:rPr lang="en-US" sz="1450" dirty="0">
                 <a:solidFill>
                   <a:srgbClr val="000000"/>
                 </a:solidFill>
@@ -33930,7 +33942,7 @@
               <a:t> and the driver says </a:t>
             </a:r>
             <a:r>
-              <a:rPr lang="en-US" sz="1500" dirty="0" err="1">
+              <a:rPr lang="en-US" sz="1450" dirty="0" err="1">
                 <a:solidFill>
                   <a:srgbClr val="000000"/>
                 </a:solidFill>
@@ -33939,7 +33951,7 @@
               <a:t>Elig</a:t>
             </a:r>
             <a:r>
-              <a:rPr lang="en-US" sz="1500" dirty="0">
+              <a:rPr lang="en-US" sz="1450" dirty="0">
                 <a:solidFill>
                   <a:srgbClr val="000000"/>
                 </a:solidFill>
@@ -33948,7 +33960,7 @@
               <a:t> </a:t>
             </a:r>
             <a:r>
-              <a:rPr lang="en-US" sz="1500" dirty="0" err="1">
+              <a:rPr lang="en-US" sz="1450" dirty="0" err="1">
                 <a:solidFill>
                   <a:srgbClr val="000000"/>
                 </a:solidFill>
@@ -33957,7 +33969,7 @@
               <a:t>hogbeku</a:t>
             </a:r>
             <a:r>
-              <a:rPr lang="en-US" sz="1500" dirty="0">
+              <a:rPr lang="en-US" sz="1450" dirty="0">
                 <a:solidFill>
                   <a:srgbClr val="000000"/>
                 </a:solidFill>
@@ -33966,7 +33978,7 @@
               <a:t>. A guy next to him says </a:t>
             </a:r>
             <a:r>
-              <a:rPr lang="en-US" sz="1500" dirty="0" err="1">
+              <a:rPr lang="en-US" sz="1450" dirty="0" err="1">
                 <a:solidFill>
                   <a:srgbClr val="000000"/>
                 </a:solidFill>
@@ -33975,16 +33987,16 @@
               <a:t>Belliyo</a:t>
             </a:r>
             <a:r>
-              <a:rPr lang="en-US" sz="1500" dirty="0">
+              <a:rPr lang="en-US" sz="1450" dirty="0">
                 <a:solidFill>
                   <a:srgbClr val="000000"/>
                 </a:solidFill>
                 <a:latin typeface="Aptos" panose="020B0004020202020204" pitchFamily="34" charset="0"/>
               </a:rPr>
-              <a:t>. He recognizes the ride and goes with him. They follow layer to his house and then to a bar. At the lose the lawyer meets a guy and gives him instructions to go to the location, use the key to open the container and take exactly 55 Lakhs in a travel bag. Arjun is sitting right behind him and listens to this. Arjun acts like a drunkard and falls on the lawyer and sees a name on the key. PNB-DOCK </a:t>
-            </a:r>
-            <a:r>
-              <a:rPr lang="en-US" sz="1500" b="1" dirty="0">
+              <a:t>. He recognizes the ride and goes with him. [Emotional convo between them – Ashwa says he reminds him of himself as a kid, talk about luck] They follow layer to his house and then to a bar. At the lose the lawyer meets a guy and gives him instructions to go to the location, use the key to open the container and take exactly 55 Lakhs in a travel bag. Arjun is sitting right behind him and listens to this. Arjun acts like a drunkard and falls on the lawyer and sees a name on the key. PNB-DOCK </a:t>
+            </a:r>
+            <a:r>
+              <a:rPr lang="en-US" sz="1450" b="1" dirty="0">
                 <a:solidFill>
                   <a:srgbClr val="000000"/>
                 </a:solidFill>
@@ -33993,7 +34005,7 @@
               <a:t>3745</a:t>
             </a:r>
             <a:r>
-              <a:rPr lang="en-US" sz="1500" dirty="0">
+              <a:rPr lang="en-US" sz="1450" dirty="0">
                 <a:solidFill>
                   <a:srgbClr val="000000"/>
                 </a:solidFill>
@@ -34010,13 +34022,13 @@
               <a:buNone/>
             </a:pPr>
             <a:r>
-              <a:rPr lang="en-US" sz="1500" dirty="0">
+              <a:rPr lang="en-US" sz="1450" dirty="0">
                 <a:solidFill>
                   <a:srgbClr val="000000"/>
                 </a:solidFill>
                 <a:latin typeface="Aptos" panose="020B0004020202020204" pitchFamily="34" charset="0"/>
               </a:rPr>
-              <a:t>Arjun googles it and finds out that the key is from a container docker at Mangalore port. They get ready to travel to the port. The guy gets into a car with a huge suitcase and Arjun along with the driver follow him. They stop near a container dock and see him enter the premises. Arjun follows and finds out that the cash is hidden inside.</a:t>
+              <a:t>Arjun googles it and finds out that the key is from a container docker at Mangalore port. They get ready to travel to the port. The guy gets into a car with a huge suitcase and Arjun along with the Ashwa follow him. Arjun asks him about his work. Ashwa says he was a family driver of Anthony, and he expanded his business. They stop near a container dock and see him enter the premises. Arjun follows and finds out that the cash is hidden inside. </a:t>
             </a:r>
           </a:p>
           <a:p>
@@ -34027,13 +34039,13 @@
               <a:buNone/>
             </a:pPr>
             <a:r>
-              <a:rPr lang="en-US" sz="1500" dirty="0">
+              <a:rPr lang="en-US" sz="1450" dirty="0">
                 <a:solidFill>
                   <a:srgbClr val="000000"/>
                 </a:solidFill>
                 <a:latin typeface="Aptos" panose="020B0004020202020204" pitchFamily="34" charset="0"/>
               </a:rPr>
-              <a:t>Arjun looks at the time and calls Anthony. He says he found the location of the cash, but it will be difficult to move it. Anthony says he will meet the NCB tomorrow. Arjun worries and says I will find out a way. Arjun walks back to the driver and tells we need to go shopping,</a:t>
+              <a:t>Arjun looks at the time and calls Anthony. He says he found the location of the cash, but it will be difficult to move it. Anthony says he will meet the NCB tomorrow. Arjun worries and says I will find out a way. Arjun walks back to the Ashwa and tells we need to go shopping, Anthony in the prison learns a magic trick to distract himself.</a:t>
             </a:r>
           </a:p>
           <a:p>
@@ -34044,13 +34056,13 @@
               <a:buNone/>
             </a:pPr>
             <a:r>
-              <a:rPr lang="en-US" sz="1500" dirty="0">
+              <a:rPr lang="en-US" sz="1450" dirty="0">
                 <a:solidFill>
                   <a:srgbClr val="000000"/>
                 </a:solidFill>
                 <a:latin typeface="Aptos" panose="020B0004020202020204" pitchFamily="34" charset="0"/>
               </a:rPr>
-              <a:t>Next day Anthony is tensed as Chandru meets the NCB officer. Just before he could sign it the lawyer gets a message. It is the photo of the container with a message saying do not sign or else you will lose all this money. Check the container number for reference. The lawyer shows Chandru the message and he gets furious and says I cannot sign this now and walks away.</a:t>
+              <a:t>Next day Anthony is tensed as Chandru meets the NCB officer. Just before he could sign it the lawyer gets a message. It is the photo of the container with a message saying do not sign or else you will lose all this money. Check the container number for reference. The lawyer shows Chandru the message and he gets furious and says I cannot sign this now and walks away. Chandru comes out asks Anthony what did you do. Anthony confused says Magic and brings a rose, turns it upside-down and says shove it. Anthony runs and calls Arjun and asks what magic did you do. </a:t>
             </a:r>
           </a:p>
           <a:p>
@@ -34061,13 +34073,49 @@
               <a:buNone/>
             </a:pPr>
             <a:r>
-              <a:rPr lang="en-US" sz="1500" dirty="0">
+              <a:rPr lang="en-US" sz="1450" dirty="0">
                 <a:solidFill>
                   <a:srgbClr val="000000"/>
                 </a:solidFill>
                 <a:latin typeface="Aptos" panose="020B0004020202020204" pitchFamily="34" charset="0"/>
               </a:rPr>
-              <a:t>Chandu comes out asks Anthony what did you do. Anthony confused says Magic. Anthony runs and calls Arjun and asks what did he do. [Flashback] Arjun looks around and sees an opened container in front of him and sees the containers are numbered. He walks and asks the driver to call Joseph, and he tells Joseph that he needs money urgently to buy a container. He asks if the driver can act. </a:t>
+              <a:t>[</a:t>
+            </a:r>
+            <a:r>
+              <a:rPr lang="en-US" sz="1450" i="1" dirty="0">
+                <a:solidFill>
+                  <a:srgbClr val="000000"/>
+                </a:solidFill>
+                <a:latin typeface="Aptos" panose="020B0004020202020204" pitchFamily="34" charset="0"/>
+              </a:rPr>
+              <a:t>Flashback</a:t>
+            </a:r>
+            <a:r>
+              <a:rPr lang="en-US" sz="1450" dirty="0">
+                <a:solidFill>
+                  <a:srgbClr val="000000"/>
+                </a:solidFill>
+                <a:latin typeface="Aptos" panose="020B0004020202020204" pitchFamily="34" charset="0"/>
+              </a:rPr>
+              <a:t>] Arjun looks around and sees an opened container in front of him and sees the containers are numbered. He click the photos. He walks and asks the Ashwa to call Joseph, and he tells Joseph that he needs money urgently to buy a container. Joseph says he will transfer it to Ashwa's account. Then he tells the Ashwa we need to go shopping, They come back to the dock with spray paint in the back and make a deal to buy a container, and the number must be </a:t>
+            </a:r>
+            <a:r>
+              <a:rPr lang="en-US" sz="1450" b="1" dirty="0">
+                <a:solidFill>
+                  <a:srgbClr val="000000"/>
+                </a:solidFill>
+                <a:latin typeface="Aptos" panose="020B0004020202020204" pitchFamily="34" charset="0"/>
+              </a:rPr>
+              <a:t>3748</a:t>
+            </a:r>
+            <a:r>
+              <a:rPr lang="en-US" sz="1450" dirty="0">
+                <a:solidFill>
+                  <a:srgbClr val="000000"/>
+                </a:solidFill>
+                <a:latin typeface="Aptos" panose="020B0004020202020204" pitchFamily="34" charset="0"/>
+              </a:rPr>
+              <a:t> and must be red in color because they are superstitious. Arjun gives them the money and buy the container. The owner asks when will they take it away. Arjun says tomorrow. Owner asks why not today. He says we have some shopping and painting work to finish.</a:t>
             </a:r>
           </a:p>
           <a:p>
@@ -34078,16 +34126,34 @@
               <a:buNone/>
             </a:pPr>
             <a:r>
-              <a:rPr lang="en-US" sz="1500" dirty="0">
+              <a:rPr lang="en-US" sz="1450" dirty="0">
                 <a:solidFill>
                   <a:srgbClr val="000000"/>
                 </a:solidFill>
                 <a:latin typeface="Aptos" panose="020B0004020202020204" pitchFamily="34" charset="0"/>
               </a:rPr>
-              <a:t>They go to the dock and make a deal to buy a container, and the number must be </a:t>
-            </a:r>
-            <a:r>
-              <a:rPr lang="en-US" sz="1500" b="1" dirty="0">
+              <a:t>At night Arjun comes to the dock and paint the container to exchange the numbers </a:t>
+            </a:r>
+            <a:r>
+              <a:rPr lang="en-US" sz="1450" b="1" dirty="0">
+                <a:solidFill>
+                  <a:srgbClr val="000000"/>
+                </a:solidFill>
+                <a:latin typeface="Aptos" panose="020B0004020202020204" pitchFamily="34" charset="0"/>
+              </a:rPr>
+              <a:t>3745</a:t>
+            </a:r>
+            <a:r>
+              <a:rPr lang="en-US" sz="1450" dirty="0">
+                <a:solidFill>
+                  <a:srgbClr val="000000"/>
+                </a:solidFill>
+                <a:latin typeface="Aptos" panose="020B0004020202020204" pitchFamily="34" charset="0"/>
+              </a:rPr>
+              <a:t> and </a:t>
+            </a:r>
+            <a:r>
+              <a:rPr lang="en-US" sz="1450" b="1" dirty="0">
                 <a:solidFill>
                   <a:srgbClr val="000000"/>
                 </a:solidFill>
@@ -34096,33 +34162,16 @@
               <a:t>3748</a:t>
             </a:r>
             <a:r>
-              <a:rPr lang="en-US" sz="1500" dirty="0">
+              <a:rPr lang="en-US" sz="1450" dirty="0">
                 <a:solidFill>
                   <a:srgbClr val="000000"/>
                 </a:solidFill>
                 <a:latin typeface="Aptos" panose="020B0004020202020204" pitchFamily="34" charset="0"/>
               </a:rPr>
-              <a:t> and must be red in color because they are superstitious. Arjun gives them the money and buy the container. The owner asks when will they take it away. Arjun says tomorrow. Owner asks why not today. He says we have some shopping and painting work to finish.</a:t>
-            </a:r>
-          </a:p>
-          <a:p>
-            <a:pPr marL="0" indent="0">
-              <a:spcBef>
-                <a:spcPts val="500"/>
-              </a:spcBef>
-              <a:buNone/>
-            </a:pPr>
-            <a:r>
-              <a:rPr lang="en-US" sz="1500" dirty="0">
-                <a:solidFill>
-                  <a:srgbClr val="000000"/>
-                </a:solidFill>
-                <a:latin typeface="Aptos" panose="020B0004020202020204" pitchFamily="34" charset="0"/>
-              </a:rPr>
-              <a:t>At night Arjun comes to the dock and paint the container to exchange the numbers </a:t>
-            </a:r>
-            <a:r>
-              <a:rPr lang="en-US" sz="1500" b="1" dirty="0">
+              <a:t>. Early morning he comes there to take his container. He asks a boy to move the new </a:t>
+            </a:r>
+            <a:r>
+              <a:rPr lang="en-US" sz="1450" b="1" dirty="0">
                 <a:solidFill>
                   <a:srgbClr val="000000"/>
                 </a:solidFill>
@@ -34131,34 +34180,34 @@
               <a:t>3745</a:t>
             </a:r>
             <a:r>
-              <a:rPr lang="en-US" sz="1500" dirty="0">
+              <a:rPr lang="en-US" sz="1450" dirty="0">
                 <a:solidFill>
                   <a:srgbClr val="000000"/>
                 </a:solidFill>
                 <a:latin typeface="Aptos" panose="020B0004020202020204" pitchFamily="34" charset="0"/>
               </a:rPr>
-              <a:t> and </a:t>
-            </a:r>
-            <a:r>
-              <a:rPr lang="en-US" sz="1500" b="1" dirty="0">
+              <a:t> to the place of original </a:t>
+            </a:r>
+            <a:r>
+              <a:rPr lang="en-US" sz="1450" b="1" dirty="0">
                 <a:solidFill>
                   <a:srgbClr val="000000"/>
                 </a:solidFill>
                 <a:latin typeface="Aptos" panose="020B0004020202020204" pitchFamily="34" charset="0"/>
               </a:rPr>
-              <a:t>3748</a:t>
-            </a:r>
-            <a:r>
-              <a:rPr lang="en-US" sz="1500" dirty="0">
+              <a:t>3745 </a:t>
+            </a:r>
+            <a:r>
+              <a:rPr lang="en-US" sz="1450" dirty="0">
                 <a:solidFill>
                   <a:srgbClr val="000000"/>
                 </a:solidFill>
                 <a:latin typeface="Aptos" panose="020B0004020202020204" pitchFamily="34" charset="0"/>
               </a:rPr>
-              <a:t>. Early morning he comes there to take his container. He asks a boy to move the new </a:t>
-            </a:r>
-            <a:r>
-              <a:rPr lang="en-US" sz="1500" b="1" dirty="0">
+              <a:t>and gives him a tip. He takes the help of Joseph to carry out the container. He spray paints the number again to </a:t>
+            </a:r>
+            <a:r>
+              <a:rPr lang="en-US" sz="1450" b="1" dirty="0">
                 <a:solidFill>
                   <a:srgbClr val="000000"/>
                 </a:solidFill>
@@ -34167,43 +34216,7 @@
               <a:t>3745</a:t>
             </a:r>
             <a:r>
-              <a:rPr lang="en-US" sz="1500" dirty="0">
-                <a:solidFill>
-                  <a:srgbClr val="000000"/>
-                </a:solidFill>
-                <a:latin typeface="Aptos" panose="020B0004020202020204" pitchFamily="34" charset="0"/>
-              </a:rPr>
-              <a:t> to the place of original </a:t>
-            </a:r>
-            <a:r>
-              <a:rPr lang="en-US" sz="1500" b="1" dirty="0">
-                <a:solidFill>
-                  <a:srgbClr val="000000"/>
-                </a:solidFill>
-                <a:latin typeface="Aptos" panose="020B0004020202020204" pitchFamily="34" charset="0"/>
-              </a:rPr>
-              <a:t>3745 </a:t>
-            </a:r>
-            <a:r>
-              <a:rPr lang="en-US" sz="1500" dirty="0">
-                <a:solidFill>
-                  <a:srgbClr val="000000"/>
-                </a:solidFill>
-                <a:latin typeface="Aptos" panose="020B0004020202020204" pitchFamily="34" charset="0"/>
-              </a:rPr>
-              <a:t>and gives him a tip. He takes the help of Joseph to carry out the container. He spray paints the number again to </a:t>
-            </a:r>
-            <a:r>
-              <a:rPr lang="en-US" sz="1500" b="1" dirty="0">
-                <a:solidFill>
-                  <a:srgbClr val="000000"/>
-                </a:solidFill>
-                <a:latin typeface="Aptos" panose="020B0004020202020204" pitchFamily="34" charset="0"/>
-              </a:rPr>
-              <a:t>3745</a:t>
-            </a:r>
-            <a:r>
-              <a:rPr lang="en-US" sz="1500" dirty="0">
+              <a:rPr lang="en-US" sz="1450" dirty="0">
                 <a:solidFill>
                   <a:srgbClr val="000000"/>
                 </a:solidFill>
@@ -34211,7 +34224,7 @@
               </a:rPr>
               <a:t>, opens it using a plyer, clicks the photo of money and sends it to the lawyer. </a:t>
             </a:r>
-            <a:endParaRPr lang="en-US" sz="1500" dirty="0"/>
+            <a:endParaRPr lang="en-US" sz="1450" dirty="0"/>
           </a:p>
         </p:txBody>
       </p:sp>
@@ -34295,43 +34308,7 @@
                 <a:ea typeface="+mn-ea"/>
                 <a:cs typeface="+mn-cs"/>
               </a:rPr>
-              <a:t>Anthony dances in joy. He walks to Chandru and says I will give you a last change for old times sake. Tell me where the </a:t>
-            </a:r>
-            <a:r>
-              <a:rPr lang="en-US" sz="1500" kern="1200">
-                <a:solidFill>
-                  <a:srgbClr val="000000"/>
-                </a:solidFill>
-                <a:effectLst/>
-                <a:latin typeface="Aptos" panose="020B0004020202020204" pitchFamily="34" charset="0"/>
-                <a:ea typeface="+mn-ea"/>
-                <a:cs typeface="+mn-cs"/>
-              </a:rPr>
-              <a:t>stash is, </a:t>
-            </a:r>
-            <a:r>
-              <a:rPr lang="en-US" sz="1500" kern="1200" dirty="0">
-                <a:solidFill>
-                  <a:srgbClr val="000000"/>
-                </a:solidFill>
-                <a:effectLst/>
-                <a:latin typeface="Aptos" panose="020B0004020202020204" pitchFamily="34" charset="0"/>
-                <a:ea typeface="+mn-ea"/>
-                <a:cs typeface="+mn-cs"/>
-              </a:rPr>
-              <a:t>and I will give you back </a:t>
-            </a:r>
-            <a:r>
-              <a:rPr lang="en-US" sz="1500" kern="1200">
-                <a:solidFill>
-                  <a:srgbClr val="000000"/>
-                </a:solidFill>
-                <a:effectLst/>
-                <a:latin typeface="Aptos" panose="020B0004020202020204" pitchFamily="34" charset="0"/>
-                <a:ea typeface="+mn-ea"/>
-                <a:cs typeface="+mn-cs"/>
-              </a:rPr>
-              <a:t>the money.</a:t>
+              <a:t>Anthony dances in joy. He walks to Chandru and says I will give you a last change for old times sake. Tell me where the stash is, and I will give you back the money.</a:t>
             </a:r>
             <a:endParaRPr lang="en-US" sz="1500" dirty="0"/>
           </a:p>

--- a/THE_A_Ideas/Innocent Gems/Innocent Gems - Flows.pptx
+++ b/THE_A_Ideas/Innocent Gems/Innocent Gems - Flows.pptx
@@ -215,7 +215,7 @@
           <a:p>
             <a:fld id="{E46DFF9B-7890-4956-96F0-AFF859094789}" type="datetimeFigureOut">
               <a:rPr lang="en-US" smtClean="0"/>
-              <a:t>1/23/2025</a:t>
+              <a:t>1/25/2025</a:t>
             </a:fld>
             <a:endParaRPr lang="en-US"/>
           </a:p>
@@ -702,7 +702,7 @@
           <a:p>
             <a:fld id="{AA3BECB3-B129-4032-B16C-54274E3F2ECB}" type="datetimeFigureOut">
               <a:rPr lang="en-US" smtClean="0"/>
-              <a:t>1/23/2025</a:t>
+              <a:t>1/25/2025</a:t>
             </a:fld>
             <a:endParaRPr lang="en-US"/>
           </a:p>
@@ -872,7 +872,7 @@
           <a:p>
             <a:fld id="{AA3BECB3-B129-4032-B16C-54274E3F2ECB}" type="datetimeFigureOut">
               <a:rPr lang="en-US" smtClean="0"/>
-              <a:t>1/23/2025</a:t>
+              <a:t>1/25/2025</a:t>
             </a:fld>
             <a:endParaRPr lang="en-US"/>
           </a:p>
@@ -1052,7 +1052,7 @@
           <a:p>
             <a:fld id="{AA3BECB3-B129-4032-B16C-54274E3F2ECB}" type="datetimeFigureOut">
               <a:rPr lang="en-US" smtClean="0"/>
-              <a:t>1/23/2025</a:t>
+              <a:t>1/25/2025</a:t>
             </a:fld>
             <a:endParaRPr lang="en-US"/>
           </a:p>
@@ -1222,7 +1222,7 @@
           <a:p>
             <a:fld id="{AA3BECB3-B129-4032-B16C-54274E3F2ECB}" type="datetimeFigureOut">
               <a:rPr lang="en-US" smtClean="0"/>
-              <a:t>1/23/2025</a:t>
+              <a:t>1/25/2025</a:t>
             </a:fld>
             <a:endParaRPr lang="en-US"/>
           </a:p>
@@ -1468,7 +1468,7 @@
           <a:p>
             <a:fld id="{AA3BECB3-B129-4032-B16C-54274E3F2ECB}" type="datetimeFigureOut">
               <a:rPr lang="en-US" smtClean="0"/>
-              <a:t>1/23/2025</a:t>
+              <a:t>1/25/2025</a:t>
             </a:fld>
             <a:endParaRPr lang="en-US"/>
           </a:p>
@@ -1700,7 +1700,7 @@
           <a:p>
             <a:fld id="{AA3BECB3-B129-4032-B16C-54274E3F2ECB}" type="datetimeFigureOut">
               <a:rPr lang="en-US" smtClean="0"/>
-              <a:t>1/23/2025</a:t>
+              <a:t>1/25/2025</a:t>
             </a:fld>
             <a:endParaRPr lang="en-US"/>
           </a:p>
@@ -2067,7 +2067,7 @@
           <a:p>
             <a:fld id="{AA3BECB3-B129-4032-B16C-54274E3F2ECB}" type="datetimeFigureOut">
               <a:rPr lang="en-US" smtClean="0"/>
-              <a:t>1/23/2025</a:t>
+              <a:t>1/25/2025</a:t>
             </a:fld>
             <a:endParaRPr lang="en-US"/>
           </a:p>
@@ -2185,7 +2185,7 @@
           <a:p>
             <a:fld id="{AA3BECB3-B129-4032-B16C-54274E3F2ECB}" type="datetimeFigureOut">
               <a:rPr lang="en-US" smtClean="0"/>
-              <a:t>1/23/2025</a:t>
+              <a:t>1/25/2025</a:t>
             </a:fld>
             <a:endParaRPr lang="en-US"/>
           </a:p>
@@ -2280,7 +2280,7 @@
           <a:p>
             <a:fld id="{AA3BECB3-B129-4032-B16C-54274E3F2ECB}" type="datetimeFigureOut">
               <a:rPr lang="en-US" smtClean="0"/>
-              <a:t>1/23/2025</a:t>
+              <a:t>1/25/2025</a:t>
             </a:fld>
             <a:endParaRPr lang="en-US"/>
           </a:p>
@@ -2557,7 +2557,7 @@
           <a:p>
             <a:fld id="{AA3BECB3-B129-4032-B16C-54274E3F2ECB}" type="datetimeFigureOut">
               <a:rPr lang="en-US" smtClean="0"/>
-              <a:t>1/23/2025</a:t>
+              <a:t>1/25/2025</a:t>
             </a:fld>
             <a:endParaRPr lang="en-US"/>
           </a:p>
@@ -2814,7 +2814,7 @@
           <a:p>
             <a:fld id="{AA3BECB3-B129-4032-B16C-54274E3F2ECB}" type="datetimeFigureOut">
               <a:rPr lang="en-US" smtClean="0"/>
-              <a:t>1/23/2025</a:t>
+              <a:t>1/25/2025</a:t>
             </a:fld>
             <a:endParaRPr lang="en-US"/>
           </a:p>
@@ -3027,7 +3027,7 @@
           <a:p>
             <a:fld id="{AA3BECB3-B129-4032-B16C-54274E3F2ECB}" type="datetimeFigureOut">
               <a:rPr lang="en-US" smtClean="0"/>
-              <a:t>1/23/2025</a:t>
+              <a:t>1/25/2025</a:t>
             </a:fld>
             <a:endParaRPr lang="en-US"/>
           </a:p>
@@ -33111,8 +33111,8 @@
         </p:nvSpPr>
         <p:spPr>
           <a:xfrm>
-            <a:off x="314527" y="240997"/>
-            <a:ext cx="11696282" cy="6717322"/>
+            <a:off x="80386" y="150565"/>
+            <a:ext cx="12439859" cy="6717322"/>
           </a:xfrm>
         </p:spPr>
         <p:txBody>
@@ -33258,7 +33258,47 @@
             </a:pPr>
             <a:r>
               <a:rPr lang="en-US" sz="1500" dirty="0"/>
-              <a:t>The boss says no food for Matke today as a punishment.</a:t>
+              <a:t>The boss says no food for Matke today as a punishment. Arjun brings two plates of lunch and hands over one to </a:t>
+            </a:r>
+            <a:r>
+              <a:rPr lang="en-US" sz="1500" dirty="0" err="1"/>
+              <a:t>Matke</a:t>
+            </a:r>
+            <a:r>
+              <a:rPr lang="en-US" sz="1500" dirty="0"/>
+              <a:t>. He stars to talk to </a:t>
+            </a:r>
+            <a:r>
+              <a:rPr lang="en-US" sz="1500" dirty="0" err="1"/>
+              <a:t>Matke</a:t>
+            </a:r>
+            <a:r>
+              <a:rPr lang="en-US" sz="1500" dirty="0"/>
+              <a:t> and asks why he is inside. Another guy comes and sits next to him and says </a:t>
+            </a:r>
+            <a:r>
+              <a:rPr lang="en-US" sz="1500" dirty="0" err="1"/>
+              <a:t>Matke</a:t>
+            </a:r>
+            <a:r>
+              <a:rPr lang="en-US" sz="1500" dirty="0"/>
+              <a:t> cannot talk. He introduces himself as </a:t>
+            </a:r>
+            <a:r>
+              <a:rPr lang="en-US" sz="1500" dirty="0" err="1"/>
+              <a:t>Mayavi</a:t>
+            </a:r>
+            <a:r>
+              <a:rPr lang="en-US" sz="1500" dirty="0"/>
+              <a:t>, a magician and him and </a:t>
+            </a:r>
+            <a:r>
+              <a:rPr lang="en-US" sz="1500" dirty="0" err="1"/>
+              <a:t>Matke</a:t>
+            </a:r>
+            <a:r>
+              <a:rPr lang="en-US" sz="1500" dirty="0"/>
+              <a:t> were a part of a circus. </a:t>
             </a:r>
           </a:p>
         </p:txBody>
@@ -33317,8 +33357,8 @@
         </p:nvSpPr>
         <p:spPr>
           <a:xfrm>
-            <a:off x="208196" y="124033"/>
-            <a:ext cx="12210631" cy="6946617"/>
+            <a:off x="130629" y="124033"/>
+            <a:ext cx="12369519" cy="7075280"/>
           </a:xfrm>
         </p:spPr>
         <p:txBody>
@@ -33334,8 +33374,12 @@
               <a:buNone/>
             </a:pPr>
             <a:r>
+              <a:rPr lang="en-US" sz="1500" dirty="0" err="1"/>
+              <a:t>Matke</a:t>
+            </a:r>
+            <a:r>
               <a:rPr lang="en-US" sz="1500" dirty="0"/>
-              <a:t>Arjun brings two plates of lunch and hands over one to Matke. He stars to talk to Matke and asks why he is inside. Another guy comes and sits next to him and says Matke cannot talk. He introduces himself as Mayavi, a magician and him and Matke were a part of a circus. Matke talks in sign language and Mayavi translates it. They say they are brothers and were born in circus to two acrobats. Mayavi was a magician and Matke could bend iron rods and lift trucks with his bare hands. Matke says we are performers and performing is our life. Here we may not be in front of a large crowd, but this prison is not less than any circus and we have our performers.</a:t>
+              <a:t> talks in sign language and Mayavi translates it. They say they are brothers and were born in circus to two acrobats. Mayavi was a magician and Matke could bend iron rods and lift trucks with his bare hands. Matke says we are performers and performing is our life. Here we may not be in front of a large crowd, but this prison is not less than any circus and we have our performers.</a:t>
             </a:r>
           </a:p>
           <a:p>
@@ -33439,7 +33483,15 @@
             </a:r>
             <a:r>
               <a:rPr lang="en-US" sz="1500" dirty="0"/>
-              <a:t>. </a:t>
+              <a:t>. Babu, another prisoner reads Arjun’s palms and says your life was twisted with bad luck. </a:t>
+            </a:r>
+            <a:r>
+              <a:rPr lang="en-US" sz="1500" dirty="0" err="1"/>
+              <a:t>Matke</a:t>
+            </a:r>
+            <a:r>
+              <a:rPr lang="en-US" sz="1500" dirty="0"/>
+              <a:t> signs of course everyone here had bad luck. </a:t>
             </a:r>
             <a:r>
               <a:rPr lang="en-US" sz="1500" dirty="0" err="1"/>
@@ -33447,15 +33499,7 @@
             </a:r>
             <a:r>
               <a:rPr lang="en-US" sz="1500" dirty="0"/>
-              <a:t> reads Arjun’s palms and say you are going to get a big opportunity . </a:t>
-            </a:r>
-            <a:r>
-              <a:rPr lang="en-US" sz="1500" dirty="0" err="1"/>
-              <a:t>Matke</a:t>
-            </a:r>
-            <a:r>
-              <a:rPr lang="en-US" sz="1500" dirty="0"/>
-              <a:t> signs do not miss it. Arjun says I have had enough of my bad luck. Its time to change it. </a:t>
+              <a:t> says who does not have bad luck. </a:t>
             </a:r>
           </a:p>
           <a:p>
@@ -33467,7 +33511,7 @@
             </a:pPr>
             <a:r>
               <a:rPr lang="en-US" sz="1500" dirty="0"/>
-              <a:t>They see a guy running towards the boss. Arjun asks what happened. The boss calls Matke. Mayavi says looks like some new guy came in. They go towards the gate. Arjun looks at the man and realizes that he recognizes him. It is the same guy he met in the prison, Anthony.</a:t>
+              <a:t>Babu sighs and says you have strength within yourself make use of it,  you are going to get a big opportunity do not miss it at any cost. Arjun says I have had enough of my bad luck, is time to change it. I will build myself a great future after I am out in 2 days. </a:t>
             </a:r>
           </a:p>
           <a:p>
@@ -33479,23 +33523,15 @@
             </a:pPr>
             <a:r>
               <a:rPr lang="en-US" sz="1500" dirty="0"/>
-              <a:t>Anthony walks in wearing a suit, with gold rings and a gold chain. </a:t>
+              <a:t>Babu says you will have a great time in the future but do not have marriage and kids Bhagya. Arjun fells bad. </a:t>
             </a:r>
             <a:r>
               <a:rPr lang="en-US" sz="1500" dirty="0" err="1"/>
-              <a:t>Bhairava</a:t>
+              <a:t>Mayavi</a:t>
             </a:r>
             <a:r>
               <a:rPr lang="en-US" sz="1500" dirty="0"/>
-              <a:t> walks in with a grunt as usual. He threatens Anthony but he doesn’t care at all. Anthony takes out some cash and gives it to </a:t>
-            </a:r>
-            <a:r>
-              <a:rPr lang="en-US" sz="1500" dirty="0" err="1"/>
-              <a:t>Bhiarava</a:t>
-            </a:r>
-            <a:r>
-              <a:rPr lang="en-US" sz="1500" dirty="0"/>
-              <a:t> and says you want protection money, right? Take it.</a:t>
+              <a:t> says do not worry, he himself came inside after he asked a guy to take 3 dips in the holy river. After 2 dips he did not come back up at all. Babu gets angry and says it was not my mistake that he did not know to swim. He asks Arjun for his payment for reading palms.</a:t>
             </a:r>
           </a:p>
           <a:p>
@@ -33506,8 +33542,20 @@
               <a:buNone/>
             </a:pPr>
             <a:r>
+              <a:rPr lang="en-US" sz="1500" dirty="0" err="1"/>
+              <a:t>Matke</a:t>
+            </a:r>
+            <a:r>
               <a:rPr lang="en-US" sz="1500" dirty="0"/>
-              <a:t> </a:t>
+              <a:t> signs couldn’t you read his palm that he could not swim? Babu gets up in anger. </a:t>
+            </a:r>
+            <a:r>
+              <a:rPr lang="en-US" sz="1500" dirty="0" err="1"/>
+              <a:t>Matke</a:t>
+            </a:r>
+            <a:r>
+              <a:rPr lang="en-US" sz="1500" dirty="0"/>
+              <a:t> signs or couldn’t you read your own plan that you will one day be arrested? Arjun laughs and Babu walks out in anger.</a:t>
             </a:r>
           </a:p>
           <a:p>
@@ -33593,8 +33641,8 @@
         </p:nvSpPr>
         <p:spPr>
           <a:xfrm>
-            <a:off x="255181" y="240997"/>
-            <a:ext cx="12110484" cy="6717322"/>
+            <a:off x="80387" y="100484"/>
+            <a:ext cx="12409714" cy="7013749"/>
           </a:xfrm>
         </p:spPr>
         <p:txBody>
@@ -33602,6 +33650,62 @@
             <a:noAutofit/>
           </a:bodyPr>
           <a:lstStyle/>
+          <a:p>
+            <a:pPr marL="0" indent="0">
+              <a:spcBef>
+                <a:spcPts val="500"/>
+              </a:spcBef>
+              <a:buNone/>
+            </a:pPr>
+            <a:r>
+              <a:rPr lang="en-US" sz="1500" dirty="0"/>
+              <a:t>They see a guy running towards the boss. Arjun asks what happened. The boss calls </a:t>
+            </a:r>
+            <a:r>
+              <a:rPr lang="en-US" sz="1500" dirty="0" err="1"/>
+              <a:t>Matke</a:t>
+            </a:r>
+            <a:r>
+              <a:rPr lang="en-US" sz="1500" dirty="0"/>
+              <a:t>. </a:t>
+            </a:r>
+            <a:r>
+              <a:rPr lang="en-US" sz="1500" dirty="0" err="1"/>
+              <a:t>Mayavi</a:t>
+            </a:r>
+            <a:r>
+              <a:rPr lang="en-US" sz="1500" dirty="0"/>
+              <a:t> says looks like some new guy came in. They go towards the gate. Arjun looks at the man and realizes that he recognizes him. It is the same guy he met in the prison, Anthony.</a:t>
+            </a:r>
+          </a:p>
+          <a:p>
+            <a:pPr marL="0" indent="0">
+              <a:spcBef>
+                <a:spcPts val="500"/>
+              </a:spcBef>
+              <a:buNone/>
+            </a:pPr>
+            <a:r>
+              <a:rPr lang="en-US" sz="1500" dirty="0"/>
+              <a:t>Anthony walks in wearing a suit, with gold rings and a gold chain. </a:t>
+            </a:r>
+            <a:r>
+              <a:rPr lang="en-US" sz="1500" dirty="0" err="1"/>
+              <a:t>Bhairava</a:t>
+            </a:r>
+            <a:r>
+              <a:rPr lang="en-US" sz="1500" dirty="0"/>
+              <a:t> walks in with a grunt as usual. He threatens Anthony but he doesn’t care at all. Anthony takes out some cash and gives it to </a:t>
+            </a:r>
+            <a:r>
+              <a:rPr lang="en-US" sz="1500" dirty="0" err="1"/>
+              <a:t>Bhiarava</a:t>
+            </a:r>
+            <a:r>
+              <a:rPr lang="en-US" sz="1500" dirty="0"/>
+              <a:t> and says you want protection money, right? Take it.</a:t>
+            </a:r>
+          </a:p>
           <a:p>
             <a:pPr marL="0" indent="0">
               <a:spcBef>
@@ -33833,7 +33937,7 @@
                 </a:solidFill>
                 <a:latin typeface="Aptos" panose="020B0004020202020204" pitchFamily="34" charset="0"/>
               </a:rPr>
-              <a:t>Everything went as per Arjun’s plan. Anthony asks what’s next? Arjun says I will be out tomorrow. As per his information the money is stored in one place, a secret place that only his lawyer knows. So, to get the money he will call his lawyer. Chandru indeed calls his lawyer, and I will follow him. But I will need a ride. Anthony says I will arrange that for you including a Ashwa. Arjun says to recognize him I need a code word when I say </a:t>
+              <a:t>Everything went as per Arjun’s plan. Anthony asks what’s next? Arjun says I will be out tomorrow. As per his information the money is stored in one place, a secret place that only his lawyer knows. So, to get the money he will call his lawyer. Chandru indeed calls his lawyer, and I will follow him. But I will need a ride. Anthony says I will arrange that for you including a driver. Arjun says to recognize him I need a code word when I say </a:t>
             </a:r>
             <a:r>
               <a:rPr lang="en-US" sz="1450" dirty="0" err="1">
@@ -34308,7 +34412,107 @@
                 <a:ea typeface="+mn-ea"/>
                 <a:cs typeface="+mn-cs"/>
               </a:rPr>
-              <a:t>Anthony dances in joy. He walks to Chandru and says I will give you a last change for old times sake. Tell me where the stash is, and I will give you back the money.</a:t>
+              <a:t>Arjun on the phone says now it is time for the next step. Anthony dances in joy. The NCB officer asks lawyer where did he go and says if he is not back in 10 minutes then I will tear this contract and throw it on his face.</a:t>
+            </a:r>
+          </a:p>
+          <a:p>
+            <a:pPr marL="0" indent="0">
+              <a:spcBef>
+                <a:spcPts val="500"/>
+              </a:spcBef>
+              <a:buNone/>
+            </a:pPr>
+            <a:r>
+              <a:rPr lang="en-US" sz="1500" kern="1200" dirty="0">
+                <a:solidFill>
+                  <a:srgbClr val="000000"/>
+                </a:solidFill>
+                <a:effectLst/>
+                <a:latin typeface="Aptos" panose="020B0004020202020204" pitchFamily="34" charset="0"/>
+                <a:ea typeface="+mn-ea"/>
+                <a:cs typeface="+mn-cs"/>
+              </a:rPr>
+              <a:t>Chandru walks back in and sees Manu sitting with his goons waiting for him. </a:t>
+            </a:r>
+            <a:r>
+              <a:rPr lang="en-US" sz="1500" kern="1200" dirty="0" err="1">
+                <a:solidFill>
+                  <a:srgbClr val="000000"/>
+                </a:solidFill>
+                <a:effectLst/>
+                <a:latin typeface="Aptos" panose="020B0004020202020204" pitchFamily="34" charset="0"/>
+                <a:ea typeface="+mn-ea"/>
+                <a:cs typeface="+mn-cs"/>
+              </a:rPr>
+              <a:t>Matke</a:t>
+            </a:r>
+            <a:r>
+              <a:rPr lang="en-US" sz="1500" kern="1200" dirty="0">
+                <a:solidFill>
+                  <a:srgbClr val="000000"/>
+                </a:solidFill>
+                <a:effectLst/>
+                <a:latin typeface="Aptos" panose="020B0004020202020204" pitchFamily="34" charset="0"/>
+                <a:ea typeface="+mn-ea"/>
+                <a:cs typeface="+mn-cs"/>
+              </a:rPr>
+              <a:t> guards Chandru. Manu says so thought you are making a deal to go out? And I will be stuck here forever? You are planning to leave the people who worked for you here? </a:t>
+            </a:r>
+            <a:r>
+              <a:rPr lang="en-US" sz="1500" dirty="0">
+                <a:solidFill>
+                  <a:srgbClr val="000000"/>
+                </a:solidFill>
+                <a:latin typeface="Aptos" panose="020B0004020202020204" pitchFamily="34" charset="0"/>
+              </a:rPr>
+              <a:t>Few guards of Chandru attack Manu and Manu’s guards fight back. Manu is stopped by </a:t>
+            </a:r>
+            <a:r>
+              <a:rPr lang="en-US" sz="1500" dirty="0" err="1">
+                <a:solidFill>
+                  <a:srgbClr val="000000"/>
+                </a:solidFill>
+                <a:latin typeface="Aptos" panose="020B0004020202020204" pitchFamily="34" charset="0"/>
+              </a:rPr>
+              <a:t>Matke</a:t>
+            </a:r>
+            <a:r>
+              <a:rPr lang="en-US" sz="1500">
+                <a:solidFill>
+                  <a:srgbClr val="000000"/>
+                </a:solidFill>
+                <a:latin typeface="Aptos" panose="020B0004020202020204" pitchFamily="34" charset="0"/>
+              </a:rPr>
+              <a:t>.</a:t>
+            </a:r>
+            <a:endParaRPr lang="en-US" sz="1500" kern="1200" dirty="0">
+              <a:solidFill>
+                <a:srgbClr val="000000"/>
+              </a:solidFill>
+              <a:effectLst/>
+              <a:latin typeface="Aptos" panose="020B0004020202020204" pitchFamily="34" charset="0"/>
+              <a:ea typeface="+mn-ea"/>
+              <a:cs typeface="+mn-cs"/>
+            </a:endParaRPr>
+          </a:p>
+          <a:p>
+            <a:pPr marL="0" indent="0">
+              <a:spcBef>
+                <a:spcPts val="500"/>
+              </a:spcBef>
+              <a:buNone/>
+            </a:pPr>
+            <a:r>
+              <a:rPr lang="en-US" sz="1500" kern="1200" dirty="0">
+                <a:solidFill>
+                  <a:srgbClr val="000000"/>
+                </a:solidFill>
+                <a:effectLst/>
+                <a:latin typeface="Aptos" panose="020B0004020202020204" pitchFamily="34" charset="0"/>
+                <a:ea typeface="+mn-ea"/>
+                <a:cs typeface="+mn-cs"/>
+              </a:rPr>
+              <a:t>Anthony walks there and stand behind Chandru and says I will give you a last change for old times sake. Tell me where the stash is, and I will give you back the money. Chandru says what good is the money if I cannot go out? Anthony calls everyone and makes a statement. He says so the great Mr. Chandru is broke. So, can you all guess who the new the boss of the prison is? People chant Anthony. Anthony says you all are wrong. The new boss of this prison is Manu.</a:t>
             </a:r>
             <a:endParaRPr lang="en-US" sz="1500" dirty="0"/>
           </a:p>

--- a/THE_A_Ideas/Innocent Gems/Innocent Gems - Flows.pptx
+++ b/THE_A_Ideas/Innocent Gems/Innocent Gems - Flows.pptx
@@ -5,7 +5,7 @@
     <p:sldMasterId id="2147483684" r:id="rId1"/>
   </p:sldMasterIdLst>
   <p:notesMasterIdLst>
-    <p:notesMasterId r:id="rId21"/>
+    <p:notesMasterId r:id="rId22"/>
   </p:notesMasterIdLst>
   <p:sldIdLst>
     <p:sldId id="257" r:id="rId2"/>
@@ -15,18 +15,19 @@
     <p:sldId id="277" r:id="rId6"/>
     <p:sldId id="278" r:id="rId7"/>
     <p:sldId id="279" r:id="rId8"/>
-    <p:sldId id="276" r:id="rId9"/>
-    <p:sldId id="256" r:id="rId10"/>
-    <p:sldId id="265" r:id="rId11"/>
-    <p:sldId id="267" r:id="rId12"/>
-    <p:sldId id="263" r:id="rId13"/>
-    <p:sldId id="261" r:id="rId14"/>
-    <p:sldId id="266" r:id="rId15"/>
-    <p:sldId id="259" r:id="rId16"/>
-    <p:sldId id="260" r:id="rId17"/>
-    <p:sldId id="268" r:id="rId18"/>
-    <p:sldId id="270" r:id="rId19"/>
-    <p:sldId id="271" r:id="rId20"/>
+    <p:sldId id="281" r:id="rId9"/>
+    <p:sldId id="276" r:id="rId10"/>
+    <p:sldId id="256" r:id="rId11"/>
+    <p:sldId id="265" r:id="rId12"/>
+    <p:sldId id="267" r:id="rId13"/>
+    <p:sldId id="263" r:id="rId14"/>
+    <p:sldId id="261" r:id="rId15"/>
+    <p:sldId id="266" r:id="rId16"/>
+    <p:sldId id="259" r:id="rId17"/>
+    <p:sldId id="260" r:id="rId18"/>
+    <p:sldId id="268" r:id="rId19"/>
+    <p:sldId id="270" r:id="rId20"/>
+    <p:sldId id="271" r:id="rId21"/>
   </p:sldIdLst>
   <p:sldSz cx="12599988" cy="7199313"/>
   <p:notesSz cx="6858000" cy="9144000"/>
@@ -215,7 +216,7 @@
           <a:p>
             <a:fld id="{E46DFF9B-7890-4956-96F0-AFF859094789}" type="datetimeFigureOut">
               <a:rPr lang="en-US" smtClean="0"/>
-              <a:t>1/25/2025</a:t>
+              <a:t>2/1/2025</a:t>
             </a:fld>
             <a:endParaRPr lang="en-US"/>
           </a:p>
@@ -552,7 +553,7 @@
           <a:p>
             <a:fld id="{14086541-2B8E-4293-9530-28B3B0F32C9F}" type="slidenum">
               <a:rPr lang="en-US" smtClean="0"/>
-              <a:t>10</a:t>
+              <a:t>11</a:t>
             </a:fld>
             <a:endParaRPr lang="en-US"/>
           </a:p>
@@ -702,7 +703,7 @@
           <a:p>
             <a:fld id="{AA3BECB3-B129-4032-B16C-54274E3F2ECB}" type="datetimeFigureOut">
               <a:rPr lang="en-US" smtClean="0"/>
-              <a:t>1/25/2025</a:t>
+              <a:t>2/1/2025</a:t>
             </a:fld>
             <a:endParaRPr lang="en-US"/>
           </a:p>
@@ -872,7 +873,7 @@
           <a:p>
             <a:fld id="{AA3BECB3-B129-4032-B16C-54274E3F2ECB}" type="datetimeFigureOut">
               <a:rPr lang="en-US" smtClean="0"/>
-              <a:t>1/25/2025</a:t>
+              <a:t>2/1/2025</a:t>
             </a:fld>
             <a:endParaRPr lang="en-US"/>
           </a:p>
@@ -1052,7 +1053,7 @@
           <a:p>
             <a:fld id="{AA3BECB3-B129-4032-B16C-54274E3F2ECB}" type="datetimeFigureOut">
               <a:rPr lang="en-US" smtClean="0"/>
-              <a:t>1/25/2025</a:t>
+              <a:t>2/1/2025</a:t>
             </a:fld>
             <a:endParaRPr lang="en-US"/>
           </a:p>
@@ -1222,7 +1223,7 @@
           <a:p>
             <a:fld id="{AA3BECB3-B129-4032-B16C-54274E3F2ECB}" type="datetimeFigureOut">
               <a:rPr lang="en-US" smtClean="0"/>
-              <a:t>1/25/2025</a:t>
+              <a:t>2/1/2025</a:t>
             </a:fld>
             <a:endParaRPr lang="en-US"/>
           </a:p>
@@ -1468,7 +1469,7 @@
           <a:p>
             <a:fld id="{AA3BECB3-B129-4032-B16C-54274E3F2ECB}" type="datetimeFigureOut">
               <a:rPr lang="en-US" smtClean="0"/>
-              <a:t>1/25/2025</a:t>
+              <a:t>2/1/2025</a:t>
             </a:fld>
             <a:endParaRPr lang="en-US"/>
           </a:p>
@@ -1700,7 +1701,7 @@
           <a:p>
             <a:fld id="{AA3BECB3-B129-4032-B16C-54274E3F2ECB}" type="datetimeFigureOut">
               <a:rPr lang="en-US" smtClean="0"/>
-              <a:t>1/25/2025</a:t>
+              <a:t>2/1/2025</a:t>
             </a:fld>
             <a:endParaRPr lang="en-US"/>
           </a:p>
@@ -2067,7 +2068,7 @@
           <a:p>
             <a:fld id="{AA3BECB3-B129-4032-B16C-54274E3F2ECB}" type="datetimeFigureOut">
               <a:rPr lang="en-US" smtClean="0"/>
-              <a:t>1/25/2025</a:t>
+              <a:t>2/1/2025</a:t>
             </a:fld>
             <a:endParaRPr lang="en-US"/>
           </a:p>
@@ -2185,7 +2186,7 @@
           <a:p>
             <a:fld id="{AA3BECB3-B129-4032-B16C-54274E3F2ECB}" type="datetimeFigureOut">
               <a:rPr lang="en-US" smtClean="0"/>
-              <a:t>1/25/2025</a:t>
+              <a:t>2/1/2025</a:t>
             </a:fld>
             <a:endParaRPr lang="en-US"/>
           </a:p>
@@ -2280,7 +2281,7 @@
           <a:p>
             <a:fld id="{AA3BECB3-B129-4032-B16C-54274E3F2ECB}" type="datetimeFigureOut">
               <a:rPr lang="en-US" smtClean="0"/>
-              <a:t>1/25/2025</a:t>
+              <a:t>2/1/2025</a:t>
             </a:fld>
             <a:endParaRPr lang="en-US"/>
           </a:p>
@@ -2557,7 +2558,7 @@
           <a:p>
             <a:fld id="{AA3BECB3-B129-4032-B16C-54274E3F2ECB}" type="datetimeFigureOut">
               <a:rPr lang="en-US" smtClean="0"/>
-              <a:t>1/25/2025</a:t>
+              <a:t>2/1/2025</a:t>
             </a:fld>
             <a:endParaRPr lang="en-US"/>
           </a:p>
@@ -2814,7 +2815,7 @@
           <a:p>
             <a:fld id="{AA3BECB3-B129-4032-B16C-54274E3F2ECB}" type="datetimeFigureOut">
               <a:rPr lang="en-US" smtClean="0"/>
-              <a:t>1/25/2025</a:t>
+              <a:t>2/1/2025</a:t>
             </a:fld>
             <a:endParaRPr lang="en-US"/>
           </a:p>
@@ -3027,7 +3028,7 @@
           <a:p>
             <a:fld id="{AA3BECB3-B129-4032-B16C-54274E3F2ECB}" type="datetimeFigureOut">
               <a:rPr lang="en-US" smtClean="0"/>
-              <a:t>1/25/2025</a:t>
+              <a:t>2/1/2025</a:t>
             </a:fld>
             <a:endParaRPr lang="en-US"/>
           </a:p>
@@ -7559,6 +7560,1455 @@
 </file>
 
 <file path=ppt/slides/slide10.xml><?xml version="1.0" encoding="utf-8"?>
+<p:sld xmlns:a="http://schemas.openxmlformats.org/drawingml/2006/main" xmlns:r="http://schemas.openxmlformats.org/officeDocument/2006/relationships" xmlns:p="http://schemas.openxmlformats.org/presentationml/2006/main">
+  <p:cSld>
+    <p:spTree>
+      <p:nvGrpSpPr>
+        <p:cNvPr id="1" name=""/>
+        <p:cNvGrpSpPr/>
+        <p:nvPr/>
+      </p:nvGrpSpPr>
+      <p:grpSpPr>
+        <a:xfrm>
+          <a:off x="0" y="0"/>
+          <a:ext cx="0" cy="0"/>
+          <a:chOff x="0" y="0"/>
+          <a:chExt cx="0" cy="0"/>
+        </a:xfrm>
+      </p:grpSpPr>
+      <p:sp>
+        <p:nvSpPr>
+          <p:cNvPr id="4" name="Oval 3">
+            <a:extLst>
+              <a:ext uri="{FF2B5EF4-FFF2-40B4-BE49-F238E27FC236}">
+                <a16:creationId xmlns:a16="http://schemas.microsoft.com/office/drawing/2014/main" id="{254C132E-C8BB-91B1-CDAE-E1A53BD3287C}"/>
+              </a:ext>
+            </a:extLst>
+          </p:cNvPr>
+          <p:cNvSpPr/>
+          <p:nvPr/>
+        </p:nvSpPr>
+        <p:spPr>
+          <a:xfrm>
+            <a:off x="2664759" y="993815"/>
+            <a:ext cx="1554480" cy="1051560"/>
+          </a:xfrm>
+          <a:prstGeom prst="ellipse">
+            <a:avLst/>
+          </a:prstGeom>
+        </p:spPr>
+        <p:style>
+          <a:lnRef idx="2">
+            <a:schemeClr val="accent1">
+              <a:shade val="15000"/>
+            </a:schemeClr>
+          </a:lnRef>
+          <a:fillRef idx="1">
+            <a:schemeClr val="accent1"/>
+          </a:fillRef>
+          <a:effectRef idx="0">
+            <a:schemeClr val="accent1"/>
+          </a:effectRef>
+          <a:fontRef idx="minor">
+            <a:schemeClr val="lt1"/>
+          </a:fontRef>
+        </p:style>
+        <p:txBody>
+          <a:bodyPr rtlCol="0" anchor="ctr"/>
+          <a:lstStyle/>
+          <a:p>
+            <a:pPr algn="ctr"/>
+            <a:r>
+              <a:rPr lang="en-US" dirty="0"/>
+              <a:t>CID</a:t>
+            </a:r>
+          </a:p>
+        </p:txBody>
+      </p:sp>
+      <p:sp>
+        <p:nvSpPr>
+          <p:cNvPr id="5" name="Oval 4">
+            <a:extLst>
+              <a:ext uri="{FF2B5EF4-FFF2-40B4-BE49-F238E27FC236}">
+                <a16:creationId xmlns:a16="http://schemas.microsoft.com/office/drawing/2014/main" id="{518B5137-E940-9B6D-96EB-FA7F092F9BE5}"/>
+              </a:ext>
+            </a:extLst>
+          </p:cNvPr>
+          <p:cNvSpPr/>
+          <p:nvPr/>
+        </p:nvSpPr>
+        <p:spPr>
+          <a:xfrm>
+            <a:off x="5677705" y="993815"/>
+            <a:ext cx="1554480" cy="1051560"/>
+          </a:xfrm>
+          <a:prstGeom prst="ellipse">
+            <a:avLst/>
+          </a:prstGeom>
+        </p:spPr>
+        <p:style>
+          <a:lnRef idx="2">
+            <a:schemeClr val="accent1">
+              <a:shade val="15000"/>
+            </a:schemeClr>
+          </a:lnRef>
+          <a:fillRef idx="1">
+            <a:schemeClr val="accent1"/>
+          </a:fillRef>
+          <a:effectRef idx="0">
+            <a:schemeClr val="accent1"/>
+          </a:effectRef>
+          <a:fontRef idx="minor">
+            <a:schemeClr val="lt1"/>
+          </a:fontRef>
+        </p:style>
+        <p:txBody>
+          <a:bodyPr rtlCol="0" anchor="ctr"/>
+          <a:lstStyle/>
+          <a:p>
+            <a:pPr algn="ctr"/>
+            <a:r>
+              <a:rPr lang="en-US" dirty="0"/>
+              <a:t>CBI</a:t>
+            </a:r>
+          </a:p>
+        </p:txBody>
+      </p:sp>
+      <p:sp>
+        <p:nvSpPr>
+          <p:cNvPr id="6" name="Oval 5">
+            <a:extLst>
+              <a:ext uri="{FF2B5EF4-FFF2-40B4-BE49-F238E27FC236}">
+                <a16:creationId xmlns:a16="http://schemas.microsoft.com/office/drawing/2014/main" id="{F36642AF-F7D3-C974-2DF3-74BBA50A015E}"/>
+              </a:ext>
+            </a:extLst>
+          </p:cNvPr>
+          <p:cNvSpPr/>
+          <p:nvPr/>
+        </p:nvSpPr>
+        <p:spPr>
+          <a:xfrm>
+            <a:off x="8539776" y="993815"/>
+            <a:ext cx="1554480" cy="1051560"/>
+          </a:xfrm>
+          <a:prstGeom prst="ellipse">
+            <a:avLst/>
+          </a:prstGeom>
+        </p:spPr>
+        <p:style>
+          <a:lnRef idx="2">
+            <a:schemeClr val="accent1">
+              <a:shade val="15000"/>
+            </a:schemeClr>
+          </a:lnRef>
+          <a:fillRef idx="1">
+            <a:schemeClr val="accent1"/>
+          </a:fillRef>
+          <a:effectRef idx="0">
+            <a:schemeClr val="accent1"/>
+          </a:effectRef>
+          <a:fontRef idx="minor">
+            <a:schemeClr val="lt1"/>
+          </a:fontRef>
+        </p:style>
+        <p:txBody>
+          <a:bodyPr rtlCol="0" anchor="ctr"/>
+          <a:lstStyle/>
+          <a:p>
+            <a:pPr algn="ctr"/>
+            <a:r>
+              <a:rPr lang="en-US" dirty="0"/>
+              <a:t>NCB</a:t>
+            </a:r>
+          </a:p>
+        </p:txBody>
+      </p:sp>
+      <p:sp>
+        <p:nvSpPr>
+          <p:cNvPr id="7" name="Oval 6">
+            <a:extLst>
+              <a:ext uri="{FF2B5EF4-FFF2-40B4-BE49-F238E27FC236}">
+                <a16:creationId xmlns:a16="http://schemas.microsoft.com/office/drawing/2014/main" id="{8E17ACD6-C643-6529-CAC0-2460E3A891FB}"/>
+              </a:ext>
+            </a:extLst>
+          </p:cNvPr>
+          <p:cNvSpPr/>
+          <p:nvPr/>
+        </p:nvSpPr>
+        <p:spPr>
+          <a:xfrm>
+            <a:off x="488487" y="993815"/>
+            <a:ext cx="1554480" cy="1051560"/>
+          </a:xfrm>
+          <a:prstGeom prst="ellipse">
+            <a:avLst/>
+          </a:prstGeom>
+        </p:spPr>
+        <p:style>
+          <a:lnRef idx="2">
+            <a:schemeClr val="accent1">
+              <a:shade val="15000"/>
+            </a:schemeClr>
+          </a:lnRef>
+          <a:fillRef idx="1">
+            <a:schemeClr val="accent1"/>
+          </a:fillRef>
+          <a:effectRef idx="0">
+            <a:schemeClr val="accent1"/>
+          </a:effectRef>
+          <a:fontRef idx="minor">
+            <a:schemeClr val="lt1"/>
+          </a:fontRef>
+        </p:style>
+        <p:txBody>
+          <a:bodyPr rtlCol="0" anchor="ctr"/>
+          <a:lstStyle/>
+          <a:p>
+            <a:pPr algn="ctr"/>
+            <a:r>
+              <a:rPr lang="en-US" dirty="0"/>
+              <a:t>Police</a:t>
+            </a:r>
+          </a:p>
+        </p:txBody>
+      </p:sp>
+      <p:sp>
+        <p:nvSpPr>
+          <p:cNvPr id="8" name="Rectangle 7">
+            <a:extLst>
+              <a:ext uri="{FF2B5EF4-FFF2-40B4-BE49-F238E27FC236}">
+                <a16:creationId xmlns:a16="http://schemas.microsoft.com/office/drawing/2014/main" id="{849B3CB8-5FEE-7B33-D3FC-D266514E200B}"/>
+              </a:ext>
+            </a:extLst>
+          </p:cNvPr>
+          <p:cNvSpPr/>
+          <p:nvPr/>
+        </p:nvSpPr>
+        <p:spPr>
+          <a:xfrm>
+            <a:off x="488487" y="2744891"/>
+            <a:ext cx="1554480" cy="813816"/>
+          </a:xfrm>
+          <a:prstGeom prst="rect">
+            <a:avLst/>
+          </a:prstGeom>
+          <a:ln>
+            <a:solidFill>
+              <a:schemeClr val="tx1"/>
+            </a:solidFill>
+          </a:ln>
+        </p:spPr>
+        <p:style>
+          <a:lnRef idx="1">
+            <a:schemeClr val="accent6"/>
+          </a:lnRef>
+          <a:fillRef idx="3">
+            <a:schemeClr val="accent6"/>
+          </a:fillRef>
+          <a:effectRef idx="2">
+            <a:schemeClr val="accent6"/>
+          </a:effectRef>
+          <a:fontRef idx="minor">
+            <a:schemeClr val="lt1"/>
+          </a:fontRef>
+        </p:style>
+        <p:txBody>
+          <a:bodyPr rtlCol="0" anchor="ctr"/>
+          <a:lstStyle/>
+          <a:p>
+            <a:pPr algn="ctr"/>
+            <a:r>
+              <a:rPr lang="en-US" dirty="0"/>
+              <a:t>Stolen Purse of Aisha</a:t>
+            </a:r>
+          </a:p>
+        </p:txBody>
+      </p:sp>
+      <p:sp>
+        <p:nvSpPr>
+          <p:cNvPr id="9" name="Rectangle 8">
+            <a:extLst>
+              <a:ext uri="{FF2B5EF4-FFF2-40B4-BE49-F238E27FC236}">
+                <a16:creationId xmlns:a16="http://schemas.microsoft.com/office/drawing/2014/main" id="{B84818A6-0331-84C2-9BAA-2B69A745AE3F}"/>
+              </a:ext>
+            </a:extLst>
+          </p:cNvPr>
+          <p:cNvSpPr/>
+          <p:nvPr/>
+        </p:nvSpPr>
+        <p:spPr>
+          <a:xfrm>
+            <a:off x="2661710" y="2753196"/>
+            <a:ext cx="1554480" cy="813816"/>
+          </a:xfrm>
+          <a:prstGeom prst="rect">
+            <a:avLst/>
+          </a:prstGeom>
+          <a:ln>
+            <a:solidFill>
+              <a:schemeClr val="tx1"/>
+            </a:solidFill>
+          </a:ln>
+        </p:spPr>
+        <p:style>
+          <a:lnRef idx="1">
+            <a:schemeClr val="accent6"/>
+          </a:lnRef>
+          <a:fillRef idx="3">
+            <a:schemeClr val="accent6"/>
+          </a:fillRef>
+          <a:effectRef idx="2">
+            <a:schemeClr val="accent6"/>
+          </a:effectRef>
+          <a:fontRef idx="minor">
+            <a:schemeClr val="lt1"/>
+          </a:fontRef>
+        </p:style>
+        <p:txBody>
+          <a:bodyPr rtlCol="0" anchor="ctr"/>
+          <a:lstStyle/>
+          <a:p>
+            <a:pPr algn="ctr"/>
+            <a:r>
+              <a:rPr lang="en-US" dirty="0"/>
+              <a:t>Murder of Aisha</a:t>
+            </a:r>
+          </a:p>
+        </p:txBody>
+      </p:sp>
+      <p:sp>
+        <p:nvSpPr>
+          <p:cNvPr id="10" name="Rectangle 9">
+            <a:extLst>
+              <a:ext uri="{FF2B5EF4-FFF2-40B4-BE49-F238E27FC236}">
+                <a16:creationId xmlns:a16="http://schemas.microsoft.com/office/drawing/2014/main" id="{208933A3-1272-3850-F136-7AE70417A56A}"/>
+              </a:ext>
+            </a:extLst>
+          </p:cNvPr>
+          <p:cNvSpPr/>
+          <p:nvPr/>
+        </p:nvSpPr>
+        <p:spPr>
+          <a:xfrm>
+            <a:off x="4559851" y="2744891"/>
+            <a:ext cx="1554480" cy="813816"/>
+          </a:xfrm>
+          <a:prstGeom prst="rect">
+            <a:avLst/>
+          </a:prstGeom>
+          <a:ln>
+            <a:solidFill>
+              <a:schemeClr val="tx1"/>
+            </a:solidFill>
+          </a:ln>
+        </p:spPr>
+        <p:style>
+          <a:lnRef idx="1">
+            <a:schemeClr val="accent6"/>
+          </a:lnRef>
+          <a:fillRef idx="3">
+            <a:schemeClr val="accent6"/>
+          </a:fillRef>
+          <a:effectRef idx="2">
+            <a:schemeClr val="accent6"/>
+          </a:effectRef>
+          <a:fontRef idx="minor">
+            <a:schemeClr val="lt1"/>
+          </a:fontRef>
+        </p:style>
+        <p:txBody>
+          <a:bodyPr rtlCol="0" anchor="ctr"/>
+          <a:lstStyle/>
+          <a:p>
+            <a:r>
+              <a:rPr lang="en-US" dirty="0"/>
+              <a:t>Air -Smuggling of Diamonds</a:t>
+            </a:r>
+          </a:p>
+        </p:txBody>
+      </p:sp>
+      <p:sp>
+        <p:nvSpPr>
+          <p:cNvPr id="11" name="Rectangle 10">
+            <a:extLst>
+              <a:ext uri="{FF2B5EF4-FFF2-40B4-BE49-F238E27FC236}">
+                <a16:creationId xmlns:a16="http://schemas.microsoft.com/office/drawing/2014/main" id="{A672170C-6C79-4950-345C-F15EAED9C3A6}"/>
+              </a:ext>
+            </a:extLst>
+          </p:cNvPr>
+          <p:cNvSpPr/>
+          <p:nvPr/>
+        </p:nvSpPr>
+        <p:spPr>
+          <a:xfrm>
+            <a:off x="8539776" y="2744891"/>
+            <a:ext cx="1554480" cy="813816"/>
+          </a:xfrm>
+          <a:prstGeom prst="rect">
+            <a:avLst/>
+          </a:prstGeom>
+          <a:ln>
+            <a:solidFill>
+              <a:schemeClr val="tx1"/>
+            </a:solidFill>
+          </a:ln>
+        </p:spPr>
+        <p:style>
+          <a:lnRef idx="1">
+            <a:schemeClr val="accent6"/>
+          </a:lnRef>
+          <a:fillRef idx="3">
+            <a:schemeClr val="accent6"/>
+          </a:fillRef>
+          <a:effectRef idx="2">
+            <a:schemeClr val="accent6"/>
+          </a:effectRef>
+          <a:fontRef idx="minor">
+            <a:schemeClr val="lt1"/>
+          </a:fontRef>
+        </p:style>
+        <p:txBody>
+          <a:bodyPr rtlCol="0" anchor="ctr"/>
+          <a:lstStyle/>
+          <a:p>
+            <a:pPr algn="ctr"/>
+            <a:r>
+              <a:rPr lang="en-US" dirty="0"/>
+              <a:t>Dealing of drugs</a:t>
+            </a:r>
+          </a:p>
+        </p:txBody>
+      </p:sp>
+      <p:cxnSp>
+        <p:nvCxnSpPr>
+          <p:cNvPr id="13" name="Straight Arrow Connector 12">
+            <a:extLst>
+              <a:ext uri="{FF2B5EF4-FFF2-40B4-BE49-F238E27FC236}">
+                <a16:creationId xmlns:a16="http://schemas.microsoft.com/office/drawing/2014/main" id="{4C9B2BDF-2504-EADF-9921-63478803D007}"/>
+              </a:ext>
+            </a:extLst>
+          </p:cNvPr>
+          <p:cNvCxnSpPr>
+            <a:stCxn id="7" idx="4"/>
+            <a:endCxn id="8" idx="0"/>
+          </p:cNvCxnSpPr>
+          <p:nvPr/>
+        </p:nvCxnSpPr>
+        <p:spPr>
+          <a:xfrm>
+            <a:off x="1265727" y="2045375"/>
+            <a:ext cx="0" cy="699516"/>
+          </a:xfrm>
+          <a:prstGeom prst="straightConnector1">
+            <a:avLst/>
+          </a:prstGeom>
+          <a:ln>
+            <a:tailEnd type="triangle"/>
+          </a:ln>
+        </p:spPr>
+        <p:style>
+          <a:lnRef idx="2">
+            <a:schemeClr val="accent1"/>
+          </a:lnRef>
+          <a:fillRef idx="0">
+            <a:schemeClr val="accent1"/>
+          </a:fillRef>
+          <a:effectRef idx="1">
+            <a:schemeClr val="accent1"/>
+          </a:effectRef>
+          <a:fontRef idx="minor">
+            <a:schemeClr val="tx1"/>
+          </a:fontRef>
+        </p:style>
+      </p:cxnSp>
+      <p:cxnSp>
+        <p:nvCxnSpPr>
+          <p:cNvPr id="15" name="Straight Arrow Connector 14">
+            <a:extLst>
+              <a:ext uri="{FF2B5EF4-FFF2-40B4-BE49-F238E27FC236}">
+                <a16:creationId xmlns:a16="http://schemas.microsoft.com/office/drawing/2014/main" id="{46E796C2-B341-6CC4-4604-9567B88F0558}"/>
+              </a:ext>
+            </a:extLst>
+          </p:cNvPr>
+          <p:cNvCxnSpPr>
+            <a:cxnSpLocks/>
+            <a:stCxn id="4" idx="4"/>
+            <a:endCxn id="9" idx="0"/>
+          </p:cNvCxnSpPr>
+          <p:nvPr/>
+        </p:nvCxnSpPr>
+        <p:spPr>
+          <a:xfrm flipH="1">
+            <a:off x="3438951" y="2045376"/>
+            <a:ext cx="3049" cy="707821"/>
+          </a:xfrm>
+          <a:prstGeom prst="straightConnector1">
+            <a:avLst/>
+          </a:prstGeom>
+          <a:ln>
+            <a:tailEnd type="triangle"/>
+          </a:ln>
+        </p:spPr>
+        <p:style>
+          <a:lnRef idx="2">
+            <a:schemeClr val="accent1"/>
+          </a:lnRef>
+          <a:fillRef idx="0">
+            <a:schemeClr val="accent1"/>
+          </a:fillRef>
+          <a:effectRef idx="1">
+            <a:schemeClr val="accent1"/>
+          </a:effectRef>
+          <a:fontRef idx="minor">
+            <a:schemeClr val="tx1"/>
+          </a:fontRef>
+        </p:style>
+      </p:cxnSp>
+      <p:cxnSp>
+        <p:nvCxnSpPr>
+          <p:cNvPr id="21" name="Straight Arrow Connector 20">
+            <a:extLst>
+              <a:ext uri="{FF2B5EF4-FFF2-40B4-BE49-F238E27FC236}">
+                <a16:creationId xmlns:a16="http://schemas.microsoft.com/office/drawing/2014/main" id="{15F92F6A-462B-E53E-F516-054C28E4F70A}"/>
+              </a:ext>
+            </a:extLst>
+          </p:cNvPr>
+          <p:cNvCxnSpPr>
+            <a:cxnSpLocks/>
+            <a:stCxn id="6" idx="4"/>
+            <a:endCxn id="11" idx="0"/>
+          </p:cNvCxnSpPr>
+          <p:nvPr/>
+        </p:nvCxnSpPr>
+        <p:spPr>
+          <a:xfrm>
+            <a:off x="9317016" y="2045375"/>
+            <a:ext cx="0" cy="699516"/>
+          </a:xfrm>
+          <a:prstGeom prst="straightConnector1">
+            <a:avLst/>
+          </a:prstGeom>
+          <a:ln>
+            <a:tailEnd type="triangle"/>
+          </a:ln>
+        </p:spPr>
+        <p:style>
+          <a:lnRef idx="2">
+            <a:schemeClr val="accent1"/>
+          </a:lnRef>
+          <a:fillRef idx="0">
+            <a:schemeClr val="accent1"/>
+          </a:fillRef>
+          <a:effectRef idx="1">
+            <a:schemeClr val="accent1"/>
+          </a:effectRef>
+          <a:fontRef idx="minor">
+            <a:schemeClr val="tx1"/>
+          </a:fontRef>
+        </p:style>
+      </p:cxnSp>
+      <p:sp>
+        <p:nvSpPr>
+          <p:cNvPr id="25" name="Oval 24">
+            <a:extLst>
+              <a:ext uri="{FF2B5EF4-FFF2-40B4-BE49-F238E27FC236}">
+                <a16:creationId xmlns:a16="http://schemas.microsoft.com/office/drawing/2014/main" id="{B19A5E43-9112-5B74-5161-6F32C99E7747}"/>
+              </a:ext>
+            </a:extLst>
+          </p:cNvPr>
+          <p:cNvSpPr/>
+          <p:nvPr/>
+        </p:nvSpPr>
+        <p:spPr>
+          <a:xfrm>
+            <a:off x="10621560" y="993815"/>
+            <a:ext cx="1554480" cy="1051560"/>
+          </a:xfrm>
+          <a:prstGeom prst="ellipse">
+            <a:avLst/>
+          </a:prstGeom>
+        </p:spPr>
+        <p:style>
+          <a:lnRef idx="2">
+            <a:schemeClr val="accent1">
+              <a:shade val="15000"/>
+            </a:schemeClr>
+          </a:lnRef>
+          <a:fillRef idx="1">
+            <a:schemeClr val="accent1"/>
+          </a:fillRef>
+          <a:effectRef idx="0">
+            <a:schemeClr val="accent1"/>
+          </a:effectRef>
+          <a:fontRef idx="minor">
+            <a:schemeClr val="lt1"/>
+          </a:fontRef>
+        </p:style>
+        <p:txBody>
+          <a:bodyPr rtlCol="0" anchor="ctr"/>
+          <a:lstStyle/>
+          <a:p>
+            <a:pPr algn="ctr"/>
+            <a:r>
+              <a:rPr lang="en-US" dirty="0"/>
+              <a:t>NIA</a:t>
+            </a:r>
+          </a:p>
+        </p:txBody>
+      </p:sp>
+      <p:sp>
+        <p:nvSpPr>
+          <p:cNvPr id="26" name="Rectangle 25">
+            <a:extLst>
+              <a:ext uri="{FF2B5EF4-FFF2-40B4-BE49-F238E27FC236}">
+                <a16:creationId xmlns:a16="http://schemas.microsoft.com/office/drawing/2014/main" id="{1C7CB081-AFAE-56C2-ECFF-839051387440}"/>
+              </a:ext>
+            </a:extLst>
+          </p:cNvPr>
+          <p:cNvSpPr/>
+          <p:nvPr/>
+        </p:nvSpPr>
+        <p:spPr>
+          <a:xfrm>
+            <a:off x="10621560" y="2744891"/>
+            <a:ext cx="1554480" cy="813816"/>
+          </a:xfrm>
+          <a:prstGeom prst="rect">
+            <a:avLst/>
+          </a:prstGeom>
+          <a:ln>
+            <a:solidFill>
+              <a:schemeClr val="tx1"/>
+            </a:solidFill>
+          </a:ln>
+        </p:spPr>
+        <p:style>
+          <a:lnRef idx="1">
+            <a:schemeClr val="accent6"/>
+          </a:lnRef>
+          <a:fillRef idx="3">
+            <a:schemeClr val="accent6"/>
+          </a:fillRef>
+          <a:effectRef idx="2">
+            <a:schemeClr val="accent6"/>
+          </a:effectRef>
+          <a:fontRef idx="minor">
+            <a:schemeClr val="lt1"/>
+          </a:fontRef>
+        </p:style>
+        <p:txBody>
+          <a:bodyPr rtlCol="0" anchor="ctr"/>
+          <a:lstStyle/>
+          <a:p>
+            <a:pPr algn="ctr"/>
+            <a:r>
+              <a:rPr lang="en-US" dirty="0">
+                <a:solidFill>
+                  <a:srgbClr val="EEF0FF"/>
+                </a:solidFill>
+                <a:latin typeface="Google Sans"/>
+              </a:rPr>
+              <a:t>Counterfeiting</a:t>
+            </a:r>
+            <a:endParaRPr lang="en-US" dirty="0"/>
+          </a:p>
+        </p:txBody>
+      </p:sp>
+      <p:cxnSp>
+        <p:nvCxnSpPr>
+          <p:cNvPr id="27" name="Straight Arrow Connector 26">
+            <a:extLst>
+              <a:ext uri="{FF2B5EF4-FFF2-40B4-BE49-F238E27FC236}">
+                <a16:creationId xmlns:a16="http://schemas.microsoft.com/office/drawing/2014/main" id="{B20AD798-DEB3-26CB-8D70-7F4B3274C065}"/>
+              </a:ext>
+            </a:extLst>
+          </p:cNvPr>
+          <p:cNvCxnSpPr>
+            <a:cxnSpLocks/>
+            <a:stCxn id="25" idx="4"/>
+            <a:endCxn id="26" idx="0"/>
+          </p:cNvCxnSpPr>
+          <p:nvPr/>
+        </p:nvCxnSpPr>
+        <p:spPr>
+          <a:xfrm>
+            <a:off x="11398800" y="2045375"/>
+            <a:ext cx="0" cy="699516"/>
+          </a:xfrm>
+          <a:prstGeom prst="straightConnector1">
+            <a:avLst/>
+          </a:prstGeom>
+          <a:ln>
+            <a:tailEnd type="triangle"/>
+          </a:ln>
+        </p:spPr>
+        <p:style>
+          <a:lnRef idx="2">
+            <a:schemeClr val="accent1"/>
+          </a:lnRef>
+          <a:fillRef idx="0">
+            <a:schemeClr val="accent1"/>
+          </a:fillRef>
+          <a:effectRef idx="1">
+            <a:schemeClr val="accent1"/>
+          </a:effectRef>
+          <a:fontRef idx="minor">
+            <a:schemeClr val="tx1"/>
+          </a:fontRef>
+        </p:style>
+      </p:cxnSp>
+      <p:sp>
+        <p:nvSpPr>
+          <p:cNvPr id="3" name="Rectangle 2">
+            <a:extLst>
+              <a:ext uri="{FF2B5EF4-FFF2-40B4-BE49-F238E27FC236}">
+                <a16:creationId xmlns:a16="http://schemas.microsoft.com/office/drawing/2014/main" id="{355F94F7-5F22-D568-DE77-CC55D7F711C4}"/>
+              </a:ext>
+            </a:extLst>
+          </p:cNvPr>
+          <p:cNvSpPr/>
+          <p:nvPr/>
+        </p:nvSpPr>
+        <p:spPr>
+          <a:xfrm>
+            <a:off x="6641635" y="2744891"/>
+            <a:ext cx="1554480" cy="813816"/>
+          </a:xfrm>
+          <a:prstGeom prst="rect">
+            <a:avLst/>
+          </a:prstGeom>
+          <a:ln>
+            <a:solidFill>
+              <a:schemeClr val="tx1"/>
+            </a:solidFill>
+          </a:ln>
+        </p:spPr>
+        <p:style>
+          <a:lnRef idx="1">
+            <a:schemeClr val="accent6"/>
+          </a:lnRef>
+          <a:fillRef idx="3">
+            <a:schemeClr val="accent6"/>
+          </a:fillRef>
+          <a:effectRef idx="2">
+            <a:schemeClr val="accent6"/>
+          </a:effectRef>
+          <a:fontRef idx="minor">
+            <a:schemeClr val="lt1"/>
+          </a:fontRef>
+        </p:style>
+        <p:txBody>
+          <a:bodyPr rtlCol="0" anchor="ctr"/>
+          <a:lstStyle/>
+          <a:p>
+            <a:r>
+              <a:rPr lang="en-US" dirty="0"/>
+              <a:t>Water -Smuggling of Guns</a:t>
+            </a:r>
+          </a:p>
+        </p:txBody>
+      </p:sp>
+      <p:cxnSp>
+        <p:nvCxnSpPr>
+          <p:cNvPr id="14" name="Connector: Elbow 13">
+            <a:extLst>
+              <a:ext uri="{FF2B5EF4-FFF2-40B4-BE49-F238E27FC236}">
+                <a16:creationId xmlns:a16="http://schemas.microsoft.com/office/drawing/2014/main" id="{FF3A5C9C-AD52-228D-1BEB-4849F38B7836}"/>
+              </a:ext>
+            </a:extLst>
+          </p:cNvPr>
+          <p:cNvCxnSpPr>
+            <a:stCxn id="5" idx="4"/>
+            <a:endCxn id="10" idx="0"/>
+          </p:cNvCxnSpPr>
+          <p:nvPr/>
+        </p:nvCxnSpPr>
+        <p:spPr>
+          <a:xfrm rot="5400000">
+            <a:off x="5546260" y="1836206"/>
+            <a:ext cx="699516" cy="1117854"/>
+          </a:xfrm>
+          <a:prstGeom prst="bentConnector3">
+            <a:avLst/>
+          </a:prstGeom>
+          <a:ln>
+            <a:tailEnd type="triangle"/>
+          </a:ln>
+        </p:spPr>
+        <p:style>
+          <a:lnRef idx="2">
+            <a:schemeClr val="accent1"/>
+          </a:lnRef>
+          <a:fillRef idx="0">
+            <a:schemeClr val="accent1"/>
+          </a:fillRef>
+          <a:effectRef idx="1">
+            <a:schemeClr val="accent1"/>
+          </a:effectRef>
+          <a:fontRef idx="minor">
+            <a:schemeClr val="tx1"/>
+          </a:fontRef>
+        </p:style>
+      </p:cxnSp>
+      <p:cxnSp>
+        <p:nvCxnSpPr>
+          <p:cNvPr id="18" name="Connector: Elbow 17">
+            <a:extLst>
+              <a:ext uri="{FF2B5EF4-FFF2-40B4-BE49-F238E27FC236}">
+                <a16:creationId xmlns:a16="http://schemas.microsoft.com/office/drawing/2014/main" id="{C3464531-B8E9-A9B6-BDFA-CA192BE0D6ED}"/>
+              </a:ext>
+            </a:extLst>
+          </p:cNvPr>
+          <p:cNvCxnSpPr>
+            <a:cxnSpLocks/>
+          </p:cNvCxnSpPr>
+          <p:nvPr/>
+        </p:nvCxnSpPr>
+        <p:spPr>
+          <a:xfrm rot="16200000" flipH="1">
+            <a:off x="6580294" y="1914615"/>
+            <a:ext cx="713232" cy="963930"/>
+          </a:xfrm>
+          <a:prstGeom prst="bentConnector3">
+            <a:avLst/>
+          </a:prstGeom>
+          <a:ln>
+            <a:tailEnd type="triangle"/>
+          </a:ln>
+        </p:spPr>
+        <p:style>
+          <a:lnRef idx="2">
+            <a:schemeClr val="accent1"/>
+          </a:lnRef>
+          <a:fillRef idx="0">
+            <a:schemeClr val="accent1"/>
+          </a:fillRef>
+          <a:effectRef idx="1">
+            <a:schemeClr val="accent1"/>
+          </a:effectRef>
+          <a:fontRef idx="minor">
+            <a:schemeClr val="tx1"/>
+          </a:fontRef>
+        </p:style>
+      </p:cxnSp>
+      <p:sp>
+        <p:nvSpPr>
+          <p:cNvPr id="20" name="Rectangle 19">
+            <a:extLst>
+              <a:ext uri="{FF2B5EF4-FFF2-40B4-BE49-F238E27FC236}">
+                <a16:creationId xmlns:a16="http://schemas.microsoft.com/office/drawing/2014/main" id="{3FB95E55-988A-236A-9CEC-3D8A922A8006}"/>
+              </a:ext>
+            </a:extLst>
+          </p:cNvPr>
+          <p:cNvSpPr/>
+          <p:nvPr/>
+        </p:nvSpPr>
+        <p:spPr>
+          <a:xfrm>
+            <a:off x="488487" y="4139351"/>
+            <a:ext cx="1554480" cy="1776443"/>
+          </a:xfrm>
+          <a:prstGeom prst="rect">
+            <a:avLst/>
+          </a:prstGeom>
+          <a:ln>
+            <a:headEnd type="none" w="med" len="med"/>
+            <a:tailEnd type="none" w="med" len="med"/>
+          </a:ln>
+        </p:spPr>
+        <p:style>
+          <a:lnRef idx="2">
+            <a:schemeClr val="accent5">
+              <a:shade val="15000"/>
+            </a:schemeClr>
+          </a:lnRef>
+          <a:fillRef idx="1">
+            <a:schemeClr val="accent5"/>
+          </a:fillRef>
+          <a:effectRef idx="0">
+            <a:schemeClr val="accent5"/>
+          </a:effectRef>
+          <a:fontRef idx="minor">
+            <a:schemeClr val="lt1"/>
+          </a:fontRef>
+        </p:style>
+        <p:txBody>
+          <a:bodyPr rtlCol="0" anchor="ctr"/>
+          <a:lstStyle/>
+          <a:p>
+            <a:r>
+              <a:rPr lang="en-US" b="1" dirty="0"/>
+              <a:t>NAYAK</a:t>
+            </a:r>
+            <a:br>
+              <a:rPr lang="en-US" dirty="0"/>
+            </a:br>
+            <a:r>
+              <a:rPr lang="en-US" dirty="0" err="1"/>
+              <a:t>Ramegowda</a:t>
+            </a:r>
+            <a:br>
+              <a:rPr lang="en-US" dirty="0"/>
+            </a:br>
+            <a:endParaRPr lang="en-US" dirty="0"/>
+          </a:p>
+        </p:txBody>
+      </p:sp>
+      <p:sp>
+        <p:nvSpPr>
+          <p:cNvPr id="22" name="Rectangle 21">
+            <a:extLst>
+              <a:ext uri="{FF2B5EF4-FFF2-40B4-BE49-F238E27FC236}">
+                <a16:creationId xmlns:a16="http://schemas.microsoft.com/office/drawing/2014/main" id="{F668E165-B561-B170-5D1B-F9F8B32CC18E}"/>
+              </a:ext>
+            </a:extLst>
+          </p:cNvPr>
+          <p:cNvSpPr/>
+          <p:nvPr/>
+        </p:nvSpPr>
+        <p:spPr>
+          <a:xfrm>
+            <a:off x="2661710" y="4139351"/>
+            <a:ext cx="1554480" cy="1776443"/>
+          </a:xfrm>
+          <a:prstGeom prst="rect">
+            <a:avLst/>
+          </a:prstGeom>
+        </p:spPr>
+        <p:style>
+          <a:lnRef idx="1">
+            <a:schemeClr val="accent5"/>
+          </a:lnRef>
+          <a:fillRef idx="3">
+            <a:schemeClr val="accent5"/>
+          </a:fillRef>
+          <a:effectRef idx="2">
+            <a:schemeClr val="accent5"/>
+          </a:effectRef>
+          <a:fontRef idx="minor">
+            <a:schemeClr val="lt1"/>
+          </a:fontRef>
+        </p:style>
+        <p:txBody>
+          <a:bodyPr rtlCol="0" anchor="ctr"/>
+          <a:lstStyle/>
+          <a:p>
+            <a:r>
+              <a:rPr lang="en-US" b="1" dirty="0"/>
+              <a:t>SINDHU</a:t>
+            </a:r>
+            <a:br>
+              <a:rPr lang="en-US" dirty="0"/>
+            </a:br>
+            <a:r>
+              <a:rPr lang="en-US" dirty="0"/>
+              <a:t>Anjali</a:t>
+            </a:r>
+            <a:br>
+              <a:rPr lang="en-US" dirty="0"/>
+            </a:br>
+            <a:r>
+              <a:rPr lang="en-US" dirty="0"/>
+              <a:t>Marina</a:t>
+            </a:r>
+            <a:br>
+              <a:rPr lang="en-US" dirty="0"/>
+            </a:br>
+            <a:r>
+              <a:rPr lang="en-US" dirty="0"/>
+              <a:t>Pranav</a:t>
+            </a:r>
+            <a:br>
+              <a:rPr lang="en-US" dirty="0"/>
+            </a:br>
+            <a:r>
+              <a:rPr lang="en-US" dirty="0"/>
+              <a:t>Farhan</a:t>
+            </a:r>
+          </a:p>
+        </p:txBody>
+      </p:sp>
+      <p:sp>
+        <p:nvSpPr>
+          <p:cNvPr id="23" name="Rectangle 22">
+            <a:extLst>
+              <a:ext uri="{FF2B5EF4-FFF2-40B4-BE49-F238E27FC236}">
+                <a16:creationId xmlns:a16="http://schemas.microsoft.com/office/drawing/2014/main" id="{DD08C856-2DFB-AAA3-0E75-69CD4733C731}"/>
+              </a:ext>
+            </a:extLst>
+          </p:cNvPr>
+          <p:cNvSpPr/>
+          <p:nvPr/>
+        </p:nvSpPr>
+        <p:spPr>
+          <a:xfrm>
+            <a:off x="4559851" y="4139350"/>
+            <a:ext cx="3636264" cy="1776443"/>
+          </a:xfrm>
+          <a:prstGeom prst="rect">
+            <a:avLst/>
+          </a:prstGeom>
+        </p:spPr>
+        <p:style>
+          <a:lnRef idx="1">
+            <a:schemeClr val="accent5"/>
+          </a:lnRef>
+          <a:fillRef idx="3">
+            <a:schemeClr val="accent5"/>
+          </a:fillRef>
+          <a:effectRef idx="2">
+            <a:schemeClr val="accent5"/>
+          </a:effectRef>
+          <a:fontRef idx="minor">
+            <a:schemeClr val="lt1"/>
+          </a:fontRef>
+        </p:style>
+        <p:txBody>
+          <a:bodyPr rtlCol="0" anchor="ctr"/>
+          <a:lstStyle/>
+          <a:p>
+            <a:r>
+              <a:rPr lang="en-US" b="1" dirty="0"/>
+              <a:t>VASANTH</a:t>
+            </a:r>
+            <a:br>
+              <a:rPr lang="en-US" dirty="0"/>
+            </a:br>
+            <a:r>
+              <a:rPr lang="en-US" dirty="0"/>
+              <a:t>Rajesh		Milind</a:t>
+            </a:r>
+            <a:br>
+              <a:rPr lang="en-US" dirty="0"/>
+            </a:br>
+            <a:r>
+              <a:rPr lang="en-US" dirty="0"/>
+              <a:t>Bhavya		Latha</a:t>
+            </a:r>
+            <a:br>
+              <a:rPr lang="en-US" dirty="0"/>
+            </a:br>
+            <a:r>
+              <a:rPr lang="en-US" dirty="0"/>
+              <a:t>Uday		Harsha</a:t>
+            </a:r>
+            <a:br>
+              <a:rPr lang="en-US" dirty="0"/>
+            </a:br>
+            <a:r>
+              <a:rPr lang="en-US" dirty="0"/>
+              <a:t>Ricky		Vishal</a:t>
+            </a:r>
+          </a:p>
+        </p:txBody>
+      </p:sp>
+      <p:sp>
+        <p:nvSpPr>
+          <p:cNvPr id="24" name="Rectangle 23">
+            <a:extLst>
+              <a:ext uri="{FF2B5EF4-FFF2-40B4-BE49-F238E27FC236}">
+                <a16:creationId xmlns:a16="http://schemas.microsoft.com/office/drawing/2014/main" id="{0DA77D3D-1F36-856E-D0AC-89644BB5D8A2}"/>
+              </a:ext>
+            </a:extLst>
+          </p:cNvPr>
+          <p:cNvSpPr/>
+          <p:nvPr/>
+        </p:nvSpPr>
+        <p:spPr>
+          <a:xfrm>
+            <a:off x="8539776" y="4139351"/>
+            <a:ext cx="1554480" cy="1776443"/>
+          </a:xfrm>
+          <a:prstGeom prst="rect">
+            <a:avLst/>
+          </a:prstGeom>
+        </p:spPr>
+        <p:style>
+          <a:lnRef idx="1">
+            <a:schemeClr val="accent5"/>
+          </a:lnRef>
+          <a:fillRef idx="3">
+            <a:schemeClr val="accent5"/>
+          </a:fillRef>
+          <a:effectRef idx="2">
+            <a:schemeClr val="accent5"/>
+          </a:effectRef>
+          <a:fontRef idx="minor">
+            <a:schemeClr val="lt1"/>
+          </a:fontRef>
+        </p:style>
+        <p:txBody>
+          <a:bodyPr rtlCol="0" anchor="ctr"/>
+          <a:lstStyle/>
+          <a:p>
+            <a:r>
+              <a:rPr lang="en-US" b="1" dirty="0"/>
+              <a:t>RAGHU</a:t>
+            </a:r>
+            <a:br>
+              <a:rPr lang="en-US" dirty="0"/>
+            </a:br>
+            <a:r>
+              <a:rPr lang="en-US" dirty="0"/>
+              <a:t>Jay</a:t>
+            </a:r>
+            <a:br>
+              <a:rPr lang="en-US" dirty="0"/>
+            </a:br>
+            <a:r>
+              <a:rPr lang="en-US" dirty="0"/>
+              <a:t>Kalyan</a:t>
+            </a:r>
+            <a:br>
+              <a:rPr lang="en-US" dirty="0"/>
+            </a:br>
+            <a:r>
+              <a:rPr lang="en-US" dirty="0" err="1"/>
+              <a:t>Tejas</a:t>
+            </a:r>
+            <a:endParaRPr lang="en-US" dirty="0"/>
+          </a:p>
+        </p:txBody>
+      </p:sp>
+      <p:sp>
+        <p:nvSpPr>
+          <p:cNvPr id="28" name="Rectangle 27">
+            <a:extLst>
+              <a:ext uri="{FF2B5EF4-FFF2-40B4-BE49-F238E27FC236}">
+                <a16:creationId xmlns:a16="http://schemas.microsoft.com/office/drawing/2014/main" id="{4B0EF916-77D6-A865-4D8A-0ED667E84067}"/>
+              </a:ext>
+            </a:extLst>
+          </p:cNvPr>
+          <p:cNvSpPr/>
+          <p:nvPr/>
+        </p:nvSpPr>
+        <p:spPr>
+          <a:xfrm>
+            <a:off x="10621560" y="4139350"/>
+            <a:ext cx="1554480" cy="1776443"/>
+          </a:xfrm>
+          <a:prstGeom prst="rect">
+            <a:avLst/>
+          </a:prstGeom>
+        </p:spPr>
+        <p:style>
+          <a:lnRef idx="1">
+            <a:schemeClr val="accent5"/>
+          </a:lnRef>
+          <a:fillRef idx="3">
+            <a:schemeClr val="accent5"/>
+          </a:fillRef>
+          <a:effectRef idx="2">
+            <a:schemeClr val="accent5"/>
+          </a:effectRef>
+          <a:fontRef idx="minor">
+            <a:schemeClr val="lt1"/>
+          </a:fontRef>
+        </p:style>
+        <p:txBody>
+          <a:bodyPr rtlCol="0" anchor="ctr"/>
+          <a:lstStyle/>
+          <a:p>
+            <a:r>
+              <a:rPr lang="en-US" b="1" dirty="0"/>
+              <a:t>D’COSTA</a:t>
+            </a:r>
+            <a:br>
+              <a:rPr lang="en-US" dirty="0"/>
+            </a:br>
+            <a:r>
+              <a:rPr lang="en-US" dirty="0"/>
+              <a:t>Pramodh</a:t>
+            </a:r>
+            <a:br>
+              <a:rPr lang="en-US" dirty="0"/>
+            </a:br>
+            <a:r>
+              <a:rPr lang="en-US" dirty="0"/>
+              <a:t>Shreya</a:t>
+            </a:r>
+            <a:br>
+              <a:rPr lang="en-US" dirty="0"/>
+            </a:br>
+            <a:r>
+              <a:rPr lang="en-US" dirty="0"/>
+              <a:t>Varun</a:t>
+            </a:r>
+          </a:p>
+        </p:txBody>
+      </p:sp>
+      <p:cxnSp>
+        <p:nvCxnSpPr>
+          <p:cNvPr id="29" name="Straight Arrow Connector 28">
+            <a:extLst>
+              <a:ext uri="{FF2B5EF4-FFF2-40B4-BE49-F238E27FC236}">
+                <a16:creationId xmlns:a16="http://schemas.microsoft.com/office/drawing/2014/main" id="{48AAA11C-8F9B-EF1C-3E3C-8776FD845A80}"/>
+              </a:ext>
+            </a:extLst>
+          </p:cNvPr>
+          <p:cNvCxnSpPr>
+            <a:cxnSpLocks/>
+            <a:stCxn id="8" idx="2"/>
+            <a:endCxn id="20" idx="0"/>
+          </p:cNvCxnSpPr>
+          <p:nvPr/>
+        </p:nvCxnSpPr>
+        <p:spPr>
+          <a:xfrm>
+            <a:off x="1265727" y="3558708"/>
+            <a:ext cx="0" cy="580643"/>
+          </a:xfrm>
+          <a:prstGeom prst="straightConnector1">
+            <a:avLst/>
+          </a:prstGeom>
+          <a:ln>
+            <a:tailEnd type="triangle"/>
+          </a:ln>
+        </p:spPr>
+        <p:style>
+          <a:lnRef idx="2">
+            <a:schemeClr val="accent1"/>
+          </a:lnRef>
+          <a:fillRef idx="0">
+            <a:schemeClr val="accent1"/>
+          </a:fillRef>
+          <a:effectRef idx="1">
+            <a:schemeClr val="accent1"/>
+          </a:effectRef>
+          <a:fontRef idx="minor">
+            <a:schemeClr val="tx1"/>
+          </a:fontRef>
+        </p:style>
+      </p:cxnSp>
+      <p:cxnSp>
+        <p:nvCxnSpPr>
+          <p:cNvPr id="32" name="Straight Arrow Connector 31">
+            <a:extLst>
+              <a:ext uri="{FF2B5EF4-FFF2-40B4-BE49-F238E27FC236}">
+                <a16:creationId xmlns:a16="http://schemas.microsoft.com/office/drawing/2014/main" id="{2F260339-2FA9-E10B-3231-8B9E6A819471}"/>
+              </a:ext>
+            </a:extLst>
+          </p:cNvPr>
+          <p:cNvCxnSpPr>
+            <a:cxnSpLocks/>
+            <a:stCxn id="9" idx="2"/>
+            <a:endCxn id="22" idx="0"/>
+          </p:cNvCxnSpPr>
+          <p:nvPr/>
+        </p:nvCxnSpPr>
+        <p:spPr>
+          <a:xfrm>
+            <a:off x="3438950" y="3567012"/>
+            <a:ext cx="0" cy="572338"/>
+          </a:xfrm>
+          <a:prstGeom prst="straightConnector1">
+            <a:avLst/>
+          </a:prstGeom>
+          <a:ln>
+            <a:tailEnd type="triangle"/>
+          </a:ln>
+        </p:spPr>
+        <p:style>
+          <a:lnRef idx="2">
+            <a:schemeClr val="accent1"/>
+          </a:lnRef>
+          <a:fillRef idx="0">
+            <a:schemeClr val="accent1"/>
+          </a:fillRef>
+          <a:effectRef idx="1">
+            <a:schemeClr val="accent1"/>
+          </a:effectRef>
+          <a:fontRef idx="minor">
+            <a:schemeClr val="tx1"/>
+          </a:fontRef>
+        </p:style>
+      </p:cxnSp>
+      <p:cxnSp>
+        <p:nvCxnSpPr>
+          <p:cNvPr id="35" name="Straight Arrow Connector 34">
+            <a:extLst>
+              <a:ext uri="{FF2B5EF4-FFF2-40B4-BE49-F238E27FC236}">
+                <a16:creationId xmlns:a16="http://schemas.microsoft.com/office/drawing/2014/main" id="{9E7DDEC6-7F73-51AF-5F5A-959E040DE58B}"/>
+              </a:ext>
+            </a:extLst>
+          </p:cNvPr>
+          <p:cNvCxnSpPr>
+            <a:cxnSpLocks/>
+            <a:stCxn id="10" idx="2"/>
+            <a:endCxn id="23" idx="0"/>
+          </p:cNvCxnSpPr>
+          <p:nvPr/>
+        </p:nvCxnSpPr>
+        <p:spPr>
+          <a:xfrm>
+            <a:off x="5337091" y="3558707"/>
+            <a:ext cx="1040892" cy="580642"/>
+          </a:xfrm>
+          <a:prstGeom prst="straightConnector1">
+            <a:avLst/>
+          </a:prstGeom>
+          <a:ln>
+            <a:tailEnd type="triangle"/>
+          </a:ln>
+        </p:spPr>
+        <p:style>
+          <a:lnRef idx="2">
+            <a:schemeClr val="accent1"/>
+          </a:lnRef>
+          <a:fillRef idx="0">
+            <a:schemeClr val="accent1"/>
+          </a:fillRef>
+          <a:effectRef idx="1">
+            <a:schemeClr val="accent1"/>
+          </a:effectRef>
+          <a:fontRef idx="minor">
+            <a:schemeClr val="tx1"/>
+          </a:fontRef>
+        </p:style>
+      </p:cxnSp>
+      <p:cxnSp>
+        <p:nvCxnSpPr>
+          <p:cNvPr id="38" name="Straight Arrow Connector 37">
+            <a:extLst>
+              <a:ext uri="{FF2B5EF4-FFF2-40B4-BE49-F238E27FC236}">
+                <a16:creationId xmlns:a16="http://schemas.microsoft.com/office/drawing/2014/main" id="{3F811289-C032-F1A9-41EC-0DDDA7AE3D32}"/>
+              </a:ext>
+            </a:extLst>
+          </p:cNvPr>
+          <p:cNvCxnSpPr>
+            <a:cxnSpLocks/>
+            <a:stCxn id="3" idx="2"/>
+            <a:endCxn id="23" idx="0"/>
+          </p:cNvCxnSpPr>
+          <p:nvPr/>
+        </p:nvCxnSpPr>
+        <p:spPr>
+          <a:xfrm flipH="1">
+            <a:off x="6377983" y="3558707"/>
+            <a:ext cx="1040892" cy="580642"/>
+          </a:xfrm>
+          <a:prstGeom prst="straightConnector1">
+            <a:avLst/>
+          </a:prstGeom>
+          <a:ln>
+            <a:tailEnd type="triangle"/>
+          </a:ln>
+        </p:spPr>
+        <p:style>
+          <a:lnRef idx="2">
+            <a:schemeClr val="accent1"/>
+          </a:lnRef>
+          <a:fillRef idx="0">
+            <a:schemeClr val="accent1"/>
+          </a:fillRef>
+          <a:effectRef idx="1">
+            <a:schemeClr val="accent1"/>
+          </a:effectRef>
+          <a:fontRef idx="minor">
+            <a:schemeClr val="tx1"/>
+          </a:fontRef>
+        </p:style>
+      </p:cxnSp>
+      <p:cxnSp>
+        <p:nvCxnSpPr>
+          <p:cNvPr id="41" name="Straight Arrow Connector 40">
+            <a:extLst>
+              <a:ext uri="{FF2B5EF4-FFF2-40B4-BE49-F238E27FC236}">
+                <a16:creationId xmlns:a16="http://schemas.microsoft.com/office/drawing/2014/main" id="{C6642879-8019-787D-063C-6EC26A6E4767}"/>
+              </a:ext>
+            </a:extLst>
+          </p:cNvPr>
+          <p:cNvCxnSpPr>
+            <a:cxnSpLocks/>
+            <a:stCxn id="11" idx="2"/>
+            <a:endCxn id="24" idx="0"/>
+          </p:cNvCxnSpPr>
+          <p:nvPr/>
+        </p:nvCxnSpPr>
+        <p:spPr>
+          <a:xfrm>
+            <a:off x="9317016" y="3558708"/>
+            <a:ext cx="0" cy="580643"/>
+          </a:xfrm>
+          <a:prstGeom prst="straightConnector1">
+            <a:avLst/>
+          </a:prstGeom>
+          <a:ln>
+            <a:tailEnd type="triangle"/>
+          </a:ln>
+        </p:spPr>
+        <p:style>
+          <a:lnRef idx="2">
+            <a:schemeClr val="accent1"/>
+          </a:lnRef>
+          <a:fillRef idx="0">
+            <a:schemeClr val="accent1"/>
+          </a:fillRef>
+          <a:effectRef idx="1">
+            <a:schemeClr val="accent1"/>
+          </a:effectRef>
+          <a:fontRef idx="minor">
+            <a:schemeClr val="tx1"/>
+          </a:fontRef>
+        </p:style>
+      </p:cxnSp>
+      <p:cxnSp>
+        <p:nvCxnSpPr>
+          <p:cNvPr id="44" name="Straight Arrow Connector 43">
+            <a:extLst>
+              <a:ext uri="{FF2B5EF4-FFF2-40B4-BE49-F238E27FC236}">
+                <a16:creationId xmlns:a16="http://schemas.microsoft.com/office/drawing/2014/main" id="{E0847791-E709-F517-FBDF-57F3122A57B9}"/>
+              </a:ext>
+            </a:extLst>
+          </p:cNvPr>
+          <p:cNvCxnSpPr>
+            <a:cxnSpLocks/>
+            <a:stCxn id="26" idx="2"/>
+            <a:endCxn id="28" idx="0"/>
+          </p:cNvCxnSpPr>
+          <p:nvPr/>
+        </p:nvCxnSpPr>
+        <p:spPr>
+          <a:xfrm>
+            <a:off x="11398800" y="3558707"/>
+            <a:ext cx="0" cy="580642"/>
+          </a:xfrm>
+          <a:prstGeom prst="straightConnector1">
+            <a:avLst/>
+          </a:prstGeom>
+          <a:ln>
+            <a:tailEnd type="triangle"/>
+          </a:ln>
+        </p:spPr>
+        <p:style>
+          <a:lnRef idx="2">
+            <a:schemeClr val="accent1"/>
+          </a:lnRef>
+          <a:fillRef idx="0">
+            <a:schemeClr val="accent1"/>
+          </a:fillRef>
+          <a:effectRef idx="1">
+            <a:schemeClr val="accent1"/>
+          </a:effectRef>
+          <a:fontRef idx="minor">
+            <a:schemeClr val="tx1"/>
+          </a:fontRef>
+        </p:style>
+      </p:cxnSp>
+    </p:spTree>
+    <p:extLst>
+      <p:ext uri="{BB962C8B-B14F-4D97-AF65-F5344CB8AC3E}">
+        <p14:creationId xmlns:p14="http://schemas.microsoft.com/office/powerpoint/2010/main" val="3053175809"/>
+      </p:ext>
+    </p:extLst>
+  </p:cSld>
+  <p:clrMapOvr>
+    <a:masterClrMapping/>
+  </p:clrMapOvr>
+</p:sld>
+</file>
+
+<file path=ppt/slides/slide11.xml><?xml version="1.0" encoding="utf-8"?>
 <p:sld xmlns:a="http://schemas.openxmlformats.org/drawingml/2006/main" xmlns:r="http://schemas.openxmlformats.org/officeDocument/2006/relationships" xmlns:p="http://schemas.openxmlformats.org/presentationml/2006/main">
   <p:cSld>
     <p:spTree>
@@ -11010,7 +12460,7 @@
 </p:sld>
 </file>
 
-<file path=ppt/slides/slide11.xml><?xml version="1.0" encoding="utf-8"?>
+<file path=ppt/slides/slide12.xml><?xml version="1.0" encoding="utf-8"?>
 <p:sld xmlns:a="http://schemas.openxmlformats.org/drawingml/2006/main" xmlns:r="http://schemas.openxmlformats.org/officeDocument/2006/relationships" xmlns:p="http://schemas.openxmlformats.org/presentationml/2006/main">
   <p:cSld>
     <p:spTree>
@@ -14477,7 +15927,7 @@
 </p:sld>
 </file>
 
-<file path=ppt/slides/slide12.xml><?xml version="1.0" encoding="utf-8"?>
+<file path=ppt/slides/slide13.xml><?xml version="1.0" encoding="utf-8"?>
 <p:sld xmlns:a="http://schemas.openxmlformats.org/drawingml/2006/main" xmlns:r="http://schemas.openxmlformats.org/officeDocument/2006/relationships" xmlns:p="http://schemas.openxmlformats.org/presentationml/2006/main">
   <p:cSld>
     <p:spTree>
@@ -21513,7 +22963,7 @@
 </p:sld>
 </file>
 
-<file path=ppt/slides/slide13.xml><?xml version="1.0" encoding="utf-8"?>
+<file path=ppt/slides/slide14.xml><?xml version="1.0" encoding="utf-8"?>
 <p:sld xmlns:a="http://schemas.openxmlformats.org/drawingml/2006/main" xmlns:r="http://schemas.openxmlformats.org/officeDocument/2006/relationships" xmlns:p="http://schemas.openxmlformats.org/presentationml/2006/main">
   <p:cSld>
     <p:spTree>
@@ -24969,7 +26419,7 @@
 </p:sld>
 </file>
 
-<file path=ppt/slides/slide14.xml><?xml version="1.0" encoding="utf-8"?>
+<file path=ppt/slides/slide15.xml><?xml version="1.0" encoding="utf-8"?>
 <p:sld xmlns:a="http://schemas.openxmlformats.org/drawingml/2006/main" xmlns:r="http://schemas.openxmlformats.org/officeDocument/2006/relationships" xmlns:p="http://schemas.openxmlformats.org/presentationml/2006/main">
   <p:cSld>
     <p:spTree>
@@ -29236,7 +30686,7 @@
 </p:sld>
 </file>
 
-<file path=ppt/slides/slide15.xml><?xml version="1.0" encoding="utf-8"?>
+<file path=ppt/slides/slide16.xml><?xml version="1.0" encoding="utf-8"?>
 <p:sld xmlns:a="http://schemas.openxmlformats.org/drawingml/2006/main" xmlns:r="http://schemas.openxmlformats.org/officeDocument/2006/relationships" xmlns:p="http://schemas.openxmlformats.org/presentationml/2006/main">
   <p:cSld>
     <p:bg>
@@ -29352,7 +30802,7 @@
 </p:sld>
 </file>
 
-<file path=ppt/slides/slide16.xml><?xml version="1.0" encoding="utf-8"?>
+<file path=ppt/slides/slide17.xml><?xml version="1.0" encoding="utf-8"?>
 <p:sld xmlns:a="http://schemas.openxmlformats.org/drawingml/2006/main" xmlns:r="http://schemas.openxmlformats.org/officeDocument/2006/relationships" xmlns:p="http://schemas.openxmlformats.org/presentationml/2006/main">
   <p:cSld>
     <p:spTree>
@@ -31864,224 +33314,6 @@
 </p:sld>
 </file>
 
-<file path=ppt/slides/slide17.xml><?xml version="1.0" encoding="utf-8"?>
-<p:sld xmlns:a="http://schemas.openxmlformats.org/drawingml/2006/main" xmlns:r="http://schemas.openxmlformats.org/officeDocument/2006/relationships" xmlns:p="http://schemas.openxmlformats.org/presentationml/2006/main">
-  <p:cSld>
-    <p:spTree>
-      <p:nvGrpSpPr>
-        <p:cNvPr id="1" name=""/>
-        <p:cNvGrpSpPr/>
-        <p:nvPr/>
-      </p:nvGrpSpPr>
-      <p:grpSpPr>
-        <a:xfrm>
-          <a:off x="0" y="0"/>
-          <a:ext cx="0" cy="0"/>
-          <a:chOff x="0" y="0"/>
-          <a:chExt cx="0" cy="0"/>
-        </a:xfrm>
-      </p:grpSpPr>
-      <p:sp>
-        <p:nvSpPr>
-          <p:cNvPr id="3" name="Content Placeholder 2">
-            <a:extLst>
-              <a:ext uri="{FF2B5EF4-FFF2-40B4-BE49-F238E27FC236}">
-                <a16:creationId xmlns:a16="http://schemas.microsoft.com/office/drawing/2014/main" id="{96CFB2DE-4ADA-EEB1-7AD1-7CFA5D5C469F}"/>
-              </a:ext>
-            </a:extLst>
-          </p:cNvPr>
-          <p:cNvSpPr>
-            <a:spLocks noGrp="1"/>
-          </p:cNvSpPr>
-          <p:nvPr>
-            <p:ph idx="1"/>
-          </p:nvPr>
-        </p:nvSpPr>
-        <p:spPr>
-          <a:xfrm>
-            <a:off x="312852" y="257743"/>
-            <a:ext cx="11941629" cy="6574971"/>
-          </a:xfrm>
-        </p:spPr>
-        <p:txBody>
-          <a:bodyPr>
-            <a:normAutofit/>
-          </a:bodyPr>
-          <a:lstStyle/>
-          <a:p>
-            <a:r>
-              <a:rPr lang="en-US" sz="1800" dirty="0"/>
-              <a:t>Who gives the diamond smuggling mission to Arjun?</a:t>
-            </a:r>
-          </a:p>
-          <a:p>
-            <a:pPr marL="800100" lvl="1" indent="-342900">
-              <a:buFont typeface="+mj-lt"/>
-              <a:buAutoNum type="arabicPeriod"/>
-            </a:pPr>
-            <a:r>
-              <a:rPr lang="en-US" sz="1500" dirty="0"/>
-              <a:t>Anthony Desai</a:t>
-            </a:r>
-          </a:p>
-          <a:p>
-            <a:pPr marL="800100" lvl="1" indent="-342900">
-              <a:buFont typeface="+mj-lt"/>
-              <a:buAutoNum type="arabicPeriod"/>
-            </a:pPr>
-            <a:r>
-              <a:rPr lang="en-US" sz="1500" dirty="0"/>
-              <a:t>Sindhu</a:t>
-            </a:r>
-          </a:p>
-          <a:p>
-            <a:pPr marL="800100" lvl="1" indent="-342900">
-              <a:buFont typeface="+mj-lt"/>
-              <a:buAutoNum type="arabicPeriod"/>
-            </a:pPr>
-            <a:r>
-              <a:rPr lang="en-US" sz="1500" dirty="0"/>
-              <a:t>Jasper</a:t>
-            </a:r>
-          </a:p>
-          <a:p>
-            <a:pPr marL="800100" lvl="1" indent="-342900">
-              <a:buFont typeface="+mj-lt"/>
-              <a:buAutoNum type="arabicPeriod"/>
-            </a:pPr>
-            <a:r>
-              <a:rPr lang="en-US" sz="1500" dirty="0"/>
-              <a:t>Arjun</a:t>
-            </a:r>
-          </a:p>
-          <a:p>
-            <a:r>
-              <a:rPr lang="en-US" sz="1800" dirty="0"/>
-              <a:t>What is the motive for Arjun to do the mission without going sideways?</a:t>
-            </a:r>
-          </a:p>
-          <a:p>
-            <a:pPr marL="800100" lvl="1" indent="-342900">
-              <a:buFont typeface="+mj-lt"/>
-              <a:buAutoNum type="arabicPeriod"/>
-            </a:pPr>
-            <a:r>
-              <a:rPr lang="en-US" sz="1500" dirty="0"/>
-              <a:t>He is loyal to Anthony Desai</a:t>
-            </a:r>
-          </a:p>
-          <a:p>
-            <a:pPr marL="800100" lvl="1" indent="-342900">
-              <a:buFont typeface="+mj-lt"/>
-              <a:buAutoNum type="arabicPeriod"/>
-            </a:pPr>
-            <a:r>
-              <a:rPr lang="en-US" sz="1500" dirty="0"/>
-              <a:t>Sindhu blackmails him to lock in for murder of Aisha</a:t>
-            </a:r>
-          </a:p>
-          <a:p>
-            <a:pPr marL="800100" lvl="1" indent="-342900">
-              <a:buFont typeface="+mj-lt"/>
-              <a:buAutoNum type="arabicPeriod"/>
-            </a:pPr>
-            <a:r>
-              <a:rPr lang="en-US" sz="1500" dirty="0"/>
-              <a:t>Anthony/ Sindhu tell him that his sister is alive</a:t>
-            </a:r>
-          </a:p>
-          <a:p>
-            <a:r>
-              <a:rPr lang="en-US" sz="1800" dirty="0"/>
-              <a:t>How will Sindhu know about the diamonds?</a:t>
-            </a:r>
-          </a:p>
-          <a:p>
-            <a:pPr marL="800100" lvl="1" indent="-342900">
-              <a:buFont typeface="+mj-lt"/>
-              <a:buAutoNum type="arabicPeriod"/>
-            </a:pPr>
-            <a:r>
-              <a:rPr lang="en-US" sz="1500" dirty="0"/>
-              <a:t>Anthony tells her in exchange for escape</a:t>
-            </a:r>
-          </a:p>
-          <a:p>
-            <a:pPr marL="800100" lvl="1" indent="-342900">
-              <a:buFont typeface="+mj-lt"/>
-              <a:buAutoNum type="arabicPeriod"/>
-            </a:pPr>
-            <a:r>
-              <a:rPr lang="en-US" sz="1500" dirty="0"/>
-              <a:t>Anthony tells her because she is his sister</a:t>
-            </a:r>
-          </a:p>
-          <a:p>
-            <a:pPr marL="800100" lvl="1" indent="-342900">
-              <a:buFont typeface="+mj-lt"/>
-              <a:buAutoNum type="arabicPeriod"/>
-            </a:pPr>
-            <a:r>
-              <a:rPr lang="en-US" sz="1500" dirty="0"/>
-              <a:t>Sindhu finds out about it when reading the cult files</a:t>
-            </a:r>
-          </a:p>
-          <a:p>
-            <a:r>
-              <a:rPr lang="en-US" sz="1800" dirty="0"/>
-              <a:t>Why is Sindhu the final boss?</a:t>
-            </a:r>
-          </a:p>
-          <a:p>
-            <a:r>
-              <a:rPr lang="en-US" sz="1800" dirty="0"/>
-              <a:t>How does Arjun meet Jasper?</a:t>
-            </a:r>
-          </a:p>
-          <a:p>
-            <a:r>
-              <a:rPr lang="en-US" sz="1800" dirty="0"/>
-              <a:t>When does Jasper work as the CBI informant?</a:t>
-            </a:r>
-          </a:p>
-          <a:p>
-            <a:pPr marL="800100" lvl="1" indent="-342900">
-              <a:buFont typeface="+mj-lt"/>
-              <a:buAutoNum type="arabicPeriod"/>
-            </a:pPr>
-            <a:r>
-              <a:rPr lang="en-US" sz="1400" dirty="0"/>
-              <a:t>She sees a man in the bar looking at an uncut diamond</a:t>
-            </a:r>
-          </a:p>
-          <a:p>
-            <a:pPr marL="800100" lvl="1" indent="-342900">
-              <a:buFont typeface="+mj-lt"/>
-              <a:buAutoNum type="arabicPeriod"/>
-            </a:pPr>
-            <a:r>
-              <a:rPr lang="en-US" sz="1400" dirty="0"/>
-              <a:t>The CBI hires her</a:t>
-            </a:r>
-          </a:p>
-          <a:p>
-            <a:endParaRPr lang="en-US" sz="1800" dirty="0"/>
-          </a:p>
-        </p:txBody>
-      </p:sp>
-    </p:spTree>
-    <p:extLst>
-      <p:ext uri="{BB962C8B-B14F-4D97-AF65-F5344CB8AC3E}">
-        <p14:creationId xmlns:p14="http://schemas.microsoft.com/office/powerpoint/2010/main" val="1431821631"/>
-      </p:ext>
-    </p:extLst>
-  </p:cSld>
-  <p:clrMapOvr>
-    <a:masterClrMapping/>
-  </p:clrMapOvr>
-</p:sld>
-</file>
-
 <file path=ppt/slides/slide18.xml><?xml version="1.0" encoding="utf-8"?>
 <p:sld xmlns:a="http://schemas.openxmlformats.org/drawingml/2006/main" xmlns:r="http://schemas.openxmlformats.org/officeDocument/2006/relationships" xmlns:p="http://schemas.openxmlformats.org/presentationml/2006/main">
   <p:cSld>
@@ -32127,6 +33359,224 @@
           </a:bodyPr>
           <a:lstStyle/>
           <a:p>
+            <a:r>
+              <a:rPr lang="en-US" sz="1800" dirty="0"/>
+              <a:t>Who gives the diamond smuggling mission to Arjun?</a:t>
+            </a:r>
+          </a:p>
+          <a:p>
+            <a:pPr marL="800100" lvl="1" indent="-342900">
+              <a:buFont typeface="+mj-lt"/>
+              <a:buAutoNum type="arabicPeriod"/>
+            </a:pPr>
+            <a:r>
+              <a:rPr lang="en-US" sz="1500" dirty="0"/>
+              <a:t>Anthony Desai</a:t>
+            </a:r>
+          </a:p>
+          <a:p>
+            <a:pPr marL="800100" lvl="1" indent="-342900">
+              <a:buFont typeface="+mj-lt"/>
+              <a:buAutoNum type="arabicPeriod"/>
+            </a:pPr>
+            <a:r>
+              <a:rPr lang="en-US" sz="1500" dirty="0"/>
+              <a:t>Sindhu</a:t>
+            </a:r>
+          </a:p>
+          <a:p>
+            <a:pPr marL="800100" lvl="1" indent="-342900">
+              <a:buFont typeface="+mj-lt"/>
+              <a:buAutoNum type="arabicPeriod"/>
+            </a:pPr>
+            <a:r>
+              <a:rPr lang="en-US" sz="1500" dirty="0"/>
+              <a:t>Jasper</a:t>
+            </a:r>
+          </a:p>
+          <a:p>
+            <a:pPr marL="800100" lvl="1" indent="-342900">
+              <a:buFont typeface="+mj-lt"/>
+              <a:buAutoNum type="arabicPeriod"/>
+            </a:pPr>
+            <a:r>
+              <a:rPr lang="en-US" sz="1500" dirty="0"/>
+              <a:t>Arjun</a:t>
+            </a:r>
+          </a:p>
+          <a:p>
+            <a:r>
+              <a:rPr lang="en-US" sz="1800" dirty="0"/>
+              <a:t>What is the motive for Arjun to do the mission without going sideways?</a:t>
+            </a:r>
+          </a:p>
+          <a:p>
+            <a:pPr marL="800100" lvl="1" indent="-342900">
+              <a:buFont typeface="+mj-lt"/>
+              <a:buAutoNum type="arabicPeriod"/>
+            </a:pPr>
+            <a:r>
+              <a:rPr lang="en-US" sz="1500" dirty="0"/>
+              <a:t>He is loyal to Anthony Desai</a:t>
+            </a:r>
+          </a:p>
+          <a:p>
+            <a:pPr marL="800100" lvl="1" indent="-342900">
+              <a:buFont typeface="+mj-lt"/>
+              <a:buAutoNum type="arabicPeriod"/>
+            </a:pPr>
+            <a:r>
+              <a:rPr lang="en-US" sz="1500" dirty="0"/>
+              <a:t>Sindhu blackmails him to lock in for murder of Aisha</a:t>
+            </a:r>
+          </a:p>
+          <a:p>
+            <a:pPr marL="800100" lvl="1" indent="-342900">
+              <a:buFont typeface="+mj-lt"/>
+              <a:buAutoNum type="arabicPeriod"/>
+            </a:pPr>
+            <a:r>
+              <a:rPr lang="en-US" sz="1500" dirty="0"/>
+              <a:t>Anthony/ Sindhu tell him that his sister is alive</a:t>
+            </a:r>
+          </a:p>
+          <a:p>
+            <a:r>
+              <a:rPr lang="en-US" sz="1800" dirty="0"/>
+              <a:t>How will Sindhu know about the diamonds?</a:t>
+            </a:r>
+          </a:p>
+          <a:p>
+            <a:pPr marL="800100" lvl="1" indent="-342900">
+              <a:buFont typeface="+mj-lt"/>
+              <a:buAutoNum type="arabicPeriod"/>
+            </a:pPr>
+            <a:r>
+              <a:rPr lang="en-US" sz="1500" dirty="0"/>
+              <a:t>Anthony tells her in exchange for escape</a:t>
+            </a:r>
+          </a:p>
+          <a:p>
+            <a:pPr marL="800100" lvl="1" indent="-342900">
+              <a:buFont typeface="+mj-lt"/>
+              <a:buAutoNum type="arabicPeriod"/>
+            </a:pPr>
+            <a:r>
+              <a:rPr lang="en-US" sz="1500" dirty="0"/>
+              <a:t>Anthony tells her because she is his sister</a:t>
+            </a:r>
+          </a:p>
+          <a:p>
+            <a:pPr marL="800100" lvl="1" indent="-342900">
+              <a:buFont typeface="+mj-lt"/>
+              <a:buAutoNum type="arabicPeriod"/>
+            </a:pPr>
+            <a:r>
+              <a:rPr lang="en-US" sz="1500" dirty="0"/>
+              <a:t>Sindhu finds out about it when reading the cult files</a:t>
+            </a:r>
+          </a:p>
+          <a:p>
+            <a:r>
+              <a:rPr lang="en-US" sz="1800" dirty="0"/>
+              <a:t>Why is Sindhu the final boss?</a:t>
+            </a:r>
+          </a:p>
+          <a:p>
+            <a:r>
+              <a:rPr lang="en-US" sz="1800" dirty="0"/>
+              <a:t>How does Arjun meet Jasper?</a:t>
+            </a:r>
+          </a:p>
+          <a:p>
+            <a:r>
+              <a:rPr lang="en-US" sz="1800" dirty="0"/>
+              <a:t>When does Jasper work as the CBI informant?</a:t>
+            </a:r>
+          </a:p>
+          <a:p>
+            <a:pPr marL="800100" lvl="1" indent="-342900">
+              <a:buFont typeface="+mj-lt"/>
+              <a:buAutoNum type="arabicPeriod"/>
+            </a:pPr>
+            <a:r>
+              <a:rPr lang="en-US" sz="1400" dirty="0"/>
+              <a:t>She sees a man in the bar looking at an uncut diamond</a:t>
+            </a:r>
+          </a:p>
+          <a:p>
+            <a:pPr marL="800100" lvl="1" indent="-342900">
+              <a:buFont typeface="+mj-lt"/>
+              <a:buAutoNum type="arabicPeriod"/>
+            </a:pPr>
+            <a:r>
+              <a:rPr lang="en-US" sz="1400" dirty="0"/>
+              <a:t>The CBI hires her</a:t>
+            </a:r>
+          </a:p>
+          <a:p>
+            <a:endParaRPr lang="en-US" sz="1800" dirty="0"/>
+          </a:p>
+        </p:txBody>
+      </p:sp>
+    </p:spTree>
+    <p:extLst>
+      <p:ext uri="{BB962C8B-B14F-4D97-AF65-F5344CB8AC3E}">
+        <p14:creationId xmlns:p14="http://schemas.microsoft.com/office/powerpoint/2010/main" val="1431821631"/>
+      </p:ext>
+    </p:extLst>
+  </p:cSld>
+  <p:clrMapOvr>
+    <a:masterClrMapping/>
+  </p:clrMapOvr>
+</p:sld>
+</file>
+
+<file path=ppt/slides/slide19.xml><?xml version="1.0" encoding="utf-8"?>
+<p:sld xmlns:a="http://schemas.openxmlformats.org/drawingml/2006/main" xmlns:r="http://schemas.openxmlformats.org/officeDocument/2006/relationships" xmlns:p="http://schemas.openxmlformats.org/presentationml/2006/main">
+  <p:cSld>
+    <p:spTree>
+      <p:nvGrpSpPr>
+        <p:cNvPr id="1" name=""/>
+        <p:cNvGrpSpPr/>
+        <p:nvPr/>
+      </p:nvGrpSpPr>
+      <p:grpSpPr>
+        <a:xfrm>
+          <a:off x="0" y="0"/>
+          <a:ext cx="0" cy="0"/>
+          <a:chOff x="0" y="0"/>
+          <a:chExt cx="0" cy="0"/>
+        </a:xfrm>
+      </p:grpSpPr>
+      <p:sp>
+        <p:nvSpPr>
+          <p:cNvPr id="3" name="Content Placeholder 2">
+            <a:extLst>
+              <a:ext uri="{FF2B5EF4-FFF2-40B4-BE49-F238E27FC236}">
+                <a16:creationId xmlns:a16="http://schemas.microsoft.com/office/drawing/2014/main" id="{96CFB2DE-4ADA-EEB1-7AD1-7CFA5D5C469F}"/>
+              </a:ext>
+            </a:extLst>
+          </p:cNvPr>
+          <p:cNvSpPr>
+            <a:spLocks noGrp="1"/>
+          </p:cNvSpPr>
+          <p:nvPr>
+            <p:ph idx="1"/>
+          </p:nvPr>
+        </p:nvSpPr>
+        <p:spPr>
+          <a:xfrm>
+            <a:off x="312852" y="257743"/>
+            <a:ext cx="11941629" cy="6574971"/>
+          </a:xfrm>
+        </p:spPr>
+        <p:txBody>
+          <a:bodyPr>
+            <a:normAutofit/>
+          </a:bodyPr>
+          <a:lstStyle/>
+          <a:p>
             <a:pPr marL="0" indent="0">
               <a:buNone/>
             </a:pPr>
@@ -32269,7 +33719,222 @@
 </p:sld>
 </file>
 
-<file path=ppt/slides/slide19.xml><?xml version="1.0" encoding="utf-8"?>
+<file path=ppt/slides/slide2.xml><?xml version="1.0" encoding="utf-8"?>
+<p:sld xmlns:a="http://schemas.openxmlformats.org/drawingml/2006/main" xmlns:r="http://schemas.openxmlformats.org/officeDocument/2006/relationships" xmlns:p="http://schemas.openxmlformats.org/presentationml/2006/main">
+  <p:cSld>
+    <p:spTree>
+      <p:nvGrpSpPr>
+        <p:cNvPr id="1" name=""/>
+        <p:cNvGrpSpPr/>
+        <p:nvPr/>
+      </p:nvGrpSpPr>
+      <p:grpSpPr>
+        <a:xfrm>
+          <a:off x="0" y="0"/>
+          <a:ext cx="0" cy="0"/>
+          <a:chOff x="0" y="0"/>
+          <a:chExt cx="0" cy="0"/>
+        </a:xfrm>
+      </p:grpSpPr>
+      <p:sp>
+        <p:nvSpPr>
+          <p:cNvPr id="3" name="Content Placeholder 2">
+            <a:extLst>
+              <a:ext uri="{FF2B5EF4-FFF2-40B4-BE49-F238E27FC236}">
+                <a16:creationId xmlns:a16="http://schemas.microsoft.com/office/drawing/2014/main" id="{CBF51205-0737-641F-50A6-ABB6E9CFEBCE}"/>
+              </a:ext>
+            </a:extLst>
+          </p:cNvPr>
+          <p:cNvSpPr>
+            <a:spLocks noGrp="1"/>
+          </p:cNvSpPr>
+          <p:nvPr>
+            <p:ph idx="1"/>
+          </p:nvPr>
+        </p:nvSpPr>
+        <p:spPr>
+          <a:xfrm>
+            <a:off x="106326" y="170121"/>
+            <a:ext cx="11904483" cy="6788198"/>
+          </a:xfrm>
+        </p:spPr>
+        <p:txBody>
+          <a:bodyPr vert="horz" lIns="91440" tIns="45720" rIns="91440" bIns="0" rtlCol="0">
+            <a:noAutofit/>
+          </a:bodyPr>
+          <a:lstStyle/>
+          <a:p>
+            <a:pPr>
+              <a:spcBef>
+                <a:spcPts val="500"/>
+              </a:spcBef>
+            </a:pPr>
+            <a:r>
+              <a:rPr lang="en-US" sz="1500" b="1" dirty="0"/>
+              <a:t>Arjun</a:t>
+            </a:r>
+            <a:r>
+              <a:rPr lang="en-US" sz="1500" dirty="0"/>
+              <a:t> – A poor man who was separated from his sister at the age of 12 and witnessed the murder of his father and mother due to his father being a drug peddler. Few kids attack and steel the drugs they are caught by the police and seize the drugs worth 5 Lakhs because of which the boss attacks and kills his father and mother. </a:t>
+            </a:r>
+          </a:p>
+          <a:p>
+            <a:pPr>
+              <a:spcBef>
+                <a:spcPts val="500"/>
+              </a:spcBef>
+            </a:pPr>
+            <a:r>
+              <a:rPr lang="en-US" sz="1500" dirty="0"/>
+              <a:t>He escapes the attack &amp; starts to work as a waiter in a dingy hotel. Police arrests him for child labor.  A fellow prisoner asks if it is his first time.</a:t>
+            </a:r>
+          </a:p>
+          <a:p>
+            <a:pPr>
+              <a:spcBef>
+                <a:spcPts val="500"/>
+              </a:spcBef>
+            </a:pPr>
+            <a:r>
+              <a:rPr lang="en-US" sz="1500" dirty="0"/>
+              <a:t>As he grew up, he watches some people fighting over a 50 Rs note. A guy gets injured, and he picks up the knife. The police arrests him.</a:t>
+            </a:r>
+          </a:p>
+          <a:p>
+            <a:pPr>
+              <a:spcBef>
+                <a:spcPts val="500"/>
+              </a:spcBef>
+            </a:pPr>
+            <a:r>
+              <a:rPr lang="en-US" sz="1500" dirty="0"/>
+              <a:t>He watches people playing cards and he puts 20 Rs. The police come there, while everyone else runs, he gets arrested.</a:t>
+            </a:r>
+          </a:p>
+          <a:p>
+            <a:pPr>
+              <a:spcBef>
+                <a:spcPts val="500"/>
+              </a:spcBef>
+            </a:pPr>
+            <a:r>
+              <a:rPr lang="en-US" sz="1500" dirty="0"/>
+              <a:t>He decides to try cigarette for the first time. He takes a cup of tea and turns. The tea falls on an officer. The police arrests him for public smoking.</a:t>
+            </a:r>
+          </a:p>
+          <a:p>
+            <a:pPr>
+              <a:spcBef>
+                <a:spcPts val="500"/>
+              </a:spcBef>
+            </a:pPr>
+            <a:r>
+              <a:rPr lang="en-US" sz="1500" dirty="0"/>
+              <a:t>He is sitting in a park, and a beggar child comes there to ask for money. He says I do not have any money and tells the kid that it is not right to beg. The police sees this and finds out that it is a missing kid. Police arrests him thinking he is a kidnapper.</a:t>
+            </a:r>
+          </a:p>
+          <a:p>
+            <a:pPr>
+              <a:spcBef>
+                <a:spcPts val="500"/>
+              </a:spcBef>
+            </a:pPr>
+            <a:r>
+              <a:rPr lang="en-US" sz="1500" dirty="0"/>
+              <a:t>He goes to a bakery and orders an egg puffs. A guy next to him takes out his purse and a crumpled paper falls. Arjun picks it up and opens it to find that it is weed. Police is standing next to him eating a cream bun. Police arrests him.</a:t>
+            </a:r>
+          </a:p>
+          <a:p>
+            <a:pPr>
+              <a:spcBef>
+                <a:spcPts val="500"/>
+              </a:spcBef>
+            </a:pPr>
+            <a:r>
+              <a:rPr lang="en-US" sz="1500" dirty="0"/>
+              <a:t>He decides to try alcohol for the first time. He orders a quarter and water. Someone else takes it and runs away. The bar owner accuses him of stealing and the police arrests him.</a:t>
+            </a:r>
+          </a:p>
+          <a:p>
+            <a:pPr>
+              <a:spcBef>
+                <a:spcPts val="500"/>
+              </a:spcBef>
+            </a:pPr>
+            <a:r>
+              <a:rPr lang="en-US" sz="1500" dirty="0"/>
+              <a:t>A pick-pocket steals something, and he is chased by the people. He takes a turn where Arjun is walking licking a cone. They mistake him for pick-pocket and thrash him. The police arrests him. </a:t>
+            </a:r>
+          </a:p>
+          <a:p>
+            <a:pPr>
+              <a:spcBef>
+                <a:spcPts val="500"/>
+              </a:spcBef>
+            </a:pPr>
+            <a:r>
+              <a:rPr lang="en-US" sz="1500" dirty="0"/>
+              <a:t>He goes to a temple for his bad luck. He folds his hand and starts to walk passing in front of girls posing for a reel. They shout at him, and he shouts back at them and moves.  Unfortunately, he walks over a rangoli and the old woman who drew it gets furious. </a:t>
+            </a:r>
+          </a:p>
+          <a:p>
+            <a:pPr>
+              <a:spcBef>
+                <a:spcPts val="500"/>
+              </a:spcBef>
+            </a:pPr>
+            <a:r>
+              <a:rPr lang="en-US" sz="1500" dirty="0"/>
+              <a:t>He complains about his bad luck to god and does a shastanga namaskar. A gold chain of a kid falls in front of him as they pass by. He picks it up and looks around to find the owner. The owner of the chain mistakes him for a thief. The police arrests him again. A fellow prisoner asks if it is his first time.</a:t>
+            </a:r>
+          </a:p>
+          <a:p>
+            <a:pPr marL="0" indent="0">
+              <a:spcBef>
+                <a:spcPts val="500"/>
+              </a:spcBef>
+              <a:buNone/>
+            </a:pPr>
+            <a:r>
+              <a:rPr lang="en-US" sz="1500" dirty="0"/>
+              <a:t>He finally decides that he will become a police officer. He gets police training with a fake SSLC certificate. This is the first time he really committed  a crime. He meets someone there, and he goes to his house for a drink, the guy starts talking about depression and how his girlfriend left him. Arjun says you have no idea what actual depression is do you know why I joined the police? That is what actual depression is and laughs. The guy jumps off the terrace. The police arrests him. In the station a guy wearing suit is also arrested and Arjun asks first time?</a:t>
+            </a:r>
+            <a:br>
+              <a:rPr lang="en-US" sz="1500" dirty="0"/>
+            </a:br>
+            <a:r>
+              <a:rPr lang="en-US" sz="1500" dirty="0"/>
+              <a:t>[TODO: Arjun somehow helps Anthony]</a:t>
+            </a:r>
+          </a:p>
+          <a:p>
+            <a:pPr marL="0" indent="0">
+              <a:spcBef>
+                <a:spcPts val="500"/>
+              </a:spcBef>
+              <a:buNone/>
+            </a:pPr>
+            <a:r>
+              <a:rPr lang="en-US" sz="1500" dirty="0"/>
+              <a:t>He claims he did not kill anyone. Say that to the judge says the police. (Transition cuts) He is in the court – Lawyer says hence it is proved it was a suicide – But he used fake certificate, and he is a fraud – 2 Lakh fine or JC for a year says the judge – Arjun enters the prison</a:t>
+            </a:r>
+          </a:p>
+        </p:txBody>
+      </p:sp>
+    </p:spTree>
+    <p:extLst>
+      <p:ext uri="{BB962C8B-B14F-4D97-AF65-F5344CB8AC3E}">
+        <p14:creationId xmlns:p14="http://schemas.microsoft.com/office/powerpoint/2010/main" val="3935874153"/>
+      </p:ext>
+    </p:extLst>
+  </p:cSld>
+  <p:clrMapOvr>
+    <a:masterClrMapping/>
+  </p:clrMapOvr>
+</p:sld>
+</file>
+
+<file path=ppt/slides/slide20.xml><?xml version="1.0" encoding="utf-8"?>
 <p:sld xmlns:a="http://schemas.openxmlformats.org/drawingml/2006/main" xmlns:r="http://schemas.openxmlformats.org/officeDocument/2006/relationships" xmlns:p="http://schemas.openxmlformats.org/presentationml/2006/main">
   <p:cSld>
     <p:spTree>
@@ -32846,221 +34511,6 @@
     <p:extLst>
       <p:ext uri="{BB962C8B-B14F-4D97-AF65-F5344CB8AC3E}">
         <p14:creationId xmlns:p14="http://schemas.microsoft.com/office/powerpoint/2010/main" val="320176464"/>
-      </p:ext>
-    </p:extLst>
-  </p:cSld>
-  <p:clrMapOvr>
-    <a:masterClrMapping/>
-  </p:clrMapOvr>
-</p:sld>
-</file>
-
-<file path=ppt/slides/slide2.xml><?xml version="1.0" encoding="utf-8"?>
-<p:sld xmlns:a="http://schemas.openxmlformats.org/drawingml/2006/main" xmlns:r="http://schemas.openxmlformats.org/officeDocument/2006/relationships" xmlns:p="http://schemas.openxmlformats.org/presentationml/2006/main">
-  <p:cSld>
-    <p:spTree>
-      <p:nvGrpSpPr>
-        <p:cNvPr id="1" name=""/>
-        <p:cNvGrpSpPr/>
-        <p:nvPr/>
-      </p:nvGrpSpPr>
-      <p:grpSpPr>
-        <a:xfrm>
-          <a:off x="0" y="0"/>
-          <a:ext cx="0" cy="0"/>
-          <a:chOff x="0" y="0"/>
-          <a:chExt cx="0" cy="0"/>
-        </a:xfrm>
-      </p:grpSpPr>
-      <p:sp>
-        <p:nvSpPr>
-          <p:cNvPr id="3" name="Content Placeholder 2">
-            <a:extLst>
-              <a:ext uri="{FF2B5EF4-FFF2-40B4-BE49-F238E27FC236}">
-                <a16:creationId xmlns:a16="http://schemas.microsoft.com/office/drawing/2014/main" id="{CBF51205-0737-641F-50A6-ABB6E9CFEBCE}"/>
-              </a:ext>
-            </a:extLst>
-          </p:cNvPr>
-          <p:cNvSpPr>
-            <a:spLocks noGrp="1"/>
-          </p:cNvSpPr>
-          <p:nvPr>
-            <p:ph idx="1"/>
-          </p:nvPr>
-        </p:nvSpPr>
-        <p:spPr>
-          <a:xfrm>
-            <a:off x="106326" y="170121"/>
-            <a:ext cx="11904483" cy="6788198"/>
-          </a:xfrm>
-        </p:spPr>
-        <p:txBody>
-          <a:bodyPr vert="horz" lIns="91440" tIns="45720" rIns="91440" bIns="0" rtlCol="0">
-            <a:noAutofit/>
-          </a:bodyPr>
-          <a:lstStyle/>
-          <a:p>
-            <a:pPr>
-              <a:spcBef>
-                <a:spcPts val="500"/>
-              </a:spcBef>
-            </a:pPr>
-            <a:r>
-              <a:rPr lang="en-US" sz="1500" b="1" dirty="0"/>
-              <a:t>Arjun</a:t>
-            </a:r>
-            <a:r>
-              <a:rPr lang="en-US" sz="1500" dirty="0"/>
-              <a:t> – A poor man who was separated from his sister at the age of 12 and witnessed the murder of his father and mother due to his father being a drug peddler. Few kids attack and steel the drugs they are caught by the police and seize the drugs worth 5 Lakhs because of which the boss attacks and kills his father and mother. </a:t>
-            </a:r>
-          </a:p>
-          <a:p>
-            <a:pPr>
-              <a:spcBef>
-                <a:spcPts val="500"/>
-              </a:spcBef>
-            </a:pPr>
-            <a:r>
-              <a:rPr lang="en-US" sz="1500" dirty="0"/>
-              <a:t>He escapes the attack &amp; starts to work as a waiter in a dingy hotel. Police arrests him for child labor.  A fellow prisoner asks if it is his first time.</a:t>
-            </a:r>
-          </a:p>
-          <a:p>
-            <a:pPr>
-              <a:spcBef>
-                <a:spcPts val="500"/>
-              </a:spcBef>
-            </a:pPr>
-            <a:r>
-              <a:rPr lang="en-US" sz="1500" dirty="0"/>
-              <a:t>As he grew up, he watches some people fighting over a 50 Rs note. A guy gets injured, and he picks up the knife. The police arrests him.</a:t>
-            </a:r>
-          </a:p>
-          <a:p>
-            <a:pPr>
-              <a:spcBef>
-                <a:spcPts val="500"/>
-              </a:spcBef>
-            </a:pPr>
-            <a:r>
-              <a:rPr lang="en-US" sz="1500" dirty="0"/>
-              <a:t>He watches people playing cards and he puts 20 Rs. The police come there, while everyone else runs, he gets arrested.</a:t>
-            </a:r>
-          </a:p>
-          <a:p>
-            <a:pPr>
-              <a:spcBef>
-                <a:spcPts val="500"/>
-              </a:spcBef>
-            </a:pPr>
-            <a:r>
-              <a:rPr lang="en-US" sz="1500" dirty="0"/>
-              <a:t>He decides to try cigarette for the first time. He takes a cup of tea and turns. The tea falls on an officer. The police arrests him for public smoking.</a:t>
-            </a:r>
-          </a:p>
-          <a:p>
-            <a:pPr>
-              <a:spcBef>
-                <a:spcPts val="500"/>
-              </a:spcBef>
-            </a:pPr>
-            <a:r>
-              <a:rPr lang="en-US" sz="1500" dirty="0"/>
-              <a:t>He is sitting in a park, and a beggar child comes there to ask for money. He says I do not have any money and tells the kid that it is not right to beg. The police sees this and finds out that it is a missing kid. Police arrests him thinking he is a kidnapper.</a:t>
-            </a:r>
-          </a:p>
-          <a:p>
-            <a:pPr>
-              <a:spcBef>
-                <a:spcPts val="500"/>
-              </a:spcBef>
-            </a:pPr>
-            <a:r>
-              <a:rPr lang="en-US" sz="1500" dirty="0"/>
-              <a:t>He goes to a bakery and orders an egg puffs. A guy next to him takes out his purse and a crumpled paper falls. Arjun picks it up and opens it to find that it is weed. Police is standing next to him eating a cream bun. Police arrests him.</a:t>
-            </a:r>
-          </a:p>
-          <a:p>
-            <a:pPr>
-              <a:spcBef>
-                <a:spcPts val="500"/>
-              </a:spcBef>
-            </a:pPr>
-            <a:r>
-              <a:rPr lang="en-US" sz="1500" dirty="0"/>
-              <a:t>He decides to try alcohol for the first time. He orders a quarter and water. Someone else takes it and runs away. The bar owner accuses him of stealing and the police arrests him.</a:t>
-            </a:r>
-          </a:p>
-          <a:p>
-            <a:pPr>
-              <a:spcBef>
-                <a:spcPts val="500"/>
-              </a:spcBef>
-            </a:pPr>
-            <a:r>
-              <a:rPr lang="en-US" sz="1500" dirty="0"/>
-              <a:t>A pick-pocket steals something, and he is chased by the people. He takes a turn where Arjun is walking licking a cone. They mistake him for pick-pocket and thrash him. The police arrests him. </a:t>
-            </a:r>
-          </a:p>
-          <a:p>
-            <a:pPr>
-              <a:spcBef>
-                <a:spcPts val="500"/>
-              </a:spcBef>
-            </a:pPr>
-            <a:r>
-              <a:rPr lang="en-US" sz="1500" dirty="0"/>
-              <a:t>He goes to a temple for his bad luck. He folds his hand and starts to walk passing in front of girls posing for a reel. They shout at him, and he shouts back at them and moves.  Unfortunately, he walks over a rangoli and the old woman who drew it gets furious. </a:t>
-            </a:r>
-          </a:p>
-          <a:p>
-            <a:pPr>
-              <a:spcBef>
-                <a:spcPts val="500"/>
-              </a:spcBef>
-            </a:pPr>
-            <a:r>
-              <a:rPr lang="en-US" sz="1500" dirty="0"/>
-              <a:t>He complains about his bad luck to god and does a shastanga namaskar. A gold chain of a kid falls in front of him as they pass by. He picks it up and looks around to find the owner. The owner of the chain mistakes him for a thief. The police arrests him again. A fellow prisoner asks if it is his first time.</a:t>
-            </a:r>
-          </a:p>
-          <a:p>
-            <a:pPr marL="0" indent="0">
-              <a:spcBef>
-                <a:spcPts val="500"/>
-              </a:spcBef>
-              <a:buNone/>
-            </a:pPr>
-            <a:r>
-              <a:rPr lang="en-US" sz="1500" dirty="0"/>
-              <a:t>He finally decides that he will become a police officer. He gets police training with a fake SSLC certificate. This is the first time he really committed  a crime. He meets someone there, and he goes to his house for a drink, the guy starts talking about depression and how his girlfriend left him. Arjun says you have no idea what actual depression is do you know why I joined the police? That is what actual depression is and laughs. The guy jumps off the terrace. The police arrests him. In the station a guy wearing suit is also arrested and Arjun asks first time?</a:t>
-            </a:r>
-            <a:br>
-              <a:rPr lang="en-US" sz="1500" dirty="0"/>
-            </a:br>
-            <a:r>
-              <a:rPr lang="en-US" sz="1500" dirty="0"/>
-              <a:t>[TODO: Arjun somehow helps Anthony]</a:t>
-            </a:r>
-          </a:p>
-          <a:p>
-            <a:pPr marL="0" indent="0">
-              <a:spcBef>
-                <a:spcPts val="500"/>
-              </a:spcBef>
-              <a:buNone/>
-            </a:pPr>
-            <a:r>
-              <a:rPr lang="en-US" sz="1500" dirty="0"/>
-              <a:t>He claims he did not kill anyone. Say that to the judge says the police. (Transition cuts) He is in the court – Lawyer says hence it is proved it was a suicide – But he used fake certificate, and he is a fraud – 2 Lakh fine or JC for a year says the judge – Arjun enters the prison</a:t>
-            </a:r>
-          </a:p>
-        </p:txBody>
-      </p:sp>
-    </p:spTree>
-    <p:extLst>
-      <p:ext uri="{BB962C8B-B14F-4D97-AF65-F5344CB8AC3E}">
-        <p14:creationId xmlns:p14="http://schemas.microsoft.com/office/powerpoint/2010/main" val="3935874153"/>
       </p:ext>
     </p:extLst>
   </p:cSld>
@@ -33687,15 +35137,7 @@
             </a:pPr>
             <a:r>
               <a:rPr lang="en-US" sz="1500" dirty="0"/>
-              <a:t>Anthony walks in wearing a suit, with gold rings and a gold chain. </a:t>
-            </a:r>
-            <a:r>
-              <a:rPr lang="en-US" sz="1500" dirty="0" err="1"/>
-              <a:t>Bhairava</a:t>
-            </a:r>
-            <a:r>
-              <a:rPr lang="en-US" sz="1500" dirty="0"/>
-              <a:t> walks in with a grunt as usual. He threatens Anthony but he doesn’t care at all. Anthony takes out some cash and gives it to </a:t>
+              <a:t>Anthony walks in wearing suit and gold. Manu walks in with a grunt as usual. He threatens Anthony but he doesn’t care at all. Anthony takes out some cash and gives it to </a:t>
             </a:r>
             <a:r>
               <a:rPr lang="en-US" sz="1500" dirty="0" err="1"/>
@@ -33703,7 +35145,7 @@
             </a:r>
             <a:r>
               <a:rPr lang="en-US" sz="1500" dirty="0"/>
-              <a:t> and says you want protection money, right? Take it.</a:t>
+              <a:t> and says you want protection money, right? Take it. Anthony walks in and greets the Chandru. How are you Mr. Chandru? When I called a 100 times you did not answer but now suddenly you made me come here. We could have spoken on the phone. Why did you ditch me? </a:t>
             </a:r>
           </a:p>
           <a:p>
@@ -33715,7 +35157,7 @@
             </a:pPr>
             <a:r>
               <a:rPr lang="en-US" sz="1500" dirty="0"/>
-              <a:t>Anthony walks in and greets the Chandru. How are you Mr. Chandru? When I called a 100 times you did not answer but now all of a sudden you made me come here. We could have spoken on the phone. Why did you ditch me? </a:t>
+              <a:t>They sit together. Anthony says you said business will be paused till you come out. So, I waited for 3 months, patiently, with both my money and my stash with you and thanks to you I have a case going on right now and they put me here in JC, Why are you doing this? The business was going so well and for the trouble that you created. You are making me, and my partner suffer, and the Cartel is not happy. They want their payment. I had given you 200 Cr to manage the police and politics. </a:t>
             </a:r>
           </a:p>
           <a:p>
@@ -33727,7 +35169,7 @@
             </a:pPr>
             <a:r>
               <a:rPr lang="en-US" sz="1500" dirty="0"/>
-              <a:t>They sit together. Anthony says you said business will be paused till you come out. So, I waited for 3 months, patiently, with both my money and my stash with you and thanks to you I have a case going on right now and they put me here in JC, Why are you doing this? The business was going so well and for the trouble that you created. You are making me, and my partner suffer, and the Cartel is not happy. They want their payment. I had given you 200 Cr to manage the police and politics. </a:t>
+              <a:t>Chandru says all my assets are deemed as black. Anthony says I asked you to convert it to white but your greed to spend 10 Rs has made you loose thousands. Chandru says the money that you gave me is now mine to spend and unfortunately the stash will now belong to the government and there is nothing that you can do. Enough of business I need to retire now and have fun. </a:t>
             </a:r>
           </a:p>
           <a:p>
@@ -33739,7 +35181,7 @@
             </a:pPr>
             <a:r>
               <a:rPr lang="en-US" sz="1500" dirty="0"/>
-              <a:t>Chandru says all my assets are deemed as black. Anthony says I asked you to convert it to white but your greed to spend 10 Rs has made you loose thousands. Chandru says the money that you gave me is now mine to spend and unfortunately the stash will now belong to the government and there is nothing that you can do. Enough of business I need to retire now and have fun. </a:t>
+              <a:t>Anthony gets angry and says please do not do this. Chandru says when death comes near this is the only choice left. Anthony says just because you are dying why do you plan to kill me. Chandru says I was caught because of your drugs. Anthony says you were caught because of your negligence. Chandru says negligence because of your drugs. I do not want to spend my life in prison till the lump takes me away. Last time Mr. Chandru will you please oblige we will think of something. Chandru says no I will take the chance to relive and walks off. </a:t>
             </a:r>
           </a:p>
           <a:p>
@@ -33751,7 +35193,7 @@
             </a:pPr>
             <a:r>
               <a:rPr lang="en-US" sz="1500" dirty="0"/>
-              <a:t>Anthony gets angry and says please do not do this. Chandru says when death comes near this is the only choice left. Anthony says just because you are dying why do you plan to kill me. Chandru says I was caught because of your drugs. Anthony says you were caught because of your negligence. Chandru says negligence because of your drugs. I do not want to spend my life in prison till the lump takes me away. Last time Mr. Chandru will you please oblige we will think of something. Chandru says no I will take the chance to relive and walks off. </a:t>
+              <a:t>Manu looks at Anthony. Anthony walks away. Arjun brings some peanuts and asks Anthony to have some, but he says he hates seeds. Arjun says why do you look tensed. Anthony tells him about it using peanuts and explains his business. He says he is an antique dealer but also ships drugs. Chandru handled storage and distribution. My friend Joseph was handling conversion of blacks to white. One day he got caught and the business stopped but now he is setting my ass on fire. He says he called me when I was in a pub and said drugs are sold and I must come to collect payment. I went to the spot that he asked me to meet but was surprised by the NCB because they found drugs in my Antique store.</a:t>
             </a:r>
           </a:p>
           <a:p>
@@ -33763,7 +35205,7 @@
             </a:pPr>
             <a:r>
               <a:rPr lang="en-US" sz="1500" dirty="0"/>
-              <a:t>Manu looks at Anthony. Anthony walks away. Arjun brings some peanuts and asks Anthony to have some, but he says he hates seeds. Arjun says why do you look tensed. Anthony tells him about it using peanuts and explains his business. He says he is an antique dealer but also ships drugs. Chandru handled storage and distribution. My friend Joseph was handling conversion of blacks to white. One day he got caught and the business stopped but now he is setting my ass on fire.</a:t>
+              <a:t>Anthony remembers Arjun’s help from the jail. He says can you do something about my situation now? Mr. Consultant. Arjun remembers his palm readings. Arjun says why don’t you use his family against him. Anthony says he is a sadist who killed his own father brother and his family to come to political power. So, he does not have any family left. Arjun asks then what about Manu? Anthony asks who and Arjun says never mind!</a:t>
             </a:r>
           </a:p>
           <a:p>
@@ -33775,19 +35217,7 @@
             </a:pPr>
             <a:r>
               <a:rPr lang="en-US" sz="1500" dirty="0"/>
-              <a:t>Anthony remembers Arjun’s help from the jail. He says can you do something about my situation now? Mr. Consultant. Arjun remembers his palm readings. Arjun says why don’t you use his family against him. Anthony says he is a sadist who killed his own father brother and his family to come to political power. So, he does not have any family left. Arjun asks then what about Manu? Anthony asks who and Arjun says never mind!</a:t>
-            </a:r>
-          </a:p>
-          <a:p>
-            <a:pPr marL="0" indent="0">
-              <a:spcBef>
-                <a:spcPts val="500"/>
-              </a:spcBef>
-              <a:buNone/>
-            </a:pPr>
-            <a:r>
-              <a:rPr lang="en-US" sz="1500" dirty="0"/>
-              <a:t>Arjun asks or some time. Anthony says you have 3 more days before Chandru meets the NCB officer. He says this time the consultancy fee will be more. Anthony says you will be my permanent consultant if you take me out of this trouble. May be from today your good luck will start. Anthony walks away saying he still has some money left to buy an elite room.</a:t>
+              <a:t>Arjun asks for some time. Anthony says you have 3 more days before Chandru meets the NCB officer. He says this time the consultancy fee will be more. Anthony says you will be my permanent consultant if you take me out of this trouble. May be from today your good luck will start. Anthony walks away saying he still has some money left to buy an elite room.</a:t>
             </a:r>
           </a:p>
           <a:p>
@@ -33894,7 +35324,7 @@
         </p:nvSpPr>
         <p:spPr>
           <a:xfrm>
-            <a:off x="0" y="0"/>
+            <a:off x="0" y="-11575"/>
             <a:ext cx="12599988" cy="7199313"/>
           </a:xfrm>
         </p:spPr>
@@ -33911,7 +35341,7 @@
               <a:buNone/>
             </a:pPr>
             <a:r>
-              <a:rPr lang="en-US" sz="1450" kern="1200" dirty="0">
+              <a:rPr lang="en-US" sz="1400" kern="1200" dirty="0">
                 <a:solidFill>
                   <a:srgbClr val="000000"/>
                 </a:solidFill>
@@ -33920,7 +35350,28 @@
                 <a:ea typeface="+mn-ea"/>
                 <a:cs typeface="+mn-cs"/>
               </a:rPr>
-              <a:t>Arjun asks Anthony to offer prison guard more money than what Chandru is giving. The guard says 5 Lakhs every month. Chandru says he will give 10 Lakhs. Arjun says the guards being greedy will tell Chandru about this and demand more money. The guard indeed does what Arjun suspected. Chandru fearing for his chance of escaping says that he will give 25 Lakhs. Arjuns asks Anthony to offer more, and he offers 30 Lakhs. Chandru then says he will give 50 Lakhs. Chandru teases Anthony and says there is no way you can win this battle over me.</a:t>
+              <a:t>Arjun asks Anthony to offer prison guard more money than what Chandru is giving. The guard says 2 Lakhs every month. Chandru says he will give 5 Lakhs. Arjun says the guards being greedy will tell Chandru about this and demand more money. The guard indeed does what Arjun suspected. Chandru fearing for his chance of escaping says that he will give 10 Lakhs. Arjuns asks Anthony to offer more, and he offers 15 Lakhs. Chandru then says he will give </a:t>
+            </a:r>
+            <a:r>
+              <a:rPr lang="en-US" sz="1400" dirty="0">
+                <a:solidFill>
+                  <a:srgbClr val="000000"/>
+                </a:solidFill>
+                <a:latin typeface="Aptos" panose="020B0004020202020204" pitchFamily="34" charset="0"/>
+              </a:rPr>
+              <a:t>25</a:t>
+            </a:r>
+            <a:r>
+              <a:rPr lang="en-US" sz="1400" kern="1200" dirty="0">
+                <a:solidFill>
+                  <a:srgbClr val="000000"/>
+                </a:solidFill>
+                <a:effectLst/>
+                <a:latin typeface="Aptos" panose="020B0004020202020204" pitchFamily="34" charset="0"/>
+                <a:ea typeface="+mn-ea"/>
+                <a:cs typeface="+mn-cs"/>
+              </a:rPr>
+              <a:t> Lakhs. Chandru teases Anthony and says there is no way you can win this battle over me.</a:t>
             </a:r>
           </a:p>
           <a:p>
@@ -33931,61 +35382,145 @@
               <a:buNone/>
             </a:pPr>
             <a:r>
-              <a:rPr lang="en-US" sz="1450" dirty="0">
+              <a:rPr lang="en-US" sz="1400" dirty="0">
                 <a:solidFill>
                   <a:srgbClr val="000000"/>
                 </a:solidFill>
                 <a:latin typeface="Aptos" panose="020B0004020202020204" pitchFamily="34" charset="0"/>
               </a:rPr>
-              <a:t>Everything went as per Arjun’s plan. Anthony asks what’s next? Arjun says I will be out tomorrow. As per his information the money is stored in one place, a secret place that only his lawyer knows. So, to get the money he will call his lawyer. Chandru indeed calls his lawyer, and I will follow him. But I will need a ride. Anthony says I will arrange that for you including a driver. Arjun says to recognize him I need a code word when I say </a:t>
-            </a:r>
-            <a:r>
-              <a:rPr lang="en-US" sz="1450" dirty="0" err="1">
+              <a:t>Everything went as per Arjun’s plan. Anthony asks what’s next? Arjun says I will be out tomorrow. As per his information the money is stored in one place, a secret place that only his lawyer knows. So, to get the money he will call his lawyer. Chandru indeed calls his lawyer, and I will follow him. But I will need a ride. Anthony says I will arrange that for you including a driver. Arjun says to recognize him I need a code word when</a:t>
+            </a:r>
+            <a:r>
+              <a:rPr lang="en-US" sz="1400" b="1" dirty="0">
                 <a:solidFill>
                   <a:srgbClr val="000000"/>
                 </a:solidFill>
                 <a:latin typeface="Aptos" panose="020B0004020202020204" pitchFamily="34" charset="0"/>
               </a:rPr>
-              <a:t>Aparanjee</a:t>
-            </a:r>
-            <a:r>
-              <a:rPr lang="en-US" sz="1450" dirty="0">
+              <a:t> {Code word comedy}</a:t>
+            </a:r>
+          </a:p>
+          <a:p>
+            <a:pPr marL="0" indent="0">
+              <a:spcBef>
+                <a:spcPts val="500"/>
+              </a:spcBef>
+              <a:buNone/>
+            </a:pPr>
+            <a:r>
+              <a:rPr lang="en-US" sz="1400" dirty="0">
                 <a:solidFill>
                   <a:srgbClr val="000000"/>
                 </a:solidFill>
                 <a:latin typeface="Aptos" panose="020B0004020202020204" pitchFamily="34" charset="0"/>
               </a:rPr>
-              <a:t> he must not say </a:t>
-            </a:r>
-            <a:r>
-              <a:rPr lang="en-US" sz="1450" dirty="0" err="1">
+              <a:t>Next day as per the plan he waits for Chandru to call his lawyer. A guard asks Arjun to leave but he says he needs some more time because he will miss this place. Finally, he sees Chandru talking to his lawyer. Arjun changes his clothes takes his button set mobile and follows the lawyer (~12 PM). </a:t>
+            </a:r>
+          </a:p>
+          <a:p>
+            <a:pPr marL="0" indent="0">
+              <a:spcBef>
+                <a:spcPts val="500"/>
+              </a:spcBef>
+              <a:buNone/>
+            </a:pPr>
+            <a:r>
+              <a:rPr lang="en-US" sz="1400" dirty="0">
                 <a:solidFill>
                   <a:srgbClr val="000000"/>
                 </a:solidFill>
                 <a:latin typeface="Aptos" panose="020B0004020202020204" pitchFamily="34" charset="0"/>
               </a:rPr>
-              <a:t>Chinnavo</a:t>
-            </a:r>
-            <a:r>
-              <a:rPr lang="en-US" sz="1450" dirty="0">
+              <a:t>Outside he sees a few vehicles standing. He walks up to one and says the code word to the wrong person. Another guy walks up to him and asks if he is Arjun. Arjun says yes. They sit in the car. </a:t>
+            </a:r>
+            <a:r>
+              <a:rPr lang="en-US" sz="1400" b="1" dirty="0">
                 <a:solidFill>
                   <a:srgbClr val="000000"/>
                 </a:solidFill>
                 <a:latin typeface="Aptos" panose="020B0004020202020204" pitchFamily="34" charset="0"/>
               </a:rPr>
-              <a:t> but say </a:t>
-            </a:r>
-            <a:r>
-              <a:rPr lang="en-US" sz="1450" dirty="0" err="1">
+              <a:t>{Comedy &amp; Emotional convo – He reminds him of himself as a kid, talk about luck}</a:t>
+            </a:r>
+            <a:r>
+              <a:rPr lang="en-US" sz="1400" dirty="0">
                 <a:solidFill>
                   <a:srgbClr val="000000"/>
                 </a:solidFill>
                 <a:latin typeface="Aptos" panose="020B0004020202020204" pitchFamily="34" charset="0"/>
               </a:rPr>
-              <a:t>Belliyo</a:t>
-            </a:r>
-            <a:r>
-              <a:rPr lang="en-US" sz="1450" dirty="0">
+              <a:t> They follow layer to his house and then to a bar. </a:t>
+            </a:r>
+          </a:p>
+          <a:p>
+            <a:pPr marL="0" indent="0">
+              <a:spcBef>
+                <a:spcPts val="500"/>
+              </a:spcBef>
+              <a:buNone/>
+            </a:pPr>
+            <a:r>
+              <a:rPr lang="en-US" sz="1400" dirty="0">
+                <a:solidFill>
+                  <a:srgbClr val="000000"/>
+                </a:solidFill>
+                <a:latin typeface="Aptos" panose="020B0004020202020204" pitchFamily="34" charset="0"/>
+              </a:rPr>
+              <a:t>At the bar (~1 PM), the lawyer meets a guy, his assistant. T</a:t>
+            </a:r>
+            <a:r>
+              <a:rPr lang="en-US" sz="1400" kern="1200" dirty="0">
+                <a:solidFill>
+                  <a:srgbClr val="000000"/>
+                </a:solidFill>
+                <a:effectLst/>
+                <a:latin typeface="Aptos" panose="020B0004020202020204" pitchFamily="34" charset="0"/>
+                <a:ea typeface="+mn-ea"/>
+                <a:cs typeface="+mn-cs"/>
+              </a:rPr>
+              <a:t>he waiter tells the lawyer </a:t>
+            </a:r>
+            <a:r>
+              <a:rPr lang="en-US" sz="1400" dirty="0">
+                <a:solidFill>
+                  <a:srgbClr val="000000"/>
+                </a:solidFill>
+                <a:latin typeface="Aptos" panose="020B0004020202020204" pitchFamily="34" charset="0"/>
+              </a:rPr>
+              <a:t>you </a:t>
+            </a:r>
+            <a:r>
+              <a:rPr lang="en-US" sz="1400" kern="1200" dirty="0">
+                <a:solidFill>
+                  <a:srgbClr val="000000"/>
+                </a:solidFill>
+                <a:effectLst/>
+                <a:latin typeface="Aptos" panose="020B0004020202020204" pitchFamily="34" charset="0"/>
+                <a:ea typeface="+mn-ea"/>
+                <a:cs typeface="+mn-cs"/>
+              </a:rPr>
+              <a:t>always come on time at 9PM but today you’re very early, Ramesh sir, I’ll get your usual. Ramesh puts a </a:t>
+            </a:r>
+            <a:r>
+              <a:rPr lang="en-US" sz="1400" dirty="0">
+                <a:solidFill>
+                  <a:srgbClr val="000000"/>
+                </a:solidFill>
+                <a:latin typeface="Aptos" panose="020B0004020202020204" pitchFamily="34" charset="0"/>
+              </a:rPr>
+              <a:t>key on the table and says take a cab and take exactly 30 Lakhs in a travel bag and come back in bus to avoid unlucky check-posts. Arjun is sitting right behind him and listens to this. Arjun acts like a drunkard and falls on the lawyer and sees a name on the key. PNB-DOCK </a:t>
+            </a:r>
+            <a:r>
+              <a:rPr lang="en-US" sz="1400" b="1" dirty="0">
+                <a:solidFill>
+                  <a:srgbClr val="000000"/>
+                </a:solidFill>
+                <a:latin typeface="Aptos" panose="020B0004020202020204" pitchFamily="34" charset="0"/>
+              </a:rPr>
+              <a:t>3745</a:t>
+            </a:r>
+            <a:r>
+              <a:rPr lang="en-US" sz="1400" dirty="0">
                 <a:solidFill>
                   <a:srgbClr val="000000"/>
                 </a:solidFill>
@@ -34002,13 +35537,13 @@
               <a:buNone/>
             </a:pPr>
             <a:r>
-              <a:rPr lang="en-US" sz="1450" dirty="0">
+              <a:rPr lang="en-US" sz="1400" dirty="0">
                 <a:solidFill>
                   <a:srgbClr val="000000"/>
                 </a:solidFill>
                 <a:latin typeface="Aptos" panose="020B0004020202020204" pitchFamily="34" charset="0"/>
               </a:rPr>
-              <a:t>Next day as per the plan he waits for Chandru to call his lawyer. A constable asks Arjun to leave but he says he needs some more time because he will miss this place. Finally, he sees Chandru talking to his lawyer. Arjun changes his clothes takes his button set mobile and follows the lawyer. </a:t>
+              <a:t>Arjun googles it and finds out that the key is from a container docker at Mangalore port. They get ready to travel to the port. The guy gets into a car with a huge suitcase and Arjun along with the Ashwa follow him (~2 PM) Arjun asks him about his work. Ashwa says he was a family driver of Anthony, and he expanded his business. They stop near a container dock and see him enter the premises. Arjun follows and finds out that the cash is hidden inside. </a:t>
             </a:r>
           </a:p>
           <a:p>
@@ -34019,88 +35554,112 @@
               <a:buNone/>
             </a:pPr>
             <a:r>
-              <a:rPr lang="en-US" sz="1450" dirty="0">
+              <a:rPr lang="en-US" sz="1400" dirty="0">
                 <a:solidFill>
                   <a:srgbClr val="000000"/>
                 </a:solidFill>
                 <a:latin typeface="Aptos" panose="020B0004020202020204" pitchFamily="34" charset="0"/>
               </a:rPr>
-              <a:t>Outside he sees a few vehicles standing. He walks up to one and says </a:t>
-            </a:r>
-            <a:r>
-              <a:rPr lang="en-US" sz="1450" dirty="0" err="1">
+              <a:t>Arjun looks at the time and calls Anthony (~9 PM). He says he found the location of the cash, but it will be difficult to move it. Anthony says he will meet the NCB tomorrow. Arjun worries and says I will find out a way. He walks back to Ashwa and tells we need to go shopping, Anthony in the prison learns a magic trick to distract himself. </a:t>
+            </a:r>
+            <a:r>
+              <a:rPr lang="en-US" sz="1400" b="1" dirty="0">
                 <a:solidFill>
                   <a:srgbClr val="000000"/>
                 </a:solidFill>
                 <a:latin typeface="Aptos" panose="020B0004020202020204" pitchFamily="34" charset="0"/>
               </a:rPr>
-              <a:t>Aparanjee</a:t>
-            </a:r>
-            <a:r>
-              <a:rPr lang="en-US" sz="1450" dirty="0">
+              <a:t>{Drugging the Assistant (~11:30 PM) – Teach driving and Chemistry}</a:t>
+            </a:r>
+          </a:p>
+          <a:p>
+            <a:pPr marL="0" indent="0">
+              <a:spcBef>
+                <a:spcPts val="500"/>
+              </a:spcBef>
+              <a:buNone/>
+            </a:pPr>
+            <a:r>
+              <a:rPr lang="en-US" sz="1400" dirty="0">
                 <a:solidFill>
                   <a:srgbClr val="000000"/>
                 </a:solidFill>
                 <a:latin typeface="Aptos" panose="020B0004020202020204" pitchFamily="34" charset="0"/>
               </a:rPr>
-              <a:t> and the driver says </a:t>
-            </a:r>
-            <a:r>
-              <a:rPr lang="en-US" sz="1450" dirty="0" err="1">
+              <a:t>Next day Anthony is tensed as Chandru meets the NCB officer. Just before he could sign it the lawyer gets a message. It is the photo of the container with a message saying do not sign or else you will lose all this money. Check the container number for reference. The lawyer shows Chandru the message and he gets furious and says I cannot sign this now and walks away. Chandru comes out asks Anthony what did you do. Anthony confused says Magic and brings a rose, turns it upside-down and says shove it. Anthony runs and calls Arjun and asks what magic did you do. </a:t>
+            </a:r>
+          </a:p>
+          <a:p>
+            <a:pPr marL="0" indent="0">
+              <a:spcBef>
+                <a:spcPts val="500"/>
+              </a:spcBef>
+              <a:buNone/>
+            </a:pPr>
+            <a:r>
+              <a:rPr lang="en-US" sz="1400" dirty="0">
                 <a:solidFill>
                   <a:srgbClr val="000000"/>
                 </a:solidFill>
                 <a:latin typeface="Aptos" panose="020B0004020202020204" pitchFamily="34" charset="0"/>
               </a:rPr>
-              <a:t>Elig</a:t>
-            </a:r>
-            <a:r>
-              <a:rPr lang="en-US" sz="1450" dirty="0">
+              <a:t>[</a:t>
+            </a:r>
+            <a:r>
+              <a:rPr lang="en-US" sz="1400" i="1" dirty="0">
                 <a:solidFill>
                   <a:srgbClr val="000000"/>
                 </a:solidFill>
                 <a:latin typeface="Aptos" panose="020B0004020202020204" pitchFamily="34" charset="0"/>
               </a:rPr>
-              <a:t> </a:t>
-            </a:r>
-            <a:r>
-              <a:rPr lang="en-US" sz="1450" dirty="0" err="1">
+              <a:t>Flashback</a:t>
+            </a:r>
+            <a:r>
+              <a:rPr lang="en-US" sz="1400" dirty="0">
                 <a:solidFill>
                   <a:srgbClr val="000000"/>
                 </a:solidFill>
                 <a:latin typeface="Aptos" panose="020B0004020202020204" pitchFamily="34" charset="0"/>
               </a:rPr>
-              <a:t>hogbeku</a:t>
-            </a:r>
-            <a:r>
-              <a:rPr lang="en-US" sz="1450" dirty="0">
+              <a:t>] Arjun looks around and sees an opened container in front of him and sees the containers are numbered. He click the photos. He walks and asks the Ashwa to call Joseph, and he tells Joseph that he needs money urgently to buy a container. Joseph says he will transfer it to Ashwa's account. Then he tells the Ashwa we need to go shopping, They come back to the dock with spray paint in the back and make a deal to buy a container, and the number must be </a:t>
+            </a:r>
+            <a:r>
+              <a:rPr lang="en-US" sz="1400" b="1" dirty="0">
                 <a:solidFill>
                   <a:srgbClr val="000000"/>
                 </a:solidFill>
                 <a:latin typeface="Aptos" panose="020B0004020202020204" pitchFamily="34" charset="0"/>
               </a:rPr>
-              <a:t>. A guy next to him says </a:t>
-            </a:r>
-            <a:r>
-              <a:rPr lang="en-US" sz="1450" dirty="0" err="1">
+              <a:t>3748</a:t>
+            </a:r>
+            <a:r>
+              <a:rPr lang="en-US" sz="1400" dirty="0">
                 <a:solidFill>
                   <a:srgbClr val="000000"/>
                 </a:solidFill>
                 <a:latin typeface="Aptos" panose="020B0004020202020204" pitchFamily="34" charset="0"/>
               </a:rPr>
-              <a:t>Belliyo</a:t>
-            </a:r>
-            <a:r>
-              <a:rPr lang="en-US" sz="1450" dirty="0">
+              <a:t> and must be red in color because they are superstitious. Arjun gives them the money and buy the container. The owner asks when will they take it away. Arjun says tomorrow. Owner asks why not today. He says we have some shopping and painting work to finish.</a:t>
+            </a:r>
+          </a:p>
+          <a:p>
+            <a:pPr marL="0" indent="0">
+              <a:spcBef>
+                <a:spcPts val="500"/>
+              </a:spcBef>
+              <a:buNone/>
+            </a:pPr>
+            <a:r>
+              <a:rPr lang="en-US" sz="1400" dirty="0">
                 <a:solidFill>
                   <a:srgbClr val="000000"/>
                 </a:solidFill>
                 <a:latin typeface="Aptos" panose="020B0004020202020204" pitchFamily="34" charset="0"/>
               </a:rPr>
-              <a:t>. He recognizes the ride and goes with him. [Emotional convo between them – Ashwa says he reminds him of himself as a kid, talk about luck] They follow layer to his house and then to a bar. At the lose the lawyer meets a guy and gives him instructions to go to the location, use the key to open the container and take exactly 55 Lakhs in a travel bag. Arjun is sitting right behind him and listens to this. Arjun acts like a drunkard and falls on the lawyer and sees a name on the key. PNB-DOCK </a:t>
-            </a:r>
-            <a:r>
-              <a:rPr lang="en-US" sz="1450" b="1" dirty="0">
+              <a:t>At night Arjun comes to the dock and paint the container to exchange the numbers </a:t>
+            </a:r>
+            <a:r>
+              <a:rPr lang="en-US" sz="1400" b="1" dirty="0">
                 <a:solidFill>
                   <a:srgbClr val="000000"/>
                 </a:solidFill>
@@ -34109,13 +35668,85 @@
               <a:t>3745</a:t>
             </a:r>
             <a:r>
-              <a:rPr lang="en-US" sz="1450" dirty="0">
+              <a:rPr lang="en-US" sz="1400" dirty="0">
                 <a:solidFill>
                   <a:srgbClr val="000000"/>
                 </a:solidFill>
                 <a:latin typeface="Aptos" panose="020B0004020202020204" pitchFamily="34" charset="0"/>
               </a:rPr>
-              <a:t>.</a:t>
+              <a:t> and </a:t>
+            </a:r>
+            <a:r>
+              <a:rPr lang="en-US" sz="1400" b="1" dirty="0">
+                <a:solidFill>
+                  <a:srgbClr val="000000"/>
+                </a:solidFill>
+                <a:latin typeface="Aptos" panose="020B0004020202020204" pitchFamily="34" charset="0"/>
+              </a:rPr>
+              <a:t>3748</a:t>
+            </a:r>
+            <a:r>
+              <a:rPr lang="en-US" sz="1400" dirty="0">
+                <a:solidFill>
+                  <a:srgbClr val="000000"/>
+                </a:solidFill>
+                <a:latin typeface="Aptos" panose="020B0004020202020204" pitchFamily="34" charset="0"/>
+              </a:rPr>
+              <a:t>. Early morning he comes there to take his container. He asks a boy to move the new </a:t>
+            </a:r>
+            <a:r>
+              <a:rPr lang="en-US" sz="1400" b="1" dirty="0">
+                <a:solidFill>
+                  <a:srgbClr val="000000"/>
+                </a:solidFill>
+                <a:latin typeface="Aptos" panose="020B0004020202020204" pitchFamily="34" charset="0"/>
+              </a:rPr>
+              <a:t>3745</a:t>
+            </a:r>
+            <a:r>
+              <a:rPr lang="en-US" sz="1400" dirty="0">
+                <a:solidFill>
+                  <a:srgbClr val="000000"/>
+                </a:solidFill>
+                <a:latin typeface="Aptos" panose="020B0004020202020204" pitchFamily="34" charset="0"/>
+              </a:rPr>
+              <a:t> to the place of original </a:t>
+            </a:r>
+            <a:r>
+              <a:rPr lang="en-US" sz="1400" b="1" dirty="0">
+                <a:solidFill>
+                  <a:srgbClr val="000000"/>
+                </a:solidFill>
+                <a:latin typeface="Aptos" panose="020B0004020202020204" pitchFamily="34" charset="0"/>
+              </a:rPr>
+              <a:t>3745 </a:t>
+            </a:r>
+            <a:r>
+              <a:rPr lang="en-US" sz="1400" dirty="0">
+                <a:solidFill>
+                  <a:srgbClr val="000000"/>
+                </a:solidFill>
+                <a:latin typeface="Aptos" panose="020B0004020202020204" pitchFamily="34" charset="0"/>
+              </a:rPr>
+              <a:t>and gives him a tip. He takes the help of Joseph to carry out the container. He spray paints the number again to </a:t>
+            </a:r>
+            <a:r>
+              <a:rPr lang="en-US" sz="1400" b="1" dirty="0">
+                <a:solidFill>
+                  <a:srgbClr val="000000"/>
+                </a:solidFill>
+                <a:latin typeface="Aptos" panose="020B0004020202020204" pitchFamily="34" charset="0"/>
+              </a:rPr>
+              <a:t>3745</a:t>
+            </a:r>
+            <a:r>
+              <a:rPr lang="en-US" sz="1400" dirty="0">
+                <a:solidFill>
+                  <a:srgbClr val="000000"/>
+                </a:solidFill>
+                <a:latin typeface="Aptos" panose="020B0004020202020204" pitchFamily="34" charset="0"/>
+              </a:rPr>
+              <a:t>, opens it using a plyer, clicks the photo of money and sends it to the lawyer.</a:t>
             </a:r>
           </a:p>
           <a:p>
@@ -34126,209 +35757,18 @@
               <a:buNone/>
             </a:pPr>
             <a:r>
-              <a:rPr lang="en-US" sz="1450" dirty="0">
+              <a:rPr lang="en-US" sz="1400" kern="1200" dirty="0">
                 <a:solidFill>
                   <a:srgbClr val="000000"/>
                 </a:solidFill>
+                <a:effectLst/>
                 <a:latin typeface="Aptos" panose="020B0004020202020204" pitchFamily="34" charset="0"/>
+                <a:ea typeface="+mn-ea"/>
+                <a:cs typeface="+mn-cs"/>
               </a:rPr>
-              <a:t>Arjun googles it and finds out that the key is from a container docker at Mangalore port. They get ready to travel to the port. The guy gets into a car with a huge suitcase and Arjun along with the Ashwa follow him. Arjun asks him about his work. Ashwa says he was a family driver of Anthony, and he expanded his business. They stop near a container dock and see him enter the premises. Arjun follows and finds out that the cash is hidden inside. </a:t>
-            </a:r>
-          </a:p>
-          <a:p>
-            <a:pPr marL="0" indent="0">
-              <a:spcBef>
-                <a:spcPts val="500"/>
-              </a:spcBef>
-              <a:buNone/>
-            </a:pPr>
-            <a:r>
-              <a:rPr lang="en-US" sz="1450" dirty="0">
-                <a:solidFill>
-                  <a:srgbClr val="000000"/>
-                </a:solidFill>
-                <a:latin typeface="Aptos" panose="020B0004020202020204" pitchFamily="34" charset="0"/>
-              </a:rPr>
-              <a:t>Arjun looks at the time and calls Anthony. He says he found the location of the cash, but it will be difficult to move it. Anthony says he will meet the NCB tomorrow. Arjun worries and says I will find out a way. Arjun walks back to the Ashwa and tells we need to go shopping, Anthony in the prison learns a magic trick to distract himself.</a:t>
-            </a:r>
-          </a:p>
-          <a:p>
-            <a:pPr marL="0" indent="0">
-              <a:spcBef>
-                <a:spcPts val="500"/>
-              </a:spcBef>
-              <a:buNone/>
-            </a:pPr>
-            <a:r>
-              <a:rPr lang="en-US" sz="1450" dirty="0">
-                <a:solidFill>
-                  <a:srgbClr val="000000"/>
-                </a:solidFill>
-                <a:latin typeface="Aptos" panose="020B0004020202020204" pitchFamily="34" charset="0"/>
-              </a:rPr>
-              <a:t>Next day Anthony is tensed as Chandru meets the NCB officer. Just before he could sign it the lawyer gets a message. It is the photo of the container with a message saying do not sign or else you will lose all this money. Check the container number for reference. The lawyer shows Chandru the message and he gets furious and says I cannot sign this now and walks away. Chandru comes out asks Anthony what did you do. Anthony confused says Magic and brings a rose, turns it upside-down and says shove it. Anthony runs and calls Arjun and asks what magic did you do. </a:t>
-            </a:r>
-          </a:p>
-          <a:p>
-            <a:pPr marL="0" indent="0">
-              <a:spcBef>
-                <a:spcPts val="500"/>
-              </a:spcBef>
-              <a:buNone/>
-            </a:pPr>
-            <a:r>
-              <a:rPr lang="en-US" sz="1450" dirty="0">
-                <a:solidFill>
-                  <a:srgbClr val="000000"/>
-                </a:solidFill>
-                <a:latin typeface="Aptos" panose="020B0004020202020204" pitchFamily="34" charset="0"/>
-              </a:rPr>
-              <a:t>[</a:t>
-            </a:r>
-            <a:r>
-              <a:rPr lang="en-US" sz="1450" i="1" dirty="0">
-                <a:solidFill>
-                  <a:srgbClr val="000000"/>
-                </a:solidFill>
-                <a:latin typeface="Aptos" panose="020B0004020202020204" pitchFamily="34" charset="0"/>
-              </a:rPr>
-              <a:t>Flashback</a:t>
-            </a:r>
-            <a:r>
-              <a:rPr lang="en-US" sz="1450" dirty="0">
-                <a:solidFill>
-                  <a:srgbClr val="000000"/>
-                </a:solidFill>
-                <a:latin typeface="Aptos" panose="020B0004020202020204" pitchFamily="34" charset="0"/>
-              </a:rPr>
-              <a:t>] Arjun looks around and sees an opened container in front of him and sees the containers are numbered. He click the photos. He walks and asks the Ashwa to call Joseph, and he tells Joseph that he needs money urgently to buy a container. Joseph says he will transfer it to Ashwa's account. Then he tells the Ashwa we need to go shopping, They come back to the dock with spray paint in the back and make a deal to buy a container, and the number must be </a:t>
-            </a:r>
-            <a:r>
-              <a:rPr lang="en-US" sz="1450" b="1" dirty="0">
-                <a:solidFill>
-                  <a:srgbClr val="000000"/>
-                </a:solidFill>
-                <a:latin typeface="Aptos" panose="020B0004020202020204" pitchFamily="34" charset="0"/>
-              </a:rPr>
-              <a:t>3748</a:t>
-            </a:r>
-            <a:r>
-              <a:rPr lang="en-US" sz="1450" dirty="0">
-                <a:solidFill>
-                  <a:srgbClr val="000000"/>
-                </a:solidFill>
-                <a:latin typeface="Aptos" panose="020B0004020202020204" pitchFamily="34" charset="0"/>
-              </a:rPr>
-              <a:t> and must be red in color because they are superstitious. Arjun gives them the money and buy the container. The owner asks when will they take it away. Arjun says tomorrow. Owner asks why not today. He says we have some shopping and painting work to finish.</a:t>
-            </a:r>
-          </a:p>
-          <a:p>
-            <a:pPr marL="0" indent="0">
-              <a:spcBef>
-                <a:spcPts val="500"/>
-              </a:spcBef>
-              <a:buNone/>
-            </a:pPr>
-            <a:r>
-              <a:rPr lang="en-US" sz="1450" dirty="0">
-                <a:solidFill>
-                  <a:srgbClr val="000000"/>
-                </a:solidFill>
-                <a:latin typeface="Aptos" panose="020B0004020202020204" pitchFamily="34" charset="0"/>
-              </a:rPr>
-              <a:t>At night Arjun comes to the dock and paint the container to exchange the numbers </a:t>
-            </a:r>
-            <a:r>
-              <a:rPr lang="en-US" sz="1450" b="1" dirty="0">
-                <a:solidFill>
-                  <a:srgbClr val="000000"/>
-                </a:solidFill>
-                <a:latin typeface="Aptos" panose="020B0004020202020204" pitchFamily="34" charset="0"/>
-              </a:rPr>
-              <a:t>3745</a:t>
-            </a:r>
-            <a:r>
-              <a:rPr lang="en-US" sz="1450" dirty="0">
-                <a:solidFill>
-                  <a:srgbClr val="000000"/>
-                </a:solidFill>
-                <a:latin typeface="Aptos" panose="020B0004020202020204" pitchFamily="34" charset="0"/>
-              </a:rPr>
-              <a:t> and </a:t>
-            </a:r>
-            <a:r>
-              <a:rPr lang="en-US" sz="1450" b="1" dirty="0">
-                <a:solidFill>
-                  <a:srgbClr val="000000"/>
-                </a:solidFill>
-                <a:latin typeface="Aptos" panose="020B0004020202020204" pitchFamily="34" charset="0"/>
-              </a:rPr>
-              <a:t>3748</a:t>
-            </a:r>
-            <a:r>
-              <a:rPr lang="en-US" sz="1450" dirty="0">
-                <a:solidFill>
-                  <a:srgbClr val="000000"/>
-                </a:solidFill>
-                <a:latin typeface="Aptos" panose="020B0004020202020204" pitchFamily="34" charset="0"/>
-              </a:rPr>
-              <a:t>. Early morning he comes there to take his container. He asks a boy to move the new </a:t>
-            </a:r>
-            <a:r>
-              <a:rPr lang="en-US" sz="1450" b="1" dirty="0">
-                <a:solidFill>
-                  <a:srgbClr val="000000"/>
-                </a:solidFill>
-                <a:latin typeface="Aptos" panose="020B0004020202020204" pitchFamily="34" charset="0"/>
-              </a:rPr>
-              <a:t>3745</a:t>
-            </a:r>
-            <a:r>
-              <a:rPr lang="en-US" sz="1450" dirty="0">
-                <a:solidFill>
-                  <a:srgbClr val="000000"/>
-                </a:solidFill>
-                <a:latin typeface="Aptos" panose="020B0004020202020204" pitchFamily="34" charset="0"/>
-              </a:rPr>
-              <a:t> to the place of original </a:t>
-            </a:r>
-            <a:r>
-              <a:rPr lang="en-US" sz="1450" b="1" dirty="0">
-                <a:solidFill>
-                  <a:srgbClr val="000000"/>
-                </a:solidFill>
-                <a:latin typeface="Aptos" panose="020B0004020202020204" pitchFamily="34" charset="0"/>
-              </a:rPr>
-              <a:t>3745 </a:t>
-            </a:r>
-            <a:r>
-              <a:rPr lang="en-US" sz="1450" dirty="0">
-                <a:solidFill>
-                  <a:srgbClr val="000000"/>
-                </a:solidFill>
-                <a:latin typeface="Aptos" panose="020B0004020202020204" pitchFamily="34" charset="0"/>
-              </a:rPr>
-              <a:t>and gives him a tip. He takes the help of Joseph to carry out the container. He spray paints the number again to </a:t>
-            </a:r>
-            <a:r>
-              <a:rPr lang="en-US" sz="1450" b="1" dirty="0">
-                <a:solidFill>
-                  <a:srgbClr val="000000"/>
-                </a:solidFill>
-                <a:latin typeface="Aptos" panose="020B0004020202020204" pitchFamily="34" charset="0"/>
-              </a:rPr>
-              <a:t>3745</a:t>
-            </a:r>
-            <a:r>
-              <a:rPr lang="en-US" sz="1450" dirty="0">
-                <a:solidFill>
-                  <a:srgbClr val="000000"/>
-                </a:solidFill>
-                <a:latin typeface="Aptos" panose="020B0004020202020204" pitchFamily="34" charset="0"/>
-              </a:rPr>
-              <a:t>, opens it using a plyer, clicks the photo of money and sends it to the lawyer. </a:t>
-            </a:r>
-            <a:endParaRPr lang="en-US" sz="1450" dirty="0"/>
+              <a:t>Anthony rejoices and says still one thing is left and I a worried about that. Arjun says the evidence, right? I have a plan. Anthony says I believe you Mr. Consultant.</a:t>
+            </a:r>
+            <a:endParaRPr lang="en-US" sz="1400" dirty="0"/>
           </a:p>
         </p:txBody>
       </p:sp>
@@ -34386,8 +35826,8 @@
         </p:nvSpPr>
         <p:spPr>
           <a:xfrm>
-            <a:off x="159488" y="116958"/>
-            <a:ext cx="12333767" cy="7082355"/>
+            <a:off x="0" y="97972"/>
+            <a:ext cx="12493255" cy="7021285"/>
           </a:xfrm>
         </p:spPr>
         <p:txBody>
@@ -34412,16 +35852,17 @@
                 <a:ea typeface="+mn-ea"/>
                 <a:cs typeface="+mn-cs"/>
               </a:rPr>
-              <a:t>Arjun on the phone says now it is time for the next step. Anthony dances in joy. The NCB officer asks lawyer where did he go and says if he is not back in 10 minutes then I will tear this contract and throw it on his face.</a:t>
-            </a:r>
-          </a:p>
-          <a:p>
-            <a:pPr marL="0" indent="0">
-              <a:spcBef>
-                <a:spcPts val="500"/>
-              </a:spcBef>
-              <a:buNone/>
-            </a:pPr>
+              <a:t>Ashwa asks Arjun what next. Arjun remembers the waiter telling the lawyer that </a:t>
+            </a:r>
+            <a:r>
+              <a:rPr lang="en-US" sz="1500" dirty="0">
+                <a:solidFill>
+                  <a:srgbClr val="000000"/>
+                </a:solidFill>
+                <a:latin typeface="Aptos" panose="020B0004020202020204" pitchFamily="34" charset="0"/>
+              </a:rPr>
+              <a:t>you </a:t>
+            </a:r>
             <a:r>
               <a:rPr lang="en-US" sz="1500" kern="1200" dirty="0">
                 <a:solidFill>
@@ -34432,20 +35873,33 @@
                 <a:ea typeface="+mn-ea"/>
                 <a:cs typeface="+mn-cs"/>
               </a:rPr>
-              <a:t>Chandru walks back in and sees Manu sitting with his goons waiting for him. </a:t>
-            </a:r>
-            <a:r>
-              <a:rPr lang="en-US" sz="1500" kern="1200" dirty="0" err="1">
+              <a:t>always come on time at 9PM but you are late today. Arjun looks at the time it is 8PM. Arjun says need some luck now. They are in bar now. Arjun says we have some luck. They see the lawyer drinking alone.</a:t>
+            </a:r>
+          </a:p>
+          <a:p>
+            <a:pPr marL="0" indent="0">
+              <a:spcBef>
+                <a:spcPts val="500"/>
+              </a:spcBef>
+              <a:buNone/>
+            </a:pPr>
+            <a:r>
+              <a:rPr lang="en-US" sz="1500" dirty="0">
                 <a:solidFill>
                   <a:srgbClr val="000000"/>
                 </a:solidFill>
-                <a:effectLst/>
                 <a:latin typeface="Aptos" panose="020B0004020202020204" pitchFamily="34" charset="0"/>
-                <a:ea typeface="+mn-ea"/>
-                <a:cs typeface="+mn-cs"/>
               </a:rPr>
-              <a:t>Matke</a:t>
-            </a:r>
+              <a:t>Arjun walks and sits in front of Ramesh. Ramesh asks who is he. Arjun puts the bag of money on the table. Ramesh fears. Arjun says your boss has no money left now. Also, he is furious that you cheated him because only you knew the location of the money. Ramesh says what do you want from me? You have no idea how powerful I am. Arjun reaches his back. Ramesh gets scared and says please do not do anything to me. Arjun scratches his back and says don’t be scared. The waiter comes there and says oh sir you bought your friend today. Ramesh looks at him with a blank face. Arjun says bring me MH and some cold water. Waiter says sure sir and walks away.</a:t>
+            </a:r>
+          </a:p>
+          <a:p>
+            <a:pPr marL="0" indent="0">
+              <a:spcBef>
+                <a:spcPts val="500"/>
+              </a:spcBef>
+              <a:buNone/>
+            </a:pPr>
             <a:r>
               <a:rPr lang="en-US" sz="1500" kern="1200" dirty="0">
                 <a:solidFill>
@@ -34456,7 +35910,7 @@
                 <a:ea typeface="+mn-ea"/>
                 <a:cs typeface="+mn-cs"/>
               </a:rPr>
-              <a:t> guards Chandru. Manu says so thought you are making a deal to go out? And I will be stuck here forever? You are planning to leave the people who worked for you here? </a:t>
+              <a:t>Arjun says </a:t>
             </a:r>
             <a:r>
               <a:rPr lang="en-US" sz="1500" dirty="0">
@@ -34465,7 +35919,42 @@
                 </a:solidFill>
                 <a:latin typeface="Aptos" panose="020B0004020202020204" pitchFamily="34" charset="0"/>
               </a:rPr>
-              <a:t>Few guards of Chandru attack Manu and Manu’s guards fight back. Manu is stopped by </a:t>
+              <a:t>he needs to know what proof does Chandru have against Anthony. Ramesh says I cannot tell that it has client confidentiality I am very powerful just handover the money and grabs the bag. Ashwa comes there and sits next to the lawyer and points a gun to his stomach. Ramesh gets scared, looks at the gun and says please do not do anything to me. I have a wife and a son they are staying in Hassan 5</a:t>
+            </a:r>
+            <a:r>
+              <a:rPr lang="en-US" sz="1500" baseline="30000" dirty="0">
+                <a:solidFill>
+                  <a:srgbClr val="000000"/>
+                </a:solidFill>
+                <a:latin typeface="Aptos" panose="020B0004020202020204" pitchFamily="34" charset="0"/>
+              </a:rPr>
+              <a:t>th</a:t>
+            </a:r>
+            <a:r>
+              <a:rPr lang="en-US" sz="1500" dirty="0">
+                <a:solidFill>
+                  <a:srgbClr val="000000"/>
+                </a:solidFill>
+                <a:latin typeface="Aptos" panose="020B0004020202020204" pitchFamily="34" charset="0"/>
+              </a:rPr>
+              <a:t> main in my wife’s house on vacation. Arjun says you just gave us your wife and son’s location. </a:t>
+            </a:r>
+          </a:p>
+          <a:p>
+            <a:pPr marL="0" indent="0">
+              <a:spcBef>
+                <a:spcPts val="500"/>
+              </a:spcBef>
+              <a:buNone/>
+            </a:pPr>
+            <a:r>
+              <a:rPr lang="en-US" sz="1500" dirty="0">
+                <a:solidFill>
+                  <a:srgbClr val="000000"/>
+                </a:solidFill>
+                <a:latin typeface="Aptos" panose="020B0004020202020204" pitchFamily="34" charset="0"/>
+              </a:rPr>
+              <a:t>Waiter walks in with order, looks at Ashwa and says what sir today full party. Ashwa says get me an OT. Waiter asks with water? Ashwa says no, no water with beer. Waiter opens the MH and pours a peg for Arjun. Arjun picks it up to drink. Ashwa stops him and says you do not have manners you should give some to </a:t>
             </a:r>
             <a:r>
               <a:rPr lang="en-US" sz="1500" dirty="0" err="1">
@@ -34474,17 +35963,178 @@
                 </a:solidFill>
                 <a:latin typeface="Aptos" panose="020B0004020202020204" pitchFamily="34" charset="0"/>
               </a:rPr>
-              <a:t>Matke</a:t>
-            </a:r>
-            <a:r>
-              <a:rPr lang="en-US" sz="1500">
+              <a:t>pitru</a:t>
+            </a:r>
+            <a:r>
+              <a:rPr lang="en-US" sz="1500" dirty="0">
                 <a:solidFill>
                   <a:srgbClr val="000000"/>
                 </a:solidFill>
                 <a:latin typeface="Aptos" panose="020B0004020202020204" pitchFamily="34" charset="0"/>
               </a:rPr>
-              <a:t>.</a:t>
-            </a:r>
+              <a:t>. Ramesh to agrees and says that is a basic manners sir. Ashwa says along with driving and chemistry I must teach you some manners to. </a:t>
+            </a:r>
+            <a:r>
+              <a:rPr lang="en-US" sz="1500" kern="1200" dirty="0">
+                <a:solidFill>
+                  <a:srgbClr val="000000"/>
+                </a:solidFill>
+                <a:effectLst/>
+                <a:latin typeface="Aptos" panose="020B0004020202020204" pitchFamily="34" charset="0"/>
+                <a:ea typeface="+mn-ea"/>
+                <a:cs typeface="+mn-cs"/>
+              </a:rPr>
+              <a:t>Arjun says okay, okay</a:t>
+            </a:r>
+            <a:r>
+              <a:rPr lang="en-US" sz="1500" dirty="0">
+                <a:solidFill>
+                  <a:srgbClr val="000000"/>
+                </a:solidFill>
+                <a:latin typeface="Aptos" panose="020B0004020202020204" pitchFamily="34" charset="0"/>
+              </a:rPr>
+              <a:t>! </a:t>
+            </a:r>
+            <a:r>
+              <a:rPr lang="en-US" sz="1500" kern="1200" dirty="0">
+                <a:solidFill>
+                  <a:srgbClr val="000000"/>
+                </a:solidFill>
+                <a:effectLst/>
+                <a:latin typeface="Aptos" panose="020B0004020202020204" pitchFamily="34" charset="0"/>
+                <a:ea typeface="+mn-ea"/>
+                <a:cs typeface="+mn-cs"/>
+              </a:rPr>
+              <a:t>what is the evidence. </a:t>
+            </a:r>
+          </a:p>
+          <a:p>
+            <a:pPr marL="0" indent="0">
+              <a:spcBef>
+                <a:spcPts val="500"/>
+              </a:spcBef>
+              <a:buNone/>
+            </a:pPr>
+            <a:r>
+              <a:rPr lang="en-US" sz="1500" kern="1200" dirty="0">
+                <a:solidFill>
+                  <a:srgbClr val="000000"/>
+                </a:solidFill>
+                <a:effectLst/>
+                <a:latin typeface="Aptos" panose="020B0004020202020204" pitchFamily="34" charset="0"/>
+                <a:ea typeface="+mn-ea"/>
+                <a:cs typeface="+mn-cs"/>
+              </a:rPr>
+              <a:t>Ramesh says I will be killed if I tell you. Ashwa says you will be killed here if you do not. Arjun says so will your wife and son, also, Chandru has no money left. Ramesh drinks a peg and says so the evidence is a collection of ledger of transactions that Anthony received from Chandru and peddlers and puts a document on the table. Arjun says is that it?</a:t>
+            </a:r>
+          </a:p>
+          <a:p>
+            <a:pPr marL="0" indent="0">
+              <a:spcBef>
+                <a:spcPts val="500"/>
+              </a:spcBef>
+              <a:buNone/>
+            </a:pPr>
+            <a:r>
+              <a:rPr lang="en-US" sz="1500" kern="1200" dirty="0">
+                <a:solidFill>
+                  <a:srgbClr val="000000"/>
+                </a:solidFill>
+                <a:effectLst/>
+                <a:latin typeface="Aptos" panose="020B0004020202020204" pitchFamily="34" charset="0"/>
+                <a:ea typeface="+mn-ea"/>
+                <a:cs typeface="+mn-cs"/>
+              </a:rPr>
+              <a:t>Ramesh asks Ashwa to take off the gun. Ashwa takes it off and his order comes. He mixes OT with beer and drinks. Ramesh and Arjun look at him in shock. Ashwa says please continue. Waiter one more 90 please.</a:t>
+            </a:r>
+          </a:p>
+          <a:p>
+            <a:pPr marL="0" indent="0">
+              <a:spcBef>
+                <a:spcPts val="500"/>
+              </a:spcBef>
+              <a:buNone/>
+            </a:pPr>
+            <a:r>
+              <a:rPr lang="en-US" sz="1500" dirty="0">
+                <a:solidFill>
+                  <a:srgbClr val="000000"/>
+                </a:solidFill>
+                <a:latin typeface="Aptos" panose="020B0004020202020204" pitchFamily="34" charset="0"/>
+              </a:rPr>
+              <a:t>Ramesh continues and says there are photos of drugs and the same drugs on the dock of Anthony’s cargo as he shows the images in his tablet. This will tie Anthony to drugs and ultimately the ledger. But the main evidence is. Ashwa says one more 90. Ramesh says get one for me too.</a:t>
+            </a:r>
+          </a:p>
+          <a:p>
+            <a:pPr marL="0" indent="0">
+              <a:spcBef>
+                <a:spcPts val="500"/>
+              </a:spcBef>
+              <a:buNone/>
+            </a:pPr>
+            <a:r>
+              <a:rPr lang="en-US" sz="1500" kern="1200" dirty="0">
+                <a:solidFill>
+                  <a:srgbClr val="000000"/>
+                </a:solidFill>
+                <a:effectLst/>
+                <a:latin typeface="Aptos" panose="020B0004020202020204" pitchFamily="34" charset="0"/>
+                <a:ea typeface="+mn-ea"/>
+                <a:cs typeface="+mn-cs"/>
+              </a:rPr>
+              <a:t>Ramesh says but the main evidence is the voice and video recording. He shows the video of Anthony talking about drugs, shaking hands, taking money etc. Arjun asks where is all this. Ramesh says I have onl</a:t>
+            </a:r>
+            <a:r>
+              <a:rPr lang="en-US" sz="1500" dirty="0">
+                <a:solidFill>
+                  <a:srgbClr val="000000"/>
+                </a:solidFill>
+                <a:latin typeface="Aptos" panose="020B0004020202020204" pitchFamily="34" charset="0"/>
+              </a:rPr>
+              <a:t>y the copy. The original is in a locker of Rishi Private Vaults. Arjun says so you will take us there tomorrow and hand us the evidence. Ramesh says I cannot. </a:t>
+            </a:r>
+          </a:p>
+          <a:p>
+            <a:pPr marL="0" indent="0">
+              <a:spcBef>
+                <a:spcPts val="500"/>
+              </a:spcBef>
+              <a:buNone/>
+            </a:pPr>
+            <a:r>
+              <a:rPr lang="en-US" sz="1500" dirty="0">
+                <a:solidFill>
+                  <a:srgbClr val="000000"/>
+                </a:solidFill>
+                <a:latin typeface="Aptos" panose="020B0004020202020204" pitchFamily="34" charset="0"/>
+              </a:rPr>
+              <a:t>Ashwa hold the gun to his head. Ramesh gets scared and says I swear I would have done it if I could but, I just have the key and only Chandru knows the passcode. Camera pans out to reveal Ashwa pointing with his hand and not the gun.</a:t>
+            </a:r>
+          </a:p>
+          <a:p>
+            <a:pPr marL="0" indent="0">
+              <a:spcBef>
+                <a:spcPts val="500"/>
+              </a:spcBef>
+              <a:buNone/>
+            </a:pPr>
+            <a:r>
+              <a:rPr lang="en-US" sz="1500" dirty="0">
+                <a:solidFill>
+                  <a:srgbClr val="000000"/>
+                </a:solidFill>
+                <a:latin typeface="Aptos" panose="020B0004020202020204" pitchFamily="34" charset="0"/>
+              </a:rPr>
+              <a:t>Arjun asks so if we get the passcode we can open the locker. Ramesh says locker must be opened with 2 keys. One will be opened by the key that bank has and the other will be opened by the key that owner has. Arjun says give me the key then. Ramesh says but only the owner or attorney are allowed inside the vault room. So, you will do that then. Ashwa says what about the passcode. Arjun says let me think about it. Ashwa says one more 90.</a:t>
+            </a:r>
+          </a:p>
+          <a:p>
+            <a:pPr marL="0" indent="0">
+              <a:spcBef>
+                <a:spcPts val="500"/>
+              </a:spcBef>
+              <a:buNone/>
+            </a:pPr>
             <a:endParaRPr lang="en-US" sz="1500" kern="1200" dirty="0">
               <a:solidFill>
                 <a:srgbClr val="000000"/>
@@ -34494,27 +36144,6 @@
               <a:ea typeface="+mn-ea"/>
               <a:cs typeface="+mn-cs"/>
             </a:endParaRPr>
-          </a:p>
-          <a:p>
-            <a:pPr marL="0" indent="0">
-              <a:spcBef>
-                <a:spcPts val="500"/>
-              </a:spcBef>
-              <a:buNone/>
-            </a:pPr>
-            <a:r>
-              <a:rPr lang="en-US" sz="1500" kern="1200" dirty="0">
-                <a:solidFill>
-                  <a:srgbClr val="000000"/>
-                </a:solidFill>
-                <a:effectLst/>
-                <a:latin typeface="Aptos" panose="020B0004020202020204" pitchFamily="34" charset="0"/>
-                <a:ea typeface="+mn-ea"/>
-                <a:cs typeface="+mn-cs"/>
-              </a:rPr>
-              <a:t>Anthony walks there and stand behind Chandru and says I will give you a last change for old times sake. Tell me where the stash is, and I will give you back the money. Chandru says what good is the money if I cannot go out? Anthony calls everyone and makes a statement. He says so the great Mr. Chandru is broke. So, can you all guess who the new the boss of the prison is? People chant Anthony. Anthony says you all are wrong. The new boss of this prison is Manu.</a:t>
-            </a:r>
-            <a:endParaRPr lang="en-US" sz="1500" dirty="0"/>
           </a:p>
         </p:txBody>
       </p:sp>
@@ -34532,6 +36161,185 @@
 </file>
 
 <file path=ppt/slides/slide8.xml><?xml version="1.0" encoding="utf-8"?>
+<p:sld xmlns:a="http://schemas.openxmlformats.org/drawingml/2006/main" xmlns:r="http://schemas.openxmlformats.org/officeDocument/2006/relationships" xmlns:p="http://schemas.openxmlformats.org/presentationml/2006/main">
+  <p:cSld>
+    <p:spTree>
+      <p:nvGrpSpPr>
+        <p:cNvPr id="1" name="">
+          <a:extLst>
+            <a:ext uri="{FF2B5EF4-FFF2-40B4-BE49-F238E27FC236}">
+              <a16:creationId xmlns:a16="http://schemas.microsoft.com/office/drawing/2014/main" id="{DA770963-EE38-2D8A-3C54-4339C78F3798}"/>
+            </a:ext>
+          </a:extLst>
+        </p:cNvPr>
+        <p:cNvGrpSpPr/>
+        <p:nvPr/>
+      </p:nvGrpSpPr>
+      <p:grpSpPr>
+        <a:xfrm>
+          <a:off x="0" y="0"/>
+          <a:ext cx="0" cy="0"/>
+          <a:chOff x="0" y="0"/>
+          <a:chExt cx="0" cy="0"/>
+        </a:xfrm>
+      </p:grpSpPr>
+      <p:sp>
+        <p:nvSpPr>
+          <p:cNvPr id="3" name="Content Placeholder 2">
+            <a:extLst>
+              <a:ext uri="{FF2B5EF4-FFF2-40B4-BE49-F238E27FC236}">
+                <a16:creationId xmlns:a16="http://schemas.microsoft.com/office/drawing/2014/main" id="{CEBBD21B-0AE4-7456-A006-C992E97B6436}"/>
+              </a:ext>
+            </a:extLst>
+          </p:cNvPr>
+          <p:cNvSpPr>
+            <a:spLocks noGrp="1"/>
+          </p:cNvSpPr>
+          <p:nvPr>
+            <p:ph idx="1"/>
+          </p:nvPr>
+        </p:nvSpPr>
+        <p:spPr>
+          <a:xfrm>
+            <a:off x="0" y="116958"/>
+            <a:ext cx="12493255" cy="7082355"/>
+          </a:xfrm>
+        </p:spPr>
+        <p:txBody>
+          <a:bodyPr vert="horz" lIns="91440" tIns="45720" rIns="91440" bIns="0" rtlCol="0">
+            <a:noAutofit/>
+          </a:bodyPr>
+          <a:lstStyle/>
+          <a:p>
+            <a:pPr marL="0" indent="0">
+              <a:spcBef>
+                <a:spcPts val="500"/>
+              </a:spcBef>
+              <a:buNone/>
+            </a:pPr>
+            <a:r>
+              <a:rPr lang="en-US" sz="1500" kern="1200" dirty="0">
+                <a:solidFill>
+                  <a:srgbClr val="000000"/>
+                </a:solidFill>
+                <a:effectLst/>
+                <a:latin typeface="Aptos" panose="020B0004020202020204" pitchFamily="34" charset="0"/>
+                <a:ea typeface="+mn-ea"/>
+                <a:cs typeface="+mn-cs"/>
+              </a:rPr>
+              <a:t>Next day Ashwa is sitting </a:t>
+            </a:r>
+            <a:r>
+              <a:rPr lang="en-US" sz="1500" dirty="0">
+                <a:solidFill>
+                  <a:srgbClr val="000000"/>
+                </a:solidFill>
+                <a:latin typeface="Aptos" panose="020B0004020202020204" pitchFamily="34" charset="0"/>
+              </a:rPr>
+              <a:t>with Anthony in the prison meetup place. Ashwa says you understand what must be done right. This is what Arjun has planned. Anthony says got it Mission Manu. Ashwa says take this ring and give me yours. They exchange rings. Anthony asks what is this. Ashwa says this tablet is flavorless, tasteless, smell-less and when mixed with heart tablets (that Chandru must be taking) in the blood, this will thicken the blood and cause a mild heart attack. Ashwa looks to the left and signs. Anthony sees the money bag being carried out by  a guard. Ashwa says it has money.</a:t>
+            </a:r>
+          </a:p>
+          <a:p>
+            <a:pPr marL="0" indent="0">
+              <a:spcBef>
+                <a:spcPts val="500"/>
+              </a:spcBef>
+              <a:buNone/>
+            </a:pPr>
+            <a:r>
+              <a:rPr lang="en-US" sz="1500" dirty="0">
+                <a:solidFill>
+                  <a:srgbClr val="000000"/>
+                </a:solidFill>
+                <a:latin typeface="Aptos" panose="020B0004020202020204" pitchFamily="34" charset="0"/>
+              </a:rPr>
+              <a:t>Anthony is sitting alone with his ring. The ring opens into a pocket holding the tablet. He sees Manu smoking. He calls Manu and walks to him. Anthony asks Manu how he is and what his life has become. He says see Manu I have given some money to the Deputy Guard. Your father is no longer in change of this place. I have stripped him from his position. But, you can take over. You must do a job for me. Manu asks what is it? I need you to extract an information from your beloved father and in exchange this prison will be your territory till you come out.</a:t>
+            </a:r>
+          </a:p>
+          <a:p>
+            <a:pPr marL="0" indent="0">
+              <a:spcBef>
+                <a:spcPts val="500"/>
+              </a:spcBef>
+              <a:buNone/>
+            </a:pPr>
+            <a:endParaRPr lang="en-US" sz="1500" dirty="0">
+              <a:solidFill>
+                <a:srgbClr val="000000"/>
+              </a:solidFill>
+              <a:latin typeface="Aptos" panose="020B0004020202020204" pitchFamily="34" charset="0"/>
+            </a:endParaRPr>
+          </a:p>
+          <a:p>
+            <a:pPr marL="0" indent="0">
+              <a:spcBef>
+                <a:spcPts val="500"/>
+              </a:spcBef>
+              <a:buNone/>
+            </a:pPr>
+            <a:endParaRPr lang="en-US" sz="1500" dirty="0">
+              <a:solidFill>
+                <a:srgbClr val="000000"/>
+              </a:solidFill>
+              <a:latin typeface="Aptos" panose="020B0004020202020204" pitchFamily="34" charset="0"/>
+            </a:endParaRPr>
+          </a:p>
+          <a:p>
+            <a:pPr marL="0" indent="0">
+              <a:spcBef>
+                <a:spcPts val="500"/>
+              </a:spcBef>
+              <a:buNone/>
+            </a:pPr>
+            <a:endParaRPr lang="en-US" sz="1500" dirty="0">
+              <a:solidFill>
+                <a:srgbClr val="000000"/>
+              </a:solidFill>
+              <a:latin typeface="Aptos" panose="020B0004020202020204" pitchFamily="34" charset="0"/>
+            </a:endParaRPr>
+          </a:p>
+          <a:p>
+            <a:pPr marL="0" indent="0">
+              <a:spcBef>
+                <a:spcPts val="500"/>
+              </a:spcBef>
+              <a:buNone/>
+            </a:pPr>
+            <a:r>
+              <a:rPr lang="en-US" sz="1500" dirty="0">
+                <a:solidFill>
+                  <a:srgbClr val="000000"/>
+                </a:solidFill>
+                <a:latin typeface="Aptos" panose="020B0004020202020204" pitchFamily="34" charset="0"/>
+              </a:rPr>
+              <a:t> </a:t>
+            </a:r>
+            <a:endParaRPr lang="en-US" sz="1500" kern="1200" dirty="0">
+              <a:solidFill>
+                <a:srgbClr val="000000"/>
+              </a:solidFill>
+              <a:effectLst/>
+              <a:latin typeface="Aptos" panose="020B0004020202020204" pitchFamily="34" charset="0"/>
+              <a:ea typeface="+mn-ea"/>
+              <a:cs typeface="+mn-cs"/>
+            </a:endParaRPr>
+          </a:p>
+        </p:txBody>
+      </p:sp>
+    </p:spTree>
+    <p:extLst>
+      <p:ext uri="{BB962C8B-B14F-4D97-AF65-F5344CB8AC3E}">
+        <p14:creationId xmlns:p14="http://schemas.microsoft.com/office/powerpoint/2010/main" val="1915751732"/>
+      </p:ext>
+    </p:extLst>
+  </p:cSld>
+  <p:clrMapOvr>
+    <a:masterClrMapping/>
+  </p:clrMapOvr>
+</p:sld>
+</file>
+
+<file path=ppt/slides/slide9.xml><?xml version="1.0" encoding="utf-8"?>
 <p:sld xmlns:a="http://schemas.openxmlformats.org/drawingml/2006/main" xmlns:r="http://schemas.openxmlformats.org/officeDocument/2006/relationships" xmlns:p="http://schemas.openxmlformats.org/presentationml/2006/main">
   <p:cSld>
     <p:spTree>
@@ -34754,1455 +36562,6 @@
     <p:extLst>
       <p:ext uri="{BB962C8B-B14F-4D97-AF65-F5344CB8AC3E}">
         <p14:creationId xmlns:p14="http://schemas.microsoft.com/office/powerpoint/2010/main" val="3429193599"/>
-      </p:ext>
-    </p:extLst>
-  </p:cSld>
-  <p:clrMapOvr>
-    <a:masterClrMapping/>
-  </p:clrMapOvr>
-</p:sld>
-</file>
-
-<file path=ppt/slides/slide9.xml><?xml version="1.0" encoding="utf-8"?>
-<p:sld xmlns:a="http://schemas.openxmlformats.org/drawingml/2006/main" xmlns:r="http://schemas.openxmlformats.org/officeDocument/2006/relationships" xmlns:p="http://schemas.openxmlformats.org/presentationml/2006/main">
-  <p:cSld>
-    <p:spTree>
-      <p:nvGrpSpPr>
-        <p:cNvPr id="1" name=""/>
-        <p:cNvGrpSpPr/>
-        <p:nvPr/>
-      </p:nvGrpSpPr>
-      <p:grpSpPr>
-        <a:xfrm>
-          <a:off x="0" y="0"/>
-          <a:ext cx="0" cy="0"/>
-          <a:chOff x="0" y="0"/>
-          <a:chExt cx="0" cy="0"/>
-        </a:xfrm>
-      </p:grpSpPr>
-      <p:sp>
-        <p:nvSpPr>
-          <p:cNvPr id="4" name="Oval 3">
-            <a:extLst>
-              <a:ext uri="{FF2B5EF4-FFF2-40B4-BE49-F238E27FC236}">
-                <a16:creationId xmlns:a16="http://schemas.microsoft.com/office/drawing/2014/main" id="{254C132E-C8BB-91B1-CDAE-E1A53BD3287C}"/>
-              </a:ext>
-            </a:extLst>
-          </p:cNvPr>
-          <p:cNvSpPr/>
-          <p:nvPr/>
-        </p:nvSpPr>
-        <p:spPr>
-          <a:xfrm>
-            <a:off x="2664759" y="993815"/>
-            <a:ext cx="1554480" cy="1051560"/>
-          </a:xfrm>
-          <a:prstGeom prst="ellipse">
-            <a:avLst/>
-          </a:prstGeom>
-        </p:spPr>
-        <p:style>
-          <a:lnRef idx="2">
-            <a:schemeClr val="accent1">
-              <a:shade val="15000"/>
-            </a:schemeClr>
-          </a:lnRef>
-          <a:fillRef idx="1">
-            <a:schemeClr val="accent1"/>
-          </a:fillRef>
-          <a:effectRef idx="0">
-            <a:schemeClr val="accent1"/>
-          </a:effectRef>
-          <a:fontRef idx="minor">
-            <a:schemeClr val="lt1"/>
-          </a:fontRef>
-        </p:style>
-        <p:txBody>
-          <a:bodyPr rtlCol="0" anchor="ctr"/>
-          <a:lstStyle/>
-          <a:p>
-            <a:pPr algn="ctr"/>
-            <a:r>
-              <a:rPr lang="en-US" dirty="0"/>
-              <a:t>CID</a:t>
-            </a:r>
-          </a:p>
-        </p:txBody>
-      </p:sp>
-      <p:sp>
-        <p:nvSpPr>
-          <p:cNvPr id="5" name="Oval 4">
-            <a:extLst>
-              <a:ext uri="{FF2B5EF4-FFF2-40B4-BE49-F238E27FC236}">
-                <a16:creationId xmlns:a16="http://schemas.microsoft.com/office/drawing/2014/main" id="{518B5137-E940-9B6D-96EB-FA7F092F9BE5}"/>
-              </a:ext>
-            </a:extLst>
-          </p:cNvPr>
-          <p:cNvSpPr/>
-          <p:nvPr/>
-        </p:nvSpPr>
-        <p:spPr>
-          <a:xfrm>
-            <a:off x="5677705" y="993815"/>
-            <a:ext cx="1554480" cy="1051560"/>
-          </a:xfrm>
-          <a:prstGeom prst="ellipse">
-            <a:avLst/>
-          </a:prstGeom>
-        </p:spPr>
-        <p:style>
-          <a:lnRef idx="2">
-            <a:schemeClr val="accent1">
-              <a:shade val="15000"/>
-            </a:schemeClr>
-          </a:lnRef>
-          <a:fillRef idx="1">
-            <a:schemeClr val="accent1"/>
-          </a:fillRef>
-          <a:effectRef idx="0">
-            <a:schemeClr val="accent1"/>
-          </a:effectRef>
-          <a:fontRef idx="minor">
-            <a:schemeClr val="lt1"/>
-          </a:fontRef>
-        </p:style>
-        <p:txBody>
-          <a:bodyPr rtlCol="0" anchor="ctr"/>
-          <a:lstStyle/>
-          <a:p>
-            <a:pPr algn="ctr"/>
-            <a:r>
-              <a:rPr lang="en-US" dirty="0"/>
-              <a:t>CBI</a:t>
-            </a:r>
-          </a:p>
-        </p:txBody>
-      </p:sp>
-      <p:sp>
-        <p:nvSpPr>
-          <p:cNvPr id="6" name="Oval 5">
-            <a:extLst>
-              <a:ext uri="{FF2B5EF4-FFF2-40B4-BE49-F238E27FC236}">
-                <a16:creationId xmlns:a16="http://schemas.microsoft.com/office/drawing/2014/main" id="{F36642AF-F7D3-C974-2DF3-74BBA50A015E}"/>
-              </a:ext>
-            </a:extLst>
-          </p:cNvPr>
-          <p:cNvSpPr/>
-          <p:nvPr/>
-        </p:nvSpPr>
-        <p:spPr>
-          <a:xfrm>
-            <a:off x="8539776" y="993815"/>
-            <a:ext cx="1554480" cy="1051560"/>
-          </a:xfrm>
-          <a:prstGeom prst="ellipse">
-            <a:avLst/>
-          </a:prstGeom>
-        </p:spPr>
-        <p:style>
-          <a:lnRef idx="2">
-            <a:schemeClr val="accent1">
-              <a:shade val="15000"/>
-            </a:schemeClr>
-          </a:lnRef>
-          <a:fillRef idx="1">
-            <a:schemeClr val="accent1"/>
-          </a:fillRef>
-          <a:effectRef idx="0">
-            <a:schemeClr val="accent1"/>
-          </a:effectRef>
-          <a:fontRef idx="minor">
-            <a:schemeClr val="lt1"/>
-          </a:fontRef>
-        </p:style>
-        <p:txBody>
-          <a:bodyPr rtlCol="0" anchor="ctr"/>
-          <a:lstStyle/>
-          <a:p>
-            <a:pPr algn="ctr"/>
-            <a:r>
-              <a:rPr lang="en-US" dirty="0"/>
-              <a:t>NCB</a:t>
-            </a:r>
-          </a:p>
-        </p:txBody>
-      </p:sp>
-      <p:sp>
-        <p:nvSpPr>
-          <p:cNvPr id="7" name="Oval 6">
-            <a:extLst>
-              <a:ext uri="{FF2B5EF4-FFF2-40B4-BE49-F238E27FC236}">
-                <a16:creationId xmlns:a16="http://schemas.microsoft.com/office/drawing/2014/main" id="{8E17ACD6-C643-6529-CAC0-2460E3A891FB}"/>
-              </a:ext>
-            </a:extLst>
-          </p:cNvPr>
-          <p:cNvSpPr/>
-          <p:nvPr/>
-        </p:nvSpPr>
-        <p:spPr>
-          <a:xfrm>
-            <a:off x="488487" y="993815"/>
-            <a:ext cx="1554480" cy="1051560"/>
-          </a:xfrm>
-          <a:prstGeom prst="ellipse">
-            <a:avLst/>
-          </a:prstGeom>
-        </p:spPr>
-        <p:style>
-          <a:lnRef idx="2">
-            <a:schemeClr val="accent1">
-              <a:shade val="15000"/>
-            </a:schemeClr>
-          </a:lnRef>
-          <a:fillRef idx="1">
-            <a:schemeClr val="accent1"/>
-          </a:fillRef>
-          <a:effectRef idx="0">
-            <a:schemeClr val="accent1"/>
-          </a:effectRef>
-          <a:fontRef idx="minor">
-            <a:schemeClr val="lt1"/>
-          </a:fontRef>
-        </p:style>
-        <p:txBody>
-          <a:bodyPr rtlCol="0" anchor="ctr"/>
-          <a:lstStyle/>
-          <a:p>
-            <a:pPr algn="ctr"/>
-            <a:r>
-              <a:rPr lang="en-US" dirty="0"/>
-              <a:t>Police</a:t>
-            </a:r>
-          </a:p>
-        </p:txBody>
-      </p:sp>
-      <p:sp>
-        <p:nvSpPr>
-          <p:cNvPr id="8" name="Rectangle 7">
-            <a:extLst>
-              <a:ext uri="{FF2B5EF4-FFF2-40B4-BE49-F238E27FC236}">
-                <a16:creationId xmlns:a16="http://schemas.microsoft.com/office/drawing/2014/main" id="{849B3CB8-5FEE-7B33-D3FC-D266514E200B}"/>
-              </a:ext>
-            </a:extLst>
-          </p:cNvPr>
-          <p:cNvSpPr/>
-          <p:nvPr/>
-        </p:nvSpPr>
-        <p:spPr>
-          <a:xfrm>
-            <a:off x="488487" y="2744891"/>
-            <a:ext cx="1554480" cy="813816"/>
-          </a:xfrm>
-          <a:prstGeom prst="rect">
-            <a:avLst/>
-          </a:prstGeom>
-          <a:ln>
-            <a:solidFill>
-              <a:schemeClr val="tx1"/>
-            </a:solidFill>
-          </a:ln>
-        </p:spPr>
-        <p:style>
-          <a:lnRef idx="1">
-            <a:schemeClr val="accent6"/>
-          </a:lnRef>
-          <a:fillRef idx="3">
-            <a:schemeClr val="accent6"/>
-          </a:fillRef>
-          <a:effectRef idx="2">
-            <a:schemeClr val="accent6"/>
-          </a:effectRef>
-          <a:fontRef idx="minor">
-            <a:schemeClr val="lt1"/>
-          </a:fontRef>
-        </p:style>
-        <p:txBody>
-          <a:bodyPr rtlCol="0" anchor="ctr"/>
-          <a:lstStyle/>
-          <a:p>
-            <a:pPr algn="ctr"/>
-            <a:r>
-              <a:rPr lang="en-US" dirty="0"/>
-              <a:t>Stolen Purse of Aisha</a:t>
-            </a:r>
-          </a:p>
-        </p:txBody>
-      </p:sp>
-      <p:sp>
-        <p:nvSpPr>
-          <p:cNvPr id="9" name="Rectangle 8">
-            <a:extLst>
-              <a:ext uri="{FF2B5EF4-FFF2-40B4-BE49-F238E27FC236}">
-                <a16:creationId xmlns:a16="http://schemas.microsoft.com/office/drawing/2014/main" id="{B84818A6-0331-84C2-9BAA-2B69A745AE3F}"/>
-              </a:ext>
-            </a:extLst>
-          </p:cNvPr>
-          <p:cNvSpPr/>
-          <p:nvPr/>
-        </p:nvSpPr>
-        <p:spPr>
-          <a:xfrm>
-            <a:off x="2661710" y="2753196"/>
-            <a:ext cx="1554480" cy="813816"/>
-          </a:xfrm>
-          <a:prstGeom prst="rect">
-            <a:avLst/>
-          </a:prstGeom>
-          <a:ln>
-            <a:solidFill>
-              <a:schemeClr val="tx1"/>
-            </a:solidFill>
-          </a:ln>
-        </p:spPr>
-        <p:style>
-          <a:lnRef idx="1">
-            <a:schemeClr val="accent6"/>
-          </a:lnRef>
-          <a:fillRef idx="3">
-            <a:schemeClr val="accent6"/>
-          </a:fillRef>
-          <a:effectRef idx="2">
-            <a:schemeClr val="accent6"/>
-          </a:effectRef>
-          <a:fontRef idx="minor">
-            <a:schemeClr val="lt1"/>
-          </a:fontRef>
-        </p:style>
-        <p:txBody>
-          <a:bodyPr rtlCol="0" anchor="ctr"/>
-          <a:lstStyle/>
-          <a:p>
-            <a:pPr algn="ctr"/>
-            <a:r>
-              <a:rPr lang="en-US" dirty="0"/>
-              <a:t>Murder of Aisha</a:t>
-            </a:r>
-          </a:p>
-        </p:txBody>
-      </p:sp>
-      <p:sp>
-        <p:nvSpPr>
-          <p:cNvPr id="10" name="Rectangle 9">
-            <a:extLst>
-              <a:ext uri="{FF2B5EF4-FFF2-40B4-BE49-F238E27FC236}">
-                <a16:creationId xmlns:a16="http://schemas.microsoft.com/office/drawing/2014/main" id="{208933A3-1272-3850-F136-7AE70417A56A}"/>
-              </a:ext>
-            </a:extLst>
-          </p:cNvPr>
-          <p:cNvSpPr/>
-          <p:nvPr/>
-        </p:nvSpPr>
-        <p:spPr>
-          <a:xfrm>
-            <a:off x="4559851" y="2744891"/>
-            <a:ext cx="1554480" cy="813816"/>
-          </a:xfrm>
-          <a:prstGeom prst="rect">
-            <a:avLst/>
-          </a:prstGeom>
-          <a:ln>
-            <a:solidFill>
-              <a:schemeClr val="tx1"/>
-            </a:solidFill>
-          </a:ln>
-        </p:spPr>
-        <p:style>
-          <a:lnRef idx="1">
-            <a:schemeClr val="accent6"/>
-          </a:lnRef>
-          <a:fillRef idx="3">
-            <a:schemeClr val="accent6"/>
-          </a:fillRef>
-          <a:effectRef idx="2">
-            <a:schemeClr val="accent6"/>
-          </a:effectRef>
-          <a:fontRef idx="minor">
-            <a:schemeClr val="lt1"/>
-          </a:fontRef>
-        </p:style>
-        <p:txBody>
-          <a:bodyPr rtlCol="0" anchor="ctr"/>
-          <a:lstStyle/>
-          <a:p>
-            <a:r>
-              <a:rPr lang="en-US" dirty="0"/>
-              <a:t>Air -Smuggling of Diamonds</a:t>
-            </a:r>
-          </a:p>
-        </p:txBody>
-      </p:sp>
-      <p:sp>
-        <p:nvSpPr>
-          <p:cNvPr id="11" name="Rectangle 10">
-            <a:extLst>
-              <a:ext uri="{FF2B5EF4-FFF2-40B4-BE49-F238E27FC236}">
-                <a16:creationId xmlns:a16="http://schemas.microsoft.com/office/drawing/2014/main" id="{A672170C-6C79-4950-345C-F15EAED9C3A6}"/>
-              </a:ext>
-            </a:extLst>
-          </p:cNvPr>
-          <p:cNvSpPr/>
-          <p:nvPr/>
-        </p:nvSpPr>
-        <p:spPr>
-          <a:xfrm>
-            <a:off x="8539776" y="2744891"/>
-            <a:ext cx="1554480" cy="813816"/>
-          </a:xfrm>
-          <a:prstGeom prst="rect">
-            <a:avLst/>
-          </a:prstGeom>
-          <a:ln>
-            <a:solidFill>
-              <a:schemeClr val="tx1"/>
-            </a:solidFill>
-          </a:ln>
-        </p:spPr>
-        <p:style>
-          <a:lnRef idx="1">
-            <a:schemeClr val="accent6"/>
-          </a:lnRef>
-          <a:fillRef idx="3">
-            <a:schemeClr val="accent6"/>
-          </a:fillRef>
-          <a:effectRef idx="2">
-            <a:schemeClr val="accent6"/>
-          </a:effectRef>
-          <a:fontRef idx="minor">
-            <a:schemeClr val="lt1"/>
-          </a:fontRef>
-        </p:style>
-        <p:txBody>
-          <a:bodyPr rtlCol="0" anchor="ctr"/>
-          <a:lstStyle/>
-          <a:p>
-            <a:pPr algn="ctr"/>
-            <a:r>
-              <a:rPr lang="en-US" dirty="0"/>
-              <a:t>Dealing of drugs</a:t>
-            </a:r>
-          </a:p>
-        </p:txBody>
-      </p:sp>
-      <p:cxnSp>
-        <p:nvCxnSpPr>
-          <p:cNvPr id="13" name="Straight Arrow Connector 12">
-            <a:extLst>
-              <a:ext uri="{FF2B5EF4-FFF2-40B4-BE49-F238E27FC236}">
-                <a16:creationId xmlns:a16="http://schemas.microsoft.com/office/drawing/2014/main" id="{4C9B2BDF-2504-EADF-9921-63478803D007}"/>
-              </a:ext>
-            </a:extLst>
-          </p:cNvPr>
-          <p:cNvCxnSpPr>
-            <a:stCxn id="7" idx="4"/>
-            <a:endCxn id="8" idx="0"/>
-          </p:cNvCxnSpPr>
-          <p:nvPr/>
-        </p:nvCxnSpPr>
-        <p:spPr>
-          <a:xfrm>
-            <a:off x="1265727" y="2045375"/>
-            <a:ext cx="0" cy="699516"/>
-          </a:xfrm>
-          <a:prstGeom prst="straightConnector1">
-            <a:avLst/>
-          </a:prstGeom>
-          <a:ln>
-            <a:tailEnd type="triangle"/>
-          </a:ln>
-        </p:spPr>
-        <p:style>
-          <a:lnRef idx="2">
-            <a:schemeClr val="accent1"/>
-          </a:lnRef>
-          <a:fillRef idx="0">
-            <a:schemeClr val="accent1"/>
-          </a:fillRef>
-          <a:effectRef idx="1">
-            <a:schemeClr val="accent1"/>
-          </a:effectRef>
-          <a:fontRef idx="minor">
-            <a:schemeClr val="tx1"/>
-          </a:fontRef>
-        </p:style>
-      </p:cxnSp>
-      <p:cxnSp>
-        <p:nvCxnSpPr>
-          <p:cNvPr id="15" name="Straight Arrow Connector 14">
-            <a:extLst>
-              <a:ext uri="{FF2B5EF4-FFF2-40B4-BE49-F238E27FC236}">
-                <a16:creationId xmlns:a16="http://schemas.microsoft.com/office/drawing/2014/main" id="{46E796C2-B341-6CC4-4604-9567B88F0558}"/>
-              </a:ext>
-            </a:extLst>
-          </p:cNvPr>
-          <p:cNvCxnSpPr>
-            <a:cxnSpLocks/>
-            <a:stCxn id="4" idx="4"/>
-            <a:endCxn id="9" idx="0"/>
-          </p:cNvCxnSpPr>
-          <p:nvPr/>
-        </p:nvCxnSpPr>
-        <p:spPr>
-          <a:xfrm flipH="1">
-            <a:off x="3438951" y="2045376"/>
-            <a:ext cx="3049" cy="707821"/>
-          </a:xfrm>
-          <a:prstGeom prst="straightConnector1">
-            <a:avLst/>
-          </a:prstGeom>
-          <a:ln>
-            <a:tailEnd type="triangle"/>
-          </a:ln>
-        </p:spPr>
-        <p:style>
-          <a:lnRef idx="2">
-            <a:schemeClr val="accent1"/>
-          </a:lnRef>
-          <a:fillRef idx="0">
-            <a:schemeClr val="accent1"/>
-          </a:fillRef>
-          <a:effectRef idx="1">
-            <a:schemeClr val="accent1"/>
-          </a:effectRef>
-          <a:fontRef idx="minor">
-            <a:schemeClr val="tx1"/>
-          </a:fontRef>
-        </p:style>
-      </p:cxnSp>
-      <p:cxnSp>
-        <p:nvCxnSpPr>
-          <p:cNvPr id="21" name="Straight Arrow Connector 20">
-            <a:extLst>
-              <a:ext uri="{FF2B5EF4-FFF2-40B4-BE49-F238E27FC236}">
-                <a16:creationId xmlns:a16="http://schemas.microsoft.com/office/drawing/2014/main" id="{15F92F6A-462B-E53E-F516-054C28E4F70A}"/>
-              </a:ext>
-            </a:extLst>
-          </p:cNvPr>
-          <p:cNvCxnSpPr>
-            <a:cxnSpLocks/>
-            <a:stCxn id="6" idx="4"/>
-            <a:endCxn id="11" idx="0"/>
-          </p:cNvCxnSpPr>
-          <p:nvPr/>
-        </p:nvCxnSpPr>
-        <p:spPr>
-          <a:xfrm>
-            <a:off x="9317016" y="2045375"/>
-            <a:ext cx="0" cy="699516"/>
-          </a:xfrm>
-          <a:prstGeom prst="straightConnector1">
-            <a:avLst/>
-          </a:prstGeom>
-          <a:ln>
-            <a:tailEnd type="triangle"/>
-          </a:ln>
-        </p:spPr>
-        <p:style>
-          <a:lnRef idx="2">
-            <a:schemeClr val="accent1"/>
-          </a:lnRef>
-          <a:fillRef idx="0">
-            <a:schemeClr val="accent1"/>
-          </a:fillRef>
-          <a:effectRef idx="1">
-            <a:schemeClr val="accent1"/>
-          </a:effectRef>
-          <a:fontRef idx="minor">
-            <a:schemeClr val="tx1"/>
-          </a:fontRef>
-        </p:style>
-      </p:cxnSp>
-      <p:sp>
-        <p:nvSpPr>
-          <p:cNvPr id="25" name="Oval 24">
-            <a:extLst>
-              <a:ext uri="{FF2B5EF4-FFF2-40B4-BE49-F238E27FC236}">
-                <a16:creationId xmlns:a16="http://schemas.microsoft.com/office/drawing/2014/main" id="{B19A5E43-9112-5B74-5161-6F32C99E7747}"/>
-              </a:ext>
-            </a:extLst>
-          </p:cNvPr>
-          <p:cNvSpPr/>
-          <p:nvPr/>
-        </p:nvSpPr>
-        <p:spPr>
-          <a:xfrm>
-            <a:off x="10621560" y="993815"/>
-            <a:ext cx="1554480" cy="1051560"/>
-          </a:xfrm>
-          <a:prstGeom prst="ellipse">
-            <a:avLst/>
-          </a:prstGeom>
-        </p:spPr>
-        <p:style>
-          <a:lnRef idx="2">
-            <a:schemeClr val="accent1">
-              <a:shade val="15000"/>
-            </a:schemeClr>
-          </a:lnRef>
-          <a:fillRef idx="1">
-            <a:schemeClr val="accent1"/>
-          </a:fillRef>
-          <a:effectRef idx="0">
-            <a:schemeClr val="accent1"/>
-          </a:effectRef>
-          <a:fontRef idx="minor">
-            <a:schemeClr val="lt1"/>
-          </a:fontRef>
-        </p:style>
-        <p:txBody>
-          <a:bodyPr rtlCol="0" anchor="ctr"/>
-          <a:lstStyle/>
-          <a:p>
-            <a:pPr algn="ctr"/>
-            <a:r>
-              <a:rPr lang="en-US" dirty="0"/>
-              <a:t>NIA</a:t>
-            </a:r>
-          </a:p>
-        </p:txBody>
-      </p:sp>
-      <p:sp>
-        <p:nvSpPr>
-          <p:cNvPr id="26" name="Rectangle 25">
-            <a:extLst>
-              <a:ext uri="{FF2B5EF4-FFF2-40B4-BE49-F238E27FC236}">
-                <a16:creationId xmlns:a16="http://schemas.microsoft.com/office/drawing/2014/main" id="{1C7CB081-AFAE-56C2-ECFF-839051387440}"/>
-              </a:ext>
-            </a:extLst>
-          </p:cNvPr>
-          <p:cNvSpPr/>
-          <p:nvPr/>
-        </p:nvSpPr>
-        <p:spPr>
-          <a:xfrm>
-            <a:off x="10621560" y="2744891"/>
-            <a:ext cx="1554480" cy="813816"/>
-          </a:xfrm>
-          <a:prstGeom prst="rect">
-            <a:avLst/>
-          </a:prstGeom>
-          <a:ln>
-            <a:solidFill>
-              <a:schemeClr val="tx1"/>
-            </a:solidFill>
-          </a:ln>
-        </p:spPr>
-        <p:style>
-          <a:lnRef idx="1">
-            <a:schemeClr val="accent6"/>
-          </a:lnRef>
-          <a:fillRef idx="3">
-            <a:schemeClr val="accent6"/>
-          </a:fillRef>
-          <a:effectRef idx="2">
-            <a:schemeClr val="accent6"/>
-          </a:effectRef>
-          <a:fontRef idx="minor">
-            <a:schemeClr val="lt1"/>
-          </a:fontRef>
-        </p:style>
-        <p:txBody>
-          <a:bodyPr rtlCol="0" anchor="ctr"/>
-          <a:lstStyle/>
-          <a:p>
-            <a:pPr algn="ctr"/>
-            <a:r>
-              <a:rPr lang="en-US" dirty="0">
-                <a:solidFill>
-                  <a:srgbClr val="EEF0FF"/>
-                </a:solidFill>
-                <a:latin typeface="Google Sans"/>
-              </a:rPr>
-              <a:t>Counterfeiting</a:t>
-            </a:r>
-            <a:endParaRPr lang="en-US" dirty="0"/>
-          </a:p>
-        </p:txBody>
-      </p:sp>
-      <p:cxnSp>
-        <p:nvCxnSpPr>
-          <p:cNvPr id="27" name="Straight Arrow Connector 26">
-            <a:extLst>
-              <a:ext uri="{FF2B5EF4-FFF2-40B4-BE49-F238E27FC236}">
-                <a16:creationId xmlns:a16="http://schemas.microsoft.com/office/drawing/2014/main" id="{B20AD798-DEB3-26CB-8D70-7F4B3274C065}"/>
-              </a:ext>
-            </a:extLst>
-          </p:cNvPr>
-          <p:cNvCxnSpPr>
-            <a:cxnSpLocks/>
-            <a:stCxn id="25" idx="4"/>
-            <a:endCxn id="26" idx="0"/>
-          </p:cNvCxnSpPr>
-          <p:nvPr/>
-        </p:nvCxnSpPr>
-        <p:spPr>
-          <a:xfrm>
-            <a:off x="11398800" y="2045375"/>
-            <a:ext cx="0" cy="699516"/>
-          </a:xfrm>
-          <a:prstGeom prst="straightConnector1">
-            <a:avLst/>
-          </a:prstGeom>
-          <a:ln>
-            <a:tailEnd type="triangle"/>
-          </a:ln>
-        </p:spPr>
-        <p:style>
-          <a:lnRef idx="2">
-            <a:schemeClr val="accent1"/>
-          </a:lnRef>
-          <a:fillRef idx="0">
-            <a:schemeClr val="accent1"/>
-          </a:fillRef>
-          <a:effectRef idx="1">
-            <a:schemeClr val="accent1"/>
-          </a:effectRef>
-          <a:fontRef idx="minor">
-            <a:schemeClr val="tx1"/>
-          </a:fontRef>
-        </p:style>
-      </p:cxnSp>
-      <p:sp>
-        <p:nvSpPr>
-          <p:cNvPr id="3" name="Rectangle 2">
-            <a:extLst>
-              <a:ext uri="{FF2B5EF4-FFF2-40B4-BE49-F238E27FC236}">
-                <a16:creationId xmlns:a16="http://schemas.microsoft.com/office/drawing/2014/main" id="{355F94F7-5F22-D568-DE77-CC55D7F711C4}"/>
-              </a:ext>
-            </a:extLst>
-          </p:cNvPr>
-          <p:cNvSpPr/>
-          <p:nvPr/>
-        </p:nvSpPr>
-        <p:spPr>
-          <a:xfrm>
-            <a:off x="6641635" y="2744891"/>
-            <a:ext cx="1554480" cy="813816"/>
-          </a:xfrm>
-          <a:prstGeom prst="rect">
-            <a:avLst/>
-          </a:prstGeom>
-          <a:ln>
-            <a:solidFill>
-              <a:schemeClr val="tx1"/>
-            </a:solidFill>
-          </a:ln>
-        </p:spPr>
-        <p:style>
-          <a:lnRef idx="1">
-            <a:schemeClr val="accent6"/>
-          </a:lnRef>
-          <a:fillRef idx="3">
-            <a:schemeClr val="accent6"/>
-          </a:fillRef>
-          <a:effectRef idx="2">
-            <a:schemeClr val="accent6"/>
-          </a:effectRef>
-          <a:fontRef idx="minor">
-            <a:schemeClr val="lt1"/>
-          </a:fontRef>
-        </p:style>
-        <p:txBody>
-          <a:bodyPr rtlCol="0" anchor="ctr"/>
-          <a:lstStyle/>
-          <a:p>
-            <a:r>
-              <a:rPr lang="en-US" dirty="0"/>
-              <a:t>Water -Smuggling of Guns</a:t>
-            </a:r>
-          </a:p>
-        </p:txBody>
-      </p:sp>
-      <p:cxnSp>
-        <p:nvCxnSpPr>
-          <p:cNvPr id="14" name="Connector: Elbow 13">
-            <a:extLst>
-              <a:ext uri="{FF2B5EF4-FFF2-40B4-BE49-F238E27FC236}">
-                <a16:creationId xmlns:a16="http://schemas.microsoft.com/office/drawing/2014/main" id="{FF3A5C9C-AD52-228D-1BEB-4849F38B7836}"/>
-              </a:ext>
-            </a:extLst>
-          </p:cNvPr>
-          <p:cNvCxnSpPr>
-            <a:stCxn id="5" idx="4"/>
-            <a:endCxn id="10" idx="0"/>
-          </p:cNvCxnSpPr>
-          <p:nvPr/>
-        </p:nvCxnSpPr>
-        <p:spPr>
-          <a:xfrm rot="5400000">
-            <a:off x="5546260" y="1836206"/>
-            <a:ext cx="699516" cy="1117854"/>
-          </a:xfrm>
-          <a:prstGeom prst="bentConnector3">
-            <a:avLst/>
-          </a:prstGeom>
-          <a:ln>
-            <a:tailEnd type="triangle"/>
-          </a:ln>
-        </p:spPr>
-        <p:style>
-          <a:lnRef idx="2">
-            <a:schemeClr val="accent1"/>
-          </a:lnRef>
-          <a:fillRef idx="0">
-            <a:schemeClr val="accent1"/>
-          </a:fillRef>
-          <a:effectRef idx="1">
-            <a:schemeClr val="accent1"/>
-          </a:effectRef>
-          <a:fontRef idx="minor">
-            <a:schemeClr val="tx1"/>
-          </a:fontRef>
-        </p:style>
-      </p:cxnSp>
-      <p:cxnSp>
-        <p:nvCxnSpPr>
-          <p:cNvPr id="18" name="Connector: Elbow 17">
-            <a:extLst>
-              <a:ext uri="{FF2B5EF4-FFF2-40B4-BE49-F238E27FC236}">
-                <a16:creationId xmlns:a16="http://schemas.microsoft.com/office/drawing/2014/main" id="{C3464531-B8E9-A9B6-BDFA-CA192BE0D6ED}"/>
-              </a:ext>
-            </a:extLst>
-          </p:cNvPr>
-          <p:cNvCxnSpPr>
-            <a:cxnSpLocks/>
-          </p:cNvCxnSpPr>
-          <p:nvPr/>
-        </p:nvCxnSpPr>
-        <p:spPr>
-          <a:xfrm rot="16200000" flipH="1">
-            <a:off x="6580294" y="1914615"/>
-            <a:ext cx="713232" cy="963930"/>
-          </a:xfrm>
-          <a:prstGeom prst="bentConnector3">
-            <a:avLst/>
-          </a:prstGeom>
-          <a:ln>
-            <a:tailEnd type="triangle"/>
-          </a:ln>
-        </p:spPr>
-        <p:style>
-          <a:lnRef idx="2">
-            <a:schemeClr val="accent1"/>
-          </a:lnRef>
-          <a:fillRef idx="0">
-            <a:schemeClr val="accent1"/>
-          </a:fillRef>
-          <a:effectRef idx="1">
-            <a:schemeClr val="accent1"/>
-          </a:effectRef>
-          <a:fontRef idx="minor">
-            <a:schemeClr val="tx1"/>
-          </a:fontRef>
-        </p:style>
-      </p:cxnSp>
-      <p:sp>
-        <p:nvSpPr>
-          <p:cNvPr id="20" name="Rectangle 19">
-            <a:extLst>
-              <a:ext uri="{FF2B5EF4-FFF2-40B4-BE49-F238E27FC236}">
-                <a16:creationId xmlns:a16="http://schemas.microsoft.com/office/drawing/2014/main" id="{3FB95E55-988A-236A-9CEC-3D8A922A8006}"/>
-              </a:ext>
-            </a:extLst>
-          </p:cNvPr>
-          <p:cNvSpPr/>
-          <p:nvPr/>
-        </p:nvSpPr>
-        <p:spPr>
-          <a:xfrm>
-            <a:off x="488487" y="4139351"/>
-            <a:ext cx="1554480" cy="1776443"/>
-          </a:xfrm>
-          <a:prstGeom prst="rect">
-            <a:avLst/>
-          </a:prstGeom>
-          <a:ln>
-            <a:headEnd type="none" w="med" len="med"/>
-            <a:tailEnd type="none" w="med" len="med"/>
-          </a:ln>
-        </p:spPr>
-        <p:style>
-          <a:lnRef idx="2">
-            <a:schemeClr val="accent5">
-              <a:shade val="15000"/>
-            </a:schemeClr>
-          </a:lnRef>
-          <a:fillRef idx="1">
-            <a:schemeClr val="accent5"/>
-          </a:fillRef>
-          <a:effectRef idx="0">
-            <a:schemeClr val="accent5"/>
-          </a:effectRef>
-          <a:fontRef idx="minor">
-            <a:schemeClr val="lt1"/>
-          </a:fontRef>
-        </p:style>
-        <p:txBody>
-          <a:bodyPr rtlCol="0" anchor="ctr"/>
-          <a:lstStyle/>
-          <a:p>
-            <a:r>
-              <a:rPr lang="en-US" b="1" dirty="0"/>
-              <a:t>NAYAK</a:t>
-            </a:r>
-            <a:br>
-              <a:rPr lang="en-US" dirty="0"/>
-            </a:br>
-            <a:r>
-              <a:rPr lang="en-US" dirty="0" err="1"/>
-              <a:t>Ramegowda</a:t>
-            </a:r>
-            <a:br>
-              <a:rPr lang="en-US" dirty="0"/>
-            </a:br>
-            <a:endParaRPr lang="en-US" dirty="0"/>
-          </a:p>
-        </p:txBody>
-      </p:sp>
-      <p:sp>
-        <p:nvSpPr>
-          <p:cNvPr id="22" name="Rectangle 21">
-            <a:extLst>
-              <a:ext uri="{FF2B5EF4-FFF2-40B4-BE49-F238E27FC236}">
-                <a16:creationId xmlns:a16="http://schemas.microsoft.com/office/drawing/2014/main" id="{F668E165-B561-B170-5D1B-F9F8B32CC18E}"/>
-              </a:ext>
-            </a:extLst>
-          </p:cNvPr>
-          <p:cNvSpPr/>
-          <p:nvPr/>
-        </p:nvSpPr>
-        <p:spPr>
-          <a:xfrm>
-            <a:off x="2661710" y="4139351"/>
-            <a:ext cx="1554480" cy="1776443"/>
-          </a:xfrm>
-          <a:prstGeom prst="rect">
-            <a:avLst/>
-          </a:prstGeom>
-        </p:spPr>
-        <p:style>
-          <a:lnRef idx="1">
-            <a:schemeClr val="accent5"/>
-          </a:lnRef>
-          <a:fillRef idx="3">
-            <a:schemeClr val="accent5"/>
-          </a:fillRef>
-          <a:effectRef idx="2">
-            <a:schemeClr val="accent5"/>
-          </a:effectRef>
-          <a:fontRef idx="minor">
-            <a:schemeClr val="lt1"/>
-          </a:fontRef>
-        </p:style>
-        <p:txBody>
-          <a:bodyPr rtlCol="0" anchor="ctr"/>
-          <a:lstStyle/>
-          <a:p>
-            <a:r>
-              <a:rPr lang="en-US" b="1" dirty="0"/>
-              <a:t>SINDHU</a:t>
-            </a:r>
-            <a:br>
-              <a:rPr lang="en-US" dirty="0"/>
-            </a:br>
-            <a:r>
-              <a:rPr lang="en-US" dirty="0"/>
-              <a:t>Anjali</a:t>
-            </a:r>
-            <a:br>
-              <a:rPr lang="en-US" dirty="0"/>
-            </a:br>
-            <a:r>
-              <a:rPr lang="en-US" dirty="0"/>
-              <a:t>Marina</a:t>
-            </a:r>
-            <a:br>
-              <a:rPr lang="en-US" dirty="0"/>
-            </a:br>
-            <a:r>
-              <a:rPr lang="en-US" dirty="0"/>
-              <a:t>Pranav</a:t>
-            </a:r>
-            <a:br>
-              <a:rPr lang="en-US" dirty="0"/>
-            </a:br>
-            <a:r>
-              <a:rPr lang="en-US" dirty="0"/>
-              <a:t>Farhan</a:t>
-            </a:r>
-          </a:p>
-        </p:txBody>
-      </p:sp>
-      <p:sp>
-        <p:nvSpPr>
-          <p:cNvPr id="23" name="Rectangle 22">
-            <a:extLst>
-              <a:ext uri="{FF2B5EF4-FFF2-40B4-BE49-F238E27FC236}">
-                <a16:creationId xmlns:a16="http://schemas.microsoft.com/office/drawing/2014/main" id="{DD08C856-2DFB-AAA3-0E75-69CD4733C731}"/>
-              </a:ext>
-            </a:extLst>
-          </p:cNvPr>
-          <p:cNvSpPr/>
-          <p:nvPr/>
-        </p:nvSpPr>
-        <p:spPr>
-          <a:xfrm>
-            <a:off x="4559851" y="4139350"/>
-            <a:ext cx="3636264" cy="1776443"/>
-          </a:xfrm>
-          <a:prstGeom prst="rect">
-            <a:avLst/>
-          </a:prstGeom>
-        </p:spPr>
-        <p:style>
-          <a:lnRef idx="1">
-            <a:schemeClr val="accent5"/>
-          </a:lnRef>
-          <a:fillRef idx="3">
-            <a:schemeClr val="accent5"/>
-          </a:fillRef>
-          <a:effectRef idx="2">
-            <a:schemeClr val="accent5"/>
-          </a:effectRef>
-          <a:fontRef idx="minor">
-            <a:schemeClr val="lt1"/>
-          </a:fontRef>
-        </p:style>
-        <p:txBody>
-          <a:bodyPr rtlCol="0" anchor="ctr"/>
-          <a:lstStyle/>
-          <a:p>
-            <a:r>
-              <a:rPr lang="en-US" b="1" dirty="0"/>
-              <a:t>VASANTH</a:t>
-            </a:r>
-            <a:br>
-              <a:rPr lang="en-US" dirty="0"/>
-            </a:br>
-            <a:r>
-              <a:rPr lang="en-US" dirty="0"/>
-              <a:t>Rajesh		Milind</a:t>
-            </a:r>
-            <a:br>
-              <a:rPr lang="en-US" dirty="0"/>
-            </a:br>
-            <a:r>
-              <a:rPr lang="en-US" dirty="0"/>
-              <a:t>Bhavya		Latha</a:t>
-            </a:r>
-            <a:br>
-              <a:rPr lang="en-US" dirty="0"/>
-            </a:br>
-            <a:r>
-              <a:rPr lang="en-US" dirty="0"/>
-              <a:t>Uday		Harsha</a:t>
-            </a:r>
-            <a:br>
-              <a:rPr lang="en-US" dirty="0"/>
-            </a:br>
-            <a:r>
-              <a:rPr lang="en-US" dirty="0"/>
-              <a:t>Ricky		Vishal</a:t>
-            </a:r>
-          </a:p>
-        </p:txBody>
-      </p:sp>
-      <p:sp>
-        <p:nvSpPr>
-          <p:cNvPr id="24" name="Rectangle 23">
-            <a:extLst>
-              <a:ext uri="{FF2B5EF4-FFF2-40B4-BE49-F238E27FC236}">
-                <a16:creationId xmlns:a16="http://schemas.microsoft.com/office/drawing/2014/main" id="{0DA77D3D-1F36-856E-D0AC-89644BB5D8A2}"/>
-              </a:ext>
-            </a:extLst>
-          </p:cNvPr>
-          <p:cNvSpPr/>
-          <p:nvPr/>
-        </p:nvSpPr>
-        <p:spPr>
-          <a:xfrm>
-            <a:off x="8539776" y="4139351"/>
-            <a:ext cx="1554480" cy="1776443"/>
-          </a:xfrm>
-          <a:prstGeom prst="rect">
-            <a:avLst/>
-          </a:prstGeom>
-        </p:spPr>
-        <p:style>
-          <a:lnRef idx="1">
-            <a:schemeClr val="accent5"/>
-          </a:lnRef>
-          <a:fillRef idx="3">
-            <a:schemeClr val="accent5"/>
-          </a:fillRef>
-          <a:effectRef idx="2">
-            <a:schemeClr val="accent5"/>
-          </a:effectRef>
-          <a:fontRef idx="minor">
-            <a:schemeClr val="lt1"/>
-          </a:fontRef>
-        </p:style>
-        <p:txBody>
-          <a:bodyPr rtlCol="0" anchor="ctr"/>
-          <a:lstStyle/>
-          <a:p>
-            <a:r>
-              <a:rPr lang="en-US" b="1" dirty="0"/>
-              <a:t>RAGHU</a:t>
-            </a:r>
-            <a:br>
-              <a:rPr lang="en-US" dirty="0"/>
-            </a:br>
-            <a:r>
-              <a:rPr lang="en-US" dirty="0"/>
-              <a:t>Jay</a:t>
-            </a:r>
-            <a:br>
-              <a:rPr lang="en-US" dirty="0"/>
-            </a:br>
-            <a:r>
-              <a:rPr lang="en-US" dirty="0"/>
-              <a:t>Kalyan</a:t>
-            </a:r>
-            <a:br>
-              <a:rPr lang="en-US" dirty="0"/>
-            </a:br>
-            <a:r>
-              <a:rPr lang="en-US" dirty="0" err="1"/>
-              <a:t>Tejas</a:t>
-            </a:r>
-            <a:endParaRPr lang="en-US" dirty="0"/>
-          </a:p>
-        </p:txBody>
-      </p:sp>
-      <p:sp>
-        <p:nvSpPr>
-          <p:cNvPr id="28" name="Rectangle 27">
-            <a:extLst>
-              <a:ext uri="{FF2B5EF4-FFF2-40B4-BE49-F238E27FC236}">
-                <a16:creationId xmlns:a16="http://schemas.microsoft.com/office/drawing/2014/main" id="{4B0EF916-77D6-A865-4D8A-0ED667E84067}"/>
-              </a:ext>
-            </a:extLst>
-          </p:cNvPr>
-          <p:cNvSpPr/>
-          <p:nvPr/>
-        </p:nvSpPr>
-        <p:spPr>
-          <a:xfrm>
-            <a:off x="10621560" y="4139350"/>
-            <a:ext cx="1554480" cy="1776443"/>
-          </a:xfrm>
-          <a:prstGeom prst="rect">
-            <a:avLst/>
-          </a:prstGeom>
-        </p:spPr>
-        <p:style>
-          <a:lnRef idx="1">
-            <a:schemeClr val="accent5"/>
-          </a:lnRef>
-          <a:fillRef idx="3">
-            <a:schemeClr val="accent5"/>
-          </a:fillRef>
-          <a:effectRef idx="2">
-            <a:schemeClr val="accent5"/>
-          </a:effectRef>
-          <a:fontRef idx="minor">
-            <a:schemeClr val="lt1"/>
-          </a:fontRef>
-        </p:style>
-        <p:txBody>
-          <a:bodyPr rtlCol="0" anchor="ctr"/>
-          <a:lstStyle/>
-          <a:p>
-            <a:r>
-              <a:rPr lang="en-US" b="1" dirty="0"/>
-              <a:t>D’COSTA</a:t>
-            </a:r>
-            <a:br>
-              <a:rPr lang="en-US" dirty="0"/>
-            </a:br>
-            <a:r>
-              <a:rPr lang="en-US" dirty="0"/>
-              <a:t>Pramodh</a:t>
-            </a:r>
-            <a:br>
-              <a:rPr lang="en-US" dirty="0"/>
-            </a:br>
-            <a:r>
-              <a:rPr lang="en-US" dirty="0"/>
-              <a:t>Shreya</a:t>
-            </a:r>
-            <a:br>
-              <a:rPr lang="en-US" dirty="0"/>
-            </a:br>
-            <a:r>
-              <a:rPr lang="en-US" dirty="0"/>
-              <a:t>Varun</a:t>
-            </a:r>
-          </a:p>
-        </p:txBody>
-      </p:sp>
-      <p:cxnSp>
-        <p:nvCxnSpPr>
-          <p:cNvPr id="29" name="Straight Arrow Connector 28">
-            <a:extLst>
-              <a:ext uri="{FF2B5EF4-FFF2-40B4-BE49-F238E27FC236}">
-                <a16:creationId xmlns:a16="http://schemas.microsoft.com/office/drawing/2014/main" id="{48AAA11C-8F9B-EF1C-3E3C-8776FD845A80}"/>
-              </a:ext>
-            </a:extLst>
-          </p:cNvPr>
-          <p:cNvCxnSpPr>
-            <a:cxnSpLocks/>
-            <a:stCxn id="8" idx="2"/>
-            <a:endCxn id="20" idx="0"/>
-          </p:cNvCxnSpPr>
-          <p:nvPr/>
-        </p:nvCxnSpPr>
-        <p:spPr>
-          <a:xfrm>
-            <a:off x="1265727" y="3558708"/>
-            <a:ext cx="0" cy="580643"/>
-          </a:xfrm>
-          <a:prstGeom prst="straightConnector1">
-            <a:avLst/>
-          </a:prstGeom>
-          <a:ln>
-            <a:tailEnd type="triangle"/>
-          </a:ln>
-        </p:spPr>
-        <p:style>
-          <a:lnRef idx="2">
-            <a:schemeClr val="accent1"/>
-          </a:lnRef>
-          <a:fillRef idx="0">
-            <a:schemeClr val="accent1"/>
-          </a:fillRef>
-          <a:effectRef idx="1">
-            <a:schemeClr val="accent1"/>
-          </a:effectRef>
-          <a:fontRef idx="minor">
-            <a:schemeClr val="tx1"/>
-          </a:fontRef>
-        </p:style>
-      </p:cxnSp>
-      <p:cxnSp>
-        <p:nvCxnSpPr>
-          <p:cNvPr id="32" name="Straight Arrow Connector 31">
-            <a:extLst>
-              <a:ext uri="{FF2B5EF4-FFF2-40B4-BE49-F238E27FC236}">
-                <a16:creationId xmlns:a16="http://schemas.microsoft.com/office/drawing/2014/main" id="{2F260339-2FA9-E10B-3231-8B9E6A819471}"/>
-              </a:ext>
-            </a:extLst>
-          </p:cNvPr>
-          <p:cNvCxnSpPr>
-            <a:cxnSpLocks/>
-            <a:stCxn id="9" idx="2"/>
-            <a:endCxn id="22" idx="0"/>
-          </p:cNvCxnSpPr>
-          <p:nvPr/>
-        </p:nvCxnSpPr>
-        <p:spPr>
-          <a:xfrm>
-            <a:off x="3438950" y="3567012"/>
-            <a:ext cx="0" cy="572338"/>
-          </a:xfrm>
-          <a:prstGeom prst="straightConnector1">
-            <a:avLst/>
-          </a:prstGeom>
-          <a:ln>
-            <a:tailEnd type="triangle"/>
-          </a:ln>
-        </p:spPr>
-        <p:style>
-          <a:lnRef idx="2">
-            <a:schemeClr val="accent1"/>
-          </a:lnRef>
-          <a:fillRef idx="0">
-            <a:schemeClr val="accent1"/>
-          </a:fillRef>
-          <a:effectRef idx="1">
-            <a:schemeClr val="accent1"/>
-          </a:effectRef>
-          <a:fontRef idx="minor">
-            <a:schemeClr val="tx1"/>
-          </a:fontRef>
-        </p:style>
-      </p:cxnSp>
-      <p:cxnSp>
-        <p:nvCxnSpPr>
-          <p:cNvPr id="35" name="Straight Arrow Connector 34">
-            <a:extLst>
-              <a:ext uri="{FF2B5EF4-FFF2-40B4-BE49-F238E27FC236}">
-                <a16:creationId xmlns:a16="http://schemas.microsoft.com/office/drawing/2014/main" id="{9E7DDEC6-7F73-51AF-5F5A-959E040DE58B}"/>
-              </a:ext>
-            </a:extLst>
-          </p:cNvPr>
-          <p:cNvCxnSpPr>
-            <a:cxnSpLocks/>
-            <a:stCxn id="10" idx="2"/>
-            <a:endCxn id="23" idx="0"/>
-          </p:cNvCxnSpPr>
-          <p:nvPr/>
-        </p:nvCxnSpPr>
-        <p:spPr>
-          <a:xfrm>
-            <a:off x="5337091" y="3558707"/>
-            <a:ext cx="1040892" cy="580642"/>
-          </a:xfrm>
-          <a:prstGeom prst="straightConnector1">
-            <a:avLst/>
-          </a:prstGeom>
-          <a:ln>
-            <a:tailEnd type="triangle"/>
-          </a:ln>
-        </p:spPr>
-        <p:style>
-          <a:lnRef idx="2">
-            <a:schemeClr val="accent1"/>
-          </a:lnRef>
-          <a:fillRef idx="0">
-            <a:schemeClr val="accent1"/>
-          </a:fillRef>
-          <a:effectRef idx="1">
-            <a:schemeClr val="accent1"/>
-          </a:effectRef>
-          <a:fontRef idx="minor">
-            <a:schemeClr val="tx1"/>
-          </a:fontRef>
-        </p:style>
-      </p:cxnSp>
-      <p:cxnSp>
-        <p:nvCxnSpPr>
-          <p:cNvPr id="38" name="Straight Arrow Connector 37">
-            <a:extLst>
-              <a:ext uri="{FF2B5EF4-FFF2-40B4-BE49-F238E27FC236}">
-                <a16:creationId xmlns:a16="http://schemas.microsoft.com/office/drawing/2014/main" id="{3F811289-C032-F1A9-41EC-0DDDA7AE3D32}"/>
-              </a:ext>
-            </a:extLst>
-          </p:cNvPr>
-          <p:cNvCxnSpPr>
-            <a:cxnSpLocks/>
-            <a:stCxn id="3" idx="2"/>
-            <a:endCxn id="23" idx="0"/>
-          </p:cNvCxnSpPr>
-          <p:nvPr/>
-        </p:nvCxnSpPr>
-        <p:spPr>
-          <a:xfrm flipH="1">
-            <a:off x="6377983" y="3558707"/>
-            <a:ext cx="1040892" cy="580642"/>
-          </a:xfrm>
-          <a:prstGeom prst="straightConnector1">
-            <a:avLst/>
-          </a:prstGeom>
-          <a:ln>
-            <a:tailEnd type="triangle"/>
-          </a:ln>
-        </p:spPr>
-        <p:style>
-          <a:lnRef idx="2">
-            <a:schemeClr val="accent1"/>
-          </a:lnRef>
-          <a:fillRef idx="0">
-            <a:schemeClr val="accent1"/>
-          </a:fillRef>
-          <a:effectRef idx="1">
-            <a:schemeClr val="accent1"/>
-          </a:effectRef>
-          <a:fontRef idx="minor">
-            <a:schemeClr val="tx1"/>
-          </a:fontRef>
-        </p:style>
-      </p:cxnSp>
-      <p:cxnSp>
-        <p:nvCxnSpPr>
-          <p:cNvPr id="41" name="Straight Arrow Connector 40">
-            <a:extLst>
-              <a:ext uri="{FF2B5EF4-FFF2-40B4-BE49-F238E27FC236}">
-                <a16:creationId xmlns:a16="http://schemas.microsoft.com/office/drawing/2014/main" id="{C6642879-8019-787D-063C-6EC26A6E4767}"/>
-              </a:ext>
-            </a:extLst>
-          </p:cNvPr>
-          <p:cNvCxnSpPr>
-            <a:cxnSpLocks/>
-            <a:stCxn id="11" idx="2"/>
-            <a:endCxn id="24" idx="0"/>
-          </p:cNvCxnSpPr>
-          <p:nvPr/>
-        </p:nvCxnSpPr>
-        <p:spPr>
-          <a:xfrm>
-            <a:off x="9317016" y="3558708"/>
-            <a:ext cx="0" cy="580643"/>
-          </a:xfrm>
-          <a:prstGeom prst="straightConnector1">
-            <a:avLst/>
-          </a:prstGeom>
-          <a:ln>
-            <a:tailEnd type="triangle"/>
-          </a:ln>
-        </p:spPr>
-        <p:style>
-          <a:lnRef idx="2">
-            <a:schemeClr val="accent1"/>
-          </a:lnRef>
-          <a:fillRef idx="0">
-            <a:schemeClr val="accent1"/>
-          </a:fillRef>
-          <a:effectRef idx="1">
-            <a:schemeClr val="accent1"/>
-          </a:effectRef>
-          <a:fontRef idx="minor">
-            <a:schemeClr val="tx1"/>
-          </a:fontRef>
-        </p:style>
-      </p:cxnSp>
-      <p:cxnSp>
-        <p:nvCxnSpPr>
-          <p:cNvPr id="44" name="Straight Arrow Connector 43">
-            <a:extLst>
-              <a:ext uri="{FF2B5EF4-FFF2-40B4-BE49-F238E27FC236}">
-                <a16:creationId xmlns:a16="http://schemas.microsoft.com/office/drawing/2014/main" id="{E0847791-E709-F517-FBDF-57F3122A57B9}"/>
-              </a:ext>
-            </a:extLst>
-          </p:cNvPr>
-          <p:cNvCxnSpPr>
-            <a:cxnSpLocks/>
-            <a:stCxn id="26" idx="2"/>
-            <a:endCxn id="28" idx="0"/>
-          </p:cNvCxnSpPr>
-          <p:nvPr/>
-        </p:nvCxnSpPr>
-        <p:spPr>
-          <a:xfrm>
-            <a:off x="11398800" y="3558707"/>
-            <a:ext cx="0" cy="580642"/>
-          </a:xfrm>
-          <a:prstGeom prst="straightConnector1">
-            <a:avLst/>
-          </a:prstGeom>
-          <a:ln>
-            <a:tailEnd type="triangle"/>
-          </a:ln>
-        </p:spPr>
-        <p:style>
-          <a:lnRef idx="2">
-            <a:schemeClr val="accent1"/>
-          </a:lnRef>
-          <a:fillRef idx="0">
-            <a:schemeClr val="accent1"/>
-          </a:fillRef>
-          <a:effectRef idx="1">
-            <a:schemeClr val="accent1"/>
-          </a:effectRef>
-          <a:fontRef idx="minor">
-            <a:schemeClr val="tx1"/>
-          </a:fontRef>
-        </p:style>
-      </p:cxnSp>
-    </p:spTree>
-    <p:extLst>
-      <p:ext uri="{BB962C8B-B14F-4D97-AF65-F5344CB8AC3E}">
-        <p14:creationId xmlns:p14="http://schemas.microsoft.com/office/powerpoint/2010/main" val="3053175809"/>
       </p:ext>
     </p:extLst>
   </p:cSld>

--- a/THE_A_Ideas/Innocent Gems/Innocent Gems - Flows.pptx
+++ b/THE_A_Ideas/Innocent Gems/Innocent Gems - Flows.pptx
@@ -5,7 +5,7 @@
     <p:sldMasterId id="2147483684" r:id="rId1"/>
   </p:sldMasterIdLst>
   <p:notesMasterIdLst>
-    <p:notesMasterId r:id="rId22"/>
+    <p:notesMasterId r:id="rId24"/>
   </p:notesMasterIdLst>
   <p:sldIdLst>
     <p:sldId id="257" r:id="rId2"/>
@@ -16,18 +16,20 @@
     <p:sldId id="278" r:id="rId7"/>
     <p:sldId id="279" r:id="rId8"/>
     <p:sldId id="281" r:id="rId9"/>
-    <p:sldId id="276" r:id="rId10"/>
-    <p:sldId id="256" r:id="rId11"/>
-    <p:sldId id="265" r:id="rId12"/>
-    <p:sldId id="267" r:id="rId13"/>
-    <p:sldId id="263" r:id="rId14"/>
-    <p:sldId id="261" r:id="rId15"/>
-    <p:sldId id="266" r:id="rId16"/>
-    <p:sldId id="259" r:id="rId17"/>
-    <p:sldId id="260" r:id="rId18"/>
-    <p:sldId id="268" r:id="rId19"/>
-    <p:sldId id="270" r:id="rId20"/>
-    <p:sldId id="271" r:id="rId21"/>
+    <p:sldId id="282" r:id="rId10"/>
+    <p:sldId id="283" r:id="rId11"/>
+    <p:sldId id="276" r:id="rId12"/>
+    <p:sldId id="256" r:id="rId13"/>
+    <p:sldId id="265" r:id="rId14"/>
+    <p:sldId id="267" r:id="rId15"/>
+    <p:sldId id="263" r:id="rId16"/>
+    <p:sldId id="261" r:id="rId17"/>
+    <p:sldId id="266" r:id="rId18"/>
+    <p:sldId id="259" r:id="rId19"/>
+    <p:sldId id="260" r:id="rId20"/>
+    <p:sldId id="268" r:id="rId21"/>
+    <p:sldId id="270" r:id="rId22"/>
+    <p:sldId id="271" r:id="rId23"/>
   </p:sldIdLst>
   <p:sldSz cx="12599988" cy="7199313"/>
   <p:notesSz cx="6858000" cy="9144000"/>
@@ -216,7 +218,7 @@
           <a:p>
             <a:fld id="{E46DFF9B-7890-4956-96F0-AFF859094789}" type="datetimeFigureOut">
               <a:rPr lang="en-US" smtClean="0"/>
-              <a:t>2/1/2025</a:t>
+              <a:t>2/9/2025</a:t>
             </a:fld>
             <a:endParaRPr lang="en-US"/>
           </a:p>
@@ -553,7 +555,7 @@
           <a:p>
             <a:fld id="{14086541-2B8E-4293-9530-28B3B0F32C9F}" type="slidenum">
               <a:rPr lang="en-US" smtClean="0"/>
-              <a:t>11</a:t>
+              <a:t>13</a:t>
             </a:fld>
             <a:endParaRPr lang="en-US"/>
           </a:p>
@@ -703,7 +705,7 @@
           <a:p>
             <a:fld id="{AA3BECB3-B129-4032-B16C-54274E3F2ECB}" type="datetimeFigureOut">
               <a:rPr lang="en-US" smtClean="0"/>
-              <a:t>2/1/2025</a:t>
+              <a:t>2/9/2025</a:t>
             </a:fld>
             <a:endParaRPr lang="en-US"/>
           </a:p>
@@ -873,7 +875,7 @@
           <a:p>
             <a:fld id="{AA3BECB3-B129-4032-B16C-54274E3F2ECB}" type="datetimeFigureOut">
               <a:rPr lang="en-US" smtClean="0"/>
-              <a:t>2/1/2025</a:t>
+              <a:t>2/9/2025</a:t>
             </a:fld>
             <a:endParaRPr lang="en-US"/>
           </a:p>
@@ -1053,7 +1055,7 @@
           <a:p>
             <a:fld id="{AA3BECB3-B129-4032-B16C-54274E3F2ECB}" type="datetimeFigureOut">
               <a:rPr lang="en-US" smtClean="0"/>
-              <a:t>2/1/2025</a:t>
+              <a:t>2/9/2025</a:t>
             </a:fld>
             <a:endParaRPr lang="en-US"/>
           </a:p>
@@ -1223,7 +1225,7 @@
           <a:p>
             <a:fld id="{AA3BECB3-B129-4032-B16C-54274E3F2ECB}" type="datetimeFigureOut">
               <a:rPr lang="en-US" smtClean="0"/>
-              <a:t>2/1/2025</a:t>
+              <a:t>2/9/2025</a:t>
             </a:fld>
             <a:endParaRPr lang="en-US"/>
           </a:p>
@@ -1469,7 +1471,7 @@
           <a:p>
             <a:fld id="{AA3BECB3-B129-4032-B16C-54274E3F2ECB}" type="datetimeFigureOut">
               <a:rPr lang="en-US" smtClean="0"/>
-              <a:t>2/1/2025</a:t>
+              <a:t>2/9/2025</a:t>
             </a:fld>
             <a:endParaRPr lang="en-US"/>
           </a:p>
@@ -1701,7 +1703,7 @@
           <a:p>
             <a:fld id="{AA3BECB3-B129-4032-B16C-54274E3F2ECB}" type="datetimeFigureOut">
               <a:rPr lang="en-US" smtClean="0"/>
-              <a:t>2/1/2025</a:t>
+              <a:t>2/9/2025</a:t>
             </a:fld>
             <a:endParaRPr lang="en-US"/>
           </a:p>
@@ -2068,7 +2070,7 @@
           <a:p>
             <a:fld id="{AA3BECB3-B129-4032-B16C-54274E3F2ECB}" type="datetimeFigureOut">
               <a:rPr lang="en-US" smtClean="0"/>
-              <a:t>2/1/2025</a:t>
+              <a:t>2/9/2025</a:t>
             </a:fld>
             <a:endParaRPr lang="en-US"/>
           </a:p>
@@ -2186,7 +2188,7 @@
           <a:p>
             <a:fld id="{AA3BECB3-B129-4032-B16C-54274E3F2ECB}" type="datetimeFigureOut">
               <a:rPr lang="en-US" smtClean="0"/>
-              <a:t>2/1/2025</a:t>
+              <a:t>2/9/2025</a:t>
             </a:fld>
             <a:endParaRPr lang="en-US"/>
           </a:p>
@@ -2281,7 +2283,7 @@
           <a:p>
             <a:fld id="{AA3BECB3-B129-4032-B16C-54274E3F2ECB}" type="datetimeFigureOut">
               <a:rPr lang="en-US" smtClean="0"/>
-              <a:t>2/1/2025</a:t>
+              <a:t>2/9/2025</a:t>
             </a:fld>
             <a:endParaRPr lang="en-US"/>
           </a:p>
@@ -2558,7 +2560,7 @@
           <a:p>
             <a:fld id="{AA3BECB3-B129-4032-B16C-54274E3F2ECB}" type="datetimeFigureOut">
               <a:rPr lang="en-US" smtClean="0"/>
-              <a:t>2/1/2025</a:t>
+              <a:t>2/9/2025</a:t>
             </a:fld>
             <a:endParaRPr lang="en-US"/>
           </a:p>
@@ -2815,7 +2817,7 @@
           <a:p>
             <a:fld id="{AA3BECB3-B129-4032-B16C-54274E3F2ECB}" type="datetimeFigureOut">
               <a:rPr lang="en-US" smtClean="0"/>
-              <a:t>2/1/2025</a:t>
+              <a:t>2/9/2025</a:t>
             </a:fld>
             <a:endParaRPr lang="en-US"/>
           </a:p>
@@ -3028,7 +3030,7 @@
           <a:p>
             <a:fld id="{AA3BECB3-B129-4032-B16C-54274E3F2ECB}" type="datetimeFigureOut">
               <a:rPr lang="en-US" smtClean="0"/>
-              <a:t>2/1/2025</a:t>
+              <a:t>2/9/2025</a:t>
             </a:fld>
             <a:endParaRPr lang="en-US"/>
           </a:p>
@@ -4299,11 +4301,29 @@
           <a:lstStyle/>
           <a:p>
             <a:pPr algn="ctr"/>
-            <a:endParaRPr lang="en-US" sz="1300" dirty="0">
-              <a:solidFill>
-                <a:schemeClr val="tx1"/>
-              </a:solidFill>
-            </a:endParaRPr>
+            <a:r>
+              <a:rPr lang="en-US" sz="1300" dirty="0">
+                <a:solidFill>
+                  <a:schemeClr val="tx1"/>
+                </a:solidFill>
+              </a:rPr>
+              <a:t>Chandru</a:t>
+            </a:r>
+            <a:br>
+              <a:rPr lang="en-US" sz="1300" dirty="0">
+                <a:solidFill>
+                  <a:schemeClr val="tx1"/>
+                </a:solidFill>
+              </a:rPr>
+            </a:br>
+            <a:r>
+              <a:rPr lang="en-US" sz="1300" dirty="0">
+                <a:solidFill>
+                  <a:schemeClr val="tx1"/>
+                </a:solidFill>
+              </a:rPr>
+              <a:t>(Ex partner of Anthony, Prison Boss)</a:t>
+            </a:r>
           </a:p>
         </p:txBody>
       </p:sp>
@@ -7546,6 +7566,178 @@
           </a:p>
         </p:txBody>
       </p:sp>
+      <p:sp>
+        <p:nvSpPr>
+          <p:cNvPr id="27" name="Oval 26">
+            <a:extLst>
+              <a:ext uri="{FF2B5EF4-FFF2-40B4-BE49-F238E27FC236}">
+                <a16:creationId xmlns:a16="http://schemas.microsoft.com/office/drawing/2014/main" id="{0C4ED99D-A91A-608E-C202-61A64D9E9CE6}"/>
+              </a:ext>
+            </a:extLst>
+          </p:cNvPr>
+          <p:cNvSpPr/>
+          <p:nvPr/>
+        </p:nvSpPr>
+        <p:spPr>
+          <a:xfrm>
+            <a:off x="10153932" y="2851341"/>
+            <a:ext cx="1856490" cy="1060704"/>
+          </a:xfrm>
+          <a:custGeom>
+            <a:avLst/>
+            <a:gdLst>
+              <a:gd name="connsiteX0" fmla="*/ 0 w 1856490"/>
+              <a:gd name="connsiteY0" fmla="*/ 530352 h 1060704"/>
+              <a:gd name="connsiteX1" fmla="*/ 928245 w 1856490"/>
+              <a:gd name="connsiteY1" fmla="*/ 0 h 1060704"/>
+              <a:gd name="connsiteX2" fmla="*/ 1856490 w 1856490"/>
+              <a:gd name="connsiteY2" fmla="*/ 530352 h 1060704"/>
+              <a:gd name="connsiteX3" fmla="*/ 928245 w 1856490"/>
+              <a:gd name="connsiteY3" fmla="*/ 1060704 h 1060704"/>
+              <a:gd name="connsiteX4" fmla="*/ 0 w 1856490"/>
+              <a:gd name="connsiteY4" fmla="*/ 530352 h 1060704"/>
+            </a:gdLst>
+            <a:ahLst/>
+            <a:cxnLst>
+              <a:cxn ang="0">
+                <a:pos x="connsiteX0" y="connsiteY0"/>
+              </a:cxn>
+              <a:cxn ang="0">
+                <a:pos x="connsiteX1" y="connsiteY1"/>
+              </a:cxn>
+              <a:cxn ang="0">
+                <a:pos x="connsiteX2" y="connsiteY2"/>
+              </a:cxn>
+              <a:cxn ang="0">
+                <a:pos x="connsiteX3" y="connsiteY3"/>
+              </a:cxn>
+              <a:cxn ang="0">
+                <a:pos x="connsiteX4" y="connsiteY4"/>
+              </a:cxn>
+            </a:cxnLst>
+            <a:rect l="l" t="t" r="r" b="b"/>
+            <a:pathLst>
+              <a:path w="1856490" h="1060704" fill="none" extrusionOk="0">
+                <a:moveTo>
+                  <a:pt x="0" y="530352"/>
+                </a:moveTo>
+                <a:cubicBezTo>
+                  <a:pt x="101028" y="222028"/>
+                  <a:pt x="401781" y="28264"/>
+                  <a:pt x="928245" y="0"/>
+                </a:cubicBezTo>
+                <a:cubicBezTo>
+                  <a:pt x="1426659" y="-59213"/>
+                  <a:pt x="1851093" y="251769"/>
+                  <a:pt x="1856490" y="530352"/>
+                </a:cubicBezTo>
+                <a:cubicBezTo>
+                  <a:pt x="1845604" y="813274"/>
+                  <a:pt x="1372447" y="1035836"/>
+                  <a:pt x="928245" y="1060704"/>
+                </a:cubicBezTo>
+                <a:cubicBezTo>
+                  <a:pt x="358286" y="1074844"/>
+                  <a:pt x="69441" y="829357"/>
+                  <a:pt x="0" y="530352"/>
+                </a:cubicBezTo>
+                <a:close/>
+              </a:path>
+              <a:path w="1856490" h="1060704" stroke="0" extrusionOk="0">
+                <a:moveTo>
+                  <a:pt x="0" y="530352"/>
+                </a:moveTo>
+                <a:cubicBezTo>
+                  <a:pt x="89789" y="297023"/>
+                  <a:pt x="413683" y="33473"/>
+                  <a:pt x="928245" y="0"/>
+                </a:cubicBezTo>
+                <a:cubicBezTo>
+                  <a:pt x="1373632" y="12938"/>
+                  <a:pt x="1845703" y="296693"/>
+                  <a:pt x="1856490" y="530352"/>
+                </a:cubicBezTo>
+                <a:cubicBezTo>
+                  <a:pt x="1862065" y="933602"/>
+                  <a:pt x="1493033" y="1049964"/>
+                  <a:pt x="928245" y="1060704"/>
+                </a:cubicBezTo>
+                <a:cubicBezTo>
+                  <a:pt x="398285" y="1028381"/>
+                  <a:pt x="10999" y="785217"/>
+                  <a:pt x="0" y="530352"/>
+                </a:cubicBezTo>
+                <a:close/>
+              </a:path>
+            </a:pathLst>
+          </a:custGeom>
+          <a:solidFill>
+            <a:schemeClr val="bg1">
+              <a:lumMod val="85000"/>
+            </a:schemeClr>
+          </a:solidFill>
+          <a:ln>
+            <a:extLst>
+              <a:ext uri="{C807C97D-BFC1-408E-A445-0C87EB9F89A2}">
+                <ask:lineSketchStyleProps xmlns:ask="http://schemas.microsoft.com/office/drawing/2018/sketchyshapes" sd="3224611140">
+                  <a:prstGeom prst="ellipse">
+                    <a:avLst/>
+                  </a:prstGeom>
+                  <ask:type>
+                    <ask:lineSketchFreehand/>
+                  </ask:type>
+                </ask:lineSketchStyleProps>
+              </a:ext>
+            </a:extLst>
+          </a:ln>
+        </p:spPr>
+        <p:style>
+          <a:lnRef idx="2">
+            <a:schemeClr val="accent1">
+              <a:shade val="15000"/>
+            </a:schemeClr>
+          </a:lnRef>
+          <a:fillRef idx="1">
+            <a:schemeClr val="accent1"/>
+          </a:fillRef>
+          <a:effectRef idx="0">
+            <a:schemeClr val="accent1"/>
+          </a:effectRef>
+          <a:fontRef idx="minor">
+            <a:schemeClr val="lt1"/>
+          </a:fontRef>
+        </p:style>
+        <p:txBody>
+          <a:bodyPr rtlCol="0" anchor="ctr"/>
+          <a:lstStyle/>
+          <a:p>
+            <a:pPr algn="ctr"/>
+            <a:r>
+              <a:rPr lang="en-US" sz="1300" dirty="0">
+                <a:solidFill>
+                  <a:schemeClr val="tx1"/>
+                </a:solidFill>
+              </a:rPr>
+              <a:t>Manu</a:t>
+            </a:r>
+            <a:br>
+              <a:rPr lang="en-US" sz="1300" dirty="0">
+                <a:solidFill>
+                  <a:schemeClr val="tx1"/>
+                </a:solidFill>
+              </a:rPr>
+            </a:br>
+            <a:r>
+              <a:rPr lang="en-US" sz="1300" dirty="0">
+                <a:solidFill>
+                  <a:schemeClr val="tx1"/>
+                </a:solidFill>
+              </a:rPr>
+              <a:t>(Chandru’s ILG son)</a:t>
+            </a:r>
+          </a:p>
+        </p:txBody>
+      </p:sp>
     </p:spTree>
     <p:extLst>
       <p:ext uri="{BB962C8B-B14F-4D97-AF65-F5344CB8AC3E}">
@@ -7560,6 +7752,605 @@
 </file>
 
 <file path=ppt/slides/slide10.xml><?xml version="1.0" encoding="utf-8"?>
+<p:sld xmlns:a="http://schemas.openxmlformats.org/drawingml/2006/main" xmlns:r="http://schemas.openxmlformats.org/officeDocument/2006/relationships" xmlns:p="http://schemas.openxmlformats.org/presentationml/2006/main">
+  <p:cSld>
+    <p:spTree>
+      <p:nvGrpSpPr>
+        <p:cNvPr id="1" name="">
+          <a:extLst>
+            <a:ext uri="{FF2B5EF4-FFF2-40B4-BE49-F238E27FC236}">
+              <a16:creationId xmlns:a16="http://schemas.microsoft.com/office/drawing/2014/main" id="{A2AF6233-4E64-76B5-2D03-930F9544E17E}"/>
+            </a:ext>
+          </a:extLst>
+        </p:cNvPr>
+        <p:cNvGrpSpPr/>
+        <p:nvPr/>
+      </p:nvGrpSpPr>
+      <p:grpSpPr>
+        <a:xfrm>
+          <a:off x="0" y="0"/>
+          <a:ext cx="0" cy="0"/>
+          <a:chOff x="0" y="0"/>
+          <a:chExt cx="0" cy="0"/>
+        </a:xfrm>
+      </p:grpSpPr>
+      <p:sp>
+        <p:nvSpPr>
+          <p:cNvPr id="3" name="Content Placeholder 2">
+            <a:extLst>
+              <a:ext uri="{FF2B5EF4-FFF2-40B4-BE49-F238E27FC236}">
+                <a16:creationId xmlns:a16="http://schemas.microsoft.com/office/drawing/2014/main" id="{DB9E1472-0394-64F4-9C71-EE3D42199146}"/>
+              </a:ext>
+            </a:extLst>
+          </p:cNvPr>
+          <p:cNvSpPr>
+            <a:spLocks noGrp="1"/>
+          </p:cNvSpPr>
+          <p:nvPr>
+            <p:ph idx="1"/>
+          </p:nvPr>
+        </p:nvSpPr>
+        <p:spPr>
+          <a:xfrm>
+            <a:off x="0" y="46297"/>
+            <a:ext cx="12599988" cy="7083566"/>
+          </a:xfrm>
+        </p:spPr>
+        <p:txBody>
+          <a:bodyPr vert="horz" lIns="91440" tIns="45720" rIns="91440" bIns="0" rtlCol="0">
+            <a:noAutofit/>
+          </a:bodyPr>
+          <a:lstStyle/>
+          <a:p>
+            <a:pPr marL="0" indent="0">
+              <a:spcBef>
+                <a:spcPts val="500"/>
+              </a:spcBef>
+              <a:buNone/>
+            </a:pPr>
+            <a:r>
+              <a:rPr lang="en-US" sz="1500" dirty="0">
+                <a:solidFill>
+                  <a:srgbClr val="000000"/>
+                </a:solidFill>
+                <a:latin typeface="Aptos" panose="020B0004020202020204" pitchFamily="34" charset="0"/>
+              </a:rPr>
+              <a:t>Arjun is now inside the storage unit. He walks and finds the 13B. He uses the key and opens the shutter. He sees a lot of boxes and opens one to find out that it is drugs. The NCB are on their way too.</a:t>
+            </a:r>
+          </a:p>
+          <a:p>
+            <a:pPr marL="0" indent="0">
+              <a:spcBef>
+                <a:spcPts val="500"/>
+              </a:spcBef>
+              <a:buNone/>
+            </a:pPr>
+            <a:r>
+              <a:rPr lang="en-US" sz="1500" dirty="0">
+                <a:solidFill>
+                  <a:srgbClr val="000000"/>
+                </a:solidFill>
+                <a:latin typeface="Aptos" panose="020B0004020202020204" pitchFamily="34" charset="0"/>
+              </a:rPr>
+              <a:t>Arjun finds the locker. He enters the passcode written in the paper, but the locker does not open. NCB finally reach the location and security stops them and asks for warrant. Ashwa tries to call Arjun, but Arjun silences the call. Arjun tries the passcode again, but it fails. Arjun sees the call was from Ashwa, so he calls back. Ashwa is also calling him. This leads to an engage line.</a:t>
+            </a:r>
+          </a:p>
+          <a:p>
+            <a:pPr marL="0" indent="0">
+              <a:spcBef>
+                <a:spcPts val="500"/>
+              </a:spcBef>
+              <a:buNone/>
+            </a:pPr>
+            <a:r>
+              <a:rPr lang="en-US" sz="1500" dirty="0">
+                <a:solidFill>
+                  <a:srgbClr val="000000"/>
+                </a:solidFill>
+                <a:latin typeface="Aptos" panose="020B0004020202020204" pitchFamily="34" charset="0"/>
+              </a:rPr>
+              <a:t>The officer calls his fellow guy and asks where the warrant is. He says he is on the way and almost there. Arjun wipes sweat off his forehead and realizes something. He holds the paper upside down and sees the number as 69108. He enter it and it opens. He sees the ledger, photos and a pen drive.</a:t>
+            </a:r>
+          </a:p>
+          <a:p>
+            <a:pPr marL="0" indent="0">
+              <a:spcBef>
+                <a:spcPts val="500"/>
+              </a:spcBef>
+              <a:buNone/>
+            </a:pPr>
+            <a:r>
+              <a:rPr lang="en-US" sz="1500" dirty="0">
+                <a:solidFill>
+                  <a:srgbClr val="000000"/>
+                </a:solidFill>
+                <a:latin typeface="Aptos" panose="020B0004020202020204" pitchFamily="34" charset="0"/>
+              </a:rPr>
+              <a:t>The police get there with the warrant. They give it to the security and ask for the key. Security says we do not hold the keys of the customers. They walk into the unit. Finally, the call connects Ashwa says the police are here and he must get out soon. Arjuns phone dies.</a:t>
+            </a:r>
+          </a:p>
+          <a:p>
+            <a:pPr marL="0" indent="0">
+              <a:spcBef>
+                <a:spcPts val="500"/>
+              </a:spcBef>
+              <a:buNone/>
+            </a:pPr>
+            <a:r>
+              <a:rPr lang="en-US" sz="1500" dirty="0">
+                <a:solidFill>
+                  <a:srgbClr val="000000"/>
+                </a:solidFill>
+                <a:latin typeface="Aptos" panose="020B0004020202020204" pitchFamily="34" charset="0"/>
+              </a:rPr>
+              <a:t>The NCB is coming closer, and Arjun is closing the shutter. As Arjun closes the shutter, the NCB see the unit number as 13B and sees Arjun near the door. They say hello excuse me. Arjun is tensed. It is revealed that Arjun is near the shutter of 13D. They say police business and ask him to leave. Arjun was pretending to close the 13D shutter. Arjun gets up, nods and walks away.</a:t>
+            </a:r>
+          </a:p>
+          <a:p>
+            <a:pPr marL="0" indent="0">
+              <a:spcBef>
+                <a:spcPts val="500"/>
+              </a:spcBef>
+              <a:buNone/>
+            </a:pPr>
+            <a:r>
+              <a:rPr lang="en-US" sz="1500" dirty="0">
+                <a:solidFill>
+                  <a:srgbClr val="000000"/>
+                </a:solidFill>
+                <a:latin typeface="Aptos" panose="020B0004020202020204" pitchFamily="34" charset="0"/>
+              </a:rPr>
+              <a:t>NCB cut opens the lock and find the drugs and the locker. They enter the passcode find the pen drive and the ledger. They check for its contents. Arjun is finally out. Ashwa says what happened? Arjun says they should have found the evidence and smiles. Ramesh asks why are you smiling.</a:t>
+            </a:r>
+          </a:p>
+          <a:p>
+            <a:pPr marL="0" indent="0">
+              <a:spcBef>
+                <a:spcPts val="500"/>
+              </a:spcBef>
+              <a:buNone/>
+            </a:pPr>
+            <a:r>
+              <a:rPr lang="en-US" sz="1500" dirty="0">
+                <a:solidFill>
+                  <a:srgbClr val="000000"/>
+                </a:solidFill>
+                <a:latin typeface="Aptos" panose="020B0004020202020204" pitchFamily="34" charset="0"/>
+              </a:rPr>
+              <a:t>Arjun takes out the ledger from under his shirt. NCB says that the ledger is empty. Arjun shows the pen drive. NCB finds out proof against Chandru. Arjun looks at lawyer and says just like how your client had taken proof against my client, my client too had some proof against your client for safety reasons.</a:t>
+            </a:r>
+          </a:p>
+          <a:p>
+            <a:pPr marL="0" indent="0">
+              <a:spcBef>
+                <a:spcPts val="500"/>
+              </a:spcBef>
+              <a:buNone/>
+            </a:pPr>
+            <a:r>
+              <a:rPr lang="en-US" sz="1500" dirty="0">
+                <a:solidFill>
+                  <a:srgbClr val="000000"/>
+                </a:solidFill>
+                <a:latin typeface="Aptos" panose="020B0004020202020204" pitchFamily="34" charset="0"/>
+              </a:rPr>
+              <a:t>NCB officer looks at this and says we have drugs and evidence against Chandru this is enough for me for promotion. The boys cheer.</a:t>
+            </a:r>
+          </a:p>
+          <a:p>
+            <a:pPr marL="0" indent="0">
+              <a:spcBef>
+                <a:spcPts val="500"/>
+              </a:spcBef>
+              <a:buNone/>
+            </a:pPr>
+            <a:r>
+              <a:rPr lang="en-US" sz="1500" dirty="0">
+                <a:solidFill>
+                  <a:srgbClr val="000000"/>
+                </a:solidFill>
+                <a:latin typeface="Aptos" panose="020B0004020202020204" pitchFamily="34" charset="0"/>
+              </a:rPr>
+              <a:t>Ramesh asks Arjun what do you mean by client? Are you his attorney or lawyer. Arjun takes out shades and tells me? I am A Consultant.  [Music plays] Lawyer walks away. Arjun says wait you did not see me wink. He takes out his shades again and tells me? I AM AN ILLEGAL CONSULTANT winks and puts his shades while Ashwa blows rings from his cigar smoke [Slow-Mo]. Ashwa says never take my shades without my permission. Arjun says why did you destroy the moment.</a:t>
+            </a:r>
+          </a:p>
+          <a:p>
+            <a:pPr marL="0" indent="0">
+              <a:spcBef>
+                <a:spcPts val="500"/>
+              </a:spcBef>
+              <a:buNone/>
+            </a:pPr>
+            <a:r>
+              <a:rPr lang="en-US" sz="1500" dirty="0">
+                <a:solidFill>
+                  <a:srgbClr val="000000"/>
+                </a:solidFill>
+                <a:latin typeface="Aptos" panose="020B0004020202020204" pitchFamily="34" charset="0"/>
+              </a:rPr>
+              <a:t>In the prison, Chandru wakes up from slumber. He sees news on TV. The anchor says the convict Chandru may now be permanently put into prison because the NCB has successfully found the drug stash and evidence linking them to Chandru. The officer says we found this with great difficulty. We would have found the evidence even if it was hidden in the deepest pits of hell.</a:t>
+            </a:r>
+          </a:p>
+          <a:p>
+            <a:pPr marL="0" indent="0">
+              <a:spcBef>
+                <a:spcPts val="500"/>
+              </a:spcBef>
+              <a:buNone/>
+            </a:pPr>
+            <a:r>
+              <a:rPr lang="en-US" sz="1500" dirty="0">
+                <a:solidFill>
+                  <a:srgbClr val="000000"/>
+                </a:solidFill>
+                <a:latin typeface="Aptos" panose="020B0004020202020204" pitchFamily="34" charset="0"/>
+              </a:rPr>
+              <a:t>Chandru sits up in tension and fear and finds Manu sitting next to him smoking. How does it feel? To be betrayed says Manu. Did you really think I will forgive you so easily. All the trouble my mom faced. What I faced. Anyways you should have not killed yourself because they found proof. Chandru is confused. Manu smiles, grabs the neck of Chandru. Makes him hold a blade, slash his throat and throws him off to the ground. Anthony walks into the scene and stands next to Manu and says you are the king of the prison now. Enough money is handed over for you to take control.</a:t>
+            </a:r>
+          </a:p>
+          <a:p>
+            <a:pPr marL="0" indent="0">
+              <a:spcBef>
+                <a:spcPts val="500"/>
+              </a:spcBef>
+              <a:buNone/>
+            </a:pPr>
+            <a:r>
+              <a:rPr lang="en-US" sz="1500" dirty="0">
+                <a:solidFill>
+                  <a:srgbClr val="000000"/>
+                </a:solidFill>
+                <a:latin typeface="Aptos" panose="020B0004020202020204" pitchFamily="34" charset="0"/>
+              </a:rPr>
+              <a:t>Arjun and Ashwa are in front of a campfire. He puts all the evidence into the fire. They cheer their glasses and as Arjun goes to drink, he puts some to </a:t>
+            </a:r>
+            <a:r>
+              <a:rPr lang="en-US" sz="1500" dirty="0" err="1">
+                <a:solidFill>
+                  <a:srgbClr val="000000"/>
+                </a:solidFill>
+                <a:latin typeface="Aptos" panose="020B0004020202020204" pitchFamily="34" charset="0"/>
+              </a:rPr>
+              <a:t>pitru</a:t>
+            </a:r>
+            <a:r>
+              <a:rPr lang="en-US" sz="1500" dirty="0">
+                <a:solidFill>
+                  <a:srgbClr val="000000"/>
+                </a:solidFill>
+                <a:latin typeface="Aptos" panose="020B0004020202020204" pitchFamily="34" charset="0"/>
+              </a:rPr>
+              <a:t>. Ashwa says I thought you well. Court says due to no evidence or proof against Mr. Anthony Desai, Mr. Anthony is freed from his bonds. </a:t>
+            </a:r>
+            <a:br>
+              <a:rPr lang="en-US" sz="1500" dirty="0">
+                <a:solidFill>
+                  <a:srgbClr val="000000"/>
+                </a:solidFill>
+                <a:latin typeface="Aptos" panose="020B0004020202020204" pitchFamily="34" charset="0"/>
+              </a:rPr>
+            </a:br>
+            <a:r>
+              <a:rPr lang="en-US" sz="1500" dirty="0">
+                <a:solidFill>
+                  <a:srgbClr val="000000"/>
+                </a:solidFill>
+                <a:latin typeface="Aptos" panose="020B0004020202020204" pitchFamily="34" charset="0"/>
+              </a:rPr>
+              <a:t>Anthony comes out of prison in slow-mo. This turns into cringe reel effects and into a reel that Anthony is watching in his phone </a:t>
+            </a:r>
+            <a:r>
+              <a:rPr lang="en-US" sz="1500">
+                <a:solidFill>
+                  <a:srgbClr val="000000"/>
+                </a:solidFill>
+                <a:latin typeface="Aptos" panose="020B0004020202020204" pitchFamily="34" charset="0"/>
+              </a:rPr>
+              <a:t>and tells </a:t>
+            </a:r>
+            <a:r>
+              <a:rPr lang="en-US" sz="1500" dirty="0">
+                <a:solidFill>
+                  <a:srgbClr val="000000"/>
+                </a:solidFill>
+                <a:latin typeface="Aptos" panose="020B0004020202020204" pitchFamily="34" charset="0"/>
+              </a:rPr>
+              <a:t>10 years for this.</a:t>
+            </a:r>
+          </a:p>
+          <a:p>
+            <a:pPr marL="0" indent="0">
+              <a:spcBef>
+                <a:spcPts val="500"/>
+              </a:spcBef>
+              <a:buNone/>
+            </a:pPr>
+            <a:endParaRPr lang="en-US" sz="1500" dirty="0">
+              <a:solidFill>
+                <a:srgbClr val="000000"/>
+              </a:solidFill>
+              <a:latin typeface="Aptos" panose="020B0004020202020204" pitchFamily="34" charset="0"/>
+            </a:endParaRPr>
+          </a:p>
+          <a:p>
+            <a:pPr marL="0" indent="0">
+              <a:spcBef>
+                <a:spcPts val="500"/>
+              </a:spcBef>
+              <a:buNone/>
+            </a:pPr>
+            <a:r>
+              <a:rPr lang="en-US" sz="1500" dirty="0">
+                <a:solidFill>
+                  <a:srgbClr val="000000"/>
+                </a:solidFill>
+                <a:latin typeface="Aptos" panose="020B0004020202020204" pitchFamily="34" charset="0"/>
+              </a:rPr>
+              <a:t> </a:t>
+            </a:r>
+          </a:p>
+          <a:p>
+            <a:pPr marL="0" indent="0">
+              <a:spcBef>
+                <a:spcPts val="500"/>
+              </a:spcBef>
+              <a:buNone/>
+            </a:pPr>
+            <a:endParaRPr lang="en-US" sz="1500" dirty="0">
+              <a:solidFill>
+                <a:srgbClr val="000000"/>
+              </a:solidFill>
+              <a:latin typeface="Aptos" panose="020B0004020202020204" pitchFamily="34" charset="0"/>
+            </a:endParaRPr>
+          </a:p>
+        </p:txBody>
+      </p:sp>
+    </p:spTree>
+    <p:extLst>
+      <p:ext uri="{BB962C8B-B14F-4D97-AF65-F5344CB8AC3E}">
+        <p14:creationId xmlns:p14="http://schemas.microsoft.com/office/powerpoint/2010/main" val="2615553142"/>
+      </p:ext>
+    </p:extLst>
+  </p:cSld>
+  <p:clrMapOvr>
+    <a:masterClrMapping/>
+  </p:clrMapOvr>
+</p:sld>
+</file>
+
+<file path=ppt/slides/slide11.xml><?xml version="1.0" encoding="utf-8"?>
+<p:sld xmlns:a="http://schemas.openxmlformats.org/drawingml/2006/main" xmlns:r="http://schemas.openxmlformats.org/officeDocument/2006/relationships" xmlns:p="http://schemas.openxmlformats.org/presentationml/2006/main">
+  <p:cSld>
+    <p:spTree>
+      <p:nvGrpSpPr>
+        <p:cNvPr id="1" name="">
+          <a:extLst>
+            <a:ext uri="{FF2B5EF4-FFF2-40B4-BE49-F238E27FC236}">
+              <a16:creationId xmlns:a16="http://schemas.microsoft.com/office/drawing/2014/main" id="{EBF9FFC7-678F-10B6-405C-B7356526CD26}"/>
+            </a:ext>
+          </a:extLst>
+        </p:cNvPr>
+        <p:cNvGrpSpPr/>
+        <p:nvPr/>
+      </p:nvGrpSpPr>
+      <p:grpSpPr>
+        <a:xfrm>
+          <a:off x="0" y="0"/>
+          <a:ext cx="0" cy="0"/>
+          <a:chOff x="0" y="0"/>
+          <a:chExt cx="0" cy="0"/>
+        </a:xfrm>
+      </p:grpSpPr>
+      <p:sp>
+        <p:nvSpPr>
+          <p:cNvPr id="3" name="Content Placeholder 2">
+            <a:extLst>
+              <a:ext uri="{FF2B5EF4-FFF2-40B4-BE49-F238E27FC236}">
+                <a16:creationId xmlns:a16="http://schemas.microsoft.com/office/drawing/2014/main" id="{EAFB90C5-C9B5-2435-160D-7A628E8A7EB5}"/>
+              </a:ext>
+            </a:extLst>
+          </p:cNvPr>
+          <p:cNvSpPr>
+            <a:spLocks noGrp="1"/>
+          </p:cNvSpPr>
+          <p:nvPr>
+            <p:ph idx="1"/>
+          </p:nvPr>
+        </p:nvSpPr>
+        <p:spPr>
+          <a:xfrm>
+            <a:off x="314527" y="240997"/>
+            <a:ext cx="11696282" cy="6717322"/>
+          </a:xfrm>
+        </p:spPr>
+        <p:txBody>
+          <a:bodyPr vert="horz" lIns="91440" tIns="45720" rIns="91440" bIns="0" rtlCol="0">
+            <a:noAutofit/>
+          </a:bodyPr>
+          <a:lstStyle/>
+          <a:p>
+            <a:pPr marL="0" indent="0">
+              <a:lnSpc>
+                <a:spcPct val="100000"/>
+              </a:lnSpc>
+              <a:spcBef>
+                <a:spcPts val="500"/>
+              </a:spcBef>
+              <a:buNone/>
+            </a:pPr>
+            <a:r>
+              <a:rPr lang="en-US" sz="1500" b="1" dirty="0"/>
+              <a:t>Anthony </a:t>
+            </a:r>
+            <a:r>
+              <a:rPr lang="en-US" sz="1500" dirty="0"/>
+              <a:t>– Born and brought up in the coastal side of Kerala where his parents ran an Antique shop. He was always fascinated by the Antiques. As he grew up, he expanded the family business all over the country and then internationally. </a:t>
+            </a:r>
+          </a:p>
+          <a:p>
+            <a:pPr marL="0" indent="0">
+              <a:lnSpc>
+                <a:spcPct val="100000"/>
+              </a:lnSpc>
+              <a:spcBef>
+                <a:spcPts val="500"/>
+              </a:spcBef>
+              <a:buNone/>
+            </a:pPr>
+            <a:r>
+              <a:rPr lang="en-US" sz="1500" dirty="0"/>
+              <a:t>He made enough money to buy his own cargo ship for import and export of his good.</a:t>
+            </a:r>
+          </a:p>
+          <a:p>
+            <a:pPr marL="0" indent="0">
+              <a:lnSpc>
+                <a:spcPct val="100000"/>
+              </a:lnSpc>
+              <a:spcBef>
+                <a:spcPts val="500"/>
+              </a:spcBef>
+              <a:buNone/>
+            </a:pPr>
+            <a:r>
+              <a:rPr lang="en-US" sz="1500" dirty="0"/>
+              <a:t>One day he is attacked by a small-time mob boss to import drugs from south to his coast. At first Anthony disagrees but with his life on the line he agrees.  The mission went on smoothly and he discovered that his cargo can easily be used to transport illegal goods over international waters.</a:t>
+            </a:r>
+          </a:p>
+          <a:p>
+            <a:pPr marL="0" indent="0">
+              <a:lnSpc>
+                <a:spcPct val="100000"/>
+              </a:lnSpc>
+              <a:spcBef>
+                <a:spcPts val="500"/>
+              </a:spcBef>
+              <a:buNone/>
+            </a:pPr>
+            <a:r>
+              <a:rPr lang="en-US" sz="1500" dirty="0"/>
+              <a:t>Being a good businessman he had good connections with the mob, mafia and the cartel.</a:t>
+            </a:r>
+          </a:p>
+          <a:p>
+            <a:pPr marL="0" indent="0">
+              <a:lnSpc>
+                <a:spcPct val="100000"/>
+              </a:lnSpc>
+              <a:spcBef>
+                <a:spcPts val="500"/>
+              </a:spcBef>
+              <a:buNone/>
+            </a:pPr>
+            <a:r>
+              <a:rPr lang="en-US" sz="1500" b="1" dirty="0"/>
+              <a:t>Joseph </a:t>
+            </a:r>
+            <a:r>
+              <a:rPr lang="en-US" sz="1500" dirty="0"/>
+              <a:t>– Born and brought up in Kudla his father was a local goon and a fisherman. But he always wanted to make more than a simple life.</a:t>
+            </a:r>
+          </a:p>
+          <a:p>
+            <a:pPr marL="0" indent="0">
+              <a:lnSpc>
+                <a:spcPct val="100000"/>
+              </a:lnSpc>
+              <a:spcBef>
+                <a:spcPts val="500"/>
+              </a:spcBef>
+              <a:buNone/>
+            </a:pPr>
+            <a:r>
+              <a:rPr lang="en-US" sz="1500" dirty="0"/>
+              <a:t>The fisherman gets killed by a Casino owner. The death of his father causes him and his brother to take revenge. The person who killed their father was a Casino owner in Goa. Soon they took over the casino. </a:t>
+            </a:r>
+          </a:p>
+          <a:p>
+            <a:pPr marL="0" indent="0">
+              <a:lnSpc>
+                <a:spcPct val="100000"/>
+              </a:lnSpc>
+              <a:spcBef>
+                <a:spcPts val="500"/>
+              </a:spcBef>
+              <a:buNone/>
+            </a:pPr>
+            <a:r>
+              <a:rPr lang="en-US" sz="1500" dirty="0"/>
+              <a:t>One day the brothers had a brawl which resulted in Joseph killing his brother. </a:t>
+            </a:r>
+          </a:p>
+          <a:p>
+            <a:pPr marL="0" indent="0">
+              <a:lnSpc>
+                <a:spcPct val="100000"/>
+              </a:lnSpc>
+              <a:spcBef>
+                <a:spcPts val="500"/>
+              </a:spcBef>
+              <a:buNone/>
+            </a:pPr>
+            <a:r>
+              <a:rPr lang="en-US" sz="1500" dirty="0"/>
+              <a:t>Joseph settles in Bangalore and joins the Church of Victor.</a:t>
+            </a:r>
+          </a:p>
+          <a:p>
+            <a:pPr marL="0" indent="0">
+              <a:lnSpc>
+                <a:spcPct val="100000"/>
+              </a:lnSpc>
+              <a:spcBef>
+                <a:spcPts val="500"/>
+              </a:spcBef>
+              <a:buNone/>
+            </a:pPr>
+            <a:endParaRPr lang="en-US" sz="1500" dirty="0"/>
+          </a:p>
+          <a:p>
+            <a:pPr marL="0" indent="0">
+              <a:lnSpc>
+                <a:spcPct val="100000"/>
+              </a:lnSpc>
+              <a:spcBef>
+                <a:spcPts val="500"/>
+              </a:spcBef>
+              <a:buNone/>
+            </a:pPr>
+            <a:endParaRPr lang="en-US" sz="1500" dirty="0"/>
+          </a:p>
+          <a:p>
+            <a:pPr marL="0" indent="0">
+              <a:lnSpc>
+                <a:spcPct val="100000"/>
+              </a:lnSpc>
+              <a:spcBef>
+                <a:spcPts val="500"/>
+              </a:spcBef>
+              <a:buNone/>
+            </a:pPr>
+            <a:r>
+              <a:rPr lang="en-US" sz="1500" dirty="0"/>
+              <a:t>Anthony and Joseph go to the same college. Joseph’s father being a simple fisherman, he is poor and Anthony is from a middle class. They share a strong bond. One day Anthony helps Joseph.</a:t>
+            </a:r>
+          </a:p>
+        </p:txBody>
+      </p:sp>
+    </p:spTree>
+    <p:extLst>
+      <p:ext uri="{BB962C8B-B14F-4D97-AF65-F5344CB8AC3E}">
+        <p14:creationId xmlns:p14="http://schemas.microsoft.com/office/powerpoint/2010/main" val="3429193599"/>
+      </p:ext>
+    </p:extLst>
+  </p:cSld>
+  <p:clrMapOvr>
+    <a:masterClrMapping/>
+  </p:clrMapOvr>
+</p:sld>
+</file>
+
+<file path=ppt/slides/slide12.xml><?xml version="1.0" encoding="utf-8"?>
 <p:sld xmlns:a="http://schemas.openxmlformats.org/drawingml/2006/main" xmlns:r="http://schemas.openxmlformats.org/officeDocument/2006/relationships" xmlns:p="http://schemas.openxmlformats.org/presentationml/2006/main">
   <p:cSld>
     <p:spTree>
@@ -9008,7 +9799,7 @@
 </p:sld>
 </file>
 
-<file path=ppt/slides/slide11.xml><?xml version="1.0" encoding="utf-8"?>
+<file path=ppt/slides/slide13.xml><?xml version="1.0" encoding="utf-8"?>
 <p:sld xmlns:a="http://schemas.openxmlformats.org/drawingml/2006/main" xmlns:r="http://schemas.openxmlformats.org/officeDocument/2006/relationships" xmlns:p="http://schemas.openxmlformats.org/presentationml/2006/main">
   <p:cSld>
     <p:spTree>
@@ -12460,7 +13251,7 @@
 </p:sld>
 </file>
 
-<file path=ppt/slides/slide12.xml><?xml version="1.0" encoding="utf-8"?>
+<file path=ppt/slides/slide14.xml><?xml version="1.0" encoding="utf-8"?>
 <p:sld xmlns:a="http://schemas.openxmlformats.org/drawingml/2006/main" xmlns:r="http://schemas.openxmlformats.org/officeDocument/2006/relationships" xmlns:p="http://schemas.openxmlformats.org/presentationml/2006/main">
   <p:cSld>
     <p:spTree>
@@ -15927,7 +16718,7 @@
 </p:sld>
 </file>
 
-<file path=ppt/slides/slide13.xml><?xml version="1.0" encoding="utf-8"?>
+<file path=ppt/slides/slide15.xml><?xml version="1.0" encoding="utf-8"?>
 <p:sld xmlns:a="http://schemas.openxmlformats.org/drawingml/2006/main" xmlns:r="http://schemas.openxmlformats.org/officeDocument/2006/relationships" xmlns:p="http://schemas.openxmlformats.org/presentationml/2006/main">
   <p:cSld>
     <p:spTree>
@@ -22963,7 +23754,7 @@
 </p:sld>
 </file>
 
-<file path=ppt/slides/slide14.xml><?xml version="1.0" encoding="utf-8"?>
+<file path=ppt/slides/slide16.xml><?xml version="1.0" encoding="utf-8"?>
 <p:sld xmlns:a="http://schemas.openxmlformats.org/drawingml/2006/main" xmlns:r="http://schemas.openxmlformats.org/officeDocument/2006/relationships" xmlns:p="http://schemas.openxmlformats.org/presentationml/2006/main">
   <p:cSld>
     <p:spTree>
@@ -26419,7 +27210,7 @@
 </p:sld>
 </file>
 
-<file path=ppt/slides/slide15.xml><?xml version="1.0" encoding="utf-8"?>
+<file path=ppt/slides/slide17.xml><?xml version="1.0" encoding="utf-8"?>
 <p:sld xmlns:a="http://schemas.openxmlformats.org/drawingml/2006/main" xmlns:r="http://schemas.openxmlformats.org/officeDocument/2006/relationships" xmlns:p="http://schemas.openxmlformats.org/presentationml/2006/main">
   <p:cSld>
     <p:spTree>
@@ -30686,7 +31477,7 @@
 </p:sld>
 </file>
 
-<file path=ppt/slides/slide16.xml><?xml version="1.0" encoding="utf-8"?>
+<file path=ppt/slides/slide18.xml><?xml version="1.0" encoding="utf-8"?>
 <p:sld xmlns:a="http://schemas.openxmlformats.org/drawingml/2006/main" xmlns:r="http://schemas.openxmlformats.org/officeDocument/2006/relationships" xmlns:p="http://schemas.openxmlformats.org/presentationml/2006/main">
   <p:cSld>
     <p:bg>
@@ -30802,7 +31593,7 @@
 </p:sld>
 </file>
 
-<file path=ppt/slides/slide17.xml><?xml version="1.0" encoding="utf-8"?>
+<file path=ppt/slides/slide19.xml><?xml version="1.0" encoding="utf-8"?>
 <p:sld xmlns:a="http://schemas.openxmlformats.org/drawingml/2006/main" xmlns:r="http://schemas.openxmlformats.org/officeDocument/2006/relationships" xmlns:p="http://schemas.openxmlformats.org/presentationml/2006/main">
   <p:cSld>
     <p:spTree>
@@ -33314,411 +34105,6 @@
 </p:sld>
 </file>
 
-<file path=ppt/slides/slide18.xml><?xml version="1.0" encoding="utf-8"?>
-<p:sld xmlns:a="http://schemas.openxmlformats.org/drawingml/2006/main" xmlns:r="http://schemas.openxmlformats.org/officeDocument/2006/relationships" xmlns:p="http://schemas.openxmlformats.org/presentationml/2006/main">
-  <p:cSld>
-    <p:spTree>
-      <p:nvGrpSpPr>
-        <p:cNvPr id="1" name=""/>
-        <p:cNvGrpSpPr/>
-        <p:nvPr/>
-      </p:nvGrpSpPr>
-      <p:grpSpPr>
-        <a:xfrm>
-          <a:off x="0" y="0"/>
-          <a:ext cx="0" cy="0"/>
-          <a:chOff x="0" y="0"/>
-          <a:chExt cx="0" cy="0"/>
-        </a:xfrm>
-      </p:grpSpPr>
-      <p:sp>
-        <p:nvSpPr>
-          <p:cNvPr id="3" name="Content Placeholder 2">
-            <a:extLst>
-              <a:ext uri="{FF2B5EF4-FFF2-40B4-BE49-F238E27FC236}">
-                <a16:creationId xmlns:a16="http://schemas.microsoft.com/office/drawing/2014/main" id="{96CFB2DE-4ADA-EEB1-7AD1-7CFA5D5C469F}"/>
-              </a:ext>
-            </a:extLst>
-          </p:cNvPr>
-          <p:cNvSpPr>
-            <a:spLocks noGrp="1"/>
-          </p:cNvSpPr>
-          <p:nvPr>
-            <p:ph idx="1"/>
-          </p:nvPr>
-        </p:nvSpPr>
-        <p:spPr>
-          <a:xfrm>
-            <a:off x="312852" y="257743"/>
-            <a:ext cx="11941629" cy="6574971"/>
-          </a:xfrm>
-        </p:spPr>
-        <p:txBody>
-          <a:bodyPr>
-            <a:normAutofit/>
-          </a:bodyPr>
-          <a:lstStyle/>
-          <a:p>
-            <a:r>
-              <a:rPr lang="en-US" sz="1800" dirty="0"/>
-              <a:t>Who gives the diamond smuggling mission to Arjun?</a:t>
-            </a:r>
-          </a:p>
-          <a:p>
-            <a:pPr marL="800100" lvl="1" indent="-342900">
-              <a:buFont typeface="+mj-lt"/>
-              <a:buAutoNum type="arabicPeriod"/>
-            </a:pPr>
-            <a:r>
-              <a:rPr lang="en-US" sz="1500" dirty="0"/>
-              <a:t>Anthony Desai</a:t>
-            </a:r>
-          </a:p>
-          <a:p>
-            <a:pPr marL="800100" lvl="1" indent="-342900">
-              <a:buFont typeface="+mj-lt"/>
-              <a:buAutoNum type="arabicPeriod"/>
-            </a:pPr>
-            <a:r>
-              <a:rPr lang="en-US" sz="1500" dirty="0"/>
-              <a:t>Sindhu</a:t>
-            </a:r>
-          </a:p>
-          <a:p>
-            <a:pPr marL="800100" lvl="1" indent="-342900">
-              <a:buFont typeface="+mj-lt"/>
-              <a:buAutoNum type="arabicPeriod"/>
-            </a:pPr>
-            <a:r>
-              <a:rPr lang="en-US" sz="1500" dirty="0"/>
-              <a:t>Jasper</a:t>
-            </a:r>
-          </a:p>
-          <a:p>
-            <a:pPr marL="800100" lvl="1" indent="-342900">
-              <a:buFont typeface="+mj-lt"/>
-              <a:buAutoNum type="arabicPeriod"/>
-            </a:pPr>
-            <a:r>
-              <a:rPr lang="en-US" sz="1500" dirty="0"/>
-              <a:t>Arjun</a:t>
-            </a:r>
-          </a:p>
-          <a:p>
-            <a:r>
-              <a:rPr lang="en-US" sz="1800" dirty="0"/>
-              <a:t>What is the motive for Arjun to do the mission without going sideways?</a:t>
-            </a:r>
-          </a:p>
-          <a:p>
-            <a:pPr marL="800100" lvl="1" indent="-342900">
-              <a:buFont typeface="+mj-lt"/>
-              <a:buAutoNum type="arabicPeriod"/>
-            </a:pPr>
-            <a:r>
-              <a:rPr lang="en-US" sz="1500" dirty="0"/>
-              <a:t>He is loyal to Anthony Desai</a:t>
-            </a:r>
-          </a:p>
-          <a:p>
-            <a:pPr marL="800100" lvl="1" indent="-342900">
-              <a:buFont typeface="+mj-lt"/>
-              <a:buAutoNum type="arabicPeriod"/>
-            </a:pPr>
-            <a:r>
-              <a:rPr lang="en-US" sz="1500" dirty="0"/>
-              <a:t>Sindhu blackmails him to lock in for murder of Aisha</a:t>
-            </a:r>
-          </a:p>
-          <a:p>
-            <a:pPr marL="800100" lvl="1" indent="-342900">
-              <a:buFont typeface="+mj-lt"/>
-              <a:buAutoNum type="arabicPeriod"/>
-            </a:pPr>
-            <a:r>
-              <a:rPr lang="en-US" sz="1500" dirty="0"/>
-              <a:t>Anthony/ Sindhu tell him that his sister is alive</a:t>
-            </a:r>
-          </a:p>
-          <a:p>
-            <a:r>
-              <a:rPr lang="en-US" sz="1800" dirty="0"/>
-              <a:t>How will Sindhu know about the diamonds?</a:t>
-            </a:r>
-          </a:p>
-          <a:p>
-            <a:pPr marL="800100" lvl="1" indent="-342900">
-              <a:buFont typeface="+mj-lt"/>
-              <a:buAutoNum type="arabicPeriod"/>
-            </a:pPr>
-            <a:r>
-              <a:rPr lang="en-US" sz="1500" dirty="0"/>
-              <a:t>Anthony tells her in exchange for escape</a:t>
-            </a:r>
-          </a:p>
-          <a:p>
-            <a:pPr marL="800100" lvl="1" indent="-342900">
-              <a:buFont typeface="+mj-lt"/>
-              <a:buAutoNum type="arabicPeriod"/>
-            </a:pPr>
-            <a:r>
-              <a:rPr lang="en-US" sz="1500" dirty="0"/>
-              <a:t>Anthony tells her because she is his sister</a:t>
-            </a:r>
-          </a:p>
-          <a:p>
-            <a:pPr marL="800100" lvl="1" indent="-342900">
-              <a:buFont typeface="+mj-lt"/>
-              <a:buAutoNum type="arabicPeriod"/>
-            </a:pPr>
-            <a:r>
-              <a:rPr lang="en-US" sz="1500" dirty="0"/>
-              <a:t>Sindhu finds out about it when reading the cult files</a:t>
-            </a:r>
-          </a:p>
-          <a:p>
-            <a:r>
-              <a:rPr lang="en-US" sz="1800" dirty="0"/>
-              <a:t>Why is Sindhu the final boss?</a:t>
-            </a:r>
-          </a:p>
-          <a:p>
-            <a:r>
-              <a:rPr lang="en-US" sz="1800" dirty="0"/>
-              <a:t>How does Arjun meet Jasper?</a:t>
-            </a:r>
-          </a:p>
-          <a:p>
-            <a:r>
-              <a:rPr lang="en-US" sz="1800" dirty="0"/>
-              <a:t>When does Jasper work as the CBI informant?</a:t>
-            </a:r>
-          </a:p>
-          <a:p>
-            <a:pPr marL="800100" lvl="1" indent="-342900">
-              <a:buFont typeface="+mj-lt"/>
-              <a:buAutoNum type="arabicPeriod"/>
-            </a:pPr>
-            <a:r>
-              <a:rPr lang="en-US" sz="1400" dirty="0"/>
-              <a:t>She sees a man in the bar looking at an uncut diamond</a:t>
-            </a:r>
-          </a:p>
-          <a:p>
-            <a:pPr marL="800100" lvl="1" indent="-342900">
-              <a:buFont typeface="+mj-lt"/>
-              <a:buAutoNum type="arabicPeriod"/>
-            </a:pPr>
-            <a:r>
-              <a:rPr lang="en-US" sz="1400" dirty="0"/>
-              <a:t>The CBI hires her</a:t>
-            </a:r>
-          </a:p>
-          <a:p>
-            <a:endParaRPr lang="en-US" sz="1800" dirty="0"/>
-          </a:p>
-        </p:txBody>
-      </p:sp>
-    </p:spTree>
-    <p:extLst>
-      <p:ext uri="{BB962C8B-B14F-4D97-AF65-F5344CB8AC3E}">
-        <p14:creationId xmlns:p14="http://schemas.microsoft.com/office/powerpoint/2010/main" val="1431821631"/>
-      </p:ext>
-    </p:extLst>
-  </p:cSld>
-  <p:clrMapOvr>
-    <a:masterClrMapping/>
-  </p:clrMapOvr>
-</p:sld>
-</file>
-
-<file path=ppt/slides/slide19.xml><?xml version="1.0" encoding="utf-8"?>
-<p:sld xmlns:a="http://schemas.openxmlformats.org/drawingml/2006/main" xmlns:r="http://schemas.openxmlformats.org/officeDocument/2006/relationships" xmlns:p="http://schemas.openxmlformats.org/presentationml/2006/main">
-  <p:cSld>
-    <p:spTree>
-      <p:nvGrpSpPr>
-        <p:cNvPr id="1" name=""/>
-        <p:cNvGrpSpPr/>
-        <p:nvPr/>
-      </p:nvGrpSpPr>
-      <p:grpSpPr>
-        <a:xfrm>
-          <a:off x="0" y="0"/>
-          <a:ext cx="0" cy="0"/>
-          <a:chOff x="0" y="0"/>
-          <a:chExt cx="0" cy="0"/>
-        </a:xfrm>
-      </p:grpSpPr>
-      <p:sp>
-        <p:nvSpPr>
-          <p:cNvPr id="3" name="Content Placeholder 2">
-            <a:extLst>
-              <a:ext uri="{FF2B5EF4-FFF2-40B4-BE49-F238E27FC236}">
-                <a16:creationId xmlns:a16="http://schemas.microsoft.com/office/drawing/2014/main" id="{96CFB2DE-4ADA-EEB1-7AD1-7CFA5D5C469F}"/>
-              </a:ext>
-            </a:extLst>
-          </p:cNvPr>
-          <p:cNvSpPr>
-            <a:spLocks noGrp="1"/>
-          </p:cNvSpPr>
-          <p:nvPr>
-            <p:ph idx="1"/>
-          </p:nvPr>
-        </p:nvSpPr>
-        <p:spPr>
-          <a:xfrm>
-            <a:off x="312852" y="257743"/>
-            <a:ext cx="11941629" cy="6574971"/>
-          </a:xfrm>
-        </p:spPr>
-        <p:txBody>
-          <a:bodyPr>
-            <a:normAutofit/>
-          </a:bodyPr>
-          <a:lstStyle/>
-          <a:p>
-            <a:pPr marL="0" indent="0">
-              <a:buNone/>
-            </a:pPr>
-            <a:r>
-              <a:rPr lang="en-US" sz="1800" b="1" dirty="0"/>
-              <a:t>Currency Counterfeit:</a:t>
-            </a:r>
-          </a:p>
-          <a:p>
-            <a:r>
-              <a:rPr lang="en-US" sz="1800" dirty="0"/>
-              <a:t>Who hires Jasper</a:t>
-            </a:r>
-          </a:p>
-          <a:p>
-            <a:r>
-              <a:rPr lang="en-US" sz="1800" dirty="0"/>
-              <a:t>How do Jasper find the factory</a:t>
-            </a:r>
-          </a:p>
-          <a:p>
-            <a:r>
-              <a:rPr lang="en-US" sz="1800" dirty="0"/>
-              <a:t>Jasper is kidnapped</a:t>
-            </a:r>
-          </a:p>
-          <a:p>
-            <a:r>
-              <a:rPr lang="en-US" sz="1800" dirty="0"/>
-              <a:t>Vasanth save Jasper</a:t>
-            </a:r>
-          </a:p>
-          <a:p>
-            <a:r>
-              <a:rPr lang="en-US" sz="1800" dirty="0"/>
-              <a:t>Vasanth and Jasper talk about diamonds</a:t>
-            </a:r>
-          </a:p>
-          <a:p>
-            <a:r>
-              <a:rPr lang="en-US" sz="1800" dirty="0"/>
-              <a:t>How do Vasanth find the factory</a:t>
-            </a:r>
-          </a:p>
-          <a:p>
-            <a:pPr lvl="1"/>
-            <a:r>
-              <a:rPr lang="en-US" sz="1400" dirty="0"/>
-              <a:t>A counterfeit cash is found by a bar owner</a:t>
-            </a:r>
-          </a:p>
-          <a:p>
-            <a:pPr lvl="1"/>
-            <a:r>
-              <a:rPr lang="en-US" sz="1400" dirty="0"/>
-              <a:t>Investigation reveals that it was always a cab Ashwa who gave the 500 bill</a:t>
-            </a:r>
-          </a:p>
-          <a:p>
-            <a:pPr lvl="1"/>
-            <a:r>
-              <a:rPr lang="en-US" sz="1400" dirty="0"/>
-              <a:t>Cab Ashwa says he was paid in cash by the owner</a:t>
-            </a:r>
-          </a:p>
-          <a:p>
-            <a:pPr lvl="1"/>
-            <a:r>
-              <a:rPr lang="en-US" sz="1400" dirty="0"/>
-              <a:t>The owner is tracked, and he reveals that he won the money in a casino in Goa</a:t>
-            </a:r>
-          </a:p>
-          <a:p>
-            <a:pPr lvl="1"/>
-            <a:r>
-              <a:rPr lang="en-US" sz="1400" dirty="0"/>
-              <a:t>Vasanth is sent to investigate it</a:t>
-            </a:r>
-          </a:p>
-          <a:p>
-            <a:pPr lvl="1"/>
-            <a:r>
-              <a:rPr lang="en-US" sz="1400" dirty="0"/>
-              <a:t>There he meets Jasper who is investigating to find proof of fake notes in the Casino</a:t>
-            </a:r>
-          </a:p>
-          <a:p>
-            <a:r>
-              <a:rPr lang="en-US" sz="1800" dirty="0"/>
-              <a:t>Why is Vasanth decommissioned from CBI</a:t>
-            </a:r>
-          </a:p>
-          <a:p>
-            <a:pPr lvl="1"/>
-            <a:r>
-              <a:rPr lang="en-US" sz="1400" dirty="0"/>
-              <a:t>Anonymous tip that he is also involved</a:t>
-            </a:r>
-          </a:p>
-          <a:p>
-            <a:pPr lvl="1"/>
-            <a:r>
-              <a:rPr lang="en-US" sz="1400" dirty="0"/>
-              <a:t>Deposit into his account for 2L</a:t>
-            </a:r>
-            <a:endParaRPr lang="en-US" sz="1800" dirty="0"/>
-          </a:p>
-          <a:p>
-            <a:pPr lvl="1"/>
-            <a:r>
-              <a:rPr lang="en-US" sz="1400" dirty="0"/>
-              <a:t>Some fake notes found in his house</a:t>
-            </a:r>
-          </a:p>
-          <a:p>
-            <a:pPr lvl="1"/>
-            <a:r>
-              <a:rPr lang="en-US" sz="1400" dirty="0"/>
-              <a:t>Ricky using his name to cover his tracks</a:t>
-            </a:r>
-          </a:p>
-          <a:p>
-            <a:r>
-              <a:rPr lang="en-US" sz="1800" dirty="0"/>
-              <a:t>How does Vasanth get reinstated by CBI</a:t>
-            </a:r>
-          </a:p>
-        </p:txBody>
-      </p:sp>
-    </p:spTree>
-    <p:extLst>
-      <p:ext uri="{BB962C8B-B14F-4D97-AF65-F5344CB8AC3E}">
-        <p14:creationId xmlns:p14="http://schemas.microsoft.com/office/powerpoint/2010/main" val="3210242173"/>
-      </p:ext>
-    </p:extLst>
-  </p:cSld>
-  <p:clrMapOvr>
-    <a:masterClrMapping/>
-  </p:clrMapOvr>
-</p:sld>
-</file>
-
 <file path=ppt/slides/slide2.xml><?xml version="1.0" encoding="utf-8"?>
 <p:sld xmlns:a="http://schemas.openxmlformats.org/drawingml/2006/main" xmlns:r="http://schemas.openxmlformats.org/officeDocument/2006/relationships" xmlns:p="http://schemas.openxmlformats.org/presentationml/2006/main">
   <p:cSld>
@@ -33935,6 +34321,411 @@
 </file>
 
 <file path=ppt/slides/slide20.xml><?xml version="1.0" encoding="utf-8"?>
+<p:sld xmlns:a="http://schemas.openxmlformats.org/drawingml/2006/main" xmlns:r="http://schemas.openxmlformats.org/officeDocument/2006/relationships" xmlns:p="http://schemas.openxmlformats.org/presentationml/2006/main">
+  <p:cSld>
+    <p:spTree>
+      <p:nvGrpSpPr>
+        <p:cNvPr id="1" name=""/>
+        <p:cNvGrpSpPr/>
+        <p:nvPr/>
+      </p:nvGrpSpPr>
+      <p:grpSpPr>
+        <a:xfrm>
+          <a:off x="0" y="0"/>
+          <a:ext cx="0" cy="0"/>
+          <a:chOff x="0" y="0"/>
+          <a:chExt cx="0" cy="0"/>
+        </a:xfrm>
+      </p:grpSpPr>
+      <p:sp>
+        <p:nvSpPr>
+          <p:cNvPr id="3" name="Content Placeholder 2">
+            <a:extLst>
+              <a:ext uri="{FF2B5EF4-FFF2-40B4-BE49-F238E27FC236}">
+                <a16:creationId xmlns:a16="http://schemas.microsoft.com/office/drawing/2014/main" id="{96CFB2DE-4ADA-EEB1-7AD1-7CFA5D5C469F}"/>
+              </a:ext>
+            </a:extLst>
+          </p:cNvPr>
+          <p:cNvSpPr>
+            <a:spLocks noGrp="1"/>
+          </p:cNvSpPr>
+          <p:nvPr>
+            <p:ph idx="1"/>
+          </p:nvPr>
+        </p:nvSpPr>
+        <p:spPr>
+          <a:xfrm>
+            <a:off x="312852" y="257743"/>
+            <a:ext cx="11941629" cy="6574971"/>
+          </a:xfrm>
+        </p:spPr>
+        <p:txBody>
+          <a:bodyPr>
+            <a:normAutofit/>
+          </a:bodyPr>
+          <a:lstStyle/>
+          <a:p>
+            <a:r>
+              <a:rPr lang="en-US" sz="1800" dirty="0"/>
+              <a:t>Who gives the diamond smuggling mission to Arjun?</a:t>
+            </a:r>
+          </a:p>
+          <a:p>
+            <a:pPr marL="800100" lvl="1" indent="-342900">
+              <a:buFont typeface="+mj-lt"/>
+              <a:buAutoNum type="arabicPeriod"/>
+            </a:pPr>
+            <a:r>
+              <a:rPr lang="en-US" sz="1500" dirty="0"/>
+              <a:t>Anthony Desai</a:t>
+            </a:r>
+          </a:p>
+          <a:p>
+            <a:pPr marL="800100" lvl="1" indent="-342900">
+              <a:buFont typeface="+mj-lt"/>
+              <a:buAutoNum type="arabicPeriod"/>
+            </a:pPr>
+            <a:r>
+              <a:rPr lang="en-US" sz="1500" dirty="0"/>
+              <a:t>Sindhu</a:t>
+            </a:r>
+          </a:p>
+          <a:p>
+            <a:pPr marL="800100" lvl="1" indent="-342900">
+              <a:buFont typeface="+mj-lt"/>
+              <a:buAutoNum type="arabicPeriod"/>
+            </a:pPr>
+            <a:r>
+              <a:rPr lang="en-US" sz="1500" dirty="0"/>
+              <a:t>Jasper</a:t>
+            </a:r>
+          </a:p>
+          <a:p>
+            <a:pPr marL="800100" lvl="1" indent="-342900">
+              <a:buFont typeface="+mj-lt"/>
+              <a:buAutoNum type="arabicPeriod"/>
+            </a:pPr>
+            <a:r>
+              <a:rPr lang="en-US" sz="1500" dirty="0"/>
+              <a:t>Arjun</a:t>
+            </a:r>
+          </a:p>
+          <a:p>
+            <a:r>
+              <a:rPr lang="en-US" sz="1800" dirty="0"/>
+              <a:t>What is the motive for Arjun to do the mission without going sideways?</a:t>
+            </a:r>
+          </a:p>
+          <a:p>
+            <a:pPr marL="800100" lvl="1" indent="-342900">
+              <a:buFont typeface="+mj-lt"/>
+              <a:buAutoNum type="arabicPeriod"/>
+            </a:pPr>
+            <a:r>
+              <a:rPr lang="en-US" sz="1500" dirty="0"/>
+              <a:t>He is loyal to Anthony Desai</a:t>
+            </a:r>
+          </a:p>
+          <a:p>
+            <a:pPr marL="800100" lvl="1" indent="-342900">
+              <a:buFont typeface="+mj-lt"/>
+              <a:buAutoNum type="arabicPeriod"/>
+            </a:pPr>
+            <a:r>
+              <a:rPr lang="en-US" sz="1500" dirty="0"/>
+              <a:t>Sindhu blackmails him to lock in for murder of Aisha</a:t>
+            </a:r>
+          </a:p>
+          <a:p>
+            <a:pPr marL="800100" lvl="1" indent="-342900">
+              <a:buFont typeface="+mj-lt"/>
+              <a:buAutoNum type="arabicPeriod"/>
+            </a:pPr>
+            <a:r>
+              <a:rPr lang="en-US" sz="1500" dirty="0"/>
+              <a:t>Anthony/ Sindhu tell him that his sister is alive</a:t>
+            </a:r>
+          </a:p>
+          <a:p>
+            <a:r>
+              <a:rPr lang="en-US" sz="1800" dirty="0"/>
+              <a:t>How will Sindhu know about the diamonds?</a:t>
+            </a:r>
+          </a:p>
+          <a:p>
+            <a:pPr marL="800100" lvl="1" indent="-342900">
+              <a:buFont typeface="+mj-lt"/>
+              <a:buAutoNum type="arabicPeriod"/>
+            </a:pPr>
+            <a:r>
+              <a:rPr lang="en-US" sz="1500" dirty="0"/>
+              <a:t>Anthony tells her in exchange for escape</a:t>
+            </a:r>
+          </a:p>
+          <a:p>
+            <a:pPr marL="800100" lvl="1" indent="-342900">
+              <a:buFont typeface="+mj-lt"/>
+              <a:buAutoNum type="arabicPeriod"/>
+            </a:pPr>
+            <a:r>
+              <a:rPr lang="en-US" sz="1500" dirty="0"/>
+              <a:t>Anthony tells her because she is his sister</a:t>
+            </a:r>
+          </a:p>
+          <a:p>
+            <a:pPr marL="800100" lvl="1" indent="-342900">
+              <a:buFont typeface="+mj-lt"/>
+              <a:buAutoNum type="arabicPeriod"/>
+            </a:pPr>
+            <a:r>
+              <a:rPr lang="en-US" sz="1500" dirty="0"/>
+              <a:t>Sindhu finds out about it when reading the cult files</a:t>
+            </a:r>
+          </a:p>
+          <a:p>
+            <a:r>
+              <a:rPr lang="en-US" sz="1800" dirty="0"/>
+              <a:t>Why is Sindhu the final boss?</a:t>
+            </a:r>
+          </a:p>
+          <a:p>
+            <a:r>
+              <a:rPr lang="en-US" sz="1800" dirty="0"/>
+              <a:t>How does Arjun meet Jasper?</a:t>
+            </a:r>
+          </a:p>
+          <a:p>
+            <a:r>
+              <a:rPr lang="en-US" sz="1800" dirty="0"/>
+              <a:t>When does Jasper work as the CBI informant?</a:t>
+            </a:r>
+          </a:p>
+          <a:p>
+            <a:pPr marL="800100" lvl="1" indent="-342900">
+              <a:buFont typeface="+mj-lt"/>
+              <a:buAutoNum type="arabicPeriod"/>
+            </a:pPr>
+            <a:r>
+              <a:rPr lang="en-US" sz="1400" dirty="0"/>
+              <a:t>She sees a man in the bar looking at an uncut diamond</a:t>
+            </a:r>
+          </a:p>
+          <a:p>
+            <a:pPr marL="800100" lvl="1" indent="-342900">
+              <a:buFont typeface="+mj-lt"/>
+              <a:buAutoNum type="arabicPeriod"/>
+            </a:pPr>
+            <a:r>
+              <a:rPr lang="en-US" sz="1400" dirty="0"/>
+              <a:t>The CBI hires her</a:t>
+            </a:r>
+          </a:p>
+          <a:p>
+            <a:endParaRPr lang="en-US" sz="1800" dirty="0"/>
+          </a:p>
+        </p:txBody>
+      </p:sp>
+    </p:spTree>
+    <p:extLst>
+      <p:ext uri="{BB962C8B-B14F-4D97-AF65-F5344CB8AC3E}">
+        <p14:creationId xmlns:p14="http://schemas.microsoft.com/office/powerpoint/2010/main" val="1431821631"/>
+      </p:ext>
+    </p:extLst>
+  </p:cSld>
+  <p:clrMapOvr>
+    <a:masterClrMapping/>
+  </p:clrMapOvr>
+</p:sld>
+</file>
+
+<file path=ppt/slides/slide21.xml><?xml version="1.0" encoding="utf-8"?>
+<p:sld xmlns:a="http://schemas.openxmlformats.org/drawingml/2006/main" xmlns:r="http://schemas.openxmlformats.org/officeDocument/2006/relationships" xmlns:p="http://schemas.openxmlformats.org/presentationml/2006/main">
+  <p:cSld>
+    <p:spTree>
+      <p:nvGrpSpPr>
+        <p:cNvPr id="1" name=""/>
+        <p:cNvGrpSpPr/>
+        <p:nvPr/>
+      </p:nvGrpSpPr>
+      <p:grpSpPr>
+        <a:xfrm>
+          <a:off x="0" y="0"/>
+          <a:ext cx="0" cy="0"/>
+          <a:chOff x="0" y="0"/>
+          <a:chExt cx="0" cy="0"/>
+        </a:xfrm>
+      </p:grpSpPr>
+      <p:sp>
+        <p:nvSpPr>
+          <p:cNvPr id="3" name="Content Placeholder 2">
+            <a:extLst>
+              <a:ext uri="{FF2B5EF4-FFF2-40B4-BE49-F238E27FC236}">
+                <a16:creationId xmlns:a16="http://schemas.microsoft.com/office/drawing/2014/main" id="{96CFB2DE-4ADA-EEB1-7AD1-7CFA5D5C469F}"/>
+              </a:ext>
+            </a:extLst>
+          </p:cNvPr>
+          <p:cNvSpPr>
+            <a:spLocks noGrp="1"/>
+          </p:cNvSpPr>
+          <p:nvPr>
+            <p:ph idx="1"/>
+          </p:nvPr>
+        </p:nvSpPr>
+        <p:spPr>
+          <a:xfrm>
+            <a:off x="312852" y="257743"/>
+            <a:ext cx="11941629" cy="6574971"/>
+          </a:xfrm>
+        </p:spPr>
+        <p:txBody>
+          <a:bodyPr>
+            <a:normAutofit/>
+          </a:bodyPr>
+          <a:lstStyle/>
+          <a:p>
+            <a:pPr marL="0" indent="0">
+              <a:buNone/>
+            </a:pPr>
+            <a:r>
+              <a:rPr lang="en-US" sz="1800" b="1" dirty="0"/>
+              <a:t>Currency Counterfeit:</a:t>
+            </a:r>
+          </a:p>
+          <a:p>
+            <a:r>
+              <a:rPr lang="en-US" sz="1800" dirty="0"/>
+              <a:t>Who hires Jasper</a:t>
+            </a:r>
+          </a:p>
+          <a:p>
+            <a:r>
+              <a:rPr lang="en-US" sz="1800" dirty="0"/>
+              <a:t>How do Jasper find the factory</a:t>
+            </a:r>
+          </a:p>
+          <a:p>
+            <a:r>
+              <a:rPr lang="en-US" sz="1800" dirty="0"/>
+              <a:t>Jasper is kidnapped</a:t>
+            </a:r>
+          </a:p>
+          <a:p>
+            <a:r>
+              <a:rPr lang="en-US" sz="1800" dirty="0"/>
+              <a:t>Vasanth save Jasper</a:t>
+            </a:r>
+          </a:p>
+          <a:p>
+            <a:r>
+              <a:rPr lang="en-US" sz="1800" dirty="0"/>
+              <a:t>Vasanth and Jasper talk about diamonds</a:t>
+            </a:r>
+          </a:p>
+          <a:p>
+            <a:r>
+              <a:rPr lang="en-US" sz="1800" dirty="0"/>
+              <a:t>How do Vasanth find the factory</a:t>
+            </a:r>
+          </a:p>
+          <a:p>
+            <a:pPr lvl="1"/>
+            <a:r>
+              <a:rPr lang="en-US" sz="1400" dirty="0"/>
+              <a:t>A counterfeit cash is found by a bar owner</a:t>
+            </a:r>
+          </a:p>
+          <a:p>
+            <a:pPr lvl="1"/>
+            <a:r>
+              <a:rPr lang="en-US" sz="1400" dirty="0"/>
+              <a:t>Investigation reveals that it was always a cab Ashwa who gave the 500 bill</a:t>
+            </a:r>
+          </a:p>
+          <a:p>
+            <a:pPr lvl="1"/>
+            <a:r>
+              <a:rPr lang="en-US" sz="1400" dirty="0"/>
+              <a:t>Cab Ashwa says he was paid in cash by the owner</a:t>
+            </a:r>
+          </a:p>
+          <a:p>
+            <a:pPr lvl="1"/>
+            <a:r>
+              <a:rPr lang="en-US" sz="1400" dirty="0"/>
+              <a:t>The owner is tracked, and he reveals that he won the money in a casino in Goa</a:t>
+            </a:r>
+          </a:p>
+          <a:p>
+            <a:pPr lvl="1"/>
+            <a:r>
+              <a:rPr lang="en-US" sz="1400" dirty="0"/>
+              <a:t>Vasanth is sent to investigate it</a:t>
+            </a:r>
+          </a:p>
+          <a:p>
+            <a:pPr lvl="1"/>
+            <a:r>
+              <a:rPr lang="en-US" sz="1400" dirty="0"/>
+              <a:t>There he meets Jasper who is investigating to find proof of fake notes in the Casino</a:t>
+            </a:r>
+          </a:p>
+          <a:p>
+            <a:r>
+              <a:rPr lang="en-US" sz="1800" dirty="0"/>
+              <a:t>Why is Vasanth decommissioned from CBI</a:t>
+            </a:r>
+          </a:p>
+          <a:p>
+            <a:pPr lvl="1"/>
+            <a:r>
+              <a:rPr lang="en-US" sz="1400" dirty="0"/>
+              <a:t>Anonymous tip that he is also involved</a:t>
+            </a:r>
+          </a:p>
+          <a:p>
+            <a:pPr lvl="1"/>
+            <a:r>
+              <a:rPr lang="en-US" sz="1400" dirty="0"/>
+              <a:t>Deposit into his account for 2L</a:t>
+            </a:r>
+            <a:endParaRPr lang="en-US" sz="1800" dirty="0"/>
+          </a:p>
+          <a:p>
+            <a:pPr lvl="1"/>
+            <a:r>
+              <a:rPr lang="en-US" sz="1400" dirty="0"/>
+              <a:t>Some fake notes found in his house</a:t>
+            </a:r>
+          </a:p>
+          <a:p>
+            <a:pPr lvl="1"/>
+            <a:r>
+              <a:rPr lang="en-US" sz="1400" dirty="0"/>
+              <a:t>Ricky using his name to cover his tracks</a:t>
+            </a:r>
+          </a:p>
+          <a:p>
+            <a:r>
+              <a:rPr lang="en-US" sz="1800" dirty="0"/>
+              <a:t>How does Vasanth get reinstated by CBI</a:t>
+            </a:r>
+          </a:p>
+        </p:txBody>
+      </p:sp>
+    </p:spTree>
+    <p:extLst>
+      <p:ext uri="{BB962C8B-B14F-4D97-AF65-F5344CB8AC3E}">
+        <p14:creationId xmlns:p14="http://schemas.microsoft.com/office/powerpoint/2010/main" val="3210242173"/>
+      </p:ext>
+    </p:extLst>
+  </p:cSld>
+  <p:clrMapOvr>
+    <a:masterClrMapping/>
+  </p:clrMapOvr>
+</p:sld>
+</file>
+
+<file path=ppt/slides/slide22.xml><?xml version="1.0" encoding="utf-8"?>
 <p:sld xmlns:a="http://schemas.openxmlformats.org/drawingml/2006/main" xmlns:r="http://schemas.openxmlformats.org/officeDocument/2006/relationships" xmlns:p="http://schemas.openxmlformats.org/presentationml/2006/main">
   <p:cSld>
     <p:spTree>
@@ -34732,15 +35523,7 @@
             </a:r>
             <a:r>
               <a:rPr lang="en-US" sz="1500" dirty="0"/>
-              <a:t> cannot talk. He introduces himself as </a:t>
-            </a:r>
-            <a:r>
-              <a:rPr lang="en-US" sz="1500" dirty="0" err="1"/>
-              <a:t>Mayavi</a:t>
-            </a:r>
-            <a:r>
-              <a:rPr lang="en-US" sz="1500" dirty="0"/>
-              <a:t>, a magician and him and </a:t>
+              <a:t> cannot talk. He introduces himself as Mayavi, a magician and him and </a:t>
             </a:r>
             <a:r>
               <a:rPr lang="en-US" sz="1500" dirty="0" err="1"/>
@@ -34865,15 +35648,7 @@
             </a:pPr>
             <a:r>
               <a:rPr lang="en-US" sz="1500" dirty="0"/>
-              <a:t>Times passes in the prison with </a:t>
-            </a:r>
-            <a:r>
-              <a:rPr lang="en-US" sz="1500" dirty="0" err="1"/>
-              <a:t>Mayavi</a:t>
-            </a:r>
-            <a:r>
-              <a:rPr lang="en-US" sz="1500" dirty="0"/>
-              <a:t> showing off his magic tricks and </a:t>
+              <a:t>Times passes in the prison with Mayavi showing off his magic tricks and </a:t>
             </a:r>
             <a:r>
               <a:rPr lang="en-US" sz="1500" dirty="0" err="1"/>
@@ -34917,15 +35692,7 @@
             </a:pPr>
             <a:r>
               <a:rPr lang="en-US" sz="1500" dirty="0"/>
-              <a:t>Arjun is chatting with </a:t>
-            </a:r>
-            <a:r>
-              <a:rPr lang="en-US" sz="1500" dirty="0" err="1"/>
-              <a:t>Mayavi</a:t>
-            </a:r>
-            <a:r>
-              <a:rPr lang="en-US" sz="1500" dirty="0"/>
-              <a:t> and </a:t>
+              <a:t>Arjun is chatting with Mayavi and </a:t>
             </a:r>
             <a:r>
               <a:rPr lang="en-US" sz="1500" dirty="0" err="1"/>
@@ -34941,15 +35708,7 @@
             </a:r>
             <a:r>
               <a:rPr lang="en-US" sz="1500" dirty="0"/>
-              <a:t> signs of course everyone here had bad luck. </a:t>
-            </a:r>
-            <a:r>
-              <a:rPr lang="en-US" sz="1500" dirty="0" err="1"/>
-              <a:t>Mayavi</a:t>
-            </a:r>
-            <a:r>
-              <a:rPr lang="en-US" sz="1500" dirty="0"/>
-              <a:t> says who does not have bad luck. </a:t>
+              <a:t> signs of course everyone here had bad luck. Mayavi says who does not have bad luck. </a:t>
             </a:r>
           </a:p>
           <a:p>
@@ -34973,15 +35732,7 @@
             </a:pPr>
             <a:r>
               <a:rPr lang="en-US" sz="1500" dirty="0"/>
-              <a:t>Babu says you will have a great time in the future but do not have marriage and kids Bhagya. Arjun fells bad. </a:t>
-            </a:r>
-            <a:r>
-              <a:rPr lang="en-US" sz="1500" dirty="0" err="1"/>
-              <a:t>Mayavi</a:t>
-            </a:r>
-            <a:r>
-              <a:rPr lang="en-US" sz="1500" dirty="0"/>
-              <a:t> says do not worry, he himself came inside after he asked a guy to take 3 dips in the holy river. After 2 dips he did not come back up at all. Babu gets angry and says it was not my mistake that he did not know to swim. He asks Arjun for his payment for reading palms.</a:t>
+              <a:t>Babu says you will have a great time in the future but do not have marriage and kids Bhagya. Arjun fells bad. Mayavi says do not worry, he himself came inside after he asked a guy to take 3 dips in the holy river. After 2 dips he did not come back up at all. Babu gets angry and says it was not my mistake that he did not know to swim. He asks Arjun for his payment for reading palms.</a:t>
             </a:r>
           </a:p>
           <a:p>
@@ -35117,15 +35868,7 @@
             </a:r>
             <a:r>
               <a:rPr lang="en-US" sz="1500" dirty="0"/>
-              <a:t>. </a:t>
-            </a:r>
-            <a:r>
-              <a:rPr lang="en-US" sz="1500" dirty="0" err="1"/>
-              <a:t>Mayavi</a:t>
-            </a:r>
-            <a:r>
-              <a:rPr lang="en-US" sz="1500" dirty="0"/>
-              <a:t> says looks like some new guy came in. They go towards the gate. Arjun looks at the man and realizes that he recognizes him. It is the same guy he met in the prison, Anthony.</a:t>
+              <a:t>. Mayavi says looks like some new guy came in. They go towards the gate. Arjun looks at the man and realizes that he recognizes him. It is the same guy he met in the prison, Anthony.</a:t>
             </a:r>
           </a:p>
           <a:p>
@@ -35229,31 +35972,7 @@
             </a:pPr>
             <a:r>
               <a:rPr lang="en-US" sz="1500" dirty="0"/>
-              <a:t>Arjun is sleeping in his cell thinking about the plan. He remembers </a:t>
-            </a:r>
-            <a:r>
-              <a:rPr lang="en-US" sz="1500" dirty="0" err="1"/>
-              <a:t>Mayavi</a:t>
-            </a:r>
-            <a:r>
-              <a:rPr lang="en-US" sz="1500" dirty="0"/>
-              <a:t> talking about the money. </a:t>
-            </a:r>
-            <a:r>
-              <a:rPr lang="en-US" sz="1500" dirty="0" err="1"/>
-              <a:t>Mayavi</a:t>
-            </a:r>
-            <a:r>
-              <a:rPr lang="en-US" sz="1500" dirty="0"/>
-              <a:t> says when one day when Chandru was drunk, he said that when he was busted, he somehow managed to stash all his money at one secret place. Arjun asks how he gets the money inside from outside thou. </a:t>
-            </a:r>
-            <a:r>
-              <a:rPr lang="en-US" sz="1500" dirty="0" err="1"/>
-              <a:t>Mayavi</a:t>
-            </a:r>
-            <a:r>
-              <a:rPr lang="en-US" sz="1500" dirty="0"/>
-              <a:t> says whenever there is a requirement he calls his lawyer, and he brings in the cash in bags and gives it to the guard.</a:t>
+              <a:t>Arjun is sleeping in his cell thinking about the plan. He remembers Mayavi talking about the money. Mayavi says when one day when Chandru was drunk, he said that when he was busted, he somehow managed to stash all his money at one secret place. Arjun asks how he gets the money inside from outside thou. Mayavi says whenever there is a requirement he calls his lawyer, and he brings in the cash in bags and gives it to the guard.</a:t>
             </a:r>
           </a:p>
           <a:p>
@@ -35324,8 +36043,8 @@
         </p:nvSpPr>
         <p:spPr>
           <a:xfrm>
-            <a:off x="0" y="-11575"/>
-            <a:ext cx="12599988" cy="7199313"/>
+            <a:off x="0" y="0"/>
+            <a:ext cx="12599988" cy="7199314"/>
           </a:xfrm>
         </p:spPr>
         <p:txBody>
@@ -36091,7 +36810,7 @@
                 </a:solidFill>
                 <a:latin typeface="Aptos" panose="020B0004020202020204" pitchFamily="34" charset="0"/>
               </a:rPr>
-              <a:t>y the copy. The original is in a locker of Rishi Private Vaults. Arjun says so you will take us there tomorrow and hand us the evidence. Ramesh says I cannot. </a:t>
+              <a:t>y the copy. The original is in a locker inside a storage unit at Rishi Storage Vaults. Arjun says so you will take us there tomorrow and hand us the evidence. Ramesh says I cannot. </a:t>
             </a:r>
           </a:p>
           <a:p>
@@ -36108,7 +36827,7 @@
                 </a:solidFill>
                 <a:latin typeface="Aptos" panose="020B0004020202020204" pitchFamily="34" charset="0"/>
               </a:rPr>
-              <a:t>Ashwa hold the gun to his head. Ramesh gets scared and says I swear I would have done it if I could but, I just have the key and only Chandru knows the passcode. Camera pans out to reveal Ashwa pointing with his hand and not the gun.</a:t>
+              <a:t>Ashwa hold the gun to his head. Ramesh gets scared and says please do not kill me I swear I would have done it if I could but, I just have the key for the main shutter and not of the locker. Camera pans out to reveal Ashwa pointing with his hand and not the gun.</a:t>
             </a:r>
           </a:p>
           <a:p>
@@ -36125,7 +36844,7 @@
                 </a:solidFill>
                 <a:latin typeface="Aptos" panose="020B0004020202020204" pitchFamily="34" charset="0"/>
               </a:rPr>
-              <a:t>Arjun asks so if we get the passcode we can open the locker. Ramesh says locker must be opened with 2 keys. One will be opened by the key that bank has and the other will be opened by the key that owner has. Arjun says give me the key then. Ramesh says but only the owner or attorney are allowed inside the vault room. So, you will do that then. Ashwa says what about the passcode. Arjun says let me think about it. Ashwa says one more 90.</a:t>
+              <a:t>Ramesh says to enter we must first log in using a registered ID card at the security entrance. Only then we can walk-to the storage unit. Arjun says you will take us there with your ID then what next? Then the main shutter of the storage unit must be opened with a key, and I have a copy of that. Inside that there is a locker but only Chandru knows the passcode. Arjun asks so if we get the passcode we get the evidences. . Ashwa asks how to do it?. Arjun says let me think about it. Ashwa says one more 90. Arjun looks at him and Ashwa says you will think about it right not me?</a:t>
             </a:r>
           </a:p>
           <a:p>
@@ -36201,8 +36920,8 @@
         </p:nvSpPr>
         <p:spPr>
           <a:xfrm>
-            <a:off x="0" y="116958"/>
-            <a:ext cx="12493255" cy="7082355"/>
+            <a:off x="0" y="116959"/>
+            <a:ext cx="12599988" cy="6955174"/>
           </a:xfrm>
         </p:spPr>
         <p:txBody>
@@ -36253,7 +36972,7 @@
                 </a:solidFill>
                 <a:latin typeface="Aptos" panose="020B0004020202020204" pitchFamily="34" charset="0"/>
               </a:rPr>
-              <a:t>Anthony is sitting alone with his ring. The ring opens into a pocket holding the tablet. He sees Manu smoking. He calls Manu and walks to him. Anthony asks Manu how he is and what his life has become. He says see Manu I have given some money to the Deputy Guard. Your father is no longer in change of this place. I have stripped him from his position. But, you can take over. You must do a job for me. Manu asks what is it? I need you to extract an information from your beloved father and in exchange this prison will be your territory till you come out.</a:t>
+              <a:t>Anthony is sitting alone with his ring. The ring opens into a pocket holding the tablet. He sees Manu smoking. He calls Manu and walks to him. Anthony asks Manu how he is and what his life has become. He says see Manu I have given some money to the Deputy Guard. Your father is no longer in change of this place. I have stripped him from his position. But you can take over. You must do a job for me. Manu asks what is it? I need you to extract an information from your beloved father and in exchange this prison will be your territory till you come out. Manu looks to the side. </a:t>
             </a:r>
           </a:p>
           <a:p>
@@ -36263,12 +36982,51 @@
               </a:spcBef>
               <a:buNone/>
             </a:pPr>
-            <a:endParaRPr lang="en-US" sz="1500" dirty="0">
-              <a:solidFill>
-                <a:srgbClr val="000000"/>
-              </a:solidFill>
-              <a:latin typeface="Aptos" panose="020B0004020202020204" pitchFamily="34" charset="0"/>
-            </a:endParaRPr>
+            <a:r>
+              <a:rPr lang="en-US" sz="1500" dirty="0">
+                <a:solidFill>
+                  <a:srgbClr val="000000"/>
+                </a:solidFill>
+                <a:latin typeface="Aptos" panose="020B0004020202020204" pitchFamily="34" charset="0"/>
+              </a:rPr>
+              <a:t>Chandru walks into the scene. Manu growls looking at him. Chandru is scared. Anthony smiles and says so you planned to escape leaving everyone behind. Now you do not have the money neither the power. Someone throws something at Chandru and says </a:t>
+            </a:r>
+            <a:r>
+              <a:rPr lang="en-US" sz="1500" dirty="0" err="1">
+                <a:solidFill>
+                  <a:srgbClr val="000000"/>
+                </a:solidFill>
+                <a:latin typeface="Aptos" panose="020B0004020202020204" pitchFamily="34" charset="0"/>
+              </a:rPr>
+              <a:t>thu</a:t>
+            </a:r>
+            <a:r>
+              <a:rPr lang="en-US" sz="1500" dirty="0">
+                <a:solidFill>
+                  <a:srgbClr val="000000"/>
+                </a:solidFill>
+                <a:latin typeface="Aptos" panose="020B0004020202020204" pitchFamily="34" charset="0"/>
+              </a:rPr>
+              <a:t>. </a:t>
+            </a:r>
+            <a:r>
+              <a:rPr lang="en-US" sz="1500" dirty="0" err="1">
+                <a:solidFill>
+                  <a:srgbClr val="000000"/>
+                </a:solidFill>
+                <a:latin typeface="Aptos" panose="020B0004020202020204" pitchFamily="34" charset="0"/>
+              </a:rPr>
+              <a:t>Matke</a:t>
+            </a:r>
+            <a:r>
+              <a:rPr lang="en-US" sz="1500" dirty="0">
+                <a:solidFill>
+                  <a:srgbClr val="000000"/>
+                </a:solidFill>
+                <a:latin typeface="Aptos" panose="020B0004020202020204" pitchFamily="34" charset="0"/>
+              </a:rPr>
+              <a:t> and Mayavi both walk and stand behind Anthony. Anthony declares to everyone. I have all the money and the one with the money is the king of this jungle. Can you all guess who the king of this jungle is now? People chant Anthony! Anthony! Anthony! Anthony says you all are wrong  it is Manu.</a:t>
+            </a:r>
           </a:p>
           <a:p>
             <a:pPr marL="0" indent="0">
@@ -36277,12 +37035,15 @@
               </a:spcBef>
               <a:buNone/>
             </a:pPr>
-            <a:endParaRPr lang="en-US" sz="1500" dirty="0">
-              <a:solidFill>
-                <a:srgbClr val="000000"/>
-              </a:solidFill>
-              <a:latin typeface="Aptos" panose="020B0004020202020204" pitchFamily="34" charset="0"/>
-            </a:endParaRPr>
+            <a:r>
+              <a:rPr lang="en-US" sz="1500" dirty="0">
+                <a:solidFill>
+                  <a:srgbClr val="000000"/>
+                </a:solidFill>
+                <a:latin typeface="Aptos" panose="020B0004020202020204" pitchFamily="34" charset="0"/>
+              </a:rPr>
+              <a:t>Anthony walk up to Manu and says till today he has given you enough respect. Now, it is your turn. Manu smiles, looks at Chandru and says you left mom and me, and you did not even care about us. Even when I came to prison you treated me like a worm. Disrespecting me in front of everyone. Manu charges towards Chandru, lifts his hands like he is about to hit him.</a:t>
+            </a:r>
           </a:p>
           <a:p>
             <a:pPr marL="0" indent="0">
@@ -36291,12 +37052,15 @@
               </a:spcBef>
               <a:buNone/>
             </a:pPr>
-            <a:endParaRPr lang="en-US" sz="1500" dirty="0">
-              <a:solidFill>
-                <a:srgbClr val="000000"/>
-              </a:solidFill>
-              <a:latin typeface="Aptos" panose="020B0004020202020204" pitchFamily="34" charset="0"/>
-            </a:endParaRPr>
+            <a:r>
+              <a:rPr lang="en-US" sz="1500" dirty="0">
+                <a:solidFill>
+                  <a:srgbClr val="000000"/>
+                </a:solidFill>
+                <a:latin typeface="Aptos" panose="020B0004020202020204" pitchFamily="34" charset="0"/>
+              </a:rPr>
+              <a:t>But he puts his hands on Chandru’s shoulders and says I can understand you were busy and had a political career. Anthony is confused. Chandru smiles and says I was not going to go out alone. I had plans to get you out of here too. Manu says I know father as he tears. No matter what happened in the past you are always my father.</a:t>
+            </a:r>
           </a:p>
           <a:p>
             <a:pPr marL="0" indent="0">
@@ -36312,17 +37076,220 @@
                 </a:solidFill>
                 <a:latin typeface="Aptos" panose="020B0004020202020204" pitchFamily="34" charset="0"/>
               </a:rPr>
-              <a:t> </a:t>
-            </a:r>
-            <a:endParaRPr lang="en-US" sz="1500" kern="1200" dirty="0">
-              <a:solidFill>
-                <a:srgbClr val="000000"/>
-              </a:solidFill>
-              <a:effectLst/>
-              <a:latin typeface="Aptos" panose="020B0004020202020204" pitchFamily="34" charset="0"/>
-              <a:ea typeface="+mn-ea"/>
-              <a:cs typeface="+mn-cs"/>
-            </a:endParaRPr>
+              <a:t>Anthony gets angry and tells </a:t>
+            </a:r>
+            <a:r>
+              <a:rPr lang="en-US" sz="1500" dirty="0" err="1">
+                <a:solidFill>
+                  <a:srgbClr val="000000"/>
+                </a:solidFill>
+                <a:latin typeface="Aptos" panose="020B0004020202020204" pitchFamily="34" charset="0"/>
+              </a:rPr>
+              <a:t>Makte</a:t>
+            </a:r>
+            <a:r>
+              <a:rPr lang="en-US" sz="1500" dirty="0">
+                <a:solidFill>
+                  <a:srgbClr val="000000"/>
+                </a:solidFill>
+                <a:latin typeface="Aptos" panose="020B0004020202020204" pitchFamily="34" charset="0"/>
+              </a:rPr>
+              <a:t> to charge. </a:t>
+            </a:r>
+            <a:r>
+              <a:rPr lang="en-US" sz="1500" dirty="0" err="1">
+                <a:solidFill>
+                  <a:srgbClr val="000000"/>
+                </a:solidFill>
+                <a:latin typeface="Aptos" panose="020B0004020202020204" pitchFamily="34" charset="0"/>
+              </a:rPr>
+              <a:t>Matke</a:t>
+            </a:r>
+            <a:r>
+              <a:rPr lang="en-US" sz="1500" dirty="0">
+                <a:solidFill>
+                  <a:srgbClr val="000000"/>
+                </a:solidFill>
+                <a:latin typeface="Aptos" panose="020B0004020202020204" pitchFamily="34" charset="0"/>
+              </a:rPr>
+              <a:t> growls and goes to attack Manu. Manu slashes the throat of </a:t>
+            </a:r>
+            <a:r>
+              <a:rPr lang="en-US" sz="1500" dirty="0" err="1">
+                <a:solidFill>
+                  <a:srgbClr val="000000"/>
+                </a:solidFill>
+                <a:latin typeface="Aptos" panose="020B0004020202020204" pitchFamily="34" charset="0"/>
+              </a:rPr>
+              <a:t>Matke</a:t>
+            </a:r>
+            <a:r>
+              <a:rPr lang="en-US" sz="1500" dirty="0">
+                <a:solidFill>
+                  <a:srgbClr val="000000"/>
+                </a:solidFill>
+                <a:latin typeface="Aptos" panose="020B0004020202020204" pitchFamily="34" charset="0"/>
+              </a:rPr>
+              <a:t>. </a:t>
+            </a:r>
+            <a:r>
+              <a:rPr lang="en-US" sz="1500" dirty="0" err="1">
+                <a:solidFill>
+                  <a:srgbClr val="000000"/>
+                </a:solidFill>
+                <a:latin typeface="Aptos" panose="020B0004020202020204" pitchFamily="34" charset="0"/>
+              </a:rPr>
+              <a:t>Matke</a:t>
+            </a:r>
+            <a:r>
+              <a:rPr lang="en-US" sz="1500" dirty="0">
+                <a:solidFill>
+                  <a:srgbClr val="000000"/>
+                </a:solidFill>
+                <a:latin typeface="Aptos" panose="020B0004020202020204" pitchFamily="34" charset="0"/>
+              </a:rPr>
+              <a:t> holds his neck calls for his brother and dies. Chandru and others cannot believe it. Mayavi gets emotional and cries on top of </a:t>
+            </a:r>
+            <a:r>
+              <a:rPr lang="en-US" sz="1500" dirty="0" err="1">
+                <a:solidFill>
+                  <a:srgbClr val="000000"/>
+                </a:solidFill>
+                <a:latin typeface="Aptos" panose="020B0004020202020204" pitchFamily="34" charset="0"/>
+              </a:rPr>
+              <a:t>Matke</a:t>
+            </a:r>
+            <a:r>
+              <a:rPr lang="en-US" sz="1500" dirty="0">
+                <a:solidFill>
+                  <a:srgbClr val="000000"/>
+                </a:solidFill>
+                <a:latin typeface="Aptos" panose="020B0004020202020204" pitchFamily="34" charset="0"/>
+              </a:rPr>
+              <a:t>. </a:t>
+            </a:r>
+          </a:p>
+          <a:p>
+            <a:pPr marL="0" indent="0">
+              <a:spcBef>
+                <a:spcPts val="500"/>
+              </a:spcBef>
+              <a:buNone/>
+            </a:pPr>
+            <a:r>
+              <a:rPr lang="en-US" sz="1500" dirty="0">
+                <a:solidFill>
+                  <a:srgbClr val="000000"/>
+                </a:solidFill>
+                <a:latin typeface="Aptos" panose="020B0004020202020204" pitchFamily="34" charset="0"/>
+              </a:rPr>
+              <a:t>Manu says till today the reason because I was quiet was not fear it was because of the respect that I have for my father. Chandru holds and lifts the hands of Manu saying the new king of this prison. Everyone starts chanting Manu! Manu! Manu! Manu says only under you father.</a:t>
+            </a:r>
+          </a:p>
+          <a:p>
+            <a:pPr marL="0" indent="0">
+              <a:spcBef>
+                <a:spcPts val="500"/>
+              </a:spcBef>
+              <a:buNone/>
+            </a:pPr>
+            <a:r>
+              <a:rPr lang="en-US" sz="1500" dirty="0">
+                <a:solidFill>
+                  <a:srgbClr val="000000"/>
+                </a:solidFill>
+                <a:latin typeface="Aptos" panose="020B0004020202020204" pitchFamily="34" charset="0"/>
+              </a:rPr>
+              <a:t>Manu asks people to take Anthony to clean the toilets. Police come there and ask others to pick up the body of </a:t>
+            </a:r>
+            <a:r>
+              <a:rPr lang="en-US" sz="1500" dirty="0" err="1">
+                <a:solidFill>
+                  <a:srgbClr val="000000"/>
+                </a:solidFill>
+                <a:latin typeface="Aptos" panose="020B0004020202020204" pitchFamily="34" charset="0"/>
+              </a:rPr>
+              <a:t>Matke</a:t>
+            </a:r>
+            <a:r>
+              <a:rPr lang="en-US" sz="1500" dirty="0">
+                <a:solidFill>
+                  <a:srgbClr val="000000"/>
+                </a:solidFill>
+                <a:latin typeface="Aptos" panose="020B0004020202020204" pitchFamily="34" charset="0"/>
+              </a:rPr>
+              <a:t>. Mayavi cries in disbelief. A guard yells time for tea and snacks. Chandru puts his hands on Manu and says come on son let us have tea. I am so happy today.</a:t>
+            </a:r>
+          </a:p>
+          <a:p>
+            <a:pPr marL="0" indent="0">
+              <a:spcBef>
+                <a:spcPts val="500"/>
+              </a:spcBef>
+              <a:buNone/>
+            </a:pPr>
+            <a:r>
+              <a:rPr lang="en-US" sz="1500" dirty="0">
+                <a:solidFill>
+                  <a:srgbClr val="000000"/>
+                </a:solidFill>
+                <a:latin typeface="Aptos" panose="020B0004020202020204" pitchFamily="34" charset="0"/>
+              </a:rPr>
+              <a:t>Manu turns and says shall we lighten up the mood in honor of </a:t>
+            </a:r>
+            <a:r>
+              <a:rPr lang="en-US" sz="1500" dirty="0" err="1">
+                <a:solidFill>
+                  <a:srgbClr val="000000"/>
+                </a:solidFill>
+                <a:latin typeface="Aptos" panose="020B0004020202020204" pitchFamily="34" charset="0"/>
+              </a:rPr>
+              <a:t>Matke</a:t>
+            </a:r>
+            <a:r>
+              <a:rPr lang="en-US" sz="1500" dirty="0">
+                <a:solidFill>
+                  <a:srgbClr val="000000"/>
+                </a:solidFill>
+                <a:latin typeface="Aptos" panose="020B0004020202020204" pitchFamily="34" charset="0"/>
+              </a:rPr>
+              <a:t>. How about a magic show for entertainment Mayavi? Chandru asks others to go and pick up Mayavi. Mayavi says no. Manu says if you want to live you better do as we say. </a:t>
+            </a:r>
+          </a:p>
+          <a:p>
+            <a:pPr marL="0" indent="0">
+              <a:spcBef>
+                <a:spcPts val="500"/>
+              </a:spcBef>
+              <a:buNone/>
+            </a:pPr>
+            <a:r>
+              <a:rPr lang="en-US" sz="1500" dirty="0">
+                <a:solidFill>
+                  <a:srgbClr val="000000"/>
+                </a:solidFill>
+                <a:latin typeface="Aptos" panose="020B0004020202020204" pitchFamily="34" charset="0"/>
+              </a:rPr>
+              <a:t>Mayavi is locked in the cell surrounded by Manu and others with Chandru in front of him. Mayavi </a:t>
+            </a:r>
+            <a:r>
+              <a:rPr lang="en-US" sz="1500" b="1" dirty="0">
+                <a:solidFill>
+                  <a:srgbClr val="000000"/>
+                </a:solidFill>
+                <a:latin typeface="Aptos" panose="020B0004020202020204" pitchFamily="34" charset="0"/>
+              </a:rPr>
+              <a:t>{performs some magic tricks}</a:t>
+            </a:r>
+            <a:r>
+              <a:rPr lang="en-US" sz="1500" dirty="0">
+                <a:solidFill>
+                  <a:srgbClr val="000000"/>
+                </a:solidFill>
+                <a:latin typeface="Aptos" panose="020B0004020202020204" pitchFamily="34" charset="0"/>
+              </a:rPr>
+              <a:t> that entertain them [Slow-Mo]. He picks up Chandru’s glass of tea. He plays around with it and makes it disappear. While everyone is concentrated on his right hand which held the tea, Mayavi is holding it in his left hand, behind his head. He uses his pinky and drops a pill from his ear into the tea glass. He makes the glass reappear. Everyone is impressed. He does a 360 of the glass without spilling it and gives it to Chandru. </a:t>
+            </a:r>
           </a:p>
         </p:txBody>
       </p:sp>
@@ -36347,7 +37314,7 @@
         <p:cNvPr id="1" name="">
           <a:extLst>
             <a:ext uri="{FF2B5EF4-FFF2-40B4-BE49-F238E27FC236}">
-              <a16:creationId xmlns:a16="http://schemas.microsoft.com/office/drawing/2014/main" id="{EBF9FFC7-678F-10B6-405C-B7356526CD26}"/>
+              <a16:creationId xmlns:a16="http://schemas.microsoft.com/office/drawing/2014/main" id="{7E6D81F3-8763-7036-B75F-7727F664D071}"/>
             </a:ext>
           </a:extLst>
         </p:cNvPr>
@@ -36367,7 +37334,7 @@
           <p:cNvPr id="3" name="Content Placeholder 2">
             <a:extLst>
               <a:ext uri="{FF2B5EF4-FFF2-40B4-BE49-F238E27FC236}">
-                <a16:creationId xmlns:a16="http://schemas.microsoft.com/office/drawing/2014/main" id="{EAFB90C5-C9B5-2435-160D-7A628E8A7EB5}"/>
+                <a16:creationId xmlns:a16="http://schemas.microsoft.com/office/drawing/2014/main" id="{F92FC1DE-955C-90C1-A044-4747DA663091}"/>
               </a:ext>
             </a:extLst>
           </p:cNvPr>
@@ -36380,8 +37347,8 @@
         </p:nvSpPr>
         <p:spPr>
           <a:xfrm>
-            <a:off x="314527" y="240997"/>
-            <a:ext cx="11696282" cy="6717322"/>
+            <a:off x="0" y="57872"/>
+            <a:ext cx="12599988" cy="7083566"/>
           </a:xfrm>
         </p:spPr>
         <p:txBody>
@@ -36391,169 +37358,381 @@
           <a:lstStyle/>
           <a:p>
             <a:pPr marL="0" indent="0">
-              <a:lnSpc>
-                <a:spcPct val="100000"/>
-              </a:lnSpc>
               <a:spcBef>
                 <a:spcPts val="500"/>
               </a:spcBef>
               <a:buNone/>
             </a:pPr>
             <a:r>
-              <a:rPr lang="en-US" sz="1500" b="1" dirty="0"/>
-              <a:t>Anthony </a:t>
-            </a:r>
-            <a:r>
-              <a:rPr lang="en-US" sz="1500" dirty="0"/>
-              <a:t>– Born and brought up in the coastal side of Kerala where his parents ran an Antique shop. He was always fascinated by the Antiques. As he grew up, he expanded the family business all over the country and then internationally. </a:t>
+              <a:rPr lang="en-US" sz="1500" kern="1200" dirty="0">
+                <a:solidFill>
+                  <a:srgbClr val="000000"/>
+                </a:solidFill>
+                <a:effectLst/>
+                <a:latin typeface="Aptos" panose="020B0004020202020204" pitchFamily="34" charset="0"/>
+                <a:ea typeface="+mn-ea"/>
+                <a:cs typeface="+mn-cs"/>
+              </a:rPr>
+              <a:t>Chandru drinks it. Manu asks Mayavi to get lost. </a:t>
+            </a:r>
+            <a:r>
+              <a:rPr lang="en-US" sz="1500" dirty="0">
+                <a:solidFill>
+                  <a:srgbClr val="000000"/>
+                </a:solidFill>
+                <a:latin typeface="Aptos" panose="020B0004020202020204" pitchFamily="34" charset="0"/>
+              </a:rPr>
+              <a:t>Chandru </a:t>
+            </a:r>
+            <a:r>
+              <a:rPr lang="en-US" sz="1500" kern="1200" dirty="0">
+                <a:solidFill>
+                  <a:srgbClr val="000000"/>
+                </a:solidFill>
+                <a:effectLst/>
+                <a:latin typeface="Aptos" panose="020B0004020202020204" pitchFamily="34" charset="0"/>
+                <a:ea typeface="+mn-ea"/>
+                <a:cs typeface="+mn-cs"/>
+              </a:rPr>
+              <a:t>asks everyone to clear the cell. Chandru is now sitting alone with his son Manu. </a:t>
+            </a:r>
+            <a:r>
+              <a:rPr lang="en-US" sz="1500" b="1" kern="1200" dirty="0">
+                <a:solidFill>
+                  <a:srgbClr val="000000"/>
+                </a:solidFill>
+                <a:effectLst/>
+                <a:latin typeface="Aptos" panose="020B0004020202020204" pitchFamily="34" charset="0"/>
+                <a:ea typeface="+mn-ea"/>
+                <a:cs typeface="+mn-cs"/>
+              </a:rPr>
+              <a:t>{Emotional convo}.</a:t>
+            </a:r>
+            <a:r>
+              <a:rPr lang="en-US" sz="1500" kern="1200" dirty="0">
+                <a:solidFill>
+                  <a:srgbClr val="000000"/>
+                </a:solidFill>
+                <a:effectLst/>
+                <a:latin typeface="Aptos" panose="020B0004020202020204" pitchFamily="34" charset="0"/>
+                <a:ea typeface="+mn-ea"/>
+                <a:cs typeface="+mn-cs"/>
+              </a:rPr>
+              <a:t> Suddenly, Chandru breaths heavily, his teacup falls. Chandru gets worried and calls the warden. Chandru shuts his eyes. </a:t>
             </a:r>
           </a:p>
           <a:p>
             <a:pPr marL="0" indent="0">
-              <a:lnSpc>
-                <a:spcPct val="100000"/>
-              </a:lnSpc>
               <a:spcBef>
                 <a:spcPts val="500"/>
               </a:spcBef>
               <a:buNone/>
             </a:pPr>
             <a:r>
-              <a:rPr lang="en-US" sz="1500" dirty="0"/>
-              <a:t>He made enough money to buy his own cargo ship for import and export of his good.</a:t>
+              <a:rPr lang="en-US" sz="1500" dirty="0">
+                <a:solidFill>
+                  <a:srgbClr val="000000"/>
+                </a:solidFill>
+                <a:latin typeface="Aptos" panose="020B0004020202020204" pitchFamily="34" charset="0"/>
+              </a:rPr>
+              <a:t>Chandru opens his eyes to see that he is in the medical ward. He asks what happened. Manu sitting beside him says you had a heart attack again. The doctor there says you must get treated soon and walks to the side. Manu says why did you not take the deal from NCB to get out? Chandru says Anthony has taken and hidden my money somewhere and when I saw that I just froze because that is all I have and what will I do after I go out? </a:t>
             </a:r>
           </a:p>
           <a:p>
             <a:pPr marL="0" indent="0">
-              <a:lnSpc>
-                <a:spcPct val="100000"/>
-              </a:lnSpc>
               <a:spcBef>
                 <a:spcPts val="500"/>
               </a:spcBef>
               <a:buNone/>
             </a:pPr>
             <a:r>
-              <a:rPr lang="en-US" sz="1500" dirty="0"/>
-              <a:t>One day he is attacked by a small-time mob boss to import drugs from south to his coast. At first Anthony disagrees but with his life on the line he agrees.  The mission went on smoothly and he discovered that his cargo can easily be used to transport illegal goods over international waters.</a:t>
+              <a:rPr lang="en-US" sz="1500" dirty="0">
+                <a:solidFill>
+                  <a:srgbClr val="000000"/>
+                </a:solidFill>
+                <a:latin typeface="Aptos" panose="020B0004020202020204" pitchFamily="34" charset="0"/>
+              </a:rPr>
+              <a:t>Manu says at least you would have been out, right? After you were out you could have done something. What proof do you have against him? Chandru says enough to put him here forever. Manu says then do it.</a:t>
             </a:r>
           </a:p>
           <a:p>
             <a:pPr marL="0" indent="0">
-              <a:lnSpc>
-                <a:spcPct val="100000"/>
-              </a:lnSpc>
               <a:spcBef>
                 <a:spcPts val="500"/>
               </a:spcBef>
               <a:buNone/>
             </a:pPr>
             <a:r>
-              <a:rPr lang="en-US" sz="1500" dirty="0"/>
-              <a:t>Being a good businessman he had good connections with the mob, mafia and the cartel.</a:t>
+              <a:rPr lang="en-US" sz="1500" dirty="0">
+                <a:solidFill>
+                  <a:srgbClr val="000000"/>
+                </a:solidFill>
+                <a:latin typeface="Aptos" panose="020B0004020202020204" pitchFamily="34" charset="0"/>
+              </a:rPr>
+              <a:t>Chandru says I will ask my lawyer to hand over the evidence to NCB. Manu says you still believe the lawyer is loyal? How do you think Anthony got your hidden money. I heard him say your lawyer turned against you. I have my men outside I can make that lawyer pay. That bloody lawyer must not be killed easily. Manu says leave that to me father my men are expert in that arena.</a:t>
             </a:r>
           </a:p>
           <a:p>
             <a:pPr marL="0" indent="0">
-              <a:lnSpc>
-                <a:spcPct val="100000"/>
-              </a:lnSpc>
               <a:spcBef>
                 <a:spcPts val="500"/>
               </a:spcBef>
               <a:buNone/>
             </a:pPr>
             <a:r>
-              <a:rPr lang="en-US" sz="1500" b="1" dirty="0"/>
-              <a:t>Joseph </a:t>
-            </a:r>
-            <a:r>
-              <a:rPr lang="en-US" sz="1500" dirty="0"/>
-              <a:t>– Born and brought up in Kudla his father was a local goon and a fisherman. But he always wanted to make more than a simple life.</a:t>
+              <a:rPr lang="en-US" sz="1500" dirty="0">
+                <a:solidFill>
+                  <a:srgbClr val="000000"/>
+                </a:solidFill>
+                <a:latin typeface="Aptos" panose="020B0004020202020204" pitchFamily="34" charset="0"/>
+              </a:rPr>
+              <a:t>Manu says but it is important for you to go out, get treated and then free me. My people are already making Anthony to tell where the hidden the money is. Chandru smiles. Chandru says and I will free you, that was always my plan. Manu tears and says but the most important thing now is to secure the evidence before your loyal lawyer tells Anthony’s men the location of the Nagamangala storage unit with evidence. Chandru says the locker has a passcode send your men asap.</a:t>
             </a:r>
           </a:p>
           <a:p>
             <a:pPr marL="0" indent="0">
-              <a:lnSpc>
-                <a:spcPct val="100000"/>
-              </a:lnSpc>
               <a:spcBef>
                 <a:spcPts val="500"/>
               </a:spcBef>
               <a:buNone/>
             </a:pPr>
             <a:r>
-              <a:rPr lang="en-US" sz="1500" dirty="0"/>
-              <a:t>The fisherman gets killed by a Casino owner. The death of his father causes him and his brother to take revenge. The person who killed their father was a Casino owner in Goa. Soon they took over the casino. </a:t>
+              <a:rPr lang="en-US" sz="1500" dirty="0">
+                <a:solidFill>
+                  <a:srgbClr val="000000"/>
+                </a:solidFill>
+                <a:latin typeface="Aptos" panose="020B0004020202020204" pitchFamily="34" charset="0"/>
+              </a:rPr>
+              <a:t>Anthony is seen making painful expressions like he is tortured by Manu’s men. Anthony takes a puff of smoke and tells what to do about this acidity </a:t>
+            </a:r>
+            <a:r>
+              <a:rPr lang="en-US" sz="1500" dirty="0" err="1">
+                <a:solidFill>
+                  <a:srgbClr val="000000"/>
+                </a:solidFill>
+                <a:latin typeface="Aptos" panose="020B0004020202020204" pitchFamily="34" charset="0"/>
+              </a:rPr>
+              <a:t>Matke</a:t>
+            </a:r>
+            <a:r>
+              <a:rPr lang="en-US" sz="1500" dirty="0">
+                <a:solidFill>
+                  <a:srgbClr val="000000"/>
+                </a:solidFill>
+                <a:latin typeface="Aptos" panose="020B0004020202020204" pitchFamily="34" charset="0"/>
+              </a:rPr>
+              <a:t>. </a:t>
+            </a:r>
+            <a:r>
+              <a:rPr lang="en-US" sz="1500" dirty="0" err="1">
+                <a:solidFill>
+                  <a:srgbClr val="000000"/>
+                </a:solidFill>
+                <a:latin typeface="Aptos" panose="020B0004020202020204" pitchFamily="34" charset="0"/>
+              </a:rPr>
+              <a:t>Matke</a:t>
+            </a:r>
+            <a:r>
+              <a:rPr lang="en-US" sz="1500" dirty="0">
+                <a:solidFill>
+                  <a:srgbClr val="000000"/>
+                </a:solidFill>
+                <a:latin typeface="Aptos" panose="020B0004020202020204" pitchFamily="34" charset="0"/>
+              </a:rPr>
+              <a:t> signs stop smoking. Manu comes there.</a:t>
             </a:r>
           </a:p>
           <a:p>
             <a:pPr marL="0" indent="0">
-              <a:lnSpc>
-                <a:spcPct val="100000"/>
-              </a:lnSpc>
               <a:spcBef>
                 <a:spcPts val="500"/>
               </a:spcBef>
               <a:buNone/>
             </a:pPr>
             <a:r>
-              <a:rPr lang="en-US" sz="1500" dirty="0"/>
-              <a:t>One day the brothers had a brawl which resulted in Joseph killing his brother. </a:t>
+              <a:rPr lang="en-US" sz="1500" dirty="0">
+                <a:solidFill>
+                  <a:srgbClr val="000000"/>
+                </a:solidFill>
+                <a:latin typeface="Aptos" panose="020B0004020202020204" pitchFamily="34" charset="0"/>
+              </a:rPr>
+              <a:t>Manu hands him a paper. Chandru takes it, smiles and says thank you Manu. [</a:t>
+            </a:r>
+            <a:r>
+              <a:rPr lang="en-US" sz="1500" i="1" dirty="0">
+                <a:solidFill>
+                  <a:srgbClr val="000000"/>
+                </a:solidFill>
+                <a:latin typeface="Aptos" panose="020B0004020202020204" pitchFamily="34" charset="0"/>
+              </a:rPr>
+              <a:t>Flashback</a:t>
+            </a:r>
+            <a:r>
+              <a:rPr lang="en-US" sz="1500" dirty="0">
+                <a:solidFill>
+                  <a:srgbClr val="000000"/>
+                </a:solidFill>
+                <a:latin typeface="Aptos" panose="020B0004020202020204" pitchFamily="34" charset="0"/>
+              </a:rPr>
+              <a:t>] Manu says I will make him tell the passcode. Anthony says I have known your father for a long time, you cannot make him open his mouth with fear or pain. Manu asks what else to do then? Anthony says Chandru is feeling all lonely now and you will give him warmth and finally give him a taste of his own medicine. Manu says betrayal.</a:t>
             </a:r>
           </a:p>
           <a:p>
             <a:pPr marL="0" indent="0">
-              <a:lnSpc>
-                <a:spcPct val="100000"/>
-              </a:lnSpc>
               <a:spcBef>
                 <a:spcPts val="500"/>
               </a:spcBef>
               <a:buNone/>
             </a:pPr>
             <a:r>
-              <a:rPr lang="en-US" sz="1500" dirty="0"/>
-              <a:t>Joseph settles in Bangalore and joins the Church of Victor.</a:t>
+              <a:rPr lang="en-US" sz="1500" dirty="0">
+                <a:solidFill>
+                  <a:srgbClr val="000000"/>
+                </a:solidFill>
+                <a:latin typeface="Aptos" panose="020B0004020202020204" pitchFamily="34" charset="0"/>
+              </a:rPr>
+              <a:t>Anthony says, ‘From a betrayal, to a betrayal, for a betrayal’. He asks </a:t>
+            </a:r>
+            <a:r>
+              <a:rPr lang="en-US" sz="1500" dirty="0" err="1">
+                <a:solidFill>
+                  <a:srgbClr val="000000"/>
+                </a:solidFill>
+                <a:latin typeface="Aptos" panose="020B0004020202020204" pitchFamily="34" charset="0"/>
+              </a:rPr>
+              <a:t>Matke</a:t>
+            </a:r>
+            <a:r>
+              <a:rPr lang="en-US" sz="1500" dirty="0">
+                <a:solidFill>
+                  <a:srgbClr val="000000"/>
+                </a:solidFill>
+                <a:latin typeface="Aptos" panose="020B0004020202020204" pitchFamily="34" charset="0"/>
+              </a:rPr>
+              <a:t> where the phone is. </a:t>
+            </a:r>
+            <a:r>
+              <a:rPr lang="en-US" sz="1500" dirty="0" err="1">
+                <a:solidFill>
+                  <a:srgbClr val="000000"/>
+                </a:solidFill>
+                <a:latin typeface="Aptos" panose="020B0004020202020204" pitchFamily="34" charset="0"/>
+              </a:rPr>
+              <a:t>Matke</a:t>
+            </a:r>
+            <a:r>
+              <a:rPr lang="en-US" sz="1500" dirty="0">
+                <a:solidFill>
+                  <a:srgbClr val="000000"/>
+                </a:solidFill>
+                <a:latin typeface="Aptos" panose="020B0004020202020204" pitchFamily="34" charset="0"/>
+              </a:rPr>
+              <a:t> gives him a phone. Anthony dials the number and tells Arjun we found the passcode. Manu tells </a:t>
+            </a:r>
+            <a:r>
+              <a:rPr lang="en-US" sz="1500" dirty="0" err="1">
+                <a:solidFill>
+                  <a:srgbClr val="000000"/>
+                </a:solidFill>
+                <a:latin typeface="Aptos" panose="020B0004020202020204" pitchFamily="34" charset="0"/>
+              </a:rPr>
+              <a:t>Matke</a:t>
+            </a:r>
+            <a:r>
+              <a:rPr lang="en-US" sz="1500" dirty="0">
+                <a:solidFill>
+                  <a:srgbClr val="000000"/>
+                </a:solidFill>
+                <a:latin typeface="Aptos" panose="020B0004020202020204" pitchFamily="34" charset="0"/>
+              </a:rPr>
+              <a:t> you acted good. </a:t>
+            </a:r>
+            <a:r>
+              <a:rPr lang="en-US" sz="1500" dirty="0" err="1">
+                <a:solidFill>
+                  <a:srgbClr val="000000"/>
+                </a:solidFill>
+                <a:latin typeface="Aptos" panose="020B0004020202020204" pitchFamily="34" charset="0"/>
+              </a:rPr>
+              <a:t>Matke</a:t>
+            </a:r>
+            <a:r>
+              <a:rPr lang="en-US" sz="1500" dirty="0">
+                <a:solidFill>
+                  <a:srgbClr val="000000"/>
+                </a:solidFill>
+                <a:latin typeface="Aptos" panose="020B0004020202020204" pitchFamily="34" charset="0"/>
+              </a:rPr>
+              <a:t> signs and says you were better. Anthony turns looks at Manu and tells Manu, I love you, Manu.</a:t>
             </a:r>
           </a:p>
           <a:p>
             <a:pPr marL="0" indent="0">
-              <a:lnSpc>
-                <a:spcPct val="100000"/>
-              </a:lnSpc>
               <a:spcBef>
                 <a:spcPts val="500"/>
               </a:spcBef>
               <a:buNone/>
             </a:pPr>
-            <a:endParaRPr lang="en-US" sz="1500" dirty="0"/>
+            <a:r>
+              <a:rPr lang="en-US" sz="1500" dirty="0">
+                <a:solidFill>
+                  <a:srgbClr val="000000"/>
+                </a:solidFill>
+                <a:latin typeface="Aptos" panose="020B0004020202020204" pitchFamily="34" charset="0"/>
+              </a:rPr>
+              <a:t>Non-Diegetic music to Diegetic on radio. Arjun, Ashwa and Ramesh are in a car going towards the storage unit </a:t>
+            </a:r>
+            <a:r>
+              <a:rPr lang="en-US" sz="1500" b="1" dirty="0">
+                <a:solidFill>
+                  <a:srgbClr val="000000"/>
+                </a:solidFill>
+                <a:latin typeface="Aptos" panose="020B0004020202020204" pitchFamily="34" charset="0"/>
+              </a:rPr>
+              <a:t>{comedy}</a:t>
+            </a:r>
+            <a:r>
+              <a:rPr lang="en-US" sz="1500" dirty="0">
+                <a:solidFill>
+                  <a:srgbClr val="000000"/>
+                </a:solidFill>
+                <a:latin typeface="Aptos" panose="020B0004020202020204" pitchFamily="34" charset="0"/>
+              </a:rPr>
+              <a:t>. Arjun says we found the code. He is holding the paper with the code 10869 get ready for action. Ashwa says we need to travel for an hour more.</a:t>
+            </a:r>
           </a:p>
           <a:p>
             <a:pPr marL="0" indent="0">
-              <a:lnSpc>
-                <a:spcPct val="100000"/>
-              </a:lnSpc>
               <a:spcBef>
                 <a:spcPts val="500"/>
               </a:spcBef>
               <a:buNone/>
             </a:pPr>
-            <a:endParaRPr lang="en-US" sz="1500" dirty="0"/>
+            <a:r>
+              <a:rPr lang="en-US" sz="1500" dirty="0">
+                <a:solidFill>
+                  <a:srgbClr val="000000"/>
+                </a:solidFill>
+                <a:latin typeface="Aptos" panose="020B0004020202020204" pitchFamily="34" charset="0"/>
+              </a:rPr>
+              <a:t>In the medical ward Chandru is flirting with the doctor. He realizes something. How did Manu know that the storage unit is in Nagamangala. Chandru says I need your phone. Doctor says that is against the rule. He picks something sharp and threatens to kill her. She gives her phone. He dials a number and calls the NCB officer and says the evidence is in danger go Nagamangala storage unit the proof is in the 13B locker, and the passcode is. NCB says come on we must go quick. You get the warrant to open the locker and email it to me. Let’s go. The doctor picks up an injection and injects it to Chandru and he falls unconscious on the bed.</a:t>
+            </a:r>
           </a:p>
           <a:p>
             <a:pPr marL="0" indent="0">
-              <a:lnSpc>
-                <a:spcPct val="100000"/>
-              </a:lnSpc>
               <a:spcBef>
                 <a:spcPts val="500"/>
               </a:spcBef>
               <a:buNone/>
             </a:pPr>
             <a:r>
-              <a:rPr lang="en-US" sz="1500" dirty="0"/>
-              <a:t>Anthony and Joseph go to the same college. Joseph’s father being a simple fisherman, he is poor and Anthony is from a middle class. They share a strong bond. One day Anthony helps Joseph.</a:t>
+              <a:rPr lang="en-US" sz="1500" dirty="0">
+                <a:solidFill>
+                  <a:srgbClr val="000000"/>
+                </a:solidFill>
+                <a:latin typeface="Aptos" panose="020B0004020202020204" pitchFamily="34" charset="0"/>
+              </a:rPr>
+              <a:t>Arjun, Ashwa and Ramesh reach the storage unit location. Ramesh gets down and shows his ID to the guard. The guard registers the name and sends then inside. Arjun says I have no trust on you I will go alone. Ashwa takes Ramesh outside. Arjun takes the key from Ramesh.</a:t>
             </a:r>
           </a:p>
         </p:txBody>
@@ -36561,7 +37740,7 @@
     </p:spTree>
     <p:extLst>
       <p:ext uri="{BB962C8B-B14F-4D97-AF65-F5344CB8AC3E}">
-        <p14:creationId xmlns:p14="http://schemas.microsoft.com/office/powerpoint/2010/main" val="3429193599"/>
+        <p14:creationId xmlns:p14="http://schemas.microsoft.com/office/powerpoint/2010/main" val="1707066818"/>
       </p:ext>
     </p:extLst>
   </p:cSld>
